--- a/fall11/slidesF11/slides2m.pptx
+++ b/fall11/slidesF11/slides2m.pptx
@@ -5,36 +5,37 @@
     <p:sldMasterId id="2147483648" r:id="rId1"/>
   </p:sldMasterIdLst>
   <p:notesMasterIdLst>
-    <p:notesMasterId r:id="rId21"/>
+    <p:notesMasterId r:id="rId22"/>
   </p:notesMasterIdLst>
   <p:handoutMasterIdLst>
-    <p:handoutMasterId r:id="rId22"/>
+    <p:handoutMasterId r:id="rId23"/>
   </p:handoutMasterIdLst>
   <p:sldIdLst>
     <p:sldId id="276" r:id="rId2"/>
-    <p:sldId id="278" r:id="rId3"/>
-    <p:sldId id="288" r:id="rId4"/>
-    <p:sldId id="289" r:id="rId5"/>
-    <p:sldId id="281" r:id="rId6"/>
-    <p:sldId id="282" r:id="rId7"/>
-    <p:sldId id="290" r:id="rId8"/>
-    <p:sldId id="284" r:id="rId9"/>
-    <p:sldId id="285" r:id="rId10"/>
-    <p:sldId id="286" r:id="rId11"/>
-    <p:sldId id="322" r:id="rId12"/>
-    <p:sldId id="340" r:id="rId13"/>
-    <p:sldId id="339" r:id="rId14"/>
-    <p:sldId id="323" r:id="rId15"/>
-    <p:sldId id="325" r:id="rId16"/>
-    <p:sldId id="337" r:id="rId17"/>
-    <p:sldId id="338" r:id="rId18"/>
-    <p:sldId id="287" r:id="rId19"/>
-    <p:sldId id="336" r:id="rId20"/>
+    <p:sldId id="341" r:id="rId3"/>
+    <p:sldId id="281" r:id="rId4"/>
+    <p:sldId id="282" r:id="rId5"/>
+    <p:sldId id="290" r:id="rId6"/>
+    <p:sldId id="278" r:id="rId7"/>
+    <p:sldId id="288" r:id="rId8"/>
+    <p:sldId id="289" r:id="rId9"/>
+    <p:sldId id="284" r:id="rId10"/>
+    <p:sldId id="285" r:id="rId11"/>
+    <p:sldId id="286" r:id="rId12"/>
+    <p:sldId id="322" r:id="rId13"/>
+    <p:sldId id="340" r:id="rId14"/>
+    <p:sldId id="339" r:id="rId15"/>
+    <p:sldId id="323" r:id="rId16"/>
+    <p:sldId id="325" r:id="rId17"/>
+    <p:sldId id="337" r:id="rId18"/>
+    <p:sldId id="338" r:id="rId19"/>
+    <p:sldId id="287" r:id="rId20"/>
+    <p:sldId id="336" r:id="rId21"/>
   </p:sldIdLst>
   <p:sldSz cx="9144000" cy="6858000" type="screen4x3"/>
   <p:notesSz cx="7315200" cy="9601200"/>
   <p:custDataLst>
-    <p:tags r:id="rId24"/>
+    <p:tags r:id="rId25"/>
   </p:custDataLst>
   <p:defaultTextStyle>
     <a:defPPr>
@@ -778,7 +779,7 @@
                 <a:cs typeface="Arial" charset="0"/>
               </a:rPr>
               <a:pPr/>
-              <a:t>10</a:t>
+              <a:t>11</a:t>
             </a:fld>
             <a:endParaRPr lang="en-US">
               <a:cs typeface="Arial" charset="0"/>
@@ -870,7 +871,7 @@
                 <a:cs typeface="Arial" charset="0"/>
               </a:rPr>
               <a:pPr/>
-              <a:t>11</a:t>
+              <a:t>12</a:t>
             </a:fld>
             <a:endParaRPr lang="en-US">
               <a:cs typeface="Arial" charset="0"/>
@@ -962,7 +963,7 @@
                 <a:cs typeface="Arial" charset="0"/>
               </a:rPr>
               <a:pPr/>
-              <a:t>12</a:t>
+              <a:t>13</a:t>
             </a:fld>
             <a:endParaRPr lang="en-US">
               <a:cs typeface="Arial" charset="0"/>
@@ -1054,7 +1055,7 @@
                 <a:cs typeface="Arial" charset="0"/>
               </a:rPr>
               <a:pPr/>
-              <a:t>13</a:t>
+              <a:t>14</a:t>
             </a:fld>
             <a:endParaRPr lang="en-US">
               <a:cs typeface="Arial" charset="0"/>
@@ -1146,7 +1147,7 @@
                 <a:cs typeface="Arial" charset="0"/>
               </a:rPr>
               <a:pPr/>
-              <a:t>14</a:t>
+              <a:t>15</a:t>
             </a:fld>
             <a:endParaRPr lang="en-US">
               <a:cs typeface="Arial" charset="0"/>
@@ -1238,7 +1239,7 @@
                 <a:cs typeface="Arial" charset="0"/>
               </a:rPr>
               <a:pPr/>
-              <a:t>15</a:t>
+              <a:t>16</a:t>
             </a:fld>
             <a:endParaRPr lang="en-US">
               <a:cs typeface="Arial" charset="0"/>
@@ -1330,7 +1331,7 @@
                 <a:cs typeface="Arial" charset="0"/>
               </a:rPr>
               <a:pPr/>
-              <a:t>18</a:t>
+              <a:t>19</a:t>
             </a:fld>
             <a:endParaRPr lang="en-US">
               <a:cs typeface="Arial" charset="0"/>
@@ -1420,7 +1421,7 @@
             <a:fld id="{6653F924-F418-411E-8C35-24F3766CE997}" type="slidenum">
               <a:rPr lang="en-US" smtClean="0"/>
               <a:pPr/>
-              <a:t>19</a:t>
+              <a:t>20</a:t>
             </a:fld>
             <a:endParaRPr lang="en-US" smtClean="0"/>
           </a:p>
@@ -1489,6 +1490,282 @@
       </p:grpSpPr>
       <p:sp>
         <p:nvSpPr>
+          <p:cNvPr id="64514" name="Rectangle 7"/>
+          <p:cNvSpPr>
+            <a:spLocks noGrp="1" noChangeArrowheads="1"/>
+          </p:cNvSpPr>
+          <p:nvPr>
+            <p:ph type="sldNum" sz="quarter" idx="5"/>
+          </p:nvPr>
+        </p:nvSpPr>
+        <p:spPr>
+          <a:noFill/>
+        </p:spPr>
+        <p:txBody>
+          <a:bodyPr/>
+          <a:lstStyle/>
+          <a:p>
+            <a:fld id="{C8DC57FC-7F1E-48CE-B946-20810EEF38C8}" type="slidenum">
+              <a:rPr lang="en-US">
+                <a:cs typeface="Arial" charset="0"/>
+              </a:rPr>
+              <a:pPr/>
+              <a:t>3</a:t>
+            </a:fld>
+            <a:endParaRPr lang="en-US">
+              <a:cs typeface="Arial" charset="0"/>
+            </a:endParaRPr>
+          </a:p>
+        </p:txBody>
+      </p:sp>
+      <p:sp>
+        <p:nvSpPr>
+          <p:cNvPr id="64515" name="Rectangle 2"/>
+          <p:cNvSpPr>
+            <a:spLocks noGrp="1" noRot="1" noChangeAspect="1" noChangeArrowheads="1" noTextEdit="1"/>
+          </p:cNvSpPr>
+          <p:nvPr>
+            <p:ph type="sldImg"/>
+          </p:nvPr>
+        </p:nvSpPr>
+        <p:spPr>
+          <a:ln/>
+        </p:spPr>
+      </p:sp>
+      <p:sp>
+        <p:nvSpPr>
+          <p:cNvPr id="64516" name="Rectangle 3"/>
+          <p:cNvSpPr>
+            <a:spLocks noGrp="1" noChangeArrowheads="1"/>
+          </p:cNvSpPr>
+          <p:nvPr>
+            <p:ph type="body" idx="1"/>
+          </p:nvPr>
+        </p:nvSpPr>
+        <p:spPr>
+          <a:noFill/>
+          <a:ln/>
+        </p:spPr>
+        <p:txBody>
+          <a:bodyPr/>
+          <a:lstStyle/>
+          <a:p>
+            <a:pPr eaLnBrk="1" hangingPunct="1"/>
+            <a:endParaRPr lang="en-US" smtClean="0"/>
+          </a:p>
+        </p:txBody>
+      </p:sp>
+    </p:spTree>
+  </p:cSld>
+  <p:clrMapOvr>
+    <a:masterClrMapping/>
+  </p:clrMapOvr>
+</p:notes>
+</file>
+
+<file path=ppt/notesSlides/notesSlide3.xml><?xml version="1.0" encoding="utf-8"?>
+<p:notes xmlns:a="http://schemas.openxmlformats.org/drawingml/2006/main" xmlns:r="http://schemas.openxmlformats.org/officeDocument/2006/relationships" xmlns:p="http://schemas.openxmlformats.org/presentationml/2006/main">
+  <p:cSld>
+    <p:spTree>
+      <p:nvGrpSpPr>
+        <p:cNvPr id="1" name=""/>
+        <p:cNvGrpSpPr/>
+        <p:nvPr/>
+      </p:nvGrpSpPr>
+      <p:grpSpPr>
+        <a:xfrm>
+          <a:off x="0" y="0"/>
+          <a:ext cx="0" cy="0"/>
+          <a:chOff x="0" y="0"/>
+          <a:chExt cx="0" cy="0"/>
+        </a:xfrm>
+      </p:grpSpPr>
+      <p:sp>
+        <p:nvSpPr>
+          <p:cNvPr id="65538" name="Rectangle 7"/>
+          <p:cNvSpPr>
+            <a:spLocks noGrp="1" noChangeArrowheads="1"/>
+          </p:cNvSpPr>
+          <p:nvPr>
+            <p:ph type="sldNum" sz="quarter" idx="5"/>
+          </p:nvPr>
+        </p:nvSpPr>
+        <p:spPr>
+          <a:noFill/>
+        </p:spPr>
+        <p:txBody>
+          <a:bodyPr/>
+          <a:lstStyle/>
+          <a:p>
+            <a:fld id="{98B807AC-29F9-4F53-8D8A-B66D2B1CE905}" type="slidenum">
+              <a:rPr lang="en-US">
+                <a:cs typeface="Arial" charset="0"/>
+              </a:rPr>
+              <a:pPr/>
+              <a:t>4</a:t>
+            </a:fld>
+            <a:endParaRPr lang="en-US">
+              <a:cs typeface="Arial" charset="0"/>
+            </a:endParaRPr>
+          </a:p>
+        </p:txBody>
+      </p:sp>
+      <p:sp>
+        <p:nvSpPr>
+          <p:cNvPr id="65539" name="Rectangle 2"/>
+          <p:cNvSpPr>
+            <a:spLocks noGrp="1" noRot="1" noChangeAspect="1" noChangeArrowheads="1" noTextEdit="1"/>
+          </p:cNvSpPr>
+          <p:nvPr>
+            <p:ph type="sldImg"/>
+          </p:nvPr>
+        </p:nvSpPr>
+        <p:spPr>
+          <a:ln/>
+        </p:spPr>
+      </p:sp>
+      <p:sp>
+        <p:nvSpPr>
+          <p:cNvPr id="65540" name="Rectangle 3"/>
+          <p:cNvSpPr>
+            <a:spLocks noGrp="1" noChangeArrowheads="1"/>
+          </p:cNvSpPr>
+          <p:nvPr>
+            <p:ph type="body" idx="1"/>
+          </p:nvPr>
+        </p:nvSpPr>
+        <p:spPr>
+          <a:noFill/>
+          <a:ln/>
+        </p:spPr>
+        <p:txBody>
+          <a:bodyPr/>
+          <a:lstStyle/>
+          <a:p>
+            <a:pPr eaLnBrk="1" hangingPunct="1"/>
+            <a:endParaRPr lang="en-US" smtClean="0"/>
+          </a:p>
+        </p:txBody>
+      </p:sp>
+    </p:spTree>
+  </p:cSld>
+  <p:clrMapOvr>
+    <a:masterClrMapping/>
+  </p:clrMapOvr>
+</p:notes>
+</file>
+
+<file path=ppt/notesSlides/notesSlide4.xml><?xml version="1.0" encoding="utf-8"?>
+<p:notes xmlns:a="http://schemas.openxmlformats.org/drawingml/2006/main" xmlns:r="http://schemas.openxmlformats.org/officeDocument/2006/relationships" xmlns:p="http://schemas.openxmlformats.org/presentationml/2006/main">
+  <p:cSld>
+    <p:spTree>
+      <p:nvGrpSpPr>
+        <p:cNvPr id="1" name=""/>
+        <p:cNvGrpSpPr/>
+        <p:nvPr/>
+      </p:nvGrpSpPr>
+      <p:grpSpPr>
+        <a:xfrm>
+          <a:off x="0" y="0"/>
+          <a:ext cx="0" cy="0"/>
+          <a:chOff x="0" y="0"/>
+          <a:chExt cx="0" cy="0"/>
+        </a:xfrm>
+      </p:grpSpPr>
+      <p:sp>
+        <p:nvSpPr>
+          <p:cNvPr id="65538" name="Rectangle 7"/>
+          <p:cNvSpPr>
+            <a:spLocks noGrp="1" noChangeArrowheads="1"/>
+          </p:cNvSpPr>
+          <p:nvPr>
+            <p:ph type="sldNum" sz="quarter" idx="5"/>
+          </p:nvPr>
+        </p:nvSpPr>
+        <p:spPr>
+          <a:noFill/>
+        </p:spPr>
+        <p:txBody>
+          <a:bodyPr/>
+          <a:lstStyle/>
+          <a:p>
+            <a:fld id="{98B807AC-29F9-4F53-8D8A-B66D2B1CE905}" type="slidenum">
+              <a:rPr lang="en-US">
+                <a:cs typeface="Arial" charset="0"/>
+              </a:rPr>
+              <a:pPr/>
+              <a:t>5</a:t>
+            </a:fld>
+            <a:endParaRPr lang="en-US">
+              <a:cs typeface="Arial" charset="0"/>
+            </a:endParaRPr>
+          </a:p>
+        </p:txBody>
+      </p:sp>
+      <p:sp>
+        <p:nvSpPr>
+          <p:cNvPr id="65539" name="Rectangle 2"/>
+          <p:cNvSpPr>
+            <a:spLocks noGrp="1" noRot="1" noChangeAspect="1" noChangeArrowheads="1" noTextEdit="1"/>
+          </p:cNvSpPr>
+          <p:nvPr>
+            <p:ph type="sldImg"/>
+          </p:nvPr>
+        </p:nvSpPr>
+        <p:spPr>
+          <a:ln/>
+        </p:spPr>
+      </p:sp>
+      <p:sp>
+        <p:nvSpPr>
+          <p:cNvPr id="65540" name="Rectangle 3"/>
+          <p:cNvSpPr>
+            <a:spLocks noGrp="1" noChangeArrowheads="1"/>
+          </p:cNvSpPr>
+          <p:nvPr>
+            <p:ph type="body" idx="1"/>
+          </p:nvPr>
+        </p:nvSpPr>
+        <p:spPr>
+          <a:noFill/>
+          <a:ln/>
+        </p:spPr>
+        <p:txBody>
+          <a:bodyPr/>
+          <a:lstStyle/>
+          <a:p>
+            <a:pPr eaLnBrk="1" hangingPunct="1"/>
+            <a:endParaRPr lang="en-US" smtClean="0"/>
+          </a:p>
+        </p:txBody>
+      </p:sp>
+    </p:spTree>
+  </p:cSld>
+  <p:clrMapOvr>
+    <a:masterClrMapping/>
+  </p:clrMapOvr>
+</p:notes>
+</file>
+
+<file path=ppt/notesSlides/notesSlide5.xml><?xml version="1.0" encoding="utf-8"?>
+<p:notes xmlns:a="http://schemas.openxmlformats.org/drawingml/2006/main" xmlns:r="http://schemas.openxmlformats.org/officeDocument/2006/relationships" xmlns:p="http://schemas.openxmlformats.org/presentationml/2006/main">
+  <p:cSld>
+    <p:spTree>
+      <p:nvGrpSpPr>
+        <p:cNvPr id="1" name=""/>
+        <p:cNvGrpSpPr/>
+        <p:nvPr/>
+      </p:nvGrpSpPr>
+      <p:grpSpPr>
+        <a:xfrm>
+          <a:off x="0" y="0"/>
+          <a:ext cx="0" cy="0"/>
+          <a:chOff x="0" y="0"/>
+          <a:chExt cx="0" cy="0"/>
+        </a:xfrm>
+      </p:grpSpPr>
+      <p:sp>
+        <p:nvSpPr>
           <p:cNvPr id="61442" name="Rectangle 7"/>
           <p:cNvSpPr>
             <a:spLocks noGrp="1" noChangeArrowheads="1"/>
@@ -1509,7 +1786,7 @@
                 <a:cs typeface="Arial" charset="0"/>
               </a:rPr>
               <a:pPr/>
-              <a:t>2</a:t>
+              <a:t>6</a:t>
             </a:fld>
             <a:endParaRPr lang="en-US">
               <a:cs typeface="Arial" charset="0"/>
@@ -1562,7 +1839,7 @@
 </p:notes>
 </file>
 
-<file path=ppt/notesSlides/notesSlide3.xml><?xml version="1.0" encoding="utf-8"?>
+<file path=ppt/notesSlides/notesSlide6.xml><?xml version="1.0" encoding="utf-8"?>
 <p:notes xmlns:a="http://schemas.openxmlformats.org/drawingml/2006/main" xmlns:r="http://schemas.openxmlformats.org/officeDocument/2006/relationships" xmlns:p="http://schemas.openxmlformats.org/presentationml/2006/main">
   <p:cSld>
     <p:spTree>
@@ -1601,7 +1878,7 @@
                 <a:cs typeface="Arial" charset="0"/>
               </a:rPr>
               <a:pPr/>
-              <a:t>3</a:t>
+              <a:t>7</a:t>
             </a:fld>
             <a:endParaRPr lang="en-US">
               <a:cs typeface="Arial" charset="0"/>
@@ -1654,7 +1931,7 @@
 </p:notes>
 </file>
 
-<file path=ppt/notesSlides/notesSlide4.xml><?xml version="1.0" encoding="utf-8"?>
+<file path=ppt/notesSlides/notesSlide7.xml><?xml version="1.0" encoding="utf-8"?>
 <p:notes xmlns:a="http://schemas.openxmlformats.org/drawingml/2006/main" xmlns:r="http://schemas.openxmlformats.org/officeDocument/2006/relationships" xmlns:p="http://schemas.openxmlformats.org/presentationml/2006/main">
   <p:cSld>
     <p:spTree>
@@ -1693,7 +1970,7 @@
                 <a:cs typeface="Arial" charset="0"/>
               </a:rPr>
               <a:pPr/>
-              <a:t>4</a:t>
+              <a:t>8</a:t>
             </a:fld>
             <a:endParaRPr lang="en-US">
               <a:cs typeface="Arial" charset="0"/>
@@ -1718,282 +1995,6 @@
       <p:sp>
         <p:nvSpPr>
           <p:cNvPr id="61444" name="Rectangle 3"/>
-          <p:cNvSpPr>
-            <a:spLocks noGrp="1" noChangeArrowheads="1"/>
-          </p:cNvSpPr>
-          <p:nvPr>
-            <p:ph type="body" idx="1"/>
-          </p:nvPr>
-        </p:nvSpPr>
-        <p:spPr>
-          <a:noFill/>
-          <a:ln/>
-        </p:spPr>
-        <p:txBody>
-          <a:bodyPr/>
-          <a:lstStyle/>
-          <a:p>
-            <a:pPr eaLnBrk="1" hangingPunct="1"/>
-            <a:endParaRPr lang="en-US" smtClean="0"/>
-          </a:p>
-        </p:txBody>
-      </p:sp>
-    </p:spTree>
-  </p:cSld>
-  <p:clrMapOvr>
-    <a:masterClrMapping/>
-  </p:clrMapOvr>
-</p:notes>
-</file>
-
-<file path=ppt/notesSlides/notesSlide5.xml><?xml version="1.0" encoding="utf-8"?>
-<p:notes xmlns:a="http://schemas.openxmlformats.org/drawingml/2006/main" xmlns:r="http://schemas.openxmlformats.org/officeDocument/2006/relationships" xmlns:p="http://schemas.openxmlformats.org/presentationml/2006/main">
-  <p:cSld>
-    <p:spTree>
-      <p:nvGrpSpPr>
-        <p:cNvPr id="1" name=""/>
-        <p:cNvGrpSpPr/>
-        <p:nvPr/>
-      </p:nvGrpSpPr>
-      <p:grpSpPr>
-        <a:xfrm>
-          <a:off x="0" y="0"/>
-          <a:ext cx="0" cy="0"/>
-          <a:chOff x="0" y="0"/>
-          <a:chExt cx="0" cy="0"/>
-        </a:xfrm>
-      </p:grpSpPr>
-      <p:sp>
-        <p:nvSpPr>
-          <p:cNvPr id="64514" name="Rectangle 7"/>
-          <p:cNvSpPr>
-            <a:spLocks noGrp="1" noChangeArrowheads="1"/>
-          </p:cNvSpPr>
-          <p:nvPr>
-            <p:ph type="sldNum" sz="quarter" idx="5"/>
-          </p:nvPr>
-        </p:nvSpPr>
-        <p:spPr>
-          <a:noFill/>
-        </p:spPr>
-        <p:txBody>
-          <a:bodyPr/>
-          <a:lstStyle/>
-          <a:p>
-            <a:fld id="{C8DC57FC-7F1E-48CE-B946-20810EEF38C8}" type="slidenum">
-              <a:rPr lang="en-US">
-                <a:cs typeface="Arial" charset="0"/>
-              </a:rPr>
-              <a:pPr/>
-              <a:t>5</a:t>
-            </a:fld>
-            <a:endParaRPr lang="en-US">
-              <a:cs typeface="Arial" charset="0"/>
-            </a:endParaRPr>
-          </a:p>
-        </p:txBody>
-      </p:sp>
-      <p:sp>
-        <p:nvSpPr>
-          <p:cNvPr id="64515" name="Rectangle 2"/>
-          <p:cNvSpPr>
-            <a:spLocks noGrp="1" noRot="1" noChangeAspect="1" noChangeArrowheads="1" noTextEdit="1"/>
-          </p:cNvSpPr>
-          <p:nvPr>
-            <p:ph type="sldImg"/>
-          </p:nvPr>
-        </p:nvSpPr>
-        <p:spPr>
-          <a:ln/>
-        </p:spPr>
-      </p:sp>
-      <p:sp>
-        <p:nvSpPr>
-          <p:cNvPr id="64516" name="Rectangle 3"/>
-          <p:cNvSpPr>
-            <a:spLocks noGrp="1" noChangeArrowheads="1"/>
-          </p:cNvSpPr>
-          <p:nvPr>
-            <p:ph type="body" idx="1"/>
-          </p:nvPr>
-        </p:nvSpPr>
-        <p:spPr>
-          <a:noFill/>
-          <a:ln/>
-        </p:spPr>
-        <p:txBody>
-          <a:bodyPr/>
-          <a:lstStyle/>
-          <a:p>
-            <a:pPr eaLnBrk="1" hangingPunct="1"/>
-            <a:endParaRPr lang="en-US" smtClean="0"/>
-          </a:p>
-        </p:txBody>
-      </p:sp>
-    </p:spTree>
-  </p:cSld>
-  <p:clrMapOvr>
-    <a:masterClrMapping/>
-  </p:clrMapOvr>
-</p:notes>
-</file>
-
-<file path=ppt/notesSlides/notesSlide6.xml><?xml version="1.0" encoding="utf-8"?>
-<p:notes xmlns:a="http://schemas.openxmlformats.org/drawingml/2006/main" xmlns:r="http://schemas.openxmlformats.org/officeDocument/2006/relationships" xmlns:p="http://schemas.openxmlformats.org/presentationml/2006/main">
-  <p:cSld>
-    <p:spTree>
-      <p:nvGrpSpPr>
-        <p:cNvPr id="1" name=""/>
-        <p:cNvGrpSpPr/>
-        <p:nvPr/>
-      </p:nvGrpSpPr>
-      <p:grpSpPr>
-        <a:xfrm>
-          <a:off x="0" y="0"/>
-          <a:ext cx="0" cy="0"/>
-          <a:chOff x="0" y="0"/>
-          <a:chExt cx="0" cy="0"/>
-        </a:xfrm>
-      </p:grpSpPr>
-      <p:sp>
-        <p:nvSpPr>
-          <p:cNvPr id="65538" name="Rectangle 7"/>
-          <p:cNvSpPr>
-            <a:spLocks noGrp="1" noChangeArrowheads="1"/>
-          </p:cNvSpPr>
-          <p:nvPr>
-            <p:ph type="sldNum" sz="quarter" idx="5"/>
-          </p:nvPr>
-        </p:nvSpPr>
-        <p:spPr>
-          <a:noFill/>
-        </p:spPr>
-        <p:txBody>
-          <a:bodyPr/>
-          <a:lstStyle/>
-          <a:p>
-            <a:fld id="{98B807AC-29F9-4F53-8D8A-B66D2B1CE905}" type="slidenum">
-              <a:rPr lang="en-US">
-                <a:cs typeface="Arial" charset="0"/>
-              </a:rPr>
-              <a:pPr/>
-              <a:t>6</a:t>
-            </a:fld>
-            <a:endParaRPr lang="en-US">
-              <a:cs typeface="Arial" charset="0"/>
-            </a:endParaRPr>
-          </a:p>
-        </p:txBody>
-      </p:sp>
-      <p:sp>
-        <p:nvSpPr>
-          <p:cNvPr id="65539" name="Rectangle 2"/>
-          <p:cNvSpPr>
-            <a:spLocks noGrp="1" noRot="1" noChangeAspect="1" noChangeArrowheads="1" noTextEdit="1"/>
-          </p:cNvSpPr>
-          <p:nvPr>
-            <p:ph type="sldImg"/>
-          </p:nvPr>
-        </p:nvSpPr>
-        <p:spPr>
-          <a:ln/>
-        </p:spPr>
-      </p:sp>
-      <p:sp>
-        <p:nvSpPr>
-          <p:cNvPr id="65540" name="Rectangle 3"/>
-          <p:cNvSpPr>
-            <a:spLocks noGrp="1" noChangeArrowheads="1"/>
-          </p:cNvSpPr>
-          <p:nvPr>
-            <p:ph type="body" idx="1"/>
-          </p:nvPr>
-        </p:nvSpPr>
-        <p:spPr>
-          <a:noFill/>
-          <a:ln/>
-        </p:spPr>
-        <p:txBody>
-          <a:bodyPr/>
-          <a:lstStyle/>
-          <a:p>
-            <a:pPr eaLnBrk="1" hangingPunct="1"/>
-            <a:endParaRPr lang="en-US" smtClean="0"/>
-          </a:p>
-        </p:txBody>
-      </p:sp>
-    </p:spTree>
-  </p:cSld>
-  <p:clrMapOvr>
-    <a:masterClrMapping/>
-  </p:clrMapOvr>
-</p:notes>
-</file>
-
-<file path=ppt/notesSlides/notesSlide7.xml><?xml version="1.0" encoding="utf-8"?>
-<p:notes xmlns:a="http://schemas.openxmlformats.org/drawingml/2006/main" xmlns:r="http://schemas.openxmlformats.org/officeDocument/2006/relationships" xmlns:p="http://schemas.openxmlformats.org/presentationml/2006/main">
-  <p:cSld>
-    <p:spTree>
-      <p:nvGrpSpPr>
-        <p:cNvPr id="1" name=""/>
-        <p:cNvGrpSpPr/>
-        <p:nvPr/>
-      </p:nvGrpSpPr>
-      <p:grpSpPr>
-        <a:xfrm>
-          <a:off x="0" y="0"/>
-          <a:ext cx="0" cy="0"/>
-          <a:chOff x="0" y="0"/>
-          <a:chExt cx="0" cy="0"/>
-        </a:xfrm>
-      </p:grpSpPr>
-      <p:sp>
-        <p:nvSpPr>
-          <p:cNvPr id="65538" name="Rectangle 7"/>
-          <p:cNvSpPr>
-            <a:spLocks noGrp="1" noChangeArrowheads="1"/>
-          </p:cNvSpPr>
-          <p:nvPr>
-            <p:ph type="sldNum" sz="quarter" idx="5"/>
-          </p:nvPr>
-        </p:nvSpPr>
-        <p:spPr>
-          <a:noFill/>
-        </p:spPr>
-        <p:txBody>
-          <a:bodyPr/>
-          <a:lstStyle/>
-          <a:p>
-            <a:fld id="{98B807AC-29F9-4F53-8D8A-B66D2B1CE905}" type="slidenum">
-              <a:rPr lang="en-US">
-                <a:cs typeface="Arial" charset="0"/>
-              </a:rPr>
-              <a:pPr/>
-              <a:t>7</a:t>
-            </a:fld>
-            <a:endParaRPr lang="en-US">
-              <a:cs typeface="Arial" charset="0"/>
-            </a:endParaRPr>
-          </a:p>
-        </p:txBody>
-      </p:sp>
-      <p:sp>
-        <p:nvSpPr>
-          <p:cNvPr id="65539" name="Rectangle 2"/>
-          <p:cNvSpPr>
-            <a:spLocks noGrp="1" noRot="1" noChangeAspect="1" noChangeArrowheads="1" noTextEdit="1"/>
-          </p:cNvSpPr>
-          <p:nvPr>
-            <p:ph type="sldImg"/>
-          </p:nvPr>
-        </p:nvSpPr>
-        <p:spPr>
-          <a:ln/>
-        </p:spPr>
-      </p:sp>
-      <p:sp>
-        <p:nvSpPr>
-          <p:cNvPr id="65540" name="Rectangle 3"/>
           <p:cNvSpPr>
             <a:spLocks noGrp="1" noChangeArrowheads="1"/>
           </p:cNvSpPr>
@@ -2061,7 +2062,7 @@
                 <a:cs typeface="Arial" charset="0"/>
               </a:rPr>
               <a:pPr/>
-              <a:t>8</a:t>
+              <a:t>9</a:t>
             </a:fld>
             <a:endParaRPr lang="en-US">
               <a:cs typeface="Arial" charset="0"/>
@@ -2153,7 +2154,7 @@
                 <a:cs typeface="Arial" charset="0"/>
               </a:rPr>
               <a:pPr/>
-              <a:t>9</a:t>
+              <a:t>10</a:t>
             </a:fld>
             <a:endParaRPr lang="en-US">
               <a:cs typeface="Arial" charset="0"/>
@@ -4960,37 +4961,7 @@
                 <a:uFillTx/>
                 <a:latin typeface="Comic Sans MS" pitchFamily="66" charset="0"/>
               </a:rPr>
-              <a:t>Albert R Meyer    </a:t>
-            </a:r>
-            <a:r>
-              <a:rPr kumimoji="0" lang="en-US" sz="1200" b="0" i="0" u="none" strike="noStrike" kern="1200" cap="none" spc="0" normalizeH="0" baseline="0" noProof="0" dirty="0" smtClean="0">
-                <a:ln>
-                  <a:noFill/>
-                </a:ln>
-                <a:solidFill>
-                  <a:schemeClr val="tx1"/>
-                </a:solidFill>
-                <a:effectLst/>
-                <a:uLnTx/>
-                <a:uFillTx/>
-                <a:latin typeface="Comic Sans MS" pitchFamily="66" charset="0"/>
-              </a:rPr>
-              <a:t>                         September 12, </a:t>
-            </a:r>
-            <a:r>
-              <a:rPr kumimoji="0" lang="en-US" sz="1200" b="0" i="0" u="none" strike="noStrike" kern="1200" cap="none" spc="0" normalizeH="0" baseline="0" noProof="0" dirty="0" smtClean="0">
-                <a:ln>
-                  <a:noFill/>
-                </a:ln>
-                <a:solidFill>
-                  <a:schemeClr val="tx1"/>
-                </a:solidFill>
-                <a:effectLst/>
-                <a:uLnTx/>
-                <a:uFillTx/>
-                <a:latin typeface="Comic Sans MS" pitchFamily="66" charset="0"/>
-              </a:rPr>
-              <a:t>2011</a:t>
+              <a:t>Albert R Meyer                             September 12, 2011</a:t>
             </a:r>
             <a:endParaRPr kumimoji="0" lang="en-US" sz="1200" b="0" i="0" u="none" strike="noStrike" kern="1200" cap="none" spc="0" normalizeH="0" baseline="0" noProof="0" dirty="0">
               <a:ln>
@@ -5609,6 +5580,607 @@
       </p:grpSpPr>
       <p:sp>
         <p:nvSpPr>
+          <p:cNvPr id="6" name="TextBox 5"/>
+          <p:cNvSpPr txBox="1"/>
+          <p:nvPr/>
+        </p:nvSpPr>
+        <p:spPr>
+          <a:xfrm>
+            <a:off x="228600" y="3810000"/>
+            <a:ext cx="8686800" cy="2362200"/>
+          </a:xfrm>
+          <a:prstGeom prst="rect">
+            <a:avLst/>
+          </a:prstGeom>
+          <a:noFill/>
+        </p:spPr>
+        <p:txBody>
+          <a:bodyPr wrap="none" rtlCol="0">
+            <a:noAutofit/>
+          </a:bodyPr>
+          <a:lstStyle/>
+          <a:p>
+            <a:pPr>
+              <a:lnSpc>
+                <a:spcPct val="110000"/>
+              </a:lnSpc>
+            </a:pPr>
+            <a:r>
+              <a:rPr lang="en-US" sz="4400" dirty="0" smtClean="0">
+                <a:latin typeface="Comic Sans MS" pitchFamily="66" charset="0"/>
+              </a:rPr>
+              <a:t>          </a:t>
+            </a:r>
+            <a:r>
+              <a:rPr lang="en-US" sz="4400" dirty="0" smtClean="0">
+                <a:solidFill>
+                  <a:srgbClr val="028822"/>
+                </a:solidFill>
+                <a:latin typeface="Comic Sans MS" pitchFamily="66" charset="0"/>
+              </a:rPr>
+              <a:t>   </a:t>
+            </a:r>
+            <a:r>
+              <a:rPr lang="en-US" sz="4400" dirty="0" smtClean="0">
+                <a:latin typeface="Comic Sans MS" pitchFamily="66" charset="0"/>
+              </a:rPr>
+              <a:t>                 Now </a:t>
+            </a:r>
+            <a:r>
+              <a:rPr lang="en-US" sz="4400" dirty="0" smtClean="0">
+                <a:solidFill>
+                  <a:srgbClr val="0000FF"/>
+                </a:solidFill>
+                <a:latin typeface="Comic Sans MS" pitchFamily="66" charset="0"/>
+              </a:rPr>
+              <a:t> </a:t>
+            </a:r>
+            <a:r>
+              <a:rPr lang="en-US" sz="4400" dirty="0" err="1" smtClean="0">
+                <a:solidFill>
+                  <a:srgbClr val="0000FF"/>
+                </a:solidFill>
+                <a:latin typeface="Comic Sans MS" pitchFamily="66" charset="0"/>
+              </a:rPr>
+              <a:t>j,</a:t>
+            </a:r>
+            <a:r>
+              <a:rPr lang="en-US" sz="4400" dirty="0" err="1" smtClean="0">
+                <a:solidFill>
+                  <a:srgbClr val="0033CC"/>
+                </a:solidFill>
+                <a:latin typeface="Comic Sans MS" pitchFamily="66" charset="0"/>
+              </a:rPr>
+              <a:t>k</a:t>
+            </a:r>
+            <a:r>
+              <a:rPr lang="en-US" sz="4400" dirty="0" smtClean="0">
+                <a:latin typeface="Comic Sans MS" pitchFamily="66" charset="0"/>
+              </a:rPr>
+              <a:t> </a:t>
+            </a:r>
+            <a:r>
+              <a:rPr lang="en-US" sz="4400" b="1" dirty="0" smtClean="0">
+                <a:latin typeface="Times"/>
+              </a:rPr>
+              <a:t>&lt;</a:t>
+            </a:r>
+            <a:r>
+              <a:rPr lang="en-US" sz="4400" dirty="0" smtClean="0">
+                <a:solidFill>
+                  <a:srgbClr val="0033CC"/>
+                </a:solidFill>
+                <a:latin typeface="Comic Sans MS" pitchFamily="66" charset="0"/>
+              </a:rPr>
+              <a:t> </a:t>
+            </a:r>
+            <a:r>
+              <a:rPr lang="en-US" sz="4400" dirty="0" smtClean="0">
+                <a:solidFill>
+                  <a:srgbClr val="028822"/>
+                </a:solidFill>
+                <a:latin typeface="Comic Sans MS" pitchFamily="66" charset="0"/>
+              </a:rPr>
+              <a:t>m</a:t>
+            </a:r>
+          </a:p>
+          <a:p>
+            <a:pPr>
+              <a:lnSpc>
+                <a:spcPct val="110000"/>
+              </a:lnSpc>
+            </a:pPr>
+            <a:r>
+              <a:rPr lang="en-US" sz="4400" dirty="0" smtClean="0">
+                <a:latin typeface="Comic Sans MS" pitchFamily="66" charset="0"/>
+              </a:rPr>
+              <a:t>so both are prime products:</a:t>
+            </a:r>
+          </a:p>
+          <a:p>
+            <a:pPr algn="ctr">
+              <a:lnSpc>
+                <a:spcPct val="110000"/>
+              </a:lnSpc>
+            </a:pPr>
+            <a:r>
+              <a:rPr lang="en-US" sz="4800" dirty="0" smtClean="0">
+                <a:solidFill>
+                  <a:srgbClr val="0033CC"/>
+                </a:solidFill>
+                <a:latin typeface="Comic Sans MS" pitchFamily="66" charset="0"/>
+              </a:rPr>
+              <a:t>j</a:t>
+            </a:r>
+            <a:r>
+              <a:rPr lang="en-US" sz="4800" dirty="0" smtClean="0">
+                <a:latin typeface="Comic Sans MS" pitchFamily="66" charset="0"/>
+              </a:rPr>
+              <a:t> = </a:t>
+            </a:r>
+            <a:r>
+              <a:rPr lang="en-US" sz="4800" dirty="0" smtClean="0">
+                <a:solidFill>
+                  <a:srgbClr val="0033CC"/>
+                </a:solidFill>
+                <a:latin typeface="Comic Sans MS" pitchFamily="66" charset="0"/>
+              </a:rPr>
+              <a:t>p</a:t>
+            </a:r>
+            <a:r>
+              <a:rPr lang="en-US" sz="4800" baseline="-25000" dirty="0" smtClean="0">
+                <a:solidFill>
+                  <a:srgbClr val="0033CC"/>
+                </a:solidFill>
+                <a:latin typeface="Comic Sans MS" pitchFamily="66" charset="0"/>
+              </a:rPr>
+              <a:t>1</a:t>
+            </a:r>
+            <a:r>
+              <a:rPr lang="en-US" sz="4800" dirty="0" smtClean="0">
+                <a:solidFill>
+                  <a:srgbClr val="0033CC"/>
+                </a:solidFill>
+                <a:latin typeface="Comic Sans MS" pitchFamily="66" charset="0"/>
+              </a:rPr>
+              <a:t>·p</a:t>
+            </a:r>
+            <a:r>
+              <a:rPr lang="en-US" sz="4800" baseline="-25000" dirty="0" smtClean="0">
+                <a:solidFill>
+                  <a:srgbClr val="0033CC"/>
+                </a:solidFill>
+                <a:latin typeface="Comic Sans MS" pitchFamily="66" charset="0"/>
+              </a:rPr>
+              <a:t>2</a:t>
+            </a:r>
+            <a:r>
+              <a:rPr lang="en-US" sz="4800" dirty="0" smtClean="0">
+                <a:solidFill>
+                  <a:srgbClr val="0033CC"/>
+                </a:solidFill>
+                <a:latin typeface="Comic Sans MS" pitchFamily="66" charset="0"/>
+              </a:rPr>
+              <a:t>··· p</a:t>
+            </a:r>
+            <a:r>
+              <a:rPr lang="en-US" sz="4800" baseline="-25000" dirty="0" smtClean="0">
+                <a:solidFill>
+                  <a:srgbClr val="0033CC"/>
+                </a:solidFill>
+                <a:latin typeface="Comic Sans MS" pitchFamily="66" charset="0"/>
+              </a:rPr>
+              <a:t>94</a:t>
+            </a:r>
+            <a:r>
+              <a:rPr lang="en-US" sz="4800" dirty="0" smtClean="0">
+                <a:solidFill>
+                  <a:srgbClr val="0033CC"/>
+                </a:solidFill>
+                <a:latin typeface="Comic Sans MS" pitchFamily="66" charset="0"/>
+              </a:rPr>
+              <a:t>   k</a:t>
+            </a:r>
+            <a:r>
+              <a:rPr lang="en-US" sz="4800" dirty="0" smtClean="0">
+                <a:latin typeface="Comic Sans MS" pitchFamily="66" charset="0"/>
+              </a:rPr>
+              <a:t> = </a:t>
+            </a:r>
+            <a:r>
+              <a:rPr lang="en-US" sz="4800" dirty="0" smtClean="0">
+                <a:solidFill>
+                  <a:srgbClr val="0033CC"/>
+                </a:solidFill>
+                <a:latin typeface="Comic Sans MS" pitchFamily="66" charset="0"/>
+              </a:rPr>
+              <a:t>q</a:t>
+            </a:r>
+            <a:r>
+              <a:rPr lang="en-US" sz="4800" baseline="-25000" dirty="0" smtClean="0">
+                <a:solidFill>
+                  <a:srgbClr val="0033CC"/>
+                </a:solidFill>
+                <a:latin typeface="Comic Sans MS" pitchFamily="66" charset="0"/>
+              </a:rPr>
+              <a:t>1</a:t>
+            </a:r>
+            <a:r>
+              <a:rPr lang="en-US" sz="4800" dirty="0" smtClean="0">
+                <a:solidFill>
+                  <a:srgbClr val="0033CC"/>
+                </a:solidFill>
+                <a:latin typeface="Comic Sans MS" pitchFamily="66" charset="0"/>
+              </a:rPr>
+              <a:t>·q</a:t>
+            </a:r>
+            <a:r>
+              <a:rPr lang="en-US" sz="4800" baseline="-25000" dirty="0" smtClean="0">
+                <a:solidFill>
+                  <a:srgbClr val="0033CC"/>
+                </a:solidFill>
+                <a:latin typeface="Comic Sans MS" pitchFamily="66" charset="0"/>
+              </a:rPr>
+              <a:t>2</a:t>
+            </a:r>
+            <a:r>
+              <a:rPr lang="en-US" sz="4800" dirty="0" smtClean="0">
+                <a:solidFill>
+                  <a:srgbClr val="0033CC"/>
+                </a:solidFill>
+                <a:latin typeface="Comic Sans MS" pitchFamily="66" charset="0"/>
+              </a:rPr>
+              <a:t>···q</a:t>
+            </a:r>
+            <a:r>
+              <a:rPr lang="en-US" sz="4800" baseline="-25000" dirty="0" smtClean="0">
+                <a:solidFill>
+                  <a:srgbClr val="0033CC"/>
+                </a:solidFill>
+                <a:latin typeface="Comic Sans MS" pitchFamily="66" charset="0"/>
+              </a:rPr>
+              <a:t>213</a:t>
+            </a:r>
+          </a:p>
+          <a:p>
+            <a:endParaRPr lang="en-US" sz="4400" dirty="0" smtClean="0">
+              <a:latin typeface="Comic Sans MS" pitchFamily="66" charset="0"/>
+            </a:endParaRPr>
+          </a:p>
+        </p:txBody>
+      </p:sp>
+      <p:sp>
+        <p:nvSpPr>
+          <p:cNvPr id="5" name="Text Box 4"/>
+          <p:cNvSpPr txBox="1">
+            <a:spLocks noChangeArrowheads="1"/>
+          </p:cNvSpPr>
+          <p:nvPr/>
+        </p:nvSpPr>
+        <p:spPr bwMode="auto">
+          <a:xfrm>
+            <a:off x="579503" y="1447800"/>
+            <a:ext cx="7864653" cy="1569660"/>
+          </a:xfrm>
+          <a:prstGeom prst="rect">
+            <a:avLst/>
+          </a:prstGeom>
+          <a:noFill/>
+          <a:ln w="9525">
+            <a:noFill/>
+            <a:miter lim="800000"/>
+            <a:headEnd/>
+            <a:tailEnd type="none" w="lg" len="lg"/>
+          </a:ln>
+        </p:spPr>
+        <p:txBody>
+          <a:bodyPr wrap="none">
+            <a:spAutoFit/>
+          </a:bodyPr>
+          <a:lstStyle/>
+          <a:p>
+            <a:r>
+              <a:rPr lang="en-US" sz="4800" i="1" dirty="0" err="1" smtClean="0">
+                <a:latin typeface="Comic Sans MS" pitchFamily="66" charset="0"/>
+              </a:rPr>
+              <a:t>Thm</a:t>
+            </a:r>
+            <a:r>
+              <a:rPr lang="en-US" sz="4800" dirty="0">
+                <a:latin typeface="Comic Sans MS" pitchFamily="66" charset="0"/>
+              </a:rPr>
+              <a:t>: Every integer </a:t>
+            </a:r>
+            <a:r>
+              <a:rPr lang="en-US" sz="4800" b="1" dirty="0">
+                <a:latin typeface="Times" pitchFamily="18" charset="0"/>
+              </a:rPr>
+              <a:t>&gt;</a:t>
+            </a:r>
+            <a:r>
+              <a:rPr lang="en-US" sz="4800" dirty="0">
+                <a:latin typeface="Comic Sans MS" pitchFamily="66" charset="0"/>
+              </a:rPr>
+              <a:t> 1 is </a:t>
+            </a:r>
+            <a:r>
+              <a:rPr lang="en-US" sz="4800" dirty="0" smtClean="0">
+                <a:latin typeface="Comic Sans MS" pitchFamily="66" charset="0"/>
+              </a:rPr>
+              <a:t>a</a:t>
+            </a:r>
+          </a:p>
+          <a:p>
+            <a:r>
+              <a:rPr lang="en-US" sz="4800" dirty="0" smtClean="0">
+                <a:latin typeface="Comic Sans MS" pitchFamily="66" charset="0"/>
+              </a:rPr>
+              <a:t>         product  of </a:t>
+            </a:r>
+            <a:r>
+              <a:rPr lang="en-US" sz="4800" dirty="0">
+                <a:latin typeface="Comic Sans MS" pitchFamily="66" charset="0"/>
+              </a:rPr>
+              <a:t>primes.</a:t>
+            </a:r>
+          </a:p>
+        </p:txBody>
+      </p:sp>
+      <p:sp>
+        <p:nvSpPr>
+          <p:cNvPr id="259076" name="Text Box 4"/>
+          <p:cNvSpPr txBox="1">
+            <a:spLocks noChangeArrowheads="1"/>
+          </p:cNvSpPr>
+          <p:nvPr/>
+        </p:nvSpPr>
+        <p:spPr bwMode="auto">
+          <a:xfrm>
+            <a:off x="304800" y="3108472"/>
+            <a:ext cx="8686800" cy="1581972"/>
+          </a:xfrm>
+          <a:prstGeom prst="rect">
+            <a:avLst/>
+          </a:prstGeom>
+          <a:noFill/>
+          <a:ln w="9525">
+            <a:noFill/>
+            <a:miter lim="800000"/>
+            <a:headEnd/>
+            <a:tailEnd type="none" w="lg" len="lg"/>
+          </a:ln>
+        </p:spPr>
+        <p:txBody>
+          <a:bodyPr>
+            <a:spAutoFit/>
+          </a:bodyPr>
+          <a:lstStyle/>
+          <a:p>
+            <a:pPr>
+              <a:lnSpc>
+                <a:spcPct val="110000"/>
+              </a:lnSpc>
+            </a:pPr>
+            <a:r>
+              <a:rPr lang="en-US" sz="4400" dirty="0" smtClean="0">
+                <a:latin typeface="Comic Sans MS" pitchFamily="66" charset="0"/>
+              </a:rPr>
+              <a:t>…</a:t>
+            </a:r>
+            <a:r>
+              <a:rPr lang="en-US" sz="4400" dirty="0">
+                <a:latin typeface="Comic Sans MS" pitchFamily="66" charset="0"/>
+              </a:rPr>
+              <a:t>So </a:t>
+            </a:r>
+            <a:r>
+              <a:rPr lang="en-US" sz="4400" dirty="0" smtClean="0">
+                <a:solidFill>
+                  <a:srgbClr val="028822"/>
+                </a:solidFill>
+                <a:latin typeface="Comic Sans MS" pitchFamily="66" charset="0"/>
+              </a:rPr>
+              <a:t>m</a:t>
+            </a:r>
+            <a:r>
+              <a:rPr lang="en-US" sz="4400" dirty="0" smtClean="0">
+                <a:latin typeface="Comic Sans MS" pitchFamily="66" charset="0"/>
+              </a:rPr>
+              <a:t> </a:t>
+            </a:r>
+            <a:r>
+              <a:rPr lang="en-US" sz="4400" dirty="0">
+                <a:latin typeface="Comic Sans MS" pitchFamily="66" charset="0"/>
+              </a:rPr>
+              <a:t>= </a:t>
+            </a:r>
+            <a:r>
+              <a:rPr lang="en-US" sz="4400" dirty="0" err="1" smtClean="0">
+                <a:solidFill>
+                  <a:srgbClr val="0033CC"/>
+                </a:solidFill>
+                <a:latin typeface="Comic Sans MS" pitchFamily="66" charset="0"/>
+              </a:rPr>
+              <a:t>j·k</a:t>
+            </a:r>
+            <a:r>
+              <a:rPr lang="en-US" sz="4400" dirty="0" smtClean="0">
+                <a:latin typeface="Comic Sans MS" pitchFamily="66" charset="0"/>
+              </a:rPr>
+              <a:t> </a:t>
+            </a:r>
+            <a:r>
+              <a:rPr lang="en-US" sz="4400" dirty="0">
+                <a:latin typeface="Comic Sans MS" pitchFamily="66" charset="0"/>
+              </a:rPr>
+              <a:t>for integers </a:t>
+            </a:r>
+            <a:r>
+              <a:rPr lang="en-US" sz="4400" dirty="0" err="1" smtClean="0">
+                <a:solidFill>
+                  <a:srgbClr val="0033CC"/>
+                </a:solidFill>
+                <a:latin typeface="Comic Sans MS" pitchFamily="66" charset="0"/>
+              </a:rPr>
+              <a:t>j,k</a:t>
+            </a:r>
+            <a:endParaRPr lang="en-US" sz="4400" dirty="0">
+              <a:solidFill>
+                <a:srgbClr val="0033CC"/>
+              </a:solidFill>
+              <a:latin typeface="Comic Sans MS" pitchFamily="66" charset="0"/>
+            </a:endParaRPr>
+          </a:p>
+          <a:p>
+            <a:pPr>
+              <a:lnSpc>
+                <a:spcPct val="110000"/>
+              </a:lnSpc>
+            </a:pPr>
+            <a:r>
+              <a:rPr lang="en-US" sz="4400" dirty="0">
+                <a:latin typeface="Comic Sans MS" pitchFamily="66" charset="0"/>
+              </a:rPr>
+              <a:t>where </a:t>
+            </a:r>
+            <a:r>
+              <a:rPr lang="en-US" sz="4400" dirty="0" smtClean="0">
+                <a:solidFill>
+                  <a:srgbClr val="028822"/>
+                </a:solidFill>
+                <a:latin typeface="Comic Sans MS" pitchFamily="66" charset="0"/>
+              </a:rPr>
+              <a:t>m</a:t>
+            </a:r>
+            <a:r>
+              <a:rPr lang="en-US" sz="4400" dirty="0" smtClean="0">
+                <a:latin typeface="Comic Sans MS" pitchFamily="66" charset="0"/>
+              </a:rPr>
+              <a:t> </a:t>
+            </a:r>
+            <a:r>
+              <a:rPr lang="en-US" sz="4400" b="1" dirty="0">
+                <a:latin typeface="Times" pitchFamily="18" charset="0"/>
+              </a:rPr>
+              <a:t>&gt;</a:t>
+            </a:r>
+            <a:r>
+              <a:rPr lang="en-US" sz="4400" dirty="0">
+                <a:solidFill>
+                  <a:srgbClr val="0000FF"/>
+                </a:solidFill>
+                <a:latin typeface="Comic Sans MS" pitchFamily="66" charset="0"/>
+              </a:rPr>
+              <a:t> </a:t>
+            </a:r>
+            <a:r>
+              <a:rPr lang="en-US" sz="4400" dirty="0" err="1" smtClean="0">
+                <a:solidFill>
+                  <a:srgbClr val="0000FF"/>
+                </a:solidFill>
+                <a:latin typeface="Comic Sans MS" pitchFamily="66" charset="0"/>
+              </a:rPr>
+              <a:t>j,</a:t>
+            </a:r>
+            <a:r>
+              <a:rPr lang="en-US" sz="4400" dirty="0" err="1" smtClean="0">
+                <a:solidFill>
+                  <a:srgbClr val="0033CC"/>
+                </a:solidFill>
+                <a:latin typeface="Comic Sans MS" pitchFamily="66" charset="0"/>
+              </a:rPr>
+              <a:t>k</a:t>
+            </a:r>
+            <a:r>
+              <a:rPr lang="en-US" sz="4400" dirty="0" smtClean="0">
+                <a:latin typeface="Comic Sans MS" pitchFamily="66" charset="0"/>
+              </a:rPr>
+              <a:t> </a:t>
+            </a:r>
+            <a:r>
+              <a:rPr lang="en-US" sz="4400" b="1" dirty="0" smtClean="0">
+                <a:latin typeface="Times" pitchFamily="18" charset="0"/>
+              </a:rPr>
+              <a:t>&gt;</a:t>
+            </a:r>
+            <a:r>
+              <a:rPr lang="en-US" sz="4400" dirty="0" smtClean="0">
+                <a:latin typeface="Comic Sans MS" pitchFamily="66" charset="0"/>
+              </a:rPr>
+              <a:t> 1. </a:t>
+            </a:r>
+            <a:endParaRPr lang="en-US" sz="4400" baseline="-25000" dirty="0">
+              <a:solidFill>
+                <a:srgbClr val="0033CC"/>
+              </a:solidFill>
+              <a:latin typeface="Comic Sans MS" pitchFamily="66" charset="0"/>
+            </a:endParaRPr>
+          </a:p>
+        </p:txBody>
+      </p:sp>
+      <p:sp>
+        <p:nvSpPr>
+          <p:cNvPr id="9" name="Rectangle 2"/>
+          <p:cNvSpPr>
+            <a:spLocks noGrp="1" noChangeArrowheads="1"/>
+          </p:cNvSpPr>
+          <p:nvPr>
+            <p:ph type="title"/>
+          </p:nvPr>
+        </p:nvSpPr>
+        <p:spPr>
+          <a:xfrm>
+            <a:off x="2209800" y="228600"/>
+            <a:ext cx="4724400" cy="990600"/>
+          </a:xfrm>
+        </p:spPr>
+        <p:txBody>
+          <a:bodyPr/>
+          <a:lstStyle/>
+          <a:p>
+            <a:pPr eaLnBrk="1" hangingPunct="1"/>
+            <a:r>
+              <a:rPr lang="en-US" sz="4400" dirty="0" smtClean="0"/>
+              <a:t>Prime Products</a:t>
+            </a:r>
+          </a:p>
+        </p:txBody>
+      </p:sp>
+    </p:spTree>
+  </p:cSld>
+  <p:clrMapOvr>
+    <a:masterClrMapping/>
+  </p:clrMapOvr>
+  <p:transition xmlns:p14="http://schemas.microsoft.com/office/powerpoint/2010/main"/>
+  <p:timing>
+    <p:tnLst>
+      <p:par>
+        <p:cTn xmlns:p14="http://schemas.microsoft.com/office/powerpoint/2010/main" id="1" dur="indefinite" restart="never" nodeType="tmRoot"/>
+      </p:par>
+    </p:tnLst>
+  </p:timing>
+</p:sld>
+</file>
+
+<file path=ppt/slides/slide11.xml><?xml version="1.0" encoding="utf-8"?>
+<p:sld xmlns:a="http://schemas.openxmlformats.org/drawingml/2006/main" xmlns:r="http://schemas.openxmlformats.org/officeDocument/2006/relationships" xmlns:p="http://schemas.openxmlformats.org/presentationml/2006/main" show="0">
+  <p:cSld>
+    <p:spTree>
+      <p:nvGrpSpPr>
+        <p:cNvPr id="1" name=""/>
+        <p:cNvGrpSpPr/>
+        <p:nvPr/>
+      </p:nvGrpSpPr>
+      <p:grpSpPr>
+        <a:xfrm>
+          <a:off x="0" y="0"/>
+          <a:ext cx="0" cy="0"/>
+          <a:chOff x="0" y="0"/>
+          <a:chExt cx="0" cy="0"/>
+        </a:xfrm>
+      </p:grpSpPr>
+      <p:sp>
+        <p:nvSpPr>
           <p:cNvPr id="260100" name="Text Box 4"/>
           <p:cNvSpPr txBox="1">
             <a:spLocks noChangeArrowheads="1"/>
@@ -6108,7 +6680,7 @@
 </p:sld>
 </file>
 
-<file path=ppt/slides/slide11.xml><?xml version="1.0" encoding="utf-8"?>
+<file path=ppt/slides/slide12.xml><?xml version="1.0" encoding="utf-8"?>
 <p:sld xmlns:a="http://schemas.openxmlformats.org/drawingml/2006/main" xmlns:r="http://schemas.openxmlformats.org/officeDocument/2006/relationships" xmlns:p="http://schemas.openxmlformats.org/presentationml/2006/main">
   <p:cSld>
     <p:spTree>
@@ -6847,7 +7419,7 @@
 </p:sld>
 </file>
 
-<file path=ppt/slides/slide12.xml><?xml version="1.0" encoding="utf-8"?>
+<file path=ppt/slides/slide13.xml><?xml version="1.0" encoding="utf-8"?>
 <p:sld xmlns:a="http://schemas.openxmlformats.org/drawingml/2006/main" xmlns:r="http://schemas.openxmlformats.org/officeDocument/2006/relationships" xmlns:p="http://schemas.openxmlformats.org/presentationml/2006/main">
   <p:cSld>
     <p:spTree>
@@ -7548,7 +8120,7 @@
 </p:sld>
 </file>
 
-<file path=ppt/slides/slide13.xml><?xml version="1.0" encoding="utf-8"?>
+<file path=ppt/slides/slide14.xml><?xml version="1.0" encoding="utf-8"?>
 <p:sld xmlns:a="http://schemas.openxmlformats.org/drawingml/2006/main" xmlns:r="http://schemas.openxmlformats.org/officeDocument/2006/relationships" xmlns:p="http://schemas.openxmlformats.org/presentationml/2006/main" show="0">
   <p:cSld>
     <p:spTree>
@@ -8460,7 +9032,7 @@
 </p:sld>
 </file>
 
-<file path=ppt/slides/slide14.xml><?xml version="1.0" encoding="utf-8"?>
+<file path=ppt/slides/slide15.xml><?xml version="1.0" encoding="utf-8"?>
 <p:sld xmlns:a="http://schemas.openxmlformats.org/drawingml/2006/main" xmlns:r="http://schemas.openxmlformats.org/officeDocument/2006/relationships" xmlns:p="http://schemas.openxmlformats.org/presentationml/2006/main">
   <p:cSld>
     <p:spTree>
@@ -9353,7 +9925,7 @@
 </p:sld>
 </file>
 
-<file path=ppt/slides/slide15.xml><?xml version="1.0" encoding="utf-8"?>
+<file path=ppt/slides/slide16.xml><?xml version="1.0" encoding="utf-8"?>
 <p:sld xmlns:a="http://schemas.openxmlformats.org/drawingml/2006/main" xmlns:r="http://schemas.openxmlformats.org/officeDocument/2006/relationships" xmlns:p="http://schemas.openxmlformats.org/presentationml/2006/main">
   <p:cSld>
     <p:spTree>
@@ -11078,7 +11650,7 @@
 </p:sld>
 </file>
 
-<file path=ppt/slides/slide16.xml><?xml version="1.0" encoding="utf-8"?>
+<file path=ppt/slides/slide17.xml><?xml version="1.0" encoding="utf-8"?>
 <p:sld xmlns:a="http://schemas.openxmlformats.org/drawingml/2006/main" xmlns:r="http://schemas.openxmlformats.org/officeDocument/2006/relationships" xmlns:p="http://schemas.openxmlformats.org/presentationml/2006/main">
   <p:cSld>
     <p:spTree>
@@ -11139,7 +11711,7 @@
           <a:graphicData uri="http://schemas.openxmlformats.org/presentationml/2006/ole">
             <mc:AlternateContent xmlns:mc="http://schemas.openxmlformats.org/markup-compatibility/2006">
               <mc:Choice xmlns:v="urn:schemas-microsoft-com:vml" Requires="v">
-                <p:oleObj spid="_x0000_s47112" name="Equation" r:id="rId3" imgW="2273300" imgH="469900" progId="Equation.DSMT4">
+                <p:oleObj spid="_x0000_s47122" name="Equation" r:id="rId3" imgW="2273300" imgH="469900" progId="Equation.DSMT4">
                   <p:embed/>
                 </p:oleObj>
               </mc:Choice>
@@ -11353,7 +11925,7 @@
           <a:graphicData uri="http://schemas.openxmlformats.org/presentationml/2006/ole">
             <mc:AlternateContent xmlns:mc="http://schemas.openxmlformats.org/markup-compatibility/2006">
               <mc:Choice xmlns:v="urn:schemas-microsoft-com:vml" Requires="v">
-                <p:oleObj spid="_x0000_s47113" name="Equation" r:id="rId5" imgW="2324100" imgH="469900" progId="Equation.DSMT4">
+                <p:oleObj spid="_x0000_s47123" name="Equation" r:id="rId5" imgW="2324100" imgH="469900" progId="Equation.DSMT4">
                   <p:embed/>
                 </p:oleObj>
               </mc:Choice>
@@ -11696,7 +12268,7 @@
 </p:sld>
 </file>
 
-<file path=ppt/slides/slide17.xml><?xml version="1.0" encoding="utf-8"?>
+<file path=ppt/slides/slide18.xml><?xml version="1.0" encoding="utf-8"?>
 <p:sld xmlns:a="http://schemas.openxmlformats.org/drawingml/2006/main" xmlns:r="http://schemas.openxmlformats.org/officeDocument/2006/relationships" xmlns:p="http://schemas.openxmlformats.org/presentationml/2006/main">
   <p:cSld>
     <p:spTree>
@@ -11757,7 +12329,7 @@
           <a:graphicData uri="http://schemas.openxmlformats.org/presentationml/2006/ole">
             <mc:AlternateContent xmlns:mc="http://schemas.openxmlformats.org/markup-compatibility/2006">
               <mc:Choice xmlns:v="urn:schemas-microsoft-com:vml" Requires="v">
-                <p:oleObj spid="_x0000_s48141" name="Equation" r:id="rId3" imgW="2324100" imgH="469900" progId="Equation.DSMT4">
+                <p:oleObj spid="_x0000_s48163" name="Equation" r:id="rId3" imgW="2324100" imgH="469900" progId="Equation.DSMT4">
                   <p:embed/>
                 </p:oleObj>
               </mc:Choice>
@@ -11888,7 +12460,7 @@
           <a:graphicData uri="http://schemas.openxmlformats.org/presentationml/2006/ole">
             <mc:AlternateContent xmlns:mc="http://schemas.openxmlformats.org/markup-compatibility/2006">
               <mc:Choice xmlns:v="urn:schemas-microsoft-com:vml" Requires="v">
-                <p:oleObj spid="_x0000_s48142" name="Equation" r:id="rId5" imgW="2540000" imgH="241300" progId="Equation.DSMT4">
+                <p:oleObj spid="_x0000_s48164" name="Equation" r:id="rId5" imgW="2540000" imgH="241300" progId="Equation.DSMT4">
                   <p:embed/>
                 </p:oleObj>
               </mc:Choice>
@@ -11958,7 +12530,7 @@
           <a:graphicData uri="http://schemas.openxmlformats.org/presentationml/2006/ole">
             <mc:AlternateContent xmlns:mc="http://schemas.openxmlformats.org/markup-compatibility/2006">
               <mc:Choice xmlns:v="urn:schemas-microsoft-com:vml" Requires="v">
-                <p:oleObj spid="_x0000_s48143" name="Equation" r:id="rId7" imgW="1270000" imgH="469900" progId="Equation.DSMT4">
+                <p:oleObj spid="_x0000_s48165" name="Equation" r:id="rId7" imgW="1270000" imgH="469900" progId="Equation.DSMT4">
                   <p:embed/>
                 </p:oleObj>
               </mc:Choice>
@@ -12028,7 +12600,7 @@
           <a:graphicData uri="http://schemas.openxmlformats.org/presentationml/2006/ole">
             <mc:AlternateContent xmlns:mc="http://schemas.openxmlformats.org/markup-compatibility/2006">
               <mc:Choice xmlns:v="urn:schemas-microsoft-com:vml" Requires="v">
-                <p:oleObj spid="_x0000_s48144" name="Equation" r:id="rId9" imgW="711200" imgH="469900" progId="Equation.DSMT4">
+                <p:oleObj spid="_x0000_s48166" name="Equation" r:id="rId9" imgW="711200" imgH="469900" progId="Equation.DSMT4">
                   <p:embed/>
                 </p:oleObj>
               </mc:Choice>
@@ -12219,7 +12791,7 @@
           <a:graphicData uri="http://schemas.openxmlformats.org/presentationml/2006/ole">
             <mc:AlternateContent xmlns:mc="http://schemas.openxmlformats.org/markup-compatibility/2006">
               <mc:Choice xmlns:v="urn:schemas-microsoft-com:vml" Requires="v">
-                <p:oleObj spid="_x0000_s48145" name="Equation" r:id="rId11" imgW="660400" imgH="469900" progId="Equation.DSMT4">
+                <p:oleObj spid="_x0000_s48167" name="Equation" r:id="rId11" imgW="660400" imgH="469900" progId="Equation.DSMT4">
                   <p:embed/>
                 </p:oleObj>
               </mc:Choice>
@@ -12629,7 +13201,7 @@
 </p:sld>
 </file>
 
-<file path=ppt/slides/slide18.xml><?xml version="1.0" encoding="utf-8"?>
+<file path=ppt/slides/slide19.xml><?xml version="1.0" encoding="utf-8"?>
 <p:sld xmlns:a="http://schemas.openxmlformats.org/drawingml/2006/main" xmlns:r="http://schemas.openxmlformats.org/officeDocument/2006/relationships" xmlns:p="http://schemas.openxmlformats.org/presentationml/2006/main">
   <p:cSld>
     <p:spTree>
@@ -12846,7 +13418,7 @@
           <a:graphicData uri="http://schemas.openxmlformats.org/presentationml/2006/ole">
             <mc:AlternateContent xmlns:mc="http://schemas.openxmlformats.org/markup-compatibility/2006">
               <mc:Choice xmlns:v="urn:schemas-microsoft-com:vml" Requires="v">
-                <p:oleObj spid="_x0000_s36877" name="Equation" r:id="rId4" imgW="838200" imgH="215900" progId="Equation.DSMT4">
+                <p:oleObj spid="_x0000_s36899" name="Equation" r:id="rId4" imgW="838200" imgH="215900" progId="Equation.DSMT4">
                   <p:embed/>
                 </p:oleObj>
               </mc:Choice>
@@ -12916,7 +13488,7 @@
           <a:graphicData uri="http://schemas.openxmlformats.org/presentationml/2006/ole">
             <mc:AlternateContent xmlns:mc="http://schemas.openxmlformats.org/markup-compatibility/2006">
               <mc:Choice xmlns:v="urn:schemas-microsoft-com:vml" Requires="v">
-                <p:oleObj spid="_x0000_s36878" name="Equation" r:id="rId6" imgW="114300" imgH="165100" progId="Equation.DSMT4">
+                <p:oleObj spid="_x0000_s36900" name="Equation" r:id="rId6" imgW="114300" imgH="165100" progId="Equation.DSMT4">
                   <p:embed/>
                 </p:oleObj>
               </mc:Choice>
@@ -12986,7 +13558,7 @@
           <a:graphicData uri="http://schemas.openxmlformats.org/presentationml/2006/ole">
             <mc:AlternateContent xmlns:mc="http://schemas.openxmlformats.org/markup-compatibility/2006">
               <mc:Choice xmlns:v="urn:schemas-microsoft-com:vml" Requires="v">
-                <p:oleObj spid="_x0000_s36879" name="Equation" r:id="rId8" imgW="1663700" imgH="342900" progId="Equation.DSMT4">
+                <p:oleObj spid="_x0000_s36901" name="Equation" r:id="rId8" imgW="1663700" imgH="342900" progId="Equation.DSMT4">
                   <p:embed/>
                 </p:oleObj>
               </mc:Choice>
@@ -13056,7 +13628,7 @@
           <a:graphicData uri="http://schemas.openxmlformats.org/presentationml/2006/ole">
             <mc:AlternateContent xmlns:mc="http://schemas.openxmlformats.org/markup-compatibility/2006">
               <mc:Choice xmlns:v="urn:schemas-microsoft-com:vml" Requires="v">
-                <p:oleObj spid="_x0000_s36880" name="Equation" r:id="rId10" imgW="419100" imgH="190500" progId="Equation.DSMT4">
+                <p:oleObj spid="_x0000_s36902" name="Equation" r:id="rId10" imgW="419100" imgH="190500" progId="Equation.DSMT4">
                   <p:embed/>
                 </p:oleObj>
               </mc:Choice>
@@ -13126,7 +13698,7 @@
           <a:graphicData uri="http://schemas.openxmlformats.org/presentationml/2006/ole">
             <mc:AlternateContent xmlns:mc="http://schemas.openxmlformats.org/markup-compatibility/2006">
               <mc:Choice xmlns:v="urn:schemas-microsoft-com:vml" Requires="v">
-                <p:oleObj spid="_x0000_s36881" name="Equation" r:id="rId12" imgW="368300" imgH="190500" progId="Equation.DSMT4">
+                <p:oleObj spid="_x0000_s36903" name="Equation" r:id="rId12" imgW="368300" imgH="190500" progId="Equation.DSMT4">
                   <p:embed/>
                 </p:oleObj>
               </mc:Choice>
@@ -13661,7 +14233,176 @@
 </p:sld>
 </file>
 
-<file path=ppt/slides/slide19.xml><?xml version="1.0" encoding="utf-8"?>
+<file path=ppt/slides/slide2.xml><?xml version="1.0" encoding="utf-8"?>
+<p:sld xmlns:a="http://schemas.openxmlformats.org/drawingml/2006/main" xmlns:r="http://schemas.openxmlformats.org/officeDocument/2006/relationships" xmlns:p="http://schemas.openxmlformats.org/presentationml/2006/main">
+  <p:cSld>
+    <p:spTree>
+      <p:nvGrpSpPr>
+        <p:cNvPr id="1" name=""/>
+        <p:cNvGrpSpPr/>
+        <p:nvPr/>
+      </p:nvGrpSpPr>
+      <p:grpSpPr>
+        <a:xfrm>
+          <a:off x="0" y="0"/>
+          <a:ext cx="0" cy="0"/>
+          <a:chOff x="0" y="0"/>
+          <a:chExt cx="0" cy="0"/>
+        </a:xfrm>
+      </p:grpSpPr>
+      <p:sp>
+        <p:nvSpPr>
+          <p:cNvPr id="2" name="TextBox 1"/>
+          <p:cNvSpPr txBox="1"/>
+          <p:nvPr/>
+        </p:nvSpPr>
+        <p:spPr bwMode="auto">
+          <a:xfrm>
+            <a:off x="1962779" y="394494"/>
+            <a:ext cx="3807953" cy="830997"/>
+          </a:xfrm>
+          <a:prstGeom prst="rect">
+            <a:avLst/>
+          </a:prstGeom>
+          <a:noFill/>
+          <a:ln w="9525">
+            <a:noFill/>
+            <a:miter lim="800000"/>
+            <a:headEnd/>
+            <a:tailEnd type="none" w="lg" len="lg"/>
+          </a:ln>
+        </p:spPr>
+        <p:txBody>
+          <a:bodyPr wrap="none" rtlCol="0">
+            <a:spAutoFit/>
+          </a:bodyPr>
+          <a:lstStyle/>
+          <a:p>
+            <a:r>
+              <a:rPr lang="en-US" sz="4800" b="1" dirty="0" smtClean="0">
+                <a:latin typeface="Comic Sans MS" pitchFamily="66" charset="0"/>
+              </a:rPr>
+              <a:t>What is the</a:t>
+            </a:r>
+            <a:endParaRPr lang="en-US" sz="4800" b="1" dirty="0" smtClean="0">
+              <a:latin typeface="Comic Sans MS" pitchFamily="66" charset="0"/>
+            </a:endParaRPr>
+          </a:p>
+        </p:txBody>
+      </p:sp>
+      <p:sp>
+        <p:nvSpPr>
+          <p:cNvPr id="3" name="TextBox 2"/>
+          <p:cNvSpPr txBox="1"/>
+          <p:nvPr/>
+        </p:nvSpPr>
+        <p:spPr bwMode="auto">
+          <a:xfrm>
+            <a:off x="538813" y="1450692"/>
+            <a:ext cx="8072410" cy="4524315"/>
+          </a:xfrm>
+          <a:prstGeom prst="rect">
+            <a:avLst/>
+          </a:prstGeom>
+          <a:noFill/>
+          <a:ln w="9525">
+            <a:noFill/>
+            <a:miter lim="800000"/>
+            <a:headEnd/>
+            <a:tailEnd type="none" w="lg" len="lg"/>
+          </a:ln>
+        </p:spPr>
+        <p:txBody>
+          <a:bodyPr wrap="square" rtlCol="0">
+            <a:spAutoFit/>
+          </a:bodyPr>
+          <a:lstStyle/>
+          <a:p>
+            <a:pPr marL="685800" indent="-685800">
+              <a:buFont typeface="Arial"/>
+              <a:buChar char="•"/>
+            </a:pPr>
+            <a:r>
+              <a:rPr lang="en-US" sz="4800" dirty="0" smtClean="0">
+                <a:latin typeface="Comic Sans MS" pitchFamily="66" charset="0"/>
+              </a:rPr>
+              <a:t>youngest age </a:t>
+            </a:r>
+            <a:r>
+              <a:rPr lang="en-US" sz="4800" dirty="0">
+                <a:latin typeface="Comic Sans MS" pitchFamily="66" charset="0"/>
+              </a:rPr>
+              <a:t>of </a:t>
+            </a:r>
+            <a:r>
+              <a:rPr lang="en-US" sz="4800" dirty="0" smtClean="0">
+                <a:latin typeface="Comic Sans MS" pitchFamily="66" charset="0"/>
+              </a:rPr>
+              <a:t>MIT </a:t>
+            </a:r>
+            <a:r>
+              <a:rPr lang="en-US" sz="4800" dirty="0" smtClean="0">
+                <a:latin typeface="Comic Sans MS" pitchFamily="66" charset="0"/>
+              </a:rPr>
+              <a:t>graduate?</a:t>
+            </a:r>
+          </a:p>
+          <a:p>
+            <a:pPr marL="685800" indent="-685800">
+              <a:buFont typeface="Arial"/>
+              <a:buChar char="•"/>
+            </a:pPr>
+            <a:r>
+              <a:rPr lang="en-US" sz="4800" dirty="0" smtClean="0">
+                <a:latin typeface="Comic Sans MS" pitchFamily="66" charset="0"/>
+              </a:rPr>
+              <a:t>smallest # neurons in any animal?</a:t>
+            </a:r>
+          </a:p>
+          <a:p>
+            <a:pPr marL="685800" indent="-685800">
+              <a:buFont typeface="Arial"/>
+              <a:buChar char="•"/>
+            </a:pPr>
+            <a:r>
+              <a:rPr lang="en-US" sz="4800" dirty="0" smtClean="0">
+                <a:latin typeface="Comic Sans MS" pitchFamily="66" charset="0"/>
+              </a:rPr>
+              <a:t>smallest #coins = $1.17?</a:t>
+            </a:r>
+          </a:p>
+          <a:p>
+            <a:pPr marL="685800" indent="-685800">
+              <a:buFont typeface="Arial"/>
+              <a:buChar char="•"/>
+            </a:pPr>
+            <a:endParaRPr lang="en-US" sz="4800" dirty="0" smtClean="0">
+              <a:latin typeface="Comic Sans MS" pitchFamily="66" charset="0"/>
+            </a:endParaRPr>
+          </a:p>
+        </p:txBody>
+      </p:sp>
+    </p:spTree>
+    <p:extLst>
+      <p:ext uri="{BB962C8B-B14F-4D97-AF65-F5344CB8AC3E}">
+        <p14:creationId xmlns:p14="http://schemas.microsoft.com/office/powerpoint/2010/main" val="3475604449"/>
+      </p:ext>
+    </p:extLst>
+  </p:cSld>
+  <p:clrMapOvr>
+    <a:masterClrMapping/>
+  </p:clrMapOvr>
+  <p:timing>
+    <p:tnLst>
+      <p:par>
+        <p:cTn xmlns:p14="http://schemas.microsoft.com/office/powerpoint/2010/main" id="1" dur="indefinite" restart="never" nodeType="tmRoot"/>
+      </p:par>
+    </p:tnLst>
+  </p:timing>
+</p:sld>
+</file>
+
+<file path=ppt/slides/slide20.xml><?xml version="1.0" encoding="utf-8"?>
 <p:sld xmlns:a="http://schemas.openxmlformats.org/drawingml/2006/main" xmlns:r="http://schemas.openxmlformats.org/officeDocument/2006/relationships" xmlns:p="http://schemas.openxmlformats.org/presentationml/2006/main">
   <p:cSld>
     <p:spTree>
@@ -13779,7 +14520,1797 @@
 </p:sld>
 </file>
 
-<file path=ppt/slides/slide2.xml><?xml version="1.0" encoding="utf-8"?>
+<file path=ppt/slides/slide3.xml><?xml version="1.0" encoding="utf-8"?>
+<p:sld xmlns:a="http://schemas.openxmlformats.org/drawingml/2006/main" xmlns:r="http://schemas.openxmlformats.org/officeDocument/2006/relationships" xmlns:p="http://schemas.openxmlformats.org/presentationml/2006/main">
+  <p:cSld>
+    <p:spTree>
+      <p:nvGrpSpPr>
+        <p:cNvPr id="1" name=""/>
+        <p:cNvGrpSpPr/>
+        <p:nvPr/>
+      </p:nvGrpSpPr>
+      <p:grpSpPr>
+        <a:xfrm>
+          <a:off x="0" y="0"/>
+          <a:ext cx="0" cy="0"/>
+          <a:chOff x="0" y="0"/>
+          <a:chExt cx="0" cy="0"/>
+        </a:xfrm>
+      </p:grpSpPr>
+      <p:sp>
+        <p:nvSpPr>
+          <p:cNvPr id="9222" name="Rectangle 2"/>
+          <p:cNvSpPr>
+            <a:spLocks noGrp="1" noChangeArrowheads="1"/>
+          </p:cNvSpPr>
+          <p:nvPr>
+            <p:ph type="title"/>
+          </p:nvPr>
+        </p:nvSpPr>
+        <p:spPr>
+          <a:xfrm>
+            <a:off x="2209800" y="76200"/>
+            <a:ext cx="6629400" cy="1143000"/>
+          </a:xfrm>
+        </p:spPr>
+        <p:txBody>
+          <a:bodyPr/>
+          <a:lstStyle/>
+          <a:p>
+            <a:pPr eaLnBrk="1" hangingPunct="1"/>
+            <a:r>
+              <a:rPr lang="en-US" sz="3600" dirty="0" smtClean="0"/>
+              <a:t> proof used Well Ordering</a:t>
+            </a:r>
+          </a:p>
+        </p:txBody>
+      </p:sp>
+      <p:grpSp>
+        <p:nvGrpSpPr>
+          <p:cNvPr id="9" name="Group 8"/>
+          <p:cNvGrpSpPr/>
+          <p:nvPr/>
+        </p:nvGrpSpPr>
+        <p:grpSpPr>
+          <a:xfrm>
+            <a:off x="609600" y="1455738"/>
+            <a:ext cx="7848600" cy="1508125"/>
+            <a:chOff x="609600" y="1455738"/>
+            <a:chExt cx="7848600" cy="1508125"/>
+          </a:xfrm>
+        </p:grpSpPr>
+        <p:sp>
+          <p:nvSpPr>
+            <p:cNvPr id="9228" name="Text Box 3"/>
+            <p:cNvSpPr txBox="1">
+              <a:spLocks noChangeArrowheads="1"/>
+            </p:cNvSpPr>
+            <p:nvPr/>
+          </p:nvSpPr>
+          <p:spPr bwMode="auto">
+            <a:xfrm>
+              <a:off x="609600" y="1752601"/>
+              <a:ext cx="7848600" cy="762000"/>
+            </a:xfrm>
+            <a:prstGeom prst="rect">
+              <a:avLst/>
+            </a:prstGeom>
+            <a:noFill/>
+            <a:ln w="9525">
+              <a:noFill/>
+              <a:miter lim="800000"/>
+              <a:headEnd/>
+              <a:tailEnd type="none" w="lg" len="lg"/>
+            </a:ln>
+          </p:spPr>
+          <p:txBody>
+            <a:bodyPr>
+              <a:spAutoFit/>
+            </a:bodyPr>
+            <a:lstStyle/>
+            <a:p>
+              <a:r>
+                <a:rPr lang="en-US" sz="4400" i="1" dirty="0">
+                  <a:latin typeface="Comic Sans MS" pitchFamily="66" charset="0"/>
+                </a:rPr>
+                <a:t>Proof</a:t>
+              </a:r>
+              <a:r>
+                <a:rPr lang="en-US" sz="4400" dirty="0">
+                  <a:latin typeface="Comic Sans MS" pitchFamily="66" charset="0"/>
+                </a:rPr>
+                <a:t>: </a:t>
+              </a:r>
+              <a:r>
+                <a:rPr lang="en-US" sz="4400" dirty="0" smtClean="0">
+                  <a:latin typeface="Comic Sans MS" pitchFamily="66" charset="0"/>
+                </a:rPr>
+                <a:t>…suppose</a:t>
+              </a:r>
+              <a:endParaRPr lang="en-US" sz="4400" dirty="0">
+                <a:latin typeface="Comic Sans MS" pitchFamily="66" charset="0"/>
+              </a:endParaRPr>
+            </a:p>
+          </p:txBody>
+        </p:sp>
+        <p:graphicFrame>
+          <p:nvGraphicFramePr>
+            <p:cNvPr id="9220" name="Object 5"/>
+            <p:cNvGraphicFramePr>
+              <a:graphicFrameLocks noChangeAspect="1"/>
+            </p:cNvGraphicFramePr>
+            <p:nvPr/>
+          </p:nvGraphicFramePr>
+          <p:xfrm>
+            <a:off x="4953000" y="1455738"/>
+            <a:ext cx="2006600" cy="1508125"/>
+          </p:xfrm>
+          <a:graphic>
+            <a:graphicData uri="http://schemas.openxmlformats.org/presentationml/2006/ole">
+              <mc:AlternateContent xmlns:mc="http://schemas.openxmlformats.org/markup-compatibility/2006">
+                <mc:Choice xmlns:v="urn:schemas-microsoft-com:vml" Requires="v">
+                  <p:oleObj spid="_x0000_s1042" name="Equation" r:id="rId4" imgW="558720" imgH="419040" progId="Equation.DSMT4">
+                    <p:embed/>
+                  </p:oleObj>
+                </mc:Choice>
+                <mc:Fallback>
+                  <p:oleObj name="Equation" r:id="rId4" imgW="558720" imgH="419040" progId="Equation.DSMT4">
+                    <p:embed/>
+                    <p:pic>
+                      <p:nvPicPr>
+                        <p:cNvPr id="0" name="Object 5"/>
+                        <p:cNvPicPr>
+                          <a:picLocks noChangeAspect="1" noChangeArrowheads="1"/>
+                        </p:cNvPicPr>
+                        <p:nvPr/>
+                      </p:nvPicPr>
+                      <p:blipFill>
+                        <a:blip r:embed="rId5">
+                          <a:extLst>
+                            <a:ext uri="{28A0092B-C50C-407E-A947-70E740481C1C}">
+                              <a14:useLocalDpi xmlns:a14="http://schemas.microsoft.com/office/drawing/2010/main" val="0"/>
+                            </a:ext>
+                          </a:extLst>
+                        </a:blip>
+                        <a:srcRect/>
+                        <a:stretch>
+                          <a:fillRect/>
+                        </a:stretch>
+                      </p:blipFill>
+                      <p:spPr bwMode="auto">
+                        <a:xfrm>
+                          <a:off x="4953000" y="1455738"/>
+                          <a:ext cx="2006600" cy="1508125"/>
+                        </a:xfrm>
+                        <a:prstGeom prst="rect">
+                          <a:avLst/>
+                        </a:prstGeom>
+                        <a:noFill/>
+                        <a:extLst>
+                          <a:ext uri="{909E8E84-426E-40dd-AFC4-6F175D3DCCD1}">
+                            <a14:hiddenFill xmlns:a14="http://schemas.microsoft.com/office/drawing/2010/main">
+                              <a:solidFill>
+                                <a:srgbClr val="FFFFFF"/>
+                              </a:solidFill>
+                            </a14:hiddenFill>
+                          </a:ext>
+                        </a:extLst>
+                      </p:spPr>
+                    </p:pic>
+                  </p:oleObj>
+                </mc:Fallback>
+              </mc:AlternateContent>
+            </a:graphicData>
+          </a:graphic>
+        </p:graphicFrame>
+      </p:grpSp>
+      <p:graphicFrame>
+        <p:nvGraphicFramePr>
+          <p:cNvPr id="9218" name="Object 10"/>
+          <p:cNvGraphicFramePr>
+            <a:graphicFrameLocks noChangeAspect="1"/>
+          </p:cNvGraphicFramePr>
+          <p:nvPr/>
+        </p:nvGraphicFramePr>
+        <p:xfrm>
+          <a:off x="1676400" y="180975"/>
+          <a:ext cx="990600" cy="885825"/>
+        </p:xfrm>
+        <a:graphic>
+          <a:graphicData uri="http://schemas.openxmlformats.org/presentationml/2006/ole">
+            <mc:AlternateContent xmlns:mc="http://schemas.openxmlformats.org/markup-compatibility/2006">
+              <mc:Choice xmlns:v="urn:schemas-microsoft-com:vml" Requires="v">
+                <p:oleObj spid="_x0000_s1043" name="Equation" r:id="rId6" imgW="241200" imgH="215640" progId="Equation.DSMT4">
+                  <p:embed/>
+                </p:oleObj>
+              </mc:Choice>
+              <mc:Fallback>
+                <p:oleObj name="Equation" r:id="rId6" imgW="241200" imgH="215640" progId="Equation.DSMT4">
+                  <p:embed/>
+                  <p:pic>
+                    <p:nvPicPr>
+                      <p:cNvPr id="0" name="Object 10"/>
+                      <p:cNvPicPr>
+                        <a:picLocks noChangeAspect="1" noChangeArrowheads="1"/>
+                      </p:cNvPicPr>
+                      <p:nvPr/>
+                    </p:nvPicPr>
+                    <p:blipFill>
+                      <a:blip r:embed="rId7">
+                        <a:extLst>
+                          <a:ext uri="{28A0092B-C50C-407E-A947-70E740481C1C}">
+                            <a14:useLocalDpi xmlns:a14="http://schemas.microsoft.com/office/drawing/2010/main" val="0"/>
+                          </a:ext>
+                        </a:extLst>
+                      </a:blip>
+                      <a:srcRect/>
+                      <a:stretch>
+                        <a:fillRect/>
+                      </a:stretch>
+                    </p:blipFill>
+                    <p:spPr bwMode="auto">
+                      <a:xfrm>
+                        <a:off x="1676400" y="180975"/>
+                        <a:ext cx="990600" cy="885825"/>
+                      </a:xfrm>
+                      <a:prstGeom prst="rect">
+                        <a:avLst/>
+                      </a:prstGeom>
+                      <a:noFill/>
+                      <a:extLst>
+                        <a:ext uri="{909E8E84-426E-40dd-AFC4-6F175D3DCCD1}">
+                          <a14:hiddenFill xmlns:a14="http://schemas.microsoft.com/office/drawing/2010/main">
+                            <a:solidFill>
+                              <a:srgbClr val="FFFFFF"/>
+                            </a:solidFill>
+                          </a14:hiddenFill>
+                        </a:ext>
+                      </a:extLst>
+                    </p:spPr>
+                  </p:pic>
+                </p:oleObj>
+              </mc:Fallback>
+            </mc:AlternateContent>
+          </a:graphicData>
+        </a:graphic>
+      </p:graphicFrame>
+      <p:sp>
+        <p:nvSpPr>
+          <p:cNvPr id="322573" name="Text Box 13"/>
+          <p:cNvSpPr txBox="1">
+            <a:spLocks noChangeArrowheads="1"/>
+          </p:cNvSpPr>
+          <p:nvPr/>
+        </p:nvSpPr>
+        <p:spPr bwMode="auto">
+          <a:xfrm>
+            <a:off x="533400" y="2896850"/>
+            <a:ext cx="7856537" cy="1446550"/>
+          </a:xfrm>
+          <a:prstGeom prst="rect">
+            <a:avLst/>
+          </a:prstGeom>
+          <a:noFill/>
+          <a:ln w="9525">
+            <a:noFill/>
+            <a:miter lim="800000"/>
+            <a:headEnd/>
+            <a:tailEnd type="none" w="lg" len="lg"/>
+          </a:ln>
+        </p:spPr>
+        <p:txBody>
+          <a:bodyPr wrap="square">
+            <a:spAutoFit/>
+          </a:bodyPr>
+          <a:lstStyle/>
+          <a:p>
+            <a:r>
+              <a:rPr lang="en-US" sz="4400" dirty="0">
+                <a:latin typeface="Comic Sans MS" pitchFamily="66" charset="0"/>
+              </a:rPr>
+              <a:t>…can </a:t>
+            </a:r>
+            <a:r>
+              <a:rPr lang="en-US" sz="4400" dirty="0">
+                <a:solidFill>
+                  <a:srgbClr val="FF33CC"/>
+                </a:solidFill>
+                <a:latin typeface="Comic Sans MS" pitchFamily="66" charset="0"/>
+              </a:rPr>
+              <a:t>always</a:t>
+            </a:r>
+            <a:r>
+              <a:rPr lang="en-US" sz="4400" dirty="0">
+                <a:latin typeface="Comic Sans MS" pitchFamily="66" charset="0"/>
+              </a:rPr>
+              <a:t> find such </a:t>
+            </a:r>
+            <a:r>
+              <a:rPr lang="en-US" sz="4400" dirty="0" smtClean="0">
+                <a:solidFill>
+                  <a:srgbClr val="0033CC"/>
+                </a:solidFill>
+                <a:latin typeface="Comic Sans MS" pitchFamily="66" charset="0"/>
+              </a:rPr>
+              <a:t>m</a:t>
+            </a:r>
+            <a:r>
+              <a:rPr lang="en-US" sz="4400" dirty="0" smtClean="0">
+                <a:latin typeface="Comic Sans MS" pitchFamily="66" charset="0"/>
+              </a:rPr>
+              <a:t>, </a:t>
+            </a:r>
+            <a:r>
+              <a:rPr lang="en-US" sz="4400" dirty="0" smtClean="0">
+                <a:solidFill>
+                  <a:srgbClr val="0033CC"/>
+                </a:solidFill>
+                <a:latin typeface="Comic Sans MS" pitchFamily="66" charset="0"/>
+              </a:rPr>
+              <a:t>n</a:t>
+            </a:r>
+            <a:r>
+              <a:rPr lang="en-US" sz="4400" b="1" dirty="0" smtClean="0">
+                <a:solidFill>
+                  <a:srgbClr val="0033CC"/>
+                </a:solidFill>
+                <a:latin typeface="Times New (W1)" pitchFamily="18" charset="0"/>
+              </a:rPr>
+              <a:t>&gt;</a:t>
+            </a:r>
+            <a:r>
+              <a:rPr lang="en-US" sz="4400" dirty="0" smtClean="0">
+                <a:solidFill>
+                  <a:srgbClr val="0033CC"/>
+                </a:solidFill>
+                <a:latin typeface="Comic Sans MS" pitchFamily="66" charset="0"/>
+              </a:rPr>
+              <a:t>0</a:t>
+            </a:r>
+            <a:endParaRPr lang="en-US" sz="4400" dirty="0">
+              <a:solidFill>
+                <a:srgbClr val="0033CC"/>
+              </a:solidFill>
+              <a:latin typeface="Comic Sans MS" pitchFamily="66" charset="0"/>
+            </a:endParaRPr>
+          </a:p>
+          <a:p>
+            <a:r>
+              <a:rPr lang="en-US" sz="4400" i="1" dirty="0">
+                <a:latin typeface="Comic Sans MS" pitchFamily="66" charset="0"/>
+              </a:rPr>
+              <a:t>without common factors</a:t>
+            </a:r>
+            <a:r>
+              <a:rPr lang="en-US" sz="4400" dirty="0">
+                <a:latin typeface="Comic Sans MS" pitchFamily="66" charset="0"/>
+              </a:rPr>
+              <a:t>…</a:t>
+            </a:r>
+          </a:p>
+        </p:txBody>
+      </p:sp>
+      <p:sp>
+        <p:nvSpPr>
+          <p:cNvPr id="322574" name="Rectangle 14"/>
+          <p:cNvSpPr>
+            <a:spLocks noChangeArrowheads="1"/>
+          </p:cNvSpPr>
+          <p:nvPr/>
+        </p:nvSpPr>
+        <p:spPr bwMode="auto">
+          <a:xfrm>
+            <a:off x="2362200" y="4343400"/>
+            <a:ext cx="4648200" cy="1066800"/>
+          </a:xfrm>
+          <a:prstGeom prst="rect">
+            <a:avLst/>
+          </a:prstGeom>
+          <a:noFill/>
+          <a:ln w="9525">
+            <a:noFill/>
+            <a:miter lim="800000"/>
+            <a:headEnd/>
+            <a:tailEnd/>
+          </a:ln>
+        </p:spPr>
+        <p:txBody>
+          <a:bodyPr/>
+          <a:lstStyle/>
+          <a:p>
+            <a:pPr marL="342900" indent="-342900">
+              <a:spcBef>
+                <a:spcPct val="20000"/>
+              </a:spcBef>
+            </a:pPr>
+            <a:r>
+              <a:rPr lang="en-US" sz="5400" dirty="0">
+                <a:latin typeface="Comic Sans MS" pitchFamily="66" charset="0"/>
+              </a:rPr>
+              <a:t>why</a:t>
+            </a:r>
+            <a:r>
+              <a:rPr lang="en-US" sz="5400" dirty="0">
+                <a:solidFill>
+                  <a:srgbClr val="0D05A7"/>
+                </a:solidFill>
+                <a:latin typeface="Comic Sans MS" pitchFamily="66" charset="0"/>
+              </a:rPr>
+              <a:t> </a:t>
+            </a:r>
+            <a:r>
+              <a:rPr lang="en-US" sz="5400" dirty="0" smtClean="0">
+                <a:solidFill>
+                  <a:srgbClr val="FF33CC"/>
+                </a:solidFill>
+                <a:latin typeface="Comic Sans MS" pitchFamily="66" charset="0"/>
+              </a:rPr>
+              <a:t>always</a:t>
+            </a:r>
+            <a:r>
+              <a:rPr lang="en-US" sz="5400" i="1" dirty="0" smtClean="0">
+                <a:latin typeface="Comic Sans MS" pitchFamily="66" charset="0"/>
+              </a:rPr>
+              <a:t> </a:t>
+            </a:r>
+            <a:r>
+              <a:rPr lang="en-US" sz="5400" dirty="0" smtClean="0">
+                <a:latin typeface="Comic Sans MS" pitchFamily="66" charset="0"/>
+              </a:rPr>
+              <a:t>?</a:t>
+            </a:r>
+            <a:endParaRPr lang="en-US" sz="5400" dirty="0">
+              <a:latin typeface="Comic Sans MS" pitchFamily="66" charset="0"/>
+            </a:endParaRPr>
+          </a:p>
+        </p:txBody>
+      </p:sp>
+    </p:spTree>
+  </p:cSld>
+  <p:clrMapOvr>
+    <a:masterClrMapping/>
+  </p:clrMapOvr>
+  <p:transition xmlns:p14="http://schemas.microsoft.com/office/powerpoint/2010/main">
+    <p:dissolve/>
+  </p:transition>
+  <p:timing>
+    <p:tnLst>
+      <p:par>
+        <p:cTn xmlns:p14="http://schemas.microsoft.com/office/powerpoint/2010/main" id="1" dur="indefinite" restart="never" nodeType="tmRoot">
+          <p:childTnLst>
+            <p:seq concurrent="1" nextAc="seek">
+              <p:cTn id="2" dur="indefinite" nodeType="mainSeq">
+                <p:childTnLst>
+                  <p:par>
+                    <p:cTn id="3" fill="hold">
+                      <p:stCondLst>
+                        <p:cond delay="indefinite"/>
+                      </p:stCondLst>
+                      <p:childTnLst>
+                        <p:par>
+                          <p:cTn id="4" fill="hold">
+                            <p:stCondLst>
+                              <p:cond delay="0"/>
+                            </p:stCondLst>
+                            <p:childTnLst>
+                              <p:par>
+                                <p:cTn id="5" presetID="1" presetClass="entr" presetSubtype="0" fill="hold" nodeType="clickEffect">
+                                  <p:stCondLst>
+                                    <p:cond delay="0"/>
+                                  </p:stCondLst>
+                                  <p:childTnLst>
+                                    <p:set>
+                                      <p:cBhvr>
+                                        <p:cTn id="6" dur="1" fill="hold">
+                                          <p:stCondLst>
+                                            <p:cond delay="0"/>
+                                          </p:stCondLst>
+                                        </p:cTn>
+                                        <p:tgtEl>
+                                          <p:spTgt spid="9"/>
+                                        </p:tgtEl>
+                                        <p:attrNameLst>
+                                          <p:attrName>style.visibility</p:attrName>
+                                        </p:attrNameLst>
+                                      </p:cBhvr>
+                                      <p:to>
+                                        <p:strVal val="visible"/>
+                                      </p:to>
+                                    </p:set>
+                                  </p:childTnLst>
+                                </p:cTn>
+                              </p:par>
+                            </p:childTnLst>
+                          </p:cTn>
+                        </p:par>
+                      </p:childTnLst>
+                    </p:cTn>
+                  </p:par>
+                  <p:par>
+                    <p:cTn id="7" fill="hold">
+                      <p:stCondLst>
+                        <p:cond delay="indefinite"/>
+                      </p:stCondLst>
+                      <p:childTnLst>
+                        <p:par>
+                          <p:cTn id="8" fill="hold">
+                            <p:stCondLst>
+                              <p:cond delay="0"/>
+                            </p:stCondLst>
+                            <p:childTnLst>
+                              <p:par>
+                                <p:cTn id="9" presetID="1" presetClass="entr" presetSubtype="0" fill="hold" grpId="0" nodeType="clickEffect">
+                                  <p:stCondLst>
+                                    <p:cond delay="0"/>
+                                  </p:stCondLst>
+                                  <p:childTnLst>
+                                    <p:set>
+                                      <p:cBhvr>
+                                        <p:cTn id="10" dur="1" fill="hold">
+                                          <p:stCondLst>
+                                            <p:cond delay="0"/>
+                                          </p:stCondLst>
+                                        </p:cTn>
+                                        <p:tgtEl>
+                                          <p:spTgt spid="322573"/>
+                                        </p:tgtEl>
+                                        <p:attrNameLst>
+                                          <p:attrName>style.visibility</p:attrName>
+                                        </p:attrNameLst>
+                                      </p:cBhvr>
+                                      <p:to>
+                                        <p:strVal val="visible"/>
+                                      </p:to>
+                                    </p:set>
+                                  </p:childTnLst>
+                                </p:cTn>
+                              </p:par>
+                            </p:childTnLst>
+                          </p:cTn>
+                        </p:par>
+                      </p:childTnLst>
+                    </p:cTn>
+                  </p:par>
+                  <p:par>
+                    <p:cTn id="11" fill="hold">
+                      <p:stCondLst>
+                        <p:cond delay="indefinite"/>
+                      </p:stCondLst>
+                      <p:childTnLst>
+                        <p:par>
+                          <p:cTn id="12" fill="hold">
+                            <p:stCondLst>
+                              <p:cond delay="0"/>
+                            </p:stCondLst>
+                            <p:childTnLst>
+                              <p:par>
+                                <p:cTn id="13" presetID="1" presetClass="entr" presetSubtype="0" fill="hold" grpId="0" nodeType="clickEffect">
+                                  <p:stCondLst>
+                                    <p:cond delay="0"/>
+                                  </p:stCondLst>
+                                  <p:childTnLst>
+                                    <p:set>
+                                      <p:cBhvr>
+                                        <p:cTn id="14" dur="1" fill="hold">
+                                          <p:stCondLst>
+                                            <p:cond delay="0"/>
+                                          </p:stCondLst>
+                                        </p:cTn>
+                                        <p:tgtEl>
+                                          <p:spTgt spid="322574">
+                                            <p:txEl>
+                                              <p:pRg st="0" end="0"/>
+                                            </p:txEl>
+                                          </p:spTgt>
+                                        </p:tgtEl>
+                                        <p:attrNameLst>
+                                          <p:attrName>style.visibility</p:attrName>
+                                        </p:attrNameLst>
+                                      </p:cBhvr>
+                                      <p:to>
+                                        <p:strVal val="visible"/>
+                                      </p:to>
+                                    </p:set>
+                                  </p:childTnLst>
+                                </p:cTn>
+                              </p:par>
+                            </p:childTnLst>
+                          </p:cTn>
+                        </p:par>
+                      </p:childTnLst>
+                    </p:cTn>
+                  </p:par>
+                </p:childTnLst>
+              </p:cTn>
+              <p:prevCondLst>
+                <p:cond evt="onPrev" delay="0">
+                  <p:tgtEl>
+                    <p:sldTgt/>
+                  </p:tgtEl>
+                </p:cond>
+              </p:prevCondLst>
+              <p:nextCondLst>
+                <p:cond evt="onNext" delay="0">
+                  <p:tgtEl>
+                    <p:sldTgt/>
+                  </p:tgtEl>
+                </p:cond>
+              </p:nextCondLst>
+            </p:seq>
+          </p:childTnLst>
+        </p:cTn>
+      </p:par>
+    </p:tnLst>
+    <p:bldLst>
+      <p:bldP spid="322573" grpId="0"/>
+      <p:bldP spid="322574" grpId="0" build="p"/>
+    </p:bldLst>
+  </p:timing>
+</p:sld>
+</file>
+
+<file path=ppt/slides/slide4.xml><?xml version="1.0" encoding="utf-8"?>
+<p:sld xmlns:a="http://schemas.openxmlformats.org/drawingml/2006/main" xmlns:r="http://schemas.openxmlformats.org/officeDocument/2006/relationships" xmlns:p="http://schemas.openxmlformats.org/presentationml/2006/main">
+  <p:cSld>
+    <p:spTree>
+      <p:nvGrpSpPr>
+        <p:cNvPr id="1" name=""/>
+        <p:cNvGrpSpPr/>
+        <p:nvPr/>
+      </p:nvGrpSpPr>
+      <p:grpSpPr>
+        <a:xfrm>
+          <a:off x="0" y="0"/>
+          <a:ext cx="0" cy="0"/>
+          <a:chOff x="0" y="0"/>
+          <a:chExt cx="0" cy="0"/>
+        </a:xfrm>
+      </p:grpSpPr>
+      <p:sp>
+        <p:nvSpPr>
+          <p:cNvPr id="10245" name="Rectangle 2"/>
+          <p:cNvSpPr>
+            <a:spLocks noGrp="1" noChangeArrowheads="1"/>
+          </p:cNvSpPr>
+          <p:nvPr>
+            <p:ph type="title"/>
+          </p:nvPr>
+        </p:nvSpPr>
+        <p:spPr/>
+        <p:txBody>
+          <a:bodyPr/>
+          <a:lstStyle/>
+          <a:p>
+            <a:pPr eaLnBrk="1" hangingPunct="1"/>
+            <a:r>
+              <a:rPr lang="en-US" sz="3600" smtClean="0"/>
+              <a:t>Proof using Well Ordering</a:t>
+            </a:r>
+          </a:p>
+        </p:txBody>
+      </p:sp>
+      <p:sp>
+        <p:nvSpPr>
+          <p:cNvPr id="10246" name="Text Box 9"/>
+          <p:cNvSpPr txBox="1">
+            <a:spLocks noChangeArrowheads="1"/>
+          </p:cNvSpPr>
+          <p:nvPr/>
+        </p:nvSpPr>
+        <p:spPr bwMode="auto">
+          <a:xfrm>
+            <a:off x="685800" y="1531203"/>
+            <a:ext cx="7645042" cy="830997"/>
+          </a:xfrm>
+          <a:prstGeom prst="rect">
+            <a:avLst/>
+          </a:prstGeom>
+          <a:noFill/>
+          <a:ln w="9525">
+            <a:noFill/>
+            <a:miter lim="800000"/>
+            <a:headEnd/>
+            <a:tailEnd type="none" w="lg" len="lg"/>
+          </a:ln>
+        </p:spPr>
+        <p:txBody>
+          <a:bodyPr wrap="none">
+            <a:spAutoFit/>
+          </a:bodyPr>
+          <a:lstStyle/>
+          <a:p>
+            <a:r>
+              <a:rPr lang="en-US" sz="4800" dirty="0" smtClean="0">
+                <a:latin typeface="Comic Sans MS" pitchFamily="66" charset="0"/>
+              </a:rPr>
+              <a:t>WOP</a:t>
+            </a:r>
+            <a:r>
+              <a:rPr lang="en-US" sz="4800" dirty="0">
+                <a:latin typeface="Comic Sans MS" pitchFamily="66" charset="0"/>
+              </a:rPr>
+              <a:t>:</a:t>
+            </a:r>
+            <a:r>
+              <a:rPr lang="en-US" sz="4800" dirty="0" smtClean="0">
+                <a:latin typeface="Comic Sans MS" pitchFamily="66" charset="0"/>
+              </a:rPr>
+              <a:t> </a:t>
+            </a:r>
+            <a:r>
+              <a:rPr lang="en-US" sz="4800" dirty="0" smtClean="0">
+                <a:latin typeface="Comic Sans MS" pitchFamily="66" charset="0"/>
+                <a:sym typeface="Euclid Symbol" pitchFamily="18" charset="2"/>
+              </a:rPr>
+              <a:t>find </a:t>
+            </a:r>
+            <a:r>
+              <a:rPr lang="en-US" sz="4800" i="1" dirty="0" smtClean="0">
+                <a:latin typeface="Comic Sans MS" pitchFamily="66" charset="0"/>
+                <a:sym typeface="Euclid Symbol" pitchFamily="18" charset="2"/>
+              </a:rPr>
+              <a:t>smallest </a:t>
+            </a:r>
+            <a:r>
+              <a:rPr lang="en-US" sz="4800" dirty="0" smtClean="0">
+                <a:latin typeface="Comic Sans MS" pitchFamily="66" charset="0"/>
+              </a:rPr>
+              <a:t> </a:t>
+            </a:r>
+            <a:r>
+              <a:rPr lang="en-US" sz="4800" dirty="0" smtClean="0">
+                <a:solidFill>
+                  <a:srgbClr val="0033CC"/>
+                </a:solidFill>
+                <a:latin typeface="Comic Sans MS" pitchFamily="66" charset="0"/>
+              </a:rPr>
+              <a:t>m</a:t>
+            </a:r>
+            <a:r>
+              <a:rPr lang="en-US" sz="4800" dirty="0" smtClean="0">
+                <a:latin typeface="Comic Sans MS" pitchFamily="66" charset="0"/>
+              </a:rPr>
+              <a:t> </a:t>
+            </a:r>
+            <a:r>
+              <a:rPr lang="en-US" sz="4800" dirty="0" err="1">
+                <a:latin typeface="Comic Sans MS" pitchFamily="66" charset="0"/>
+              </a:rPr>
+              <a:t>s.t</a:t>
+            </a:r>
+            <a:r>
+              <a:rPr lang="en-US" sz="4800" dirty="0">
+                <a:latin typeface="Comic Sans MS" pitchFamily="66" charset="0"/>
+              </a:rPr>
+              <a:t>.</a:t>
+            </a:r>
+          </a:p>
+        </p:txBody>
+      </p:sp>
+      <p:graphicFrame>
+        <p:nvGraphicFramePr>
+          <p:cNvPr id="351242" name="Object 10"/>
+          <p:cNvGraphicFramePr>
+            <a:graphicFrameLocks noChangeAspect="1"/>
+          </p:cNvGraphicFramePr>
+          <p:nvPr/>
+        </p:nvGraphicFramePr>
+        <p:xfrm>
+          <a:off x="561975" y="2124075"/>
+          <a:ext cx="2686050" cy="1892300"/>
+        </p:xfrm>
+        <a:graphic>
+          <a:graphicData uri="http://schemas.openxmlformats.org/presentationml/2006/ole">
+            <mc:AlternateContent xmlns:mc="http://schemas.openxmlformats.org/markup-compatibility/2006">
+              <mc:Choice xmlns:v="urn:schemas-microsoft-com:vml" Requires="v">
+                <p:oleObj spid="_x0000_s2066" name="Equation" r:id="rId4" imgW="596880" imgH="419040" progId="Equation.DSMT4">
+                  <p:embed/>
+                </p:oleObj>
+              </mc:Choice>
+              <mc:Fallback>
+                <p:oleObj name="Equation" r:id="rId4" imgW="596880" imgH="419040" progId="Equation.DSMT4">
+                  <p:embed/>
+                  <p:pic>
+                    <p:nvPicPr>
+                      <p:cNvPr id="0" name="Object 10"/>
+                      <p:cNvPicPr>
+                        <a:picLocks noChangeAspect="1" noChangeArrowheads="1"/>
+                      </p:cNvPicPr>
+                      <p:nvPr/>
+                    </p:nvPicPr>
+                    <p:blipFill>
+                      <a:blip r:embed="rId5">
+                        <a:extLst>
+                          <a:ext uri="{28A0092B-C50C-407E-A947-70E740481C1C}">
+                            <a14:useLocalDpi xmlns:a14="http://schemas.microsoft.com/office/drawing/2010/main" val="0"/>
+                          </a:ext>
+                        </a:extLst>
+                      </a:blip>
+                      <a:srcRect/>
+                      <a:stretch>
+                        <a:fillRect/>
+                      </a:stretch>
+                    </p:blipFill>
+                    <p:spPr bwMode="auto">
+                      <a:xfrm>
+                        <a:off x="561975" y="2124075"/>
+                        <a:ext cx="2686050" cy="1892300"/>
+                      </a:xfrm>
+                      <a:prstGeom prst="rect">
+                        <a:avLst/>
+                      </a:prstGeom>
+                      <a:noFill/>
+                      <a:extLst>
+                        <a:ext uri="{909E8E84-426E-40dd-AFC4-6F175D3DCCD1}">
+                          <a14:hiddenFill xmlns:a14="http://schemas.microsoft.com/office/drawing/2010/main">
+                            <a:solidFill>
+                              <a:srgbClr val="FFFFFF"/>
+                            </a:solidFill>
+                          </a14:hiddenFill>
+                        </a:ext>
+                      </a:extLst>
+                    </p:spPr>
+                  </p:pic>
+                </p:oleObj>
+              </mc:Fallback>
+            </mc:AlternateContent>
+          </a:graphicData>
+        </a:graphic>
+      </p:graphicFrame>
+      <p:grpSp>
+        <p:nvGrpSpPr>
+          <p:cNvPr id="16" name="Group 15"/>
+          <p:cNvGrpSpPr/>
+          <p:nvPr/>
+        </p:nvGrpSpPr>
+        <p:grpSpPr>
+          <a:xfrm>
+            <a:off x="381000" y="2514600"/>
+            <a:ext cx="8001000" cy="2514600"/>
+            <a:chOff x="381000" y="2514600"/>
+            <a:chExt cx="8001000" cy="2514600"/>
+          </a:xfrm>
+        </p:grpSpPr>
+        <p:sp>
+          <p:nvSpPr>
+            <p:cNvPr id="11" name="TextBox 10"/>
+            <p:cNvSpPr txBox="1"/>
+            <p:nvPr/>
+          </p:nvSpPr>
+          <p:spPr>
+            <a:xfrm>
+              <a:off x="3581400" y="2514600"/>
+              <a:ext cx="4114800" cy="914400"/>
+            </a:xfrm>
+            <a:prstGeom prst="rect">
+              <a:avLst/>
+            </a:prstGeom>
+            <a:noFill/>
+          </p:spPr>
+          <p:txBody>
+            <a:bodyPr wrap="none" rtlCol="0">
+              <a:noAutofit/>
+            </a:bodyPr>
+            <a:lstStyle/>
+            <a:p>
+              <a:r>
+                <a:rPr lang="en-US" sz="4800" dirty="0" smtClean="0">
+                  <a:latin typeface="Comic Sans MS" pitchFamily="66" charset="0"/>
+                </a:rPr>
+                <a:t>If </a:t>
+              </a:r>
+              <a:r>
+                <a:rPr lang="en-US" sz="4800" dirty="0" smtClean="0">
+                  <a:solidFill>
+                    <a:srgbClr val="0033CC"/>
+                  </a:solidFill>
+                  <a:latin typeface="Comic Sans MS" pitchFamily="66" charset="0"/>
+                </a:rPr>
+                <a:t>m</a:t>
+              </a:r>
+              <a:r>
+                <a:rPr lang="en-US" sz="4800" dirty="0" smtClean="0">
+                  <a:latin typeface="Comic Sans MS" pitchFamily="66" charset="0"/>
+                </a:rPr>
+                <a:t>, </a:t>
+              </a:r>
+              <a:r>
+                <a:rPr lang="en-US" sz="4800" dirty="0" smtClean="0">
+                  <a:solidFill>
+                    <a:srgbClr val="0033CC"/>
+                  </a:solidFill>
+                  <a:latin typeface="Comic Sans MS" pitchFamily="66" charset="0"/>
+                </a:rPr>
+                <a:t>n</a:t>
+              </a:r>
+              <a:r>
+                <a:rPr lang="en-US" sz="4800" dirty="0" smtClean="0">
+                  <a:latin typeface="Comic Sans MS" pitchFamily="66" charset="0"/>
+                </a:rPr>
+                <a:t> had a</a:t>
+              </a:r>
+            </a:p>
+          </p:txBody>
+        </p:sp>
+        <p:sp>
+          <p:nvSpPr>
+            <p:cNvPr id="12" name="TextBox 11"/>
+            <p:cNvSpPr txBox="1"/>
+            <p:nvPr/>
+          </p:nvSpPr>
+          <p:spPr>
+            <a:xfrm>
+              <a:off x="381000" y="3962400"/>
+              <a:ext cx="8001000" cy="1066800"/>
+            </a:xfrm>
+            <a:prstGeom prst="rect">
+              <a:avLst/>
+            </a:prstGeom>
+            <a:noFill/>
+          </p:spPr>
+          <p:txBody>
+            <a:bodyPr wrap="none" rtlCol="0">
+              <a:noAutofit/>
+            </a:bodyPr>
+            <a:lstStyle/>
+            <a:p>
+              <a:r>
+                <a:rPr lang="en-US" sz="5400" dirty="0" smtClean="0">
+                  <a:latin typeface="Comic Sans MS" pitchFamily="66" charset="0"/>
+                </a:rPr>
+                <a:t> </a:t>
+              </a:r>
+              <a:r>
+                <a:rPr lang="en-US" sz="4800" dirty="0" smtClean="0">
+                  <a:latin typeface="Comic Sans MS" pitchFamily="66" charset="0"/>
+                </a:rPr>
+                <a:t>common factor, </a:t>
+              </a:r>
+              <a:r>
+                <a:rPr lang="en-US" sz="4800" dirty="0" smtClean="0">
+                  <a:solidFill>
+                    <a:srgbClr val="FF33CC"/>
+                  </a:solidFill>
+                  <a:latin typeface="Comic Sans MS" pitchFamily="66" charset="0"/>
+                </a:rPr>
+                <a:t>c</a:t>
+              </a:r>
+              <a:r>
+                <a:rPr lang="en-US" sz="4800" dirty="0" smtClean="0">
+                  <a:latin typeface="Comic Sans MS" pitchFamily="66" charset="0"/>
+                </a:rPr>
+                <a:t>, then</a:t>
+              </a:r>
+            </a:p>
+          </p:txBody>
+        </p:sp>
+      </p:grpSp>
+      <p:graphicFrame>
+        <p:nvGraphicFramePr>
+          <p:cNvPr id="353288" name="Object 8"/>
+          <p:cNvGraphicFramePr>
+            <a:graphicFrameLocks noChangeAspect="1"/>
+          </p:cNvGraphicFramePr>
+          <p:nvPr/>
+        </p:nvGraphicFramePr>
+        <p:xfrm>
+          <a:off x="396875" y="4625975"/>
+          <a:ext cx="3097213" cy="2012950"/>
+        </p:xfrm>
+        <a:graphic>
+          <a:graphicData uri="http://schemas.openxmlformats.org/presentationml/2006/ole">
+            <mc:AlternateContent xmlns:mc="http://schemas.openxmlformats.org/markup-compatibility/2006">
+              <mc:Choice xmlns:v="urn:schemas-microsoft-com:vml" Requires="v">
+                <p:oleObj spid="_x0000_s2067" name="Equation" r:id="rId6" imgW="863280" imgH="558720" progId="Equation.DSMT4">
+                  <p:embed/>
+                </p:oleObj>
+              </mc:Choice>
+              <mc:Fallback>
+                <p:oleObj name="Equation" r:id="rId6" imgW="863280" imgH="558720" progId="Equation.DSMT4">
+                  <p:embed/>
+                  <p:pic>
+                    <p:nvPicPr>
+                      <p:cNvPr id="0" name="Object 8"/>
+                      <p:cNvPicPr>
+                        <a:picLocks noChangeAspect="1" noChangeArrowheads="1"/>
+                      </p:cNvPicPr>
+                      <p:nvPr/>
+                    </p:nvPicPr>
+                    <p:blipFill>
+                      <a:blip r:embed="rId7">
+                        <a:extLst>
+                          <a:ext uri="{28A0092B-C50C-407E-A947-70E740481C1C}">
+                            <a14:useLocalDpi xmlns:a14="http://schemas.microsoft.com/office/drawing/2010/main" val="0"/>
+                          </a:ext>
+                        </a:extLst>
+                      </a:blip>
+                      <a:srcRect/>
+                      <a:stretch>
+                        <a:fillRect/>
+                      </a:stretch>
+                    </p:blipFill>
+                    <p:spPr bwMode="auto">
+                      <a:xfrm>
+                        <a:off x="396875" y="4625975"/>
+                        <a:ext cx="3097213" cy="2012950"/>
+                      </a:xfrm>
+                      <a:prstGeom prst="rect">
+                        <a:avLst/>
+                      </a:prstGeom>
+                      <a:noFill/>
+                      <a:extLst>
+                        <a:ext uri="{909E8E84-426E-40dd-AFC4-6F175D3DCCD1}">
+                          <a14:hiddenFill xmlns:a14="http://schemas.microsoft.com/office/drawing/2010/main">
+                            <a:solidFill>
+                              <a:srgbClr val="FFFFFF"/>
+                            </a:solidFill>
+                          </a14:hiddenFill>
+                        </a:ext>
+                      </a:extLst>
+                    </p:spPr>
+                  </p:pic>
+                </p:oleObj>
+              </mc:Fallback>
+            </mc:AlternateContent>
+          </a:graphicData>
+        </a:graphic>
+      </p:graphicFrame>
+      <p:sp>
+        <p:nvSpPr>
+          <p:cNvPr id="13" name="TextBox 12"/>
+          <p:cNvSpPr txBox="1"/>
+          <p:nvPr/>
+        </p:nvSpPr>
+        <p:spPr>
+          <a:xfrm>
+            <a:off x="3733800" y="5105400"/>
+            <a:ext cx="5181600" cy="1143000"/>
+          </a:xfrm>
+          <a:prstGeom prst="rect">
+            <a:avLst/>
+          </a:prstGeom>
+          <a:noFill/>
+        </p:spPr>
+        <p:txBody>
+          <a:bodyPr wrap="none" rtlCol="0">
+            <a:noAutofit/>
+          </a:bodyPr>
+          <a:lstStyle/>
+          <a:p>
+            <a:r>
+              <a:rPr lang="en-US" sz="4800" dirty="0" smtClean="0">
+                <a:latin typeface="Comic Sans MS" pitchFamily="66" charset="0"/>
+              </a:rPr>
+              <a:t>and  </a:t>
+            </a:r>
+            <a:r>
+              <a:rPr lang="en-US" sz="4800" dirty="0" smtClean="0">
+                <a:solidFill>
+                  <a:srgbClr val="0033CC"/>
+                </a:solidFill>
+                <a:latin typeface="Comic Sans MS" pitchFamily="66" charset="0"/>
+              </a:rPr>
+              <a:t>m</a:t>
+            </a:r>
+            <a:r>
+              <a:rPr lang="en-US" sz="4800" dirty="0" smtClean="0">
+                <a:latin typeface="Comic Sans MS" pitchFamily="66" charset="0"/>
+              </a:rPr>
+              <a:t>/</a:t>
+            </a:r>
+            <a:r>
+              <a:rPr lang="en-US" sz="4800" dirty="0" smtClean="0">
+                <a:solidFill>
+                  <a:srgbClr val="FF33CC"/>
+                </a:solidFill>
+                <a:latin typeface="Comic Sans MS" pitchFamily="66" charset="0"/>
+              </a:rPr>
+              <a:t>c</a:t>
+            </a:r>
+            <a:r>
+              <a:rPr lang="en-US" sz="4800" dirty="0" smtClean="0">
+                <a:latin typeface="Comic Sans MS" pitchFamily="66" charset="0"/>
+              </a:rPr>
+              <a:t> </a:t>
+            </a:r>
+            <a:r>
+              <a:rPr lang="en-US" sz="4800" b="1" dirty="0" smtClean="0">
+                <a:latin typeface="Times" pitchFamily="18" charset="0"/>
+              </a:rPr>
+              <a:t>&lt;</a:t>
+            </a:r>
+            <a:r>
+              <a:rPr lang="en-US" sz="4800" dirty="0" smtClean="0">
+                <a:latin typeface="Comic Sans MS" pitchFamily="66" charset="0"/>
+              </a:rPr>
+              <a:t> </a:t>
+            </a:r>
+            <a:r>
+              <a:rPr lang="en-US" sz="4800" dirty="0" smtClean="0">
+                <a:solidFill>
+                  <a:srgbClr val="0033CC"/>
+                </a:solidFill>
+                <a:latin typeface="Comic Sans MS" pitchFamily="66" charset="0"/>
+              </a:rPr>
+              <a:t>m</a:t>
+            </a:r>
+            <a:endParaRPr lang="en-US" sz="4800" dirty="0" smtClean="0">
+              <a:latin typeface="Comic Sans MS" pitchFamily="66" charset="0"/>
+            </a:endParaRPr>
+          </a:p>
+        </p:txBody>
+      </p:sp>
+      <p:sp>
+        <p:nvSpPr>
+          <p:cNvPr id="14" name="Oval 13"/>
+          <p:cNvSpPr/>
+          <p:nvPr/>
+        </p:nvSpPr>
+        <p:spPr>
+          <a:xfrm>
+            <a:off x="3733800" y="1143000"/>
+            <a:ext cx="3733800" cy="1676400"/>
+          </a:xfrm>
+          <a:prstGeom prst="ellipse">
+            <a:avLst/>
+          </a:prstGeom>
+          <a:noFill/>
+          <a:ln w="34925">
+            <a:solidFill>
+              <a:srgbClr val="FF0000"/>
+            </a:solidFill>
+            <a:prstDash val="sysDash"/>
+          </a:ln>
+        </p:spPr>
+        <p:style>
+          <a:lnRef idx="2">
+            <a:schemeClr val="accent1">
+              <a:shade val="50000"/>
+            </a:schemeClr>
+          </a:lnRef>
+          <a:fillRef idx="1">
+            <a:schemeClr val="accent1"/>
+          </a:fillRef>
+          <a:effectRef idx="0">
+            <a:schemeClr val="accent1"/>
+          </a:effectRef>
+          <a:fontRef idx="minor">
+            <a:schemeClr val="lt1"/>
+          </a:fontRef>
+        </p:style>
+        <p:txBody>
+          <a:bodyPr rtlCol="0" anchor="ctr"/>
+          <a:lstStyle/>
+          <a:p>
+            <a:pPr algn="ctr"/>
+            <a:endParaRPr lang="en-US"/>
+          </a:p>
+        </p:txBody>
+      </p:sp>
+      <p:sp>
+        <p:nvSpPr>
+          <p:cNvPr id="15" name="Oval 14"/>
+          <p:cNvSpPr/>
+          <p:nvPr/>
+        </p:nvSpPr>
+        <p:spPr>
+          <a:xfrm>
+            <a:off x="4800600" y="4724400"/>
+            <a:ext cx="4114800" cy="1676400"/>
+          </a:xfrm>
+          <a:prstGeom prst="ellipse">
+            <a:avLst/>
+          </a:prstGeom>
+          <a:noFill/>
+          <a:ln w="34925">
+            <a:solidFill>
+              <a:srgbClr val="FF0000"/>
+            </a:solidFill>
+            <a:prstDash val="sysDash"/>
+          </a:ln>
+        </p:spPr>
+        <p:style>
+          <a:lnRef idx="2">
+            <a:schemeClr val="accent1">
+              <a:shade val="50000"/>
+            </a:schemeClr>
+          </a:lnRef>
+          <a:fillRef idx="1">
+            <a:schemeClr val="accent1"/>
+          </a:fillRef>
+          <a:effectRef idx="0">
+            <a:schemeClr val="accent1"/>
+          </a:effectRef>
+          <a:fontRef idx="minor">
+            <a:schemeClr val="lt1"/>
+          </a:fontRef>
+        </p:style>
+        <p:txBody>
+          <a:bodyPr rtlCol="0" anchor="ctr"/>
+          <a:lstStyle/>
+          <a:p>
+            <a:pPr algn="ctr"/>
+            <a:endParaRPr lang="en-US"/>
+          </a:p>
+        </p:txBody>
+      </p:sp>
+    </p:spTree>
+  </p:cSld>
+  <p:clrMapOvr>
+    <a:masterClrMapping/>
+  </p:clrMapOvr>
+  <p:transition xmlns:p14="http://schemas.microsoft.com/office/powerpoint/2010/main"/>
+  <p:timing>
+    <p:tnLst>
+      <p:par>
+        <p:cTn xmlns:p14="http://schemas.microsoft.com/office/powerpoint/2010/main" id="1" dur="indefinite" restart="never" nodeType="tmRoot">
+          <p:childTnLst>
+            <p:seq concurrent="1" nextAc="seek">
+              <p:cTn id="2" dur="indefinite" nodeType="mainSeq">
+                <p:childTnLst>
+                  <p:par>
+                    <p:cTn id="3" fill="hold">
+                      <p:stCondLst>
+                        <p:cond delay="indefinite"/>
+                      </p:stCondLst>
+                      <p:childTnLst>
+                        <p:par>
+                          <p:cTn id="4" fill="hold">
+                            <p:stCondLst>
+                              <p:cond delay="0"/>
+                            </p:stCondLst>
+                            <p:childTnLst>
+                              <p:par>
+                                <p:cTn id="5" presetID="1" presetClass="entr" presetSubtype="0" fill="hold" nodeType="clickEffect">
+                                  <p:stCondLst>
+                                    <p:cond delay="0"/>
+                                  </p:stCondLst>
+                                  <p:childTnLst>
+                                    <p:set>
+                                      <p:cBhvr>
+                                        <p:cTn id="6" dur="1" fill="hold">
+                                          <p:stCondLst>
+                                            <p:cond delay="0"/>
+                                          </p:stCondLst>
+                                        </p:cTn>
+                                        <p:tgtEl>
+                                          <p:spTgt spid="16"/>
+                                        </p:tgtEl>
+                                        <p:attrNameLst>
+                                          <p:attrName>style.visibility</p:attrName>
+                                        </p:attrNameLst>
+                                      </p:cBhvr>
+                                      <p:to>
+                                        <p:strVal val="visible"/>
+                                      </p:to>
+                                    </p:set>
+                                  </p:childTnLst>
+                                </p:cTn>
+                              </p:par>
+                            </p:childTnLst>
+                          </p:cTn>
+                        </p:par>
+                      </p:childTnLst>
+                    </p:cTn>
+                  </p:par>
+                  <p:par>
+                    <p:cTn id="7" fill="hold">
+                      <p:stCondLst>
+                        <p:cond delay="indefinite"/>
+                      </p:stCondLst>
+                      <p:childTnLst>
+                        <p:par>
+                          <p:cTn id="8" fill="hold">
+                            <p:stCondLst>
+                              <p:cond delay="0"/>
+                            </p:stCondLst>
+                            <p:childTnLst>
+                              <p:par>
+                                <p:cTn id="9" presetID="1" presetClass="entr" presetSubtype="0" fill="hold" nodeType="clickEffect">
+                                  <p:stCondLst>
+                                    <p:cond delay="0"/>
+                                  </p:stCondLst>
+                                  <p:childTnLst>
+                                    <p:set>
+                                      <p:cBhvr>
+                                        <p:cTn id="10" dur="1" fill="hold">
+                                          <p:stCondLst>
+                                            <p:cond delay="0"/>
+                                          </p:stCondLst>
+                                        </p:cTn>
+                                        <p:tgtEl>
+                                          <p:spTgt spid="353288"/>
+                                        </p:tgtEl>
+                                        <p:attrNameLst>
+                                          <p:attrName>style.visibility</p:attrName>
+                                        </p:attrNameLst>
+                                      </p:cBhvr>
+                                      <p:to>
+                                        <p:strVal val="visible"/>
+                                      </p:to>
+                                    </p:set>
+                                  </p:childTnLst>
+                                </p:cTn>
+                              </p:par>
+                            </p:childTnLst>
+                          </p:cTn>
+                        </p:par>
+                      </p:childTnLst>
+                    </p:cTn>
+                  </p:par>
+                  <p:par>
+                    <p:cTn id="11" fill="hold">
+                      <p:stCondLst>
+                        <p:cond delay="indefinite"/>
+                      </p:stCondLst>
+                      <p:childTnLst>
+                        <p:par>
+                          <p:cTn id="12" fill="hold">
+                            <p:stCondLst>
+                              <p:cond delay="0"/>
+                            </p:stCondLst>
+                            <p:childTnLst>
+                              <p:par>
+                                <p:cTn id="13" presetID="1" presetClass="entr" presetSubtype="0" fill="hold" grpId="0" nodeType="clickEffect">
+                                  <p:stCondLst>
+                                    <p:cond delay="0"/>
+                                  </p:stCondLst>
+                                  <p:childTnLst>
+                                    <p:set>
+                                      <p:cBhvr>
+                                        <p:cTn id="14" dur="1" fill="hold">
+                                          <p:stCondLst>
+                                            <p:cond delay="0"/>
+                                          </p:stCondLst>
+                                        </p:cTn>
+                                        <p:tgtEl>
+                                          <p:spTgt spid="13"/>
+                                        </p:tgtEl>
+                                        <p:attrNameLst>
+                                          <p:attrName>style.visibility</p:attrName>
+                                        </p:attrNameLst>
+                                      </p:cBhvr>
+                                      <p:to>
+                                        <p:strVal val="visible"/>
+                                      </p:to>
+                                    </p:set>
+                                  </p:childTnLst>
+                                </p:cTn>
+                              </p:par>
+                            </p:childTnLst>
+                          </p:cTn>
+                        </p:par>
+                      </p:childTnLst>
+                    </p:cTn>
+                  </p:par>
+                  <p:par>
+                    <p:cTn id="15" fill="hold">
+                      <p:stCondLst>
+                        <p:cond delay="indefinite"/>
+                      </p:stCondLst>
+                      <p:childTnLst>
+                        <p:par>
+                          <p:cTn id="16" fill="hold">
+                            <p:stCondLst>
+                              <p:cond delay="0"/>
+                            </p:stCondLst>
+                            <p:childTnLst>
+                              <p:par>
+                                <p:cTn id="17" presetID="9" presetClass="entr" presetSubtype="0" fill="hold" grpId="0" nodeType="clickEffect">
+                                  <p:stCondLst>
+                                    <p:cond delay="0"/>
+                                  </p:stCondLst>
+                                  <p:childTnLst>
+                                    <p:set>
+                                      <p:cBhvr>
+                                        <p:cTn id="18" dur="1" fill="hold">
+                                          <p:stCondLst>
+                                            <p:cond delay="0"/>
+                                          </p:stCondLst>
+                                        </p:cTn>
+                                        <p:tgtEl>
+                                          <p:spTgt spid="14"/>
+                                        </p:tgtEl>
+                                        <p:attrNameLst>
+                                          <p:attrName>style.visibility</p:attrName>
+                                        </p:attrNameLst>
+                                      </p:cBhvr>
+                                      <p:to>
+                                        <p:strVal val="visible"/>
+                                      </p:to>
+                                    </p:set>
+                                    <p:animEffect transition="in" filter="dissolve">
+                                      <p:cBhvr>
+                                        <p:cTn id="19" dur="500"/>
+                                        <p:tgtEl>
+                                          <p:spTgt spid="14"/>
+                                        </p:tgtEl>
+                                      </p:cBhvr>
+                                    </p:animEffect>
+                                  </p:childTnLst>
+                                </p:cTn>
+                              </p:par>
+                              <p:par>
+                                <p:cTn id="20" presetID="9" presetClass="entr" presetSubtype="0" fill="hold" grpId="0" nodeType="withEffect">
+                                  <p:stCondLst>
+                                    <p:cond delay="0"/>
+                                  </p:stCondLst>
+                                  <p:childTnLst>
+                                    <p:set>
+                                      <p:cBhvr>
+                                        <p:cTn id="21" dur="1" fill="hold">
+                                          <p:stCondLst>
+                                            <p:cond delay="0"/>
+                                          </p:stCondLst>
+                                        </p:cTn>
+                                        <p:tgtEl>
+                                          <p:spTgt spid="15"/>
+                                        </p:tgtEl>
+                                        <p:attrNameLst>
+                                          <p:attrName>style.visibility</p:attrName>
+                                        </p:attrNameLst>
+                                      </p:cBhvr>
+                                      <p:to>
+                                        <p:strVal val="visible"/>
+                                      </p:to>
+                                    </p:set>
+                                    <p:animEffect transition="in" filter="dissolve">
+                                      <p:cBhvr>
+                                        <p:cTn id="22" dur="500"/>
+                                        <p:tgtEl>
+                                          <p:spTgt spid="15"/>
+                                        </p:tgtEl>
+                                      </p:cBhvr>
+                                    </p:animEffect>
+                                  </p:childTnLst>
+                                </p:cTn>
+                              </p:par>
+                            </p:childTnLst>
+                          </p:cTn>
+                        </p:par>
+                      </p:childTnLst>
+                    </p:cTn>
+                  </p:par>
+                </p:childTnLst>
+              </p:cTn>
+              <p:prevCondLst>
+                <p:cond evt="onPrev" delay="0">
+                  <p:tgtEl>
+                    <p:sldTgt/>
+                  </p:tgtEl>
+                </p:cond>
+              </p:prevCondLst>
+              <p:nextCondLst>
+                <p:cond evt="onNext" delay="0">
+                  <p:tgtEl>
+                    <p:sldTgt/>
+                  </p:tgtEl>
+                </p:cond>
+              </p:nextCondLst>
+            </p:seq>
+          </p:childTnLst>
+        </p:cTn>
+      </p:par>
+    </p:tnLst>
+    <p:bldLst>
+      <p:bldP spid="13" grpId="0"/>
+      <p:bldP spid="14" grpId="0" animBg="1"/>
+      <p:bldP spid="15" grpId="0" animBg="1"/>
+    </p:bldLst>
+  </p:timing>
+</p:sld>
+</file>
+
+<file path=ppt/slides/slide5.xml><?xml version="1.0" encoding="utf-8"?>
+<p:sld xmlns:a="http://schemas.openxmlformats.org/drawingml/2006/main" xmlns:r="http://schemas.openxmlformats.org/officeDocument/2006/relationships" xmlns:p="http://schemas.openxmlformats.org/presentationml/2006/main">
+  <p:cSld>
+    <p:spTree>
+      <p:nvGrpSpPr>
+        <p:cNvPr id="1" name=""/>
+        <p:cNvGrpSpPr/>
+        <p:nvPr/>
+      </p:nvGrpSpPr>
+      <p:grpSpPr>
+        <a:xfrm>
+          <a:off x="0" y="0"/>
+          <a:ext cx="0" cy="0"/>
+          <a:chOff x="0" y="0"/>
+          <a:chExt cx="0" cy="0"/>
+        </a:xfrm>
+      </p:grpSpPr>
+      <p:sp>
+        <p:nvSpPr>
+          <p:cNvPr id="10245" name="Rectangle 2"/>
+          <p:cNvSpPr>
+            <a:spLocks noGrp="1" noChangeArrowheads="1"/>
+          </p:cNvSpPr>
+          <p:nvPr>
+            <p:ph type="title"/>
+          </p:nvPr>
+        </p:nvSpPr>
+        <p:spPr/>
+        <p:txBody>
+          <a:bodyPr/>
+          <a:lstStyle/>
+          <a:p>
+            <a:pPr eaLnBrk="1" hangingPunct="1"/>
+            <a:r>
+              <a:rPr lang="en-US" sz="3600" smtClean="0"/>
+              <a:t>Proof using Well Ordering</a:t>
+            </a:r>
+          </a:p>
+        </p:txBody>
+      </p:sp>
+      <p:sp>
+        <p:nvSpPr>
+          <p:cNvPr id="16" name="TextBox 15"/>
+          <p:cNvSpPr txBox="1"/>
+          <p:nvPr/>
+        </p:nvSpPr>
+        <p:spPr>
+          <a:xfrm>
+            <a:off x="304800" y="4038600"/>
+            <a:ext cx="8305800" cy="1981200"/>
+          </a:xfrm>
+          <a:prstGeom prst="rect">
+            <a:avLst/>
+          </a:prstGeom>
+          <a:noFill/>
+        </p:spPr>
+        <p:txBody>
+          <a:bodyPr wrap="none" rtlCol="0">
+            <a:noAutofit/>
+          </a:bodyPr>
+          <a:lstStyle/>
+          <a:p>
+            <a:r>
+              <a:rPr lang="en-US" sz="4800" dirty="0" smtClean="0">
+                <a:latin typeface="Comic Sans MS" pitchFamily="66" charset="0"/>
+              </a:rPr>
+              <a:t>This </a:t>
+            </a:r>
+            <a:r>
+              <a:rPr lang="en-US" sz="4800" dirty="0" smtClean="0">
+                <a:solidFill>
+                  <a:srgbClr val="C00000"/>
+                </a:solidFill>
+                <a:latin typeface="Comic Sans MS" pitchFamily="66" charset="0"/>
+              </a:rPr>
+              <a:t>contradiction</a:t>
+            </a:r>
+            <a:r>
+              <a:rPr lang="en-US" sz="4800" dirty="0" smtClean="0">
+                <a:latin typeface="Comic Sans MS" pitchFamily="66" charset="0"/>
+              </a:rPr>
+              <a:t> implies</a:t>
+            </a:r>
+          </a:p>
+          <a:p>
+            <a:r>
+              <a:rPr lang="en-US" sz="4800" dirty="0" smtClean="0">
+                <a:solidFill>
+                  <a:srgbClr val="0033CC"/>
+                </a:solidFill>
+                <a:latin typeface="Comic Sans MS" pitchFamily="66" charset="0"/>
+              </a:rPr>
+              <a:t>m</a:t>
+            </a:r>
+            <a:r>
+              <a:rPr lang="en-US" sz="4800" dirty="0" smtClean="0">
+                <a:latin typeface="Comic Sans MS" pitchFamily="66" charset="0"/>
+              </a:rPr>
+              <a:t>, </a:t>
+            </a:r>
+            <a:r>
+              <a:rPr lang="en-US" sz="4800" dirty="0" smtClean="0">
+                <a:solidFill>
+                  <a:srgbClr val="0033CC"/>
+                </a:solidFill>
+                <a:latin typeface="Comic Sans MS" pitchFamily="66" charset="0"/>
+              </a:rPr>
+              <a:t>n</a:t>
+            </a:r>
+            <a:r>
+              <a:rPr lang="en-US" sz="4800" dirty="0" smtClean="0">
+                <a:latin typeface="Comic Sans MS" pitchFamily="66" charset="0"/>
+              </a:rPr>
+              <a:t> have no common factors.</a:t>
+            </a:r>
+          </a:p>
+          <a:p>
+            <a:endParaRPr lang="en-US" sz="4800" dirty="0" smtClean="0">
+              <a:latin typeface="Comic Sans MS" pitchFamily="66" charset="0"/>
+            </a:endParaRPr>
+          </a:p>
+        </p:txBody>
+      </p:sp>
+      <p:graphicFrame>
+        <p:nvGraphicFramePr>
+          <p:cNvPr id="8" name="Object 10"/>
+          <p:cNvGraphicFramePr>
+            <a:graphicFrameLocks noChangeAspect="1"/>
+          </p:cNvGraphicFramePr>
+          <p:nvPr/>
+        </p:nvGraphicFramePr>
+        <p:xfrm>
+          <a:off x="561975" y="2124075"/>
+          <a:ext cx="2686050" cy="1892300"/>
+        </p:xfrm>
+        <a:graphic>
+          <a:graphicData uri="http://schemas.openxmlformats.org/presentationml/2006/ole">
+            <mc:AlternateContent xmlns:mc="http://schemas.openxmlformats.org/markup-compatibility/2006">
+              <mc:Choice xmlns:v="urn:schemas-microsoft-com:vml" Requires="v">
+                <p:oleObj spid="_x0000_s4108" name="Equation" r:id="rId4" imgW="596880" imgH="419040" progId="Equation.DSMT4">
+                  <p:embed/>
+                </p:oleObj>
+              </mc:Choice>
+              <mc:Fallback>
+                <p:oleObj name="Equation" r:id="rId4" imgW="596880" imgH="419040" progId="Equation.DSMT4">
+                  <p:embed/>
+                  <p:pic>
+                    <p:nvPicPr>
+                      <p:cNvPr id="0" name="Object 10"/>
+                      <p:cNvPicPr>
+                        <a:picLocks noChangeAspect="1" noChangeArrowheads="1"/>
+                      </p:cNvPicPr>
+                      <p:nvPr/>
+                    </p:nvPicPr>
+                    <p:blipFill>
+                      <a:blip r:embed="rId5">
+                        <a:extLst>
+                          <a:ext uri="{28A0092B-C50C-407E-A947-70E740481C1C}">
+                            <a14:useLocalDpi xmlns:a14="http://schemas.microsoft.com/office/drawing/2010/main" val="0"/>
+                          </a:ext>
+                        </a:extLst>
+                      </a:blip>
+                      <a:srcRect/>
+                      <a:stretch>
+                        <a:fillRect/>
+                      </a:stretch>
+                    </p:blipFill>
+                    <p:spPr bwMode="auto">
+                      <a:xfrm>
+                        <a:off x="561975" y="2124075"/>
+                        <a:ext cx="2686050" cy="1892300"/>
+                      </a:xfrm>
+                      <a:prstGeom prst="rect">
+                        <a:avLst/>
+                      </a:prstGeom>
+                      <a:noFill/>
+                      <a:extLst>
+                        <a:ext uri="{909E8E84-426E-40dd-AFC4-6F175D3DCCD1}">
+                          <a14:hiddenFill xmlns:a14="http://schemas.microsoft.com/office/drawing/2010/main">
+                            <a:solidFill>
+                              <a:srgbClr val="FFFFFF"/>
+                            </a:solidFill>
+                          </a14:hiddenFill>
+                        </a:ext>
+                      </a:extLst>
+                    </p:spPr>
+                  </p:pic>
+                </p:oleObj>
+              </mc:Fallback>
+            </mc:AlternateContent>
+          </a:graphicData>
+        </a:graphic>
+      </p:graphicFrame>
+      <p:sp>
+        <p:nvSpPr>
+          <p:cNvPr id="9" name="Text Box 9"/>
+          <p:cNvSpPr txBox="1">
+            <a:spLocks noChangeArrowheads="1"/>
+          </p:cNvSpPr>
+          <p:nvPr/>
+        </p:nvSpPr>
+        <p:spPr bwMode="auto">
+          <a:xfrm>
+            <a:off x="685800" y="1531203"/>
+            <a:ext cx="7645042" cy="830997"/>
+          </a:xfrm>
+          <a:prstGeom prst="rect">
+            <a:avLst/>
+          </a:prstGeom>
+          <a:noFill/>
+          <a:ln w="9525">
+            <a:noFill/>
+            <a:miter lim="800000"/>
+            <a:headEnd/>
+            <a:tailEnd type="none" w="lg" len="lg"/>
+          </a:ln>
+        </p:spPr>
+        <p:txBody>
+          <a:bodyPr wrap="none">
+            <a:spAutoFit/>
+          </a:bodyPr>
+          <a:lstStyle/>
+          <a:p>
+            <a:r>
+              <a:rPr lang="en-US" sz="4800" dirty="0" smtClean="0">
+                <a:latin typeface="Comic Sans MS" pitchFamily="66" charset="0"/>
+              </a:rPr>
+              <a:t>WOP</a:t>
+            </a:r>
+            <a:r>
+              <a:rPr lang="en-US" sz="4800" dirty="0">
+                <a:latin typeface="Comic Sans MS" pitchFamily="66" charset="0"/>
+              </a:rPr>
+              <a:t>:</a:t>
+            </a:r>
+            <a:r>
+              <a:rPr lang="en-US" sz="4800" dirty="0" smtClean="0">
+                <a:latin typeface="Comic Sans MS" pitchFamily="66" charset="0"/>
+              </a:rPr>
+              <a:t> </a:t>
+            </a:r>
+            <a:r>
+              <a:rPr lang="en-US" sz="4800" dirty="0" smtClean="0">
+                <a:latin typeface="Comic Sans MS" pitchFamily="66" charset="0"/>
+                <a:sym typeface="Euclid Symbol" pitchFamily="18" charset="2"/>
+              </a:rPr>
+              <a:t>find </a:t>
+            </a:r>
+            <a:r>
+              <a:rPr lang="en-US" sz="4800" i="1" dirty="0" smtClean="0">
+                <a:latin typeface="Comic Sans MS" pitchFamily="66" charset="0"/>
+                <a:sym typeface="Euclid Symbol" pitchFamily="18" charset="2"/>
+              </a:rPr>
+              <a:t>smallest </a:t>
+            </a:r>
+            <a:r>
+              <a:rPr lang="en-US" sz="4800" dirty="0" smtClean="0">
+                <a:latin typeface="Comic Sans MS" pitchFamily="66" charset="0"/>
+              </a:rPr>
+              <a:t> </a:t>
+            </a:r>
+            <a:r>
+              <a:rPr lang="en-US" sz="4800" dirty="0" smtClean="0">
+                <a:solidFill>
+                  <a:srgbClr val="0033CC"/>
+                </a:solidFill>
+                <a:latin typeface="Comic Sans MS" pitchFamily="66" charset="0"/>
+              </a:rPr>
+              <a:t>m</a:t>
+            </a:r>
+            <a:r>
+              <a:rPr lang="en-US" sz="4800" dirty="0" smtClean="0">
+                <a:latin typeface="Comic Sans MS" pitchFamily="66" charset="0"/>
+              </a:rPr>
+              <a:t> </a:t>
+            </a:r>
+            <a:r>
+              <a:rPr lang="en-US" sz="4800" dirty="0" err="1">
+                <a:latin typeface="Comic Sans MS" pitchFamily="66" charset="0"/>
+              </a:rPr>
+              <a:t>s.t</a:t>
+            </a:r>
+            <a:r>
+              <a:rPr lang="en-US" sz="4800" dirty="0">
+                <a:latin typeface="Comic Sans MS" pitchFamily="66" charset="0"/>
+              </a:rPr>
+              <a:t>.</a:t>
+            </a:r>
+          </a:p>
+        </p:txBody>
+      </p:sp>
+    </p:spTree>
+  </p:cSld>
+  <p:clrMapOvr>
+    <a:masterClrMapping/>
+  </p:clrMapOvr>
+  <p:transition xmlns:p14="http://schemas.microsoft.com/office/powerpoint/2010/main" spd="med">
+    <p:fade/>
+  </p:transition>
+  <p:timing>
+    <p:tnLst>
+      <p:par>
+        <p:cTn xmlns:p14="http://schemas.microsoft.com/office/powerpoint/2010/main" id="1" dur="indefinite" restart="never" nodeType="tmRoot"/>
+      </p:par>
+    </p:tnLst>
+  </p:timing>
+</p:sld>
+</file>
+
+<file path=ppt/slides/slide6.xml><?xml version="1.0" encoding="utf-8"?>
 <p:sld xmlns:a="http://schemas.openxmlformats.org/drawingml/2006/main" xmlns:r="http://schemas.openxmlformats.org/officeDocument/2006/relationships" xmlns:p="http://schemas.openxmlformats.org/presentationml/2006/main">
   <p:cSld>
     <p:spTree>
@@ -14290,7 +16821,7 @@
 </p:sld>
 </file>
 
-<file path=ppt/slides/slide3.xml><?xml version="1.0" encoding="utf-8"?>
+<file path=ppt/slides/slide7.xml><?xml version="1.0" encoding="utf-8"?>
 <p:sld xmlns:a="http://schemas.openxmlformats.org/drawingml/2006/main" xmlns:r="http://schemas.openxmlformats.org/officeDocument/2006/relationships" xmlns:p="http://schemas.openxmlformats.org/presentationml/2006/main">
   <p:cSld>
     <p:spTree>
@@ -14793,7 +17324,7 @@
 </p:sld>
 </file>
 
-<file path=ppt/slides/slide4.xml><?xml version="1.0" encoding="utf-8"?>
+<file path=ppt/slides/slide8.xml><?xml version="1.0" encoding="utf-8"?>
 <p:sld xmlns:a="http://schemas.openxmlformats.org/drawingml/2006/main" xmlns:r="http://schemas.openxmlformats.org/officeDocument/2006/relationships" xmlns:p="http://schemas.openxmlformats.org/presentationml/2006/main">
   <p:cSld>
     <p:spTree>
@@ -15251,1797 +17782,7 @@
 </p:sld>
 </file>
 
-<file path=ppt/slides/slide5.xml><?xml version="1.0" encoding="utf-8"?>
-<p:sld xmlns:a="http://schemas.openxmlformats.org/drawingml/2006/main" xmlns:r="http://schemas.openxmlformats.org/officeDocument/2006/relationships" xmlns:p="http://schemas.openxmlformats.org/presentationml/2006/main" show="0">
-  <p:cSld>
-    <p:spTree>
-      <p:nvGrpSpPr>
-        <p:cNvPr id="1" name=""/>
-        <p:cNvGrpSpPr/>
-        <p:nvPr/>
-      </p:nvGrpSpPr>
-      <p:grpSpPr>
-        <a:xfrm>
-          <a:off x="0" y="0"/>
-          <a:ext cx="0" cy="0"/>
-          <a:chOff x="0" y="0"/>
-          <a:chExt cx="0" cy="0"/>
-        </a:xfrm>
-      </p:grpSpPr>
-      <p:sp>
-        <p:nvSpPr>
-          <p:cNvPr id="9222" name="Rectangle 2"/>
-          <p:cNvSpPr>
-            <a:spLocks noGrp="1" noChangeArrowheads="1"/>
-          </p:cNvSpPr>
-          <p:nvPr>
-            <p:ph type="title"/>
-          </p:nvPr>
-        </p:nvSpPr>
-        <p:spPr>
-          <a:xfrm>
-            <a:off x="2209800" y="76200"/>
-            <a:ext cx="6629400" cy="1143000"/>
-          </a:xfrm>
-        </p:spPr>
-        <p:txBody>
-          <a:bodyPr/>
-          <a:lstStyle/>
-          <a:p>
-            <a:pPr eaLnBrk="1" hangingPunct="1"/>
-            <a:r>
-              <a:rPr lang="en-US" sz="3600" dirty="0" smtClean="0"/>
-              <a:t> proof used Well Ordering</a:t>
-            </a:r>
-          </a:p>
-        </p:txBody>
-      </p:sp>
-      <p:grpSp>
-        <p:nvGrpSpPr>
-          <p:cNvPr id="9" name="Group 8"/>
-          <p:cNvGrpSpPr/>
-          <p:nvPr/>
-        </p:nvGrpSpPr>
-        <p:grpSpPr>
-          <a:xfrm>
-            <a:off x="609600" y="1455738"/>
-            <a:ext cx="7848600" cy="1508125"/>
-            <a:chOff x="609600" y="1455738"/>
-            <a:chExt cx="7848600" cy="1508125"/>
-          </a:xfrm>
-        </p:grpSpPr>
-        <p:sp>
-          <p:nvSpPr>
-            <p:cNvPr id="9228" name="Text Box 3"/>
-            <p:cNvSpPr txBox="1">
-              <a:spLocks noChangeArrowheads="1"/>
-            </p:cNvSpPr>
-            <p:nvPr/>
-          </p:nvSpPr>
-          <p:spPr bwMode="auto">
-            <a:xfrm>
-              <a:off x="609600" y="1752601"/>
-              <a:ext cx="7848600" cy="762000"/>
-            </a:xfrm>
-            <a:prstGeom prst="rect">
-              <a:avLst/>
-            </a:prstGeom>
-            <a:noFill/>
-            <a:ln w="9525">
-              <a:noFill/>
-              <a:miter lim="800000"/>
-              <a:headEnd/>
-              <a:tailEnd type="none" w="lg" len="lg"/>
-            </a:ln>
-          </p:spPr>
-          <p:txBody>
-            <a:bodyPr>
-              <a:spAutoFit/>
-            </a:bodyPr>
-            <a:lstStyle/>
-            <a:p>
-              <a:r>
-                <a:rPr lang="en-US" sz="4400" i="1" dirty="0">
-                  <a:latin typeface="Comic Sans MS" pitchFamily="66" charset="0"/>
-                </a:rPr>
-                <a:t>Proof</a:t>
-              </a:r>
-              <a:r>
-                <a:rPr lang="en-US" sz="4400" dirty="0">
-                  <a:latin typeface="Comic Sans MS" pitchFamily="66" charset="0"/>
-                </a:rPr>
-                <a:t>: </a:t>
-              </a:r>
-              <a:r>
-                <a:rPr lang="en-US" sz="4400" dirty="0" smtClean="0">
-                  <a:latin typeface="Comic Sans MS" pitchFamily="66" charset="0"/>
-                </a:rPr>
-                <a:t>…suppose</a:t>
-              </a:r>
-              <a:endParaRPr lang="en-US" sz="4400" dirty="0">
-                <a:latin typeface="Comic Sans MS" pitchFamily="66" charset="0"/>
-              </a:endParaRPr>
-            </a:p>
-          </p:txBody>
-        </p:sp>
-        <p:graphicFrame>
-          <p:nvGraphicFramePr>
-            <p:cNvPr id="9220" name="Object 5"/>
-            <p:cNvGraphicFramePr>
-              <a:graphicFrameLocks noChangeAspect="1"/>
-            </p:cNvGraphicFramePr>
-            <p:nvPr/>
-          </p:nvGraphicFramePr>
-          <p:xfrm>
-            <a:off x="4953000" y="1455738"/>
-            <a:ext cx="2006600" cy="1508125"/>
-          </p:xfrm>
-          <a:graphic>
-            <a:graphicData uri="http://schemas.openxmlformats.org/presentationml/2006/ole">
-              <mc:AlternateContent xmlns:mc="http://schemas.openxmlformats.org/markup-compatibility/2006">
-                <mc:Choice xmlns:v="urn:schemas-microsoft-com:vml" Requires="v">
-                  <p:oleObj spid="_x0000_s1032" name="Equation" r:id="rId4" imgW="558720" imgH="419040" progId="Equation.DSMT4">
-                    <p:embed/>
-                  </p:oleObj>
-                </mc:Choice>
-                <mc:Fallback>
-                  <p:oleObj name="Equation" r:id="rId4" imgW="558720" imgH="419040" progId="Equation.DSMT4">
-                    <p:embed/>
-                    <p:pic>
-                      <p:nvPicPr>
-                        <p:cNvPr id="0" name="Object 5"/>
-                        <p:cNvPicPr>
-                          <a:picLocks noChangeAspect="1" noChangeArrowheads="1"/>
-                        </p:cNvPicPr>
-                        <p:nvPr/>
-                      </p:nvPicPr>
-                      <p:blipFill>
-                        <a:blip r:embed="rId5">
-                          <a:extLst>
-                            <a:ext uri="{28A0092B-C50C-407E-A947-70E740481C1C}">
-                              <a14:useLocalDpi xmlns:a14="http://schemas.microsoft.com/office/drawing/2010/main" val="0"/>
-                            </a:ext>
-                          </a:extLst>
-                        </a:blip>
-                        <a:srcRect/>
-                        <a:stretch>
-                          <a:fillRect/>
-                        </a:stretch>
-                      </p:blipFill>
-                      <p:spPr bwMode="auto">
-                        <a:xfrm>
-                          <a:off x="4953000" y="1455738"/>
-                          <a:ext cx="2006600" cy="1508125"/>
-                        </a:xfrm>
-                        <a:prstGeom prst="rect">
-                          <a:avLst/>
-                        </a:prstGeom>
-                        <a:noFill/>
-                        <a:extLst>
-                          <a:ext uri="{909E8E84-426E-40dd-AFC4-6F175D3DCCD1}">
-                            <a14:hiddenFill xmlns:a14="http://schemas.microsoft.com/office/drawing/2010/main">
-                              <a:solidFill>
-                                <a:srgbClr val="FFFFFF"/>
-                              </a:solidFill>
-                            </a14:hiddenFill>
-                          </a:ext>
-                        </a:extLst>
-                      </p:spPr>
-                    </p:pic>
-                  </p:oleObj>
-                </mc:Fallback>
-              </mc:AlternateContent>
-            </a:graphicData>
-          </a:graphic>
-        </p:graphicFrame>
-      </p:grpSp>
-      <p:graphicFrame>
-        <p:nvGraphicFramePr>
-          <p:cNvPr id="9218" name="Object 10"/>
-          <p:cNvGraphicFramePr>
-            <a:graphicFrameLocks noChangeAspect="1"/>
-          </p:cNvGraphicFramePr>
-          <p:nvPr/>
-        </p:nvGraphicFramePr>
-        <p:xfrm>
-          <a:off x="1676400" y="180975"/>
-          <a:ext cx="990600" cy="885825"/>
-        </p:xfrm>
-        <a:graphic>
-          <a:graphicData uri="http://schemas.openxmlformats.org/presentationml/2006/ole">
-            <mc:AlternateContent xmlns:mc="http://schemas.openxmlformats.org/markup-compatibility/2006">
-              <mc:Choice xmlns:v="urn:schemas-microsoft-com:vml" Requires="v">
-                <p:oleObj spid="_x0000_s1033" name="Equation" r:id="rId6" imgW="241200" imgH="215640" progId="Equation.DSMT4">
-                  <p:embed/>
-                </p:oleObj>
-              </mc:Choice>
-              <mc:Fallback>
-                <p:oleObj name="Equation" r:id="rId6" imgW="241200" imgH="215640" progId="Equation.DSMT4">
-                  <p:embed/>
-                  <p:pic>
-                    <p:nvPicPr>
-                      <p:cNvPr id="0" name="Object 10"/>
-                      <p:cNvPicPr>
-                        <a:picLocks noChangeAspect="1" noChangeArrowheads="1"/>
-                      </p:cNvPicPr>
-                      <p:nvPr/>
-                    </p:nvPicPr>
-                    <p:blipFill>
-                      <a:blip r:embed="rId7">
-                        <a:extLst>
-                          <a:ext uri="{28A0092B-C50C-407E-A947-70E740481C1C}">
-                            <a14:useLocalDpi xmlns:a14="http://schemas.microsoft.com/office/drawing/2010/main" val="0"/>
-                          </a:ext>
-                        </a:extLst>
-                      </a:blip>
-                      <a:srcRect/>
-                      <a:stretch>
-                        <a:fillRect/>
-                      </a:stretch>
-                    </p:blipFill>
-                    <p:spPr bwMode="auto">
-                      <a:xfrm>
-                        <a:off x="1676400" y="180975"/>
-                        <a:ext cx="990600" cy="885825"/>
-                      </a:xfrm>
-                      <a:prstGeom prst="rect">
-                        <a:avLst/>
-                      </a:prstGeom>
-                      <a:noFill/>
-                      <a:extLst>
-                        <a:ext uri="{909E8E84-426E-40dd-AFC4-6F175D3DCCD1}">
-                          <a14:hiddenFill xmlns:a14="http://schemas.microsoft.com/office/drawing/2010/main">
-                            <a:solidFill>
-                              <a:srgbClr val="FFFFFF"/>
-                            </a:solidFill>
-                          </a14:hiddenFill>
-                        </a:ext>
-                      </a:extLst>
-                    </p:spPr>
-                  </p:pic>
-                </p:oleObj>
-              </mc:Fallback>
-            </mc:AlternateContent>
-          </a:graphicData>
-        </a:graphic>
-      </p:graphicFrame>
-      <p:sp>
-        <p:nvSpPr>
-          <p:cNvPr id="322573" name="Text Box 13"/>
-          <p:cNvSpPr txBox="1">
-            <a:spLocks noChangeArrowheads="1"/>
-          </p:cNvSpPr>
-          <p:nvPr/>
-        </p:nvSpPr>
-        <p:spPr bwMode="auto">
-          <a:xfrm>
-            <a:off x="533400" y="2896850"/>
-            <a:ext cx="7856537" cy="1446550"/>
-          </a:xfrm>
-          <a:prstGeom prst="rect">
-            <a:avLst/>
-          </a:prstGeom>
-          <a:noFill/>
-          <a:ln w="9525">
-            <a:noFill/>
-            <a:miter lim="800000"/>
-            <a:headEnd/>
-            <a:tailEnd type="none" w="lg" len="lg"/>
-          </a:ln>
-        </p:spPr>
-        <p:txBody>
-          <a:bodyPr wrap="square">
-            <a:spAutoFit/>
-          </a:bodyPr>
-          <a:lstStyle/>
-          <a:p>
-            <a:r>
-              <a:rPr lang="en-US" sz="4400" dirty="0">
-                <a:latin typeface="Comic Sans MS" pitchFamily="66" charset="0"/>
-              </a:rPr>
-              <a:t>…can </a:t>
-            </a:r>
-            <a:r>
-              <a:rPr lang="en-US" sz="4400" dirty="0">
-                <a:solidFill>
-                  <a:srgbClr val="FF33CC"/>
-                </a:solidFill>
-                <a:latin typeface="Comic Sans MS" pitchFamily="66" charset="0"/>
-              </a:rPr>
-              <a:t>always</a:t>
-            </a:r>
-            <a:r>
-              <a:rPr lang="en-US" sz="4400" dirty="0">
-                <a:latin typeface="Comic Sans MS" pitchFamily="66" charset="0"/>
-              </a:rPr>
-              <a:t> find such </a:t>
-            </a:r>
-            <a:r>
-              <a:rPr lang="en-US" sz="4400" dirty="0" smtClean="0">
-                <a:solidFill>
-                  <a:srgbClr val="0033CC"/>
-                </a:solidFill>
-                <a:latin typeface="Comic Sans MS" pitchFamily="66" charset="0"/>
-              </a:rPr>
-              <a:t>m</a:t>
-            </a:r>
-            <a:r>
-              <a:rPr lang="en-US" sz="4400" dirty="0" smtClean="0">
-                <a:latin typeface="Comic Sans MS" pitchFamily="66" charset="0"/>
-              </a:rPr>
-              <a:t>, </a:t>
-            </a:r>
-            <a:r>
-              <a:rPr lang="en-US" sz="4400" dirty="0" smtClean="0">
-                <a:solidFill>
-                  <a:srgbClr val="0033CC"/>
-                </a:solidFill>
-                <a:latin typeface="Comic Sans MS" pitchFamily="66" charset="0"/>
-              </a:rPr>
-              <a:t>n</a:t>
-            </a:r>
-            <a:r>
-              <a:rPr lang="en-US" sz="4400" b="1" dirty="0" smtClean="0">
-                <a:solidFill>
-                  <a:srgbClr val="0033CC"/>
-                </a:solidFill>
-                <a:latin typeface="Times New (W1)" pitchFamily="18" charset="0"/>
-              </a:rPr>
-              <a:t>&gt;</a:t>
-            </a:r>
-            <a:r>
-              <a:rPr lang="en-US" sz="4400" dirty="0" smtClean="0">
-                <a:solidFill>
-                  <a:srgbClr val="0033CC"/>
-                </a:solidFill>
-                <a:latin typeface="Comic Sans MS" pitchFamily="66" charset="0"/>
-              </a:rPr>
-              <a:t>0</a:t>
-            </a:r>
-            <a:endParaRPr lang="en-US" sz="4400" dirty="0">
-              <a:solidFill>
-                <a:srgbClr val="0033CC"/>
-              </a:solidFill>
-              <a:latin typeface="Comic Sans MS" pitchFamily="66" charset="0"/>
-            </a:endParaRPr>
-          </a:p>
-          <a:p>
-            <a:r>
-              <a:rPr lang="en-US" sz="4400" i="1" dirty="0">
-                <a:latin typeface="Comic Sans MS" pitchFamily="66" charset="0"/>
-              </a:rPr>
-              <a:t>without common factors</a:t>
-            </a:r>
-            <a:r>
-              <a:rPr lang="en-US" sz="4400" dirty="0">
-                <a:latin typeface="Comic Sans MS" pitchFamily="66" charset="0"/>
-              </a:rPr>
-              <a:t>…</a:t>
-            </a:r>
-          </a:p>
-        </p:txBody>
-      </p:sp>
-      <p:sp>
-        <p:nvSpPr>
-          <p:cNvPr id="322574" name="Rectangle 14"/>
-          <p:cNvSpPr>
-            <a:spLocks noChangeArrowheads="1"/>
-          </p:cNvSpPr>
-          <p:nvPr/>
-        </p:nvSpPr>
-        <p:spPr bwMode="auto">
-          <a:xfrm>
-            <a:off x="2362200" y="4343400"/>
-            <a:ext cx="4648200" cy="1066800"/>
-          </a:xfrm>
-          <a:prstGeom prst="rect">
-            <a:avLst/>
-          </a:prstGeom>
-          <a:noFill/>
-          <a:ln w="9525">
-            <a:noFill/>
-            <a:miter lim="800000"/>
-            <a:headEnd/>
-            <a:tailEnd/>
-          </a:ln>
-        </p:spPr>
-        <p:txBody>
-          <a:bodyPr/>
-          <a:lstStyle/>
-          <a:p>
-            <a:pPr marL="342900" indent="-342900">
-              <a:spcBef>
-                <a:spcPct val="20000"/>
-              </a:spcBef>
-            </a:pPr>
-            <a:r>
-              <a:rPr lang="en-US" sz="5400" dirty="0">
-                <a:latin typeface="Comic Sans MS" pitchFamily="66" charset="0"/>
-              </a:rPr>
-              <a:t>why</a:t>
-            </a:r>
-            <a:r>
-              <a:rPr lang="en-US" sz="5400" dirty="0">
-                <a:solidFill>
-                  <a:srgbClr val="0D05A7"/>
-                </a:solidFill>
-                <a:latin typeface="Comic Sans MS" pitchFamily="66" charset="0"/>
-              </a:rPr>
-              <a:t> </a:t>
-            </a:r>
-            <a:r>
-              <a:rPr lang="en-US" sz="5400" dirty="0" smtClean="0">
-                <a:solidFill>
-                  <a:srgbClr val="FF33CC"/>
-                </a:solidFill>
-                <a:latin typeface="Comic Sans MS" pitchFamily="66" charset="0"/>
-              </a:rPr>
-              <a:t>always</a:t>
-            </a:r>
-            <a:r>
-              <a:rPr lang="en-US" sz="5400" i="1" dirty="0" smtClean="0">
-                <a:latin typeface="Comic Sans MS" pitchFamily="66" charset="0"/>
-              </a:rPr>
-              <a:t> </a:t>
-            </a:r>
-            <a:r>
-              <a:rPr lang="en-US" sz="5400" dirty="0" smtClean="0">
-                <a:latin typeface="Comic Sans MS" pitchFamily="66" charset="0"/>
-              </a:rPr>
-              <a:t>?</a:t>
-            </a:r>
-            <a:endParaRPr lang="en-US" sz="5400" dirty="0">
-              <a:latin typeface="Comic Sans MS" pitchFamily="66" charset="0"/>
-            </a:endParaRPr>
-          </a:p>
-        </p:txBody>
-      </p:sp>
-    </p:spTree>
-  </p:cSld>
-  <p:clrMapOvr>
-    <a:masterClrMapping/>
-  </p:clrMapOvr>
-  <p:transition xmlns:p14="http://schemas.microsoft.com/office/powerpoint/2010/main">
-    <p:dissolve/>
-  </p:transition>
-  <p:timing>
-    <p:tnLst>
-      <p:par>
-        <p:cTn xmlns:p14="http://schemas.microsoft.com/office/powerpoint/2010/main" id="1" dur="indefinite" restart="never" nodeType="tmRoot">
-          <p:childTnLst>
-            <p:seq concurrent="1" nextAc="seek">
-              <p:cTn id="2" dur="indefinite" nodeType="mainSeq">
-                <p:childTnLst>
-                  <p:par>
-                    <p:cTn id="3" fill="hold">
-                      <p:stCondLst>
-                        <p:cond delay="indefinite"/>
-                      </p:stCondLst>
-                      <p:childTnLst>
-                        <p:par>
-                          <p:cTn id="4" fill="hold">
-                            <p:stCondLst>
-                              <p:cond delay="0"/>
-                            </p:stCondLst>
-                            <p:childTnLst>
-                              <p:par>
-                                <p:cTn id="5" presetID="1" presetClass="entr" presetSubtype="0" fill="hold" nodeType="clickEffect">
-                                  <p:stCondLst>
-                                    <p:cond delay="0"/>
-                                  </p:stCondLst>
-                                  <p:childTnLst>
-                                    <p:set>
-                                      <p:cBhvr>
-                                        <p:cTn id="6" dur="1" fill="hold">
-                                          <p:stCondLst>
-                                            <p:cond delay="0"/>
-                                          </p:stCondLst>
-                                        </p:cTn>
-                                        <p:tgtEl>
-                                          <p:spTgt spid="9"/>
-                                        </p:tgtEl>
-                                        <p:attrNameLst>
-                                          <p:attrName>style.visibility</p:attrName>
-                                        </p:attrNameLst>
-                                      </p:cBhvr>
-                                      <p:to>
-                                        <p:strVal val="visible"/>
-                                      </p:to>
-                                    </p:set>
-                                  </p:childTnLst>
-                                </p:cTn>
-                              </p:par>
-                            </p:childTnLst>
-                          </p:cTn>
-                        </p:par>
-                      </p:childTnLst>
-                    </p:cTn>
-                  </p:par>
-                  <p:par>
-                    <p:cTn id="7" fill="hold">
-                      <p:stCondLst>
-                        <p:cond delay="indefinite"/>
-                      </p:stCondLst>
-                      <p:childTnLst>
-                        <p:par>
-                          <p:cTn id="8" fill="hold">
-                            <p:stCondLst>
-                              <p:cond delay="0"/>
-                            </p:stCondLst>
-                            <p:childTnLst>
-                              <p:par>
-                                <p:cTn id="9" presetID="1" presetClass="entr" presetSubtype="0" fill="hold" grpId="0" nodeType="clickEffect">
-                                  <p:stCondLst>
-                                    <p:cond delay="0"/>
-                                  </p:stCondLst>
-                                  <p:childTnLst>
-                                    <p:set>
-                                      <p:cBhvr>
-                                        <p:cTn id="10" dur="1" fill="hold">
-                                          <p:stCondLst>
-                                            <p:cond delay="0"/>
-                                          </p:stCondLst>
-                                        </p:cTn>
-                                        <p:tgtEl>
-                                          <p:spTgt spid="322573"/>
-                                        </p:tgtEl>
-                                        <p:attrNameLst>
-                                          <p:attrName>style.visibility</p:attrName>
-                                        </p:attrNameLst>
-                                      </p:cBhvr>
-                                      <p:to>
-                                        <p:strVal val="visible"/>
-                                      </p:to>
-                                    </p:set>
-                                  </p:childTnLst>
-                                </p:cTn>
-                              </p:par>
-                            </p:childTnLst>
-                          </p:cTn>
-                        </p:par>
-                      </p:childTnLst>
-                    </p:cTn>
-                  </p:par>
-                  <p:par>
-                    <p:cTn id="11" fill="hold">
-                      <p:stCondLst>
-                        <p:cond delay="indefinite"/>
-                      </p:stCondLst>
-                      <p:childTnLst>
-                        <p:par>
-                          <p:cTn id="12" fill="hold">
-                            <p:stCondLst>
-                              <p:cond delay="0"/>
-                            </p:stCondLst>
-                            <p:childTnLst>
-                              <p:par>
-                                <p:cTn id="13" presetID="1" presetClass="entr" presetSubtype="0" fill="hold" grpId="0" nodeType="clickEffect">
-                                  <p:stCondLst>
-                                    <p:cond delay="0"/>
-                                  </p:stCondLst>
-                                  <p:childTnLst>
-                                    <p:set>
-                                      <p:cBhvr>
-                                        <p:cTn id="14" dur="1" fill="hold">
-                                          <p:stCondLst>
-                                            <p:cond delay="0"/>
-                                          </p:stCondLst>
-                                        </p:cTn>
-                                        <p:tgtEl>
-                                          <p:spTgt spid="322574">
-                                            <p:txEl>
-                                              <p:pRg st="0" end="0"/>
-                                            </p:txEl>
-                                          </p:spTgt>
-                                        </p:tgtEl>
-                                        <p:attrNameLst>
-                                          <p:attrName>style.visibility</p:attrName>
-                                        </p:attrNameLst>
-                                      </p:cBhvr>
-                                      <p:to>
-                                        <p:strVal val="visible"/>
-                                      </p:to>
-                                    </p:set>
-                                  </p:childTnLst>
-                                </p:cTn>
-                              </p:par>
-                            </p:childTnLst>
-                          </p:cTn>
-                        </p:par>
-                      </p:childTnLst>
-                    </p:cTn>
-                  </p:par>
-                </p:childTnLst>
-              </p:cTn>
-              <p:prevCondLst>
-                <p:cond evt="onPrev" delay="0">
-                  <p:tgtEl>
-                    <p:sldTgt/>
-                  </p:tgtEl>
-                </p:cond>
-              </p:prevCondLst>
-              <p:nextCondLst>
-                <p:cond evt="onNext" delay="0">
-                  <p:tgtEl>
-                    <p:sldTgt/>
-                  </p:tgtEl>
-                </p:cond>
-              </p:nextCondLst>
-            </p:seq>
-          </p:childTnLst>
-        </p:cTn>
-      </p:par>
-    </p:tnLst>
-    <p:bldLst>
-      <p:bldP spid="322573" grpId="0"/>
-      <p:bldP spid="322574" grpId="0" build="p"/>
-    </p:bldLst>
-  </p:timing>
-</p:sld>
-</file>
-
-<file path=ppt/slides/slide6.xml><?xml version="1.0" encoding="utf-8"?>
-<p:sld xmlns:a="http://schemas.openxmlformats.org/drawingml/2006/main" xmlns:r="http://schemas.openxmlformats.org/officeDocument/2006/relationships" xmlns:p="http://schemas.openxmlformats.org/presentationml/2006/main" show="0">
-  <p:cSld>
-    <p:spTree>
-      <p:nvGrpSpPr>
-        <p:cNvPr id="1" name=""/>
-        <p:cNvGrpSpPr/>
-        <p:nvPr/>
-      </p:nvGrpSpPr>
-      <p:grpSpPr>
-        <a:xfrm>
-          <a:off x="0" y="0"/>
-          <a:ext cx="0" cy="0"/>
-          <a:chOff x="0" y="0"/>
-          <a:chExt cx="0" cy="0"/>
-        </a:xfrm>
-      </p:grpSpPr>
-      <p:sp>
-        <p:nvSpPr>
-          <p:cNvPr id="10245" name="Rectangle 2"/>
-          <p:cNvSpPr>
-            <a:spLocks noGrp="1" noChangeArrowheads="1"/>
-          </p:cNvSpPr>
-          <p:nvPr>
-            <p:ph type="title"/>
-          </p:nvPr>
-        </p:nvSpPr>
-        <p:spPr/>
-        <p:txBody>
-          <a:bodyPr/>
-          <a:lstStyle/>
-          <a:p>
-            <a:pPr eaLnBrk="1" hangingPunct="1"/>
-            <a:r>
-              <a:rPr lang="en-US" sz="3600" smtClean="0"/>
-              <a:t>Proof using Well Ordering</a:t>
-            </a:r>
-          </a:p>
-        </p:txBody>
-      </p:sp>
-      <p:sp>
-        <p:nvSpPr>
-          <p:cNvPr id="10246" name="Text Box 9"/>
-          <p:cNvSpPr txBox="1">
-            <a:spLocks noChangeArrowheads="1"/>
-          </p:cNvSpPr>
-          <p:nvPr/>
-        </p:nvSpPr>
-        <p:spPr bwMode="auto">
-          <a:xfrm>
-            <a:off x="685800" y="1531203"/>
-            <a:ext cx="7645042" cy="830997"/>
-          </a:xfrm>
-          <a:prstGeom prst="rect">
-            <a:avLst/>
-          </a:prstGeom>
-          <a:noFill/>
-          <a:ln w="9525">
-            <a:noFill/>
-            <a:miter lim="800000"/>
-            <a:headEnd/>
-            <a:tailEnd type="none" w="lg" len="lg"/>
-          </a:ln>
-        </p:spPr>
-        <p:txBody>
-          <a:bodyPr wrap="none">
-            <a:spAutoFit/>
-          </a:bodyPr>
-          <a:lstStyle/>
-          <a:p>
-            <a:r>
-              <a:rPr lang="en-US" sz="4800" dirty="0" smtClean="0">
-                <a:latin typeface="Comic Sans MS" pitchFamily="66" charset="0"/>
-              </a:rPr>
-              <a:t>WOP</a:t>
-            </a:r>
-            <a:r>
-              <a:rPr lang="en-US" sz="4800" dirty="0">
-                <a:latin typeface="Comic Sans MS" pitchFamily="66" charset="0"/>
-              </a:rPr>
-              <a:t>:</a:t>
-            </a:r>
-            <a:r>
-              <a:rPr lang="en-US" sz="4800" dirty="0" smtClean="0">
-                <a:latin typeface="Comic Sans MS" pitchFamily="66" charset="0"/>
-              </a:rPr>
-              <a:t> </a:t>
-            </a:r>
-            <a:r>
-              <a:rPr lang="en-US" sz="4800" dirty="0" smtClean="0">
-                <a:latin typeface="Comic Sans MS" pitchFamily="66" charset="0"/>
-                <a:sym typeface="Euclid Symbol" pitchFamily="18" charset="2"/>
-              </a:rPr>
-              <a:t>find </a:t>
-            </a:r>
-            <a:r>
-              <a:rPr lang="en-US" sz="4800" i="1" dirty="0" smtClean="0">
-                <a:latin typeface="Comic Sans MS" pitchFamily="66" charset="0"/>
-                <a:sym typeface="Euclid Symbol" pitchFamily="18" charset="2"/>
-              </a:rPr>
-              <a:t>smallest </a:t>
-            </a:r>
-            <a:r>
-              <a:rPr lang="en-US" sz="4800" dirty="0" smtClean="0">
-                <a:latin typeface="Comic Sans MS" pitchFamily="66" charset="0"/>
-              </a:rPr>
-              <a:t> </a:t>
-            </a:r>
-            <a:r>
-              <a:rPr lang="en-US" sz="4800" dirty="0" smtClean="0">
-                <a:solidFill>
-                  <a:srgbClr val="0033CC"/>
-                </a:solidFill>
-                <a:latin typeface="Comic Sans MS" pitchFamily="66" charset="0"/>
-              </a:rPr>
-              <a:t>m</a:t>
-            </a:r>
-            <a:r>
-              <a:rPr lang="en-US" sz="4800" dirty="0" smtClean="0">
-                <a:latin typeface="Comic Sans MS" pitchFamily="66" charset="0"/>
-              </a:rPr>
-              <a:t> </a:t>
-            </a:r>
-            <a:r>
-              <a:rPr lang="en-US" sz="4800" dirty="0" err="1">
-                <a:latin typeface="Comic Sans MS" pitchFamily="66" charset="0"/>
-              </a:rPr>
-              <a:t>s.t</a:t>
-            </a:r>
-            <a:r>
-              <a:rPr lang="en-US" sz="4800" dirty="0">
-                <a:latin typeface="Comic Sans MS" pitchFamily="66" charset="0"/>
-              </a:rPr>
-              <a:t>.</a:t>
-            </a:r>
-          </a:p>
-        </p:txBody>
-      </p:sp>
-      <p:graphicFrame>
-        <p:nvGraphicFramePr>
-          <p:cNvPr id="351242" name="Object 10"/>
-          <p:cNvGraphicFramePr>
-            <a:graphicFrameLocks noChangeAspect="1"/>
-          </p:cNvGraphicFramePr>
-          <p:nvPr/>
-        </p:nvGraphicFramePr>
-        <p:xfrm>
-          <a:off x="561975" y="2124075"/>
-          <a:ext cx="2686050" cy="1892300"/>
-        </p:xfrm>
-        <a:graphic>
-          <a:graphicData uri="http://schemas.openxmlformats.org/presentationml/2006/ole">
-            <mc:AlternateContent xmlns:mc="http://schemas.openxmlformats.org/markup-compatibility/2006">
-              <mc:Choice xmlns:v="urn:schemas-microsoft-com:vml" Requires="v">
-                <p:oleObj spid="_x0000_s2056" name="Equation" r:id="rId4" imgW="596880" imgH="419040" progId="Equation.DSMT4">
-                  <p:embed/>
-                </p:oleObj>
-              </mc:Choice>
-              <mc:Fallback>
-                <p:oleObj name="Equation" r:id="rId4" imgW="596880" imgH="419040" progId="Equation.DSMT4">
-                  <p:embed/>
-                  <p:pic>
-                    <p:nvPicPr>
-                      <p:cNvPr id="0" name="Object 10"/>
-                      <p:cNvPicPr>
-                        <a:picLocks noChangeAspect="1" noChangeArrowheads="1"/>
-                      </p:cNvPicPr>
-                      <p:nvPr/>
-                    </p:nvPicPr>
-                    <p:blipFill>
-                      <a:blip r:embed="rId5">
-                        <a:extLst>
-                          <a:ext uri="{28A0092B-C50C-407E-A947-70E740481C1C}">
-                            <a14:useLocalDpi xmlns:a14="http://schemas.microsoft.com/office/drawing/2010/main" val="0"/>
-                          </a:ext>
-                        </a:extLst>
-                      </a:blip>
-                      <a:srcRect/>
-                      <a:stretch>
-                        <a:fillRect/>
-                      </a:stretch>
-                    </p:blipFill>
-                    <p:spPr bwMode="auto">
-                      <a:xfrm>
-                        <a:off x="561975" y="2124075"/>
-                        <a:ext cx="2686050" cy="1892300"/>
-                      </a:xfrm>
-                      <a:prstGeom prst="rect">
-                        <a:avLst/>
-                      </a:prstGeom>
-                      <a:noFill/>
-                      <a:extLst>
-                        <a:ext uri="{909E8E84-426E-40dd-AFC4-6F175D3DCCD1}">
-                          <a14:hiddenFill xmlns:a14="http://schemas.microsoft.com/office/drawing/2010/main">
-                            <a:solidFill>
-                              <a:srgbClr val="FFFFFF"/>
-                            </a:solidFill>
-                          </a14:hiddenFill>
-                        </a:ext>
-                      </a:extLst>
-                    </p:spPr>
-                  </p:pic>
-                </p:oleObj>
-              </mc:Fallback>
-            </mc:AlternateContent>
-          </a:graphicData>
-        </a:graphic>
-      </p:graphicFrame>
-      <p:grpSp>
-        <p:nvGrpSpPr>
-          <p:cNvPr id="16" name="Group 15"/>
-          <p:cNvGrpSpPr/>
-          <p:nvPr/>
-        </p:nvGrpSpPr>
-        <p:grpSpPr>
-          <a:xfrm>
-            <a:off x="381000" y="2514600"/>
-            <a:ext cx="8001000" cy="2514600"/>
-            <a:chOff x="381000" y="2514600"/>
-            <a:chExt cx="8001000" cy="2514600"/>
-          </a:xfrm>
-        </p:grpSpPr>
-        <p:sp>
-          <p:nvSpPr>
-            <p:cNvPr id="11" name="TextBox 10"/>
-            <p:cNvSpPr txBox="1"/>
-            <p:nvPr/>
-          </p:nvSpPr>
-          <p:spPr>
-            <a:xfrm>
-              <a:off x="3581400" y="2514600"/>
-              <a:ext cx="4114800" cy="914400"/>
-            </a:xfrm>
-            <a:prstGeom prst="rect">
-              <a:avLst/>
-            </a:prstGeom>
-            <a:noFill/>
-          </p:spPr>
-          <p:txBody>
-            <a:bodyPr wrap="none" rtlCol="0">
-              <a:noAutofit/>
-            </a:bodyPr>
-            <a:lstStyle/>
-            <a:p>
-              <a:r>
-                <a:rPr lang="en-US" sz="4800" dirty="0" smtClean="0">
-                  <a:latin typeface="Comic Sans MS" pitchFamily="66" charset="0"/>
-                </a:rPr>
-                <a:t>If </a:t>
-              </a:r>
-              <a:r>
-                <a:rPr lang="en-US" sz="4800" dirty="0" smtClean="0">
-                  <a:solidFill>
-                    <a:srgbClr val="0033CC"/>
-                  </a:solidFill>
-                  <a:latin typeface="Comic Sans MS" pitchFamily="66" charset="0"/>
-                </a:rPr>
-                <a:t>m</a:t>
-              </a:r>
-              <a:r>
-                <a:rPr lang="en-US" sz="4800" dirty="0" smtClean="0">
-                  <a:latin typeface="Comic Sans MS" pitchFamily="66" charset="0"/>
-                </a:rPr>
-                <a:t>, </a:t>
-              </a:r>
-              <a:r>
-                <a:rPr lang="en-US" sz="4800" dirty="0" smtClean="0">
-                  <a:solidFill>
-                    <a:srgbClr val="0033CC"/>
-                  </a:solidFill>
-                  <a:latin typeface="Comic Sans MS" pitchFamily="66" charset="0"/>
-                </a:rPr>
-                <a:t>n</a:t>
-              </a:r>
-              <a:r>
-                <a:rPr lang="en-US" sz="4800" dirty="0" smtClean="0">
-                  <a:latin typeface="Comic Sans MS" pitchFamily="66" charset="0"/>
-                </a:rPr>
-                <a:t> had a</a:t>
-              </a:r>
-            </a:p>
-          </p:txBody>
-        </p:sp>
-        <p:sp>
-          <p:nvSpPr>
-            <p:cNvPr id="12" name="TextBox 11"/>
-            <p:cNvSpPr txBox="1"/>
-            <p:nvPr/>
-          </p:nvSpPr>
-          <p:spPr>
-            <a:xfrm>
-              <a:off x="381000" y="3962400"/>
-              <a:ext cx="8001000" cy="1066800"/>
-            </a:xfrm>
-            <a:prstGeom prst="rect">
-              <a:avLst/>
-            </a:prstGeom>
-            <a:noFill/>
-          </p:spPr>
-          <p:txBody>
-            <a:bodyPr wrap="none" rtlCol="0">
-              <a:noAutofit/>
-            </a:bodyPr>
-            <a:lstStyle/>
-            <a:p>
-              <a:r>
-                <a:rPr lang="en-US" sz="5400" dirty="0" smtClean="0">
-                  <a:latin typeface="Comic Sans MS" pitchFamily="66" charset="0"/>
-                </a:rPr>
-                <a:t> </a:t>
-              </a:r>
-              <a:r>
-                <a:rPr lang="en-US" sz="4800" dirty="0" smtClean="0">
-                  <a:latin typeface="Comic Sans MS" pitchFamily="66" charset="0"/>
-                </a:rPr>
-                <a:t>common factor, </a:t>
-              </a:r>
-              <a:r>
-                <a:rPr lang="en-US" sz="4800" dirty="0" smtClean="0">
-                  <a:solidFill>
-                    <a:srgbClr val="FF33CC"/>
-                  </a:solidFill>
-                  <a:latin typeface="Comic Sans MS" pitchFamily="66" charset="0"/>
-                </a:rPr>
-                <a:t>c</a:t>
-              </a:r>
-              <a:r>
-                <a:rPr lang="en-US" sz="4800" dirty="0" smtClean="0">
-                  <a:latin typeface="Comic Sans MS" pitchFamily="66" charset="0"/>
-                </a:rPr>
-                <a:t>, then</a:t>
-              </a:r>
-            </a:p>
-          </p:txBody>
-        </p:sp>
-      </p:grpSp>
-      <p:graphicFrame>
-        <p:nvGraphicFramePr>
-          <p:cNvPr id="353288" name="Object 8"/>
-          <p:cNvGraphicFramePr>
-            <a:graphicFrameLocks noChangeAspect="1"/>
-          </p:cNvGraphicFramePr>
-          <p:nvPr/>
-        </p:nvGraphicFramePr>
-        <p:xfrm>
-          <a:off x="396875" y="4625975"/>
-          <a:ext cx="3097213" cy="2012950"/>
-        </p:xfrm>
-        <a:graphic>
-          <a:graphicData uri="http://schemas.openxmlformats.org/presentationml/2006/ole">
-            <mc:AlternateContent xmlns:mc="http://schemas.openxmlformats.org/markup-compatibility/2006">
-              <mc:Choice xmlns:v="urn:schemas-microsoft-com:vml" Requires="v">
-                <p:oleObj spid="_x0000_s2057" name="Equation" r:id="rId6" imgW="863280" imgH="558720" progId="Equation.DSMT4">
-                  <p:embed/>
-                </p:oleObj>
-              </mc:Choice>
-              <mc:Fallback>
-                <p:oleObj name="Equation" r:id="rId6" imgW="863280" imgH="558720" progId="Equation.DSMT4">
-                  <p:embed/>
-                  <p:pic>
-                    <p:nvPicPr>
-                      <p:cNvPr id="0" name="Object 8"/>
-                      <p:cNvPicPr>
-                        <a:picLocks noChangeAspect="1" noChangeArrowheads="1"/>
-                      </p:cNvPicPr>
-                      <p:nvPr/>
-                    </p:nvPicPr>
-                    <p:blipFill>
-                      <a:blip r:embed="rId7">
-                        <a:extLst>
-                          <a:ext uri="{28A0092B-C50C-407E-A947-70E740481C1C}">
-                            <a14:useLocalDpi xmlns:a14="http://schemas.microsoft.com/office/drawing/2010/main" val="0"/>
-                          </a:ext>
-                        </a:extLst>
-                      </a:blip>
-                      <a:srcRect/>
-                      <a:stretch>
-                        <a:fillRect/>
-                      </a:stretch>
-                    </p:blipFill>
-                    <p:spPr bwMode="auto">
-                      <a:xfrm>
-                        <a:off x="396875" y="4625975"/>
-                        <a:ext cx="3097213" cy="2012950"/>
-                      </a:xfrm>
-                      <a:prstGeom prst="rect">
-                        <a:avLst/>
-                      </a:prstGeom>
-                      <a:noFill/>
-                      <a:extLst>
-                        <a:ext uri="{909E8E84-426E-40dd-AFC4-6F175D3DCCD1}">
-                          <a14:hiddenFill xmlns:a14="http://schemas.microsoft.com/office/drawing/2010/main">
-                            <a:solidFill>
-                              <a:srgbClr val="FFFFFF"/>
-                            </a:solidFill>
-                          </a14:hiddenFill>
-                        </a:ext>
-                      </a:extLst>
-                    </p:spPr>
-                  </p:pic>
-                </p:oleObj>
-              </mc:Fallback>
-            </mc:AlternateContent>
-          </a:graphicData>
-        </a:graphic>
-      </p:graphicFrame>
-      <p:sp>
-        <p:nvSpPr>
-          <p:cNvPr id="13" name="TextBox 12"/>
-          <p:cNvSpPr txBox="1"/>
-          <p:nvPr/>
-        </p:nvSpPr>
-        <p:spPr>
-          <a:xfrm>
-            <a:off x="3733800" y="5105400"/>
-            <a:ext cx="5181600" cy="1143000"/>
-          </a:xfrm>
-          <a:prstGeom prst="rect">
-            <a:avLst/>
-          </a:prstGeom>
-          <a:noFill/>
-        </p:spPr>
-        <p:txBody>
-          <a:bodyPr wrap="none" rtlCol="0">
-            <a:noAutofit/>
-          </a:bodyPr>
-          <a:lstStyle/>
-          <a:p>
-            <a:r>
-              <a:rPr lang="en-US" sz="4800" dirty="0" smtClean="0">
-                <a:latin typeface="Comic Sans MS" pitchFamily="66" charset="0"/>
-              </a:rPr>
-              <a:t>and  </a:t>
-            </a:r>
-            <a:r>
-              <a:rPr lang="en-US" sz="4800" dirty="0" smtClean="0">
-                <a:solidFill>
-                  <a:srgbClr val="0033CC"/>
-                </a:solidFill>
-                <a:latin typeface="Comic Sans MS" pitchFamily="66" charset="0"/>
-              </a:rPr>
-              <a:t>m</a:t>
-            </a:r>
-            <a:r>
-              <a:rPr lang="en-US" sz="4800" dirty="0" smtClean="0">
-                <a:latin typeface="Comic Sans MS" pitchFamily="66" charset="0"/>
-              </a:rPr>
-              <a:t>/</a:t>
-            </a:r>
-            <a:r>
-              <a:rPr lang="en-US" sz="4800" dirty="0" smtClean="0">
-                <a:solidFill>
-                  <a:srgbClr val="FF33CC"/>
-                </a:solidFill>
-                <a:latin typeface="Comic Sans MS" pitchFamily="66" charset="0"/>
-              </a:rPr>
-              <a:t>c</a:t>
-            </a:r>
-            <a:r>
-              <a:rPr lang="en-US" sz="4800" dirty="0" smtClean="0">
-                <a:latin typeface="Comic Sans MS" pitchFamily="66" charset="0"/>
-              </a:rPr>
-              <a:t> </a:t>
-            </a:r>
-            <a:r>
-              <a:rPr lang="en-US" sz="4800" b="1" dirty="0" smtClean="0">
-                <a:latin typeface="Times" pitchFamily="18" charset="0"/>
-              </a:rPr>
-              <a:t>&lt;</a:t>
-            </a:r>
-            <a:r>
-              <a:rPr lang="en-US" sz="4800" dirty="0" smtClean="0">
-                <a:latin typeface="Comic Sans MS" pitchFamily="66" charset="0"/>
-              </a:rPr>
-              <a:t> </a:t>
-            </a:r>
-            <a:r>
-              <a:rPr lang="en-US" sz="4800" dirty="0" smtClean="0">
-                <a:solidFill>
-                  <a:srgbClr val="0033CC"/>
-                </a:solidFill>
-                <a:latin typeface="Comic Sans MS" pitchFamily="66" charset="0"/>
-              </a:rPr>
-              <a:t>m</a:t>
-            </a:r>
-            <a:endParaRPr lang="en-US" sz="4800" dirty="0" smtClean="0">
-              <a:latin typeface="Comic Sans MS" pitchFamily="66" charset="0"/>
-            </a:endParaRPr>
-          </a:p>
-        </p:txBody>
-      </p:sp>
-      <p:sp>
-        <p:nvSpPr>
-          <p:cNvPr id="14" name="Oval 13"/>
-          <p:cNvSpPr/>
-          <p:nvPr/>
-        </p:nvSpPr>
-        <p:spPr>
-          <a:xfrm>
-            <a:off x="3733800" y="1143000"/>
-            <a:ext cx="3733800" cy="1676400"/>
-          </a:xfrm>
-          <a:prstGeom prst="ellipse">
-            <a:avLst/>
-          </a:prstGeom>
-          <a:noFill/>
-          <a:ln w="34925">
-            <a:solidFill>
-              <a:srgbClr val="FF0000"/>
-            </a:solidFill>
-            <a:prstDash val="sysDash"/>
-          </a:ln>
-        </p:spPr>
-        <p:style>
-          <a:lnRef idx="2">
-            <a:schemeClr val="accent1">
-              <a:shade val="50000"/>
-            </a:schemeClr>
-          </a:lnRef>
-          <a:fillRef idx="1">
-            <a:schemeClr val="accent1"/>
-          </a:fillRef>
-          <a:effectRef idx="0">
-            <a:schemeClr val="accent1"/>
-          </a:effectRef>
-          <a:fontRef idx="minor">
-            <a:schemeClr val="lt1"/>
-          </a:fontRef>
-        </p:style>
-        <p:txBody>
-          <a:bodyPr rtlCol="0" anchor="ctr"/>
-          <a:lstStyle/>
-          <a:p>
-            <a:pPr algn="ctr"/>
-            <a:endParaRPr lang="en-US"/>
-          </a:p>
-        </p:txBody>
-      </p:sp>
-      <p:sp>
-        <p:nvSpPr>
-          <p:cNvPr id="15" name="Oval 14"/>
-          <p:cNvSpPr/>
-          <p:nvPr/>
-        </p:nvSpPr>
-        <p:spPr>
-          <a:xfrm>
-            <a:off x="4800600" y="4724400"/>
-            <a:ext cx="4114800" cy="1676400"/>
-          </a:xfrm>
-          <a:prstGeom prst="ellipse">
-            <a:avLst/>
-          </a:prstGeom>
-          <a:noFill/>
-          <a:ln w="34925">
-            <a:solidFill>
-              <a:srgbClr val="FF0000"/>
-            </a:solidFill>
-            <a:prstDash val="sysDash"/>
-          </a:ln>
-        </p:spPr>
-        <p:style>
-          <a:lnRef idx="2">
-            <a:schemeClr val="accent1">
-              <a:shade val="50000"/>
-            </a:schemeClr>
-          </a:lnRef>
-          <a:fillRef idx="1">
-            <a:schemeClr val="accent1"/>
-          </a:fillRef>
-          <a:effectRef idx="0">
-            <a:schemeClr val="accent1"/>
-          </a:effectRef>
-          <a:fontRef idx="minor">
-            <a:schemeClr val="lt1"/>
-          </a:fontRef>
-        </p:style>
-        <p:txBody>
-          <a:bodyPr rtlCol="0" anchor="ctr"/>
-          <a:lstStyle/>
-          <a:p>
-            <a:pPr algn="ctr"/>
-            <a:endParaRPr lang="en-US"/>
-          </a:p>
-        </p:txBody>
-      </p:sp>
-    </p:spTree>
-  </p:cSld>
-  <p:clrMapOvr>
-    <a:masterClrMapping/>
-  </p:clrMapOvr>
-  <p:transition xmlns:p14="http://schemas.microsoft.com/office/powerpoint/2010/main"/>
-  <p:timing>
-    <p:tnLst>
-      <p:par>
-        <p:cTn xmlns:p14="http://schemas.microsoft.com/office/powerpoint/2010/main" id="1" dur="indefinite" restart="never" nodeType="tmRoot">
-          <p:childTnLst>
-            <p:seq concurrent="1" nextAc="seek">
-              <p:cTn id="2" dur="indefinite" nodeType="mainSeq">
-                <p:childTnLst>
-                  <p:par>
-                    <p:cTn id="3" fill="hold">
-                      <p:stCondLst>
-                        <p:cond delay="indefinite"/>
-                      </p:stCondLst>
-                      <p:childTnLst>
-                        <p:par>
-                          <p:cTn id="4" fill="hold">
-                            <p:stCondLst>
-                              <p:cond delay="0"/>
-                            </p:stCondLst>
-                            <p:childTnLst>
-                              <p:par>
-                                <p:cTn id="5" presetID="1" presetClass="entr" presetSubtype="0" fill="hold" nodeType="clickEffect">
-                                  <p:stCondLst>
-                                    <p:cond delay="0"/>
-                                  </p:stCondLst>
-                                  <p:childTnLst>
-                                    <p:set>
-                                      <p:cBhvr>
-                                        <p:cTn id="6" dur="1" fill="hold">
-                                          <p:stCondLst>
-                                            <p:cond delay="0"/>
-                                          </p:stCondLst>
-                                        </p:cTn>
-                                        <p:tgtEl>
-                                          <p:spTgt spid="16"/>
-                                        </p:tgtEl>
-                                        <p:attrNameLst>
-                                          <p:attrName>style.visibility</p:attrName>
-                                        </p:attrNameLst>
-                                      </p:cBhvr>
-                                      <p:to>
-                                        <p:strVal val="visible"/>
-                                      </p:to>
-                                    </p:set>
-                                  </p:childTnLst>
-                                </p:cTn>
-                              </p:par>
-                            </p:childTnLst>
-                          </p:cTn>
-                        </p:par>
-                      </p:childTnLst>
-                    </p:cTn>
-                  </p:par>
-                  <p:par>
-                    <p:cTn id="7" fill="hold">
-                      <p:stCondLst>
-                        <p:cond delay="indefinite"/>
-                      </p:stCondLst>
-                      <p:childTnLst>
-                        <p:par>
-                          <p:cTn id="8" fill="hold">
-                            <p:stCondLst>
-                              <p:cond delay="0"/>
-                            </p:stCondLst>
-                            <p:childTnLst>
-                              <p:par>
-                                <p:cTn id="9" presetID="1" presetClass="entr" presetSubtype="0" fill="hold" nodeType="clickEffect">
-                                  <p:stCondLst>
-                                    <p:cond delay="0"/>
-                                  </p:stCondLst>
-                                  <p:childTnLst>
-                                    <p:set>
-                                      <p:cBhvr>
-                                        <p:cTn id="10" dur="1" fill="hold">
-                                          <p:stCondLst>
-                                            <p:cond delay="0"/>
-                                          </p:stCondLst>
-                                        </p:cTn>
-                                        <p:tgtEl>
-                                          <p:spTgt spid="353288"/>
-                                        </p:tgtEl>
-                                        <p:attrNameLst>
-                                          <p:attrName>style.visibility</p:attrName>
-                                        </p:attrNameLst>
-                                      </p:cBhvr>
-                                      <p:to>
-                                        <p:strVal val="visible"/>
-                                      </p:to>
-                                    </p:set>
-                                  </p:childTnLst>
-                                </p:cTn>
-                              </p:par>
-                            </p:childTnLst>
-                          </p:cTn>
-                        </p:par>
-                      </p:childTnLst>
-                    </p:cTn>
-                  </p:par>
-                  <p:par>
-                    <p:cTn id="11" fill="hold">
-                      <p:stCondLst>
-                        <p:cond delay="indefinite"/>
-                      </p:stCondLst>
-                      <p:childTnLst>
-                        <p:par>
-                          <p:cTn id="12" fill="hold">
-                            <p:stCondLst>
-                              <p:cond delay="0"/>
-                            </p:stCondLst>
-                            <p:childTnLst>
-                              <p:par>
-                                <p:cTn id="13" presetID="1" presetClass="entr" presetSubtype="0" fill="hold" grpId="0" nodeType="clickEffect">
-                                  <p:stCondLst>
-                                    <p:cond delay="0"/>
-                                  </p:stCondLst>
-                                  <p:childTnLst>
-                                    <p:set>
-                                      <p:cBhvr>
-                                        <p:cTn id="14" dur="1" fill="hold">
-                                          <p:stCondLst>
-                                            <p:cond delay="0"/>
-                                          </p:stCondLst>
-                                        </p:cTn>
-                                        <p:tgtEl>
-                                          <p:spTgt spid="13"/>
-                                        </p:tgtEl>
-                                        <p:attrNameLst>
-                                          <p:attrName>style.visibility</p:attrName>
-                                        </p:attrNameLst>
-                                      </p:cBhvr>
-                                      <p:to>
-                                        <p:strVal val="visible"/>
-                                      </p:to>
-                                    </p:set>
-                                  </p:childTnLst>
-                                </p:cTn>
-                              </p:par>
-                            </p:childTnLst>
-                          </p:cTn>
-                        </p:par>
-                      </p:childTnLst>
-                    </p:cTn>
-                  </p:par>
-                  <p:par>
-                    <p:cTn id="15" fill="hold">
-                      <p:stCondLst>
-                        <p:cond delay="indefinite"/>
-                      </p:stCondLst>
-                      <p:childTnLst>
-                        <p:par>
-                          <p:cTn id="16" fill="hold">
-                            <p:stCondLst>
-                              <p:cond delay="0"/>
-                            </p:stCondLst>
-                            <p:childTnLst>
-                              <p:par>
-                                <p:cTn id="17" presetID="9" presetClass="entr" presetSubtype="0" fill="hold" grpId="0" nodeType="clickEffect">
-                                  <p:stCondLst>
-                                    <p:cond delay="0"/>
-                                  </p:stCondLst>
-                                  <p:childTnLst>
-                                    <p:set>
-                                      <p:cBhvr>
-                                        <p:cTn id="18" dur="1" fill="hold">
-                                          <p:stCondLst>
-                                            <p:cond delay="0"/>
-                                          </p:stCondLst>
-                                        </p:cTn>
-                                        <p:tgtEl>
-                                          <p:spTgt spid="14"/>
-                                        </p:tgtEl>
-                                        <p:attrNameLst>
-                                          <p:attrName>style.visibility</p:attrName>
-                                        </p:attrNameLst>
-                                      </p:cBhvr>
-                                      <p:to>
-                                        <p:strVal val="visible"/>
-                                      </p:to>
-                                    </p:set>
-                                    <p:animEffect transition="in" filter="dissolve">
-                                      <p:cBhvr>
-                                        <p:cTn id="19" dur="500"/>
-                                        <p:tgtEl>
-                                          <p:spTgt spid="14"/>
-                                        </p:tgtEl>
-                                      </p:cBhvr>
-                                    </p:animEffect>
-                                  </p:childTnLst>
-                                </p:cTn>
-                              </p:par>
-                              <p:par>
-                                <p:cTn id="20" presetID="9" presetClass="entr" presetSubtype="0" fill="hold" grpId="0" nodeType="withEffect">
-                                  <p:stCondLst>
-                                    <p:cond delay="0"/>
-                                  </p:stCondLst>
-                                  <p:childTnLst>
-                                    <p:set>
-                                      <p:cBhvr>
-                                        <p:cTn id="21" dur="1" fill="hold">
-                                          <p:stCondLst>
-                                            <p:cond delay="0"/>
-                                          </p:stCondLst>
-                                        </p:cTn>
-                                        <p:tgtEl>
-                                          <p:spTgt spid="15"/>
-                                        </p:tgtEl>
-                                        <p:attrNameLst>
-                                          <p:attrName>style.visibility</p:attrName>
-                                        </p:attrNameLst>
-                                      </p:cBhvr>
-                                      <p:to>
-                                        <p:strVal val="visible"/>
-                                      </p:to>
-                                    </p:set>
-                                    <p:animEffect transition="in" filter="dissolve">
-                                      <p:cBhvr>
-                                        <p:cTn id="22" dur="500"/>
-                                        <p:tgtEl>
-                                          <p:spTgt spid="15"/>
-                                        </p:tgtEl>
-                                      </p:cBhvr>
-                                    </p:animEffect>
-                                  </p:childTnLst>
-                                </p:cTn>
-                              </p:par>
-                            </p:childTnLst>
-                          </p:cTn>
-                        </p:par>
-                      </p:childTnLst>
-                    </p:cTn>
-                  </p:par>
-                </p:childTnLst>
-              </p:cTn>
-              <p:prevCondLst>
-                <p:cond evt="onPrev" delay="0">
-                  <p:tgtEl>
-                    <p:sldTgt/>
-                  </p:tgtEl>
-                </p:cond>
-              </p:prevCondLst>
-              <p:nextCondLst>
-                <p:cond evt="onNext" delay="0">
-                  <p:tgtEl>
-                    <p:sldTgt/>
-                  </p:tgtEl>
-                </p:cond>
-              </p:nextCondLst>
-            </p:seq>
-          </p:childTnLst>
-        </p:cTn>
-      </p:par>
-    </p:tnLst>
-    <p:bldLst>
-      <p:bldP spid="13" grpId="0"/>
-      <p:bldP spid="14" grpId="0" animBg="1"/>
-      <p:bldP spid="15" grpId="0" animBg="1"/>
-    </p:bldLst>
-  </p:timing>
-</p:sld>
-</file>
-
-<file path=ppt/slides/slide7.xml><?xml version="1.0" encoding="utf-8"?>
-<p:sld xmlns:a="http://schemas.openxmlformats.org/drawingml/2006/main" xmlns:r="http://schemas.openxmlformats.org/officeDocument/2006/relationships" xmlns:p="http://schemas.openxmlformats.org/presentationml/2006/main" show="0">
-  <p:cSld>
-    <p:spTree>
-      <p:nvGrpSpPr>
-        <p:cNvPr id="1" name=""/>
-        <p:cNvGrpSpPr/>
-        <p:nvPr/>
-      </p:nvGrpSpPr>
-      <p:grpSpPr>
-        <a:xfrm>
-          <a:off x="0" y="0"/>
-          <a:ext cx="0" cy="0"/>
-          <a:chOff x="0" y="0"/>
-          <a:chExt cx="0" cy="0"/>
-        </a:xfrm>
-      </p:grpSpPr>
-      <p:sp>
-        <p:nvSpPr>
-          <p:cNvPr id="10245" name="Rectangle 2"/>
-          <p:cNvSpPr>
-            <a:spLocks noGrp="1" noChangeArrowheads="1"/>
-          </p:cNvSpPr>
-          <p:nvPr>
-            <p:ph type="title"/>
-          </p:nvPr>
-        </p:nvSpPr>
-        <p:spPr/>
-        <p:txBody>
-          <a:bodyPr/>
-          <a:lstStyle/>
-          <a:p>
-            <a:pPr eaLnBrk="1" hangingPunct="1"/>
-            <a:r>
-              <a:rPr lang="en-US" sz="3600" smtClean="0"/>
-              <a:t>Proof using Well Ordering</a:t>
-            </a:r>
-          </a:p>
-        </p:txBody>
-      </p:sp>
-      <p:sp>
-        <p:nvSpPr>
-          <p:cNvPr id="16" name="TextBox 15"/>
-          <p:cNvSpPr txBox="1"/>
-          <p:nvPr/>
-        </p:nvSpPr>
-        <p:spPr>
-          <a:xfrm>
-            <a:off x="304800" y="4038600"/>
-            <a:ext cx="8305800" cy="1981200"/>
-          </a:xfrm>
-          <a:prstGeom prst="rect">
-            <a:avLst/>
-          </a:prstGeom>
-          <a:noFill/>
-        </p:spPr>
-        <p:txBody>
-          <a:bodyPr wrap="none" rtlCol="0">
-            <a:noAutofit/>
-          </a:bodyPr>
-          <a:lstStyle/>
-          <a:p>
-            <a:r>
-              <a:rPr lang="en-US" sz="4800" dirty="0" smtClean="0">
-                <a:latin typeface="Comic Sans MS" pitchFamily="66" charset="0"/>
-              </a:rPr>
-              <a:t>This </a:t>
-            </a:r>
-            <a:r>
-              <a:rPr lang="en-US" sz="4800" dirty="0" smtClean="0">
-                <a:solidFill>
-                  <a:srgbClr val="C00000"/>
-                </a:solidFill>
-                <a:latin typeface="Comic Sans MS" pitchFamily="66" charset="0"/>
-              </a:rPr>
-              <a:t>contradiction</a:t>
-            </a:r>
-            <a:r>
-              <a:rPr lang="en-US" sz="4800" dirty="0" smtClean="0">
-                <a:latin typeface="Comic Sans MS" pitchFamily="66" charset="0"/>
-              </a:rPr>
-              <a:t> implies</a:t>
-            </a:r>
-          </a:p>
-          <a:p>
-            <a:r>
-              <a:rPr lang="en-US" sz="4800" dirty="0" smtClean="0">
-                <a:solidFill>
-                  <a:srgbClr val="0033CC"/>
-                </a:solidFill>
-                <a:latin typeface="Comic Sans MS" pitchFamily="66" charset="0"/>
-              </a:rPr>
-              <a:t>m</a:t>
-            </a:r>
-            <a:r>
-              <a:rPr lang="en-US" sz="4800" dirty="0" smtClean="0">
-                <a:latin typeface="Comic Sans MS" pitchFamily="66" charset="0"/>
-              </a:rPr>
-              <a:t>, </a:t>
-            </a:r>
-            <a:r>
-              <a:rPr lang="en-US" sz="4800" dirty="0" smtClean="0">
-                <a:solidFill>
-                  <a:srgbClr val="0033CC"/>
-                </a:solidFill>
-                <a:latin typeface="Comic Sans MS" pitchFamily="66" charset="0"/>
-              </a:rPr>
-              <a:t>n</a:t>
-            </a:r>
-            <a:r>
-              <a:rPr lang="en-US" sz="4800" dirty="0" smtClean="0">
-                <a:latin typeface="Comic Sans MS" pitchFamily="66" charset="0"/>
-              </a:rPr>
-              <a:t> have no common factors.</a:t>
-            </a:r>
-          </a:p>
-          <a:p>
-            <a:endParaRPr lang="en-US" sz="4800" dirty="0" smtClean="0">
-              <a:latin typeface="Comic Sans MS" pitchFamily="66" charset="0"/>
-            </a:endParaRPr>
-          </a:p>
-        </p:txBody>
-      </p:sp>
-      <p:graphicFrame>
-        <p:nvGraphicFramePr>
-          <p:cNvPr id="8" name="Object 10"/>
-          <p:cNvGraphicFramePr>
-            <a:graphicFrameLocks noChangeAspect="1"/>
-          </p:cNvGraphicFramePr>
-          <p:nvPr/>
-        </p:nvGraphicFramePr>
-        <p:xfrm>
-          <a:off x="561975" y="2124075"/>
-          <a:ext cx="2686050" cy="1892300"/>
-        </p:xfrm>
-        <a:graphic>
-          <a:graphicData uri="http://schemas.openxmlformats.org/presentationml/2006/ole">
-            <mc:AlternateContent xmlns:mc="http://schemas.openxmlformats.org/markup-compatibility/2006">
-              <mc:Choice xmlns:v="urn:schemas-microsoft-com:vml" Requires="v">
-                <p:oleObj spid="_x0000_s4102" name="Equation" r:id="rId4" imgW="596880" imgH="419040" progId="Equation.DSMT4">
-                  <p:embed/>
-                </p:oleObj>
-              </mc:Choice>
-              <mc:Fallback>
-                <p:oleObj name="Equation" r:id="rId4" imgW="596880" imgH="419040" progId="Equation.DSMT4">
-                  <p:embed/>
-                  <p:pic>
-                    <p:nvPicPr>
-                      <p:cNvPr id="0" name="Object 10"/>
-                      <p:cNvPicPr>
-                        <a:picLocks noChangeAspect="1" noChangeArrowheads="1"/>
-                      </p:cNvPicPr>
-                      <p:nvPr/>
-                    </p:nvPicPr>
-                    <p:blipFill>
-                      <a:blip r:embed="rId5">
-                        <a:extLst>
-                          <a:ext uri="{28A0092B-C50C-407E-A947-70E740481C1C}">
-                            <a14:useLocalDpi xmlns:a14="http://schemas.microsoft.com/office/drawing/2010/main" val="0"/>
-                          </a:ext>
-                        </a:extLst>
-                      </a:blip>
-                      <a:srcRect/>
-                      <a:stretch>
-                        <a:fillRect/>
-                      </a:stretch>
-                    </p:blipFill>
-                    <p:spPr bwMode="auto">
-                      <a:xfrm>
-                        <a:off x="561975" y="2124075"/>
-                        <a:ext cx="2686050" cy="1892300"/>
-                      </a:xfrm>
-                      <a:prstGeom prst="rect">
-                        <a:avLst/>
-                      </a:prstGeom>
-                      <a:noFill/>
-                      <a:extLst>
-                        <a:ext uri="{909E8E84-426E-40dd-AFC4-6F175D3DCCD1}">
-                          <a14:hiddenFill xmlns:a14="http://schemas.microsoft.com/office/drawing/2010/main">
-                            <a:solidFill>
-                              <a:srgbClr val="FFFFFF"/>
-                            </a:solidFill>
-                          </a14:hiddenFill>
-                        </a:ext>
-                      </a:extLst>
-                    </p:spPr>
-                  </p:pic>
-                </p:oleObj>
-              </mc:Fallback>
-            </mc:AlternateContent>
-          </a:graphicData>
-        </a:graphic>
-      </p:graphicFrame>
-      <p:sp>
-        <p:nvSpPr>
-          <p:cNvPr id="9" name="Text Box 9"/>
-          <p:cNvSpPr txBox="1">
-            <a:spLocks noChangeArrowheads="1"/>
-          </p:cNvSpPr>
-          <p:nvPr/>
-        </p:nvSpPr>
-        <p:spPr bwMode="auto">
-          <a:xfrm>
-            <a:off x="685800" y="1531203"/>
-            <a:ext cx="7645042" cy="830997"/>
-          </a:xfrm>
-          <a:prstGeom prst="rect">
-            <a:avLst/>
-          </a:prstGeom>
-          <a:noFill/>
-          <a:ln w="9525">
-            <a:noFill/>
-            <a:miter lim="800000"/>
-            <a:headEnd/>
-            <a:tailEnd type="none" w="lg" len="lg"/>
-          </a:ln>
-        </p:spPr>
-        <p:txBody>
-          <a:bodyPr wrap="none">
-            <a:spAutoFit/>
-          </a:bodyPr>
-          <a:lstStyle/>
-          <a:p>
-            <a:r>
-              <a:rPr lang="en-US" sz="4800" dirty="0" smtClean="0">
-                <a:latin typeface="Comic Sans MS" pitchFamily="66" charset="0"/>
-              </a:rPr>
-              <a:t>WOP</a:t>
-            </a:r>
-            <a:r>
-              <a:rPr lang="en-US" sz="4800" dirty="0">
-                <a:latin typeface="Comic Sans MS" pitchFamily="66" charset="0"/>
-              </a:rPr>
-              <a:t>:</a:t>
-            </a:r>
-            <a:r>
-              <a:rPr lang="en-US" sz="4800" dirty="0" smtClean="0">
-                <a:latin typeface="Comic Sans MS" pitchFamily="66" charset="0"/>
-              </a:rPr>
-              <a:t> </a:t>
-            </a:r>
-            <a:r>
-              <a:rPr lang="en-US" sz="4800" dirty="0" smtClean="0">
-                <a:latin typeface="Comic Sans MS" pitchFamily="66" charset="0"/>
-                <a:sym typeface="Euclid Symbol" pitchFamily="18" charset="2"/>
-              </a:rPr>
-              <a:t>find </a:t>
-            </a:r>
-            <a:r>
-              <a:rPr lang="en-US" sz="4800" i="1" dirty="0" smtClean="0">
-                <a:latin typeface="Comic Sans MS" pitchFamily="66" charset="0"/>
-                <a:sym typeface="Euclid Symbol" pitchFamily="18" charset="2"/>
-              </a:rPr>
-              <a:t>smallest </a:t>
-            </a:r>
-            <a:r>
-              <a:rPr lang="en-US" sz="4800" dirty="0" smtClean="0">
-                <a:latin typeface="Comic Sans MS" pitchFamily="66" charset="0"/>
-              </a:rPr>
-              <a:t> </a:t>
-            </a:r>
-            <a:r>
-              <a:rPr lang="en-US" sz="4800" dirty="0" smtClean="0">
-                <a:solidFill>
-                  <a:srgbClr val="0033CC"/>
-                </a:solidFill>
-                <a:latin typeface="Comic Sans MS" pitchFamily="66" charset="0"/>
-              </a:rPr>
-              <a:t>m</a:t>
-            </a:r>
-            <a:r>
-              <a:rPr lang="en-US" sz="4800" dirty="0" smtClean="0">
-                <a:latin typeface="Comic Sans MS" pitchFamily="66" charset="0"/>
-              </a:rPr>
-              <a:t> </a:t>
-            </a:r>
-            <a:r>
-              <a:rPr lang="en-US" sz="4800" dirty="0" err="1">
-                <a:latin typeface="Comic Sans MS" pitchFamily="66" charset="0"/>
-              </a:rPr>
-              <a:t>s.t</a:t>
-            </a:r>
-            <a:r>
-              <a:rPr lang="en-US" sz="4800" dirty="0">
-                <a:latin typeface="Comic Sans MS" pitchFamily="66" charset="0"/>
-              </a:rPr>
-              <a:t>.</a:t>
-            </a:r>
-          </a:p>
-        </p:txBody>
-      </p:sp>
-    </p:spTree>
-  </p:cSld>
-  <p:clrMapOvr>
-    <a:masterClrMapping/>
-  </p:clrMapOvr>
-  <p:transition xmlns:p14="http://schemas.microsoft.com/office/powerpoint/2010/main" spd="med">
-    <p:fade/>
-  </p:transition>
-  <p:timing>
-    <p:tnLst>
-      <p:par>
-        <p:cTn xmlns:p14="http://schemas.microsoft.com/office/powerpoint/2010/main" id="1" dur="indefinite" restart="never" nodeType="tmRoot"/>
-      </p:par>
-    </p:tnLst>
-  </p:timing>
-</p:sld>
-</file>
-
-<file path=ppt/slides/slide8.xml><?xml version="1.0" encoding="utf-8"?>
+<file path=ppt/slides/slide9.xml><?xml version="1.0" encoding="utf-8"?>
 <p:sld xmlns:a="http://schemas.openxmlformats.org/drawingml/2006/main" xmlns:r="http://schemas.openxmlformats.org/officeDocument/2006/relationships" xmlns:p="http://schemas.openxmlformats.org/presentationml/2006/main" show="0">
   <p:cSld>
     <p:spTree>
@@ -17656,607 +18397,6 @@
       <p:bldP spid="258054" grpId="0"/>
       <p:bldP spid="8" grpId="0"/>
     </p:bldLst>
-  </p:timing>
-</p:sld>
-</file>
-
-<file path=ppt/slides/slide9.xml><?xml version="1.0" encoding="utf-8"?>
-<p:sld xmlns:a="http://schemas.openxmlformats.org/drawingml/2006/main" xmlns:r="http://schemas.openxmlformats.org/officeDocument/2006/relationships" xmlns:p="http://schemas.openxmlformats.org/presentationml/2006/main" show="0">
-  <p:cSld>
-    <p:spTree>
-      <p:nvGrpSpPr>
-        <p:cNvPr id="1" name=""/>
-        <p:cNvGrpSpPr/>
-        <p:nvPr/>
-      </p:nvGrpSpPr>
-      <p:grpSpPr>
-        <a:xfrm>
-          <a:off x="0" y="0"/>
-          <a:ext cx="0" cy="0"/>
-          <a:chOff x="0" y="0"/>
-          <a:chExt cx="0" cy="0"/>
-        </a:xfrm>
-      </p:grpSpPr>
-      <p:sp>
-        <p:nvSpPr>
-          <p:cNvPr id="6" name="TextBox 5"/>
-          <p:cNvSpPr txBox="1"/>
-          <p:nvPr/>
-        </p:nvSpPr>
-        <p:spPr>
-          <a:xfrm>
-            <a:off x="228600" y="3810000"/>
-            <a:ext cx="8686800" cy="2362200"/>
-          </a:xfrm>
-          <a:prstGeom prst="rect">
-            <a:avLst/>
-          </a:prstGeom>
-          <a:noFill/>
-        </p:spPr>
-        <p:txBody>
-          <a:bodyPr wrap="none" rtlCol="0">
-            <a:noAutofit/>
-          </a:bodyPr>
-          <a:lstStyle/>
-          <a:p>
-            <a:pPr>
-              <a:lnSpc>
-                <a:spcPct val="110000"/>
-              </a:lnSpc>
-            </a:pPr>
-            <a:r>
-              <a:rPr lang="en-US" sz="4400" dirty="0" smtClean="0">
-                <a:latin typeface="Comic Sans MS" pitchFamily="66" charset="0"/>
-              </a:rPr>
-              <a:t>          </a:t>
-            </a:r>
-            <a:r>
-              <a:rPr lang="en-US" sz="4400" dirty="0" smtClean="0">
-                <a:solidFill>
-                  <a:srgbClr val="028822"/>
-                </a:solidFill>
-                <a:latin typeface="Comic Sans MS" pitchFamily="66" charset="0"/>
-              </a:rPr>
-              <a:t>   </a:t>
-            </a:r>
-            <a:r>
-              <a:rPr lang="en-US" sz="4400" dirty="0" smtClean="0">
-                <a:latin typeface="Comic Sans MS" pitchFamily="66" charset="0"/>
-              </a:rPr>
-              <a:t>                 Now </a:t>
-            </a:r>
-            <a:r>
-              <a:rPr lang="en-US" sz="4400" dirty="0" smtClean="0">
-                <a:solidFill>
-                  <a:srgbClr val="0000FF"/>
-                </a:solidFill>
-                <a:latin typeface="Comic Sans MS" pitchFamily="66" charset="0"/>
-              </a:rPr>
-              <a:t> </a:t>
-            </a:r>
-            <a:r>
-              <a:rPr lang="en-US" sz="4400" dirty="0" err="1" smtClean="0">
-                <a:solidFill>
-                  <a:srgbClr val="0000FF"/>
-                </a:solidFill>
-                <a:latin typeface="Comic Sans MS" pitchFamily="66" charset="0"/>
-              </a:rPr>
-              <a:t>j,</a:t>
-            </a:r>
-            <a:r>
-              <a:rPr lang="en-US" sz="4400" dirty="0" err="1" smtClean="0">
-                <a:solidFill>
-                  <a:srgbClr val="0033CC"/>
-                </a:solidFill>
-                <a:latin typeface="Comic Sans MS" pitchFamily="66" charset="0"/>
-              </a:rPr>
-              <a:t>k</a:t>
-            </a:r>
-            <a:r>
-              <a:rPr lang="en-US" sz="4400" dirty="0" smtClean="0">
-                <a:latin typeface="Comic Sans MS" pitchFamily="66" charset="0"/>
-              </a:rPr>
-              <a:t> </a:t>
-            </a:r>
-            <a:r>
-              <a:rPr lang="en-US" sz="4400" b="1" dirty="0" smtClean="0">
-                <a:latin typeface="Times"/>
-              </a:rPr>
-              <a:t>&lt;</a:t>
-            </a:r>
-            <a:r>
-              <a:rPr lang="en-US" sz="4400" dirty="0" smtClean="0">
-                <a:solidFill>
-                  <a:srgbClr val="0033CC"/>
-                </a:solidFill>
-                <a:latin typeface="Comic Sans MS" pitchFamily="66" charset="0"/>
-              </a:rPr>
-              <a:t> </a:t>
-            </a:r>
-            <a:r>
-              <a:rPr lang="en-US" sz="4400" dirty="0" smtClean="0">
-                <a:solidFill>
-                  <a:srgbClr val="028822"/>
-                </a:solidFill>
-                <a:latin typeface="Comic Sans MS" pitchFamily="66" charset="0"/>
-              </a:rPr>
-              <a:t>m</a:t>
-            </a:r>
-          </a:p>
-          <a:p>
-            <a:pPr>
-              <a:lnSpc>
-                <a:spcPct val="110000"/>
-              </a:lnSpc>
-            </a:pPr>
-            <a:r>
-              <a:rPr lang="en-US" sz="4400" dirty="0" smtClean="0">
-                <a:latin typeface="Comic Sans MS" pitchFamily="66" charset="0"/>
-              </a:rPr>
-              <a:t>so both are prime products:</a:t>
-            </a:r>
-          </a:p>
-          <a:p>
-            <a:pPr algn="ctr">
-              <a:lnSpc>
-                <a:spcPct val="110000"/>
-              </a:lnSpc>
-            </a:pPr>
-            <a:r>
-              <a:rPr lang="en-US" sz="4800" dirty="0" smtClean="0">
-                <a:solidFill>
-                  <a:srgbClr val="0033CC"/>
-                </a:solidFill>
-                <a:latin typeface="Comic Sans MS" pitchFamily="66" charset="0"/>
-              </a:rPr>
-              <a:t>j</a:t>
-            </a:r>
-            <a:r>
-              <a:rPr lang="en-US" sz="4800" dirty="0" smtClean="0">
-                <a:latin typeface="Comic Sans MS" pitchFamily="66" charset="0"/>
-              </a:rPr>
-              <a:t> = </a:t>
-            </a:r>
-            <a:r>
-              <a:rPr lang="en-US" sz="4800" dirty="0" smtClean="0">
-                <a:solidFill>
-                  <a:srgbClr val="0033CC"/>
-                </a:solidFill>
-                <a:latin typeface="Comic Sans MS" pitchFamily="66" charset="0"/>
-              </a:rPr>
-              <a:t>p</a:t>
-            </a:r>
-            <a:r>
-              <a:rPr lang="en-US" sz="4800" baseline="-25000" dirty="0" smtClean="0">
-                <a:solidFill>
-                  <a:srgbClr val="0033CC"/>
-                </a:solidFill>
-                <a:latin typeface="Comic Sans MS" pitchFamily="66" charset="0"/>
-              </a:rPr>
-              <a:t>1</a:t>
-            </a:r>
-            <a:r>
-              <a:rPr lang="en-US" sz="4800" dirty="0" smtClean="0">
-                <a:solidFill>
-                  <a:srgbClr val="0033CC"/>
-                </a:solidFill>
-                <a:latin typeface="Comic Sans MS" pitchFamily="66" charset="0"/>
-              </a:rPr>
-              <a:t>·p</a:t>
-            </a:r>
-            <a:r>
-              <a:rPr lang="en-US" sz="4800" baseline="-25000" dirty="0" smtClean="0">
-                <a:solidFill>
-                  <a:srgbClr val="0033CC"/>
-                </a:solidFill>
-                <a:latin typeface="Comic Sans MS" pitchFamily="66" charset="0"/>
-              </a:rPr>
-              <a:t>2</a:t>
-            </a:r>
-            <a:r>
-              <a:rPr lang="en-US" sz="4800" dirty="0" smtClean="0">
-                <a:solidFill>
-                  <a:srgbClr val="0033CC"/>
-                </a:solidFill>
-                <a:latin typeface="Comic Sans MS" pitchFamily="66" charset="0"/>
-              </a:rPr>
-              <a:t>··· p</a:t>
-            </a:r>
-            <a:r>
-              <a:rPr lang="en-US" sz="4800" baseline="-25000" dirty="0" smtClean="0">
-                <a:solidFill>
-                  <a:srgbClr val="0033CC"/>
-                </a:solidFill>
-                <a:latin typeface="Comic Sans MS" pitchFamily="66" charset="0"/>
-              </a:rPr>
-              <a:t>94</a:t>
-            </a:r>
-            <a:r>
-              <a:rPr lang="en-US" sz="4800" dirty="0" smtClean="0">
-                <a:solidFill>
-                  <a:srgbClr val="0033CC"/>
-                </a:solidFill>
-                <a:latin typeface="Comic Sans MS" pitchFamily="66" charset="0"/>
-              </a:rPr>
-              <a:t>   k</a:t>
-            </a:r>
-            <a:r>
-              <a:rPr lang="en-US" sz="4800" dirty="0" smtClean="0">
-                <a:latin typeface="Comic Sans MS" pitchFamily="66" charset="0"/>
-              </a:rPr>
-              <a:t> = </a:t>
-            </a:r>
-            <a:r>
-              <a:rPr lang="en-US" sz="4800" dirty="0" smtClean="0">
-                <a:solidFill>
-                  <a:srgbClr val="0033CC"/>
-                </a:solidFill>
-                <a:latin typeface="Comic Sans MS" pitchFamily="66" charset="0"/>
-              </a:rPr>
-              <a:t>q</a:t>
-            </a:r>
-            <a:r>
-              <a:rPr lang="en-US" sz="4800" baseline="-25000" dirty="0" smtClean="0">
-                <a:solidFill>
-                  <a:srgbClr val="0033CC"/>
-                </a:solidFill>
-                <a:latin typeface="Comic Sans MS" pitchFamily="66" charset="0"/>
-              </a:rPr>
-              <a:t>1</a:t>
-            </a:r>
-            <a:r>
-              <a:rPr lang="en-US" sz="4800" dirty="0" smtClean="0">
-                <a:solidFill>
-                  <a:srgbClr val="0033CC"/>
-                </a:solidFill>
-                <a:latin typeface="Comic Sans MS" pitchFamily="66" charset="0"/>
-              </a:rPr>
-              <a:t>·q</a:t>
-            </a:r>
-            <a:r>
-              <a:rPr lang="en-US" sz="4800" baseline="-25000" dirty="0" smtClean="0">
-                <a:solidFill>
-                  <a:srgbClr val="0033CC"/>
-                </a:solidFill>
-                <a:latin typeface="Comic Sans MS" pitchFamily="66" charset="0"/>
-              </a:rPr>
-              <a:t>2</a:t>
-            </a:r>
-            <a:r>
-              <a:rPr lang="en-US" sz="4800" dirty="0" smtClean="0">
-                <a:solidFill>
-                  <a:srgbClr val="0033CC"/>
-                </a:solidFill>
-                <a:latin typeface="Comic Sans MS" pitchFamily="66" charset="0"/>
-              </a:rPr>
-              <a:t>···q</a:t>
-            </a:r>
-            <a:r>
-              <a:rPr lang="en-US" sz="4800" baseline="-25000" dirty="0" smtClean="0">
-                <a:solidFill>
-                  <a:srgbClr val="0033CC"/>
-                </a:solidFill>
-                <a:latin typeface="Comic Sans MS" pitchFamily="66" charset="0"/>
-              </a:rPr>
-              <a:t>213</a:t>
-            </a:r>
-          </a:p>
-          <a:p>
-            <a:endParaRPr lang="en-US" sz="4400" dirty="0" smtClean="0">
-              <a:latin typeface="Comic Sans MS" pitchFamily="66" charset="0"/>
-            </a:endParaRPr>
-          </a:p>
-        </p:txBody>
-      </p:sp>
-      <p:sp>
-        <p:nvSpPr>
-          <p:cNvPr id="5" name="Text Box 4"/>
-          <p:cNvSpPr txBox="1">
-            <a:spLocks noChangeArrowheads="1"/>
-          </p:cNvSpPr>
-          <p:nvPr/>
-        </p:nvSpPr>
-        <p:spPr bwMode="auto">
-          <a:xfrm>
-            <a:off x="579503" y="1447800"/>
-            <a:ext cx="7864653" cy="1569660"/>
-          </a:xfrm>
-          <a:prstGeom prst="rect">
-            <a:avLst/>
-          </a:prstGeom>
-          <a:noFill/>
-          <a:ln w="9525">
-            <a:noFill/>
-            <a:miter lim="800000"/>
-            <a:headEnd/>
-            <a:tailEnd type="none" w="lg" len="lg"/>
-          </a:ln>
-        </p:spPr>
-        <p:txBody>
-          <a:bodyPr wrap="none">
-            <a:spAutoFit/>
-          </a:bodyPr>
-          <a:lstStyle/>
-          <a:p>
-            <a:r>
-              <a:rPr lang="en-US" sz="4800" i="1" dirty="0" err="1" smtClean="0">
-                <a:latin typeface="Comic Sans MS" pitchFamily="66" charset="0"/>
-              </a:rPr>
-              <a:t>Thm</a:t>
-            </a:r>
-            <a:r>
-              <a:rPr lang="en-US" sz="4800" dirty="0">
-                <a:latin typeface="Comic Sans MS" pitchFamily="66" charset="0"/>
-              </a:rPr>
-              <a:t>: Every integer </a:t>
-            </a:r>
-            <a:r>
-              <a:rPr lang="en-US" sz="4800" b="1" dirty="0">
-                <a:latin typeface="Times" pitchFamily="18" charset="0"/>
-              </a:rPr>
-              <a:t>&gt;</a:t>
-            </a:r>
-            <a:r>
-              <a:rPr lang="en-US" sz="4800" dirty="0">
-                <a:latin typeface="Comic Sans MS" pitchFamily="66" charset="0"/>
-              </a:rPr>
-              <a:t> 1 is </a:t>
-            </a:r>
-            <a:r>
-              <a:rPr lang="en-US" sz="4800" dirty="0" smtClean="0">
-                <a:latin typeface="Comic Sans MS" pitchFamily="66" charset="0"/>
-              </a:rPr>
-              <a:t>a</a:t>
-            </a:r>
-          </a:p>
-          <a:p>
-            <a:r>
-              <a:rPr lang="en-US" sz="4800" dirty="0" smtClean="0">
-                <a:latin typeface="Comic Sans MS" pitchFamily="66" charset="0"/>
-              </a:rPr>
-              <a:t>         product  of </a:t>
-            </a:r>
-            <a:r>
-              <a:rPr lang="en-US" sz="4800" dirty="0">
-                <a:latin typeface="Comic Sans MS" pitchFamily="66" charset="0"/>
-              </a:rPr>
-              <a:t>primes.</a:t>
-            </a:r>
-          </a:p>
-        </p:txBody>
-      </p:sp>
-      <p:sp>
-        <p:nvSpPr>
-          <p:cNvPr id="259076" name="Text Box 4"/>
-          <p:cNvSpPr txBox="1">
-            <a:spLocks noChangeArrowheads="1"/>
-          </p:cNvSpPr>
-          <p:nvPr/>
-        </p:nvSpPr>
-        <p:spPr bwMode="auto">
-          <a:xfrm>
-            <a:off x="304800" y="3108472"/>
-            <a:ext cx="8686800" cy="1581972"/>
-          </a:xfrm>
-          <a:prstGeom prst="rect">
-            <a:avLst/>
-          </a:prstGeom>
-          <a:noFill/>
-          <a:ln w="9525">
-            <a:noFill/>
-            <a:miter lim="800000"/>
-            <a:headEnd/>
-            <a:tailEnd type="none" w="lg" len="lg"/>
-          </a:ln>
-        </p:spPr>
-        <p:txBody>
-          <a:bodyPr>
-            <a:spAutoFit/>
-          </a:bodyPr>
-          <a:lstStyle/>
-          <a:p>
-            <a:pPr>
-              <a:lnSpc>
-                <a:spcPct val="110000"/>
-              </a:lnSpc>
-            </a:pPr>
-            <a:r>
-              <a:rPr lang="en-US" sz="4400" dirty="0" smtClean="0">
-                <a:latin typeface="Comic Sans MS" pitchFamily="66" charset="0"/>
-              </a:rPr>
-              <a:t>…</a:t>
-            </a:r>
-            <a:r>
-              <a:rPr lang="en-US" sz="4400" dirty="0">
-                <a:latin typeface="Comic Sans MS" pitchFamily="66" charset="0"/>
-              </a:rPr>
-              <a:t>So </a:t>
-            </a:r>
-            <a:r>
-              <a:rPr lang="en-US" sz="4400" dirty="0" smtClean="0">
-                <a:solidFill>
-                  <a:srgbClr val="028822"/>
-                </a:solidFill>
-                <a:latin typeface="Comic Sans MS" pitchFamily="66" charset="0"/>
-              </a:rPr>
-              <a:t>m</a:t>
-            </a:r>
-            <a:r>
-              <a:rPr lang="en-US" sz="4400" dirty="0" smtClean="0">
-                <a:latin typeface="Comic Sans MS" pitchFamily="66" charset="0"/>
-              </a:rPr>
-              <a:t> </a:t>
-            </a:r>
-            <a:r>
-              <a:rPr lang="en-US" sz="4400" dirty="0">
-                <a:latin typeface="Comic Sans MS" pitchFamily="66" charset="0"/>
-              </a:rPr>
-              <a:t>= </a:t>
-            </a:r>
-            <a:r>
-              <a:rPr lang="en-US" sz="4400" dirty="0" err="1" smtClean="0">
-                <a:solidFill>
-                  <a:srgbClr val="0033CC"/>
-                </a:solidFill>
-                <a:latin typeface="Comic Sans MS" pitchFamily="66" charset="0"/>
-              </a:rPr>
-              <a:t>j·k</a:t>
-            </a:r>
-            <a:r>
-              <a:rPr lang="en-US" sz="4400" dirty="0" smtClean="0">
-                <a:latin typeface="Comic Sans MS" pitchFamily="66" charset="0"/>
-              </a:rPr>
-              <a:t> </a:t>
-            </a:r>
-            <a:r>
-              <a:rPr lang="en-US" sz="4400" dirty="0">
-                <a:latin typeface="Comic Sans MS" pitchFamily="66" charset="0"/>
-              </a:rPr>
-              <a:t>for integers </a:t>
-            </a:r>
-            <a:r>
-              <a:rPr lang="en-US" sz="4400" dirty="0" err="1" smtClean="0">
-                <a:solidFill>
-                  <a:srgbClr val="0033CC"/>
-                </a:solidFill>
-                <a:latin typeface="Comic Sans MS" pitchFamily="66" charset="0"/>
-              </a:rPr>
-              <a:t>j,k</a:t>
-            </a:r>
-            <a:endParaRPr lang="en-US" sz="4400" dirty="0">
-              <a:solidFill>
-                <a:srgbClr val="0033CC"/>
-              </a:solidFill>
-              <a:latin typeface="Comic Sans MS" pitchFamily="66" charset="0"/>
-            </a:endParaRPr>
-          </a:p>
-          <a:p>
-            <a:pPr>
-              <a:lnSpc>
-                <a:spcPct val="110000"/>
-              </a:lnSpc>
-            </a:pPr>
-            <a:r>
-              <a:rPr lang="en-US" sz="4400" dirty="0">
-                <a:latin typeface="Comic Sans MS" pitchFamily="66" charset="0"/>
-              </a:rPr>
-              <a:t>where </a:t>
-            </a:r>
-            <a:r>
-              <a:rPr lang="en-US" sz="4400" dirty="0" smtClean="0">
-                <a:solidFill>
-                  <a:srgbClr val="028822"/>
-                </a:solidFill>
-                <a:latin typeface="Comic Sans MS" pitchFamily="66" charset="0"/>
-              </a:rPr>
-              <a:t>m</a:t>
-            </a:r>
-            <a:r>
-              <a:rPr lang="en-US" sz="4400" dirty="0" smtClean="0">
-                <a:latin typeface="Comic Sans MS" pitchFamily="66" charset="0"/>
-              </a:rPr>
-              <a:t> </a:t>
-            </a:r>
-            <a:r>
-              <a:rPr lang="en-US" sz="4400" b="1" dirty="0">
-                <a:latin typeface="Times" pitchFamily="18" charset="0"/>
-              </a:rPr>
-              <a:t>&gt;</a:t>
-            </a:r>
-            <a:r>
-              <a:rPr lang="en-US" sz="4400" dirty="0">
-                <a:solidFill>
-                  <a:srgbClr val="0000FF"/>
-                </a:solidFill>
-                <a:latin typeface="Comic Sans MS" pitchFamily="66" charset="0"/>
-              </a:rPr>
-              <a:t> </a:t>
-            </a:r>
-            <a:r>
-              <a:rPr lang="en-US" sz="4400" dirty="0" err="1" smtClean="0">
-                <a:solidFill>
-                  <a:srgbClr val="0000FF"/>
-                </a:solidFill>
-                <a:latin typeface="Comic Sans MS" pitchFamily="66" charset="0"/>
-              </a:rPr>
-              <a:t>j,</a:t>
-            </a:r>
-            <a:r>
-              <a:rPr lang="en-US" sz="4400" dirty="0" err="1" smtClean="0">
-                <a:solidFill>
-                  <a:srgbClr val="0033CC"/>
-                </a:solidFill>
-                <a:latin typeface="Comic Sans MS" pitchFamily="66" charset="0"/>
-              </a:rPr>
-              <a:t>k</a:t>
-            </a:r>
-            <a:r>
-              <a:rPr lang="en-US" sz="4400" dirty="0" smtClean="0">
-                <a:latin typeface="Comic Sans MS" pitchFamily="66" charset="0"/>
-              </a:rPr>
-              <a:t> </a:t>
-            </a:r>
-            <a:r>
-              <a:rPr lang="en-US" sz="4400" b="1" dirty="0" smtClean="0">
-                <a:latin typeface="Times" pitchFamily="18" charset="0"/>
-              </a:rPr>
-              <a:t>&gt;</a:t>
-            </a:r>
-            <a:r>
-              <a:rPr lang="en-US" sz="4400" dirty="0" smtClean="0">
-                <a:latin typeface="Comic Sans MS" pitchFamily="66" charset="0"/>
-              </a:rPr>
-              <a:t> 1. </a:t>
-            </a:r>
-            <a:endParaRPr lang="en-US" sz="4400" baseline="-25000" dirty="0">
-              <a:solidFill>
-                <a:srgbClr val="0033CC"/>
-              </a:solidFill>
-              <a:latin typeface="Comic Sans MS" pitchFamily="66" charset="0"/>
-            </a:endParaRPr>
-          </a:p>
-        </p:txBody>
-      </p:sp>
-      <p:sp>
-        <p:nvSpPr>
-          <p:cNvPr id="9" name="Rectangle 2"/>
-          <p:cNvSpPr>
-            <a:spLocks noGrp="1" noChangeArrowheads="1"/>
-          </p:cNvSpPr>
-          <p:nvPr>
-            <p:ph type="title"/>
-          </p:nvPr>
-        </p:nvSpPr>
-        <p:spPr>
-          <a:xfrm>
-            <a:off x="2209800" y="228600"/>
-            <a:ext cx="4724400" cy="990600"/>
-          </a:xfrm>
-        </p:spPr>
-        <p:txBody>
-          <a:bodyPr/>
-          <a:lstStyle/>
-          <a:p>
-            <a:pPr eaLnBrk="1" hangingPunct="1"/>
-            <a:r>
-              <a:rPr lang="en-US" sz="4400" dirty="0" smtClean="0"/>
-              <a:t>Prime Products</a:t>
-            </a:r>
-          </a:p>
-        </p:txBody>
-      </p:sp>
-    </p:spTree>
-  </p:cSld>
-  <p:clrMapOvr>
-    <a:masterClrMapping/>
-  </p:clrMapOvr>
-  <p:transition xmlns:p14="http://schemas.microsoft.com/office/powerpoint/2010/main"/>
-  <p:timing>
-    <p:tnLst>
-      <p:par>
-        <p:cTn xmlns:p14="http://schemas.microsoft.com/office/powerpoint/2010/main" id="1" dur="indefinite" restart="never" nodeType="tmRoot"/>
-      </p:par>
-    </p:tnLst>
   </p:timing>
 </p:sld>
 </file>

--- a/fall11/slidesF11/slides2m.pptx
+++ b/fall11/slidesF11/slides2m.pptx
@@ -5,17 +5,17 @@
     <p:sldMasterId id="2147483648" r:id="rId1"/>
   </p:sldMasterIdLst>
   <p:notesMasterIdLst>
-    <p:notesMasterId r:id="rId22"/>
+    <p:notesMasterId r:id="rId27"/>
   </p:notesMasterIdLst>
   <p:handoutMasterIdLst>
-    <p:handoutMasterId r:id="rId23"/>
+    <p:handoutMasterId r:id="rId28"/>
   </p:handoutMasterIdLst>
   <p:sldIdLst>
     <p:sldId id="276" r:id="rId2"/>
-    <p:sldId id="341" r:id="rId3"/>
-    <p:sldId id="281" r:id="rId4"/>
-    <p:sldId id="282" r:id="rId5"/>
-    <p:sldId id="290" r:id="rId6"/>
+    <p:sldId id="281" r:id="rId3"/>
+    <p:sldId id="282" r:id="rId4"/>
+    <p:sldId id="290" r:id="rId5"/>
+    <p:sldId id="341" r:id="rId6"/>
     <p:sldId id="278" r:id="rId7"/>
     <p:sldId id="288" r:id="rId8"/>
     <p:sldId id="289" r:id="rId9"/>
@@ -23,19 +23,24 @@
     <p:sldId id="285" r:id="rId11"/>
     <p:sldId id="286" r:id="rId12"/>
     <p:sldId id="322" r:id="rId13"/>
-    <p:sldId id="340" r:id="rId14"/>
-    <p:sldId id="339" r:id="rId15"/>
-    <p:sldId id="323" r:id="rId16"/>
-    <p:sldId id="325" r:id="rId17"/>
-    <p:sldId id="337" r:id="rId18"/>
-    <p:sldId id="338" r:id="rId19"/>
-    <p:sldId id="287" r:id="rId20"/>
-    <p:sldId id="336" r:id="rId21"/>
+    <p:sldId id="342" r:id="rId14"/>
+    <p:sldId id="343" r:id="rId15"/>
+    <p:sldId id="340" r:id="rId16"/>
+    <p:sldId id="339" r:id="rId17"/>
+    <p:sldId id="323" r:id="rId18"/>
+    <p:sldId id="345" r:id="rId19"/>
+    <p:sldId id="346" r:id="rId20"/>
+    <p:sldId id="325" r:id="rId21"/>
+    <p:sldId id="344" r:id="rId22"/>
+    <p:sldId id="337" r:id="rId23"/>
+    <p:sldId id="338" r:id="rId24"/>
+    <p:sldId id="287" r:id="rId25"/>
+    <p:sldId id="336" r:id="rId26"/>
   </p:sldIdLst>
   <p:sldSz cx="9144000" cy="6858000" type="screen4x3"/>
   <p:notesSz cx="7315200" cy="9601200"/>
   <p:custDataLst>
-    <p:tags r:id="rId25"/>
+    <p:tags r:id="rId30"/>
   </p:custDataLst>
   <p:defaultTextStyle>
     <a:defPPr>
@@ -1127,6 +1132,190 @@
       </p:grpSpPr>
       <p:sp>
         <p:nvSpPr>
+          <p:cNvPr id="55298" name="Rectangle 7"/>
+          <p:cNvSpPr>
+            <a:spLocks noGrp="1" noChangeArrowheads="1"/>
+          </p:cNvSpPr>
+          <p:nvPr>
+            <p:ph type="sldNum" sz="quarter" idx="5"/>
+          </p:nvPr>
+        </p:nvSpPr>
+        <p:spPr>
+          <a:noFill/>
+        </p:spPr>
+        <p:txBody>
+          <a:bodyPr/>
+          <a:lstStyle/>
+          <a:p>
+            <a:fld id="{2B84E921-0F66-4DD2-A052-C3014BF5DD99}" type="slidenum">
+              <a:rPr lang="en-US">
+                <a:cs typeface="Arial" charset="0"/>
+              </a:rPr>
+              <a:pPr/>
+              <a:t>15</a:t>
+            </a:fld>
+            <a:endParaRPr lang="en-US">
+              <a:cs typeface="Arial" charset="0"/>
+            </a:endParaRPr>
+          </a:p>
+        </p:txBody>
+      </p:sp>
+      <p:sp>
+        <p:nvSpPr>
+          <p:cNvPr id="55299" name="Rectangle 2"/>
+          <p:cNvSpPr>
+            <a:spLocks noGrp="1" noRot="1" noChangeAspect="1" noChangeArrowheads="1" noTextEdit="1"/>
+          </p:cNvSpPr>
+          <p:nvPr>
+            <p:ph type="sldImg"/>
+          </p:nvPr>
+        </p:nvSpPr>
+        <p:spPr>
+          <a:ln/>
+        </p:spPr>
+      </p:sp>
+      <p:sp>
+        <p:nvSpPr>
+          <p:cNvPr id="55300" name="Rectangle 3"/>
+          <p:cNvSpPr>
+            <a:spLocks noGrp="1" noChangeArrowheads="1"/>
+          </p:cNvSpPr>
+          <p:nvPr>
+            <p:ph type="body" idx="1"/>
+          </p:nvPr>
+        </p:nvSpPr>
+        <p:spPr>
+          <a:noFill/>
+          <a:ln/>
+        </p:spPr>
+        <p:txBody>
+          <a:bodyPr/>
+          <a:lstStyle/>
+          <a:p>
+            <a:pPr eaLnBrk="1" hangingPunct="1"/>
+            <a:endParaRPr lang="en-US" smtClean="0"/>
+          </a:p>
+        </p:txBody>
+      </p:sp>
+    </p:spTree>
+  </p:cSld>
+  <p:clrMapOvr>
+    <a:masterClrMapping/>
+  </p:clrMapOvr>
+</p:notes>
+</file>
+
+<file path=ppt/notesSlides/notesSlide15.xml><?xml version="1.0" encoding="utf-8"?>
+<p:notes xmlns:a="http://schemas.openxmlformats.org/drawingml/2006/main" xmlns:r="http://schemas.openxmlformats.org/officeDocument/2006/relationships" xmlns:p="http://schemas.openxmlformats.org/presentationml/2006/main">
+  <p:cSld>
+    <p:spTree>
+      <p:nvGrpSpPr>
+        <p:cNvPr id="1" name=""/>
+        <p:cNvGrpSpPr/>
+        <p:nvPr/>
+      </p:nvGrpSpPr>
+      <p:grpSpPr>
+        <a:xfrm>
+          <a:off x="0" y="0"/>
+          <a:ext cx="0" cy="0"/>
+          <a:chOff x="0" y="0"/>
+          <a:chExt cx="0" cy="0"/>
+        </a:xfrm>
+      </p:grpSpPr>
+      <p:sp>
+        <p:nvSpPr>
+          <p:cNvPr id="55298" name="Rectangle 7"/>
+          <p:cNvSpPr>
+            <a:spLocks noGrp="1" noChangeArrowheads="1"/>
+          </p:cNvSpPr>
+          <p:nvPr>
+            <p:ph type="sldNum" sz="quarter" idx="5"/>
+          </p:nvPr>
+        </p:nvSpPr>
+        <p:spPr>
+          <a:noFill/>
+        </p:spPr>
+        <p:txBody>
+          <a:bodyPr/>
+          <a:lstStyle/>
+          <a:p>
+            <a:fld id="{2B84E921-0F66-4DD2-A052-C3014BF5DD99}" type="slidenum">
+              <a:rPr lang="en-US">
+                <a:cs typeface="Arial" charset="0"/>
+              </a:rPr>
+              <a:pPr/>
+              <a:t>16</a:t>
+            </a:fld>
+            <a:endParaRPr lang="en-US">
+              <a:cs typeface="Arial" charset="0"/>
+            </a:endParaRPr>
+          </a:p>
+        </p:txBody>
+      </p:sp>
+      <p:sp>
+        <p:nvSpPr>
+          <p:cNvPr id="55299" name="Rectangle 2"/>
+          <p:cNvSpPr>
+            <a:spLocks noGrp="1" noRot="1" noChangeAspect="1" noChangeArrowheads="1" noTextEdit="1"/>
+          </p:cNvSpPr>
+          <p:nvPr>
+            <p:ph type="sldImg"/>
+          </p:nvPr>
+        </p:nvSpPr>
+        <p:spPr>
+          <a:ln/>
+        </p:spPr>
+      </p:sp>
+      <p:sp>
+        <p:nvSpPr>
+          <p:cNvPr id="55300" name="Rectangle 3"/>
+          <p:cNvSpPr>
+            <a:spLocks noGrp="1" noChangeArrowheads="1"/>
+          </p:cNvSpPr>
+          <p:nvPr>
+            <p:ph type="body" idx="1"/>
+          </p:nvPr>
+        </p:nvSpPr>
+        <p:spPr>
+          <a:noFill/>
+          <a:ln/>
+        </p:spPr>
+        <p:txBody>
+          <a:bodyPr/>
+          <a:lstStyle/>
+          <a:p>
+            <a:pPr eaLnBrk="1" hangingPunct="1"/>
+            <a:endParaRPr lang="en-US" smtClean="0"/>
+          </a:p>
+        </p:txBody>
+      </p:sp>
+    </p:spTree>
+  </p:cSld>
+  <p:clrMapOvr>
+    <a:masterClrMapping/>
+  </p:clrMapOvr>
+</p:notes>
+</file>
+
+<file path=ppt/notesSlides/notesSlide16.xml><?xml version="1.0" encoding="utf-8"?>
+<p:notes xmlns:a="http://schemas.openxmlformats.org/drawingml/2006/main" xmlns:r="http://schemas.openxmlformats.org/officeDocument/2006/relationships" xmlns:p="http://schemas.openxmlformats.org/presentationml/2006/main">
+  <p:cSld>
+    <p:spTree>
+      <p:nvGrpSpPr>
+        <p:cNvPr id="1" name=""/>
+        <p:cNvGrpSpPr/>
+        <p:nvPr/>
+      </p:nvGrpSpPr>
+      <p:grpSpPr>
+        <a:xfrm>
+          <a:off x="0" y="0"/>
+          <a:ext cx="0" cy="0"/>
+          <a:chOff x="0" y="0"/>
+          <a:chExt cx="0" cy="0"/>
+        </a:xfrm>
+      </p:grpSpPr>
+      <p:sp>
+        <p:nvSpPr>
           <p:cNvPr id="56322" name="Rectangle 7"/>
           <p:cNvSpPr>
             <a:spLocks noGrp="1" noChangeArrowheads="1"/>
@@ -1147,7 +1336,7 @@
                 <a:cs typeface="Arial" charset="0"/>
               </a:rPr>
               <a:pPr/>
-              <a:t>15</a:t>
+              <a:t>17</a:t>
             </a:fld>
             <a:endParaRPr lang="en-US">
               <a:cs typeface="Arial" charset="0"/>
@@ -1200,7 +1389,191 @@
 </p:notes>
 </file>
 
-<file path=ppt/notesSlides/notesSlide15.xml><?xml version="1.0" encoding="utf-8"?>
+<file path=ppt/notesSlides/notesSlide17.xml><?xml version="1.0" encoding="utf-8"?>
+<p:notes xmlns:a="http://schemas.openxmlformats.org/drawingml/2006/main" xmlns:r="http://schemas.openxmlformats.org/officeDocument/2006/relationships" xmlns:p="http://schemas.openxmlformats.org/presentationml/2006/main">
+  <p:cSld>
+    <p:spTree>
+      <p:nvGrpSpPr>
+        <p:cNvPr id="1" name=""/>
+        <p:cNvGrpSpPr/>
+        <p:nvPr/>
+      </p:nvGrpSpPr>
+      <p:grpSpPr>
+        <a:xfrm>
+          <a:off x="0" y="0"/>
+          <a:ext cx="0" cy="0"/>
+          <a:chOff x="0" y="0"/>
+          <a:chExt cx="0" cy="0"/>
+        </a:xfrm>
+      </p:grpSpPr>
+      <p:sp>
+        <p:nvSpPr>
+          <p:cNvPr id="56322" name="Rectangle 7"/>
+          <p:cNvSpPr>
+            <a:spLocks noGrp="1" noChangeArrowheads="1"/>
+          </p:cNvSpPr>
+          <p:nvPr>
+            <p:ph type="sldNum" sz="quarter" idx="5"/>
+          </p:nvPr>
+        </p:nvSpPr>
+        <p:spPr>
+          <a:noFill/>
+        </p:spPr>
+        <p:txBody>
+          <a:bodyPr/>
+          <a:lstStyle/>
+          <a:p>
+            <a:fld id="{ECD0A14A-37C9-4CF8-82A4-612EF4C9289C}" type="slidenum">
+              <a:rPr lang="en-US">
+                <a:cs typeface="Arial" charset="0"/>
+              </a:rPr>
+              <a:pPr/>
+              <a:t>18</a:t>
+            </a:fld>
+            <a:endParaRPr lang="en-US">
+              <a:cs typeface="Arial" charset="0"/>
+            </a:endParaRPr>
+          </a:p>
+        </p:txBody>
+      </p:sp>
+      <p:sp>
+        <p:nvSpPr>
+          <p:cNvPr id="56323" name="Rectangle 2"/>
+          <p:cNvSpPr>
+            <a:spLocks noGrp="1" noRot="1" noChangeAspect="1" noChangeArrowheads="1" noTextEdit="1"/>
+          </p:cNvSpPr>
+          <p:nvPr>
+            <p:ph type="sldImg"/>
+          </p:nvPr>
+        </p:nvSpPr>
+        <p:spPr>
+          <a:ln/>
+        </p:spPr>
+      </p:sp>
+      <p:sp>
+        <p:nvSpPr>
+          <p:cNvPr id="56324" name="Rectangle 3"/>
+          <p:cNvSpPr>
+            <a:spLocks noGrp="1" noChangeArrowheads="1"/>
+          </p:cNvSpPr>
+          <p:nvPr>
+            <p:ph type="body" idx="1"/>
+          </p:nvPr>
+        </p:nvSpPr>
+        <p:spPr>
+          <a:noFill/>
+          <a:ln/>
+        </p:spPr>
+        <p:txBody>
+          <a:bodyPr/>
+          <a:lstStyle/>
+          <a:p>
+            <a:pPr eaLnBrk="1" hangingPunct="1"/>
+            <a:endParaRPr lang="en-US" smtClean="0"/>
+          </a:p>
+        </p:txBody>
+      </p:sp>
+    </p:spTree>
+  </p:cSld>
+  <p:clrMapOvr>
+    <a:masterClrMapping/>
+  </p:clrMapOvr>
+</p:notes>
+</file>
+
+<file path=ppt/notesSlides/notesSlide18.xml><?xml version="1.0" encoding="utf-8"?>
+<p:notes xmlns:a="http://schemas.openxmlformats.org/drawingml/2006/main" xmlns:r="http://schemas.openxmlformats.org/officeDocument/2006/relationships" xmlns:p="http://schemas.openxmlformats.org/presentationml/2006/main">
+  <p:cSld>
+    <p:spTree>
+      <p:nvGrpSpPr>
+        <p:cNvPr id="1" name=""/>
+        <p:cNvGrpSpPr/>
+        <p:nvPr/>
+      </p:nvGrpSpPr>
+      <p:grpSpPr>
+        <a:xfrm>
+          <a:off x="0" y="0"/>
+          <a:ext cx="0" cy="0"/>
+          <a:chOff x="0" y="0"/>
+          <a:chExt cx="0" cy="0"/>
+        </a:xfrm>
+      </p:grpSpPr>
+      <p:sp>
+        <p:nvSpPr>
+          <p:cNvPr id="56322" name="Rectangle 7"/>
+          <p:cNvSpPr>
+            <a:spLocks noGrp="1" noChangeArrowheads="1"/>
+          </p:cNvSpPr>
+          <p:nvPr>
+            <p:ph type="sldNum" sz="quarter" idx="5"/>
+          </p:nvPr>
+        </p:nvSpPr>
+        <p:spPr>
+          <a:noFill/>
+        </p:spPr>
+        <p:txBody>
+          <a:bodyPr/>
+          <a:lstStyle/>
+          <a:p>
+            <a:fld id="{ECD0A14A-37C9-4CF8-82A4-612EF4C9289C}" type="slidenum">
+              <a:rPr lang="en-US">
+                <a:cs typeface="Arial" charset="0"/>
+              </a:rPr>
+              <a:pPr/>
+              <a:t>19</a:t>
+            </a:fld>
+            <a:endParaRPr lang="en-US">
+              <a:cs typeface="Arial" charset="0"/>
+            </a:endParaRPr>
+          </a:p>
+        </p:txBody>
+      </p:sp>
+      <p:sp>
+        <p:nvSpPr>
+          <p:cNvPr id="56323" name="Rectangle 2"/>
+          <p:cNvSpPr>
+            <a:spLocks noGrp="1" noRot="1" noChangeAspect="1" noChangeArrowheads="1" noTextEdit="1"/>
+          </p:cNvSpPr>
+          <p:nvPr>
+            <p:ph type="sldImg"/>
+          </p:nvPr>
+        </p:nvSpPr>
+        <p:spPr>
+          <a:ln/>
+        </p:spPr>
+      </p:sp>
+      <p:sp>
+        <p:nvSpPr>
+          <p:cNvPr id="56324" name="Rectangle 3"/>
+          <p:cNvSpPr>
+            <a:spLocks noGrp="1" noChangeArrowheads="1"/>
+          </p:cNvSpPr>
+          <p:nvPr>
+            <p:ph type="body" idx="1"/>
+          </p:nvPr>
+        </p:nvSpPr>
+        <p:spPr>
+          <a:noFill/>
+          <a:ln/>
+        </p:spPr>
+        <p:txBody>
+          <a:bodyPr/>
+          <a:lstStyle/>
+          <a:p>
+            <a:pPr eaLnBrk="1" hangingPunct="1"/>
+            <a:endParaRPr lang="en-US" smtClean="0"/>
+          </a:p>
+        </p:txBody>
+      </p:sp>
+    </p:spTree>
+  </p:cSld>
+  <p:clrMapOvr>
+    <a:masterClrMapping/>
+  </p:clrMapOvr>
+</p:notes>
+</file>
+
+<file path=ppt/notesSlides/notesSlide19.xml><?xml version="1.0" encoding="utf-8"?>
 <p:notes xmlns:a="http://schemas.openxmlformats.org/drawingml/2006/main" xmlns:r="http://schemas.openxmlformats.org/officeDocument/2006/relationships" xmlns:p="http://schemas.openxmlformats.org/presentationml/2006/main">
   <p:cSld>
     <p:spTree>
@@ -1239,7 +1612,7 @@
                 <a:cs typeface="Arial" charset="0"/>
               </a:rPr>
               <a:pPr/>
-              <a:t>16</a:t>
+              <a:t>20</a:t>
             </a:fld>
             <a:endParaRPr lang="en-US">
               <a:cs typeface="Arial" charset="0"/>
@@ -1281,185 +1654,6 @@
           <a:p>
             <a:pPr eaLnBrk="1" hangingPunct="1"/>
             <a:endParaRPr lang="en-US" smtClean="0"/>
-          </a:p>
-        </p:txBody>
-      </p:sp>
-    </p:spTree>
-  </p:cSld>
-  <p:clrMapOvr>
-    <a:masterClrMapping/>
-  </p:clrMapOvr>
-</p:notes>
-</file>
-
-<file path=ppt/notesSlides/notesSlide16.xml><?xml version="1.0" encoding="utf-8"?>
-<p:notes xmlns:a="http://schemas.openxmlformats.org/drawingml/2006/main" xmlns:r="http://schemas.openxmlformats.org/officeDocument/2006/relationships" xmlns:p="http://schemas.openxmlformats.org/presentationml/2006/main">
-  <p:cSld>
-    <p:spTree>
-      <p:nvGrpSpPr>
-        <p:cNvPr id="1" name=""/>
-        <p:cNvGrpSpPr/>
-        <p:nvPr/>
-      </p:nvGrpSpPr>
-      <p:grpSpPr>
-        <a:xfrm>
-          <a:off x="0" y="0"/>
-          <a:ext cx="0" cy="0"/>
-          <a:chOff x="0" y="0"/>
-          <a:chExt cx="0" cy="0"/>
-        </a:xfrm>
-      </p:grpSpPr>
-      <p:sp>
-        <p:nvSpPr>
-          <p:cNvPr id="70658" name="Rectangle 7"/>
-          <p:cNvSpPr>
-            <a:spLocks noGrp="1" noChangeArrowheads="1"/>
-          </p:cNvSpPr>
-          <p:nvPr>
-            <p:ph type="sldNum" sz="quarter" idx="5"/>
-          </p:nvPr>
-        </p:nvSpPr>
-        <p:spPr>
-          <a:noFill/>
-        </p:spPr>
-        <p:txBody>
-          <a:bodyPr/>
-          <a:lstStyle/>
-          <a:p>
-            <a:fld id="{69C77A1F-4F69-4834-B717-BEE7DFA70091}" type="slidenum">
-              <a:rPr lang="en-US">
-                <a:cs typeface="Arial" charset="0"/>
-              </a:rPr>
-              <a:pPr/>
-              <a:t>19</a:t>
-            </a:fld>
-            <a:endParaRPr lang="en-US">
-              <a:cs typeface="Arial" charset="0"/>
-            </a:endParaRPr>
-          </a:p>
-        </p:txBody>
-      </p:sp>
-      <p:sp>
-        <p:nvSpPr>
-          <p:cNvPr id="70659" name="Rectangle 2"/>
-          <p:cNvSpPr>
-            <a:spLocks noGrp="1" noRot="1" noChangeAspect="1" noChangeArrowheads="1" noTextEdit="1"/>
-          </p:cNvSpPr>
-          <p:nvPr>
-            <p:ph type="sldImg"/>
-          </p:nvPr>
-        </p:nvSpPr>
-        <p:spPr>
-          <a:ln/>
-        </p:spPr>
-      </p:sp>
-      <p:sp>
-        <p:nvSpPr>
-          <p:cNvPr id="70660" name="Rectangle 3"/>
-          <p:cNvSpPr>
-            <a:spLocks noGrp="1" noChangeArrowheads="1"/>
-          </p:cNvSpPr>
-          <p:nvPr>
-            <p:ph type="body" idx="1"/>
-          </p:nvPr>
-        </p:nvSpPr>
-        <p:spPr>
-          <a:noFill/>
-          <a:ln/>
-        </p:spPr>
-        <p:txBody>
-          <a:bodyPr/>
-          <a:lstStyle/>
-          <a:p>
-            <a:pPr eaLnBrk="1" hangingPunct="1"/>
-            <a:endParaRPr lang="en-US" smtClean="0"/>
-          </a:p>
-        </p:txBody>
-      </p:sp>
-    </p:spTree>
-  </p:cSld>
-  <p:clrMapOvr>
-    <a:masterClrMapping/>
-  </p:clrMapOvr>
-</p:notes>
-</file>
-
-<file path=ppt/notesSlides/notesSlide17.xml><?xml version="1.0" encoding="utf-8"?>
-<p:notes xmlns:a="http://schemas.openxmlformats.org/drawingml/2006/main" xmlns:r="http://schemas.openxmlformats.org/officeDocument/2006/relationships" xmlns:p="http://schemas.openxmlformats.org/presentationml/2006/main">
-  <p:cSld>
-    <p:spTree>
-      <p:nvGrpSpPr>
-        <p:cNvPr id="1" name=""/>
-        <p:cNvGrpSpPr/>
-        <p:nvPr/>
-      </p:nvGrpSpPr>
-      <p:grpSpPr>
-        <a:xfrm>
-          <a:off x="0" y="0"/>
-          <a:ext cx="0" cy="0"/>
-          <a:chOff x="0" y="0"/>
-          <a:chExt cx="0" cy="0"/>
-        </a:xfrm>
-      </p:grpSpPr>
-      <p:sp>
-        <p:nvSpPr>
-          <p:cNvPr id="72706" name="Rectangle 7"/>
-          <p:cNvSpPr>
-            <a:spLocks noGrp="1" noChangeArrowheads="1"/>
-          </p:cNvSpPr>
-          <p:nvPr>
-            <p:ph type="sldNum" sz="quarter" idx="5"/>
-          </p:nvPr>
-        </p:nvSpPr>
-        <p:spPr>
-          <a:noFill/>
-        </p:spPr>
-        <p:txBody>
-          <a:bodyPr/>
-          <a:lstStyle/>
-          <a:p>
-            <a:fld id="{6653F924-F418-411E-8C35-24F3766CE997}" type="slidenum">
-              <a:rPr lang="en-US" smtClean="0"/>
-              <a:pPr/>
-              <a:t>20</a:t>
-            </a:fld>
-            <a:endParaRPr lang="en-US" smtClean="0"/>
-          </a:p>
-        </p:txBody>
-      </p:sp>
-      <p:sp>
-        <p:nvSpPr>
-          <p:cNvPr id="72707" name="Rectangle 2"/>
-          <p:cNvSpPr>
-            <a:spLocks noGrp="1" noRot="1" noChangeAspect="1" noChangeArrowheads="1" noTextEdit="1"/>
-          </p:cNvSpPr>
-          <p:nvPr>
-            <p:ph type="sldImg"/>
-          </p:nvPr>
-        </p:nvSpPr>
-        <p:spPr>
-          <a:ln/>
-        </p:spPr>
-      </p:sp>
-      <p:sp>
-        <p:nvSpPr>
-          <p:cNvPr id="72708" name="Rectangle 3"/>
-          <p:cNvSpPr>
-            <a:spLocks noGrp="1" noChangeArrowheads="1"/>
-          </p:cNvSpPr>
-          <p:nvPr>
-            <p:ph type="body" idx="1"/>
-          </p:nvPr>
-        </p:nvSpPr>
-        <p:spPr>
-          <a:noFill/>
-          <a:ln/>
-        </p:spPr>
-        <p:txBody>
-          <a:bodyPr/>
-          <a:lstStyle/>
-          <a:p>
-            <a:endParaRPr lang="en-US" dirty="0" smtClean="0"/>
           </a:p>
         </p:txBody>
       </p:sp>
@@ -1510,7 +1704,7 @@
                 <a:cs typeface="Arial" charset="0"/>
               </a:rPr>
               <a:pPr/>
-              <a:t>3</a:t>
+              <a:t>2</a:t>
             </a:fld>
             <a:endParaRPr lang="en-US">
               <a:cs typeface="Arial" charset="0"/>
@@ -1552,6 +1746,277 @@
           <a:p>
             <a:pPr eaLnBrk="1" hangingPunct="1"/>
             <a:endParaRPr lang="en-US" smtClean="0"/>
+          </a:p>
+        </p:txBody>
+      </p:sp>
+    </p:spTree>
+  </p:cSld>
+  <p:clrMapOvr>
+    <a:masterClrMapping/>
+  </p:clrMapOvr>
+</p:notes>
+</file>
+
+<file path=ppt/notesSlides/notesSlide20.xml><?xml version="1.0" encoding="utf-8"?>
+<p:notes xmlns:a="http://schemas.openxmlformats.org/drawingml/2006/main" xmlns:r="http://schemas.openxmlformats.org/officeDocument/2006/relationships" xmlns:p="http://schemas.openxmlformats.org/presentationml/2006/main">
+  <p:cSld>
+    <p:spTree>
+      <p:nvGrpSpPr>
+        <p:cNvPr id="1" name=""/>
+        <p:cNvGrpSpPr/>
+        <p:nvPr/>
+      </p:nvGrpSpPr>
+      <p:grpSpPr>
+        <a:xfrm>
+          <a:off x="0" y="0"/>
+          <a:ext cx="0" cy="0"/>
+          <a:chOff x="0" y="0"/>
+          <a:chExt cx="0" cy="0"/>
+        </a:xfrm>
+      </p:grpSpPr>
+      <p:sp>
+        <p:nvSpPr>
+          <p:cNvPr id="58370" name="Rectangle 7"/>
+          <p:cNvSpPr>
+            <a:spLocks noGrp="1" noChangeArrowheads="1"/>
+          </p:cNvSpPr>
+          <p:nvPr>
+            <p:ph type="sldNum" sz="quarter" idx="5"/>
+          </p:nvPr>
+        </p:nvSpPr>
+        <p:spPr>
+          <a:noFill/>
+        </p:spPr>
+        <p:txBody>
+          <a:bodyPr/>
+          <a:lstStyle/>
+          <a:p>
+            <a:fld id="{9CE643A7-21B0-4515-AD83-FC820013B14D}" type="slidenum">
+              <a:rPr lang="en-US">
+                <a:cs typeface="Arial" charset="0"/>
+              </a:rPr>
+              <a:pPr/>
+              <a:t>21</a:t>
+            </a:fld>
+            <a:endParaRPr lang="en-US">
+              <a:cs typeface="Arial" charset="0"/>
+            </a:endParaRPr>
+          </a:p>
+        </p:txBody>
+      </p:sp>
+      <p:sp>
+        <p:nvSpPr>
+          <p:cNvPr id="58371" name="Rectangle 2"/>
+          <p:cNvSpPr>
+            <a:spLocks noGrp="1" noRot="1" noChangeAspect="1" noChangeArrowheads="1" noTextEdit="1"/>
+          </p:cNvSpPr>
+          <p:nvPr>
+            <p:ph type="sldImg"/>
+          </p:nvPr>
+        </p:nvSpPr>
+        <p:spPr>
+          <a:ln/>
+        </p:spPr>
+      </p:sp>
+      <p:sp>
+        <p:nvSpPr>
+          <p:cNvPr id="58372" name="Rectangle 3"/>
+          <p:cNvSpPr>
+            <a:spLocks noGrp="1" noChangeArrowheads="1"/>
+          </p:cNvSpPr>
+          <p:nvPr>
+            <p:ph type="body" idx="1"/>
+          </p:nvPr>
+        </p:nvSpPr>
+        <p:spPr>
+          <a:noFill/>
+          <a:ln/>
+        </p:spPr>
+        <p:txBody>
+          <a:bodyPr/>
+          <a:lstStyle/>
+          <a:p>
+            <a:pPr eaLnBrk="1" hangingPunct="1"/>
+            <a:endParaRPr lang="en-US" smtClean="0"/>
+          </a:p>
+        </p:txBody>
+      </p:sp>
+    </p:spTree>
+  </p:cSld>
+  <p:clrMapOvr>
+    <a:masterClrMapping/>
+  </p:clrMapOvr>
+</p:notes>
+</file>
+
+<file path=ppt/notesSlides/notesSlide21.xml><?xml version="1.0" encoding="utf-8"?>
+<p:notes xmlns:a="http://schemas.openxmlformats.org/drawingml/2006/main" xmlns:r="http://schemas.openxmlformats.org/officeDocument/2006/relationships" xmlns:p="http://schemas.openxmlformats.org/presentationml/2006/main">
+  <p:cSld>
+    <p:spTree>
+      <p:nvGrpSpPr>
+        <p:cNvPr id="1" name=""/>
+        <p:cNvGrpSpPr/>
+        <p:nvPr/>
+      </p:nvGrpSpPr>
+      <p:grpSpPr>
+        <a:xfrm>
+          <a:off x="0" y="0"/>
+          <a:ext cx="0" cy="0"/>
+          <a:chOff x="0" y="0"/>
+          <a:chExt cx="0" cy="0"/>
+        </a:xfrm>
+      </p:grpSpPr>
+      <p:sp>
+        <p:nvSpPr>
+          <p:cNvPr id="70658" name="Rectangle 7"/>
+          <p:cNvSpPr>
+            <a:spLocks noGrp="1" noChangeArrowheads="1"/>
+          </p:cNvSpPr>
+          <p:nvPr>
+            <p:ph type="sldNum" sz="quarter" idx="5"/>
+          </p:nvPr>
+        </p:nvSpPr>
+        <p:spPr>
+          <a:noFill/>
+        </p:spPr>
+        <p:txBody>
+          <a:bodyPr/>
+          <a:lstStyle/>
+          <a:p>
+            <a:fld id="{69C77A1F-4F69-4834-B717-BEE7DFA70091}" type="slidenum">
+              <a:rPr lang="en-US">
+                <a:cs typeface="Arial" charset="0"/>
+              </a:rPr>
+              <a:pPr/>
+              <a:t>24</a:t>
+            </a:fld>
+            <a:endParaRPr lang="en-US">
+              <a:cs typeface="Arial" charset="0"/>
+            </a:endParaRPr>
+          </a:p>
+        </p:txBody>
+      </p:sp>
+      <p:sp>
+        <p:nvSpPr>
+          <p:cNvPr id="70659" name="Rectangle 2"/>
+          <p:cNvSpPr>
+            <a:spLocks noGrp="1" noRot="1" noChangeAspect="1" noChangeArrowheads="1" noTextEdit="1"/>
+          </p:cNvSpPr>
+          <p:nvPr>
+            <p:ph type="sldImg"/>
+          </p:nvPr>
+        </p:nvSpPr>
+        <p:spPr>
+          <a:ln/>
+        </p:spPr>
+      </p:sp>
+      <p:sp>
+        <p:nvSpPr>
+          <p:cNvPr id="70660" name="Rectangle 3"/>
+          <p:cNvSpPr>
+            <a:spLocks noGrp="1" noChangeArrowheads="1"/>
+          </p:cNvSpPr>
+          <p:nvPr>
+            <p:ph type="body" idx="1"/>
+          </p:nvPr>
+        </p:nvSpPr>
+        <p:spPr>
+          <a:noFill/>
+          <a:ln/>
+        </p:spPr>
+        <p:txBody>
+          <a:bodyPr/>
+          <a:lstStyle/>
+          <a:p>
+            <a:pPr eaLnBrk="1" hangingPunct="1"/>
+            <a:endParaRPr lang="en-US" smtClean="0"/>
+          </a:p>
+        </p:txBody>
+      </p:sp>
+    </p:spTree>
+  </p:cSld>
+  <p:clrMapOvr>
+    <a:masterClrMapping/>
+  </p:clrMapOvr>
+</p:notes>
+</file>
+
+<file path=ppt/notesSlides/notesSlide22.xml><?xml version="1.0" encoding="utf-8"?>
+<p:notes xmlns:a="http://schemas.openxmlformats.org/drawingml/2006/main" xmlns:r="http://schemas.openxmlformats.org/officeDocument/2006/relationships" xmlns:p="http://schemas.openxmlformats.org/presentationml/2006/main">
+  <p:cSld>
+    <p:spTree>
+      <p:nvGrpSpPr>
+        <p:cNvPr id="1" name=""/>
+        <p:cNvGrpSpPr/>
+        <p:nvPr/>
+      </p:nvGrpSpPr>
+      <p:grpSpPr>
+        <a:xfrm>
+          <a:off x="0" y="0"/>
+          <a:ext cx="0" cy="0"/>
+          <a:chOff x="0" y="0"/>
+          <a:chExt cx="0" cy="0"/>
+        </a:xfrm>
+      </p:grpSpPr>
+      <p:sp>
+        <p:nvSpPr>
+          <p:cNvPr id="72706" name="Rectangle 7"/>
+          <p:cNvSpPr>
+            <a:spLocks noGrp="1" noChangeArrowheads="1"/>
+          </p:cNvSpPr>
+          <p:nvPr>
+            <p:ph type="sldNum" sz="quarter" idx="5"/>
+          </p:nvPr>
+        </p:nvSpPr>
+        <p:spPr>
+          <a:noFill/>
+        </p:spPr>
+        <p:txBody>
+          <a:bodyPr/>
+          <a:lstStyle/>
+          <a:p>
+            <a:fld id="{6653F924-F418-411E-8C35-24F3766CE997}" type="slidenum">
+              <a:rPr lang="en-US" smtClean="0"/>
+              <a:pPr/>
+              <a:t>25</a:t>
+            </a:fld>
+            <a:endParaRPr lang="en-US" smtClean="0"/>
+          </a:p>
+        </p:txBody>
+      </p:sp>
+      <p:sp>
+        <p:nvSpPr>
+          <p:cNvPr id="72707" name="Rectangle 2"/>
+          <p:cNvSpPr>
+            <a:spLocks noGrp="1" noRot="1" noChangeAspect="1" noChangeArrowheads="1" noTextEdit="1"/>
+          </p:cNvSpPr>
+          <p:nvPr>
+            <p:ph type="sldImg"/>
+          </p:nvPr>
+        </p:nvSpPr>
+        <p:spPr>
+          <a:ln/>
+        </p:spPr>
+      </p:sp>
+      <p:sp>
+        <p:nvSpPr>
+          <p:cNvPr id="72708" name="Rectangle 3"/>
+          <p:cNvSpPr>
+            <a:spLocks noGrp="1" noChangeArrowheads="1"/>
+          </p:cNvSpPr>
+          <p:nvPr>
+            <p:ph type="body" idx="1"/>
+          </p:nvPr>
+        </p:nvSpPr>
+        <p:spPr>
+          <a:noFill/>
+          <a:ln/>
+        </p:spPr>
+        <p:txBody>
+          <a:bodyPr/>
+          <a:lstStyle/>
+          <a:p>
+            <a:endParaRPr lang="en-US" dirty="0" smtClean="0"/>
           </a:p>
         </p:txBody>
       </p:sp>
@@ -1602,7 +2067,7 @@
                 <a:cs typeface="Arial" charset="0"/>
               </a:rPr>
               <a:pPr/>
-              <a:t>4</a:t>
+              <a:t>3</a:t>
             </a:fld>
             <a:endParaRPr lang="en-US">
               <a:cs typeface="Arial" charset="0"/>
@@ -1694,7 +2159,7 @@
                 <a:cs typeface="Arial" charset="0"/>
               </a:rPr>
               <a:pPr/>
-              <a:t>5</a:t>
+              <a:t>4</a:t>
             </a:fld>
             <a:endParaRPr lang="en-US">
               <a:cs typeface="Arial" charset="0"/>
@@ -5332,21 +5797,21 @@
             <a:r>
               <a:rPr lang="en-US" sz="1000" dirty="0" smtClean="0">
                 <a:latin typeface="Comic Sans MS" pitchFamily="66" charset="0"/>
-                <a:hlinkClick r:id="rId4"/>
+                <a:hlinkClick r:id="rId3"/>
               </a:rPr>
               <a:t>Creative Commons Attribution-Noncommercial-Share Alike 3.0 </a:t>
             </a:r>
             <a:r>
               <a:rPr lang="en-US" sz="1000" dirty="0" err="1" smtClean="0">
                 <a:latin typeface="Comic Sans MS" pitchFamily="66" charset="0"/>
-                <a:hlinkClick r:id="rId4"/>
+                <a:hlinkClick r:id="rId3"/>
               </a:rPr>
               <a:t>Unported</a:t>
             </a:r>
             <a:r>
               <a:rPr lang="en-US" sz="1000" dirty="0" smtClean="0">
                 <a:latin typeface="Comic Sans MS" pitchFamily="66" charset="0"/>
-                <a:hlinkClick r:id="rId4"/>
+                <a:hlinkClick r:id="rId3"/>
               </a:rPr>
               <a:t> License</a:t>
             </a:r>
@@ -5490,58 +5955,6 @@
             <a:endParaRPr lang="en-US" sz="7200" dirty="0">
               <a:latin typeface="Comic Sans MS" pitchFamily="66" charset="0"/>
             </a:endParaRPr>
-          </a:p>
-        </p:txBody>
-      </p:sp>
-      <p:sp>
-        <p:nvSpPr>
-          <p:cNvPr id="10" name="TextBox 9"/>
-          <p:cNvSpPr txBox="1"/>
-          <p:nvPr>
-            <p:custDataLst>
-              <p:tags r:id="rId1"/>
-            </p:custDataLst>
-          </p:nvPr>
-        </p:nvSpPr>
-        <p:spPr>
-          <a:xfrm>
-            <a:off x="0" y="7112000"/>
-            <a:ext cx="9144000" cy="646331"/>
-          </a:xfrm>
-          <a:prstGeom prst="rect">
-            <a:avLst/>
-          </a:prstGeom>
-          <a:noFill/>
-        </p:spPr>
-        <p:txBody>
-          <a:bodyPr vert="horz" rtlCol="0">
-            <a:spAutoFit/>
-          </a:bodyPr>
-          <a:lstStyle/>
-          <a:p>
-            <a:r>
-              <a:rPr lang="en-US" smtClean="0"/>
-              <a:t>TexPoint fonts used in EMF. </a:t>
-            </a:r>
-          </a:p>
-          <a:p>
-            <a:r>
-              <a:rPr lang="en-US" smtClean="0"/>
-              <a:t>Read the TexPoint manual before you delete this box.: </a:t>
-            </a:r>
-            <a:r>
-              <a:rPr lang="en-US" smtClean="0">
-                <a:latin typeface="CMEX10"/>
-              </a:rPr>
-              <a:t>A</a:t>
-            </a:r>
-            <a:r>
-              <a:rPr lang="en-US" smtClean="0">
-                <a:latin typeface="EURM10"/>
-              </a:rPr>
-              <a:t>A</a:t>
-            </a:r>
-            <a:endParaRPr lang="en-US"/>
           </a:p>
         </p:txBody>
       </p:sp>
@@ -6926,6 +7339,673 @@
       </p:grpSp>
       <p:sp>
         <p:nvSpPr>
+          <p:cNvPr id="22536" name="Rectangle 14"/>
+          <p:cNvSpPr>
+            <a:spLocks noGrp="1" noChangeArrowheads="1"/>
+          </p:cNvSpPr>
+          <p:nvPr>
+            <p:ph type="title"/>
+          </p:nvPr>
+        </p:nvSpPr>
+        <p:spPr>
+          <a:noFill/>
+        </p:spPr>
+        <p:txBody>
+          <a:bodyPr/>
+          <a:lstStyle/>
+          <a:p>
+            <a:r>
+              <a:rPr lang="en-US" dirty="0" smtClean="0"/>
+              <a:t>Well Ordered Postage</a:t>
+            </a:r>
+          </a:p>
+        </p:txBody>
+      </p:sp>
+      <p:sp>
+        <p:nvSpPr>
+          <p:cNvPr id="3" name="TextBox 2"/>
+          <p:cNvSpPr txBox="1"/>
+          <p:nvPr/>
+        </p:nvSpPr>
+        <p:spPr bwMode="auto">
+          <a:xfrm>
+            <a:off x="521088" y="2950738"/>
+            <a:ext cx="7880921" cy="1754327"/>
+          </a:xfrm>
+          <a:prstGeom prst="rect">
+            <a:avLst/>
+          </a:prstGeom>
+          <a:noFill/>
+          <a:ln w="9525">
+            <a:noFill/>
+            <a:miter lim="800000"/>
+            <a:headEnd/>
+            <a:tailEnd type="none" w="lg" len="lg"/>
+          </a:ln>
+        </p:spPr>
+        <p:txBody>
+          <a:bodyPr wrap="none" rtlCol="0">
+            <a:spAutoFit/>
+          </a:bodyPr>
+          <a:lstStyle/>
+          <a:p>
+            <a:r>
+              <a:rPr lang="en-US" sz="5400" dirty="0" smtClean="0">
+                <a:solidFill>
+                  <a:srgbClr val="0000FF"/>
+                </a:solidFill>
+                <a:latin typeface="Comic Sans MS" pitchFamily="66" charset="0"/>
+              </a:rPr>
+              <a:t>n</a:t>
+            </a:r>
+            <a:r>
+              <a:rPr lang="en-US" sz="5400" dirty="0" smtClean="0">
+                <a:latin typeface="Comic Sans MS" pitchFamily="66" charset="0"/>
+              </a:rPr>
+              <a:t> is </a:t>
+            </a:r>
+            <a:r>
+              <a:rPr lang="en-US" sz="5400" dirty="0" smtClean="0">
+                <a:solidFill>
+                  <a:srgbClr val="028822"/>
+                </a:solidFill>
+                <a:latin typeface="Comic Sans MS" pitchFamily="66" charset="0"/>
+              </a:rPr>
+              <a:t>good</a:t>
+            </a:r>
+            <a:r>
+              <a:rPr lang="en-US" sz="5400" dirty="0" smtClean="0">
+                <a:latin typeface="Comic Sans MS" pitchFamily="66" charset="0"/>
+              </a:rPr>
+              <a:t> if can make </a:t>
+            </a:r>
+            <a:r>
+              <a:rPr lang="en-US" sz="5400" dirty="0" smtClean="0">
+                <a:solidFill>
+                  <a:srgbClr val="0000FF"/>
+                </a:solidFill>
+                <a:latin typeface="Comic Sans MS" pitchFamily="66" charset="0"/>
+              </a:rPr>
+              <a:t>n</a:t>
+            </a:r>
+            <a:r>
+              <a:rPr lang="en-US" sz="5400" dirty="0" smtClean="0">
+                <a:latin typeface="Comic Sans MS" pitchFamily="66" charset="0"/>
+                <a:cs typeface="Times New Roman" pitchFamily="18" charset="0"/>
+              </a:rPr>
+              <a:t>¢</a:t>
+            </a:r>
+          </a:p>
+          <a:p>
+            <a:r>
+              <a:rPr lang="en-US" sz="5400" dirty="0">
+                <a:latin typeface="Comic Sans MS" pitchFamily="66" charset="0"/>
+                <a:cs typeface="Times New Roman" pitchFamily="18" charset="0"/>
+              </a:rPr>
+              <a:t>postage from 3</a:t>
+            </a:r>
+            <a:r>
+              <a:rPr lang="en-US" sz="5400" dirty="0" smtClean="0">
+                <a:latin typeface="Comic Sans MS" pitchFamily="66" charset="0"/>
+                <a:cs typeface="Times New Roman" pitchFamily="18" charset="0"/>
+              </a:rPr>
+              <a:t>¢ &amp; 5</a:t>
+            </a:r>
+            <a:r>
+              <a:rPr lang="en-US" sz="5400" dirty="0">
+                <a:latin typeface="Comic Sans MS" pitchFamily="66" charset="0"/>
+                <a:cs typeface="Times New Roman" pitchFamily="18" charset="0"/>
+              </a:rPr>
+              <a:t>¢</a:t>
+            </a:r>
+            <a:endParaRPr lang="en-US" sz="5400" dirty="0" smtClean="0">
+              <a:latin typeface="Comic Sans MS" pitchFamily="66" charset="0"/>
+            </a:endParaRPr>
+          </a:p>
+        </p:txBody>
+      </p:sp>
+      <p:sp>
+        <p:nvSpPr>
+          <p:cNvPr id="13" name="TextBox 12"/>
+          <p:cNvSpPr txBox="1"/>
+          <p:nvPr/>
+        </p:nvSpPr>
+        <p:spPr bwMode="auto">
+          <a:xfrm>
+            <a:off x="525397" y="4852260"/>
+            <a:ext cx="5208959" cy="923330"/>
+          </a:xfrm>
+          <a:prstGeom prst="rect">
+            <a:avLst/>
+          </a:prstGeom>
+          <a:noFill/>
+          <a:ln w="9525">
+            <a:noFill/>
+            <a:miter lim="800000"/>
+            <a:headEnd/>
+            <a:tailEnd type="none" w="lg" len="lg"/>
+          </a:ln>
+        </p:spPr>
+        <p:txBody>
+          <a:bodyPr wrap="none" rtlCol="0">
+            <a:spAutoFit/>
+          </a:bodyPr>
+          <a:lstStyle/>
+          <a:p>
+            <a:r>
+              <a:rPr lang="en-US" sz="5400" dirty="0" smtClean="0">
+                <a:solidFill>
+                  <a:srgbClr val="0000FF"/>
+                </a:solidFill>
+                <a:latin typeface="Comic Sans MS" pitchFamily="66" charset="0"/>
+              </a:rPr>
+              <a:t>n</a:t>
+            </a:r>
+            <a:r>
+              <a:rPr lang="en-US" sz="5400" dirty="0" smtClean="0">
+                <a:latin typeface="Comic Sans MS" pitchFamily="66" charset="0"/>
+              </a:rPr>
+              <a:t> is </a:t>
+            </a:r>
+            <a:r>
+              <a:rPr lang="en-US" sz="5400" dirty="0" smtClean="0">
+                <a:solidFill>
+                  <a:srgbClr val="FF33CC"/>
+                </a:solidFill>
+                <a:latin typeface="Comic Sans MS" pitchFamily="66" charset="0"/>
+              </a:rPr>
+              <a:t>big</a:t>
+            </a:r>
+            <a:r>
+              <a:rPr lang="en-US" sz="5400" dirty="0" smtClean="0">
+                <a:latin typeface="Comic Sans MS" pitchFamily="66" charset="0"/>
+              </a:rPr>
+              <a:t> if </a:t>
+            </a:r>
+            <a:r>
+              <a:rPr lang="en-US" sz="5400" dirty="0" smtClean="0">
+                <a:solidFill>
+                  <a:srgbClr val="0000FF"/>
+                </a:solidFill>
+                <a:latin typeface="Comic Sans MS" pitchFamily="66" charset="0"/>
+              </a:rPr>
+              <a:t>n </a:t>
+            </a:r>
+            <a:r>
+              <a:rPr lang="en-US" sz="5400" b="1" dirty="0" smtClean="0">
+                <a:solidFill>
+                  <a:srgbClr val="0000FF"/>
+                </a:solidFill>
+                <a:latin typeface="Euclid Symbol" charset="2"/>
+                <a:cs typeface="Euclid Symbol" charset="2"/>
+              </a:rPr>
+              <a:t>≥ </a:t>
+            </a:r>
+            <a:r>
+              <a:rPr lang="en-US" sz="5400" dirty="0" smtClean="0">
+                <a:solidFill>
+                  <a:srgbClr val="0000FF"/>
+                </a:solidFill>
+                <a:latin typeface="Comic Sans MS" pitchFamily="66" charset="0"/>
+              </a:rPr>
+              <a:t>8</a:t>
+            </a:r>
+            <a:endParaRPr lang="en-US" sz="5400" dirty="0" smtClean="0">
+              <a:latin typeface="Comic Sans MS" pitchFamily="66" charset="0"/>
+            </a:endParaRPr>
+          </a:p>
+        </p:txBody>
+      </p:sp>
+    </p:spTree>
+  </p:cSld>
+  <p:clrMapOvr>
+    <a:masterClrMapping/>
+  </p:clrMapOvr>
+  <p:transition xmlns:p14="http://schemas.microsoft.com/office/powerpoint/2010/main" spd="slow">
+    <p:fade thruBlk="1"/>
+  </p:transition>
+  <p:timing>
+    <p:tnLst>
+      <p:par>
+        <p:cTn xmlns:p14="http://schemas.microsoft.com/office/powerpoint/2010/main" id="1" dur="indefinite" restart="never" nodeType="tmRoot">
+          <p:childTnLst>
+            <p:seq concurrent="1" nextAc="seek">
+              <p:cTn id="2" dur="indefinite" nodeType="mainSeq">
+                <p:childTnLst>
+                  <p:par>
+                    <p:cTn id="3" fill="hold">
+                      <p:stCondLst>
+                        <p:cond delay="indefinite"/>
+                      </p:stCondLst>
+                      <p:childTnLst>
+                        <p:par>
+                          <p:cTn id="4" fill="hold">
+                            <p:stCondLst>
+                              <p:cond delay="0"/>
+                            </p:stCondLst>
+                            <p:childTnLst>
+                              <p:par>
+                                <p:cTn id="5" presetID="22" presetClass="entr" presetSubtype="8" fill="hold" nodeType="clickEffect">
+                                  <p:stCondLst>
+                                    <p:cond delay="0"/>
+                                  </p:stCondLst>
+                                  <p:childTnLst>
+                                    <p:set>
+                                      <p:cBhvr>
+                                        <p:cTn id="6" dur="1" fill="hold">
+                                          <p:stCondLst>
+                                            <p:cond delay="0"/>
+                                          </p:stCondLst>
+                                        </p:cTn>
+                                        <p:tgtEl>
+                                          <p:spTgt spid="11"/>
+                                        </p:tgtEl>
+                                        <p:attrNameLst>
+                                          <p:attrName>style.visibility</p:attrName>
+                                        </p:attrNameLst>
+                                      </p:cBhvr>
+                                      <p:to>
+                                        <p:strVal val="visible"/>
+                                      </p:to>
+                                    </p:set>
+                                    <p:animEffect transition="in" filter="wipe(left)">
+                                      <p:cBhvr>
+                                        <p:cTn id="7" dur="1000"/>
+                                        <p:tgtEl>
+                                          <p:spTgt spid="11"/>
+                                        </p:tgtEl>
+                                      </p:cBhvr>
+                                    </p:animEffect>
+                                  </p:childTnLst>
+                                </p:cTn>
+                              </p:par>
+                            </p:childTnLst>
+                          </p:cTn>
+                        </p:par>
+                      </p:childTnLst>
+                    </p:cTn>
+                  </p:par>
+                  <p:par>
+                    <p:cTn id="8" fill="hold">
+                      <p:stCondLst>
+                        <p:cond delay="indefinite"/>
+                      </p:stCondLst>
+                      <p:childTnLst>
+                        <p:par>
+                          <p:cTn id="9" fill="hold">
+                            <p:stCondLst>
+                              <p:cond delay="0"/>
+                            </p:stCondLst>
+                            <p:childTnLst>
+                              <p:par>
+                                <p:cTn id="10" presetID="9" presetClass="entr" presetSubtype="0" fill="hold" grpId="0" nodeType="clickEffect">
+                                  <p:stCondLst>
+                                    <p:cond delay="0"/>
+                                  </p:stCondLst>
+                                  <p:childTnLst>
+                                    <p:set>
+                                      <p:cBhvr>
+                                        <p:cTn id="11" dur="1" fill="hold">
+                                          <p:stCondLst>
+                                            <p:cond delay="0"/>
+                                          </p:stCondLst>
+                                        </p:cTn>
+                                        <p:tgtEl>
+                                          <p:spTgt spid="3"/>
+                                        </p:tgtEl>
+                                        <p:attrNameLst>
+                                          <p:attrName>style.visibility</p:attrName>
+                                        </p:attrNameLst>
+                                      </p:cBhvr>
+                                      <p:to>
+                                        <p:strVal val="visible"/>
+                                      </p:to>
+                                    </p:set>
+                                    <p:animEffect transition="in" filter="dissolve">
+                                      <p:cBhvr>
+                                        <p:cTn id="12" dur="500"/>
+                                        <p:tgtEl>
+                                          <p:spTgt spid="3"/>
+                                        </p:tgtEl>
+                                      </p:cBhvr>
+                                    </p:animEffect>
+                                  </p:childTnLst>
+                                </p:cTn>
+                              </p:par>
+                            </p:childTnLst>
+                          </p:cTn>
+                        </p:par>
+                      </p:childTnLst>
+                    </p:cTn>
+                  </p:par>
+                  <p:par>
+                    <p:cTn id="13" fill="hold">
+                      <p:stCondLst>
+                        <p:cond delay="indefinite"/>
+                      </p:stCondLst>
+                      <p:childTnLst>
+                        <p:par>
+                          <p:cTn id="14" fill="hold">
+                            <p:stCondLst>
+                              <p:cond delay="0"/>
+                            </p:stCondLst>
+                            <p:childTnLst>
+                              <p:par>
+                                <p:cTn id="15" presetID="9" presetClass="entr" presetSubtype="0" fill="hold" grpId="0" nodeType="clickEffect">
+                                  <p:stCondLst>
+                                    <p:cond delay="0"/>
+                                  </p:stCondLst>
+                                  <p:childTnLst>
+                                    <p:set>
+                                      <p:cBhvr>
+                                        <p:cTn id="16" dur="1" fill="hold">
+                                          <p:stCondLst>
+                                            <p:cond delay="0"/>
+                                          </p:stCondLst>
+                                        </p:cTn>
+                                        <p:tgtEl>
+                                          <p:spTgt spid="13"/>
+                                        </p:tgtEl>
+                                        <p:attrNameLst>
+                                          <p:attrName>style.visibility</p:attrName>
+                                        </p:attrNameLst>
+                                      </p:cBhvr>
+                                      <p:to>
+                                        <p:strVal val="visible"/>
+                                      </p:to>
+                                    </p:set>
+                                    <p:animEffect transition="in" filter="dissolve">
+                                      <p:cBhvr>
+                                        <p:cTn id="17" dur="500"/>
+                                        <p:tgtEl>
+                                          <p:spTgt spid="13"/>
+                                        </p:tgtEl>
+                                      </p:cBhvr>
+                                    </p:animEffect>
+                                  </p:childTnLst>
+                                </p:cTn>
+                              </p:par>
+                            </p:childTnLst>
+                          </p:cTn>
+                        </p:par>
+                      </p:childTnLst>
+                    </p:cTn>
+                  </p:par>
+                </p:childTnLst>
+              </p:cTn>
+              <p:prevCondLst>
+                <p:cond evt="onPrev" delay="0">
+                  <p:tgtEl>
+                    <p:sldTgt/>
+                  </p:tgtEl>
+                </p:cond>
+              </p:prevCondLst>
+              <p:nextCondLst>
+                <p:cond evt="onNext" delay="0">
+                  <p:tgtEl>
+                    <p:sldTgt/>
+                  </p:tgtEl>
+                </p:cond>
+              </p:nextCondLst>
+            </p:seq>
+          </p:childTnLst>
+        </p:cTn>
+      </p:par>
+    </p:tnLst>
+    <p:bldLst>
+      <p:bldP spid="3" grpId="0"/>
+      <p:bldP spid="13" grpId="0"/>
+    </p:bldLst>
+  </p:timing>
+</p:sld>
+</file>
+
+<file path=ppt/slides/slide13.xml><?xml version="1.0" encoding="utf-8"?>
+<p:sld xmlns:a="http://schemas.openxmlformats.org/drawingml/2006/main" xmlns:r="http://schemas.openxmlformats.org/officeDocument/2006/relationships" xmlns:p="http://schemas.openxmlformats.org/presentationml/2006/main" show="0">
+  <p:cSld>
+    <p:spTree>
+      <p:nvGrpSpPr>
+        <p:cNvPr id="1" name=""/>
+        <p:cNvGrpSpPr/>
+        <p:nvPr/>
+      </p:nvGrpSpPr>
+      <p:grpSpPr>
+        <a:xfrm>
+          <a:off x="0" y="0"/>
+          <a:ext cx="0" cy="0"/>
+          <a:chOff x="0" y="0"/>
+          <a:chExt cx="0" cy="0"/>
+        </a:xfrm>
+      </p:grpSpPr>
+      <p:grpSp>
+        <p:nvGrpSpPr>
+          <p:cNvPr id="11" name="Group 10"/>
+          <p:cNvGrpSpPr/>
+          <p:nvPr/>
+        </p:nvGrpSpPr>
+        <p:grpSpPr>
+          <a:xfrm>
+            <a:off x="293594" y="1145684"/>
+            <a:ext cx="8158162" cy="2111377"/>
+            <a:chOff x="223838" y="1165223"/>
+            <a:chExt cx="8158162" cy="2111377"/>
+          </a:xfrm>
+        </p:grpSpPr>
+        <p:sp>
+          <p:nvSpPr>
+            <p:cNvPr id="22531" name="Text Box 4"/>
+            <p:cNvSpPr txBox="1">
+              <a:spLocks noChangeArrowheads="1"/>
+            </p:cNvSpPr>
+            <p:nvPr/>
+          </p:nvSpPr>
+          <p:spPr bwMode="auto">
+            <a:xfrm>
+              <a:off x="223838" y="1668959"/>
+              <a:ext cx="4613764" cy="769441"/>
+            </a:xfrm>
+            <a:prstGeom prst="rect">
+              <a:avLst/>
+            </a:prstGeom>
+            <a:noFill/>
+            <a:ln w="9525">
+              <a:noFill/>
+              <a:miter lim="800000"/>
+              <a:headEnd/>
+              <a:tailEnd type="none" w="lg" len="lg"/>
+            </a:ln>
+          </p:spPr>
+          <p:txBody>
+            <a:bodyPr wrap="none">
+              <a:spAutoFit/>
+            </a:bodyPr>
+            <a:lstStyle/>
+            <a:p>
+              <a:r>
+                <a:rPr lang="en-US" sz="4400" dirty="0">
+                  <a:latin typeface="Comic Sans MS" pitchFamily="66" charset="0"/>
+                </a:rPr>
+                <a:t>available stamps:</a:t>
+              </a:r>
+            </a:p>
+          </p:txBody>
+        </p:sp>
+        <p:grpSp>
+          <p:nvGrpSpPr>
+            <p:cNvPr id="2" name="Group 12"/>
+            <p:cNvGrpSpPr>
+              <a:grpSpLocks/>
+            </p:cNvGrpSpPr>
+            <p:nvPr/>
+          </p:nvGrpSpPr>
+          <p:grpSpPr bwMode="auto">
+            <a:xfrm>
+              <a:off x="5116513" y="1165223"/>
+              <a:ext cx="3265487" cy="2111377"/>
+              <a:chOff x="3031" y="672"/>
+              <a:chExt cx="2057" cy="1330"/>
+            </a:xfrm>
+          </p:grpSpPr>
+          <p:pic>
+            <p:nvPicPr>
+              <p:cNvPr id="22537" name="Picture 5" descr="s150fr"/>
+              <p:cNvPicPr>
+                <a:picLocks noChangeAspect="1" noChangeArrowheads="1"/>
+              </p:cNvPicPr>
+              <p:nvPr/>
+            </p:nvPicPr>
+            <p:blipFill>
+              <a:blip r:embed="rId3"/>
+              <a:srcRect/>
+              <a:stretch>
+                <a:fillRect/>
+              </a:stretch>
+            </p:blipFill>
+            <p:spPr bwMode="auto">
+              <a:xfrm>
+                <a:off x="3031" y="672"/>
+                <a:ext cx="750" cy="912"/>
+              </a:xfrm>
+              <a:prstGeom prst="rect">
+                <a:avLst/>
+              </a:prstGeom>
+              <a:noFill/>
+              <a:ln w="9525">
+                <a:noFill/>
+                <a:miter lim="800000"/>
+                <a:headEnd/>
+                <a:tailEnd/>
+              </a:ln>
+            </p:spPr>
+          </p:pic>
+          <p:pic>
+            <p:nvPicPr>
+              <p:cNvPr id="22538" name="Picture 6" descr="s1945"/>
+              <p:cNvPicPr>
+                <a:picLocks noChangeAspect="1" noChangeArrowheads="1"/>
+              </p:cNvPicPr>
+              <p:nvPr/>
+            </p:nvPicPr>
+            <p:blipFill>
+              <a:blip r:embed="rId4"/>
+              <a:srcRect/>
+              <a:stretch>
+                <a:fillRect/>
+              </a:stretch>
+            </p:blipFill>
+            <p:spPr bwMode="auto">
+              <a:xfrm>
+                <a:off x="3943" y="727"/>
+                <a:ext cx="1145" cy="713"/>
+              </a:xfrm>
+              <a:prstGeom prst="rect">
+                <a:avLst/>
+              </a:prstGeom>
+              <a:noFill/>
+              <a:ln w="9525">
+                <a:noFill/>
+                <a:miter lim="800000"/>
+                <a:headEnd/>
+                <a:tailEnd/>
+              </a:ln>
+            </p:spPr>
+          </p:pic>
+          <p:sp>
+            <p:nvSpPr>
+              <p:cNvPr id="22539" name="Rectangle 8"/>
+              <p:cNvSpPr>
+                <a:spLocks noChangeArrowheads="1"/>
+              </p:cNvSpPr>
+              <p:nvPr/>
+            </p:nvSpPr>
+            <p:spPr bwMode="auto">
+              <a:xfrm>
+                <a:off x="3248" y="1634"/>
+                <a:ext cx="435" cy="368"/>
+              </a:xfrm>
+              <a:prstGeom prst="rect">
+                <a:avLst/>
+              </a:prstGeom>
+              <a:noFill/>
+              <a:ln w="9525">
+                <a:noFill/>
+                <a:miter lim="800000"/>
+                <a:headEnd/>
+                <a:tailEnd type="none" w="lg" len="lg"/>
+              </a:ln>
+            </p:spPr>
+            <p:txBody>
+              <a:bodyPr wrap="none">
+                <a:spAutoFit/>
+              </a:bodyPr>
+              <a:lstStyle/>
+              <a:p>
+                <a:r>
+                  <a:rPr lang="en-US" sz="3200" dirty="0">
+                    <a:latin typeface="Comic Sans MS" pitchFamily="66" charset="0"/>
+                  </a:rPr>
+                  <a:t>5</a:t>
+                </a:r>
+                <a:r>
+                  <a:rPr lang="en-US" sz="3200" dirty="0">
+                    <a:latin typeface="Comic Sans MS" pitchFamily="66" charset="0"/>
+                    <a:cs typeface="Times New Roman" pitchFamily="18" charset="0"/>
+                  </a:rPr>
+                  <a:t>¢</a:t>
+                </a:r>
+              </a:p>
+            </p:txBody>
+          </p:sp>
+          <p:sp>
+            <p:nvSpPr>
+              <p:cNvPr id="22540" name="Rectangle 9"/>
+              <p:cNvSpPr>
+                <a:spLocks noChangeArrowheads="1"/>
+              </p:cNvSpPr>
+              <p:nvPr/>
+            </p:nvSpPr>
+            <p:spPr bwMode="auto">
+              <a:xfrm>
+                <a:off x="4352" y="1634"/>
+                <a:ext cx="435" cy="368"/>
+              </a:xfrm>
+              <a:prstGeom prst="rect">
+                <a:avLst/>
+              </a:prstGeom>
+              <a:noFill/>
+              <a:ln w="9525">
+                <a:noFill/>
+                <a:miter lim="800000"/>
+                <a:headEnd/>
+                <a:tailEnd type="none" w="lg" len="lg"/>
+              </a:ln>
+            </p:spPr>
+            <p:txBody>
+              <a:bodyPr wrap="none">
+                <a:spAutoFit/>
+              </a:bodyPr>
+              <a:lstStyle/>
+              <a:p>
+                <a:r>
+                  <a:rPr lang="en-US" sz="3200" dirty="0">
+                    <a:latin typeface="Comic Sans MS" pitchFamily="66" charset="0"/>
+                  </a:rPr>
+                  <a:t>3</a:t>
+                </a:r>
+                <a:r>
+                  <a:rPr lang="en-US" sz="3200" dirty="0">
+                    <a:latin typeface="Comic Sans MS" pitchFamily="66" charset="0"/>
+                    <a:cs typeface="Times New Roman" pitchFamily="18" charset="0"/>
+                  </a:rPr>
+                  <a:t>¢</a:t>
+                </a:r>
+              </a:p>
+            </p:txBody>
+          </p:sp>
+        </p:grpSp>
+      </p:grpSp>
+      <p:sp>
+        <p:nvSpPr>
           <p:cNvPr id="22534" name="Text Box 10"/>
           <p:cNvSpPr txBox="1">
             <a:spLocks noChangeArrowheads="1"/>
@@ -7148,6 +8228,11 @@
         </p:txBody>
       </p:sp>
     </p:spTree>
+    <p:extLst>
+      <p:ext uri="{BB962C8B-B14F-4D97-AF65-F5344CB8AC3E}">
+        <p14:creationId xmlns:p14="http://schemas.microsoft.com/office/powerpoint/2010/main" val="394949242"/>
+      </p:ext>
+    </p:extLst>
   </p:cSld>
   <p:clrMapOvr>
     <a:masterClrMapping/>
@@ -7419,7 +8504,795 @@
 </p:sld>
 </file>
 
-<file path=ppt/slides/slide13.xml><?xml version="1.0" encoding="utf-8"?>
+<file path=ppt/slides/slide14.xml><?xml version="1.0" encoding="utf-8"?>
+<p:sld xmlns:a="http://schemas.openxmlformats.org/drawingml/2006/main" xmlns:r="http://schemas.openxmlformats.org/officeDocument/2006/relationships" xmlns:p="http://schemas.openxmlformats.org/presentationml/2006/main">
+  <p:cSld>
+    <p:spTree>
+      <p:nvGrpSpPr>
+        <p:cNvPr id="1" name=""/>
+        <p:cNvGrpSpPr/>
+        <p:nvPr/>
+      </p:nvGrpSpPr>
+      <p:grpSpPr>
+        <a:xfrm>
+          <a:off x="0" y="0"/>
+          <a:ext cx="0" cy="0"/>
+          <a:chOff x="0" y="0"/>
+          <a:chExt cx="0" cy="0"/>
+        </a:xfrm>
+      </p:grpSpPr>
+      <p:grpSp>
+        <p:nvGrpSpPr>
+          <p:cNvPr id="11" name="Group 10"/>
+          <p:cNvGrpSpPr/>
+          <p:nvPr/>
+        </p:nvGrpSpPr>
+        <p:grpSpPr>
+          <a:xfrm>
+            <a:off x="293594" y="1145684"/>
+            <a:ext cx="8158162" cy="2111377"/>
+            <a:chOff x="223838" y="1165223"/>
+            <a:chExt cx="8158162" cy="2111377"/>
+          </a:xfrm>
+        </p:grpSpPr>
+        <p:sp>
+          <p:nvSpPr>
+            <p:cNvPr id="22531" name="Text Box 4"/>
+            <p:cNvSpPr txBox="1">
+              <a:spLocks noChangeArrowheads="1"/>
+            </p:cNvSpPr>
+            <p:nvPr/>
+          </p:nvSpPr>
+          <p:spPr bwMode="auto">
+            <a:xfrm>
+              <a:off x="223838" y="1668959"/>
+              <a:ext cx="4613764" cy="769441"/>
+            </a:xfrm>
+            <a:prstGeom prst="rect">
+              <a:avLst/>
+            </a:prstGeom>
+            <a:noFill/>
+            <a:ln w="9525">
+              <a:noFill/>
+              <a:miter lim="800000"/>
+              <a:headEnd/>
+              <a:tailEnd type="none" w="lg" len="lg"/>
+            </a:ln>
+          </p:spPr>
+          <p:txBody>
+            <a:bodyPr wrap="none">
+              <a:spAutoFit/>
+            </a:bodyPr>
+            <a:lstStyle/>
+            <a:p>
+              <a:r>
+                <a:rPr lang="en-US" sz="4400" dirty="0">
+                  <a:latin typeface="Comic Sans MS" pitchFamily="66" charset="0"/>
+                </a:rPr>
+                <a:t>available stamps:</a:t>
+              </a:r>
+            </a:p>
+          </p:txBody>
+        </p:sp>
+        <p:grpSp>
+          <p:nvGrpSpPr>
+            <p:cNvPr id="2" name="Group 12"/>
+            <p:cNvGrpSpPr>
+              <a:grpSpLocks/>
+            </p:cNvGrpSpPr>
+            <p:nvPr/>
+          </p:nvGrpSpPr>
+          <p:grpSpPr bwMode="auto">
+            <a:xfrm>
+              <a:off x="5116513" y="1165223"/>
+              <a:ext cx="3265487" cy="2111377"/>
+              <a:chOff x="3031" y="672"/>
+              <a:chExt cx="2057" cy="1330"/>
+            </a:xfrm>
+          </p:grpSpPr>
+          <p:pic>
+            <p:nvPicPr>
+              <p:cNvPr id="22537" name="Picture 5" descr="s150fr"/>
+              <p:cNvPicPr>
+                <a:picLocks noChangeAspect="1" noChangeArrowheads="1"/>
+              </p:cNvPicPr>
+              <p:nvPr/>
+            </p:nvPicPr>
+            <p:blipFill>
+              <a:blip r:embed="rId3"/>
+              <a:srcRect/>
+              <a:stretch>
+                <a:fillRect/>
+              </a:stretch>
+            </p:blipFill>
+            <p:spPr bwMode="auto">
+              <a:xfrm>
+                <a:off x="3031" y="672"/>
+                <a:ext cx="750" cy="912"/>
+              </a:xfrm>
+              <a:prstGeom prst="rect">
+                <a:avLst/>
+              </a:prstGeom>
+              <a:noFill/>
+              <a:ln w="9525">
+                <a:noFill/>
+                <a:miter lim="800000"/>
+                <a:headEnd/>
+                <a:tailEnd/>
+              </a:ln>
+            </p:spPr>
+          </p:pic>
+          <p:pic>
+            <p:nvPicPr>
+              <p:cNvPr id="22538" name="Picture 6" descr="s1945"/>
+              <p:cNvPicPr>
+                <a:picLocks noChangeAspect="1" noChangeArrowheads="1"/>
+              </p:cNvPicPr>
+              <p:nvPr/>
+            </p:nvPicPr>
+            <p:blipFill>
+              <a:blip r:embed="rId4"/>
+              <a:srcRect/>
+              <a:stretch>
+                <a:fillRect/>
+              </a:stretch>
+            </p:blipFill>
+            <p:spPr bwMode="auto">
+              <a:xfrm>
+                <a:off x="3943" y="727"/>
+                <a:ext cx="1145" cy="713"/>
+              </a:xfrm>
+              <a:prstGeom prst="rect">
+                <a:avLst/>
+              </a:prstGeom>
+              <a:noFill/>
+              <a:ln w="9525">
+                <a:noFill/>
+                <a:miter lim="800000"/>
+                <a:headEnd/>
+                <a:tailEnd/>
+              </a:ln>
+            </p:spPr>
+          </p:pic>
+          <p:sp>
+            <p:nvSpPr>
+              <p:cNvPr id="22539" name="Rectangle 8"/>
+              <p:cNvSpPr>
+                <a:spLocks noChangeArrowheads="1"/>
+              </p:cNvSpPr>
+              <p:nvPr/>
+            </p:nvSpPr>
+            <p:spPr bwMode="auto">
+              <a:xfrm>
+                <a:off x="3248" y="1634"/>
+                <a:ext cx="435" cy="368"/>
+              </a:xfrm>
+              <a:prstGeom prst="rect">
+                <a:avLst/>
+              </a:prstGeom>
+              <a:noFill/>
+              <a:ln w="9525">
+                <a:noFill/>
+                <a:miter lim="800000"/>
+                <a:headEnd/>
+                <a:tailEnd type="none" w="lg" len="lg"/>
+              </a:ln>
+            </p:spPr>
+            <p:txBody>
+              <a:bodyPr wrap="none">
+                <a:spAutoFit/>
+              </a:bodyPr>
+              <a:lstStyle/>
+              <a:p>
+                <a:r>
+                  <a:rPr lang="en-US" sz="3200" dirty="0">
+                    <a:latin typeface="Comic Sans MS" pitchFamily="66" charset="0"/>
+                  </a:rPr>
+                  <a:t>5</a:t>
+                </a:r>
+                <a:r>
+                  <a:rPr lang="en-US" sz="3200" dirty="0">
+                    <a:latin typeface="Comic Sans MS" pitchFamily="66" charset="0"/>
+                    <a:cs typeface="Times New Roman" pitchFamily="18" charset="0"/>
+                  </a:rPr>
+                  <a:t>¢</a:t>
+                </a:r>
+              </a:p>
+            </p:txBody>
+          </p:sp>
+          <p:sp>
+            <p:nvSpPr>
+              <p:cNvPr id="22540" name="Rectangle 9"/>
+              <p:cNvSpPr>
+                <a:spLocks noChangeArrowheads="1"/>
+              </p:cNvSpPr>
+              <p:nvPr/>
+            </p:nvSpPr>
+            <p:spPr bwMode="auto">
+              <a:xfrm>
+                <a:off x="4352" y="1634"/>
+                <a:ext cx="435" cy="368"/>
+              </a:xfrm>
+              <a:prstGeom prst="rect">
+                <a:avLst/>
+              </a:prstGeom>
+              <a:noFill/>
+              <a:ln w="9525">
+                <a:noFill/>
+                <a:miter lim="800000"/>
+                <a:headEnd/>
+                <a:tailEnd type="none" w="lg" len="lg"/>
+              </a:ln>
+            </p:spPr>
+            <p:txBody>
+              <a:bodyPr wrap="none">
+                <a:spAutoFit/>
+              </a:bodyPr>
+              <a:lstStyle/>
+              <a:p>
+                <a:r>
+                  <a:rPr lang="en-US" sz="3200" dirty="0">
+                    <a:latin typeface="Comic Sans MS" pitchFamily="66" charset="0"/>
+                  </a:rPr>
+                  <a:t>3</a:t>
+                </a:r>
+                <a:r>
+                  <a:rPr lang="en-US" sz="3200" dirty="0">
+                    <a:latin typeface="Comic Sans MS" pitchFamily="66" charset="0"/>
+                    <a:cs typeface="Times New Roman" pitchFamily="18" charset="0"/>
+                  </a:rPr>
+                  <a:t>¢</a:t>
+                </a:r>
+              </a:p>
+            </p:txBody>
+          </p:sp>
+        </p:grpSp>
+      </p:grpSp>
+      <p:sp>
+        <p:nvSpPr>
+          <p:cNvPr id="22534" name="Text Box 10"/>
+          <p:cNvSpPr txBox="1">
+            <a:spLocks noChangeArrowheads="1"/>
+          </p:cNvSpPr>
+          <p:nvPr/>
+        </p:nvSpPr>
+        <p:spPr bwMode="auto">
+          <a:xfrm>
+            <a:off x="228600" y="3124200"/>
+            <a:ext cx="8534400" cy="923330"/>
+          </a:xfrm>
+          <a:prstGeom prst="rect">
+            <a:avLst/>
+          </a:prstGeom>
+          <a:noFill/>
+          <a:ln w="9525">
+            <a:noFill/>
+            <a:miter lim="800000"/>
+            <a:headEnd/>
+            <a:tailEnd type="none" w="lg" len="lg"/>
+          </a:ln>
+        </p:spPr>
+        <p:txBody>
+          <a:bodyPr wrap="square">
+            <a:spAutoFit/>
+          </a:bodyPr>
+          <a:lstStyle/>
+          <a:p>
+            <a:r>
+              <a:rPr lang="en-US" sz="4400" dirty="0" err="1" smtClean="0">
+                <a:solidFill>
+                  <a:srgbClr val="7030A0"/>
+                </a:solidFill>
+                <a:latin typeface="Comic Sans MS" pitchFamily="66" charset="0"/>
+              </a:rPr>
+              <a:t>Thm</a:t>
+            </a:r>
+            <a:r>
+              <a:rPr lang="en-US" sz="4400" dirty="0" smtClean="0">
+                <a:solidFill>
+                  <a:srgbClr val="7030A0"/>
+                </a:solidFill>
+                <a:latin typeface="Comic Sans MS" pitchFamily="66" charset="0"/>
+              </a:rPr>
+              <a:t>:</a:t>
+            </a:r>
+            <a:r>
+              <a:rPr lang="en-US" sz="5400" dirty="0" smtClean="0">
+                <a:latin typeface="Comic Sans MS" pitchFamily="66" charset="0"/>
+              </a:rPr>
+              <a:t> </a:t>
+            </a:r>
+            <a:r>
+              <a:rPr lang="en-US" sz="4800" dirty="0" smtClean="0">
+                <a:latin typeface="Comic Sans MS" pitchFamily="66" charset="0"/>
+              </a:rPr>
+              <a:t>Every </a:t>
+            </a:r>
+            <a:r>
+              <a:rPr lang="en-US" sz="4800" dirty="0" smtClean="0">
+                <a:solidFill>
+                  <a:srgbClr val="FF33CC"/>
+                </a:solidFill>
+                <a:latin typeface="Comic Sans MS" pitchFamily="66" charset="0"/>
+              </a:rPr>
+              <a:t>big</a:t>
+            </a:r>
+            <a:r>
+              <a:rPr lang="en-US" sz="4800" dirty="0" smtClean="0">
+                <a:latin typeface="Comic Sans MS" pitchFamily="66" charset="0"/>
+              </a:rPr>
+              <a:t> </a:t>
+            </a:r>
+            <a:r>
+              <a:rPr lang="en-US" sz="4800" dirty="0" smtClean="0">
+                <a:solidFill>
+                  <a:srgbClr val="0000FF"/>
+                </a:solidFill>
+                <a:latin typeface="Comic Sans MS" pitchFamily="66" charset="0"/>
+              </a:rPr>
+              <a:t>n</a:t>
+            </a:r>
+            <a:r>
+              <a:rPr lang="en-US" sz="4800" dirty="0" smtClean="0">
+                <a:latin typeface="Comic Sans MS" pitchFamily="66" charset="0"/>
+              </a:rPr>
+              <a:t> is </a:t>
+            </a:r>
+            <a:r>
+              <a:rPr lang="en-US" sz="4800" dirty="0" smtClean="0">
+                <a:solidFill>
+                  <a:srgbClr val="008000"/>
+                </a:solidFill>
+                <a:latin typeface="Comic Sans MS" pitchFamily="66" charset="0"/>
+              </a:rPr>
+              <a:t>good</a:t>
+            </a:r>
+            <a:endParaRPr lang="en-US" sz="5400" dirty="0">
+              <a:solidFill>
+                <a:srgbClr val="008000"/>
+              </a:solidFill>
+              <a:latin typeface="Comic Sans MS" pitchFamily="66" charset="0"/>
+            </a:endParaRPr>
+          </a:p>
+        </p:txBody>
+      </p:sp>
+      <p:sp>
+        <p:nvSpPr>
+          <p:cNvPr id="345099" name="Text Box 11"/>
+          <p:cNvSpPr txBox="1">
+            <a:spLocks noChangeArrowheads="1"/>
+          </p:cNvSpPr>
+          <p:nvPr/>
+        </p:nvSpPr>
+        <p:spPr bwMode="auto">
+          <a:xfrm>
+            <a:off x="304800" y="4154031"/>
+            <a:ext cx="8382000" cy="2185214"/>
+          </a:xfrm>
+          <a:prstGeom prst="rect">
+            <a:avLst/>
+          </a:prstGeom>
+          <a:noFill/>
+          <a:ln w="9525">
+            <a:noFill/>
+            <a:miter lim="800000"/>
+            <a:headEnd/>
+            <a:tailEnd type="none" w="lg" len="lg"/>
+          </a:ln>
+        </p:spPr>
+        <p:txBody>
+          <a:bodyPr wrap="square">
+            <a:spAutoFit/>
+          </a:bodyPr>
+          <a:lstStyle/>
+          <a:p>
+            <a:r>
+              <a:rPr lang="en-US" sz="4800" dirty="0">
+                <a:latin typeface="Comic Sans MS" pitchFamily="66" charset="0"/>
+              </a:rPr>
+              <a:t>Prove by </a:t>
+            </a:r>
+            <a:r>
+              <a:rPr lang="en-US" sz="4800" dirty="0" smtClean="0">
+                <a:latin typeface="Comic Sans MS" pitchFamily="66" charset="0"/>
+              </a:rPr>
+              <a:t>WOP.  Suppose </a:t>
+            </a:r>
+            <a:r>
+              <a:rPr lang="en-US" sz="4800" dirty="0" smtClean="0">
+                <a:solidFill>
+                  <a:srgbClr val="C00000"/>
+                </a:solidFill>
+                <a:latin typeface="Comic Sans MS" pitchFamily="66" charset="0"/>
+              </a:rPr>
+              <a:t>not</a:t>
+            </a:r>
+            <a:r>
+              <a:rPr lang="en-US" sz="4800" dirty="0" smtClean="0">
+                <a:latin typeface="Comic Sans MS" pitchFamily="66" charset="0"/>
+              </a:rPr>
+              <a:t>.</a:t>
+            </a:r>
+          </a:p>
+          <a:p>
+            <a:r>
+              <a:rPr lang="en-US" sz="4400" dirty="0" smtClean="0">
+                <a:latin typeface="Comic Sans MS" pitchFamily="66" charset="0"/>
+              </a:rPr>
+              <a:t>Let </a:t>
+            </a:r>
+            <a:r>
+              <a:rPr lang="en-US" sz="4400" dirty="0" smtClean="0">
+                <a:solidFill>
+                  <a:srgbClr val="FF0000"/>
+                </a:solidFill>
+                <a:latin typeface="Comic Sans MS" pitchFamily="66" charset="0"/>
+              </a:rPr>
+              <a:t>m</a:t>
+            </a:r>
+            <a:r>
+              <a:rPr lang="en-US" sz="4400" dirty="0" smtClean="0">
+                <a:latin typeface="Comic Sans MS" pitchFamily="66" charset="0"/>
+              </a:rPr>
+              <a:t> be </a:t>
+            </a:r>
+            <a:r>
+              <a:rPr lang="en-US" sz="4400" dirty="0" smtClean="0">
+                <a:solidFill>
+                  <a:srgbClr val="0000FF"/>
+                </a:solidFill>
+                <a:latin typeface="Comic Sans MS" pitchFamily="66" charset="0"/>
+              </a:rPr>
+              <a:t>least </a:t>
+            </a:r>
+            <a:r>
+              <a:rPr lang="en-US" sz="4400" dirty="0" smtClean="0">
+                <a:solidFill>
+                  <a:srgbClr val="FF33CC"/>
+                </a:solidFill>
+                <a:latin typeface="Comic Sans MS" pitchFamily="66" charset="0"/>
+              </a:rPr>
+              <a:t>big</a:t>
+            </a:r>
+            <a:r>
+              <a:rPr lang="en-US" sz="4400" dirty="0" smtClean="0">
+                <a:latin typeface="Comic Sans MS" pitchFamily="66" charset="0"/>
+              </a:rPr>
+              <a:t> # that is</a:t>
+            </a:r>
+          </a:p>
+          <a:p>
+            <a:r>
+              <a:rPr lang="en-US" sz="4400" dirty="0" smtClean="0">
+                <a:latin typeface="Comic Sans MS" pitchFamily="66" charset="0"/>
+              </a:rPr>
+              <a:t>no </a:t>
+            </a:r>
+            <a:r>
+              <a:rPr lang="en-US" sz="4400" dirty="0" smtClean="0">
+                <a:solidFill>
+                  <a:srgbClr val="028822"/>
+                </a:solidFill>
+                <a:latin typeface="Comic Sans MS" pitchFamily="66" charset="0"/>
+              </a:rPr>
+              <a:t>good</a:t>
+            </a:r>
+            <a:r>
+              <a:rPr lang="en-US" sz="4400" dirty="0" smtClean="0">
+                <a:latin typeface="Comic Sans MS" pitchFamily="66" charset="0"/>
+              </a:rPr>
+              <a:t>.</a:t>
+            </a:r>
+            <a:endParaRPr lang="en-US" sz="4400" dirty="0" smtClean="0">
+              <a:latin typeface="Comic Sans MS" pitchFamily="66" charset="0"/>
+            </a:endParaRPr>
+          </a:p>
+        </p:txBody>
+      </p:sp>
+      <p:sp>
+        <p:nvSpPr>
+          <p:cNvPr id="22536" name="Rectangle 14"/>
+          <p:cNvSpPr>
+            <a:spLocks noGrp="1" noChangeArrowheads="1"/>
+          </p:cNvSpPr>
+          <p:nvPr>
+            <p:ph type="title"/>
+          </p:nvPr>
+        </p:nvSpPr>
+        <p:spPr>
+          <a:noFill/>
+        </p:spPr>
+        <p:txBody>
+          <a:bodyPr/>
+          <a:lstStyle/>
+          <a:p>
+            <a:r>
+              <a:rPr lang="en-US" dirty="0" smtClean="0"/>
+              <a:t>Well Ordered Postage</a:t>
+            </a:r>
+          </a:p>
+        </p:txBody>
+      </p:sp>
+    </p:spTree>
+    <p:extLst>
+      <p:ext uri="{BB962C8B-B14F-4D97-AF65-F5344CB8AC3E}">
+        <p14:creationId xmlns:p14="http://schemas.microsoft.com/office/powerpoint/2010/main" val="2769881845"/>
+      </p:ext>
+    </p:extLst>
+  </p:cSld>
+  <p:clrMapOvr>
+    <a:masterClrMapping/>
+  </p:clrMapOvr>
+  <mc:AlternateContent xmlns:mc="http://schemas.openxmlformats.org/markup-compatibility/2006">
+    <mc:Choice xmlns:p14="http://schemas.microsoft.com/office/powerpoint/2010/main" Requires="p14">
+      <p:transition p14:dur="100">
+        <p:cut/>
+      </p:transition>
+    </mc:Choice>
+    <mc:Fallback>
+      <p:transition xmlns:p14="http://schemas.microsoft.com/office/powerpoint/2010/main">
+        <p:cut/>
+      </p:transition>
+    </mc:Fallback>
+  </mc:AlternateContent>
+  <p:timing>
+    <p:tnLst>
+      <p:par>
+        <p:cTn xmlns:p14="http://schemas.microsoft.com/office/powerpoint/2010/main" id="1" dur="indefinite" restart="never" nodeType="tmRoot">
+          <p:childTnLst>
+            <p:seq concurrent="1" nextAc="seek">
+              <p:cTn id="2" dur="indefinite" nodeType="mainSeq">
+                <p:childTnLst>
+                  <p:par>
+                    <p:cTn id="3" fill="hold">
+                      <p:stCondLst>
+                        <p:cond delay="indefinite"/>
+                        <p:cond evt="onBegin" delay="0">
+                          <p:tn val="2"/>
+                        </p:cond>
+                      </p:stCondLst>
+                      <p:childTnLst>
+                        <p:par>
+                          <p:cTn id="4" fill="hold">
+                            <p:stCondLst>
+                              <p:cond delay="0"/>
+                            </p:stCondLst>
+                            <p:childTnLst>
+                              <p:par>
+                                <p:cTn id="5" presetID="10" presetClass="entr" presetSubtype="0" fill="hold" grpId="0" nodeType="afterEffect">
+                                  <p:stCondLst>
+                                    <p:cond delay="0"/>
+                                  </p:stCondLst>
+                                  <p:childTnLst>
+                                    <p:set>
+                                      <p:cBhvr>
+                                        <p:cTn id="6" dur="1" fill="hold">
+                                          <p:stCondLst>
+                                            <p:cond delay="0"/>
+                                          </p:stCondLst>
+                                        </p:cTn>
+                                        <p:tgtEl>
+                                          <p:spTgt spid="22534"/>
+                                        </p:tgtEl>
+                                        <p:attrNameLst>
+                                          <p:attrName>style.visibility</p:attrName>
+                                        </p:attrNameLst>
+                                      </p:cBhvr>
+                                      <p:to>
+                                        <p:strVal val="visible"/>
+                                      </p:to>
+                                    </p:set>
+                                    <p:animEffect transition="in" filter="fade">
+                                      <p:cBhvr>
+                                        <p:cTn id="7" dur="1000"/>
+                                        <p:tgtEl>
+                                          <p:spTgt spid="22534"/>
+                                        </p:tgtEl>
+                                      </p:cBhvr>
+                                    </p:animEffect>
+                                  </p:childTnLst>
+                                </p:cTn>
+                              </p:par>
+                            </p:childTnLst>
+                          </p:cTn>
+                        </p:par>
+                      </p:childTnLst>
+                    </p:cTn>
+                  </p:par>
+                  <p:par>
+                    <p:cTn id="8" fill="hold">
+                      <p:stCondLst>
+                        <p:cond delay="indefinite"/>
+                      </p:stCondLst>
+                      <p:childTnLst>
+                        <p:par>
+                          <p:cTn id="9" fill="hold">
+                            <p:stCondLst>
+                              <p:cond delay="0"/>
+                            </p:stCondLst>
+                            <p:childTnLst>
+                              <p:par>
+                                <p:cTn id="10" presetID="9" presetClass="entr" presetSubtype="0" fill="hold" nodeType="clickEffect">
+                                  <p:stCondLst>
+                                    <p:cond delay="0"/>
+                                  </p:stCondLst>
+                                  <p:childTnLst>
+                                    <p:set>
+                                      <p:cBhvr>
+                                        <p:cTn id="11" dur="1" fill="hold">
+                                          <p:stCondLst>
+                                            <p:cond delay="0"/>
+                                          </p:stCondLst>
+                                        </p:cTn>
+                                        <p:tgtEl>
+                                          <p:spTgt spid="345099">
+                                            <p:txEl>
+                                              <p:pRg st="0" end="0"/>
+                                            </p:txEl>
+                                          </p:spTgt>
+                                        </p:tgtEl>
+                                        <p:attrNameLst>
+                                          <p:attrName>style.visibility</p:attrName>
+                                        </p:attrNameLst>
+                                      </p:cBhvr>
+                                      <p:to>
+                                        <p:strVal val="visible"/>
+                                      </p:to>
+                                    </p:set>
+                                    <p:animEffect transition="in" filter="dissolve">
+                                      <p:cBhvr>
+                                        <p:cTn id="12" dur="500"/>
+                                        <p:tgtEl>
+                                          <p:spTgt spid="345099">
+                                            <p:txEl>
+                                              <p:pRg st="0" end="0"/>
+                                            </p:txEl>
+                                          </p:spTgt>
+                                        </p:tgtEl>
+                                      </p:cBhvr>
+                                    </p:animEffect>
+                                  </p:childTnLst>
+                                </p:cTn>
+                              </p:par>
+                            </p:childTnLst>
+                          </p:cTn>
+                        </p:par>
+                      </p:childTnLst>
+                    </p:cTn>
+                  </p:par>
+                  <p:par>
+                    <p:cTn id="13" fill="hold">
+                      <p:stCondLst>
+                        <p:cond delay="indefinite"/>
+                      </p:stCondLst>
+                      <p:childTnLst>
+                        <p:par>
+                          <p:cTn id="14" fill="hold">
+                            <p:stCondLst>
+                              <p:cond delay="0"/>
+                            </p:stCondLst>
+                            <p:childTnLst>
+                              <p:par>
+                                <p:cTn id="15" presetID="9" presetClass="entr" presetSubtype="0" fill="hold" nodeType="clickEffect">
+                                  <p:stCondLst>
+                                    <p:cond delay="0"/>
+                                  </p:stCondLst>
+                                  <p:childTnLst>
+                                    <p:set>
+                                      <p:cBhvr>
+                                        <p:cTn id="16" dur="1" fill="hold">
+                                          <p:stCondLst>
+                                            <p:cond delay="0"/>
+                                          </p:stCondLst>
+                                        </p:cTn>
+                                        <p:tgtEl>
+                                          <p:spTgt spid="345099">
+                                            <p:txEl>
+                                              <p:pRg st="1" end="1"/>
+                                            </p:txEl>
+                                          </p:spTgt>
+                                        </p:tgtEl>
+                                        <p:attrNameLst>
+                                          <p:attrName>style.visibility</p:attrName>
+                                        </p:attrNameLst>
+                                      </p:cBhvr>
+                                      <p:to>
+                                        <p:strVal val="visible"/>
+                                      </p:to>
+                                    </p:set>
+                                    <p:animEffect transition="in" filter="dissolve">
+                                      <p:cBhvr>
+                                        <p:cTn id="17" dur="500"/>
+                                        <p:tgtEl>
+                                          <p:spTgt spid="345099">
+                                            <p:txEl>
+                                              <p:pRg st="1" end="1"/>
+                                            </p:txEl>
+                                          </p:spTgt>
+                                        </p:tgtEl>
+                                      </p:cBhvr>
+                                    </p:animEffect>
+                                  </p:childTnLst>
+                                </p:cTn>
+                              </p:par>
+                              <p:par>
+                                <p:cTn id="18" presetID="9" presetClass="entr" presetSubtype="0" fill="hold" nodeType="withEffect">
+                                  <p:stCondLst>
+                                    <p:cond delay="0"/>
+                                  </p:stCondLst>
+                                  <p:childTnLst>
+                                    <p:set>
+                                      <p:cBhvr>
+                                        <p:cTn id="19" dur="1" fill="hold">
+                                          <p:stCondLst>
+                                            <p:cond delay="0"/>
+                                          </p:stCondLst>
+                                        </p:cTn>
+                                        <p:tgtEl>
+                                          <p:spTgt spid="345099">
+                                            <p:txEl>
+                                              <p:pRg st="2" end="2"/>
+                                            </p:txEl>
+                                          </p:spTgt>
+                                        </p:tgtEl>
+                                        <p:attrNameLst>
+                                          <p:attrName>style.visibility</p:attrName>
+                                        </p:attrNameLst>
+                                      </p:cBhvr>
+                                      <p:to>
+                                        <p:strVal val="visible"/>
+                                      </p:to>
+                                    </p:set>
+                                    <p:animEffect transition="in" filter="dissolve">
+                                      <p:cBhvr>
+                                        <p:cTn id="20" dur="500"/>
+                                        <p:tgtEl>
+                                          <p:spTgt spid="345099">
+                                            <p:txEl>
+                                              <p:pRg st="2" end="2"/>
+                                            </p:txEl>
+                                          </p:spTgt>
+                                        </p:tgtEl>
+                                      </p:cBhvr>
+                                    </p:animEffect>
+                                  </p:childTnLst>
+                                </p:cTn>
+                              </p:par>
+                            </p:childTnLst>
+                          </p:cTn>
+                        </p:par>
+                      </p:childTnLst>
+                    </p:cTn>
+                  </p:par>
+                </p:childTnLst>
+              </p:cTn>
+              <p:prevCondLst>
+                <p:cond evt="onPrev" delay="0">
+                  <p:tgtEl>
+                    <p:sldTgt/>
+                  </p:tgtEl>
+                </p:cond>
+              </p:prevCondLst>
+              <p:nextCondLst>
+                <p:cond evt="onNext" delay="0">
+                  <p:tgtEl>
+                    <p:sldTgt/>
+                  </p:tgtEl>
+                </p:cond>
+              </p:nextCondLst>
+            </p:seq>
+          </p:childTnLst>
+        </p:cTn>
+      </p:par>
+    </p:tnLst>
+    <p:bldLst>
+      <p:bldP spid="22534" grpId="0"/>
+    </p:bldLst>
+  </p:timing>
+</p:sld>
+</file>
+
+<file path=ppt/slides/slide15.xml><?xml version="1.0" encoding="utf-8"?>
 <p:sld xmlns:a="http://schemas.openxmlformats.org/drawingml/2006/main" xmlns:r="http://schemas.openxmlformats.org/officeDocument/2006/relationships" xmlns:p="http://schemas.openxmlformats.org/presentationml/2006/main">
   <p:cSld>
     <p:spTree>
@@ -7446,8 +9319,8 @@
         </p:nvSpPr>
         <p:spPr bwMode="auto">
           <a:xfrm>
-            <a:off x="228600" y="3124200"/>
-            <a:ext cx="8534400" cy="2123658"/>
+            <a:off x="134336" y="3101593"/>
+            <a:ext cx="8866169" cy="1569660"/>
           </a:xfrm>
           <a:prstGeom prst="rect">
             <a:avLst/>
@@ -7466,29 +9339,18 @@
           </a:bodyPr>
           <a:lstStyle/>
           <a:p>
-            <a:r>
-              <a:rPr lang="en-US" sz="4400" dirty="0" smtClean="0">
-                <a:latin typeface="Comic Sans MS" pitchFamily="66" charset="0"/>
-              </a:rPr>
-              <a:t>So, can</a:t>
-            </a:r>
-            <a:r>
-              <a:rPr lang="en-US" sz="4400" dirty="0" smtClean="0">
-                <a:solidFill>
-                  <a:srgbClr val="FF0000"/>
-                </a:solidFill>
-                <a:latin typeface="Comic Sans MS" pitchFamily="66" charset="0"/>
-              </a:rPr>
-              <a:t>not</a:t>
-            </a:r>
-            <a:r>
-              <a:rPr lang="en-US" sz="4400" dirty="0" smtClean="0">
-                <a:latin typeface="Comic Sans MS" pitchFamily="66" charset="0"/>
-              </a:rPr>
-              <a:t> make </a:t>
-            </a:r>
-            <a:r>
-              <a:rPr lang="en-US" sz="4400" dirty="0" err="1" smtClean="0">
+            <a:pPr marL="571500" indent="-571500">
+              <a:buFont typeface="Arial"/>
+              <a:buChar char="•"/>
+            </a:pPr>
+            <a:r>
+              <a:rPr lang="en-US" sz="4800" dirty="0">
+                <a:latin typeface="Comic Sans MS" pitchFamily="66" charset="0"/>
+              </a:rPr>
+              <a:t> </a:t>
+            </a:r>
+            <a:r>
+              <a:rPr lang="en-US" sz="4800" dirty="0" smtClean="0">
                 <a:solidFill>
                   <a:srgbClr val="F60000"/>
                 </a:solidFill>
@@ -7497,86 +9359,151 @@
               <a:t>m</a:t>
             </a:r>
             <a:r>
-              <a:rPr lang="en-US" sz="4400" dirty="0" smtClean="0">
+              <a:rPr lang="en-US" sz="4800" dirty="0" smtClean="0">
+                <a:solidFill>
+                  <a:srgbClr val="000000"/>
+                </a:solidFill>
+                <a:latin typeface="Comic Sans MS" pitchFamily="66" charset="0"/>
+                <a:cs typeface="Times New Roman" pitchFamily="18" charset="0"/>
+              </a:rPr>
+              <a:t> is</a:t>
+            </a:r>
+            <a:r>
+              <a:rPr lang="en-US" sz="4800" dirty="0" smtClean="0">
                 <a:solidFill>
                   <a:srgbClr val="F60000"/>
                 </a:solidFill>
                 <a:latin typeface="Comic Sans MS" pitchFamily="66" charset="0"/>
                 <a:cs typeface="Times New Roman" pitchFamily="18" charset="0"/>
               </a:rPr>
-              <a:t>¢</a:t>
-            </a:r>
-            <a:r>
-              <a:rPr lang="en-US" sz="4400" dirty="0" smtClean="0">
+              <a:t> </a:t>
+            </a:r>
+            <a:r>
+              <a:rPr lang="en-US" sz="4800" dirty="0" smtClean="0">
+                <a:solidFill>
+                  <a:srgbClr val="FF33CC"/>
+                </a:solidFill>
+                <a:latin typeface="Comic Sans MS" pitchFamily="66" charset="0"/>
+                <a:cs typeface="Times New Roman" pitchFamily="18" charset="0"/>
+              </a:rPr>
+              <a:t>big  </a:t>
+            </a:r>
+            <a:r>
+              <a:rPr lang="en-US" sz="4800" dirty="0" smtClean="0">
                 <a:solidFill>
                   <a:srgbClr val="000000"/>
                 </a:solidFill>
                 <a:latin typeface="Comic Sans MS" pitchFamily="66" charset="0"/>
                 <a:cs typeface="Times New Roman" pitchFamily="18" charset="0"/>
               </a:rPr>
-              <a:t>.</a:t>
-            </a:r>
-          </a:p>
-          <a:p>
-            <a:r>
-              <a:rPr lang="en-US" sz="4400" dirty="0" smtClean="0">
+              <a:t>and</a:t>
+            </a:r>
+            <a:r>
+              <a:rPr lang="en-US" sz="4800" dirty="0" smtClean="0">
+                <a:solidFill>
+                  <a:srgbClr val="FF33CC"/>
+                </a:solidFill>
+                <a:latin typeface="Comic Sans MS" pitchFamily="66" charset="0"/>
+                <a:cs typeface="Times New Roman" pitchFamily="18" charset="0"/>
+              </a:rPr>
+              <a:t> </a:t>
+            </a:r>
+            <a:r>
+              <a:rPr lang="en-US" sz="4800" dirty="0" smtClean="0">
                 <a:solidFill>
                   <a:srgbClr val="F60000"/>
                 </a:solidFill>
                 <a:latin typeface="Comic Sans MS" pitchFamily="66" charset="0"/>
                 <a:cs typeface="Times New Roman" pitchFamily="18" charset="0"/>
               </a:rPr>
-              <a:t>      </a:t>
-            </a:r>
-            <a:r>
-              <a:rPr lang="en-US" sz="4400" dirty="0" smtClean="0">
+              <a:t>not </a:t>
+            </a:r>
+            <a:r>
+              <a:rPr lang="en-US" sz="4800" dirty="0" smtClean="0">
                 <a:solidFill>
                   <a:srgbClr val="028822"/>
                 </a:solidFill>
                 <a:latin typeface="Comic Sans MS" pitchFamily="66" charset="0"/>
                 <a:cs typeface="Times New Roman" pitchFamily="18" charset="0"/>
               </a:rPr>
-              <a:t>can</a:t>
-            </a:r>
-            <a:r>
-              <a:rPr lang="en-US" sz="4400" dirty="0" smtClean="0">
+              <a:t>good</a:t>
+            </a:r>
+            <a:endParaRPr lang="en-US" sz="4800" dirty="0" smtClean="0">
+              <a:solidFill>
+                <a:srgbClr val="028822"/>
+              </a:solidFill>
+              <a:latin typeface="Comic Sans MS" pitchFamily="66" charset="0"/>
+              <a:cs typeface="Times New Roman" pitchFamily="18" charset="0"/>
+            </a:endParaRPr>
+          </a:p>
+          <a:p>
+            <a:pPr marL="571500" indent="-571500">
+              <a:buFont typeface="Arial"/>
+              <a:buChar char="•"/>
+            </a:pPr>
+            <a:r>
+              <a:rPr lang="en-US" sz="4800" dirty="0" smtClean="0">
                 <a:latin typeface="Comic Sans MS" pitchFamily="66" charset="0"/>
                 <a:cs typeface="Times New Roman" pitchFamily="18" charset="0"/>
               </a:rPr>
-              <a:t> make</a:t>
-            </a:r>
-            <a:r>
-              <a:rPr lang="en-US" sz="4400" dirty="0" smtClean="0">
-                <a:solidFill>
-                  <a:srgbClr val="F60000"/>
-                </a:solidFill>
-                <a:latin typeface="Comic Sans MS" pitchFamily="66" charset="0"/>
-                <a:cs typeface="Times New Roman" pitchFamily="18" charset="0"/>
-              </a:rPr>
-              <a:t> </a:t>
-            </a:r>
-            <a:r>
-              <a:rPr lang="en-US" sz="4400" dirty="0" smtClean="0">
+              <a:t> any</a:t>
+            </a:r>
+            <a:r>
+              <a:rPr lang="en-US" sz="4800" dirty="0" smtClean="0">
                 <a:solidFill>
                   <a:srgbClr val="028822"/>
                 </a:solidFill>
                 <a:latin typeface="Comic Sans MS" pitchFamily="66" charset="0"/>
                 <a:cs typeface="Times New Roman" pitchFamily="18" charset="0"/>
               </a:rPr>
-              <a:t>any amount </a:t>
-            </a:r>
-            <a:r>
-              <a:rPr lang="en-US" sz="4400" dirty="0" smtClean="0">
+              <a:t> </a:t>
+            </a:r>
+            <a:r>
+              <a:rPr lang="en-US" sz="4800" dirty="0">
+                <a:solidFill>
+                  <a:srgbClr val="FF33CC"/>
+                </a:solidFill>
+                <a:latin typeface="Comic Sans MS" pitchFamily="66" charset="0"/>
+                <a:cs typeface="Times New Roman" pitchFamily="18" charset="0"/>
+              </a:rPr>
+              <a:t>big</a:t>
+            </a:r>
+            <a:r>
+              <a:rPr lang="en-US" sz="4800" dirty="0" smtClean="0">
                 <a:solidFill>
                   <a:srgbClr val="028822"/>
                 </a:solidFill>
+                <a:latin typeface="Comic Sans MS" pitchFamily="66" charset="0"/>
+                <a:cs typeface="Times New Roman" pitchFamily="18" charset="0"/>
+              </a:rPr>
+              <a:t> </a:t>
+            </a:r>
+            <a:r>
+              <a:rPr lang="en-US" sz="4800" dirty="0" smtClean="0">
+                <a:latin typeface="Comic Sans MS" pitchFamily="66" charset="0"/>
+                <a:cs typeface="Times New Roman" pitchFamily="18" charset="0"/>
+              </a:rPr>
+              <a:t>amount</a:t>
+            </a:r>
+            <a:r>
+              <a:rPr lang="en-US" sz="4800" dirty="0" smtClean="0">
+                <a:solidFill>
+                  <a:srgbClr val="028822"/>
+                </a:solidFill>
+                <a:latin typeface="Comic Sans MS" pitchFamily="66" charset="0"/>
+                <a:cs typeface="Times New Roman" pitchFamily="18" charset="0"/>
+              </a:rPr>
+              <a:t> </a:t>
+            </a:r>
+            <a:r>
+              <a:rPr lang="en-US" sz="4800" b="1" dirty="0" smtClean="0">
                 <a:latin typeface="Symbol" charset="2"/>
                 <a:cs typeface="Symbol" charset="2"/>
               </a:rPr>
               <a:t>&lt;</a:t>
             </a:r>
             <a:r>
-              <a:rPr lang="en-US" sz="4400" dirty="0" smtClean="0">
+              <a:rPr lang="en-US" sz="4800" dirty="0" smtClean="0">
                 <a:solidFill>
                   <a:srgbClr val="F60000"/>
                 </a:solidFill>
@@ -7586,32 +9513,74 @@
               <a:t> </a:t>
             </a:r>
             <a:r>
-              <a:rPr lang="en-US" sz="4400" dirty="0" err="1" smtClean="0">
+              <a:rPr lang="en-US" sz="4800" dirty="0" smtClean="0">
                 <a:solidFill>
                   <a:srgbClr val="F60000"/>
                 </a:solidFill>
+                <a:latin typeface="Symbol" charset="2"/>
+                <a:cs typeface="Symbol" charset="2"/>
+              </a:rPr>
+              <a:t> </a:t>
+            </a:r>
+            <a:r>
+              <a:rPr lang="en-US" sz="4800" dirty="0" smtClean="0">
+                <a:solidFill>
+                  <a:srgbClr val="F60000"/>
+                </a:solidFill>
                 <a:latin typeface="Comic Sans MS" pitchFamily="66" charset="0"/>
               </a:rPr>
               <a:t>m</a:t>
             </a:r>
             <a:r>
-              <a:rPr lang="en-US" sz="4400" dirty="0" smtClean="0">
+              <a:rPr lang="en-US" sz="4800" dirty="0" smtClean="0">
+                <a:solidFill>
+                  <a:srgbClr val="F60000"/>
+                </a:solidFill>
+                <a:latin typeface="Comic Sans MS" pitchFamily="66" charset="0"/>
+                <a:cs typeface="Times New Roman" pitchFamily="18" charset="0"/>
+              </a:rPr>
+              <a:t> </a:t>
+            </a:r>
+            <a:r>
+              <a:rPr lang="en-US" sz="4800" dirty="0" smtClean="0">
                 <a:solidFill>
                   <a:srgbClr val="000000"/>
                 </a:solidFill>
                 <a:latin typeface="Comic Sans MS" pitchFamily="66" charset="0"/>
-              </a:rPr>
-              <a:t>,</a:t>
-            </a:r>
-            <a:endParaRPr lang="en-US" sz="4400" dirty="0" smtClean="0">
-              <a:solidFill>
-                <a:srgbClr val="000000"/>
-              </a:solidFill>
-              <a:latin typeface="Comic Sans MS" pitchFamily="66" charset="0"/>
-              <a:cs typeface="Times New Roman" pitchFamily="18" charset="0"/>
-            </a:endParaRPr>
-          </a:p>
-          <a:p>
+                <a:cs typeface="Times New Roman" pitchFamily="18" charset="0"/>
+              </a:rPr>
+              <a:t>is</a:t>
+            </a:r>
+            <a:r>
+              <a:rPr lang="en-US" sz="4800" dirty="0" smtClean="0">
+                <a:solidFill>
+                  <a:srgbClr val="F60000"/>
+                </a:solidFill>
+                <a:latin typeface="Comic Sans MS" pitchFamily="66" charset="0"/>
+                <a:cs typeface="Times New Roman" pitchFamily="18" charset="0"/>
+              </a:rPr>
+              <a:t> </a:t>
+            </a:r>
+            <a:r>
+              <a:rPr lang="en-US" sz="4800" dirty="0" smtClean="0">
+                <a:solidFill>
+                  <a:srgbClr val="028822"/>
+                </a:solidFill>
+                <a:latin typeface="Comic Sans MS" pitchFamily="66" charset="0"/>
+                <a:cs typeface="Times New Roman" pitchFamily="18" charset="0"/>
+              </a:rPr>
+              <a:t>good</a:t>
+            </a:r>
+            <a:r>
+              <a:rPr lang="en-US" sz="4400" dirty="0" smtClean="0">
+                <a:solidFill>
+                  <a:srgbClr val="028822"/>
+                </a:solidFill>
+                <a:latin typeface="Comic Sans MS" pitchFamily="66" charset="0"/>
+                <a:cs typeface="Times New Roman" pitchFamily="18" charset="0"/>
+              </a:rPr>
+              <a:t> </a:t>
+            </a:r>
             <a:r>
               <a:rPr lang="en-US" sz="4400" dirty="0" smtClean="0">
                 <a:solidFill>
@@ -7620,27 +9589,7 @@
                 <a:latin typeface="Comic Sans MS" pitchFamily="66" charset="0"/>
                 <a:cs typeface="Times New Roman" pitchFamily="18" charset="0"/>
               </a:rPr>
-              <a:t>                                 </a:t>
-            </a:r>
-            <a:r>
-              <a:rPr lang="en-US" sz="4400" dirty="0" smtClean="0">
-                <a:latin typeface="Comic Sans MS" pitchFamily="66" charset="0"/>
-                <a:cs typeface="Times New Roman" pitchFamily="18" charset="0"/>
-              </a:rPr>
-              <a:t>and </a:t>
-            </a:r>
-            <a:r>
-              <a:rPr lang="en-US" sz="4400" dirty="0" smtClean="0">
-                <a:latin typeface="Symbol" charset="2"/>
-                <a:cs typeface="Symbol" charset="2"/>
-              </a:rPr>
-              <a:t> ≥ </a:t>
-            </a:r>
-            <a:r>
-              <a:rPr lang="en-US" sz="4400" dirty="0" smtClean="0">
-                <a:latin typeface="Comic Sans MS" pitchFamily="66" charset="0"/>
-              </a:rPr>
-              <a:t>8 </a:t>
+              <a:t>  </a:t>
             </a:r>
             <a:endParaRPr lang="en-US" sz="5400" dirty="0">
               <a:latin typeface="Comic Sans MS" pitchFamily="66" charset="0"/>
@@ -7960,7 +9909,7 @@
                                     </p:set>
                                     <p:animEffect transition="in" filter="fade">
                                       <p:cBhvr>
-                                        <p:cTn id="7" dur="1000"/>
+                                        <p:cTn id="7" dur="500"/>
                                         <p:tgtEl>
                                           <p:spTgt spid="22534">
                                             <p:txEl>
@@ -8021,63 +9970,11 @@
                                     </p:set>
                                     <p:animEffect transition="in" filter="fade">
                                       <p:cBhvr>
-                                        <p:cTn id="12" dur="1000"/>
+                                        <p:cTn id="12" dur="500"/>
                                         <p:tgtEl>
                                           <p:spTgt spid="22534">
                                             <p:txEl>
                                               <p:pRg st="1" end="1"/>
-                                            </p:txEl>
-                                          </p:spTgt>
-                                        </p:tgtEl>
-                                      </p:cBhvr>
-                                    </p:animEffect>
-                                  </p:childTnLst>
-                                </p:cTn>
-                              </p:par>
-                            </p:childTnLst>
-                          </p:cTn>
-                        </p:par>
-                        <p:par>
-                          <p:cTn id="13" fill="hold">
-                            <p:stCondLst>
-                              <p:cond delay="1000"/>
-                            </p:stCondLst>
-                            <p:childTnLst>
-                              <p:par>
-                                <p:cTn id="14" presetID="10" presetClass="entr" presetSubtype="0" fill="hold" grpId="0" nodeType="afterEffect">
-                                  <p:stCondLst>
-                                    <p:cond delay="0"/>
-                                  </p:stCondLst>
-                                  <p:childTnLst>
-                                    <p:set>
-                                      <p:cBhvr>
-                                        <p:cTn id="15" dur="1" fill="hold">
-                                          <p:stCondLst>
-                                            <p:cond delay="0"/>
-                                          </p:stCondLst>
-                                        </p:cTn>
-                                        <p:tgtEl>
-                                          <p:spTgt spid="22534">
-                                            <p:txEl>
-                                              <p:pRg st="2" end="2"/>
-                                            </p:txEl>
-                                          </p:spTgt>
-                                        </p:tgtEl>
-                                        <p:attrNameLst>
-                                          <p:attrName>style.visibility</p:attrName>
-                                        </p:attrNameLst>
-                                      </p:cBhvr>
-                                      <p:to>
-                                        <p:strVal val="visible"/>
-                                      </p:to>
-                                    </p:set>
-                                    <p:animEffect transition="in" filter="fade">
-                                      <p:cBhvr>
-                                        <p:cTn id="16" dur="1000"/>
-                                        <p:tgtEl>
-                                          <p:spTgt spid="22534">
-                                            <p:txEl>
-                                              <p:pRg st="2" end="2"/>
                                             </p:txEl>
                                           </p:spTgt>
                                         </p:tgtEl>
@@ -8120,7 +10017,7 @@
 </p:sld>
 </file>
 
-<file path=ppt/slides/slide14.xml><?xml version="1.0" encoding="utf-8"?>
+<file path=ppt/slides/slide16.xml><?xml version="1.0" encoding="utf-8"?>
 <p:sld xmlns:a="http://schemas.openxmlformats.org/drawingml/2006/main" xmlns:r="http://schemas.openxmlformats.org/officeDocument/2006/relationships" xmlns:p="http://schemas.openxmlformats.org/presentationml/2006/main" show="0">
   <p:cSld>
     <p:spTree>
@@ -9032,8 +10929,1225 @@
 </p:sld>
 </file>
 
-<file path=ppt/slides/slide15.xml><?xml version="1.0" encoding="utf-8"?>
+<file path=ppt/slides/slide17.xml><?xml version="1.0" encoding="utf-8"?>
 <p:sld xmlns:a="http://schemas.openxmlformats.org/drawingml/2006/main" xmlns:r="http://schemas.openxmlformats.org/officeDocument/2006/relationships" xmlns:p="http://schemas.openxmlformats.org/presentationml/2006/main">
+  <p:cSld>
+    <p:spTree>
+      <p:nvGrpSpPr>
+        <p:cNvPr id="1" name=""/>
+        <p:cNvGrpSpPr/>
+        <p:nvPr/>
+      </p:nvGrpSpPr>
+      <p:grpSpPr>
+        <a:xfrm>
+          <a:off x="0" y="0"/>
+          <a:ext cx="0" cy="0"/>
+          <a:chOff x="0" y="0"/>
+          <a:chExt cx="0" cy="0"/>
+        </a:xfrm>
+      </p:grpSpPr>
+      <p:sp>
+        <p:nvSpPr>
+          <p:cNvPr id="346115" name="Text Box 3"/>
+          <p:cNvSpPr txBox="1">
+            <a:spLocks noChangeArrowheads="1"/>
+          </p:cNvSpPr>
+          <p:nvPr/>
+        </p:nvSpPr>
+        <p:spPr bwMode="auto">
+          <a:xfrm>
+            <a:off x="609599" y="2209801"/>
+            <a:ext cx="4077855" cy="1015663"/>
+          </a:xfrm>
+          <a:prstGeom prst="rect">
+            <a:avLst/>
+          </a:prstGeom>
+          <a:noFill/>
+          <a:ln w="9525">
+            <a:noFill/>
+            <a:miter lim="800000"/>
+            <a:headEnd/>
+            <a:tailEnd type="none" w="lg" len="lg"/>
+          </a:ln>
+        </p:spPr>
+        <p:txBody>
+          <a:bodyPr wrap="square">
+            <a:spAutoFit/>
+          </a:bodyPr>
+          <a:lstStyle/>
+          <a:p>
+            <a:r>
+              <a:rPr lang="en-US" sz="6000" dirty="0" smtClean="0">
+                <a:latin typeface="Comic Sans MS" pitchFamily="66" charset="0"/>
+              </a:rPr>
+              <a:t>8 is </a:t>
+            </a:r>
+            <a:r>
+              <a:rPr lang="en-US" sz="6000" dirty="0" smtClean="0">
+                <a:solidFill>
+                  <a:srgbClr val="028822"/>
+                </a:solidFill>
+                <a:latin typeface="Comic Sans MS" pitchFamily="66" charset="0"/>
+              </a:rPr>
+              <a:t>good</a:t>
+            </a:r>
+            <a:r>
+              <a:rPr lang="en-US" sz="6000" dirty="0" smtClean="0">
+                <a:latin typeface="Comic Sans MS" pitchFamily="66" charset="0"/>
+              </a:rPr>
+              <a:t>:</a:t>
+            </a:r>
+            <a:endParaRPr lang="en-US" sz="6000" dirty="0">
+              <a:latin typeface="Comic Sans MS" pitchFamily="66" charset="0"/>
+            </a:endParaRPr>
+          </a:p>
+        </p:txBody>
+      </p:sp>
+      <p:grpSp>
+        <p:nvGrpSpPr>
+          <p:cNvPr id="2" name="Group 10"/>
+          <p:cNvGrpSpPr>
+            <a:grpSpLocks/>
+          </p:cNvGrpSpPr>
+          <p:nvPr/>
+        </p:nvGrpSpPr>
+        <p:grpSpPr bwMode="auto">
+          <a:xfrm>
+            <a:off x="4655124" y="1947863"/>
+            <a:ext cx="3160712" cy="1447800"/>
+            <a:chOff x="1897" y="984"/>
+            <a:chExt cx="1991" cy="912"/>
+          </a:xfrm>
+        </p:grpSpPr>
+        <p:pic>
+          <p:nvPicPr>
+            <p:cNvPr id="23558" name="Picture 11" descr="s150fr"/>
+            <p:cNvPicPr>
+              <a:picLocks noChangeAspect="1" noChangeArrowheads="1"/>
+            </p:cNvPicPr>
+            <p:nvPr/>
+          </p:nvPicPr>
+          <p:blipFill>
+            <a:blip r:embed="rId3"/>
+            <a:srcRect/>
+            <a:stretch>
+              <a:fillRect/>
+            </a:stretch>
+          </p:blipFill>
+          <p:spPr bwMode="auto">
+            <a:xfrm>
+              <a:off x="3138" y="984"/>
+              <a:ext cx="750" cy="912"/>
+            </a:xfrm>
+            <a:prstGeom prst="rect">
+              <a:avLst/>
+            </a:prstGeom>
+            <a:noFill/>
+            <a:ln w="9525">
+              <a:noFill/>
+              <a:miter lim="800000"/>
+              <a:headEnd/>
+              <a:tailEnd/>
+            </a:ln>
+          </p:spPr>
+        </p:pic>
+        <p:pic>
+          <p:nvPicPr>
+            <p:cNvPr id="23559" name="Picture 12" descr="s1945"/>
+            <p:cNvPicPr>
+              <a:picLocks noChangeAspect="1" noChangeArrowheads="1"/>
+            </p:cNvPicPr>
+            <p:nvPr/>
+          </p:nvPicPr>
+          <p:blipFill>
+            <a:blip r:embed="rId4"/>
+            <a:srcRect/>
+            <a:stretch>
+              <a:fillRect/>
+            </a:stretch>
+          </p:blipFill>
+          <p:spPr bwMode="auto">
+            <a:xfrm>
+              <a:off x="1897" y="1083"/>
+              <a:ext cx="1145" cy="713"/>
+            </a:xfrm>
+            <a:prstGeom prst="rect">
+              <a:avLst/>
+            </a:prstGeom>
+            <a:noFill/>
+            <a:ln w="9525">
+              <a:noFill/>
+              <a:miter lim="800000"/>
+              <a:headEnd/>
+              <a:tailEnd/>
+            </a:ln>
+          </p:spPr>
+        </p:pic>
+      </p:grpSp>
+      <p:sp>
+        <p:nvSpPr>
+          <p:cNvPr id="10" name="Rectangle 14"/>
+          <p:cNvSpPr>
+            <a:spLocks noGrp="1" noChangeArrowheads="1"/>
+          </p:cNvSpPr>
+          <p:nvPr>
+            <p:ph type="title"/>
+          </p:nvPr>
+        </p:nvSpPr>
+        <p:spPr>
+          <a:xfrm>
+            <a:off x="1447800" y="304800"/>
+            <a:ext cx="7086600" cy="1143000"/>
+          </a:xfrm>
+          <a:noFill/>
+        </p:spPr>
+        <p:txBody>
+          <a:bodyPr/>
+          <a:lstStyle/>
+          <a:p>
+            <a:r>
+              <a:rPr lang="en-US" dirty="0" smtClean="0"/>
+              <a:t>Well Ordered Postage</a:t>
+            </a:r>
+          </a:p>
+        </p:txBody>
+      </p:sp>
+      <p:sp>
+        <p:nvSpPr>
+          <p:cNvPr id="12" name="Text Box 3"/>
+          <p:cNvSpPr txBox="1">
+            <a:spLocks noChangeArrowheads="1"/>
+          </p:cNvSpPr>
+          <p:nvPr/>
+        </p:nvSpPr>
+        <p:spPr bwMode="auto">
+          <a:xfrm>
+            <a:off x="1620981" y="3648369"/>
+            <a:ext cx="5456383" cy="1323439"/>
+          </a:xfrm>
+          <a:prstGeom prst="rect">
+            <a:avLst/>
+          </a:prstGeom>
+          <a:noFill/>
+          <a:ln w="9525">
+            <a:noFill/>
+            <a:miter lim="800000"/>
+            <a:headEnd/>
+            <a:tailEnd type="none" w="lg" len="lg"/>
+          </a:ln>
+        </p:spPr>
+        <p:txBody>
+          <a:bodyPr wrap="square">
+            <a:spAutoFit/>
+          </a:bodyPr>
+          <a:lstStyle/>
+          <a:p>
+            <a:r>
+              <a:rPr lang="en-US" sz="8000" dirty="0" smtClean="0">
+                <a:latin typeface="Comic Sans MS" pitchFamily="66" charset="0"/>
+              </a:rPr>
+              <a:t>so</a:t>
+            </a:r>
+            <a:r>
+              <a:rPr lang="en-US" sz="8000" dirty="0" smtClean="0">
+                <a:solidFill>
+                  <a:srgbClr val="FF0000"/>
+                </a:solidFill>
+                <a:latin typeface="Comic Sans MS" pitchFamily="66" charset="0"/>
+              </a:rPr>
+              <a:t> </a:t>
+            </a:r>
+            <a:r>
+              <a:rPr lang="en-US" sz="8000" dirty="0" smtClean="0">
+                <a:solidFill>
+                  <a:srgbClr val="FF0000"/>
+                </a:solidFill>
+                <a:latin typeface="Comic Sans MS" pitchFamily="66" charset="0"/>
+              </a:rPr>
+              <a:t>m</a:t>
+            </a:r>
+            <a:r>
+              <a:rPr lang="en-US" sz="8000" dirty="0" smtClean="0">
+                <a:latin typeface="Comic Sans MS" pitchFamily="66" charset="0"/>
+              </a:rPr>
+              <a:t> </a:t>
+            </a:r>
+            <a:r>
+              <a:rPr lang="en-US" sz="8000" b="1" dirty="0" smtClean="0">
+                <a:latin typeface="Euclid Symbol"/>
+                <a:sym typeface="Euclid Symbol"/>
+              </a:rPr>
+              <a:t>&gt;</a:t>
+            </a:r>
+            <a:r>
+              <a:rPr lang="en-US" sz="8000" dirty="0" smtClean="0">
+                <a:latin typeface="Comic Sans MS" pitchFamily="66" charset="0"/>
+              </a:rPr>
+              <a:t> </a:t>
+            </a:r>
+            <a:r>
+              <a:rPr lang="en-US" sz="8000" dirty="0" smtClean="0">
+                <a:latin typeface="Comic Sans MS" pitchFamily="66" charset="0"/>
+              </a:rPr>
+              <a:t>8</a:t>
+            </a:r>
+            <a:endParaRPr lang="en-US" sz="8000" dirty="0">
+              <a:latin typeface="Comic Sans MS" pitchFamily="66" charset="0"/>
+            </a:endParaRPr>
+          </a:p>
+        </p:txBody>
+      </p:sp>
+    </p:spTree>
+  </p:cSld>
+  <p:clrMapOvr>
+    <a:masterClrMapping/>
+  </p:clrMapOvr>
+  <p:timing>
+    <p:tnLst>
+      <p:par>
+        <p:cTn xmlns:p14="http://schemas.microsoft.com/office/powerpoint/2010/main" id="1" dur="indefinite" restart="never" nodeType="tmRoot">
+          <p:childTnLst>
+            <p:seq concurrent="1" nextAc="seek">
+              <p:cTn id="2" dur="indefinite" nodeType="mainSeq">
+                <p:childTnLst>
+                  <p:par>
+                    <p:cTn id="3" fill="hold">
+                      <p:stCondLst>
+                        <p:cond delay="indefinite"/>
+                      </p:stCondLst>
+                      <p:childTnLst>
+                        <p:par>
+                          <p:cTn id="4" fill="hold">
+                            <p:stCondLst>
+                              <p:cond delay="0"/>
+                            </p:stCondLst>
+                            <p:childTnLst>
+                              <p:par>
+                                <p:cTn id="5" presetID="2" presetClass="entr" presetSubtype="2" fill="hold" nodeType="clickEffect">
+                                  <p:stCondLst>
+                                    <p:cond delay="0"/>
+                                  </p:stCondLst>
+                                  <p:childTnLst>
+                                    <p:set>
+                                      <p:cBhvr>
+                                        <p:cTn id="6" dur="1" fill="hold">
+                                          <p:stCondLst>
+                                            <p:cond delay="0"/>
+                                          </p:stCondLst>
+                                        </p:cTn>
+                                        <p:tgtEl>
+                                          <p:spTgt spid="2"/>
+                                        </p:tgtEl>
+                                        <p:attrNameLst>
+                                          <p:attrName>style.visibility</p:attrName>
+                                        </p:attrNameLst>
+                                      </p:cBhvr>
+                                      <p:to>
+                                        <p:strVal val="visible"/>
+                                      </p:to>
+                                    </p:set>
+                                    <p:anim calcmode="lin" valueType="num">
+                                      <p:cBhvr additive="base">
+                                        <p:cTn id="7" dur="500" fill="hold"/>
+                                        <p:tgtEl>
+                                          <p:spTgt spid="2"/>
+                                        </p:tgtEl>
+                                        <p:attrNameLst>
+                                          <p:attrName>ppt_x</p:attrName>
+                                        </p:attrNameLst>
+                                      </p:cBhvr>
+                                      <p:tavLst>
+                                        <p:tav tm="0">
+                                          <p:val>
+                                            <p:strVal val="1+#ppt_w/2"/>
+                                          </p:val>
+                                        </p:tav>
+                                        <p:tav tm="100000">
+                                          <p:val>
+                                            <p:strVal val="#ppt_x"/>
+                                          </p:val>
+                                        </p:tav>
+                                      </p:tavLst>
+                                    </p:anim>
+                                    <p:anim calcmode="lin" valueType="num">
+                                      <p:cBhvr additive="base">
+                                        <p:cTn id="8" dur="500" fill="hold"/>
+                                        <p:tgtEl>
+                                          <p:spTgt spid="2"/>
+                                        </p:tgtEl>
+                                        <p:attrNameLst>
+                                          <p:attrName>ppt_y</p:attrName>
+                                        </p:attrNameLst>
+                                      </p:cBhvr>
+                                      <p:tavLst>
+                                        <p:tav tm="0">
+                                          <p:val>
+                                            <p:strVal val="#ppt_y"/>
+                                          </p:val>
+                                        </p:tav>
+                                        <p:tav tm="100000">
+                                          <p:val>
+                                            <p:strVal val="#ppt_y"/>
+                                          </p:val>
+                                        </p:tav>
+                                      </p:tavLst>
+                                    </p:anim>
+                                  </p:childTnLst>
+                                </p:cTn>
+                              </p:par>
+                            </p:childTnLst>
+                          </p:cTn>
+                        </p:par>
+                      </p:childTnLst>
+                    </p:cTn>
+                  </p:par>
+                  <p:par>
+                    <p:cTn id="9" fill="hold">
+                      <p:stCondLst>
+                        <p:cond delay="indefinite"/>
+                      </p:stCondLst>
+                      <p:childTnLst>
+                        <p:par>
+                          <p:cTn id="10" fill="hold">
+                            <p:stCondLst>
+                              <p:cond delay="0"/>
+                            </p:stCondLst>
+                            <p:childTnLst>
+                              <p:par>
+                                <p:cTn id="11" presetID="9" presetClass="entr" presetSubtype="0" fill="hold" grpId="0" nodeType="clickEffect">
+                                  <p:stCondLst>
+                                    <p:cond delay="0"/>
+                                  </p:stCondLst>
+                                  <p:childTnLst>
+                                    <p:set>
+                                      <p:cBhvr>
+                                        <p:cTn id="12" dur="1" fill="hold">
+                                          <p:stCondLst>
+                                            <p:cond delay="0"/>
+                                          </p:stCondLst>
+                                        </p:cTn>
+                                        <p:tgtEl>
+                                          <p:spTgt spid="12"/>
+                                        </p:tgtEl>
+                                        <p:attrNameLst>
+                                          <p:attrName>style.visibility</p:attrName>
+                                        </p:attrNameLst>
+                                      </p:cBhvr>
+                                      <p:to>
+                                        <p:strVal val="visible"/>
+                                      </p:to>
+                                    </p:set>
+                                    <p:animEffect transition="in" filter="dissolve">
+                                      <p:cBhvr>
+                                        <p:cTn id="13" dur="500"/>
+                                        <p:tgtEl>
+                                          <p:spTgt spid="12"/>
+                                        </p:tgtEl>
+                                      </p:cBhvr>
+                                    </p:animEffect>
+                                  </p:childTnLst>
+                                </p:cTn>
+                              </p:par>
+                            </p:childTnLst>
+                          </p:cTn>
+                        </p:par>
+                      </p:childTnLst>
+                    </p:cTn>
+                  </p:par>
+                </p:childTnLst>
+              </p:cTn>
+              <p:prevCondLst>
+                <p:cond evt="onPrev" delay="0">
+                  <p:tgtEl>
+                    <p:sldTgt/>
+                  </p:tgtEl>
+                </p:cond>
+              </p:prevCondLst>
+              <p:nextCondLst>
+                <p:cond evt="onNext" delay="0">
+                  <p:tgtEl>
+                    <p:sldTgt/>
+                  </p:tgtEl>
+                </p:cond>
+              </p:nextCondLst>
+            </p:seq>
+          </p:childTnLst>
+        </p:cTn>
+      </p:par>
+    </p:tnLst>
+    <p:bldLst>
+      <p:bldP spid="12" grpId="0"/>
+    </p:bldLst>
+  </p:timing>
+</p:sld>
+</file>
+
+<file path=ppt/slides/slide18.xml><?xml version="1.0" encoding="utf-8"?>
+<p:sld xmlns:a="http://schemas.openxmlformats.org/drawingml/2006/main" xmlns:r="http://schemas.openxmlformats.org/officeDocument/2006/relationships" xmlns:p="http://schemas.openxmlformats.org/presentationml/2006/main">
+  <p:cSld>
+    <p:spTree>
+      <p:nvGrpSpPr>
+        <p:cNvPr id="1" name=""/>
+        <p:cNvGrpSpPr/>
+        <p:nvPr/>
+      </p:nvGrpSpPr>
+      <p:grpSpPr>
+        <a:xfrm>
+          <a:off x="0" y="0"/>
+          <a:ext cx="0" cy="0"/>
+          <a:chOff x="0" y="0"/>
+          <a:chExt cx="0" cy="0"/>
+        </a:xfrm>
+      </p:grpSpPr>
+      <p:sp>
+        <p:nvSpPr>
+          <p:cNvPr id="10" name="Rectangle 14"/>
+          <p:cNvSpPr>
+            <a:spLocks noGrp="1" noChangeArrowheads="1"/>
+          </p:cNvSpPr>
+          <p:nvPr>
+            <p:ph type="title"/>
+          </p:nvPr>
+        </p:nvSpPr>
+        <p:spPr>
+          <a:xfrm>
+            <a:off x="1447800" y="304800"/>
+            <a:ext cx="7086600" cy="1143000"/>
+          </a:xfrm>
+          <a:noFill/>
+        </p:spPr>
+        <p:txBody>
+          <a:bodyPr/>
+          <a:lstStyle/>
+          <a:p>
+            <a:r>
+              <a:rPr lang="en-US" dirty="0" smtClean="0"/>
+              <a:t>Well Ordered Postage</a:t>
+            </a:r>
+          </a:p>
+        </p:txBody>
+      </p:sp>
+      <p:sp>
+        <p:nvSpPr>
+          <p:cNvPr id="11" name="Text Box 3"/>
+          <p:cNvSpPr txBox="1">
+            <a:spLocks noChangeArrowheads="1"/>
+          </p:cNvSpPr>
+          <p:nvPr/>
+        </p:nvSpPr>
+        <p:spPr bwMode="auto">
+          <a:xfrm>
+            <a:off x="551872" y="1720273"/>
+            <a:ext cx="3276600" cy="1015663"/>
+          </a:xfrm>
+          <a:prstGeom prst="rect">
+            <a:avLst/>
+          </a:prstGeom>
+          <a:noFill/>
+          <a:ln w="9525">
+            <a:noFill/>
+            <a:miter lim="800000"/>
+            <a:headEnd/>
+            <a:tailEnd type="none" w="lg" len="lg"/>
+          </a:ln>
+        </p:spPr>
+        <p:txBody>
+          <a:bodyPr wrap="square">
+            <a:spAutoFit/>
+          </a:bodyPr>
+          <a:lstStyle/>
+          <a:p>
+            <a:r>
+              <a:rPr lang="en-US" sz="6000" dirty="0" err="1" smtClean="0">
+                <a:solidFill>
+                  <a:srgbClr val="FF0000"/>
+                </a:solidFill>
+                <a:latin typeface="Comic Sans MS" pitchFamily="66" charset="0"/>
+              </a:rPr>
+              <a:t>m</a:t>
+            </a:r>
+            <a:r>
+              <a:rPr lang="en-US" sz="6000" dirty="0" smtClean="0">
+                <a:latin typeface="Comic Sans MS" pitchFamily="66" charset="0"/>
+              </a:rPr>
+              <a:t> </a:t>
+            </a:r>
+            <a:r>
+              <a:rPr lang="en-US" sz="6000" b="1" dirty="0" smtClean="0">
+                <a:latin typeface="Euclid Symbol"/>
+                <a:sym typeface="Euclid Symbol"/>
+              </a:rPr>
+              <a:t>&gt;</a:t>
+            </a:r>
+            <a:r>
+              <a:rPr lang="en-US" sz="6000" dirty="0" smtClean="0">
+                <a:latin typeface="Comic Sans MS" pitchFamily="66" charset="0"/>
+              </a:rPr>
+              <a:t> 9:</a:t>
+            </a:r>
+            <a:endParaRPr lang="en-US" sz="6000" dirty="0">
+              <a:latin typeface="Comic Sans MS" pitchFamily="66" charset="0"/>
+            </a:endParaRPr>
+          </a:p>
+        </p:txBody>
+      </p:sp>
+      <p:sp>
+        <p:nvSpPr>
+          <p:cNvPr id="12" name="Text Box 3"/>
+          <p:cNvSpPr txBox="1">
+            <a:spLocks noChangeArrowheads="1"/>
+          </p:cNvSpPr>
+          <p:nvPr/>
+        </p:nvSpPr>
+        <p:spPr bwMode="auto">
+          <a:xfrm>
+            <a:off x="628072" y="3362023"/>
+            <a:ext cx="3276600" cy="1015663"/>
+          </a:xfrm>
+          <a:prstGeom prst="rect">
+            <a:avLst/>
+          </a:prstGeom>
+          <a:noFill/>
+          <a:ln w="9525">
+            <a:noFill/>
+            <a:miter lim="800000"/>
+            <a:headEnd/>
+            <a:tailEnd type="none" w="lg" len="lg"/>
+          </a:ln>
+        </p:spPr>
+        <p:txBody>
+          <a:bodyPr wrap="square">
+            <a:spAutoFit/>
+          </a:bodyPr>
+          <a:lstStyle/>
+          <a:p>
+            <a:r>
+              <a:rPr lang="en-US" sz="6000" dirty="0" err="1" smtClean="0">
+                <a:solidFill>
+                  <a:srgbClr val="FF0000"/>
+                </a:solidFill>
+                <a:latin typeface="Comic Sans MS" pitchFamily="66" charset="0"/>
+              </a:rPr>
+              <a:t>m</a:t>
+            </a:r>
+            <a:r>
+              <a:rPr lang="en-US" sz="6000" dirty="0" smtClean="0">
+                <a:latin typeface="Comic Sans MS" pitchFamily="66" charset="0"/>
+              </a:rPr>
+              <a:t> </a:t>
+            </a:r>
+            <a:r>
+              <a:rPr lang="en-US" sz="6000" b="1" dirty="0" smtClean="0">
+                <a:latin typeface="Euclid Symbol"/>
+                <a:sym typeface="Euclid Symbol"/>
+              </a:rPr>
+              <a:t>&gt;</a:t>
+            </a:r>
+            <a:r>
+              <a:rPr lang="en-US" sz="6000" dirty="0" smtClean="0">
+                <a:latin typeface="Comic Sans MS" pitchFamily="66" charset="0"/>
+              </a:rPr>
+              <a:t> 10:</a:t>
+            </a:r>
+            <a:endParaRPr lang="en-US" sz="6000" dirty="0">
+              <a:latin typeface="Comic Sans MS" pitchFamily="66" charset="0"/>
+            </a:endParaRPr>
+          </a:p>
+        </p:txBody>
+      </p:sp>
+      <p:grpSp>
+        <p:nvGrpSpPr>
+          <p:cNvPr id="13" name="Group 9"/>
+          <p:cNvGrpSpPr>
+            <a:grpSpLocks/>
+          </p:cNvGrpSpPr>
+          <p:nvPr/>
+        </p:nvGrpSpPr>
+        <p:grpSpPr bwMode="auto">
+          <a:xfrm>
+            <a:off x="3780847" y="3438223"/>
+            <a:ext cx="2333625" cy="1447800"/>
+            <a:chOff x="1920" y="3216"/>
+            <a:chExt cx="1470" cy="912"/>
+          </a:xfrm>
+        </p:grpSpPr>
+        <p:pic>
+          <p:nvPicPr>
+            <p:cNvPr id="14" name="Picture 10" descr="s150fr"/>
+            <p:cNvPicPr>
+              <a:picLocks noChangeAspect="1" noChangeArrowheads="1"/>
+            </p:cNvPicPr>
+            <p:nvPr/>
+          </p:nvPicPr>
+          <p:blipFill>
+            <a:blip r:embed="rId3"/>
+            <a:srcRect/>
+            <a:stretch>
+              <a:fillRect/>
+            </a:stretch>
+          </p:blipFill>
+          <p:spPr bwMode="auto">
+            <a:xfrm>
+              <a:off x="1920" y="3216"/>
+              <a:ext cx="750" cy="912"/>
+            </a:xfrm>
+            <a:prstGeom prst="rect">
+              <a:avLst/>
+            </a:prstGeom>
+            <a:noFill/>
+            <a:ln w="9525">
+              <a:noFill/>
+              <a:miter lim="800000"/>
+              <a:headEnd/>
+              <a:tailEnd/>
+            </a:ln>
+          </p:spPr>
+        </p:pic>
+        <p:pic>
+          <p:nvPicPr>
+            <p:cNvPr id="15" name="Picture 11" descr="s150fr"/>
+            <p:cNvPicPr>
+              <a:picLocks noChangeAspect="1" noChangeArrowheads="1"/>
+            </p:cNvPicPr>
+            <p:nvPr/>
+          </p:nvPicPr>
+          <p:blipFill>
+            <a:blip r:embed="rId3"/>
+            <a:srcRect/>
+            <a:stretch>
+              <a:fillRect/>
+            </a:stretch>
+          </p:blipFill>
+          <p:spPr bwMode="auto">
+            <a:xfrm>
+              <a:off x="2640" y="3216"/>
+              <a:ext cx="750" cy="912"/>
+            </a:xfrm>
+            <a:prstGeom prst="rect">
+              <a:avLst/>
+            </a:prstGeom>
+            <a:noFill/>
+            <a:ln w="9525">
+              <a:noFill/>
+              <a:miter lim="800000"/>
+              <a:headEnd/>
+              <a:tailEnd/>
+            </a:ln>
+          </p:spPr>
+        </p:pic>
+      </p:grpSp>
+      <p:grpSp>
+        <p:nvGrpSpPr>
+          <p:cNvPr id="16" name="Group 12"/>
+          <p:cNvGrpSpPr>
+            <a:grpSpLocks/>
+          </p:cNvGrpSpPr>
+          <p:nvPr/>
+        </p:nvGrpSpPr>
+        <p:grpSpPr bwMode="auto">
+          <a:xfrm>
+            <a:off x="3447472" y="1796473"/>
+            <a:ext cx="5387975" cy="1131888"/>
+            <a:chOff x="2160" y="2256"/>
+            <a:chExt cx="3394" cy="713"/>
+          </a:xfrm>
+        </p:grpSpPr>
+        <p:pic>
+          <p:nvPicPr>
+            <p:cNvPr id="17" name="Picture 13" descr="s1945"/>
+            <p:cNvPicPr>
+              <a:picLocks noChangeAspect="1" noChangeArrowheads="1"/>
+            </p:cNvPicPr>
+            <p:nvPr/>
+          </p:nvPicPr>
+          <p:blipFill>
+            <a:blip r:embed="rId4"/>
+            <a:srcRect/>
+            <a:stretch>
+              <a:fillRect/>
+            </a:stretch>
+          </p:blipFill>
+          <p:spPr bwMode="auto">
+            <a:xfrm>
+              <a:off x="2160" y="2256"/>
+              <a:ext cx="1145" cy="713"/>
+            </a:xfrm>
+            <a:prstGeom prst="rect">
+              <a:avLst/>
+            </a:prstGeom>
+            <a:noFill/>
+            <a:ln w="9525">
+              <a:noFill/>
+              <a:miter lim="800000"/>
+              <a:headEnd/>
+              <a:tailEnd/>
+            </a:ln>
+          </p:spPr>
+        </p:pic>
+        <p:pic>
+          <p:nvPicPr>
+            <p:cNvPr id="18" name="Picture 14" descr="s1945"/>
+            <p:cNvPicPr>
+              <a:picLocks noChangeAspect="1" noChangeArrowheads="1"/>
+            </p:cNvPicPr>
+            <p:nvPr/>
+          </p:nvPicPr>
+          <p:blipFill>
+            <a:blip r:embed="rId4"/>
+            <a:srcRect/>
+            <a:stretch>
+              <a:fillRect/>
+            </a:stretch>
+          </p:blipFill>
+          <p:spPr bwMode="auto">
+            <a:xfrm>
+              <a:off x="3305" y="2256"/>
+              <a:ext cx="1145" cy="713"/>
+            </a:xfrm>
+            <a:prstGeom prst="rect">
+              <a:avLst/>
+            </a:prstGeom>
+            <a:noFill/>
+            <a:ln w="9525">
+              <a:noFill/>
+              <a:miter lim="800000"/>
+              <a:headEnd/>
+              <a:tailEnd/>
+            </a:ln>
+          </p:spPr>
+        </p:pic>
+        <p:pic>
+          <p:nvPicPr>
+            <p:cNvPr id="19" name="Picture 15" descr="s1945"/>
+            <p:cNvPicPr>
+              <a:picLocks noChangeAspect="1" noChangeArrowheads="1"/>
+            </p:cNvPicPr>
+            <p:nvPr/>
+          </p:nvPicPr>
+          <p:blipFill>
+            <a:blip r:embed="rId4"/>
+            <a:srcRect/>
+            <a:stretch>
+              <a:fillRect/>
+            </a:stretch>
+          </p:blipFill>
+          <p:spPr bwMode="auto">
+            <a:xfrm>
+              <a:off x="4409" y="2256"/>
+              <a:ext cx="1145" cy="713"/>
+            </a:xfrm>
+            <a:prstGeom prst="rect">
+              <a:avLst/>
+            </a:prstGeom>
+            <a:noFill/>
+            <a:ln w="9525">
+              <a:noFill/>
+              <a:miter lim="800000"/>
+              <a:headEnd/>
+              <a:tailEnd/>
+            </a:ln>
+          </p:spPr>
+        </p:pic>
+      </p:grpSp>
+      <p:sp>
+        <p:nvSpPr>
+          <p:cNvPr id="3" name="TextBox 2"/>
+          <p:cNvSpPr txBox="1"/>
+          <p:nvPr/>
+        </p:nvSpPr>
+        <p:spPr bwMode="auto">
+          <a:xfrm>
+            <a:off x="1327731" y="5114636"/>
+            <a:ext cx="6505465" cy="1200329"/>
+          </a:xfrm>
+          <a:prstGeom prst="rect">
+            <a:avLst/>
+          </a:prstGeom>
+          <a:noFill/>
+          <a:ln w="9525">
+            <a:noFill/>
+            <a:miter lim="800000"/>
+            <a:headEnd/>
+            <a:tailEnd type="none" w="lg" len="lg"/>
+          </a:ln>
+        </p:spPr>
+        <p:txBody>
+          <a:bodyPr wrap="none" rtlCol="0">
+            <a:spAutoFit/>
+          </a:bodyPr>
+          <a:lstStyle/>
+          <a:p>
+            <a:r>
+              <a:rPr lang="en-US" sz="7200" dirty="0" smtClean="0">
+                <a:latin typeface="Comic Sans MS" pitchFamily="66" charset="0"/>
+              </a:rPr>
+              <a:t>Hence, </a:t>
+            </a:r>
+            <a:r>
+              <a:rPr lang="en-US" sz="7200" dirty="0">
+                <a:solidFill>
+                  <a:srgbClr val="FF0000"/>
+                </a:solidFill>
+                <a:latin typeface="Comic Sans MS" pitchFamily="66" charset="0"/>
+              </a:rPr>
+              <a:t>m</a:t>
+            </a:r>
+            <a:r>
+              <a:rPr lang="en-US" sz="7200" dirty="0">
+                <a:solidFill>
+                  <a:srgbClr val="028822"/>
+                </a:solidFill>
+                <a:latin typeface="Comic Sans MS" pitchFamily="66" charset="0"/>
+              </a:rPr>
+              <a:t> </a:t>
+            </a:r>
+            <a:r>
+              <a:rPr lang="en-US" sz="7200" b="1" dirty="0">
+                <a:latin typeface="Euclid Symbol"/>
+                <a:sym typeface="Euclid Symbol"/>
+              </a:rPr>
+              <a:t>≥ </a:t>
+            </a:r>
+            <a:r>
+              <a:rPr lang="en-US" sz="7200" dirty="0">
+                <a:latin typeface="Comic Sans MS" pitchFamily="66" charset="0"/>
+              </a:rPr>
+              <a:t>11.</a:t>
+            </a:r>
+            <a:endParaRPr lang="en-US" sz="7200" dirty="0" smtClean="0">
+              <a:latin typeface="Comic Sans MS" pitchFamily="66" charset="0"/>
+            </a:endParaRPr>
+          </a:p>
+        </p:txBody>
+      </p:sp>
+    </p:spTree>
+    <p:extLst>
+      <p:ext uri="{BB962C8B-B14F-4D97-AF65-F5344CB8AC3E}">
+        <p14:creationId xmlns:p14="http://schemas.microsoft.com/office/powerpoint/2010/main" val="3051807018"/>
+      </p:ext>
+    </p:extLst>
+  </p:cSld>
+  <p:clrMapOvr>
+    <a:masterClrMapping/>
+  </p:clrMapOvr>
+  <p:timing>
+    <p:tnLst>
+      <p:par>
+        <p:cTn xmlns:p14="http://schemas.microsoft.com/office/powerpoint/2010/main" id="1" dur="indefinite" restart="never" nodeType="tmRoot">
+          <p:childTnLst>
+            <p:seq concurrent="1" nextAc="seek">
+              <p:cTn id="2" dur="indefinite" nodeType="mainSeq">
+                <p:childTnLst>
+                  <p:par>
+                    <p:cTn id="3" fill="hold">
+                      <p:stCondLst>
+                        <p:cond delay="indefinite"/>
+                      </p:stCondLst>
+                      <p:childTnLst>
+                        <p:par>
+                          <p:cTn id="4" fill="hold">
+                            <p:stCondLst>
+                              <p:cond delay="0"/>
+                            </p:stCondLst>
+                            <p:childTnLst>
+                              <p:par>
+                                <p:cTn id="5" presetID="2" presetClass="entr" presetSubtype="2" fill="hold" nodeType="clickEffect">
+                                  <p:stCondLst>
+                                    <p:cond delay="0"/>
+                                  </p:stCondLst>
+                                  <p:childTnLst>
+                                    <p:set>
+                                      <p:cBhvr>
+                                        <p:cTn id="6" dur="1" fill="hold">
+                                          <p:stCondLst>
+                                            <p:cond delay="0"/>
+                                          </p:stCondLst>
+                                        </p:cTn>
+                                        <p:tgtEl>
+                                          <p:spTgt spid="16"/>
+                                        </p:tgtEl>
+                                        <p:attrNameLst>
+                                          <p:attrName>style.visibility</p:attrName>
+                                        </p:attrNameLst>
+                                      </p:cBhvr>
+                                      <p:to>
+                                        <p:strVal val="visible"/>
+                                      </p:to>
+                                    </p:set>
+                                    <p:anim calcmode="lin" valueType="num">
+                                      <p:cBhvr additive="base">
+                                        <p:cTn id="7" dur="1000" fill="hold"/>
+                                        <p:tgtEl>
+                                          <p:spTgt spid="16"/>
+                                        </p:tgtEl>
+                                        <p:attrNameLst>
+                                          <p:attrName>ppt_x</p:attrName>
+                                        </p:attrNameLst>
+                                      </p:cBhvr>
+                                      <p:tavLst>
+                                        <p:tav tm="0">
+                                          <p:val>
+                                            <p:strVal val="1+#ppt_w/2"/>
+                                          </p:val>
+                                        </p:tav>
+                                        <p:tav tm="100000">
+                                          <p:val>
+                                            <p:strVal val="#ppt_x"/>
+                                          </p:val>
+                                        </p:tav>
+                                      </p:tavLst>
+                                    </p:anim>
+                                    <p:anim calcmode="lin" valueType="num">
+                                      <p:cBhvr additive="base">
+                                        <p:cTn id="8" dur="1000" fill="hold"/>
+                                        <p:tgtEl>
+                                          <p:spTgt spid="16"/>
+                                        </p:tgtEl>
+                                        <p:attrNameLst>
+                                          <p:attrName>ppt_y</p:attrName>
+                                        </p:attrNameLst>
+                                      </p:cBhvr>
+                                      <p:tavLst>
+                                        <p:tav tm="0">
+                                          <p:val>
+                                            <p:strVal val="#ppt_y"/>
+                                          </p:val>
+                                        </p:tav>
+                                        <p:tav tm="100000">
+                                          <p:val>
+                                            <p:strVal val="#ppt_y"/>
+                                          </p:val>
+                                        </p:tav>
+                                      </p:tavLst>
+                                    </p:anim>
+                                  </p:childTnLst>
+                                </p:cTn>
+                              </p:par>
+                            </p:childTnLst>
+                          </p:cTn>
+                        </p:par>
+                      </p:childTnLst>
+                    </p:cTn>
+                  </p:par>
+                  <p:par>
+                    <p:cTn id="9" fill="hold">
+                      <p:stCondLst>
+                        <p:cond delay="indefinite"/>
+                      </p:stCondLst>
+                      <p:childTnLst>
+                        <p:par>
+                          <p:cTn id="10" fill="hold">
+                            <p:stCondLst>
+                              <p:cond delay="0"/>
+                            </p:stCondLst>
+                            <p:childTnLst>
+                              <p:par>
+                                <p:cTn id="11" presetID="9" presetClass="entr" presetSubtype="0" fill="hold" grpId="0" nodeType="clickEffect">
+                                  <p:stCondLst>
+                                    <p:cond delay="0"/>
+                                  </p:stCondLst>
+                                  <p:childTnLst>
+                                    <p:set>
+                                      <p:cBhvr>
+                                        <p:cTn id="12" dur="1" fill="hold">
+                                          <p:stCondLst>
+                                            <p:cond delay="0"/>
+                                          </p:stCondLst>
+                                        </p:cTn>
+                                        <p:tgtEl>
+                                          <p:spTgt spid="12"/>
+                                        </p:tgtEl>
+                                        <p:attrNameLst>
+                                          <p:attrName>style.visibility</p:attrName>
+                                        </p:attrNameLst>
+                                      </p:cBhvr>
+                                      <p:to>
+                                        <p:strVal val="visible"/>
+                                      </p:to>
+                                    </p:set>
+                                    <p:animEffect transition="in" filter="dissolve">
+                                      <p:cBhvr>
+                                        <p:cTn id="13" dur="500"/>
+                                        <p:tgtEl>
+                                          <p:spTgt spid="12"/>
+                                        </p:tgtEl>
+                                      </p:cBhvr>
+                                    </p:animEffect>
+                                  </p:childTnLst>
+                                </p:cTn>
+                              </p:par>
+                            </p:childTnLst>
+                          </p:cTn>
+                        </p:par>
+                        <p:par>
+                          <p:cTn id="14" fill="hold">
+                            <p:stCondLst>
+                              <p:cond delay="500"/>
+                            </p:stCondLst>
+                            <p:childTnLst>
+                              <p:par>
+                                <p:cTn id="15" presetID="2" presetClass="entr" presetSubtype="2" fill="hold" nodeType="afterEffect">
+                                  <p:stCondLst>
+                                    <p:cond delay="0"/>
+                                  </p:stCondLst>
+                                  <p:childTnLst>
+                                    <p:set>
+                                      <p:cBhvr>
+                                        <p:cTn id="16" dur="1" fill="hold">
+                                          <p:stCondLst>
+                                            <p:cond delay="0"/>
+                                          </p:stCondLst>
+                                        </p:cTn>
+                                        <p:tgtEl>
+                                          <p:spTgt spid="13"/>
+                                        </p:tgtEl>
+                                        <p:attrNameLst>
+                                          <p:attrName>style.visibility</p:attrName>
+                                        </p:attrNameLst>
+                                      </p:cBhvr>
+                                      <p:to>
+                                        <p:strVal val="visible"/>
+                                      </p:to>
+                                    </p:set>
+                                    <p:anim calcmode="lin" valueType="num">
+                                      <p:cBhvr additive="base">
+                                        <p:cTn id="17" dur="1000" fill="hold"/>
+                                        <p:tgtEl>
+                                          <p:spTgt spid="13"/>
+                                        </p:tgtEl>
+                                        <p:attrNameLst>
+                                          <p:attrName>ppt_x</p:attrName>
+                                        </p:attrNameLst>
+                                      </p:cBhvr>
+                                      <p:tavLst>
+                                        <p:tav tm="0">
+                                          <p:val>
+                                            <p:strVal val="1+#ppt_w/2"/>
+                                          </p:val>
+                                        </p:tav>
+                                        <p:tav tm="100000">
+                                          <p:val>
+                                            <p:strVal val="#ppt_x"/>
+                                          </p:val>
+                                        </p:tav>
+                                      </p:tavLst>
+                                    </p:anim>
+                                    <p:anim calcmode="lin" valueType="num">
+                                      <p:cBhvr additive="base">
+                                        <p:cTn id="18" dur="1000" fill="hold"/>
+                                        <p:tgtEl>
+                                          <p:spTgt spid="13"/>
+                                        </p:tgtEl>
+                                        <p:attrNameLst>
+                                          <p:attrName>ppt_y</p:attrName>
+                                        </p:attrNameLst>
+                                      </p:cBhvr>
+                                      <p:tavLst>
+                                        <p:tav tm="0">
+                                          <p:val>
+                                            <p:strVal val="#ppt_y"/>
+                                          </p:val>
+                                        </p:tav>
+                                        <p:tav tm="100000">
+                                          <p:val>
+                                            <p:strVal val="#ppt_y"/>
+                                          </p:val>
+                                        </p:tav>
+                                      </p:tavLst>
+                                    </p:anim>
+                                  </p:childTnLst>
+                                </p:cTn>
+                              </p:par>
+                            </p:childTnLst>
+                          </p:cTn>
+                        </p:par>
+                      </p:childTnLst>
+                    </p:cTn>
+                  </p:par>
+                  <p:par>
+                    <p:cTn id="19" fill="hold">
+                      <p:stCondLst>
+                        <p:cond delay="indefinite"/>
+                      </p:stCondLst>
+                      <p:childTnLst>
+                        <p:par>
+                          <p:cTn id="20" fill="hold">
+                            <p:stCondLst>
+                              <p:cond delay="0"/>
+                            </p:stCondLst>
+                            <p:childTnLst>
+                              <p:par>
+                                <p:cTn id="21" presetID="22" presetClass="entr" presetSubtype="8" fill="hold" grpId="0" nodeType="clickEffect">
+                                  <p:stCondLst>
+                                    <p:cond delay="0"/>
+                                  </p:stCondLst>
+                                  <p:childTnLst>
+                                    <p:set>
+                                      <p:cBhvr>
+                                        <p:cTn id="22" dur="1" fill="hold">
+                                          <p:stCondLst>
+                                            <p:cond delay="0"/>
+                                          </p:stCondLst>
+                                        </p:cTn>
+                                        <p:tgtEl>
+                                          <p:spTgt spid="3"/>
+                                        </p:tgtEl>
+                                        <p:attrNameLst>
+                                          <p:attrName>style.visibility</p:attrName>
+                                        </p:attrNameLst>
+                                      </p:cBhvr>
+                                      <p:to>
+                                        <p:strVal val="visible"/>
+                                      </p:to>
+                                    </p:set>
+                                    <p:animEffect transition="in" filter="wipe(left)">
+                                      <p:cBhvr>
+                                        <p:cTn id="23" dur="500"/>
+                                        <p:tgtEl>
+                                          <p:spTgt spid="3"/>
+                                        </p:tgtEl>
+                                      </p:cBhvr>
+                                    </p:animEffect>
+                                  </p:childTnLst>
+                                </p:cTn>
+                              </p:par>
+                            </p:childTnLst>
+                          </p:cTn>
+                        </p:par>
+                      </p:childTnLst>
+                    </p:cTn>
+                  </p:par>
+                </p:childTnLst>
+              </p:cTn>
+              <p:prevCondLst>
+                <p:cond evt="onPrev" delay="0">
+                  <p:tgtEl>
+                    <p:sldTgt/>
+                  </p:tgtEl>
+                </p:cond>
+              </p:prevCondLst>
+              <p:nextCondLst>
+                <p:cond evt="onNext" delay="0">
+                  <p:tgtEl>
+                    <p:sldTgt/>
+                  </p:tgtEl>
+                </p:cond>
+              </p:nextCondLst>
+            </p:seq>
+          </p:childTnLst>
+        </p:cTn>
+      </p:par>
+    </p:tnLst>
+    <p:bldLst>
+      <p:bldP spid="12" grpId="0"/>
+      <p:bldP spid="3" grpId="0"/>
+    </p:bldLst>
+  </p:timing>
+</p:sld>
+</file>
+
+<file path=ppt/slides/slide19.xml><?xml version="1.0" encoding="utf-8"?>
+<p:sld xmlns:a="http://schemas.openxmlformats.org/drawingml/2006/main" xmlns:r="http://schemas.openxmlformats.org/officeDocument/2006/relationships" xmlns:p="http://schemas.openxmlformats.org/presentationml/2006/main" show="0">
   <p:cSld>
     <p:spTree>
       <p:nvGrpSpPr>
@@ -9545,10 +12659,23 @@
         </p:pic>
       </p:grpSp>
     </p:spTree>
+    <p:extLst>
+      <p:ext uri="{BB962C8B-B14F-4D97-AF65-F5344CB8AC3E}">
+        <p14:creationId xmlns:p14="http://schemas.microsoft.com/office/powerpoint/2010/main" val="3689168767"/>
+      </p:ext>
+    </p:extLst>
   </p:cSld>
   <p:clrMapOvr>
     <a:masterClrMapping/>
   </p:clrMapOvr>
+  <mc:AlternateContent xmlns:mc="http://schemas.openxmlformats.org/markup-compatibility/2006">
+    <mc:Choice xmlns:p14="http://schemas.microsoft.com/office/powerpoint/2010/main" Requires="p14">
+      <p:transition spd="slow" p14:dur="2000"/>
+    </mc:Choice>
+    <mc:Fallback>
+      <p:transition xmlns:p14="http://schemas.microsoft.com/office/powerpoint/2010/main" spd="slow"/>
+    </mc:Fallback>
+  </mc:AlternateContent>
   <p:timing>
     <p:tnLst>
       <p:par>
@@ -9925,8 +13052,637 @@
 </p:sld>
 </file>
 
-<file path=ppt/slides/slide16.xml><?xml version="1.0" encoding="utf-8"?>
+<file path=ppt/slides/slide2.xml><?xml version="1.0" encoding="utf-8"?>
 <p:sld xmlns:a="http://schemas.openxmlformats.org/drawingml/2006/main" xmlns:r="http://schemas.openxmlformats.org/officeDocument/2006/relationships" xmlns:p="http://schemas.openxmlformats.org/presentationml/2006/main">
+  <p:cSld>
+    <p:spTree>
+      <p:nvGrpSpPr>
+        <p:cNvPr id="1" name=""/>
+        <p:cNvGrpSpPr/>
+        <p:nvPr/>
+      </p:nvGrpSpPr>
+      <p:grpSpPr>
+        <a:xfrm>
+          <a:off x="0" y="0"/>
+          <a:ext cx="0" cy="0"/>
+          <a:chOff x="0" y="0"/>
+          <a:chExt cx="0" cy="0"/>
+        </a:xfrm>
+      </p:grpSpPr>
+      <p:sp>
+        <p:nvSpPr>
+          <p:cNvPr id="9222" name="Rectangle 2"/>
+          <p:cNvSpPr>
+            <a:spLocks noGrp="1" noChangeArrowheads="1"/>
+          </p:cNvSpPr>
+          <p:nvPr>
+            <p:ph type="title"/>
+          </p:nvPr>
+        </p:nvSpPr>
+        <p:spPr>
+          <a:xfrm>
+            <a:off x="2209800" y="76200"/>
+            <a:ext cx="6629400" cy="1143000"/>
+          </a:xfrm>
+        </p:spPr>
+        <p:txBody>
+          <a:bodyPr/>
+          <a:lstStyle/>
+          <a:p>
+            <a:pPr eaLnBrk="1" hangingPunct="1"/>
+            <a:r>
+              <a:rPr lang="en-US" sz="3600" dirty="0" smtClean="0"/>
+              <a:t> proof used Well Ordering</a:t>
+            </a:r>
+          </a:p>
+        </p:txBody>
+      </p:sp>
+      <p:grpSp>
+        <p:nvGrpSpPr>
+          <p:cNvPr id="9" name="Group 8"/>
+          <p:cNvGrpSpPr/>
+          <p:nvPr/>
+        </p:nvGrpSpPr>
+        <p:grpSpPr>
+          <a:xfrm>
+            <a:off x="609600" y="1455738"/>
+            <a:ext cx="7848600" cy="1508125"/>
+            <a:chOff x="609600" y="1455738"/>
+            <a:chExt cx="7848600" cy="1508125"/>
+          </a:xfrm>
+        </p:grpSpPr>
+        <p:sp>
+          <p:nvSpPr>
+            <p:cNvPr id="9228" name="Text Box 3"/>
+            <p:cNvSpPr txBox="1">
+              <a:spLocks noChangeArrowheads="1"/>
+            </p:cNvSpPr>
+            <p:nvPr/>
+          </p:nvSpPr>
+          <p:spPr bwMode="auto">
+            <a:xfrm>
+              <a:off x="609600" y="1752601"/>
+              <a:ext cx="7848600" cy="762000"/>
+            </a:xfrm>
+            <a:prstGeom prst="rect">
+              <a:avLst/>
+            </a:prstGeom>
+            <a:noFill/>
+            <a:ln w="9525">
+              <a:noFill/>
+              <a:miter lim="800000"/>
+              <a:headEnd/>
+              <a:tailEnd type="none" w="lg" len="lg"/>
+            </a:ln>
+          </p:spPr>
+          <p:txBody>
+            <a:bodyPr>
+              <a:spAutoFit/>
+            </a:bodyPr>
+            <a:lstStyle/>
+            <a:p>
+              <a:r>
+                <a:rPr lang="en-US" sz="4400" i="1" dirty="0">
+                  <a:latin typeface="Comic Sans MS" pitchFamily="66" charset="0"/>
+                </a:rPr>
+                <a:t>Proof</a:t>
+              </a:r>
+              <a:r>
+                <a:rPr lang="en-US" sz="4400" dirty="0">
+                  <a:latin typeface="Comic Sans MS" pitchFamily="66" charset="0"/>
+                </a:rPr>
+                <a:t>: </a:t>
+              </a:r>
+              <a:r>
+                <a:rPr lang="en-US" sz="4400" dirty="0" smtClean="0">
+                  <a:latin typeface="Comic Sans MS" pitchFamily="66" charset="0"/>
+                </a:rPr>
+                <a:t>…suppose</a:t>
+              </a:r>
+              <a:endParaRPr lang="en-US" sz="4400" dirty="0">
+                <a:latin typeface="Comic Sans MS" pitchFamily="66" charset="0"/>
+              </a:endParaRPr>
+            </a:p>
+          </p:txBody>
+        </p:sp>
+        <p:graphicFrame>
+          <p:nvGraphicFramePr>
+            <p:cNvPr id="9220" name="Object 5"/>
+            <p:cNvGraphicFramePr>
+              <a:graphicFrameLocks noChangeAspect="1"/>
+            </p:cNvGraphicFramePr>
+            <p:nvPr/>
+          </p:nvGraphicFramePr>
+          <p:xfrm>
+            <a:off x="4953000" y="1455738"/>
+            <a:ext cx="2006600" cy="1508125"/>
+          </p:xfrm>
+          <a:graphic>
+            <a:graphicData uri="http://schemas.openxmlformats.org/presentationml/2006/ole">
+              <mc:AlternateContent xmlns:mc="http://schemas.openxmlformats.org/markup-compatibility/2006">
+                <mc:Choice xmlns:v="urn:schemas-microsoft-com:vml" Requires="v">
+                  <p:oleObj spid="_x0000_s1047" name="Equation" r:id="rId4" imgW="558720" imgH="419040" progId="Equation.DSMT4">
+                    <p:embed/>
+                  </p:oleObj>
+                </mc:Choice>
+                <mc:Fallback>
+                  <p:oleObj name="Equation" r:id="rId4" imgW="558720" imgH="419040" progId="Equation.DSMT4">
+                    <p:embed/>
+                    <p:pic>
+                      <p:nvPicPr>
+                        <p:cNvPr id="0" name="Object 5"/>
+                        <p:cNvPicPr>
+                          <a:picLocks noChangeAspect="1" noChangeArrowheads="1"/>
+                        </p:cNvPicPr>
+                        <p:nvPr/>
+                      </p:nvPicPr>
+                      <p:blipFill>
+                        <a:blip r:embed="rId5">
+                          <a:extLst>
+                            <a:ext uri="{28A0092B-C50C-407E-A947-70E740481C1C}">
+                              <a14:useLocalDpi xmlns:a14="http://schemas.microsoft.com/office/drawing/2010/main" val="0"/>
+                            </a:ext>
+                          </a:extLst>
+                        </a:blip>
+                        <a:srcRect/>
+                        <a:stretch>
+                          <a:fillRect/>
+                        </a:stretch>
+                      </p:blipFill>
+                      <p:spPr bwMode="auto">
+                        <a:xfrm>
+                          <a:off x="4953000" y="1455738"/>
+                          <a:ext cx="2006600" cy="1508125"/>
+                        </a:xfrm>
+                        <a:prstGeom prst="rect">
+                          <a:avLst/>
+                        </a:prstGeom>
+                        <a:noFill/>
+                        <a:extLst>
+                          <a:ext uri="{909E8E84-426E-40dd-AFC4-6F175D3DCCD1}">
+                            <a14:hiddenFill xmlns:a14="http://schemas.microsoft.com/office/drawing/2010/main">
+                              <a:solidFill>
+                                <a:srgbClr val="FFFFFF"/>
+                              </a:solidFill>
+                            </a14:hiddenFill>
+                          </a:ext>
+                        </a:extLst>
+                      </p:spPr>
+                    </p:pic>
+                  </p:oleObj>
+                </mc:Fallback>
+              </mc:AlternateContent>
+            </a:graphicData>
+          </a:graphic>
+        </p:graphicFrame>
+      </p:grpSp>
+      <p:graphicFrame>
+        <p:nvGraphicFramePr>
+          <p:cNvPr id="9218" name="Object 10"/>
+          <p:cNvGraphicFramePr>
+            <a:graphicFrameLocks noChangeAspect="1"/>
+          </p:cNvGraphicFramePr>
+          <p:nvPr/>
+        </p:nvGraphicFramePr>
+        <p:xfrm>
+          <a:off x="1676400" y="180975"/>
+          <a:ext cx="990600" cy="885825"/>
+        </p:xfrm>
+        <a:graphic>
+          <a:graphicData uri="http://schemas.openxmlformats.org/presentationml/2006/ole">
+            <mc:AlternateContent xmlns:mc="http://schemas.openxmlformats.org/markup-compatibility/2006">
+              <mc:Choice xmlns:v="urn:schemas-microsoft-com:vml" Requires="v">
+                <p:oleObj spid="_x0000_s1048" name="Equation" r:id="rId6" imgW="241200" imgH="215640" progId="Equation.DSMT4">
+                  <p:embed/>
+                </p:oleObj>
+              </mc:Choice>
+              <mc:Fallback>
+                <p:oleObj name="Equation" r:id="rId6" imgW="241200" imgH="215640" progId="Equation.DSMT4">
+                  <p:embed/>
+                  <p:pic>
+                    <p:nvPicPr>
+                      <p:cNvPr id="0" name="Object 10"/>
+                      <p:cNvPicPr>
+                        <a:picLocks noChangeAspect="1" noChangeArrowheads="1"/>
+                      </p:cNvPicPr>
+                      <p:nvPr/>
+                    </p:nvPicPr>
+                    <p:blipFill>
+                      <a:blip r:embed="rId7">
+                        <a:extLst>
+                          <a:ext uri="{28A0092B-C50C-407E-A947-70E740481C1C}">
+                            <a14:useLocalDpi xmlns:a14="http://schemas.microsoft.com/office/drawing/2010/main" val="0"/>
+                          </a:ext>
+                        </a:extLst>
+                      </a:blip>
+                      <a:srcRect/>
+                      <a:stretch>
+                        <a:fillRect/>
+                      </a:stretch>
+                    </p:blipFill>
+                    <p:spPr bwMode="auto">
+                      <a:xfrm>
+                        <a:off x="1676400" y="180975"/>
+                        <a:ext cx="990600" cy="885825"/>
+                      </a:xfrm>
+                      <a:prstGeom prst="rect">
+                        <a:avLst/>
+                      </a:prstGeom>
+                      <a:noFill/>
+                      <a:extLst>
+                        <a:ext uri="{909E8E84-426E-40dd-AFC4-6F175D3DCCD1}">
+                          <a14:hiddenFill xmlns:a14="http://schemas.microsoft.com/office/drawing/2010/main">
+                            <a:solidFill>
+                              <a:srgbClr val="FFFFFF"/>
+                            </a:solidFill>
+                          </a14:hiddenFill>
+                        </a:ext>
+                      </a:extLst>
+                    </p:spPr>
+                  </p:pic>
+                </p:oleObj>
+              </mc:Fallback>
+            </mc:AlternateContent>
+          </a:graphicData>
+        </a:graphic>
+      </p:graphicFrame>
+      <p:sp>
+        <p:nvSpPr>
+          <p:cNvPr id="322573" name="Text Box 13"/>
+          <p:cNvSpPr txBox="1">
+            <a:spLocks noChangeArrowheads="1"/>
+          </p:cNvSpPr>
+          <p:nvPr/>
+        </p:nvSpPr>
+        <p:spPr bwMode="auto">
+          <a:xfrm>
+            <a:off x="533400" y="2896850"/>
+            <a:ext cx="7856537" cy="1446550"/>
+          </a:xfrm>
+          <a:prstGeom prst="rect">
+            <a:avLst/>
+          </a:prstGeom>
+          <a:noFill/>
+          <a:ln w="9525">
+            <a:noFill/>
+            <a:miter lim="800000"/>
+            <a:headEnd/>
+            <a:tailEnd type="none" w="lg" len="lg"/>
+          </a:ln>
+        </p:spPr>
+        <p:txBody>
+          <a:bodyPr wrap="square">
+            <a:spAutoFit/>
+          </a:bodyPr>
+          <a:lstStyle/>
+          <a:p>
+            <a:r>
+              <a:rPr lang="en-US" sz="4400" dirty="0">
+                <a:latin typeface="Comic Sans MS" pitchFamily="66" charset="0"/>
+              </a:rPr>
+              <a:t>…can </a:t>
+            </a:r>
+            <a:r>
+              <a:rPr lang="en-US" sz="4400" dirty="0">
+                <a:solidFill>
+                  <a:srgbClr val="FF33CC"/>
+                </a:solidFill>
+                <a:latin typeface="Comic Sans MS" pitchFamily="66" charset="0"/>
+              </a:rPr>
+              <a:t>always</a:t>
+            </a:r>
+            <a:r>
+              <a:rPr lang="en-US" sz="4400" dirty="0">
+                <a:latin typeface="Comic Sans MS" pitchFamily="66" charset="0"/>
+              </a:rPr>
+              <a:t> find such </a:t>
+            </a:r>
+            <a:r>
+              <a:rPr lang="en-US" sz="4400" dirty="0" smtClean="0">
+                <a:solidFill>
+                  <a:srgbClr val="0033CC"/>
+                </a:solidFill>
+                <a:latin typeface="Comic Sans MS" pitchFamily="66" charset="0"/>
+              </a:rPr>
+              <a:t>m</a:t>
+            </a:r>
+            <a:r>
+              <a:rPr lang="en-US" sz="4400" dirty="0" smtClean="0">
+                <a:latin typeface="Comic Sans MS" pitchFamily="66" charset="0"/>
+              </a:rPr>
+              <a:t>, </a:t>
+            </a:r>
+            <a:r>
+              <a:rPr lang="en-US" sz="4400" dirty="0" smtClean="0">
+                <a:solidFill>
+                  <a:srgbClr val="0033CC"/>
+                </a:solidFill>
+                <a:latin typeface="Comic Sans MS" pitchFamily="66" charset="0"/>
+              </a:rPr>
+              <a:t>n</a:t>
+            </a:r>
+            <a:r>
+              <a:rPr lang="en-US" sz="4400" b="1" dirty="0" smtClean="0">
+                <a:solidFill>
+                  <a:srgbClr val="0033CC"/>
+                </a:solidFill>
+                <a:latin typeface="Times New (W1)" pitchFamily="18" charset="0"/>
+              </a:rPr>
+              <a:t>&gt;</a:t>
+            </a:r>
+            <a:r>
+              <a:rPr lang="en-US" sz="4400" dirty="0" smtClean="0">
+                <a:solidFill>
+                  <a:srgbClr val="0033CC"/>
+                </a:solidFill>
+                <a:latin typeface="Comic Sans MS" pitchFamily="66" charset="0"/>
+              </a:rPr>
+              <a:t>0</a:t>
+            </a:r>
+            <a:endParaRPr lang="en-US" sz="4400" dirty="0">
+              <a:solidFill>
+                <a:srgbClr val="0033CC"/>
+              </a:solidFill>
+              <a:latin typeface="Comic Sans MS" pitchFamily="66" charset="0"/>
+            </a:endParaRPr>
+          </a:p>
+          <a:p>
+            <a:r>
+              <a:rPr lang="en-US" sz="4400" i="1" dirty="0">
+                <a:latin typeface="Comic Sans MS" pitchFamily="66" charset="0"/>
+              </a:rPr>
+              <a:t>without common factors</a:t>
+            </a:r>
+            <a:r>
+              <a:rPr lang="en-US" sz="4400" dirty="0">
+                <a:latin typeface="Comic Sans MS" pitchFamily="66" charset="0"/>
+              </a:rPr>
+              <a:t>…</a:t>
+            </a:r>
+          </a:p>
+        </p:txBody>
+      </p:sp>
+      <p:sp>
+        <p:nvSpPr>
+          <p:cNvPr id="322574" name="Rectangle 14"/>
+          <p:cNvSpPr>
+            <a:spLocks noChangeArrowheads="1"/>
+          </p:cNvSpPr>
+          <p:nvPr/>
+        </p:nvSpPr>
+        <p:spPr bwMode="auto">
+          <a:xfrm>
+            <a:off x="2362200" y="4343400"/>
+            <a:ext cx="4648200" cy="1066800"/>
+          </a:xfrm>
+          <a:prstGeom prst="rect">
+            <a:avLst/>
+          </a:prstGeom>
+          <a:noFill/>
+          <a:ln w="9525">
+            <a:noFill/>
+            <a:miter lim="800000"/>
+            <a:headEnd/>
+            <a:tailEnd/>
+          </a:ln>
+        </p:spPr>
+        <p:txBody>
+          <a:bodyPr/>
+          <a:lstStyle/>
+          <a:p>
+            <a:pPr marL="342900" indent="-342900">
+              <a:spcBef>
+                <a:spcPct val="20000"/>
+              </a:spcBef>
+            </a:pPr>
+            <a:r>
+              <a:rPr lang="en-US" sz="5400" dirty="0">
+                <a:latin typeface="Comic Sans MS" pitchFamily="66" charset="0"/>
+              </a:rPr>
+              <a:t>why</a:t>
+            </a:r>
+            <a:r>
+              <a:rPr lang="en-US" sz="5400" dirty="0">
+                <a:solidFill>
+                  <a:srgbClr val="0D05A7"/>
+                </a:solidFill>
+                <a:latin typeface="Comic Sans MS" pitchFamily="66" charset="0"/>
+              </a:rPr>
+              <a:t> </a:t>
+            </a:r>
+            <a:r>
+              <a:rPr lang="en-US" sz="5400" dirty="0" smtClean="0">
+                <a:solidFill>
+                  <a:srgbClr val="FF33CC"/>
+                </a:solidFill>
+                <a:latin typeface="Comic Sans MS" pitchFamily="66" charset="0"/>
+              </a:rPr>
+              <a:t>always</a:t>
+            </a:r>
+            <a:r>
+              <a:rPr lang="en-US" sz="5400" i="1" dirty="0" smtClean="0">
+                <a:latin typeface="Comic Sans MS" pitchFamily="66" charset="0"/>
+              </a:rPr>
+              <a:t> </a:t>
+            </a:r>
+            <a:r>
+              <a:rPr lang="en-US" sz="5400" dirty="0" smtClean="0">
+                <a:latin typeface="Comic Sans MS" pitchFamily="66" charset="0"/>
+              </a:rPr>
+              <a:t>?</a:t>
+            </a:r>
+            <a:endParaRPr lang="en-US" sz="5400" dirty="0">
+              <a:latin typeface="Comic Sans MS" pitchFamily="66" charset="0"/>
+            </a:endParaRPr>
+          </a:p>
+        </p:txBody>
+      </p:sp>
+    </p:spTree>
+  </p:cSld>
+  <p:clrMapOvr>
+    <a:masterClrMapping/>
+  </p:clrMapOvr>
+  <p:transition xmlns:p14="http://schemas.microsoft.com/office/powerpoint/2010/main">
+    <p:dissolve/>
+  </p:transition>
+  <p:timing>
+    <p:tnLst>
+      <p:par>
+        <p:cTn xmlns:p14="http://schemas.microsoft.com/office/powerpoint/2010/main" id="1" dur="indefinite" restart="never" nodeType="tmRoot">
+          <p:childTnLst>
+            <p:seq concurrent="1" nextAc="seek">
+              <p:cTn id="2" dur="indefinite" nodeType="mainSeq">
+                <p:childTnLst>
+                  <p:par>
+                    <p:cTn id="3" fill="hold">
+                      <p:stCondLst>
+                        <p:cond delay="indefinite"/>
+                      </p:stCondLst>
+                      <p:childTnLst>
+                        <p:par>
+                          <p:cTn id="4" fill="hold">
+                            <p:stCondLst>
+                              <p:cond delay="0"/>
+                            </p:stCondLst>
+                            <p:childTnLst>
+                              <p:par>
+                                <p:cTn id="5" presetID="1" presetClass="entr" presetSubtype="0" fill="hold" nodeType="clickEffect">
+                                  <p:stCondLst>
+                                    <p:cond delay="0"/>
+                                  </p:stCondLst>
+                                  <p:childTnLst>
+                                    <p:set>
+                                      <p:cBhvr>
+                                        <p:cTn id="6" dur="1" fill="hold">
+                                          <p:stCondLst>
+                                            <p:cond delay="0"/>
+                                          </p:stCondLst>
+                                        </p:cTn>
+                                        <p:tgtEl>
+                                          <p:spTgt spid="9"/>
+                                        </p:tgtEl>
+                                        <p:attrNameLst>
+                                          <p:attrName>style.visibility</p:attrName>
+                                        </p:attrNameLst>
+                                      </p:cBhvr>
+                                      <p:to>
+                                        <p:strVal val="visible"/>
+                                      </p:to>
+                                    </p:set>
+                                  </p:childTnLst>
+                                </p:cTn>
+                              </p:par>
+                            </p:childTnLst>
+                          </p:cTn>
+                        </p:par>
+                      </p:childTnLst>
+                    </p:cTn>
+                  </p:par>
+                  <p:par>
+                    <p:cTn id="7" fill="hold">
+                      <p:stCondLst>
+                        <p:cond delay="indefinite"/>
+                      </p:stCondLst>
+                      <p:childTnLst>
+                        <p:par>
+                          <p:cTn id="8" fill="hold">
+                            <p:stCondLst>
+                              <p:cond delay="0"/>
+                            </p:stCondLst>
+                            <p:childTnLst>
+                              <p:par>
+                                <p:cTn id="9" presetID="1" presetClass="entr" presetSubtype="0" fill="hold" grpId="0" nodeType="clickEffect">
+                                  <p:stCondLst>
+                                    <p:cond delay="0"/>
+                                  </p:stCondLst>
+                                  <p:childTnLst>
+                                    <p:set>
+                                      <p:cBhvr>
+                                        <p:cTn id="10" dur="1" fill="hold">
+                                          <p:stCondLst>
+                                            <p:cond delay="0"/>
+                                          </p:stCondLst>
+                                        </p:cTn>
+                                        <p:tgtEl>
+                                          <p:spTgt spid="322573"/>
+                                        </p:tgtEl>
+                                        <p:attrNameLst>
+                                          <p:attrName>style.visibility</p:attrName>
+                                        </p:attrNameLst>
+                                      </p:cBhvr>
+                                      <p:to>
+                                        <p:strVal val="visible"/>
+                                      </p:to>
+                                    </p:set>
+                                  </p:childTnLst>
+                                </p:cTn>
+                              </p:par>
+                            </p:childTnLst>
+                          </p:cTn>
+                        </p:par>
+                      </p:childTnLst>
+                    </p:cTn>
+                  </p:par>
+                  <p:par>
+                    <p:cTn id="11" fill="hold">
+                      <p:stCondLst>
+                        <p:cond delay="indefinite"/>
+                      </p:stCondLst>
+                      <p:childTnLst>
+                        <p:par>
+                          <p:cTn id="12" fill="hold">
+                            <p:stCondLst>
+                              <p:cond delay="0"/>
+                            </p:stCondLst>
+                            <p:childTnLst>
+                              <p:par>
+                                <p:cTn id="13" presetID="1" presetClass="entr" presetSubtype="0" fill="hold" grpId="0" nodeType="clickEffect">
+                                  <p:stCondLst>
+                                    <p:cond delay="0"/>
+                                  </p:stCondLst>
+                                  <p:childTnLst>
+                                    <p:set>
+                                      <p:cBhvr>
+                                        <p:cTn id="14" dur="1" fill="hold">
+                                          <p:stCondLst>
+                                            <p:cond delay="0"/>
+                                          </p:stCondLst>
+                                        </p:cTn>
+                                        <p:tgtEl>
+                                          <p:spTgt spid="322574">
+                                            <p:txEl>
+                                              <p:pRg st="0" end="0"/>
+                                            </p:txEl>
+                                          </p:spTgt>
+                                        </p:tgtEl>
+                                        <p:attrNameLst>
+                                          <p:attrName>style.visibility</p:attrName>
+                                        </p:attrNameLst>
+                                      </p:cBhvr>
+                                      <p:to>
+                                        <p:strVal val="visible"/>
+                                      </p:to>
+                                    </p:set>
+                                  </p:childTnLst>
+                                </p:cTn>
+                              </p:par>
+                            </p:childTnLst>
+                          </p:cTn>
+                        </p:par>
+                      </p:childTnLst>
+                    </p:cTn>
+                  </p:par>
+                </p:childTnLst>
+              </p:cTn>
+              <p:prevCondLst>
+                <p:cond evt="onPrev" delay="0">
+                  <p:tgtEl>
+                    <p:sldTgt/>
+                  </p:tgtEl>
+                </p:cond>
+              </p:prevCondLst>
+              <p:nextCondLst>
+                <p:cond evt="onNext" delay="0">
+                  <p:tgtEl>
+                    <p:sldTgt/>
+                  </p:tgtEl>
+                </p:cond>
+              </p:nextCondLst>
+            </p:seq>
+          </p:childTnLst>
+        </p:cTn>
+      </p:par>
+    </p:tnLst>
+    <p:bldLst>
+      <p:bldP spid="322573" grpId="0"/>
+      <p:bldP spid="322574" grpId="0" build="p"/>
+    </p:bldLst>
+  </p:timing>
+</p:sld>
+</file>
+
+<file path=ppt/slides/slide20.xml><?xml version="1.0" encoding="utf-8"?>
+<p:sld xmlns:a="http://schemas.openxmlformats.org/drawingml/2006/main" xmlns:r="http://schemas.openxmlformats.org/officeDocument/2006/relationships" xmlns:p="http://schemas.openxmlformats.org/presentationml/2006/main" show="0">
   <p:cSld>
     <p:spTree>
       <p:nvGrpSpPr>
@@ -11277,6 +15033,14 @@
   <p:clrMapOvr>
     <a:masterClrMapping/>
   </p:clrMapOvr>
+  <mc:AlternateContent xmlns:mc="http://schemas.openxmlformats.org/markup-compatibility/2006">
+    <mc:Choice xmlns:p14="http://schemas.microsoft.com/office/powerpoint/2010/main" Requires="p14">
+      <p:transition spd="slow" p14:dur="2000"/>
+    </mc:Choice>
+    <mc:Fallback>
+      <p:transition xmlns:p14="http://schemas.microsoft.com/office/powerpoint/2010/main" spd="slow"/>
+    </mc:Fallback>
+  </mc:AlternateContent>
   <p:timing>
     <p:tnLst>
       <p:par>
@@ -11650,7 +15414,1676 @@
 </p:sld>
 </file>
 
-<file path=ppt/slides/slide17.xml><?xml version="1.0" encoding="utf-8"?>
+<file path=ppt/slides/slide21.xml><?xml version="1.0" encoding="utf-8"?>
+<p:sld xmlns:a="http://schemas.openxmlformats.org/drawingml/2006/main" xmlns:r="http://schemas.openxmlformats.org/officeDocument/2006/relationships" xmlns:p="http://schemas.openxmlformats.org/presentationml/2006/main">
+  <p:cSld>
+    <p:spTree>
+      <p:nvGrpSpPr>
+        <p:cNvPr id="1" name=""/>
+        <p:cNvGrpSpPr/>
+        <p:nvPr/>
+      </p:nvGrpSpPr>
+      <p:grpSpPr>
+        <a:xfrm>
+          <a:off x="0" y="0"/>
+          <a:ext cx="0" cy="0"/>
+          <a:chOff x="0" y="0"/>
+          <a:chExt cx="0" cy="0"/>
+        </a:xfrm>
+      </p:grpSpPr>
+      <p:sp>
+        <p:nvSpPr>
+          <p:cNvPr id="25606" name="Text Box 17"/>
+          <p:cNvSpPr txBox="1">
+            <a:spLocks noChangeArrowheads="1"/>
+          </p:cNvSpPr>
+          <p:nvPr/>
+        </p:nvSpPr>
+        <p:spPr bwMode="auto">
+          <a:xfrm>
+            <a:off x="6477000" y="3657600"/>
+            <a:ext cx="1997075" cy="1143000"/>
+          </a:xfrm>
+          <a:prstGeom prst="rect">
+            <a:avLst/>
+          </a:prstGeom>
+          <a:noFill/>
+          <a:ln w="9525">
+            <a:noFill/>
+            <a:miter lim="800000"/>
+            <a:headEnd/>
+            <a:tailEnd type="none" w="lg" len="lg"/>
+          </a:ln>
+        </p:spPr>
+        <p:txBody>
+          <a:bodyPr wrap="square">
+            <a:spAutoFit/>
+          </a:bodyPr>
+          <a:lstStyle/>
+          <a:p>
+            <a:r>
+              <a:rPr lang="en-US" sz="6600" b="1" dirty="0" smtClean="0">
+                <a:latin typeface="Times New (W1)" pitchFamily="18" charset="0"/>
+              </a:rPr>
+              <a:t>=</a:t>
+            </a:r>
+            <a:r>
+              <a:rPr lang="en-US" sz="6600" dirty="0" smtClean="0">
+                <a:latin typeface="Times New (W1)" pitchFamily="18" charset="0"/>
+              </a:rPr>
+              <a:t> </a:t>
+            </a:r>
+            <a:r>
+              <a:rPr lang="en-US" sz="6600" dirty="0" smtClean="0">
+                <a:solidFill>
+                  <a:srgbClr val="FF0000"/>
+                </a:solidFill>
+                <a:latin typeface="Comic Sans MS" pitchFamily="66" charset="0"/>
+              </a:rPr>
+              <a:t>m</a:t>
+            </a:r>
+            <a:r>
+              <a:rPr lang="en-US" sz="4800" dirty="0" smtClean="0">
+                <a:solidFill>
+                  <a:prstClr val="black"/>
+                </a:solidFill>
+                <a:latin typeface="Comic Sans MS" pitchFamily="66" charset="0"/>
+                <a:cs typeface="Times New Roman" pitchFamily="18" charset="0"/>
+              </a:rPr>
+              <a:t>¢</a:t>
+            </a:r>
+            <a:endParaRPr lang="en-US" sz="6600" dirty="0">
+              <a:solidFill>
+                <a:srgbClr val="028822"/>
+              </a:solidFill>
+              <a:latin typeface="Comic Sans MS" pitchFamily="66" charset="0"/>
+            </a:endParaRPr>
+          </a:p>
+        </p:txBody>
+      </p:sp>
+      <p:grpSp>
+        <p:nvGrpSpPr>
+          <p:cNvPr id="9" name="Group 8"/>
+          <p:cNvGrpSpPr/>
+          <p:nvPr/>
+        </p:nvGrpSpPr>
+        <p:grpSpPr>
+          <a:xfrm>
+            <a:off x="0" y="3534488"/>
+            <a:ext cx="4573588" cy="2944821"/>
+            <a:chOff x="0" y="3465218"/>
+            <a:chExt cx="4573588" cy="2944821"/>
+          </a:xfrm>
+        </p:grpSpPr>
+        <p:grpSp>
+          <p:nvGrpSpPr>
+            <p:cNvPr id="8" name="Group 7"/>
+            <p:cNvGrpSpPr/>
+            <p:nvPr/>
+          </p:nvGrpSpPr>
+          <p:grpSpPr>
+            <a:xfrm>
+              <a:off x="0" y="3465218"/>
+              <a:ext cx="4573588" cy="2944821"/>
+              <a:chOff x="0" y="3130413"/>
+              <a:chExt cx="4573588" cy="2944821"/>
+            </a:xfrm>
+          </p:grpSpPr>
+          <p:sp>
+            <p:nvSpPr>
+              <p:cNvPr id="348162" name="Cloud"/>
+              <p:cNvSpPr>
+                <a:spLocks noChangeAspect="1" noEditPoints="1" noChangeArrowheads="1"/>
+              </p:cNvSpPr>
+              <p:nvPr/>
+            </p:nvSpPr>
+            <p:spPr bwMode="auto">
+              <a:xfrm>
+                <a:off x="0" y="3130413"/>
+                <a:ext cx="4572000" cy="2182811"/>
+              </a:xfrm>
+              <a:custGeom>
+                <a:avLst/>
+                <a:gdLst>
+                  <a:gd name="T0" fmla="*/ 67 w 21600"/>
+                  <a:gd name="T1" fmla="*/ 10800 h 21600"/>
+                  <a:gd name="T2" fmla="*/ 10800 w 21600"/>
+                  <a:gd name="T3" fmla="*/ 21577 h 21600"/>
+                  <a:gd name="T4" fmla="*/ 21582 w 21600"/>
+                  <a:gd name="T5" fmla="*/ 10800 h 21600"/>
+                  <a:gd name="T6" fmla="*/ 10800 w 21600"/>
+                  <a:gd name="T7" fmla="*/ 1235 h 21600"/>
+                  <a:gd name="T8" fmla="*/ 2977 w 21600"/>
+                  <a:gd name="T9" fmla="*/ 3262 h 21600"/>
+                  <a:gd name="T10" fmla="*/ 17087 w 21600"/>
+                  <a:gd name="T11" fmla="*/ 17337 h 21600"/>
+                </a:gdLst>
+                <a:ahLst/>
+                <a:cxnLst>
+                  <a:cxn ang="0">
+                    <a:pos x="T0" y="T1"/>
+                  </a:cxn>
+                  <a:cxn ang="0">
+                    <a:pos x="T2" y="T3"/>
+                  </a:cxn>
+                  <a:cxn ang="0">
+                    <a:pos x="T4" y="T5"/>
+                  </a:cxn>
+                  <a:cxn ang="0">
+                    <a:pos x="T6" y="T7"/>
+                  </a:cxn>
+                </a:cxnLst>
+                <a:rect l="T8" t="T9" r="T10" b="T11"/>
+                <a:pathLst>
+                  <a:path w="21600" h="21600" extrusionOk="0">
+                    <a:moveTo>
+                      <a:pt x="1949" y="7180"/>
+                    </a:moveTo>
+                    <a:cubicBezTo>
+                      <a:pt x="841" y="7336"/>
+                      <a:pt x="0" y="8613"/>
+                      <a:pt x="0" y="10137"/>
+                    </a:cubicBezTo>
+                    <a:cubicBezTo>
+                      <a:pt x="-1" y="11192"/>
+                      <a:pt x="409" y="12169"/>
+                      <a:pt x="1074" y="12702"/>
+                    </a:cubicBezTo>
+                    <a:lnTo>
+                      <a:pt x="1063" y="12668"/>
+                    </a:lnTo>
+                    <a:cubicBezTo>
+                      <a:pt x="685" y="13217"/>
+                      <a:pt x="475" y="13940"/>
+                      <a:pt x="475" y="14690"/>
+                    </a:cubicBezTo>
+                    <a:cubicBezTo>
+                      <a:pt x="475" y="16325"/>
+                      <a:pt x="1451" y="17650"/>
+                      <a:pt x="2655" y="17650"/>
+                    </a:cubicBezTo>
+                    <a:cubicBezTo>
+                      <a:pt x="2739" y="17650"/>
+                      <a:pt x="2824" y="17643"/>
+                      <a:pt x="2909" y="17629"/>
+                    </a:cubicBezTo>
+                    <a:lnTo>
+                      <a:pt x="2897" y="17649"/>
+                    </a:lnTo>
+                    <a:cubicBezTo>
+                      <a:pt x="3585" y="19288"/>
+                      <a:pt x="4863" y="20300"/>
+                      <a:pt x="6247" y="20300"/>
+                    </a:cubicBezTo>
+                    <a:cubicBezTo>
+                      <a:pt x="6947" y="20299"/>
+                      <a:pt x="7635" y="20039"/>
+                      <a:pt x="8235" y="19546"/>
+                    </a:cubicBezTo>
+                    <a:lnTo>
+                      <a:pt x="8229" y="19550"/>
+                    </a:lnTo>
+                    <a:cubicBezTo>
+                      <a:pt x="8855" y="20829"/>
+                      <a:pt x="9908" y="21597"/>
+                      <a:pt x="11036" y="21597"/>
+                    </a:cubicBezTo>
+                    <a:cubicBezTo>
+                      <a:pt x="12523" y="21596"/>
+                      <a:pt x="13836" y="20267"/>
+                      <a:pt x="14267" y="18324"/>
+                    </a:cubicBezTo>
+                    <a:lnTo>
+                      <a:pt x="14270" y="18350"/>
+                    </a:lnTo>
+                    <a:cubicBezTo>
+                      <a:pt x="14730" y="18740"/>
+                      <a:pt x="15260" y="18947"/>
+                      <a:pt x="15802" y="18947"/>
+                    </a:cubicBezTo>
+                    <a:cubicBezTo>
+                      <a:pt x="17390" y="18946"/>
+                      <a:pt x="18682" y="17205"/>
+                      <a:pt x="18694" y="15045"/>
+                    </a:cubicBezTo>
+                    <a:lnTo>
+                      <a:pt x="18689" y="15035"/>
+                    </a:lnTo>
+                    <a:cubicBezTo>
+                      <a:pt x="20357" y="14710"/>
+                      <a:pt x="21597" y="12765"/>
+                      <a:pt x="21597" y="10472"/>
+                    </a:cubicBezTo>
+                    <a:cubicBezTo>
+                      <a:pt x="21597" y="9456"/>
+                      <a:pt x="21350" y="8469"/>
+                      <a:pt x="20896" y="7663"/>
+                    </a:cubicBezTo>
+                    <a:lnTo>
+                      <a:pt x="20889" y="7661"/>
+                    </a:lnTo>
+                    <a:cubicBezTo>
+                      <a:pt x="21031" y="7208"/>
+                      <a:pt x="21105" y="6721"/>
+                      <a:pt x="21105" y="6228"/>
+                    </a:cubicBezTo>
+                    <a:cubicBezTo>
+                      <a:pt x="21105" y="4588"/>
+                      <a:pt x="20299" y="3150"/>
+                      <a:pt x="19139" y="2719"/>
+                    </a:cubicBezTo>
+                    <a:lnTo>
+                      <a:pt x="19148" y="2712"/>
+                    </a:lnTo>
+                    <a:cubicBezTo>
+                      <a:pt x="18940" y="1142"/>
+                      <a:pt x="17933" y="0"/>
+                      <a:pt x="16758" y="0"/>
+                    </a:cubicBezTo>
+                    <a:cubicBezTo>
+                      <a:pt x="16044" y="-1"/>
+                      <a:pt x="15367" y="426"/>
+                      <a:pt x="14905" y="1165"/>
+                    </a:cubicBezTo>
+                    <a:lnTo>
+                      <a:pt x="14909" y="1170"/>
+                    </a:lnTo>
+                    <a:cubicBezTo>
+                      <a:pt x="14497" y="432"/>
+                      <a:pt x="13855" y="0"/>
+                      <a:pt x="13174" y="0"/>
+                    </a:cubicBezTo>
+                    <a:cubicBezTo>
+                      <a:pt x="12347" y="-1"/>
+                      <a:pt x="11590" y="637"/>
+                      <a:pt x="11221" y="1645"/>
+                    </a:cubicBezTo>
+                    <a:lnTo>
+                      <a:pt x="11229" y="1694"/>
+                    </a:lnTo>
+                    <a:cubicBezTo>
+                      <a:pt x="10730" y="1024"/>
+                      <a:pt x="10058" y="650"/>
+                      <a:pt x="9358" y="650"/>
+                    </a:cubicBezTo>
+                    <a:cubicBezTo>
+                      <a:pt x="8372" y="649"/>
+                      <a:pt x="7466" y="1391"/>
+                      <a:pt x="7003" y="2578"/>
+                    </a:cubicBezTo>
+                    <a:lnTo>
+                      <a:pt x="6995" y="2602"/>
+                    </a:lnTo>
+                    <a:cubicBezTo>
+                      <a:pt x="6477" y="2189"/>
+                      <a:pt x="5888" y="1972"/>
+                      <a:pt x="5288" y="1972"/>
+                    </a:cubicBezTo>
+                    <a:cubicBezTo>
+                      <a:pt x="3423" y="1972"/>
+                      <a:pt x="1912" y="4029"/>
+                      <a:pt x="1912" y="6567"/>
+                    </a:cubicBezTo>
+                    <a:cubicBezTo>
+                      <a:pt x="1911" y="6774"/>
+                      <a:pt x="1922" y="6981"/>
+                      <a:pt x="1942" y="7186"/>
+                    </a:cubicBezTo>
+                    <a:close/>
+                  </a:path>
+                  <a:path w="21600" h="21600" fill="none" extrusionOk="0">
+                    <a:moveTo>
+                      <a:pt x="1074" y="12702"/>
+                    </a:moveTo>
+                    <a:cubicBezTo>
+                      <a:pt x="1407" y="12969"/>
+                      <a:pt x="1786" y="13110"/>
+                      <a:pt x="2172" y="13110"/>
+                    </a:cubicBezTo>
+                    <a:cubicBezTo>
+                      <a:pt x="2228" y="13109"/>
+                      <a:pt x="2285" y="13107"/>
+                      <a:pt x="2341" y="13101"/>
+                    </a:cubicBezTo>
+                  </a:path>
+                  <a:path w="21600" h="21600" fill="none" extrusionOk="0">
+                    <a:moveTo>
+                      <a:pt x="2909" y="17629"/>
+                    </a:moveTo>
+                    <a:cubicBezTo>
+                      <a:pt x="3099" y="17599"/>
+                      <a:pt x="3285" y="17535"/>
+                      <a:pt x="3463" y="17439"/>
+                    </a:cubicBezTo>
+                  </a:path>
+                  <a:path w="21600" h="21600" fill="none" extrusionOk="0">
+                    <a:moveTo>
+                      <a:pt x="7895" y="18680"/>
+                    </a:moveTo>
+                    <a:cubicBezTo>
+                      <a:pt x="7983" y="18985"/>
+                      <a:pt x="8095" y="19277"/>
+                      <a:pt x="8229" y="19550"/>
+                    </a:cubicBezTo>
+                  </a:path>
+                  <a:path w="21600" h="21600" fill="none" extrusionOk="0">
+                    <a:moveTo>
+                      <a:pt x="14267" y="18324"/>
+                    </a:moveTo>
+                    <a:cubicBezTo>
+                      <a:pt x="14336" y="18013"/>
+                      <a:pt x="14380" y="17693"/>
+                      <a:pt x="14400" y="17370"/>
+                    </a:cubicBezTo>
+                  </a:path>
+                  <a:path w="21600" h="21600" fill="none" extrusionOk="0">
+                    <a:moveTo>
+                      <a:pt x="18694" y="15045"/>
+                    </a:moveTo>
+                    <a:cubicBezTo>
+                      <a:pt x="18694" y="15034"/>
+                      <a:pt x="18695" y="15024"/>
+                      <a:pt x="18695" y="15013"/>
+                    </a:cubicBezTo>
+                    <a:cubicBezTo>
+                      <a:pt x="18695" y="13508"/>
+                      <a:pt x="18063" y="12136"/>
+                      <a:pt x="17069" y="11477"/>
+                    </a:cubicBezTo>
+                  </a:path>
+                  <a:path w="21600" h="21600" fill="none" extrusionOk="0">
+                    <a:moveTo>
+                      <a:pt x="20165" y="8999"/>
+                    </a:moveTo>
+                    <a:cubicBezTo>
+                      <a:pt x="20479" y="8635"/>
+                      <a:pt x="20726" y="8177"/>
+                      <a:pt x="20889" y="7661"/>
+                    </a:cubicBezTo>
+                  </a:path>
+                  <a:path w="21600" h="21600" fill="none" extrusionOk="0">
+                    <a:moveTo>
+                      <a:pt x="19186" y="3344"/>
+                    </a:moveTo>
+                    <a:cubicBezTo>
+                      <a:pt x="19186" y="3328"/>
+                      <a:pt x="19187" y="3313"/>
+                      <a:pt x="19187" y="3297"/>
+                    </a:cubicBezTo>
+                    <a:cubicBezTo>
+                      <a:pt x="19187" y="3101"/>
+                      <a:pt x="19174" y="2905"/>
+                      <a:pt x="19148" y="2712"/>
+                    </a:cubicBezTo>
+                  </a:path>
+                  <a:path w="21600" h="21600" fill="none" extrusionOk="0">
+                    <a:moveTo>
+                      <a:pt x="14905" y="1165"/>
+                    </a:moveTo>
+                    <a:cubicBezTo>
+                      <a:pt x="14754" y="1408"/>
+                      <a:pt x="14629" y="1679"/>
+                      <a:pt x="14535" y="1971"/>
+                    </a:cubicBezTo>
+                  </a:path>
+                  <a:path w="21600" h="21600" fill="none" extrusionOk="0">
+                    <a:moveTo>
+                      <a:pt x="11221" y="1645"/>
+                    </a:moveTo>
+                    <a:cubicBezTo>
+                      <a:pt x="11140" y="1866"/>
+                      <a:pt x="11080" y="2099"/>
+                      <a:pt x="11041" y="2340"/>
+                    </a:cubicBezTo>
+                  </a:path>
+                  <a:path w="21600" h="21600" fill="none" extrusionOk="0">
+                    <a:moveTo>
+                      <a:pt x="7645" y="3276"/>
+                    </a:moveTo>
+                    <a:cubicBezTo>
+                      <a:pt x="7449" y="3016"/>
+                      <a:pt x="7231" y="2790"/>
+                      <a:pt x="6995" y="2602"/>
+                    </a:cubicBezTo>
+                  </a:path>
+                  <a:path w="21600" h="21600" fill="none" extrusionOk="0">
+                    <a:moveTo>
+                      <a:pt x="1942" y="7186"/>
+                    </a:moveTo>
+                    <a:cubicBezTo>
+                      <a:pt x="1966" y="7426"/>
+                      <a:pt x="2004" y="7663"/>
+                      <a:pt x="2056" y="7895"/>
+                    </a:cubicBezTo>
+                  </a:path>
+                </a:pathLst>
+              </a:custGeom>
+              <a:solidFill>
+                <a:schemeClr val="bg1"/>
+              </a:solidFill>
+              <a:ln w="9525">
+                <a:solidFill>
+                  <a:srgbClr val="000000"/>
+                </a:solidFill>
+                <a:miter lim="800000"/>
+                <a:headEnd/>
+                <a:tailEnd/>
+              </a:ln>
+              <a:effectLst>
+                <a:outerShdw dist="107763" dir="2700000" algn="ctr" rotWithShape="0">
+                  <a:srgbClr val="808080"/>
+                </a:outerShdw>
+              </a:effectLst>
+            </p:spPr>
+            <p:txBody>
+              <a:bodyPr/>
+              <a:lstStyle/>
+              <a:p>
+                <a:pPr>
+                  <a:defRPr/>
+                </a:pPr>
+                <a:endParaRPr lang="en-US">
+                  <a:cs typeface="+mn-cs"/>
+                </a:endParaRPr>
+              </a:p>
+            </p:txBody>
+          </p:sp>
+          <p:grpSp>
+            <p:nvGrpSpPr>
+              <p:cNvPr id="4" name="Group 31"/>
+              <p:cNvGrpSpPr>
+                <a:grpSpLocks/>
+              </p:cNvGrpSpPr>
+              <p:nvPr/>
+            </p:nvGrpSpPr>
+            <p:grpSpPr bwMode="auto">
+              <a:xfrm>
+                <a:off x="266700" y="5059234"/>
+                <a:ext cx="4306888" cy="1016000"/>
+                <a:chOff x="168" y="3408"/>
+                <a:chExt cx="2713" cy="640"/>
+              </a:xfrm>
+            </p:grpSpPr>
+            <p:sp>
+              <p:nvSpPr>
+                <p:cNvPr id="25622" name="Text Box 10"/>
+                <p:cNvSpPr txBox="1">
+                  <a:spLocks noChangeArrowheads="1"/>
+                </p:cNvSpPr>
+                <p:nvPr/>
+              </p:nvSpPr>
+              <p:spPr bwMode="auto">
+                <a:xfrm>
+                  <a:off x="1052" y="3408"/>
+                  <a:ext cx="1262" cy="640"/>
+                </a:xfrm>
+                <a:prstGeom prst="rect">
+                  <a:avLst/>
+                </a:prstGeom>
+                <a:noFill/>
+                <a:ln w="9525">
+                  <a:noFill/>
+                  <a:miter lim="800000"/>
+                  <a:headEnd/>
+                  <a:tailEnd type="none" w="lg" len="lg"/>
+                </a:ln>
+              </p:spPr>
+              <p:txBody>
+                <a:bodyPr wrap="none">
+                  <a:spAutoFit/>
+                </a:bodyPr>
+                <a:lstStyle/>
+                <a:p>
+                  <a:r>
+                    <a:rPr lang="en-US" sz="6000" dirty="0" smtClean="0">
+                      <a:solidFill>
+                        <a:srgbClr val="028822"/>
+                      </a:solidFill>
+                      <a:latin typeface="Comic Sans MS" pitchFamily="66" charset="0"/>
+                    </a:rPr>
+                    <a:t>m-3</a:t>
+                  </a:r>
+                  <a:r>
+                    <a:rPr lang="en-US" sz="5400" dirty="0" smtClean="0">
+                      <a:latin typeface="Comic Sans MS" pitchFamily="66" charset="0"/>
+                      <a:cs typeface="Times New Roman" pitchFamily="18" charset="0"/>
+                    </a:rPr>
+                    <a:t>¢</a:t>
+                  </a:r>
+                  <a:endParaRPr lang="en-US" sz="5400" dirty="0">
+                    <a:latin typeface="Arial Unicode MS" pitchFamily="34" charset="-128"/>
+                    <a:cs typeface="Times New Roman" pitchFamily="18" charset="0"/>
+                    <a:sym typeface="Symbol" pitchFamily="18" charset="2"/>
+                  </a:endParaRPr>
+                </a:p>
+              </p:txBody>
+            </p:sp>
+            <p:sp>
+              <p:nvSpPr>
+                <p:cNvPr id="25623" name="Line 11"/>
+                <p:cNvSpPr>
+                  <a:spLocks noChangeShapeType="1"/>
+                </p:cNvSpPr>
+                <p:nvPr/>
+              </p:nvSpPr>
+              <p:spPr bwMode="auto">
+                <a:xfrm flipV="1">
+                  <a:off x="168" y="3744"/>
+                  <a:ext cx="600" cy="12"/>
+                </a:xfrm>
+                <a:prstGeom prst="line">
+                  <a:avLst/>
+                </a:prstGeom>
+                <a:noFill/>
+                <a:ln w="9525">
+                  <a:solidFill>
+                    <a:schemeClr val="tx1"/>
+                  </a:solidFill>
+                  <a:round/>
+                  <a:headEnd/>
+                  <a:tailEnd type="none" w="lg" len="lg"/>
+                </a:ln>
+              </p:spPr>
+              <p:txBody>
+                <a:bodyPr/>
+                <a:lstStyle/>
+                <a:p>
+                  <a:endParaRPr lang="en-US"/>
+                </a:p>
+              </p:txBody>
+            </p:sp>
+            <p:sp>
+              <p:nvSpPr>
+                <p:cNvPr id="25624" name="Line 12"/>
+                <p:cNvSpPr>
+                  <a:spLocks noChangeShapeType="1"/>
+                </p:cNvSpPr>
+                <p:nvPr/>
+              </p:nvSpPr>
+              <p:spPr bwMode="auto">
+                <a:xfrm flipV="1">
+                  <a:off x="2256" y="3744"/>
+                  <a:ext cx="624" cy="12"/>
+                </a:xfrm>
+                <a:prstGeom prst="line">
+                  <a:avLst/>
+                </a:prstGeom>
+                <a:noFill/>
+                <a:ln w="9525">
+                  <a:solidFill>
+                    <a:schemeClr val="tx1"/>
+                  </a:solidFill>
+                  <a:round/>
+                  <a:headEnd/>
+                  <a:tailEnd type="none" w="lg" len="lg"/>
+                </a:ln>
+              </p:spPr>
+              <p:txBody>
+                <a:bodyPr/>
+                <a:lstStyle/>
+                <a:p>
+                  <a:endParaRPr lang="en-US"/>
+                </a:p>
+              </p:txBody>
+            </p:sp>
+            <p:sp>
+              <p:nvSpPr>
+                <p:cNvPr id="25625" name="Line 13"/>
+                <p:cNvSpPr>
+                  <a:spLocks noChangeShapeType="1"/>
+                </p:cNvSpPr>
+                <p:nvPr/>
+              </p:nvSpPr>
+              <p:spPr bwMode="auto">
+                <a:xfrm>
+                  <a:off x="168" y="3660"/>
+                  <a:ext cx="1" cy="192"/>
+                </a:xfrm>
+                <a:prstGeom prst="line">
+                  <a:avLst/>
+                </a:prstGeom>
+                <a:noFill/>
+                <a:ln w="9525">
+                  <a:solidFill>
+                    <a:schemeClr val="tx1"/>
+                  </a:solidFill>
+                  <a:round/>
+                  <a:headEnd/>
+                  <a:tailEnd type="none" w="lg" len="lg"/>
+                </a:ln>
+              </p:spPr>
+              <p:txBody>
+                <a:bodyPr/>
+                <a:lstStyle/>
+                <a:p>
+                  <a:endParaRPr lang="en-US"/>
+                </a:p>
+              </p:txBody>
+            </p:sp>
+            <p:sp>
+              <p:nvSpPr>
+                <p:cNvPr id="25626" name="Line 14"/>
+                <p:cNvSpPr>
+                  <a:spLocks noChangeShapeType="1"/>
+                </p:cNvSpPr>
+                <p:nvPr/>
+              </p:nvSpPr>
+              <p:spPr bwMode="auto">
+                <a:xfrm>
+                  <a:off x="2880" y="3660"/>
+                  <a:ext cx="1" cy="192"/>
+                </a:xfrm>
+                <a:prstGeom prst="line">
+                  <a:avLst/>
+                </a:prstGeom>
+                <a:noFill/>
+                <a:ln w="9525">
+                  <a:solidFill>
+                    <a:schemeClr val="tx1"/>
+                  </a:solidFill>
+                  <a:round/>
+                  <a:headEnd/>
+                  <a:tailEnd type="none" w="lg" len="lg"/>
+                </a:ln>
+              </p:spPr>
+              <p:txBody>
+                <a:bodyPr/>
+                <a:lstStyle/>
+                <a:p>
+                  <a:endParaRPr lang="en-US"/>
+                </a:p>
+              </p:txBody>
+            </p:sp>
+          </p:grpSp>
+        </p:grpSp>
+        <p:grpSp>
+          <p:nvGrpSpPr>
+            <p:cNvPr id="5" name="Group 5"/>
+            <p:cNvGrpSpPr>
+              <a:grpSpLocks/>
+            </p:cNvGrpSpPr>
+            <p:nvPr/>
+          </p:nvGrpSpPr>
+          <p:grpSpPr bwMode="auto">
+            <a:xfrm>
+              <a:off x="762000" y="3699150"/>
+              <a:ext cx="2630488" cy="1638299"/>
+              <a:chOff x="480" y="2064"/>
+              <a:chExt cx="1657" cy="1032"/>
+            </a:xfrm>
+          </p:grpSpPr>
+          <p:pic>
+            <p:nvPicPr>
+              <p:cNvPr id="25617" name="Picture 6" descr="s1945"/>
+              <p:cNvPicPr>
+                <a:picLocks noChangeAspect="1" noChangeArrowheads="1"/>
+              </p:cNvPicPr>
+              <p:nvPr/>
+            </p:nvPicPr>
+            <p:blipFill>
+              <a:blip r:embed="rId3"/>
+              <a:srcRect/>
+              <a:stretch>
+                <a:fillRect/>
+              </a:stretch>
+            </p:blipFill>
+            <p:spPr bwMode="auto">
+              <a:xfrm>
+                <a:off x="480" y="2160"/>
+                <a:ext cx="809" cy="504"/>
+              </a:xfrm>
+              <a:prstGeom prst="rect">
+                <a:avLst/>
+              </a:prstGeom>
+              <a:noFill/>
+              <a:ln w="9525">
+                <a:noFill/>
+                <a:miter lim="800000"/>
+                <a:headEnd/>
+                <a:tailEnd/>
+              </a:ln>
+            </p:spPr>
+          </p:pic>
+          <p:pic>
+            <p:nvPicPr>
+              <p:cNvPr id="25618" name="Picture 7" descr="s150fr"/>
+              <p:cNvPicPr>
+                <a:picLocks noChangeAspect="1" noChangeArrowheads="1"/>
+              </p:cNvPicPr>
+              <p:nvPr/>
+            </p:nvPicPr>
+            <p:blipFill>
+              <a:blip r:embed="rId4"/>
+              <a:srcRect/>
+              <a:stretch>
+                <a:fillRect/>
+              </a:stretch>
+            </p:blipFill>
+            <p:spPr bwMode="auto">
+              <a:xfrm>
+                <a:off x="1584" y="2064"/>
+                <a:ext cx="553" cy="672"/>
+              </a:xfrm>
+              <a:prstGeom prst="rect">
+                <a:avLst/>
+              </a:prstGeom>
+              <a:noFill/>
+              <a:ln w="9525">
+                <a:noFill/>
+                <a:miter lim="800000"/>
+                <a:headEnd/>
+                <a:tailEnd/>
+              </a:ln>
+            </p:spPr>
+          </p:pic>
+          <p:pic>
+            <p:nvPicPr>
+              <p:cNvPr id="25619" name="Picture 8" descr="s1945"/>
+              <p:cNvPicPr>
+                <a:picLocks noChangeAspect="1" noChangeArrowheads="1"/>
+              </p:cNvPicPr>
+              <p:nvPr/>
+            </p:nvPicPr>
+            <p:blipFill>
+              <a:blip r:embed="rId3"/>
+              <a:srcRect/>
+              <a:stretch>
+                <a:fillRect/>
+              </a:stretch>
+            </p:blipFill>
+            <p:spPr bwMode="auto">
+              <a:xfrm>
+                <a:off x="912" y="2592"/>
+                <a:ext cx="809" cy="504"/>
+              </a:xfrm>
+              <a:prstGeom prst="rect">
+                <a:avLst/>
+              </a:prstGeom>
+              <a:noFill/>
+              <a:ln w="9525">
+                <a:noFill/>
+                <a:miter lim="800000"/>
+                <a:headEnd/>
+                <a:tailEnd/>
+              </a:ln>
+            </p:spPr>
+          </p:pic>
+        </p:grpSp>
+      </p:grpSp>
+      <p:sp>
+        <p:nvSpPr>
+          <p:cNvPr id="25605" name="Text Box 16"/>
+          <p:cNvSpPr txBox="1">
+            <a:spLocks noChangeArrowheads="1"/>
+          </p:cNvSpPr>
+          <p:nvPr/>
+        </p:nvSpPr>
+        <p:spPr bwMode="auto">
+          <a:xfrm>
+            <a:off x="6765925" y="3733800"/>
+            <a:ext cx="184150" cy="579438"/>
+          </a:xfrm>
+          <a:prstGeom prst="rect">
+            <a:avLst/>
+          </a:prstGeom>
+          <a:noFill/>
+          <a:ln w="9525">
+            <a:noFill/>
+            <a:miter lim="800000"/>
+            <a:headEnd/>
+            <a:tailEnd type="none" w="lg" len="lg"/>
+          </a:ln>
+        </p:spPr>
+        <p:txBody>
+          <a:bodyPr wrap="none">
+            <a:spAutoFit/>
+          </a:bodyPr>
+          <a:lstStyle/>
+          <a:p>
+            <a:endParaRPr lang="en-US" dirty="0"/>
+          </a:p>
+        </p:txBody>
+      </p:sp>
+      <p:grpSp>
+        <p:nvGrpSpPr>
+          <p:cNvPr id="6" name="Group 34"/>
+          <p:cNvGrpSpPr>
+            <a:grpSpLocks/>
+          </p:cNvGrpSpPr>
+          <p:nvPr/>
+        </p:nvGrpSpPr>
+        <p:grpSpPr bwMode="auto">
+          <a:xfrm>
+            <a:off x="4584700" y="3886203"/>
+            <a:ext cx="1652588" cy="1660527"/>
+            <a:chOff x="2888" y="2472"/>
+            <a:chExt cx="1041" cy="1046"/>
+          </a:xfrm>
+        </p:grpSpPr>
+        <p:grpSp>
+          <p:nvGrpSpPr>
+            <p:cNvPr id="7" name="Group 33"/>
+            <p:cNvGrpSpPr>
+              <a:grpSpLocks/>
+            </p:cNvGrpSpPr>
+            <p:nvPr/>
+          </p:nvGrpSpPr>
+          <p:grpSpPr bwMode="auto">
+            <a:xfrm>
+              <a:off x="2888" y="2472"/>
+              <a:ext cx="1041" cy="504"/>
+              <a:chOff x="2888" y="2436"/>
+              <a:chExt cx="1041" cy="504"/>
+            </a:xfrm>
+          </p:grpSpPr>
+          <p:pic>
+            <p:nvPicPr>
+              <p:cNvPr id="25613" name="Picture 18" descr="s1945"/>
+              <p:cNvPicPr>
+                <a:picLocks noChangeAspect="1" noChangeArrowheads="1"/>
+              </p:cNvPicPr>
+              <p:nvPr/>
+            </p:nvPicPr>
+            <p:blipFill>
+              <a:blip r:embed="rId3"/>
+              <a:srcRect/>
+              <a:stretch>
+                <a:fillRect/>
+              </a:stretch>
+            </p:blipFill>
+            <p:spPr bwMode="auto">
+              <a:xfrm>
+                <a:off x="3120" y="2436"/>
+                <a:ext cx="809" cy="504"/>
+              </a:xfrm>
+              <a:prstGeom prst="rect">
+                <a:avLst/>
+              </a:prstGeom>
+              <a:noFill/>
+              <a:ln w="9525">
+                <a:noFill/>
+                <a:miter lim="800000"/>
+                <a:headEnd/>
+                <a:tailEnd/>
+              </a:ln>
+            </p:spPr>
+          </p:pic>
+          <p:sp>
+            <p:nvSpPr>
+              <p:cNvPr id="25614" name="Text Box 21"/>
+              <p:cNvSpPr txBox="1">
+                <a:spLocks noChangeArrowheads="1"/>
+              </p:cNvSpPr>
+              <p:nvPr/>
+            </p:nvSpPr>
+            <p:spPr bwMode="auto">
+              <a:xfrm>
+                <a:off x="2888" y="2484"/>
+                <a:ext cx="280" cy="404"/>
+              </a:xfrm>
+              <a:prstGeom prst="rect">
+                <a:avLst/>
+              </a:prstGeom>
+              <a:noFill/>
+              <a:ln w="9525">
+                <a:noFill/>
+                <a:miter lim="800000"/>
+                <a:headEnd/>
+                <a:tailEnd type="none" w="lg" len="lg"/>
+              </a:ln>
+            </p:spPr>
+            <p:txBody>
+              <a:bodyPr wrap="none">
+                <a:spAutoFit/>
+              </a:bodyPr>
+              <a:lstStyle/>
+              <a:p>
+                <a:r>
+                  <a:rPr lang="en-US" sz="3600" b="1"/>
+                  <a:t>+</a:t>
+                </a:r>
+              </a:p>
+            </p:txBody>
+          </p:sp>
+        </p:grpSp>
+        <p:sp>
+          <p:nvSpPr>
+            <p:cNvPr id="25612" name="Text Box 30"/>
+            <p:cNvSpPr txBox="1">
+              <a:spLocks noChangeArrowheads="1"/>
+            </p:cNvSpPr>
+            <p:nvPr/>
+          </p:nvSpPr>
+          <p:spPr bwMode="auto">
+            <a:xfrm>
+              <a:off x="3295" y="3072"/>
+              <a:ext cx="515" cy="446"/>
+            </a:xfrm>
+            <a:prstGeom prst="rect">
+              <a:avLst/>
+            </a:prstGeom>
+            <a:noFill/>
+            <a:ln w="9525">
+              <a:noFill/>
+              <a:miter lim="800000"/>
+              <a:headEnd/>
+              <a:tailEnd type="none" w="lg" len="lg"/>
+            </a:ln>
+          </p:spPr>
+          <p:txBody>
+            <a:bodyPr wrap="none">
+              <a:spAutoFit/>
+            </a:bodyPr>
+            <a:lstStyle/>
+            <a:p>
+              <a:r>
+                <a:rPr lang="en-US" sz="4000" dirty="0" smtClean="0">
+                  <a:latin typeface="Comic Sans MS"/>
+                </a:rPr>
+                <a:t>3</a:t>
+              </a:r>
+              <a:r>
+                <a:rPr lang="en-US" sz="4000" dirty="0" smtClean="0">
+                  <a:latin typeface="Comic Sans MS" pitchFamily="66" charset="0"/>
+                  <a:cs typeface="Times New Roman" pitchFamily="18" charset="0"/>
+                </a:rPr>
+                <a:t>¢</a:t>
+              </a:r>
+              <a:endParaRPr lang="en-US" sz="4000" dirty="0">
+                <a:latin typeface="Arial Unicode MS" pitchFamily="34" charset="-128"/>
+              </a:endParaRPr>
+            </a:p>
+          </p:txBody>
+        </p:sp>
+      </p:grpSp>
+      <p:sp>
+        <p:nvSpPr>
+          <p:cNvPr id="30" name="Rectangle 14"/>
+          <p:cNvSpPr>
+            <a:spLocks noGrp="1" noChangeArrowheads="1"/>
+          </p:cNvSpPr>
+          <p:nvPr>
+            <p:ph type="title"/>
+          </p:nvPr>
+        </p:nvSpPr>
+        <p:spPr>
+          <a:xfrm>
+            <a:off x="1447800" y="304800"/>
+            <a:ext cx="7086600" cy="1143000"/>
+          </a:xfrm>
+          <a:noFill/>
+        </p:spPr>
+        <p:txBody>
+          <a:bodyPr/>
+          <a:lstStyle/>
+          <a:p>
+            <a:r>
+              <a:rPr lang="en-US" dirty="0" smtClean="0"/>
+              <a:t>Well Ordered Postage</a:t>
+            </a:r>
+          </a:p>
+        </p:txBody>
+      </p:sp>
+      <p:sp>
+        <p:nvSpPr>
+          <p:cNvPr id="32" name="TextBox 31"/>
+          <p:cNvSpPr txBox="1"/>
+          <p:nvPr/>
+        </p:nvSpPr>
+        <p:spPr>
+          <a:xfrm>
+            <a:off x="848359" y="1268382"/>
+            <a:ext cx="7383543" cy="1791164"/>
+          </a:xfrm>
+          <a:prstGeom prst="rect">
+            <a:avLst/>
+          </a:prstGeom>
+          <a:noFill/>
+        </p:spPr>
+        <p:txBody>
+          <a:bodyPr wrap="none" rtlCol="0">
+            <a:noAutofit/>
+          </a:bodyPr>
+          <a:lstStyle/>
+          <a:p>
+            <a:r>
+              <a:rPr lang="en-US" sz="5400" dirty="0" smtClean="0">
+                <a:latin typeface="Comic Sans MS" pitchFamily="66" charset="0"/>
+              </a:rPr>
+              <a:t>That means </a:t>
+            </a:r>
+            <a:r>
+              <a:rPr lang="en-US" sz="5400" dirty="0">
+                <a:solidFill>
+                  <a:srgbClr val="029C27"/>
+                </a:solidFill>
+                <a:latin typeface="Comic Sans MS" pitchFamily="66" charset="0"/>
+              </a:rPr>
+              <a:t>m-</a:t>
+            </a:r>
+            <a:r>
+              <a:rPr lang="en-US" sz="5400" dirty="0">
+                <a:solidFill>
+                  <a:srgbClr val="028822"/>
+                </a:solidFill>
+                <a:latin typeface="Comic Sans MS" pitchFamily="66" charset="0"/>
+              </a:rPr>
+              <a:t>3</a:t>
+            </a:r>
+            <a:r>
+              <a:rPr lang="en-US" sz="5400" dirty="0">
+                <a:latin typeface="Comic Sans MS" pitchFamily="66" charset="0"/>
+              </a:rPr>
+              <a:t> </a:t>
+            </a:r>
+            <a:r>
+              <a:rPr lang="en-US" sz="5400" dirty="0">
+                <a:latin typeface="Comic Sans MS"/>
+                <a:cs typeface="Comic Sans MS"/>
+                <a:sym typeface="Euclid Symbol"/>
+              </a:rPr>
+              <a:t>is</a:t>
+            </a:r>
+            <a:r>
+              <a:rPr lang="en-US" sz="5400" dirty="0">
+                <a:solidFill>
+                  <a:srgbClr val="FF33CC"/>
+                </a:solidFill>
+                <a:latin typeface="Comic Sans MS"/>
+                <a:cs typeface="Comic Sans MS"/>
+                <a:sym typeface="Euclid Symbol"/>
+              </a:rPr>
+              <a:t> </a:t>
+            </a:r>
+            <a:r>
+              <a:rPr lang="en-US" sz="5400" dirty="0" smtClean="0">
+                <a:solidFill>
+                  <a:srgbClr val="FF33CC"/>
+                </a:solidFill>
+                <a:latin typeface="Comic Sans MS"/>
+                <a:cs typeface="Comic Sans MS"/>
+                <a:sym typeface="Euclid Symbol"/>
+              </a:rPr>
+              <a:t>big</a:t>
+            </a:r>
+            <a:endParaRPr lang="en-US" sz="5400" dirty="0">
+              <a:latin typeface="Comic Sans MS" pitchFamily="66" charset="0"/>
+              <a:sym typeface="Euclid Symbol"/>
+            </a:endParaRPr>
+          </a:p>
+          <a:p>
+            <a:r>
+              <a:rPr lang="en-US" sz="5400" dirty="0" smtClean="0">
+                <a:latin typeface="Comic Sans MS" pitchFamily="66" charset="0"/>
+                <a:sym typeface="Euclid Symbol"/>
+              </a:rPr>
+              <a:t>and </a:t>
+            </a:r>
+            <a:r>
+              <a:rPr lang="en-US" sz="5400" b="1" dirty="0">
+                <a:latin typeface="Euclid Symbol" charset="2"/>
+                <a:cs typeface="Euclid Symbol" charset="2"/>
+                <a:sym typeface="Euclid Symbol"/>
+              </a:rPr>
+              <a:t>&lt;</a:t>
+            </a:r>
+            <a:r>
+              <a:rPr lang="en-US" sz="5400" b="1" dirty="0">
+                <a:latin typeface="Euclid Symbol" charset="2"/>
+                <a:cs typeface="Euclid Symbol" charset="2"/>
+              </a:rPr>
+              <a:t> </a:t>
+            </a:r>
+            <a:r>
+              <a:rPr lang="en-US" sz="5400" dirty="0">
+                <a:solidFill>
+                  <a:srgbClr val="F60000"/>
+                </a:solidFill>
+                <a:latin typeface="Comic Sans MS" pitchFamily="66" charset="0"/>
+                <a:sym typeface="Euclid Symbol"/>
+              </a:rPr>
+              <a:t>m</a:t>
+            </a:r>
+            <a:r>
+              <a:rPr lang="en-US" sz="5400" dirty="0">
+                <a:solidFill>
+                  <a:srgbClr val="000000"/>
+                </a:solidFill>
+                <a:latin typeface="Comic Sans MS" pitchFamily="66" charset="0"/>
+                <a:sym typeface="Euclid Symbol"/>
+              </a:rPr>
+              <a:t>, so it </a:t>
+            </a:r>
+            <a:r>
+              <a:rPr lang="en-US" sz="5400" dirty="0" smtClean="0">
+                <a:solidFill>
+                  <a:srgbClr val="000000"/>
+                </a:solidFill>
+                <a:latin typeface="Comic Sans MS" pitchFamily="66" charset="0"/>
+                <a:sym typeface="Euclid Symbol"/>
+              </a:rPr>
+              <a:t>is</a:t>
+            </a:r>
+            <a:r>
+              <a:rPr lang="en-US" sz="5400" dirty="0" smtClean="0">
+                <a:solidFill>
+                  <a:srgbClr val="FF0000"/>
+                </a:solidFill>
+                <a:latin typeface="Comic Sans MS" pitchFamily="66" charset="0"/>
+                <a:sym typeface="Euclid Symbol"/>
+              </a:rPr>
+              <a:t> </a:t>
+            </a:r>
+            <a:r>
+              <a:rPr lang="en-US" sz="5400" dirty="0" smtClean="0">
+                <a:solidFill>
+                  <a:srgbClr val="028822"/>
+                </a:solidFill>
+                <a:latin typeface="Comic Sans MS" pitchFamily="66" charset="0"/>
+                <a:sym typeface="Euclid Symbol"/>
+              </a:rPr>
+              <a:t>good.</a:t>
+            </a:r>
+            <a:endParaRPr lang="en-US" sz="5400" dirty="0" smtClean="0">
+              <a:latin typeface="Comic Sans MS" pitchFamily="66" charset="0"/>
+            </a:endParaRPr>
+          </a:p>
+        </p:txBody>
+      </p:sp>
+      <p:sp>
+        <p:nvSpPr>
+          <p:cNvPr id="34" name="TextBox 33"/>
+          <p:cNvSpPr txBox="1"/>
+          <p:nvPr/>
+        </p:nvSpPr>
+        <p:spPr bwMode="auto">
+          <a:xfrm>
+            <a:off x="4738255" y="5380182"/>
+            <a:ext cx="4152699" cy="830997"/>
+          </a:xfrm>
+          <a:prstGeom prst="rect">
+            <a:avLst/>
+          </a:prstGeom>
+          <a:noFill/>
+          <a:ln w="9525">
+            <a:noFill/>
+            <a:miter lim="800000"/>
+            <a:headEnd/>
+            <a:tailEnd type="none" w="lg" len="lg"/>
+          </a:ln>
+        </p:spPr>
+        <p:txBody>
+          <a:bodyPr wrap="none" rtlCol="0">
+            <a:spAutoFit/>
+          </a:bodyPr>
+          <a:lstStyle/>
+          <a:p>
+            <a:r>
+              <a:rPr lang="en-US" sz="4800" dirty="0" smtClean="0">
+                <a:solidFill>
+                  <a:srgbClr val="FF0000"/>
+                </a:solidFill>
+                <a:latin typeface="Comic Sans MS" pitchFamily="66" charset="0"/>
+              </a:rPr>
+              <a:t>contradiction!</a:t>
+            </a:r>
+          </a:p>
+        </p:txBody>
+      </p:sp>
+      <p:sp>
+        <p:nvSpPr>
+          <p:cNvPr id="36" name="TextBox 35"/>
+          <p:cNvSpPr txBox="1"/>
+          <p:nvPr/>
+        </p:nvSpPr>
+        <p:spPr bwMode="auto">
+          <a:xfrm>
+            <a:off x="879256" y="2992864"/>
+            <a:ext cx="5680161" cy="830997"/>
+          </a:xfrm>
+          <a:prstGeom prst="rect">
+            <a:avLst/>
+          </a:prstGeom>
+          <a:noFill/>
+          <a:ln w="9525">
+            <a:noFill/>
+            <a:miter lim="800000"/>
+            <a:headEnd/>
+            <a:tailEnd type="none" w="lg" len="lg"/>
+          </a:ln>
+        </p:spPr>
+        <p:txBody>
+          <a:bodyPr wrap="none" rtlCol="0">
+            <a:spAutoFit/>
+          </a:bodyPr>
+          <a:lstStyle/>
+          <a:p>
+            <a:r>
+              <a:rPr lang="en-US" sz="4800" dirty="0" smtClean="0">
+                <a:latin typeface="Comic Sans MS" pitchFamily="66" charset="0"/>
+                <a:cs typeface="Times New Roman" pitchFamily="18" charset="0"/>
+              </a:rPr>
+              <a:t>But then </a:t>
+            </a:r>
+            <a:r>
+              <a:rPr lang="en-US" sz="4800" dirty="0" smtClean="0">
+                <a:solidFill>
+                  <a:srgbClr val="F60000"/>
+                </a:solidFill>
+                <a:latin typeface="Comic Sans MS" pitchFamily="66" charset="0"/>
+                <a:sym typeface="Euclid Symbol"/>
+              </a:rPr>
+              <a:t>m</a:t>
+            </a:r>
+            <a:r>
+              <a:rPr lang="en-US" sz="4800" dirty="0" smtClean="0">
+                <a:solidFill>
+                  <a:srgbClr val="000000"/>
+                </a:solidFill>
+                <a:latin typeface="Comic Sans MS" pitchFamily="66" charset="0"/>
+                <a:sym typeface="Euclid Symbol"/>
+              </a:rPr>
+              <a:t> </a:t>
+            </a:r>
+            <a:r>
+              <a:rPr lang="en-US" sz="4800" dirty="0">
+                <a:solidFill>
+                  <a:srgbClr val="000000"/>
+                </a:solidFill>
+                <a:latin typeface="Comic Sans MS" pitchFamily="66" charset="0"/>
+                <a:sym typeface="Euclid Symbol"/>
+              </a:rPr>
+              <a:t>is</a:t>
+            </a:r>
+            <a:r>
+              <a:rPr lang="en-US" sz="4800" dirty="0">
+                <a:solidFill>
+                  <a:srgbClr val="FF0000"/>
+                </a:solidFill>
+                <a:latin typeface="Comic Sans MS" pitchFamily="66" charset="0"/>
+                <a:sym typeface="Euclid Symbol"/>
+              </a:rPr>
+              <a:t> </a:t>
+            </a:r>
+            <a:r>
+              <a:rPr lang="en-US" sz="4800" dirty="0" smtClean="0">
+                <a:solidFill>
+                  <a:srgbClr val="028822"/>
+                </a:solidFill>
+                <a:latin typeface="Comic Sans MS" pitchFamily="66" charset="0"/>
+                <a:sym typeface="Euclid Symbol"/>
+              </a:rPr>
+              <a:t>good</a:t>
+            </a:r>
+            <a:r>
+              <a:rPr lang="en-US" sz="4800" dirty="0" smtClean="0">
+                <a:solidFill>
+                  <a:srgbClr val="000000"/>
+                </a:solidFill>
+                <a:latin typeface="Comic Sans MS" pitchFamily="66" charset="0"/>
+                <a:sym typeface="Euclid Symbol"/>
+              </a:rPr>
+              <a:t>:</a:t>
+            </a:r>
+            <a:endParaRPr lang="en-US" sz="4800" dirty="0" smtClean="0">
+              <a:solidFill>
+                <a:srgbClr val="000000"/>
+              </a:solidFill>
+              <a:latin typeface="Comic Sans MS" pitchFamily="66" charset="0"/>
+            </a:endParaRPr>
+          </a:p>
+        </p:txBody>
+      </p:sp>
+    </p:spTree>
+    <p:extLst>
+      <p:ext uri="{BB962C8B-B14F-4D97-AF65-F5344CB8AC3E}">
+        <p14:creationId xmlns:p14="http://schemas.microsoft.com/office/powerpoint/2010/main" val="3975314484"/>
+      </p:ext>
+    </p:extLst>
+  </p:cSld>
+  <p:clrMapOvr>
+    <a:masterClrMapping/>
+  </p:clrMapOvr>
+  <mc:AlternateContent xmlns:mc="http://schemas.openxmlformats.org/markup-compatibility/2006">
+    <mc:Choice xmlns:p14="http://schemas.microsoft.com/office/powerpoint/2010/main" Requires="p14">
+      <p:transition spd="med" p14:dur="700">
+        <p:fade/>
+      </p:transition>
+    </mc:Choice>
+    <mc:Fallback>
+      <p:transition xmlns:p14="http://schemas.microsoft.com/office/powerpoint/2010/main" spd="med">
+        <p:fade/>
+      </p:transition>
+    </mc:Fallback>
+  </mc:AlternateContent>
+  <p:timing>
+    <p:tnLst>
+      <p:par>
+        <p:cTn xmlns:p14="http://schemas.microsoft.com/office/powerpoint/2010/main" id="1" dur="indefinite" restart="never" nodeType="tmRoot">
+          <p:childTnLst>
+            <p:seq concurrent="1" nextAc="seek">
+              <p:cTn id="2" dur="indefinite" nodeType="mainSeq">
+                <p:childTnLst>
+                  <p:par>
+                    <p:cTn id="3" fill="hold">
+                      <p:stCondLst>
+                        <p:cond delay="indefinite"/>
+                      </p:stCondLst>
+                      <p:childTnLst>
+                        <p:par>
+                          <p:cTn id="4" fill="hold">
+                            <p:stCondLst>
+                              <p:cond delay="0"/>
+                            </p:stCondLst>
+                            <p:childTnLst>
+                              <p:par>
+                                <p:cTn id="5" presetID="9" presetClass="entr" presetSubtype="0" fill="hold" grpId="0" nodeType="clickEffect">
+                                  <p:stCondLst>
+                                    <p:cond delay="0"/>
+                                  </p:stCondLst>
+                                  <p:childTnLst>
+                                    <p:set>
+                                      <p:cBhvr>
+                                        <p:cTn id="6" dur="1" fill="hold">
+                                          <p:stCondLst>
+                                            <p:cond delay="0"/>
+                                          </p:stCondLst>
+                                        </p:cTn>
+                                        <p:tgtEl>
+                                          <p:spTgt spid="32">
+                                            <p:txEl>
+                                              <p:pRg st="1" end="1"/>
+                                            </p:txEl>
+                                          </p:spTgt>
+                                        </p:tgtEl>
+                                        <p:attrNameLst>
+                                          <p:attrName>style.visibility</p:attrName>
+                                        </p:attrNameLst>
+                                      </p:cBhvr>
+                                      <p:to>
+                                        <p:strVal val="visible"/>
+                                      </p:to>
+                                    </p:set>
+                                    <p:animEffect transition="in" filter="dissolve">
+                                      <p:cBhvr>
+                                        <p:cTn id="7" dur="500"/>
+                                        <p:tgtEl>
+                                          <p:spTgt spid="32">
+                                            <p:txEl>
+                                              <p:pRg st="1" end="1"/>
+                                            </p:txEl>
+                                          </p:spTgt>
+                                        </p:tgtEl>
+                                      </p:cBhvr>
+                                    </p:animEffect>
+                                  </p:childTnLst>
+                                </p:cTn>
+                              </p:par>
+                            </p:childTnLst>
+                          </p:cTn>
+                        </p:par>
+                      </p:childTnLst>
+                    </p:cTn>
+                  </p:par>
+                  <p:par>
+                    <p:cTn id="8" fill="hold">
+                      <p:stCondLst>
+                        <p:cond delay="indefinite"/>
+                      </p:stCondLst>
+                      <p:childTnLst>
+                        <p:par>
+                          <p:cTn id="9" fill="hold">
+                            <p:stCondLst>
+                              <p:cond delay="0"/>
+                            </p:stCondLst>
+                            <p:childTnLst>
+                              <p:par>
+                                <p:cTn id="10" presetID="1" presetClass="entr" presetSubtype="0" fill="hold" grpId="0" nodeType="clickEffect">
+                                  <p:stCondLst>
+                                    <p:cond delay="0"/>
+                                  </p:stCondLst>
+                                  <p:childTnLst>
+                                    <p:set>
+                                      <p:cBhvr>
+                                        <p:cTn id="11" dur="1" fill="hold">
+                                          <p:stCondLst>
+                                            <p:cond delay="0"/>
+                                          </p:stCondLst>
+                                        </p:cTn>
+                                        <p:tgtEl>
+                                          <p:spTgt spid="36"/>
+                                        </p:tgtEl>
+                                        <p:attrNameLst>
+                                          <p:attrName>style.visibility</p:attrName>
+                                        </p:attrNameLst>
+                                      </p:cBhvr>
+                                      <p:to>
+                                        <p:strVal val="visible"/>
+                                      </p:to>
+                                    </p:set>
+                                  </p:childTnLst>
+                                </p:cTn>
+                              </p:par>
+                            </p:childTnLst>
+                          </p:cTn>
+                        </p:par>
+                      </p:childTnLst>
+                    </p:cTn>
+                  </p:par>
+                  <p:par>
+                    <p:cTn id="12" fill="hold">
+                      <p:stCondLst>
+                        <p:cond delay="indefinite"/>
+                      </p:stCondLst>
+                      <p:childTnLst>
+                        <p:par>
+                          <p:cTn id="13" fill="hold">
+                            <p:stCondLst>
+                              <p:cond delay="0"/>
+                            </p:stCondLst>
+                            <p:childTnLst>
+                              <p:par>
+                                <p:cTn id="14" presetID="9" presetClass="entr" presetSubtype="0" fill="hold" nodeType="clickEffect">
+                                  <p:stCondLst>
+                                    <p:cond delay="0"/>
+                                  </p:stCondLst>
+                                  <p:childTnLst>
+                                    <p:set>
+                                      <p:cBhvr>
+                                        <p:cTn id="15" dur="1" fill="hold">
+                                          <p:stCondLst>
+                                            <p:cond delay="0"/>
+                                          </p:stCondLst>
+                                        </p:cTn>
+                                        <p:tgtEl>
+                                          <p:spTgt spid="9"/>
+                                        </p:tgtEl>
+                                        <p:attrNameLst>
+                                          <p:attrName>style.visibility</p:attrName>
+                                        </p:attrNameLst>
+                                      </p:cBhvr>
+                                      <p:to>
+                                        <p:strVal val="visible"/>
+                                      </p:to>
+                                    </p:set>
+                                    <p:animEffect transition="in" filter="dissolve">
+                                      <p:cBhvr>
+                                        <p:cTn id="16" dur="500"/>
+                                        <p:tgtEl>
+                                          <p:spTgt spid="9"/>
+                                        </p:tgtEl>
+                                      </p:cBhvr>
+                                    </p:animEffect>
+                                  </p:childTnLst>
+                                </p:cTn>
+                              </p:par>
+                            </p:childTnLst>
+                          </p:cTn>
+                        </p:par>
+                      </p:childTnLst>
+                    </p:cTn>
+                  </p:par>
+                  <p:par>
+                    <p:cTn id="17" fill="hold">
+                      <p:stCondLst>
+                        <p:cond delay="indefinite"/>
+                      </p:stCondLst>
+                      <p:childTnLst>
+                        <p:par>
+                          <p:cTn id="18" fill="hold">
+                            <p:stCondLst>
+                              <p:cond delay="0"/>
+                            </p:stCondLst>
+                            <p:childTnLst>
+                              <p:par>
+                                <p:cTn id="19" presetID="1" presetClass="entr" presetSubtype="0" fill="hold" nodeType="clickEffect">
+                                  <p:stCondLst>
+                                    <p:cond delay="0"/>
+                                  </p:stCondLst>
+                                  <p:childTnLst>
+                                    <p:set>
+                                      <p:cBhvr>
+                                        <p:cTn id="20" dur="1" fill="hold">
+                                          <p:stCondLst>
+                                            <p:cond delay="0"/>
+                                          </p:stCondLst>
+                                        </p:cTn>
+                                        <p:tgtEl>
+                                          <p:spTgt spid="6"/>
+                                        </p:tgtEl>
+                                        <p:attrNameLst>
+                                          <p:attrName>style.visibility</p:attrName>
+                                        </p:attrNameLst>
+                                      </p:cBhvr>
+                                      <p:to>
+                                        <p:strVal val="visible"/>
+                                      </p:to>
+                                    </p:set>
+                                  </p:childTnLst>
+                                </p:cTn>
+                              </p:par>
+                            </p:childTnLst>
+                          </p:cTn>
+                        </p:par>
+                      </p:childTnLst>
+                    </p:cTn>
+                  </p:par>
+                  <p:par>
+                    <p:cTn id="21" fill="hold">
+                      <p:stCondLst>
+                        <p:cond delay="indefinite"/>
+                      </p:stCondLst>
+                      <p:childTnLst>
+                        <p:par>
+                          <p:cTn id="22" fill="hold">
+                            <p:stCondLst>
+                              <p:cond delay="0"/>
+                            </p:stCondLst>
+                            <p:childTnLst>
+                              <p:par>
+                                <p:cTn id="23" presetID="1" presetClass="entr" presetSubtype="0" fill="hold" nodeType="clickEffect">
+                                  <p:stCondLst>
+                                    <p:cond delay="0"/>
+                                  </p:stCondLst>
+                                  <p:childTnLst>
+                                    <p:set>
+                                      <p:cBhvr>
+                                        <p:cTn id="24" dur="1" fill="hold">
+                                          <p:stCondLst>
+                                            <p:cond delay="0"/>
+                                          </p:stCondLst>
+                                        </p:cTn>
+                                        <p:tgtEl>
+                                          <p:spTgt spid="25606">
+                                            <p:txEl>
+                                              <p:pRg st="0" end="0"/>
+                                            </p:txEl>
+                                          </p:spTgt>
+                                        </p:tgtEl>
+                                        <p:attrNameLst>
+                                          <p:attrName>style.visibility</p:attrName>
+                                        </p:attrNameLst>
+                                      </p:cBhvr>
+                                      <p:to>
+                                        <p:strVal val="visible"/>
+                                      </p:to>
+                                    </p:set>
+                                  </p:childTnLst>
+                                </p:cTn>
+                              </p:par>
+                            </p:childTnLst>
+                          </p:cTn>
+                        </p:par>
+                        <p:par>
+                          <p:cTn id="25" fill="hold">
+                            <p:stCondLst>
+                              <p:cond delay="0"/>
+                            </p:stCondLst>
+                            <p:childTnLst>
+                              <p:par>
+                                <p:cTn id="26" presetID="1" presetClass="entr" presetSubtype="0" fill="hold" grpId="0" nodeType="afterEffect">
+                                  <p:stCondLst>
+                                    <p:cond delay="1000"/>
+                                  </p:stCondLst>
+                                  <p:childTnLst>
+                                    <p:set>
+                                      <p:cBhvr>
+                                        <p:cTn id="27" dur="1" fill="hold">
+                                          <p:stCondLst>
+                                            <p:cond delay="0"/>
+                                          </p:stCondLst>
+                                        </p:cTn>
+                                        <p:tgtEl>
+                                          <p:spTgt spid="34"/>
+                                        </p:tgtEl>
+                                        <p:attrNameLst>
+                                          <p:attrName>style.visibility</p:attrName>
+                                        </p:attrNameLst>
+                                      </p:cBhvr>
+                                      <p:to>
+                                        <p:strVal val="visible"/>
+                                      </p:to>
+                                    </p:set>
+                                  </p:childTnLst>
+                                </p:cTn>
+                              </p:par>
+                            </p:childTnLst>
+                          </p:cTn>
+                        </p:par>
+                      </p:childTnLst>
+                    </p:cTn>
+                  </p:par>
+                </p:childTnLst>
+              </p:cTn>
+              <p:prevCondLst>
+                <p:cond evt="onPrev" delay="0">
+                  <p:tgtEl>
+                    <p:sldTgt/>
+                  </p:tgtEl>
+                </p:cond>
+              </p:prevCondLst>
+              <p:nextCondLst>
+                <p:cond evt="onNext" delay="0">
+                  <p:tgtEl>
+                    <p:sldTgt/>
+                  </p:tgtEl>
+                </p:cond>
+              </p:nextCondLst>
+            </p:seq>
+          </p:childTnLst>
+        </p:cTn>
+      </p:par>
+    </p:tnLst>
+    <p:bldLst>
+      <p:bldP spid="32" grpId="0" uiExpand="1" build="p"/>
+      <p:bldP spid="34" grpId="0"/>
+      <p:bldP spid="36" grpId="0"/>
+    </p:bldLst>
+  </p:timing>
+</p:sld>
+</file>
+
+<file path=ppt/slides/slide22.xml><?xml version="1.0" encoding="utf-8"?>
 <p:sld xmlns:a="http://schemas.openxmlformats.org/drawingml/2006/main" xmlns:r="http://schemas.openxmlformats.org/officeDocument/2006/relationships" xmlns:p="http://schemas.openxmlformats.org/presentationml/2006/main">
   <p:cSld>
     <p:spTree>
@@ -11711,7 +17144,7 @@
           <a:graphicData uri="http://schemas.openxmlformats.org/presentationml/2006/ole">
             <mc:AlternateContent xmlns:mc="http://schemas.openxmlformats.org/markup-compatibility/2006">
               <mc:Choice xmlns:v="urn:schemas-microsoft-com:vml" Requires="v">
-                <p:oleObj spid="_x0000_s47122" name="Equation" r:id="rId3" imgW="2273300" imgH="469900" progId="Equation.DSMT4">
+                <p:oleObj spid="_x0000_s47127" name="Equation" r:id="rId3" imgW="2273300" imgH="469900" progId="Equation.DSMT4">
                   <p:embed/>
                 </p:oleObj>
               </mc:Choice>
@@ -11925,7 +17358,7 @@
           <a:graphicData uri="http://schemas.openxmlformats.org/presentationml/2006/ole">
             <mc:AlternateContent xmlns:mc="http://schemas.openxmlformats.org/markup-compatibility/2006">
               <mc:Choice xmlns:v="urn:schemas-microsoft-com:vml" Requires="v">
-                <p:oleObj spid="_x0000_s47123" name="Equation" r:id="rId5" imgW="2324100" imgH="469900" progId="Equation.DSMT4">
+                <p:oleObj spid="_x0000_s47128" name="Equation" r:id="rId5" imgW="2324100" imgH="469900" progId="Equation.DSMT4">
                   <p:embed/>
                 </p:oleObj>
               </mc:Choice>
@@ -12268,7 +17701,7 @@
 </p:sld>
 </file>
 
-<file path=ppt/slides/slide18.xml><?xml version="1.0" encoding="utf-8"?>
+<file path=ppt/slides/slide23.xml><?xml version="1.0" encoding="utf-8"?>
 <p:sld xmlns:a="http://schemas.openxmlformats.org/drawingml/2006/main" xmlns:r="http://schemas.openxmlformats.org/officeDocument/2006/relationships" xmlns:p="http://schemas.openxmlformats.org/presentationml/2006/main">
   <p:cSld>
     <p:spTree>
@@ -12329,7 +17762,7 @@
           <a:graphicData uri="http://schemas.openxmlformats.org/presentationml/2006/ole">
             <mc:AlternateContent xmlns:mc="http://schemas.openxmlformats.org/markup-compatibility/2006">
               <mc:Choice xmlns:v="urn:schemas-microsoft-com:vml" Requires="v">
-                <p:oleObj spid="_x0000_s48163" name="Equation" r:id="rId3" imgW="2324100" imgH="469900" progId="Equation.DSMT4">
+                <p:oleObj spid="_x0000_s48174" name="Equation" r:id="rId3" imgW="2324100" imgH="469900" progId="Equation.DSMT4">
                   <p:embed/>
                 </p:oleObj>
               </mc:Choice>
@@ -12460,7 +17893,7 @@
           <a:graphicData uri="http://schemas.openxmlformats.org/presentationml/2006/ole">
             <mc:AlternateContent xmlns:mc="http://schemas.openxmlformats.org/markup-compatibility/2006">
               <mc:Choice xmlns:v="urn:schemas-microsoft-com:vml" Requires="v">
-                <p:oleObj spid="_x0000_s48164" name="Equation" r:id="rId5" imgW="2540000" imgH="241300" progId="Equation.DSMT4">
+                <p:oleObj spid="_x0000_s48175" name="Equation" r:id="rId5" imgW="2540000" imgH="241300" progId="Equation.DSMT4">
                   <p:embed/>
                 </p:oleObj>
               </mc:Choice>
@@ -12530,7 +17963,7 @@
           <a:graphicData uri="http://schemas.openxmlformats.org/presentationml/2006/ole">
             <mc:AlternateContent xmlns:mc="http://schemas.openxmlformats.org/markup-compatibility/2006">
               <mc:Choice xmlns:v="urn:schemas-microsoft-com:vml" Requires="v">
-                <p:oleObj spid="_x0000_s48165" name="Equation" r:id="rId7" imgW="1270000" imgH="469900" progId="Equation.DSMT4">
+                <p:oleObj spid="_x0000_s48176" name="Equation" r:id="rId7" imgW="1270000" imgH="469900" progId="Equation.DSMT4">
                   <p:embed/>
                 </p:oleObj>
               </mc:Choice>
@@ -12600,7 +18033,7 @@
           <a:graphicData uri="http://schemas.openxmlformats.org/presentationml/2006/ole">
             <mc:AlternateContent xmlns:mc="http://schemas.openxmlformats.org/markup-compatibility/2006">
               <mc:Choice xmlns:v="urn:schemas-microsoft-com:vml" Requires="v">
-                <p:oleObj spid="_x0000_s48166" name="Equation" r:id="rId9" imgW="711200" imgH="469900" progId="Equation.DSMT4">
+                <p:oleObj spid="_x0000_s48177" name="Equation" r:id="rId9" imgW="711200" imgH="469900" progId="Equation.DSMT4">
                   <p:embed/>
                 </p:oleObj>
               </mc:Choice>
@@ -12791,7 +18224,7 @@
           <a:graphicData uri="http://schemas.openxmlformats.org/presentationml/2006/ole">
             <mc:AlternateContent xmlns:mc="http://schemas.openxmlformats.org/markup-compatibility/2006">
               <mc:Choice xmlns:v="urn:schemas-microsoft-com:vml" Requires="v">
-                <p:oleObj spid="_x0000_s48167" name="Equation" r:id="rId11" imgW="660400" imgH="469900" progId="Equation.DSMT4">
+                <p:oleObj spid="_x0000_s48178" name="Equation" r:id="rId11" imgW="660400" imgH="469900" progId="Equation.DSMT4">
                   <p:embed/>
                 </p:oleObj>
               </mc:Choice>
@@ -13201,7 +18634,7 @@
 </p:sld>
 </file>
 
-<file path=ppt/slides/slide19.xml><?xml version="1.0" encoding="utf-8"?>
+<file path=ppt/slides/slide24.xml><?xml version="1.0" encoding="utf-8"?>
 <p:sld xmlns:a="http://schemas.openxmlformats.org/drawingml/2006/main" xmlns:r="http://schemas.openxmlformats.org/officeDocument/2006/relationships" xmlns:p="http://schemas.openxmlformats.org/presentationml/2006/main">
   <p:cSld>
     <p:spTree>
@@ -13418,7 +18851,7 @@
           <a:graphicData uri="http://schemas.openxmlformats.org/presentationml/2006/ole">
             <mc:AlternateContent xmlns:mc="http://schemas.openxmlformats.org/markup-compatibility/2006">
               <mc:Choice xmlns:v="urn:schemas-microsoft-com:vml" Requires="v">
-                <p:oleObj spid="_x0000_s36899" name="Equation" r:id="rId4" imgW="838200" imgH="215900" progId="Equation.DSMT4">
+                <p:oleObj spid="_x0000_s36910" name="Equation" r:id="rId4" imgW="838200" imgH="215900" progId="Equation.DSMT4">
                   <p:embed/>
                 </p:oleObj>
               </mc:Choice>
@@ -13488,7 +18921,7 @@
           <a:graphicData uri="http://schemas.openxmlformats.org/presentationml/2006/ole">
             <mc:AlternateContent xmlns:mc="http://schemas.openxmlformats.org/markup-compatibility/2006">
               <mc:Choice xmlns:v="urn:schemas-microsoft-com:vml" Requires="v">
-                <p:oleObj spid="_x0000_s36900" name="Equation" r:id="rId6" imgW="114300" imgH="165100" progId="Equation.DSMT4">
+                <p:oleObj spid="_x0000_s36911" name="Equation" r:id="rId6" imgW="114300" imgH="165100" progId="Equation.DSMT4">
                   <p:embed/>
                 </p:oleObj>
               </mc:Choice>
@@ -13558,7 +18991,7 @@
           <a:graphicData uri="http://schemas.openxmlformats.org/presentationml/2006/ole">
             <mc:AlternateContent xmlns:mc="http://schemas.openxmlformats.org/markup-compatibility/2006">
               <mc:Choice xmlns:v="urn:schemas-microsoft-com:vml" Requires="v">
-                <p:oleObj spid="_x0000_s36901" name="Equation" r:id="rId8" imgW="1663700" imgH="342900" progId="Equation.DSMT4">
+                <p:oleObj spid="_x0000_s36912" name="Equation" r:id="rId8" imgW="1663700" imgH="342900" progId="Equation.DSMT4">
                   <p:embed/>
                 </p:oleObj>
               </mc:Choice>
@@ -13628,7 +19061,7 @@
           <a:graphicData uri="http://schemas.openxmlformats.org/presentationml/2006/ole">
             <mc:AlternateContent xmlns:mc="http://schemas.openxmlformats.org/markup-compatibility/2006">
               <mc:Choice xmlns:v="urn:schemas-microsoft-com:vml" Requires="v">
-                <p:oleObj spid="_x0000_s36902" name="Equation" r:id="rId10" imgW="419100" imgH="190500" progId="Equation.DSMT4">
+                <p:oleObj spid="_x0000_s36913" name="Equation" r:id="rId10" imgW="419100" imgH="190500" progId="Equation.DSMT4">
                   <p:embed/>
                 </p:oleObj>
               </mc:Choice>
@@ -13698,7 +19131,7 @@
           <a:graphicData uri="http://schemas.openxmlformats.org/presentationml/2006/ole">
             <mc:AlternateContent xmlns:mc="http://schemas.openxmlformats.org/markup-compatibility/2006">
               <mc:Choice xmlns:v="urn:schemas-microsoft-com:vml" Requires="v">
-                <p:oleObj spid="_x0000_s36903" name="Equation" r:id="rId12" imgW="368300" imgH="190500" progId="Equation.DSMT4">
+                <p:oleObj spid="_x0000_s36914" name="Equation" r:id="rId12" imgW="368300" imgH="190500" progId="Equation.DSMT4">
                   <p:embed/>
                 </p:oleObj>
               </mc:Choice>
@@ -14233,176 +19666,7 @@
 </p:sld>
 </file>
 
-<file path=ppt/slides/slide2.xml><?xml version="1.0" encoding="utf-8"?>
-<p:sld xmlns:a="http://schemas.openxmlformats.org/drawingml/2006/main" xmlns:r="http://schemas.openxmlformats.org/officeDocument/2006/relationships" xmlns:p="http://schemas.openxmlformats.org/presentationml/2006/main">
-  <p:cSld>
-    <p:spTree>
-      <p:nvGrpSpPr>
-        <p:cNvPr id="1" name=""/>
-        <p:cNvGrpSpPr/>
-        <p:nvPr/>
-      </p:nvGrpSpPr>
-      <p:grpSpPr>
-        <a:xfrm>
-          <a:off x="0" y="0"/>
-          <a:ext cx="0" cy="0"/>
-          <a:chOff x="0" y="0"/>
-          <a:chExt cx="0" cy="0"/>
-        </a:xfrm>
-      </p:grpSpPr>
-      <p:sp>
-        <p:nvSpPr>
-          <p:cNvPr id="2" name="TextBox 1"/>
-          <p:cNvSpPr txBox="1"/>
-          <p:nvPr/>
-        </p:nvSpPr>
-        <p:spPr bwMode="auto">
-          <a:xfrm>
-            <a:off x="1962779" y="394494"/>
-            <a:ext cx="3807953" cy="830997"/>
-          </a:xfrm>
-          <a:prstGeom prst="rect">
-            <a:avLst/>
-          </a:prstGeom>
-          <a:noFill/>
-          <a:ln w="9525">
-            <a:noFill/>
-            <a:miter lim="800000"/>
-            <a:headEnd/>
-            <a:tailEnd type="none" w="lg" len="lg"/>
-          </a:ln>
-        </p:spPr>
-        <p:txBody>
-          <a:bodyPr wrap="none" rtlCol="0">
-            <a:spAutoFit/>
-          </a:bodyPr>
-          <a:lstStyle/>
-          <a:p>
-            <a:r>
-              <a:rPr lang="en-US" sz="4800" b="1" dirty="0" smtClean="0">
-                <a:latin typeface="Comic Sans MS" pitchFamily="66" charset="0"/>
-              </a:rPr>
-              <a:t>What is the</a:t>
-            </a:r>
-            <a:endParaRPr lang="en-US" sz="4800" b="1" dirty="0" smtClean="0">
-              <a:latin typeface="Comic Sans MS" pitchFamily="66" charset="0"/>
-            </a:endParaRPr>
-          </a:p>
-        </p:txBody>
-      </p:sp>
-      <p:sp>
-        <p:nvSpPr>
-          <p:cNvPr id="3" name="TextBox 2"/>
-          <p:cNvSpPr txBox="1"/>
-          <p:nvPr/>
-        </p:nvSpPr>
-        <p:spPr bwMode="auto">
-          <a:xfrm>
-            <a:off x="538813" y="1450692"/>
-            <a:ext cx="8072410" cy="4524315"/>
-          </a:xfrm>
-          <a:prstGeom prst="rect">
-            <a:avLst/>
-          </a:prstGeom>
-          <a:noFill/>
-          <a:ln w="9525">
-            <a:noFill/>
-            <a:miter lim="800000"/>
-            <a:headEnd/>
-            <a:tailEnd type="none" w="lg" len="lg"/>
-          </a:ln>
-        </p:spPr>
-        <p:txBody>
-          <a:bodyPr wrap="square" rtlCol="0">
-            <a:spAutoFit/>
-          </a:bodyPr>
-          <a:lstStyle/>
-          <a:p>
-            <a:pPr marL="685800" indent="-685800">
-              <a:buFont typeface="Arial"/>
-              <a:buChar char="•"/>
-            </a:pPr>
-            <a:r>
-              <a:rPr lang="en-US" sz="4800" dirty="0" smtClean="0">
-                <a:latin typeface="Comic Sans MS" pitchFamily="66" charset="0"/>
-              </a:rPr>
-              <a:t>youngest age </a:t>
-            </a:r>
-            <a:r>
-              <a:rPr lang="en-US" sz="4800" dirty="0">
-                <a:latin typeface="Comic Sans MS" pitchFamily="66" charset="0"/>
-              </a:rPr>
-              <a:t>of </a:t>
-            </a:r>
-            <a:r>
-              <a:rPr lang="en-US" sz="4800" dirty="0" smtClean="0">
-                <a:latin typeface="Comic Sans MS" pitchFamily="66" charset="0"/>
-              </a:rPr>
-              <a:t>MIT </a:t>
-            </a:r>
-            <a:r>
-              <a:rPr lang="en-US" sz="4800" dirty="0" smtClean="0">
-                <a:latin typeface="Comic Sans MS" pitchFamily="66" charset="0"/>
-              </a:rPr>
-              <a:t>graduate?</a:t>
-            </a:r>
-          </a:p>
-          <a:p>
-            <a:pPr marL="685800" indent="-685800">
-              <a:buFont typeface="Arial"/>
-              <a:buChar char="•"/>
-            </a:pPr>
-            <a:r>
-              <a:rPr lang="en-US" sz="4800" dirty="0" smtClean="0">
-                <a:latin typeface="Comic Sans MS" pitchFamily="66" charset="0"/>
-              </a:rPr>
-              <a:t>smallest # neurons in any animal?</a:t>
-            </a:r>
-          </a:p>
-          <a:p>
-            <a:pPr marL="685800" indent="-685800">
-              <a:buFont typeface="Arial"/>
-              <a:buChar char="•"/>
-            </a:pPr>
-            <a:r>
-              <a:rPr lang="en-US" sz="4800" dirty="0" smtClean="0">
-                <a:latin typeface="Comic Sans MS" pitchFamily="66" charset="0"/>
-              </a:rPr>
-              <a:t>smallest #coins = $1.17?</a:t>
-            </a:r>
-          </a:p>
-          <a:p>
-            <a:pPr marL="685800" indent="-685800">
-              <a:buFont typeface="Arial"/>
-              <a:buChar char="•"/>
-            </a:pPr>
-            <a:endParaRPr lang="en-US" sz="4800" dirty="0" smtClean="0">
-              <a:latin typeface="Comic Sans MS" pitchFamily="66" charset="0"/>
-            </a:endParaRPr>
-          </a:p>
-        </p:txBody>
-      </p:sp>
-    </p:spTree>
-    <p:extLst>
-      <p:ext uri="{BB962C8B-B14F-4D97-AF65-F5344CB8AC3E}">
-        <p14:creationId xmlns:p14="http://schemas.microsoft.com/office/powerpoint/2010/main" val="3475604449"/>
-      </p:ext>
-    </p:extLst>
-  </p:cSld>
-  <p:clrMapOvr>
-    <a:masterClrMapping/>
-  </p:clrMapOvr>
-  <p:timing>
-    <p:tnLst>
-      <p:par>
-        <p:cTn xmlns:p14="http://schemas.microsoft.com/office/powerpoint/2010/main" id="1" dur="indefinite" restart="never" nodeType="tmRoot"/>
-      </p:par>
-    </p:tnLst>
-  </p:timing>
-</p:sld>
-</file>
-
-<file path=ppt/slides/slide20.xml><?xml version="1.0" encoding="utf-8"?>
+<file path=ppt/slides/slide25.xml><?xml version="1.0" encoding="utf-8"?>
 <p:sld xmlns:a="http://schemas.openxmlformats.org/drawingml/2006/main" xmlns:r="http://schemas.openxmlformats.org/officeDocument/2006/relationships" xmlns:p="http://schemas.openxmlformats.org/presentationml/2006/main">
   <p:cSld>
     <p:spTree>
@@ -14539,635 +19803,6 @@
       </p:grpSpPr>
       <p:sp>
         <p:nvSpPr>
-          <p:cNvPr id="9222" name="Rectangle 2"/>
-          <p:cNvSpPr>
-            <a:spLocks noGrp="1" noChangeArrowheads="1"/>
-          </p:cNvSpPr>
-          <p:nvPr>
-            <p:ph type="title"/>
-          </p:nvPr>
-        </p:nvSpPr>
-        <p:spPr>
-          <a:xfrm>
-            <a:off x="2209800" y="76200"/>
-            <a:ext cx="6629400" cy="1143000"/>
-          </a:xfrm>
-        </p:spPr>
-        <p:txBody>
-          <a:bodyPr/>
-          <a:lstStyle/>
-          <a:p>
-            <a:pPr eaLnBrk="1" hangingPunct="1"/>
-            <a:r>
-              <a:rPr lang="en-US" sz="3600" dirty="0" smtClean="0"/>
-              <a:t> proof used Well Ordering</a:t>
-            </a:r>
-          </a:p>
-        </p:txBody>
-      </p:sp>
-      <p:grpSp>
-        <p:nvGrpSpPr>
-          <p:cNvPr id="9" name="Group 8"/>
-          <p:cNvGrpSpPr/>
-          <p:nvPr/>
-        </p:nvGrpSpPr>
-        <p:grpSpPr>
-          <a:xfrm>
-            <a:off x="609600" y="1455738"/>
-            <a:ext cx="7848600" cy="1508125"/>
-            <a:chOff x="609600" y="1455738"/>
-            <a:chExt cx="7848600" cy="1508125"/>
-          </a:xfrm>
-        </p:grpSpPr>
-        <p:sp>
-          <p:nvSpPr>
-            <p:cNvPr id="9228" name="Text Box 3"/>
-            <p:cNvSpPr txBox="1">
-              <a:spLocks noChangeArrowheads="1"/>
-            </p:cNvSpPr>
-            <p:nvPr/>
-          </p:nvSpPr>
-          <p:spPr bwMode="auto">
-            <a:xfrm>
-              <a:off x="609600" y="1752601"/>
-              <a:ext cx="7848600" cy="762000"/>
-            </a:xfrm>
-            <a:prstGeom prst="rect">
-              <a:avLst/>
-            </a:prstGeom>
-            <a:noFill/>
-            <a:ln w="9525">
-              <a:noFill/>
-              <a:miter lim="800000"/>
-              <a:headEnd/>
-              <a:tailEnd type="none" w="lg" len="lg"/>
-            </a:ln>
-          </p:spPr>
-          <p:txBody>
-            <a:bodyPr>
-              <a:spAutoFit/>
-            </a:bodyPr>
-            <a:lstStyle/>
-            <a:p>
-              <a:r>
-                <a:rPr lang="en-US" sz="4400" i="1" dirty="0">
-                  <a:latin typeface="Comic Sans MS" pitchFamily="66" charset="0"/>
-                </a:rPr>
-                <a:t>Proof</a:t>
-              </a:r>
-              <a:r>
-                <a:rPr lang="en-US" sz="4400" dirty="0">
-                  <a:latin typeface="Comic Sans MS" pitchFamily="66" charset="0"/>
-                </a:rPr>
-                <a:t>: </a:t>
-              </a:r>
-              <a:r>
-                <a:rPr lang="en-US" sz="4400" dirty="0" smtClean="0">
-                  <a:latin typeface="Comic Sans MS" pitchFamily="66" charset="0"/>
-                </a:rPr>
-                <a:t>…suppose</a:t>
-              </a:r>
-              <a:endParaRPr lang="en-US" sz="4400" dirty="0">
-                <a:latin typeface="Comic Sans MS" pitchFamily="66" charset="0"/>
-              </a:endParaRPr>
-            </a:p>
-          </p:txBody>
-        </p:sp>
-        <p:graphicFrame>
-          <p:nvGraphicFramePr>
-            <p:cNvPr id="9220" name="Object 5"/>
-            <p:cNvGraphicFramePr>
-              <a:graphicFrameLocks noChangeAspect="1"/>
-            </p:cNvGraphicFramePr>
-            <p:nvPr/>
-          </p:nvGraphicFramePr>
-          <p:xfrm>
-            <a:off x="4953000" y="1455738"/>
-            <a:ext cx="2006600" cy="1508125"/>
-          </p:xfrm>
-          <a:graphic>
-            <a:graphicData uri="http://schemas.openxmlformats.org/presentationml/2006/ole">
-              <mc:AlternateContent xmlns:mc="http://schemas.openxmlformats.org/markup-compatibility/2006">
-                <mc:Choice xmlns:v="urn:schemas-microsoft-com:vml" Requires="v">
-                  <p:oleObj spid="_x0000_s1042" name="Equation" r:id="rId4" imgW="558720" imgH="419040" progId="Equation.DSMT4">
-                    <p:embed/>
-                  </p:oleObj>
-                </mc:Choice>
-                <mc:Fallback>
-                  <p:oleObj name="Equation" r:id="rId4" imgW="558720" imgH="419040" progId="Equation.DSMT4">
-                    <p:embed/>
-                    <p:pic>
-                      <p:nvPicPr>
-                        <p:cNvPr id="0" name="Object 5"/>
-                        <p:cNvPicPr>
-                          <a:picLocks noChangeAspect="1" noChangeArrowheads="1"/>
-                        </p:cNvPicPr>
-                        <p:nvPr/>
-                      </p:nvPicPr>
-                      <p:blipFill>
-                        <a:blip r:embed="rId5">
-                          <a:extLst>
-                            <a:ext uri="{28A0092B-C50C-407E-A947-70E740481C1C}">
-                              <a14:useLocalDpi xmlns:a14="http://schemas.microsoft.com/office/drawing/2010/main" val="0"/>
-                            </a:ext>
-                          </a:extLst>
-                        </a:blip>
-                        <a:srcRect/>
-                        <a:stretch>
-                          <a:fillRect/>
-                        </a:stretch>
-                      </p:blipFill>
-                      <p:spPr bwMode="auto">
-                        <a:xfrm>
-                          <a:off x="4953000" y="1455738"/>
-                          <a:ext cx="2006600" cy="1508125"/>
-                        </a:xfrm>
-                        <a:prstGeom prst="rect">
-                          <a:avLst/>
-                        </a:prstGeom>
-                        <a:noFill/>
-                        <a:extLst>
-                          <a:ext uri="{909E8E84-426E-40dd-AFC4-6F175D3DCCD1}">
-                            <a14:hiddenFill xmlns:a14="http://schemas.microsoft.com/office/drawing/2010/main">
-                              <a:solidFill>
-                                <a:srgbClr val="FFFFFF"/>
-                              </a:solidFill>
-                            </a14:hiddenFill>
-                          </a:ext>
-                        </a:extLst>
-                      </p:spPr>
-                    </p:pic>
-                  </p:oleObj>
-                </mc:Fallback>
-              </mc:AlternateContent>
-            </a:graphicData>
-          </a:graphic>
-        </p:graphicFrame>
-      </p:grpSp>
-      <p:graphicFrame>
-        <p:nvGraphicFramePr>
-          <p:cNvPr id="9218" name="Object 10"/>
-          <p:cNvGraphicFramePr>
-            <a:graphicFrameLocks noChangeAspect="1"/>
-          </p:cNvGraphicFramePr>
-          <p:nvPr/>
-        </p:nvGraphicFramePr>
-        <p:xfrm>
-          <a:off x="1676400" y="180975"/>
-          <a:ext cx="990600" cy="885825"/>
-        </p:xfrm>
-        <a:graphic>
-          <a:graphicData uri="http://schemas.openxmlformats.org/presentationml/2006/ole">
-            <mc:AlternateContent xmlns:mc="http://schemas.openxmlformats.org/markup-compatibility/2006">
-              <mc:Choice xmlns:v="urn:schemas-microsoft-com:vml" Requires="v">
-                <p:oleObj spid="_x0000_s1043" name="Equation" r:id="rId6" imgW="241200" imgH="215640" progId="Equation.DSMT4">
-                  <p:embed/>
-                </p:oleObj>
-              </mc:Choice>
-              <mc:Fallback>
-                <p:oleObj name="Equation" r:id="rId6" imgW="241200" imgH="215640" progId="Equation.DSMT4">
-                  <p:embed/>
-                  <p:pic>
-                    <p:nvPicPr>
-                      <p:cNvPr id="0" name="Object 10"/>
-                      <p:cNvPicPr>
-                        <a:picLocks noChangeAspect="1" noChangeArrowheads="1"/>
-                      </p:cNvPicPr>
-                      <p:nvPr/>
-                    </p:nvPicPr>
-                    <p:blipFill>
-                      <a:blip r:embed="rId7">
-                        <a:extLst>
-                          <a:ext uri="{28A0092B-C50C-407E-A947-70E740481C1C}">
-                            <a14:useLocalDpi xmlns:a14="http://schemas.microsoft.com/office/drawing/2010/main" val="0"/>
-                          </a:ext>
-                        </a:extLst>
-                      </a:blip>
-                      <a:srcRect/>
-                      <a:stretch>
-                        <a:fillRect/>
-                      </a:stretch>
-                    </p:blipFill>
-                    <p:spPr bwMode="auto">
-                      <a:xfrm>
-                        <a:off x="1676400" y="180975"/>
-                        <a:ext cx="990600" cy="885825"/>
-                      </a:xfrm>
-                      <a:prstGeom prst="rect">
-                        <a:avLst/>
-                      </a:prstGeom>
-                      <a:noFill/>
-                      <a:extLst>
-                        <a:ext uri="{909E8E84-426E-40dd-AFC4-6F175D3DCCD1}">
-                          <a14:hiddenFill xmlns:a14="http://schemas.microsoft.com/office/drawing/2010/main">
-                            <a:solidFill>
-                              <a:srgbClr val="FFFFFF"/>
-                            </a:solidFill>
-                          </a14:hiddenFill>
-                        </a:ext>
-                      </a:extLst>
-                    </p:spPr>
-                  </p:pic>
-                </p:oleObj>
-              </mc:Fallback>
-            </mc:AlternateContent>
-          </a:graphicData>
-        </a:graphic>
-      </p:graphicFrame>
-      <p:sp>
-        <p:nvSpPr>
-          <p:cNvPr id="322573" name="Text Box 13"/>
-          <p:cNvSpPr txBox="1">
-            <a:spLocks noChangeArrowheads="1"/>
-          </p:cNvSpPr>
-          <p:nvPr/>
-        </p:nvSpPr>
-        <p:spPr bwMode="auto">
-          <a:xfrm>
-            <a:off x="533400" y="2896850"/>
-            <a:ext cx="7856537" cy="1446550"/>
-          </a:xfrm>
-          <a:prstGeom prst="rect">
-            <a:avLst/>
-          </a:prstGeom>
-          <a:noFill/>
-          <a:ln w="9525">
-            <a:noFill/>
-            <a:miter lim="800000"/>
-            <a:headEnd/>
-            <a:tailEnd type="none" w="lg" len="lg"/>
-          </a:ln>
-        </p:spPr>
-        <p:txBody>
-          <a:bodyPr wrap="square">
-            <a:spAutoFit/>
-          </a:bodyPr>
-          <a:lstStyle/>
-          <a:p>
-            <a:r>
-              <a:rPr lang="en-US" sz="4400" dirty="0">
-                <a:latin typeface="Comic Sans MS" pitchFamily="66" charset="0"/>
-              </a:rPr>
-              <a:t>…can </a:t>
-            </a:r>
-            <a:r>
-              <a:rPr lang="en-US" sz="4400" dirty="0">
-                <a:solidFill>
-                  <a:srgbClr val="FF33CC"/>
-                </a:solidFill>
-                <a:latin typeface="Comic Sans MS" pitchFamily="66" charset="0"/>
-              </a:rPr>
-              <a:t>always</a:t>
-            </a:r>
-            <a:r>
-              <a:rPr lang="en-US" sz="4400" dirty="0">
-                <a:latin typeface="Comic Sans MS" pitchFamily="66" charset="0"/>
-              </a:rPr>
-              <a:t> find such </a:t>
-            </a:r>
-            <a:r>
-              <a:rPr lang="en-US" sz="4400" dirty="0" smtClean="0">
-                <a:solidFill>
-                  <a:srgbClr val="0033CC"/>
-                </a:solidFill>
-                <a:latin typeface="Comic Sans MS" pitchFamily="66" charset="0"/>
-              </a:rPr>
-              <a:t>m</a:t>
-            </a:r>
-            <a:r>
-              <a:rPr lang="en-US" sz="4400" dirty="0" smtClean="0">
-                <a:latin typeface="Comic Sans MS" pitchFamily="66" charset="0"/>
-              </a:rPr>
-              <a:t>, </a:t>
-            </a:r>
-            <a:r>
-              <a:rPr lang="en-US" sz="4400" dirty="0" smtClean="0">
-                <a:solidFill>
-                  <a:srgbClr val="0033CC"/>
-                </a:solidFill>
-                <a:latin typeface="Comic Sans MS" pitchFamily="66" charset="0"/>
-              </a:rPr>
-              <a:t>n</a:t>
-            </a:r>
-            <a:r>
-              <a:rPr lang="en-US" sz="4400" b="1" dirty="0" smtClean="0">
-                <a:solidFill>
-                  <a:srgbClr val="0033CC"/>
-                </a:solidFill>
-                <a:latin typeface="Times New (W1)" pitchFamily="18" charset="0"/>
-              </a:rPr>
-              <a:t>&gt;</a:t>
-            </a:r>
-            <a:r>
-              <a:rPr lang="en-US" sz="4400" dirty="0" smtClean="0">
-                <a:solidFill>
-                  <a:srgbClr val="0033CC"/>
-                </a:solidFill>
-                <a:latin typeface="Comic Sans MS" pitchFamily="66" charset="0"/>
-              </a:rPr>
-              <a:t>0</a:t>
-            </a:r>
-            <a:endParaRPr lang="en-US" sz="4400" dirty="0">
-              <a:solidFill>
-                <a:srgbClr val="0033CC"/>
-              </a:solidFill>
-              <a:latin typeface="Comic Sans MS" pitchFamily="66" charset="0"/>
-            </a:endParaRPr>
-          </a:p>
-          <a:p>
-            <a:r>
-              <a:rPr lang="en-US" sz="4400" i="1" dirty="0">
-                <a:latin typeface="Comic Sans MS" pitchFamily="66" charset="0"/>
-              </a:rPr>
-              <a:t>without common factors</a:t>
-            </a:r>
-            <a:r>
-              <a:rPr lang="en-US" sz="4400" dirty="0">
-                <a:latin typeface="Comic Sans MS" pitchFamily="66" charset="0"/>
-              </a:rPr>
-              <a:t>…</a:t>
-            </a:r>
-          </a:p>
-        </p:txBody>
-      </p:sp>
-      <p:sp>
-        <p:nvSpPr>
-          <p:cNvPr id="322574" name="Rectangle 14"/>
-          <p:cNvSpPr>
-            <a:spLocks noChangeArrowheads="1"/>
-          </p:cNvSpPr>
-          <p:nvPr/>
-        </p:nvSpPr>
-        <p:spPr bwMode="auto">
-          <a:xfrm>
-            <a:off x="2362200" y="4343400"/>
-            <a:ext cx="4648200" cy="1066800"/>
-          </a:xfrm>
-          <a:prstGeom prst="rect">
-            <a:avLst/>
-          </a:prstGeom>
-          <a:noFill/>
-          <a:ln w="9525">
-            <a:noFill/>
-            <a:miter lim="800000"/>
-            <a:headEnd/>
-            <a:tailEnd/>
-          </a:ln>
-        </p:spPr>
-        <p:txBody>
-          <a:bodyPr/>
-          <a:lstStyle/>
-          <a:p>
-            <a:pPr marL="342900" indent="-342900">
-              <a:spcBef>
-                <a:spcPct val="20000"/>
-              </a:spcBef>
-            </a:pPr>
-            <a:r>
-              <a:rPr lang="en-US" sz="5400" dirty="0">
-                <a:latin typeface="Comic Sans MS" pitchFamily="66" charset="0"/>
-              </a:rPr>
-              <a:t>why</a:t>
-            </a:r>
-            <a:r>
-              <a:rPr lang="en-US" sz="5400" dirty="0">
-                <a:solidFill>
-                  <a:srgbClr val="0D05A7"/>
-                </a:solidFill>
-                <a:latin typeface="Comic Sans MS" pitchFamily="66" charset="0"/>
-              </a:rPr>
-              <a:t> </a:t>
-            </a:r>
-            <a:r>
-              <a:rPr lang="en-US" sz="5400" dirty="0" smtClean="0">
-                <a:solidFill>
-                  <a:srgbClr val="FF33CC"/>
-                </a:solidFill>
-                <a:latin typeface="Comic Sans MS" pitchFamily="66" charset="0"/>
-              </a:rPr>
-              <a:t>always</a:t>
-            </a:r>
-            <a:r>
-              <a:rPr lang="en-US" sz="5400" i="1" dirty="0" smtClean="0">
-                <a:latin typeface="Comic Sans MS" pitchFamily="66" charset="0"/>
-              </a:rPr>
-              <a:t> </a:t>
-            </a:r>
-            <a:r>
-              <a:rPr lang="en-US" sz="5400" dirty="0" smtClean="0">
-                <a:latin typeface="Comic Sans MS" pitchFamily="66" charset="0"/>
-              </a:rPr>
-              <a:t>?</a:t>
-            </a:r>
-            <a:endParaRPr lang="en-US" sz="5400" dirty="0">
-              <a:latin typeface="Comic Sans MS" pitchFamily="66" charset="0"/>
-            </a:endParaRPr>
-          </a:p>
-        </p:txBody>
-      </p:sp>
-    </p:spTree>
-  </p:cSld>
-  <p:clrMapOvr>
-    <a:masterClrMapping/>
-  </p:clrMapOvr>
-  <p:transition xmlns:p14="http://schemas.microsoft.com/office/powerpoint/2010/main">
-    <p:dissolve/>
-  </p:transition>
-  <p:timing>
-    <p:tnLst>
-      <p:par>
-        <p:cTn xmlns:p14="http://schemas.microsoft.com/office/powerpoint/2010/main" id="1" dur="indefinite" restart="never" nodeType="tmRoot">
-          <p:childTnLst>
-            <p:seq concurrent="1" nextAc="seek">
-              <p:cTn id="2" dur="indefinite" nodeType="mainSeq">
-                <p:childTnLst>
-                  <p:par>
-                    <p:cTn id="3" fill="hold">
-                      <p:stCondLst>
-                        <p:cond delay="indefinite"/>
-                      </p:stCondLst>
-                      <p:childTnLst>
-                        <p:par>
-                          <p:cTn id="4" fill="hold">
-                            <p:stCondLst>
-                              <p:cond delay="0"/>
-                            </p:stCondLst>
-                            <p:childTnLst>
-                              <p:par>
-                                <p:cTn id="5" presetID="1" presetClass="entr" presetSubtype="0" fill="hold" nodeType="clickEffect">
-                                  <p:stCondLst>
-                                    <p:cond delay="0"/>
-                                  </p:stCondLst>
-                                  <p:childTnLst>
-                                    <p:set>
-                                      <p:cBhvr>
-                                        <p:cTn id="6" dur="1" fill="hold">
-                                          <p:stCondLst>
-                                            <p:cond delay="0"/>
-                                          </p:stCondLst>
-                                        </p:cTn>
-                                        <p:tgtEl>
-                                          <p:spTgt spid="9"/>
-                                        </p:tgtEl>
-                                        <p:attrNameLst>
-                                          <p:attrName>style.visibility</p:attrName>
-                                        </p:attrNameLst>
-                                      </p:cBhvr>
-                                      <p:to>
-                                        <p:strVal val="visible"/>
-                                      </p:to>
-                                    </p:set>
-                                  </p:childTnLst>
-                                </p:cTn>
-                              </p:par>
-                            </p:childTnLst>
-                          </p:cTn>
-                        </p:par>
-                      </p:childTnLst>
-                    </p:cTn>
-                  </p:par>
-                  <p:par>
-                    <p:cTn id="7" fill="hold">
-                      <p:stCondLst>
-                        <p:cond delay="indefinite"/>
-                      </p:stCondLst>
-                      <p:childTnLst>
-                        <p:par>
-                          <p:cTn id="8" fill="hold">
-                            <p:stCondLst>
-                              <p:cond delay="0"/>
-                            </p:stCondLst>
-                            <p:childTnLst>
-                              <p:par>
-                                <p:cTn id="9" presetID="1" presetClass="entr" presetSubtype="0" fill="hold" grpId="0" nodeType="clickEffect">
-                                  <p:stCondLst>
-                                    <p:cond delay="0"/>
-                                  </p:stCondLst>
-                                  <p:childTnLst>
-                                    <p:set>
-                                      <p:cBhvr>
-                                        <p:cTn id="10" dur="1" fill="hold">
-                                          <p:stCondLst>
-                                            <p:cond delay="0"/>
-                                          </p:stCondLst>
-                                        </p:cTn>
-                                        <p:tgtEl>
-                                          <p:spTgt spid="322573"/>
-                                        </p:tgtEl>
-                                        <p:attrNameLst>
-                                          <p:attrName>style.visibility</p:attrName>
-                                        </p:attrNameLst>
-                                      </p:cBhvr>
-                                      <p:to>
-                                        <p:strVal val="visible"/>
-                                      </p:to>
-                                    </p:set>
-                                  </p:childTnLst>
-                                </p:cTn>
-                              </p:par>
-                            </p:childTnLst>
-                          </p:cTn>
-                        </p:par>
-                      </p:childTnLst>
-                    </p:cTn>
-                  </p:par>
-                  <p:par>
-                    <p:cTn id="11" fill="hold">
-                      <p:stCondLst>
-                        <p:cond delay="indefinite"/>
-                      </p:stCondLst>
-                      <p:childTnLst>
-                        <p:par>
-                          <p:cTn id="12" fill="hold">
-                            <p:stCondLst>
-                              <p:cond delay="0"/>
-                            </p:stCondLst>
-                            <p:childTnLst>
-                              <p:par>
-                                <p:cTn id="13" presetID="1" presetClass="entr" presetSubtype="0" fill="hold" grpId="0" nodeType="clickEffect">
-                                  <p:stCondLst>
-                                    <p:cond delay="0"/>
-                                  </p:stCondLst>
-                                  <p:childTnLst>
-                                    <p:set>
-                                      <p:cBhvr>
-                                        <p:cTn id="14" dur="1" fill="hold">
-                                          <p:stCondLst>
-                                            <p:cond delay="0"/>
-                                          </p:stCondLst>
-                                        </p:cTn>
-                                        <p:tgtEl>
-                                          <p:spTgt spid="322574">
-                                            <p:txEl>
-                                              <p:pRg st="0" end="0"/>
-                                            </p:txEl>
-                                          </p:spTgt>
-                                        </p:tgtEl>
-                                        <p:attrNameLst>
-                                          <p:attrName>style.visibility</p:attrName>
-                                        </p:attrNameLst>
-                                      </p:cBhvr>
-                                      <p:to>
-                                        <p:strVal val="visible"/>
-                                      </p:to>
-                                    </p:set>
-                                  </p:childTnLst>
-                                </p:cTn>
-                              </p:par>
-                            </p:childTnLst>
-                          </p:cTn>
-                        </p:par>
-                      </p:childTnLst>
-                    </p:cTn>
-                  </p:par>
-                </p:childTnLst>
-              </p:cTn>
-              <p:prevCondLst>
-                <p:cond evt="onPrev" delay="0">
-                  <p:tgtEl>
-                    <p:sldTgt/>
-                  </p:tgtEl>
-                </p:cond>
-              </p:prevCondLst>
-              <p:nextCondLst>
-                <p:cond evt="onNext" delay="0">
-                  <p:tgtEl>
-                    <p:sldTgt/>
-                  </p:tgtEl>
-                </p:cond>
-              </p:nextCondLst>
-            </p:seq>
-          </p:childTnLst>
-        </p:cTn>
-      </p:par>
-    </p:tnLst>
-    <p:bldLst>
-      <p:bldP spid="322573" grpId="0"/>
-      <p:bldP spid="322574" grpId="0" build="p"/>
-    </p:bldLst>
-  </p:timing>
-</p:sld>
-</file>
-
-<file path=ppt/slides/slide4.xml><?xml version="1.0" encoding="utf-8"?>
-<p:sld xmlns:a="http://schemas.openxmlformats.org/drawingml/2006/main" xmlns:r="http://schemas.openxmlformats.org/officeDocument/2006/relationships" xmlns:p="http://schemas.openxmlformats.org/presentationml/2006/main">
-  <p:cSld>
-    <p:spTree>
-      <p:nvGrpSpPr>
-        <p:cNvPr id="1" name=""/>
-        <p:cNvGrpSpPr/>
-        <p:nvPr/>
-      </p:nvGrpSpPr>
-      <p:grpSpPr>
-        <a:xfrm>
-          <a:off x="0" y="0"/>
-          <a:ext cx="0" cy="0"/>
-          <a:chOff x="0" y="0"/>
-          <a:chExt cx="0" cy="0"/>
-        </a:xfrm>
-      </p:grpSpPr>
-      <p:sp>
-        <p:nvSpPr>
           <p:cNvPr id="10245" name="Rectangle 2"/>
           <p:cNvSpPr>
             <a:spLocks noGrp="1" noChangeArrowheads="1"/>
@@ -15303,7 +19938,7 @@
           <a:graphicData uri="http://schemas.openxmlformats.org/presentationml/2006/ole">
             <mc:AlternateContent xmlns:mc="http://schemas.openxmlformats.org/markup-compatibility/2006">
               <mc:Choice xmlns:v="urn:schemas-microsoft-com:vml" Requires="v">
-                <p:oleObj spid="_x0000_s2066" name="Equation" r:id="rId4" imgW="596880" imgH="419040" progId="Equation.DSMT4">
+                <p:oleObj spid="_x0000_s2071" name="Equation" r:id="rId4" imgW="596880" imgH="419040" progId="Equation.DSMT4">
                   <p:embed/>
                 </p:oleObj>
               </mc:Choice>
@@ -15501,7 +20136,7 @@
           <a:graphicData uri="http://schemas.openxmlformats.org/presentationml/2006/ole">
             <mc:AlternateContent xmlns:mc="http://schemas.openxmlformats.org/markup-compatibility/2006">
               <mc:Choice xmlns:v="urn:schemas-microsoft-com:vml" Requires="v">
-                <p:oleObj spid="_x0000_s2067" name="Equation" r:id="rId6" imgW="863280" imgH="558720" progId="Equation.DSMT4">
+                <p:oleObj spid="_x0000_s2072" name="Equation" r:id="rId6" imgW="863280" imgH="558720" progId="Equation.DSMT4">
                   <p:embed/>
                 </p:oleObj>
               </mc:Choice>
@@ -16001,7 +20636,7 @@
 </p:sld>
 </file>
 
-<file path=ppt/slides/slide5.xml><?xml version="1.0" encoding="utf-8"?>
+<file path=ppt/slides/slide4.xml><?xml version="1.0" encoding="utf-8"?>
 <p:sld xmlns:a="http://schemas.openxmlformats.org/drawingml/2006/main" xmlns:r="http://schemas.openxmlformats.org/officeDocument/2006/relationships" xmlns:p="http://schemas.openxmlformats.org/presentationml/2006/main">
   <p:cSld>
     <p:spTree>
@@ -16140,7 +20775,7 @@
           <a:graphicData uri="http://schemas.openxmlformats.org/presentationml/2006/ole">
             <mc:AlternateContent xmlns:mc="http://schemas.openxmlformats.org/markup-compatibility/2006">
               <mc:Choice xmlns:v="urn:schemas-microsoft-com:vml" Requires="v">
-                <p:oleObj spid="_x0000_s4108" name="Equation" r:id="rId4" imgW="596880" imgH="419040" progId="Equation.DSMT4">
+                <p:oleObj spid="_x0000_s4111" name="Equation" r:id="rId4" imgW="596880" imgH="419040" progId="Equation.DSMT4">
                   <p:embed/>
                 </p:oleObj>
               </mc:Choice>
@@ -16300,6 +20935,184 @@
   <p:transition xmlns:p14="http://schemas.microsoft.com/office/powerpoint/2010/main" spd="med">
     <p:fade/>
   </p:transition>
+  <p:timing>
+    <p:tnLst>
+      <p:par>
+        <p:cTn xmlns:p14="http://schemas.microsoft.com/office/powerpoint/2010/main" id="1" dur="indefinite" restart="never" nodeType="tmRoot"/>
+      </p:par>
+    </p:tnLst>
+  </p:timing>
+</p:sld>
+</file>
+
+<file path=ppt/slides/slide5.xml><?xml version="1.0" encoding="utf-8"?>
+<p:sld xmlns:a="http://schemas.openxmlformats.org/drawingml/2006/main" xmlns:r="http://schemas.openxmlformats.org/officeDocument/2006/relationships" xmlns:p="http://schemas.openxmlformats.org/presentationml/2006/main">
+  <p:cSld>
+    <p:spTree>
+      <p:nvGrpSpPr>
+        <p:cNvPr id="1" name=""/>
+        <p:cNvGrpSpPr/>
+        <p:nvPr/>
+      </p:nvGrpSpPr>
+      <p:grpSpPr>
+        <a:xfrm>
+          <a:off x="0" y="0"/>
+          <a:ext cx="0" cy="0"/>
+          <a:chOff x="0" y="0"/>
+          <a:chExt cx="0" cy="0"/>
+        </a:xfrm>
+      </p:grpSpPr>
+      <p:sp>
+        <p:nvSpPr>
+          <p:cNvPr id="2" name="TextBox 1"/>
+          <p:cNvSpPr txBox="1"/>
+          <p:nvPr/>
+        </p:nvSpPr>
+        <p:spPr bwMode="auto">
+          <a:xfrm>
+            <a:off x="1962779" y="394494"/>
+            <a:ext cx="3807953" cy="830997"/>
+          </a:xfrm>
+          <a:prstGeom prst="rect">
+            <a:avLst/>
+          </a:prstGeom>
+          <a:noFill/>
+          <a:ln w="9525">
+            <a:noFill/>
+            <a:miter lim="800000"/>
+            <a:headEnd/>
+            <a:tailEnd type="none" w="lg" len="lg"/>
+          </a:ln>
+        </p:spPr>
+        <p:txBody>
+          <a:bodyPr wrap="none" rtlCol="0">
+            <a:spAutoFit/>
+          </a:bodyPr>
+          <a:lstStyle/>
+          <a:p>
+            <a:r>
+              <a:rPr lang="en-US" sz="4800" b="1" dirty="0" smtClean="0">
+                <a:latin typeface="Comic Sans MS" pitchFamily="66" charset="0"/>
+              </a:rPr>
+              <a:t>What is the</a:t>
+            </a:r>
+          </a:p>
+        </p:txBody>
+      </p:sp>
+      <p:sp>
+        <p:nvSpPr>
+          <p:cNvPr id="3" name="TextBox 2"/>
+          <p:cNvSpPr txBox="1"/>
+          <p:nvPr/>
+        </p:nvSpPr>
+        <p:spPr bwMode="auto">
+          <a:xfrm>
+            <a:off x="538813" y="1450692"/>
+            <a:ext cx="8072410" cy="4524315"/>
+          </a:xfrm>
+          <a:prstGeom prst="rect">
+            <a:avLst/>
+          </a:prstGeom>
+          <a:noFill/>
+          <a:ln w="9525">
+            <a:noFill/>
+            <a:miter lim="800000"/>
+            <a:headEnd/>
+            <a:tailEnd type="none" w="lg" len="lg"/>
+          </a:ln>
+        </p:spPr>
+        <p:txBody>
+          <a:bodyPr wrap="square" rtlCol="0">
+            <a:spAutoFit/>
+          </a:bodyPr>
+          <a:lstStyle/>
+          <a:p>
+            <a:pPr marL="685800" indent="-685800">
+              <a:buFont typeface="Arial"/>
+              <a:buChar char="•"/>
+            </a:pPr>
+            <a:r>
+              <a:rPr lang="en-US" sz="4800" i="1" dirty="0" smtClean="0">
+                <a:latin typeface="Comic Sans MS" pitchFamily="66" charset="0"/>
+              </a:rPr>
+              <a:t>youngest</a:t>
+            </a:r>
+            <a:r>
+              <a:rPr lang="en-US" sz="4800" dirty="0" smtClean="0">
+                <a:latin typeface="Comic Sans MS" pitchFamily="66" charset="0"/>
+              </a:rPr>
+              <a:t> age </a:t>
+            </a:r>
+            <a:r>
+              <a:rPr lang="en-US" sz="4800" dirty="0">
+                <a:latin typeface="Comic Sans MS" pitchFamily="66" charset="0"/>
+              </a:rPr>
+              <a:t>of </a:t>
+            </a:r>
+            <a:r>
+              <a:rPr lang="en-US" sz="4800" dirty="0" smtClean="0">
+                <a:latin typeface="Comic Sans MS" pitchFamily="66" charset="0"/>
+              </a:rPr>
+              <a:t>MIT graduate?</a:t>
+            </a:r>
+          </a:p>
+          <a:p>
+            <a:pPr marL="685800" indent="-685800">
+              <a:buFont typeface="Arial"/>
+              <a:buChar char="•"/>
+            </a:pPr>
+            <a:r>
+              <a:rPr lang="en-US" sz="4800" i="1" dirty="0" smtClean="0">
+                <a:latin typeface="Comic Sans MS" pitchFamily="66" charset="0"/>
+              </a:rPr>
+              <a:t>smallest</a:t>
+            </a:r>
+            <a:r>
+              <a:rPr lang="en-US" sz="4800" dirty="0" smtClean="0">
+                <a:latin typeface="Comic Sans MS" pitchFamily="66" charset="0"/>
+              </a:rPr>
+              <a:t> # neurons in any animal?</a:t>
+            </a:r>
+          </a:p>
+          <a:p>
+            <a:pPr marL="685800" indent="-685800">
+              <a:buFont typeface="Arial"/>
+              <a:buChar char="•"/>
+            </a:pPr>
+            <a:r>
+              <a:rPr lang="en-US" sz="4800" i="1" dirty="0" smtClean="0">
+                <a:latin typeface="Comic Sans MS" pitchFamily="66" charset="0"/>
+              </a:rPr>
+              <a:t>smallest</a:t>
+            </a:r>
+            <a:r>
+              <a:rPr lang="en-US" sz="4800" dirty="0" smtClean="0">
+                <a:latin typeface="Comic Sans MS" pitchFamily="66" charset="0"/>
+              </a:rPr>
+              <a:t> #coins = $1.17?</a:t>
+            </a:r>
+          </a:p>
+          <a:p>
+            <a:pPr marL="685800" indent="-685800">
+              <a:buFont typeface="Arial"/>
+              <a:buChar char="•"/>
+            </a:pPr>
+            <a:endParaRPr lang="en-US" sz="4800" dirty="0" smtClean="0">
+              <a:latin typeface="Comic Sans MS" pitchFamily="66" charset="0"/>
+            </a:endParaRPr>
+          </a:p>
+        </p:txBody>
+      </p:sp>
+    </p:spTree>
+    <p:extLst>
+      <p:ext uri="{BB962C8B-B14F-4D97-AF65-F5344CB8AC3E}">
+        <p14:creationId xmlns:p14="http://schemas.microsoft.com/office/powerpoint/2010/main" val="3475604449"/>
+      </p:ext>
+    </p:extLst>
+  </p:cSld>
+  <p:clrMapOvr>
+    <a:masterClrMapping/>
+  </p:clrMapOvr>
   <p:timing>
     <p:tnLst>
       <p:par>
@@ -18404,12 +23217,6 @@
 <file path=ppt/tags/tag1.xml><?xml version="1.0" encoding="utf-8"?>
 <p:tagLst xmlns:a="http://schemas.openxmlformats.org/drawingml/2006/main" xmlns:r="http://schemas.openxmlformats.org/officeDocument/2006/relationships" xmlns:p="http://schemas.openxmlformats.org/presentationml/2006/main">
   <p:tag name="FIRSTALBERT20R2E20MEYER@YOGLRJUFUVWXY5M3" val="2818"/>
-</p:tagLst>
-</file>
-
-<file path=ppt/tags/tag2.xml><?xml version="1.0" encoding="utf-8"?>
-<p:tagLst xmlns:a="http://schemas.openxmlformats.org/drawingml/2006/main" xmlns:r="http://schemas.openxmlformats.org/officeDocument/2006/relationships" xmlns:p="http://schemas.openxmlformats.org/presentationml/2006/main">
-  <p:tag name="HIDDENFONTSHAPE" val="true"/>
 </p:tagLst>
 </file>
 

--- a/fall11/slidesF11/slides2m.pptx
+++ b/fall11/slidesF11/slides2m.pptx
@@ -12,14 +12,14 @@
   </p:handoutMasterIdLst>
   <p:sldIdLst>
     <p:sldId id="276" r:id="rId2"/>
-    <p:sldId id="281" r:id="rId3"/>
-    <p:sldId id="282" r:id="rId4"/>
-    <p:sldId id="290" r:id="rId5"/>
-    <p:sldId id="341" r:id="rId6"/>
-    <p:sldId id="278" r:id="rId7"/>
-    <p:sldId id="288" r:id="rId8"/>
-    <p:sldId id="289" r:id="rId9"/>
-    <p:sldId id="347" r:id="rId10"/>
+    <p:sldId id="278" r:id="rId3"/>
+    <p:sldId id="288" r:id="rId4"/>
+    <p:sldId id="289" r:id="rId5"/>
+    <p:sldId id="347" r:id="rId6"/>
+    <p:sldId id="281" r:id="rId7"/>
+    <p:sldId id="282" r:id="rId8"/>
+    <p:sldId id="290" r:id="rId9"/>
+    <p:sldId id="341" r:id="rId10"/>
     <p:sldId id="284" r:id="rId11"/>
     <p:sldId id="285" r:id="rId12"/>
     <p:sldId id="286" r:id="rId13"/>
@@ -221,7 +221,7 @@
             <a:fld id="{D875CB5D-1501-4E8C-8449-8F562B53033D}" type="datetimeFigureOut">
               <a:rPr lang="en-US" smtClean="0"/>
               <a:pPr/>
-              <a:t>9/11/11</a:t>
+              <a:t>9/12/11</a:t>
             </a:fld>
             <a:endParaRPr lang="en-US"/>
           </a:p>
@@ -388,7 +388,7 @@
             <a:fld id="{2E64E5CB-D4EF-403A-9BB6-139C52688DF7}" type="datetimeFigureOut">
               <a:rPr lang="en-US" smtClean="0"/>
               <a:pPr/>
-              <a:t>9/11/11</a:t>
+              <a:t>9/12/11</a:t>
             </a:fld>
             <a:endParaRPr lang="en-US"/>
           </a:p>
@@ -1585,6 +1585,282 @@
       </p:grpSpPr>
       <p:sp>
         <p:nvSpPr>
+          <p:cNvPr id="61442" name="Rectangle 7"/>
+          <p:cNvSpPr>
+            <a:spLocks noGrp="1" noChangeArrowheads="1"/>
+          </p:cNvSpPr>
+          <p:nvPr>
+            <p:ph type="sldNum" sz="quarter" idx="5"/>
+          </p:nvPr>
+        </p:nvSpPr>
+        <p:spPr>
+          <a:noFill/>
+        </p:spPr>
+        <p:txBody>
+          <a:bodyPr/>
+          <a:lstStyle/>
+          <a:p>
+            <a:fld id="{35663588-3D81-46BE-AB38-D06D94BDDDE7}" type="slidenum">
+              <a:rPr lang="en-US">
+                <a:cs typeface="Arial" charset="0"/>
+              </a:rPr>
+              <a:pPr/>
+              <a:t>2</a:t>
+            </a:fld>
+            <a:endParaRPr lang="en-US">
+              <a:cs typeface="Arial" charset="0"/>
+            </a:endParaRPr>
+          </a:p>
+        </p:txBody>
+      </p:sp>
+      <p:sp>
+        <p:nvSpPr>
+          <p:cNvPr id="61443" name="Rectangle 2"/>
+          <p:cNvSpPr>
+            <a:spLocks noGrp="1" noRot="1" noChangeAspect="1" noChangeArrowheads="1" noTextEdit="1"/>
+          </p:cNvSpPr>
+          <p:nvPr>
+            <p:ph type="sldImg"/>
+          </p:nvPr>
+        </p:nvSpPr>
+        <p:spPr>
+          <a:ln/>
+        </p:spPr>
+      </p:sp>
+      <p:sp>
+        <p:nvSpPr>
+          <p:cNvPr id="61444" name="Rectangle 3"/>
+          <p:cNvSpPr>
+            <a:spLocks noGrp="1" noChangeArrowheads="1"/>
+          </p:cNvSpPr>
+          <p:nvPr>
+            <p:ph type="body" idx="1"/>
+          </p:nvPr>
+        </p:nvSpPr>
+        <p:spPr>
+          <a:noFill/>
+          <a:ln/>
+        </p:spPr>
+        <p:txBody>
+          <a:bodyPr/>
+          <a:lstStyle/>
+          <a:p>
+            <a:pPr eaLnBrk="1" hangingPunct="1"/>
+            <a:endParaRPr lang="en-US" smtClean="0"/>
+          </a:p>
+        </p:txBody>
+      </p:sp>
+    </p:spTree>
+  </p:cSld>
+  <p:clrMapOvr>
+    <a:masterClrMapping/>
+  </p:clrMapOvr>
+</p:notes>
+</file>
+
+<file path=ppt/notesSlides/notesSlide3.xml><?xml version="1.0" encoding="utf-8"?>
+<p:notes xmlns:a="http://schemas.openxmlformats.org/drawingml/2006/main" xmlns:r="http://schemas.openxmlformats.org/officeDocument/2006/relationships" xmlns:p="http://schemas.openxmlformats.org/presentationml/2006/main">
+  <p:cSld>
+    <p:spTree>
+      <p:nvGrpSpPr>
+        <p:cNvPr id="1" name=""/>
+        <p:cNvGrpSpPr/>
+        <p:nvPr/>
+      </p:nvGrpSpPr>
+      <p:grpSpPr>
+        <a:xfrm>
+          <a:off x="0" y="0"/>
+          <a:ext cx="0" cy="0"/>
+          <a:chOff x="0" y="0"/>
+          <a:chExt cx="0" cy="0"/>
+        </a:xfrm>
+      </p:grpSpPr>
+      <p:sp>
+        <p:nvSpPr>
+          <p:cNvPr id="61442" name="Rectangle 7"/>
+          <p:cNvSpPr>
+            <a:spLocks noGrp="1" noChangeArrowheads="1"/>
+          </p:cNvSpPr>
+          <p:nvPr>
+            <p:ph type="sldNum" sz="quarter" idx="5"/>
+          </p:nvPr>
+        </p:nvSpPr>
+        <p:spPr>
+          <a:noFill/>
+        </p:spPr>
+        <p:txBody>
+          <a:bodyPr/>
+          <a:lstStyle/>
+          <a:p>
+            <a:fld id="{35663588-3D81-46BE-AB38-D06D94BDDDE7}" type="slidenum">
+              <a:rPr lang="en-US">
+                <a:cs typeface="Arial" charset="0"/>
+              </a:rPr>
+              <a:pPr/>
+              <a:t>3</a:t>
+            </a:fld>
+            <a:endParaRPr lang="en-US">
+              <a:cs typeface="Arial" charset="0"/>
+            </a:endParaRPr>
+          </a:p>
+        </p:txBody>
+      </p:sp>
+      <p:sp>
+        <p:nvSpPr>
+          <p:cNvPr id="61443" name="Rectangle 2"/>
+          <p:cNvSpPr>
+            <a:spLocks noGrp="1" noRot="1" noChangeAspect="1" noChangeArrowheads="1" noTextEdit="1"/>
+          </p:cNvSpPr>
+          <p:nvPr>
+            <p:ph type="sldImg"/>
+          </p:nvPr>
+        </p:nvSpPr>
+        <p:spPr>
+          <a:ln/>
+        </p:spPr>
+      </p:sp>
+      <p:sp>
+        <p:nvSpPr>
+          <p:cNvPr id="61444" name="Rectangle 3"/>
+          <p:cNvSpPr>
+            <a:spLocks noGrp="1" noChangeArrowheads="1"/>
+          </p:cNvSpPr>
+          <p:nvPr>
+            <p:ph type="body" idx="1"/>
+          </p:nvPr>
+        </p:nvSpPr>
+        <p:spPr>
+          <a:noFill/>
+          <a:ln/>
+        </p:spPr>
+        <p:txBody>
+          <a:bodyPr/>
+          <a:lstStyle/>
+          <a:p>
+            <a:pPr eaLnBrk="1" hangingPunct="1"/>
+            <a:endParaRPr lang="en-US" smtClean="0"/>
+          </a:p>
+        </p:txBody>
+      </p:sp>
+    </p:spTree>
+  </p:cSld>
+  <p:clrMapOvr>
+    <a:masterClrMapping/>
+  </p:clrMapOvr>
+</p:notes>
+</file>
+
+<file path=ppt/notesSlides/notesSlide4.xml><?xml version="1.0" encoding="utf-8"?>
+<p:notes xmlns:a="http://schemas.openxmlformats.org/drawingml/2006/main" xmlns:r="http://schemas.openxmlformats.org/officeDocument/2006/relationships" xmlns:p="http://schemas.openxmlformats.org/presentationml/2006/main">
+  <p:cSld>
+    <p:spTree>
+      <p:nvGrpSpPr>
+        <p:cNvPr id="1" name=""/>
+        <p:cNvGrpSpPr/>
+        <p:nvPr/>
+      </p:nvGrpSpPr>
+      <p:grpSpPr>
+        <a:xfrm>
+          <a:off x="0" y="0"/>
+          <a:ext cx="0" cy="0"/>
+          <a:chOff x="0" y="0"/>
+          <a:chExt cx="0" cy="0"/>
+        </a:xfrm>
+      </p:grpSpPr>
+      <p:sp>
+        <p:nvSpPr>
+          <p:cNvPr id="61442" name="Rectangle 7"/>
+          <p:cNvSpPr>
+            <a:spLocks noGrp="1" noChangeArrowheads="1"/>
+          </p:cNvSpPr>
+          <p:nvPr>
+            <p:ph type="sldNum" sz="quarter" idx="5"/>
+          </p:nvPr>
+        </p:nvSpPr>
+        <p:spPr>
+          <a:noFill/>
+        </p:spPr>
+        <p:txBody>
+          <a:bodyPr/>
+          <a:lstStyle/>
+          <a:p>
+            <a:fld id="{35663588-3D81-46BE-AB38-D06D94BDDDE7}" type="slidenum">
+              <a:rPr lang="en-US">
+                <a:cs typeface="Arial" charset="0"/>
+              </a:rPr>
+              <a:pPr/>
+              <a:t>4</a:t>
+            </a:fld>
+            <a:endParaRPr lang="en-US">
+              <a:cs typeface="Arial" charset="0"/>
+            </a:endParaRPr>
+          </a:p>
+        </p:txBody>
+      </p:sp>
+      <p:sp>
+        <p:nvSpPr>
+          <p:cNvPr id="61443" name="Rectangle 2"/>
+          <p:cNvSpPr>
+            <a:spLocks noGrp="1" noRot="1" noChangeAspect="1" noChangeArrowheads="1" noTextEdit="1"/>
+          </p:cNvSpPr>
+          <p:nvPr>
+            <p:ph type="sldImg"/>
+          </p:nvPr>
+        </p:nvSpPr>
+        <p:spPr>
+          <a:ln/>
+        </p:spPr>
+      </p:sp>
+      <p:sp>
+        <p:nvSpPr>
+          <p:cNvPr id="61444" name="Rectangle 3"/>
+          <p:cNvSpPr>
+            <a:spLocks noGrp="1" noChangeArrowheads="1"/>
+          </p:cNvSpPr>
+          <p:nvPr>
+            <p:ph type="body" idx="1"/>
+          </p:nvPr>
+        </p:nvSpPr>
+        <p:spPr>
+          <a:noFill/>
+          <a:ln/>
+        </p:spPr>
+        <p:txBody>
+          <a:bodyPr/>
+          <a:lstStyle/>
+          <a:p>
+            <a:pPr eaLnBrk="1" hangingPunct="1"/>
+            <a:endParaRPr lang="en-US" smtClean="0"/>
+          </a:p>
+        </p:txBody>
+      </p:sp>
+    </p:spTree>
+  </p:cSld>
+  <p:clrMapOvr>
+    <a:masterClrMapping/>
+  </p:clrMapOvr>
+</p:notes>
+</file>
+
+<file path=ppt/notesSlides/notesSlide5.xml><?xml version="1.0" encoding="utf-8"?>
+<p:notes xmlns:a="http://schemas.openxmlformats.org/drawingml/2006/main" xmlns:r="http://schemas.openxmlformats.org/officeDocument/2006/relationships" xmlns:p="http://schemas.openxmlformats.org/presentationml/2006/main">
+  <p:cSld>
+    <p:spTree>
+      <p:nvGrpSpPr>
+        <p:cNvPr id="1" name=""/>
+        <p:cNvGrpSpPr/>
+        <p:nvPr/>
+      </p:nvGrpSpPr>
+      <p:grpSpPr>
+        <a:xfrm>
+          <a:off x="0" y="0"/>
+          <a:ext cx="0" cy="0"/>
+          <a:chOff x="0" y="0"/>
+          <a:chExt cx="0" cy="0"/>
+        </a:xfrm>
+      </p:grpSpPr>
+      <p:sp>
+        <p:nvSpPr>
           <p:cNvPr id="64514" name="Rectangle 7"/>
           <p:cNvSpPr>
             <a:spLocks noGrp="1" noChangeArrowheads="1"/>
@@ -1605,7 +1881,7 @@
                 <a:cs typeface="Arial" charset="0"/>
               </a:rPr>
               <a:pPr/>
-              <a:t>2</a:t>
+              <a:t>6</a:t>
             </a:fld>
             <a:endParaRPr lang="en-US">
               <a:cs typeface="Arial" charset="0"/>
@@ -1658,7 +1934,7 @@
 </p:notes>
 </file>
 
-<file path=ppt/notesSlides/notesSlide3.xml><?xml version="1.0" encoding="utf-8"?>
+<file path=ppt/notesSlides/notesSlide6.xml><?xml version="1.0" encoding="utf-8"?>
 <p:notes xmlns:a="http://schemas.openxmlformats.org/drawingml/2006/main" xmlns:r="http://schemas.openxmlformats.org/officeDocument/2006/relationships" xmlns:p="http://schemas.openxmlformats.org/presentationml/2006/main">
   <p:cSld>
     <p:spTree>
@@ -1697,7 +1973,7 @@
                 <a:cs typeface="Arial" charset="0"/>
               </a:rPr>
               <a:pPr/>
-              <a:t>3</a:t>
+              <a:t>7</a:t>
             </a:fld>
             <a:endParaRPr lang="en-US">
               <a:cs typeface="Arial" charset="0"/>
@@ -1750,7 +2026,7 @@
 </p:notes>
 </file>
 
-<file path=ppt/notesSlides/notesSlide4.xml><?xml version="1.0" encoding="utf-8"?>
+<file path=ppt/notesSlides/notesSlide7.xml><?xml version="1.0" encoding="utf-8"?>
 <p:notes xmlns:a="http://schemas.openxmlformats.org/drawingml/2006/main" xmlns:r="http://schemas.openxmlformats.org/officeDocument/2006/relationships" xmlns:p="http://schemas.openxmlformats.org/presentationml/2006/main">
   <p:cSld>
     <p:spTree>
@@ -1789,7 +2065,7 @@
                 <a:cs typeface="Arial" charset="0"/>
               </a:rPr>
               <a:pPr/>
-              <a:t>4</a:t>
+              <a:t>8</a:t>
             </a:fld>
             <a:endParaRPr lang="en-US">
               <a:cs typeface="Arial" charset="0"/>
@@ -1814,282 +2090,6 @@
       <p:sp>
         <p:nvSpPr>
           <p:cNvPr id="65540" name="Rectangle 3"/>
-          <p:cNvSpPr>
-            <a:spLocks noGrp="1" noChangeArrowheads="1"/>
-          </p:cNvSpPr>
-          <p:nvPr>
-            <p:ph type="body" idx="1"/>
-          </p:nvPr>
-        </p:nvSpPr>
-        <p:spPr>
-          <a:noFill/>
-          <a:ln/>
-        </p:spPr>
-        <p:txBody>
-          <a:bodyPr/>
-          <a:lstStyle/>
-          <a:p>
-            <a:pPr eaLnBrk="1" hangingPunct="1"/>
-            <a:endParaRPr lang="en-US" smtClean="0"/>
-          </a:p>
-        </p:txBody>
-      </p:sp>
-    </p:spTree>
-  </p:cSld>
-  <p:clrMapOvr>
-    <a:masterClrMapping/>
-  </p:clrMapOvr>
-</p:notes>
-</file>
-
-<file path=ppt/notesSlides/notesSlide5.xml><?xml version="1.0" encoding="utf-8"?>
-<p:notes xmlns:a="http://schemas.openxmlformats.org/drawingml/2006/main" xmlns:r="http://schemas.openxmlformats.org/officeDocument/2006/relationships" xmlns:p="http://schemas.openxmlformats.org/presentationml/2006/main">
-  <p:cSld>
-    <p:spTree>
-      <p:nvGrpSpPr>
-        <p:cNvPr id="1" name=""/>
-        <p:cNvGrpSpPr/>
-        <p:nvPr/>
-      </p:nvGrpSpPr>
-      <p:grpSpPr>
-        <a:xfrm>
-          <a:off x="0" y="0"/>
-          <a:ext cx="0" cy="0"/>
-          <a:chOff x="0" y="0"/>
-          <a:chExt cx="0" cy="0"/>
-        </a:xfrm>
-      </p:grpSpPr>
-      <p:sp>
-        <p:nvSpPr>
-          <p:cNvPr id="61442" name="Rectangle 7"/>
-          <p:cNvSpPr>
-            <a:spLocks noGrp="1" noChangeArrowheads="1"/>
-          </p:cNvSpPr>
-          <p:nvPr>
-            <p:ph type="sldNum" sz="quarter" idx="5"/>
-          </p:nvPr>
-        </p:nvSpPr>
-        <p:spPr>
-          <a:noFill/>
-        </p:spPr>
-        <p:txBody>
-          <a:bodyPr/>
-          <a:lstStyle/>
-          <a:p>
-            <a:fld id="{35663588-3D81-46BE-AB38-D06D94BDDDE7}" type="slidenum">
-              <a:rPr lang="en-US">
-                <a:cs typeface="Arial" charset="0"/>
-              </a:rPr>
-              <a:pPr/>
-              <a:t>6</a:t>
-            </a:fld>
-            <a:endParaRPr lang="en-US">
-              <a:cs typeface="Arial" charset="0"/>
-            </a:endParaRPr>
-          </a:p>
-        </p:txBody>
-      </p:sp>
-      <p:sp>
-        <p:nvSpPr>
-          <p:cNvPr id="61443" name="Rectangle 2"/>
-          <p:cNvSpPr>
-            <a:spLocks noGrp="1" noRot="1" noChangeAspect="1" noChangeArrowheads="1" noTextEdit="1"/>
-          </p:cNvSpPr>
-          <p:nvPr>
-            <p:ph type="sldImg"/>
-          </p:nvPr>
-        </p:nvSpPr>
-        <p:spPr>
-          <a:ln/>
-        </p:spPr>
-      </p:sp>
-      <p:sp>
-        <p:nvSpPr>
-          <p:cNvPr id="61444" name="Rectangle 3"/>
-          <p:cNvSpPr>
-            <a:spLocks noGrp="1" noChangeArrowheads="1"/>
-          </p:cNvSpPr>
-          <p:nvPr>
-            <p:ph type="body" idx="1"/>
-          </p:nvPr>
-        </p:nvSpPr>
-        <p:spPr>
-          <a:noFill/>
-          <a:ln/>
-        </p:spPr>
-        <p:txBody>
-          <a:bodyPr/>
-          <a:lstStyle/>
-          <a:p>
-            <a:pPr eaLnBrk="1" hangingPunct="1"/>
-            <a:endParaRPr lang="en-US" smtClean="0"/>
-          </a:p>
-        </p:txBody>
-      </p:sp>
-    </p:spTree>
-  </p:cSld>
-  <p:clrMapOvr>
-    <a:masterClrMapping/>
-  </p:clrMapOvr>
-</p:notes>
-</file>
-
-<file path=ppt/notesSlides/notesSlide6.xml><?xml version="1.0" encoding="utf-8"?>
-<p:notes xmlns:a="http://schemas.openxmlformats.org/drawingml/2006/main" xmlns:r="http://schemas.openxmlformats.org/officeDocument/2006/relationships" xmlns:p="http://schemas.openxmlformats.org/presentationml/2006/main">
-  <p:cSld>
-    <p:spTree>
-      <p:nvGrpSpPr>
-        <p:cNvPr id="1" name=""/>
-        <p:cNvGrpSpPr/>
-        <p:nvPr/>
-      </p:nvGrpSpPr>
-      <p:grpSpPr>
-        <a:xfrm>
-          <a:off x="0" y="0"/>
-          <a:ext cx="0" cy="0"/>
-          <a:chOff x="0" y="0"/>
-          <a:chExt cx="0" cy="0"/>
-        </a:xfrm>
-      </p:grpSpPr>
-      <p:sp>
-        <p:nvSpPr>
-          <p:cNvPr id="61442" name="Rectangle 7"/>
-          <p:cNvSpPr>
-            <a:spLocks noGrp="1" noChangeArrowheads="1"/>
-          </p:cNvSpPr>
-          <p:nvPr>
-            <p:ph type="sldNum" sz="quarter" idx="5"/>
-          </p:nvPr>
-        </p:nvSpPr>
-        <p:spPr>
-          <a:noFill/>
-        </p:spPr>
-        <p:txBody>
-          <a:bodyPr/>
-          <a:lstStyle/>
-          <a:p>
-            <a:fld id="{35663588-3D81-46BE-AB38-D06D94BDDDE7}" type="slidenum">
-              <a:rPr lang="en-US">
-                <a:cs typeface="Arial" charset="0"/>
-              </a:rPr>
-              <a:pPr/>
-              <a:t>7</a:t>
-            </a:fld>
-            <a:endParaRPr lang="en-US">
-              <a:cs typeface="Arial" charset="0"/>
-            </a:endParaRPr>
-          </a:p>
-        </p:txBody>
-      </p:sp>
-      <p:sp>
-        <p:nvSpPr>
-          <p:cNvPr id="61443" name="Rectangle 2"/>
-          <p:cNvSpPr>
-            <a:spLocks noGrp="1" noRot="1" noChangeAspect="1" noChangeArrowheads="1" noTextEdit="1"/>
-          </p:cNvSpPr>
-          <p:nvPr>
-            <p:ph type="sldImg"/>
-          </p:nvPr>
-        </p:nvSpPr>
-        <p:spPr>
-          <a:ln/>
-        </p:spPr>
-      </p:sp>
-      <p:sp>
-        <p:nvSpPr>
-          <p:cNvPr id="61444" name="Rectangle 3"/>
-          <p:cNvSpPr>
-            <a:spLocks noGrp="1" noChangeArrowheads="1"/>
-          </p:cNvSpPr>
-          <p:nvPr>
-            <p:ph type="body" idx="1"/>
-          </p:nvPr>
-        </p:nvSpPr>
-        <p:spPr>
-          <a:noFill/>
-          <a:ln/>
-        </p:spPr>
-        <p:txBody>
-          <a:bodyPr/>
-          <a:lstStyle/>
-          <a:p>
-            <a:pPr eaLnBrk="1" hangingPunct="1"/>
-            <a:endParaRPr lang="en-US" smtClean="0"/>
-          </a:p>
-        </p:txBody>
-      </p:sp>
-    </p:spTree>
-  </p:cSld>
-  <p:clrMapOvr>
-    <a:masterClrMapping/>
-  </p:clrMapOvr>
-</p:notes>
-</file>
-
-<file path=ppt/notesSlides/notesSlide7.xml><?xml version="1.0" encoding="utf-8"?>
-<p:notes xmlns:a="http://schemas.openxmlformats.org/drawingml/2006/main" xmlns:r="http://schemas.openxmlformats.org/officeDocument/2006/relationships" xmlns:p="http://schemas.openxmlformats.org/presentationml/2006/main">
-  <p:cSld>
-    <p:spTree>
-      <p:nvGrpSpPr>
-        <p:cNvPr id="1" name=""/>
-        <p:cNvGrpSpPr/>
-        <p:nvPr/>
-      </p:nvGrpSpPr>
-      <p:grpSpPr>
-        <a:xfrm>
-          <a:off x="0" y="0"/>
-          <a:ext cx="0" cy="0"/>
-          <a:chOff x="0" y="0"/>
-          <a:chExt cx="0" cy="0"/>
-        </a:xfrm>
-      </p:grpSpPr>
-      <p:sp>
-        <p:nvSpPr>
-          <p:cNvPr id="61442" name="Rectangle 7"/>
-          <p:cNvSpPr>
-            <a:spLocks noGrp="1" noChangeArrowheads="1"/>
-          </p:cNvSpPr>
-          <p:nvPr>
-            <p:ph type="sldNum" sz="quarter" idx="5"/>
-          </p:nvPr>
-        </p:nvSpPr>
-        <p:spPr>
-          <a:noFill/>
-        </p:spPr>
-        <p:txBody>
-          <a:bodyPr/>
-          <a:lstStyle/>
-          <a:p>
-            <a:fld id="{35663588-3D81-46BE-AB38-D06D94BDDDE7}" type="slidenum">
-              <a:rPr lang="en-US">
-                <a:cs typeface="Arial" charset="0"/>
-              </a:rPr>
-              <a:pPr/>
-              <a:t>8</a:t>
-            </a:fld>
-            <a:endParaRPr lang="en-US">
-              <a:cs typeface="Arial" charset="0"/>
-            </a:endParaRPr>
-          </a:p>
-        </p:txBody>
-      </p:sp>
-      <p:sp>
-        <p:nvSpPr>
-          <p:cNvPr id="61443" name="Rectangle 2"/>
-          <p:cNvSpPr>
-            <a:spLocks noGrp="1" noRot="1" noChangeAspect="1" noChangeArrowheads="1" noTextEdit="1"/>
-          </p:cNvSpPr>
-          <p:nvPr>
-            <p:ph type="sldImg"/>
-          </p:nvPr>
-        </p:nvSpPr>
-        <p:spPr>
-          <a:ln/>
-        </p:spPr>
-      </p:sp>
-      <p:sp>
-        <p:nvSpPr>
-          <p:cNvPr id="61444" name="Rectangle 3"/>
           <p:cNvSpPr>
             <a:spLocks noGrp="1" noChangeArrowheads="1"/>
           </p:cNvSpPr>
@@ -2599,7 +2599,7 @@
             <a:fld id="{265BEEE3-4D86-43EA-BCD4-72B5BC159959}" type="datetimeFigureOut">
               <a:rPr lang="en-US" smtClean="0"/>
               <a:pPr/>
-              <a:t>9/11/11</a:t>
+              <a:t>9/12/11</a:t>
             </a:fld>
             <a:endParaRPr lang="en-US"/>
           </a:p>
@@ -2800,7 +2800,7 @@
             <a:fld id="{265BEEE3-4D86-43EA-BCD4-72B5BC159959}" type="datetimeFigureOut">
               <a:rPr lang="en-US" smtClean="0"/>
               <a:pPr/>
-              <a:t>9/11/11</a:t>
+              <a:t>9/12/11</a:t>
             </a:fld>
             <a:endParaRPr lang="en-US"/>
           </a:p>
@@ -3180,7 +3180,7 @@
             <a:fld id="{265BEEE3-4D86-43EA-BCD4-72B5BC159959}" type="datetimeFigureOut">
               <a:rPr lang="en-US" smtClean="0"/>
               <a:pPr/>
-              <a:t>9/11/11</a:t>
+              <a:t>9/12/11</a:t>
             </a:fld>
             <a:endParaRPr lang="en-US"/>
           </a:p>
@@ -3489,7 +3489,7 @@
             <a:fld id="{265BEEE3-4D86-43EA-BCD4-72B5BC159959}" type="datetimeFigureOut">
               <a:rPr lang="en-US" smtClean="0"/>
               <a:pPr/>
-              <a:t>9/11/11</a:t>
+              <a:t>9/12/11</a:t>
             </a:fld>
             <a:endParaRPr lang="en-US"/>
           </a:p>
@@ -3932,7 +3932,7 @@
             <a:fld id="{265BEEE3-4D86-43EA-BCD4-72B5BC159959}" type="datetimeFigureOut">
               <a:rPr lang="en-US" smtClean="0"/>
               <a:pPr/>
-              <a:t>9/11/11</a:t>
+              <a:t>9/12/11</a:t>
             </a:fld>
             <a:endParaRPr lang="en-US"/>
           </a:p>
@@ -4071,7 +4071,7 @@
             <a:fld id="{265BEEE3-4D86-43EA-BCD4-72B5BC159959}" type="datetimeFigureOut">
               <a:rPr lang="en-US" smtClean="0"/>
               <a:pPr/>
-              <a:t>9/11/11</a:t>
+              <a:t>9/12/11</a:t>
             </a:fld>
             <a:endParaRPr lang="en-US"/>
           </a:p>
@@ -4408,7 +4408,7 @@
             <a:fld id="{265BEEE3-4D86-43EA-BCD4-72B5BC159959}" type="datetimeFigureOut">
               <a:rPr lang="en-US" smtClean="0"/>
               <a:pPr/>
-              <a:t>9/11/11</a:t>
+              <a:t>9/12/11</a:t>
             </a:fld>
             <a:endParaRPr lang="en-US"/>
           </a:p>
@@ -4682,7 +4682,7 @@
             <a:fld id="{265BEEE3-4D86-43EA-BCD4-72B5BC159959}" type="datetimeFigureOut">
               <a:rPr lang="en-US" smtClean="0"/>
               <a:pPr/>
-              <a:t>9/11/11</a:t>
+              <a:t>9/12/11</a:t>
             </a:fld>
             <a:endParaRPr lang="en-US"/>
           </a:p>
@@ -7666,17 +7666,8 @@
               <a:rPr lang="en-US" sz="5400" dirty="0" smtClean="0">
                 <a:latin typeface="Comic Sans MS" pitchFamily="66" charset="0"/>
               </a:rPr>
-              <a:t> </a:t>
-            </a:r>
-            <a:r>
-              <a:rPr lang="en-US" sz="5400" dirty="0" smtClean="0">
-                <a:latin typeface="Comic Sans MS" pitchFamily="66" charset="0"/>
-              </a:rPr>
-              <a:t>if can make </a:t>
-            </a:r>
-            <a:endParaRPr lang="en-US" sz="5400" dirty="0" smtClean="0">
-              <a:latin typeface="Comic Sans MS" pitchFamily="66" charset="0"/>
-            </a:endParaRPr>
+              <a:t> if can make </a:t>
+            </a:r>
           </a:p>
           <a:p>
             <a:r>
@@ -7736,21 +7727,7 @@
                 <a:latin typeface="Comic Sans MS" pitchFamily="66" charset="0"/>
                 <a:cs typeface="Times New Roman" pitchFamily="18" charset="0"/>
               </a:rPr>
-              <a:t>3</a:t>
-            </a:r>
-            <a:r>
-              <a:rPr lang="en-US" sz="5400" dirty="0" smtClean="0">
-                <a:latin typeface="Comic Sans MS" pitchFamily="66" charset="0"/>
-                <a:cs typeface="Times New Roman" pitchFamily="18" charset="0"/>
-              </a:rPr>
-              <a:t>¢ &amp; 5</a:t>
-            </a:r>
-            <a:r>
-              <a:rPr lang="en-US" sz="5400" dirty="0" smtClean="0">
-                <a:latin typeface="Comic Sans MS" pitchFamily="66" charset="0"/>
-                <a:cs typeface="Times New Roman" pitchFamily="18" charset="0"/>
-              </a:rPr>
-              <a:t>¢ stamps.</a:t>
+              <a:t>3¢ &amp; 5¢ stamps.</a:t>
             </a:r>
             <a:endParaRPr lang="en-US" sz="5400" dirty="0" smtClean="0">
               <a:latin typeface="Comic Sans MS" pitchFamily="66" charset="0"/>
@@ -8684,14 +8661,7 @@
                 <a:latin typeface="Comic Sans MS" pitchFamily="66" charset="0"/>
                 <a:cs typeface="Times New Roman" pitchFamily="18" charset="0"/>
               </a:rPr>
-              <a:t>That </a:t>
-            </a:r>
-            <a:r>
-              <a:rPr lang="en-US" sz="5400" dirty="0" smtClean="0">
-                <a:latin typeface="Comic Sans MS" pitchFamily="66" charset="0"/>
-                <a:cs typeface="Times New Roman" pitchFamily="18" charset="0"/>
-              </a:rPr>
-              <a:t>is,</a:t>
+              <a:t>That is,</a:t>
             </a:r>
           </a:p>
           <a:p>
@@ -8762,14 +8732,7 @@
                 <a:latin typeface="Comic Sans MS" pitchFamily="66" charset="0"/>
                 <a:cs typeface="Times New Roman" pitchFamily="18" charset="0"/>
               </a:rPr>
-              <a:t>any </a:t>
-            </a:r>
-            <a:r>
-              <a:rPr lang="en-US" sz="5400" dirty="0" smtClean="0">
-                <a:latin typeface="Comic Sans MS" pitchFamily="66" charset="0"/>
-                <a:cs typeface="Times New Roman" pitchFamily="18" charset="0"/>
-              </a:rPr>
-              <a:t>number</a:t>
+              <a:t>any number</a:t>
             </a:r>
             <a:r>
               <a:rPr lang="en-US" sz="5400" dirty="0" smtClean="0">
@@ -9367,13 +9330,7 @@
               <a:rPr lang="en-US" sz="6000" dirty="0" smtClean="0">
                 <a:latin typeface="Comic Sans MS" pitchFamily="66" charset="0"/>
               </a:rPr>
-              <a:t>0 </a:t>
-            </a:r>
-            <a:r>
-              <a:rPr lang="en-US" sz="6000" dirty="0" smtClean="0">
-                <a:latin typeface="Comic Sans MS" pitchFamily="66" charset="0"/>
-              </a:rPr>
-              <a:t>is </a:t>
+              <a:t>0 is </a:t>
             </a:r>
             <a:r>
               <a:rPr lang="en-US" sz="6000" dirty="0" smtClean="0">
@@ -10192,9 +10149,6 @@
               </a:rPr>
               <a:t>3.</a:t>
             </a:r>
-            <a:endParaRPr lang="en-US" sz="7200" dirty="0" smtClean="0">
-              <a:latin typeface="Comic Sans MS" pitchFamily="66" charset="0"/>
-            </a:endParaRPr>
           </a:p>
         </p:txBody>
       </p:sp>
@@ -10731,17 +10685,7 @@
                 <a:latin typeface="Comic Sans MS" pitchFamily="66" charset="0"/>
                 <a:sym typeface="Euclid Symbol"/>
               </a:rPr>
-              <a:t>so </a:t>
-            </a:r>
-            <a:r>
-              <a:rPr lang="en-US" sz="5400" dirty="0" smtClean="0">
-                <a:solidFill>
-                  <a:srgbClr val="000000"/>
-                </a:solidFill>
-                <a:latin typeface="Comic Sans MS" pitchFamily="66" charset="0"/>
-                <a:sym typeface="Euclid Symbol"/>
-              </a:rPr>
-              <a:t>is</a:t>
+              <a:t>so is</a:t>
             </a:r>
             <a:r>
               <a:rPr lang="en-US" sz="5400" dirty="0" smtClean="0">
@@ -10877,13 +10821,6 @@
               </a:rPr>
               <a:t> </a:t>
             </a:r>
-            <a:endParaRPr lang="en-US" sz="5400" dirty="0" smtClean="0">
-              <a:solidFill>
-                <a:srgbClr val="000000"/>
-              </a:solidFill>
-              <a:latin typeface="Comic Sans MS" pitchFamily="66" charset="0"/>
-              <a:sym typeface="Euclid Symbol"/>
-            </a:endParaRPr>
           </a:p>
           <a:p>
             <a:r>
@@ -11613,16 +11550,7 @@
                     </a:solidFill>
                     <a:latin typeface="Comic Sans MS" pitchFamily="66" charset="0"/>
                   </a:rPr>
-                  <a:t>-</a:t>
-                </a:r>
-                <a:r>
-                  <a:rPr lang="en-US" sz="6000" dirty="0" smtClean="0">
-                    <a:solidFill>
-                      <a:srgbClr val="000000"/>
-                    </a:solidFill>
-                    <a:latin typeface="Comic Sans MS" pitchFamily="66" charset="0"/>
-                  </a:rPr>
-                  <a:t>3)+8</a:t>
+                  <a:t>-3)+8</a:t>
                 </a:r>
                 <a:r>
                   <a:rPr lang="en-US" sz="5400" dirty="0" smtClean="0">
@@ -12223,7 +12151,7 @@
           <a:graphicData uri="http://schemas.openxmlformats.org/presentationml/2006/ole">
             <mc:AlternateContent xmlns:mc="http://schemas.openxmlformats.org/markup-compatibility/2006">
               <mc:Choice xmlns:v="urn:schemas-microsoft-com:vml" Requires="v">
-                <p:oleObj spid="_x0000_s47138" name="Equation" r:id="rId3" imgW="2273300" imgH="469900" progId="Equation.DSMT4">
+                <p:oleObj spid="_x0000_s47141" name="Equation" r:id="rId3" imgW="2273300" imgH="469900" progId="Equation.DSMT4">
                   <p:embed/>
                 </p:oleObj>
               </mc:Choice>
@@ -12443,7 +12371,7 @@
           <a:graphicData uri="http://schemas.openxmlformats.org/presentationml/2006/ole">
             <mc:AlternateContent xmlns:mc="http://schemas.openxmlformats.org/markup-compatibility/2006">
               <mc:Choice xmlns:v="urn:schemas-microsoft-com:vml" Requires="v">
-                <p:oleObj spid="_x0000_s47139" name="Equation" r:id="rId5" imgW="2501900" imgH="469900" progId="Equation.DSMT4">
+                <p:oleObj spid="_x0000_s47142" name="Equation" r:id="rId5" imgW="2501900" imgH="469900" progId="Equation.DSMT4">
                   <p:embed/>
                 </p:oleObj>
               </mc:Choice>
@@ -12799,244 +12727,30 @@
       </p:grpSpPr>
       <p:sp>
         <p:nvSpPr>
-          <p:cNvPr id="9222" name="Rectangle 2"/>
+          <p:cNvPr id="28675" name="Rectangle 2"/>
           <p:cNvSpPr>
             <a:spLocks noGrp="1" noChangeArrowheads="1"/>
           </p:cNvSpPr>
           <p:nvPr>
-            <p:ph type="title"/>
+            <p:ph type="title" idx="4294967295"/>
           </p:nvPr>
         </p:nvSpPr>
-        <p:spPr>
-          <a:xfrm>
-            <a:off x="2209800" y="76200"/>
-            <a:ext cx="6629400" cy="1143000"/>
-          </a:xfrm>
-        </p:spPr>
+        <p:spPr/>
         <p:txBody>
           <a:bodyPr/>
           <a:lstStyle/>
           <a:p>
             <a:pPr eaLnBrk="1" hangingPunct="1"/>
             <a:r>
-              <a:rPr lang="en-US" sz="3600" dirty="0" smtClean="0"/>
-              <a:t> proof used Well Ordering</a:t>
+              <a:rPr lang="en-US" sz="4400" dirty="0" smtClean="0"/>
+              <a:t>Well Ordering principle</a:t>
             </a:r>
           </a:p>
         </p:txBody>
       </p:sp>
-      <p:grpSp>
-        <p:nvGrpSpPr>
-          <p:cNvPr id="9" name="Group 8"/>
-          <p:cNvGrpSpPr/>
-          <p:nvPr/>
-        </p:nvGrpSpPr>
-        <p:grpSpPr>
-          <a:xfrm>
-            <a:off x="609600" y="1455738"/>
-            <a:ext cx="7848600" cy="1508125"/>
-            <a:chOff x="609600" y="1455738"/>
-            <a:chExt cx="7848600" cy="1508125"/>
-          </a:xfrm>
-        </p:grpSpPr>
-        <p:sp>
-          <p:nvSpPr>
-            <p:cNvPr id="9228" name="Text Box 3"/>
-            <p:cNvSpPr txBox="1">
-              <a:spLocks noChangeArrowheads="1"/>
-            </p:cNvSpPr>
-            <p:nvPr/>
-          </p:nvSpPr>
-          <p:spPr bwMode="auto">
-            <a:xfrm>
-              <a:off x="609600" y="1752601"/>
-              <a:ext cx="7848600" cy="762000"/>
-            </a:xfrm>
-            <a:prstGeom prst="rect">
-              <a:avLst/>
-            </a:prstGeom>
-            <a:noFill/>
-            <a:ln w="9525">
-              <a:noFill/>
-              <a:miter lim="800000"/>
-              <a:headEnd/>
-              <a:tailEnd type="none" w="lg" len="lg"/>
-            </a:ln>
-          </p:spPr>
-          <p:txBody>
-            <a:bodyPr>
-              <a:spAutoFit/>
-            </a:bodyPr>
-            <a:lstStyle/>
-            <a:p>
-              <a:r>
-                <a:rPr lang="en-US" sz="4400" i="1" dirty="0">
-                  <a:latin typeface="Comic Sans MS" pitchFamily="66" charset="0"/>
-                </a:rPr>
-                <a:t>Proof</a:t>
-              </a:r>
-              <a:r>
-                <a:rPr lang="en-US" sz="4400" dirty="0">
-                  <a:latin typeface="Comic Sans MS" pitchFamily="66" charset="0"/>
-                </a:rPr>
-                <a:t>: </a:t>
-              </a:r>
-              <a:r>
-                <a:rPr lang="en-US" sz="4400" dirty="0" smtClean="0">
-                  <a:latin typeface="Comic Sans MS" pitchFamily="66" charset="0"/>
-                </a:rPr>
-                <a:t>…suppose</a:t>
-              </a:r>
-              <a:endParaRPr lang="en-US" sz="4400" dirty="0">
-                <a:latin typeface="Comic Sans MS" pitchFamily="66" charset="0"/>
-              </a:endParaRPr>
-            </a:p>
-          </p:txBody>
-        </p:sp>
-        <p:graphicFrame>
-          <p:nvGraphicFramePr>
-            <p:cNvPr id="9220" name="Object 5"/>
-            <p:cNvGraphicFramePr>
-              <a:graphicFrameLocks noChangeAspect="1"/>
-            </p:cNvGraphicFramePr>
-            <p:nvPr/>
-          </p:nvGraphicFramePr>
-          <p:xfrm>
-            <a:off x="4953000" y="1455738"/>
-            <a:ext cx="2006600" cy="1508125"/>
-          </p:xfrm>
-          <a:graphic>
-            <a:graphicData uri="http://schemas.openxmlformats.org/presentationml/2006/ole">
-              <mc:AlternateContent xmlns:mc="http://schemas.openxmlformats.org/markup-compatibility/2006">
-                <mc:Choice xmlns:v="urn:schemas-microsoft-com:vml" Requires="v">
-                  <p:oleObj spid="_x0000_s1054" name="Equation" r:id="rId4" imgW="558720" imgH="419040" progId="Equation.DSMT4">
-                    <p:embed/>
-                  </p:oleObj>
-                </mc:Choice>
-                <mc:Fallback>
-                  <p:oleObj name="Equation" r:id="rId4" imgW="558720" imgH="419040" progId="Equation.DSMT4">
-                    <p:embed/>
-                    <p:pic>
-                      <p:nvPicPr>
-                        <p:cNvPr id="0" name="Object 5"/>
-                        <p:cNvPicPr>
-                          <a:picLocks noChangeAspect="1" noChangeArrowheads="1"/>
-                        </p:cNvPicPr>
-                        <p:nvPr/>
-                      </p:nvPicPr>
-                      <p:blipFill>
-                        <a:blip r:embed="rId5">
-                          <a:extLst>
-                            <a:ext uri="{28A0092B-C50C-407E-A947-70E740481C1C}">
-                              <a14:useLocalDpi xmlns:a14="http://schemas.microsoft.com/office/drawing/2010/main" val="0"/>
-                            </a:ext>
-                          </a:extLst>
-                        </a:blip>
-                        <a:srcRect/>
-                        <a:stretch>
-                          <a:fillRect/>
-                        </a:stretch>
-                      </p:blipFill>
-                      <p:spPr bwMode="auto">
-                        <a:xfrm>
-                          <a:off x="4953000" y="1455738"/>
-                          <a:ext cx="2006600" cy="1508125"/>
-                        </a:xfrm>
-                        <a:prstGeom prst="rect">
-                          <a:avLst/>
-                        </a:prstGeom>
-                        <a:noFill/>
-                        <a:extLst>
-                          <a:ext uri="{909E8E84-426E-40dd-AFC4-6F175D3DCCD1}">
-                            <a14:hiddenFill xmlns:a14="http://schemas.microsoft.com/office/drawing/2010/main">
-                              <a:solidFill>
-                                <a:srgbClr val="FFFFFF"/>
-                              </a:solidFill>
-                            </a14:hiddenFill>
-                          </a:ext>
-                        </a:extLst>
-                      </p:spPr>
-                    </p:pic>
-                  </p:oleObj>
-                </mc:Fallback>
-              </mc:AlternateContent>
-            </a:graphicData>
-          </a:graphic>
-        </p:graphicFrame>
-      </p:grpSp>
-      <p:graphicFrame>
-        <p:nvGraphicFramePr>
-          <p:cNvPr id="9218" name="Object 10"/>
-          <p:cNvGraphicFramePr>
-            <a:graphicFrameLocks noChangeAspect="1"/>
-          </p:cNvGraphicFramePr>
-          <p:nvPr/>
-        </p:nvGraphicFramePr>
-        <p:xfrm>
-          <a:off x="1676400" y="180975"/>
-          <a:ext cx="990600" cy="885825"/>
-        </p:xfrm>
-        <a:graphic>
-          <a:graphicData uri="http://schemas.openxmlformats.org/presentationml/2006/ole">
-            <mc:AlternateContent xmlns:mc="http://schemas.openxmlformats.org/markup-compatibility/2006">
-              <mc:Choice xmlns:v="urn:schemas-microsoft-com:vml" Requires="v">
-                <p:oleObj spid="_x0000_s1055" name="Equation" r:id="rId6" imgW="241200" imgH="215640" progId="Equation.DSMT4">
-                  <p:embed/>
-                </p:oleObj>
-              </mc:Choice>
-              <mc:Fallback>
-                <p:oleObj name="Equation" r:id="rId6" imgW="241200" imgH="215640" progId="Equation.DSMT4">
-                  <p:embed/>
-                  <p:pic>
-                    <p:nvPicPr>
-                      <p:cNvPr id="0" name="Object 10"/>
-                      <p:cNvPicPr>
-                        <a:picLocks noChangeAspect="1" noChangeArrowheads="1"/>
-                      </p:cNvPicPr>
-                      <p:nvPr/>
-                    </p:nvPicPr>
-                    <p:blipFill>
-                      <a:blip r:embed="rId7">
-                        <a:extLst>
-                          <a:ext uri="{28A0092B-C50C-407E-A947-70E740481C1C}">
-                            <a14:useLocalDpi xmlns:a14="http://schemas.microsoft.com/office/drawing/2010/main" val="0"/>
-                          </a:ext>
-                        </a:extLst>
-                      </a:blip>
-                      <a:srcRect/>
-                      <a:stretch>
-                        <a:fillRect/>
-                      </a:stretch>
-                    </p:blipFill>
-                    <p:spPr bwMode="auto">
-                      <a:xfrm>
-                        <a:off x="1676400" y="180975"/>
-                        <a:ext cx="990600" cy="885825"/>
-                      </a:xfrm>
-                      <a:prstGeom prst="rect">
-                        <a:avLst/>
-                      </a:prstGeom>
-                      <a:noFill/>
-                      <a:extLst>
-                        <a:ext uri="{909E8E84-426E-40dd-AFC4-6F175D3DCCD1}">
-                          <a14:hiddenFill xmlns:a14="http://schemas.microsoft.com/office/drawing/2010/main">
-                            <a:solidFill>
-                              <a:srgbClr val="FFFFFF"/>
-                            </a:solidFill>
-                          </a14:hiddenFill>
-                        </a:ext>
-                      </a:extLst>
-                    </p:spPr>
-                  </p:pic>
-                </p:oleObj>
-              </mc:Fallback>
-            </mc:AlternateContent>
-          </a:graphicData>
-        </a:graphic>
-      </p:graphicFrame>
       <p:sp>
         <p:nvSpPr>
-          <p:cNvPr id="322573" name="Text Box 13"/>
+          <p:cNvPr id="229379" name="Text Box 3"/>
           <p:cNvSpPr txBox="1">
             <a:spLocks noChangeArrowheads="1"/>
           </p:cNvSpPr>
@@ -13044,8 +12758,8 @@
         </p:nvSpPr>
         <p:spPr bwMode="auto">
           <a:xfrm>
-            <a:off x="533400" y="2896850"/>
-            <a:ext cx="7856537" cy="1446550"/>
+            <a:off x="1143000" y="1339850"/>
+            <a:ext cx="6660799" cy="3046988"/>
           </a:xfrm>
           <a:prstGeom prst="rect">
             <a:avLst/>
@@ -13059,109 +12773,69 @@
           </a:ln>
         </p:spPr>
         <p:txBody>
-          <a:bodyPr wrap="square">
+          <a:bodyPr wrap="none">
             <a:spAutoFit/>
           </a:bodyPr>
           <a:lstStyle/>
           <a:p>
-            <a:r>
-              <a:rPr lang="en-US" sz="4400" dirty="0">
-                <a:latin typeface="Comic Sans MS" pitchFamily="66" charset="0"/>
-              </a:rPr>
-              <a:t>…can </a:t>
-            </a:r>
-            <a:r>
-              <a:rPr lang="en-US" sz="4400" dirty="0">
+            <a:pPr algn="ctr"/>
+            <a:r>
+              <a:rPr lang="en-US" sz="4800" dirty="0">
+                <a:latin typeface="Comic Sans MS" pitchFamily="66" charset="0"/>
+              </a:rPr>
+              <a:t>Every nonempty set of</a:t>
+            </a:r>
+          </a:p>
+          <a:p>
+            <a:pPr algn="ctr"/>
+            <a:r>
+              <a:rPr lang="en-US" sz="4800" i="1" dirty="0">
                 <a:solidFill>
-                  <a:srgbClr val="FF33CC"/>
+                  <a:srgbClr val="0066FF"/>
                 </a:solidFill>
                 <a:latin typeface="Comic Sans MS" pitchFamily="66" charset="0"/>
               </a:rPr>
-              <a:t>always</a:t>
-            </a:r>
-            <a:r>
-              <a:rPr lang="en-US" sz="4400" dirty="0">
-                <a:latin typeface="Comic Sans MS" pitchFamily="66" charset="0"/>
-              </a:rPr>
-              <a:t> find such </a:t>
-            </a:r>
-            <a:r>
-              <a:rPr lang="en-US" sz="4400" dirty="0" smtClean="0">
-                <a:solidFill>
-                  <a:srgbClr val="0033CC"/>
-                </a:solidFill>
-                <a:latin typeface="Comic Sans MS" pitchFamily="66" charset="0"/>
-              </a:rPr>
-              <a:t>m</a:t>
-            </a:r>
-            <a:r>
-              <a:rPr lang="en-US" sz="4400" dirty="0" smtClean="0">
-                <a:latin typeface="Comic Sans MS" pitchFamily="66" charset="0"/>
-              </a:rPr>
-              <a:t>, </a:t>
-            </a:r>
-            <a:r>
-              <a:rPr lang="en-US" sz="4400" dirty="0" smtClean="0">
-                <a:solidFill>
-                  <a:srgbClr val="0033CC"/>
-                </a:solidFill>
-                <a:latin typeface="Comic Sans MS" pitchFamily="66" charset="0"/>
-              </a:rPr>
-              <a:t>n</a:t>
-            </a:r>
-            <a:r>
-              <a:rPr lang="en-US" sz="4400" b="1" dirty="0" smtClean="0">
-                <a:solidFill>
-                  <a:srgbClr val="0033CC"/>
-                </a:solidFill>
-                <a:latin typeface="Times New (W1)" pitchFamily="18" charset="0"/>
-              </a:rPr>
-              <a:t>&gt;</a:t>
-            </a:r>
-            <a:r>
-              <a:rPr lang="en-US" sz="4400" dirty="0" smtClean="0">
-                <a:solidFill>
-                  <a:srgbClr val="0033CC"/>
-                </a:solidFill>
-                <a:latin typeface="Comic Sans MS" pitchFamily="66" charset="0"/>
-              </a:rPr>
-              <a:t>0</a:t>
-            </a:r>
-            <a:endParaRPr lang="en-US" sz="4400" dirty="0">
-              <a:solidFill>
-                <a:srgbClr val="0033CC"/>
-              </a:solidFill>
+              <a:t>nonnegative integers</a:t>
+            </a:r>
+            <a:endParaRPr lang="en-US" sz="4800" dirty="0">
               <a:latin typeface="Comic Sans MS" pitchFamily="66" charset="0"/>
             </a:endParaRPr>
           </a:p>
           <a:p>
-            <a:r>
-              <a:rPr lang="en-US" sz="4400" i="1" dirty="0">
-                <a:latin typeface="Comic Sans MS" pitchFamily="66" charset="0"/>
-              </a:rPr>
-              <a:t>without common factors</a:t>
-            </a:r>
-            <a:r>
-              <a:rPr lang="en-US" sz="4400" dirty="0">
-                <a:latin typeface="Comic Sans MS" pitchFamily="66" charset="0"/>
-              </a:rPr>
-              <a:t>…</a:t>
+            <a:pPr algn="ctr"/>
+            <a:r>
+              <a:rPr lang="en-US" sz="4800" dirty="0">
+                <a:latin typeface="Comic Sans MS" pitchFamily="66" charset="0"/>
+              </a:rPr>
+              <a:t>has a </a:t>
+            </a:r>
+          </a:p>
+          <a:p>
+            <a:pPr algn="ctr"/>
+            <a:r>
+              <a:rPr lang="en-US" sz="4800" i="1" dirty="0">
+                <a:solidFill>
+                  <a:srgbClr val="0066FF"/>
+                </a:solidFill>
+                <a:latin typeface="Comic Sans MS" pitchFamily="66" charset="0"/>
+              </a:rPr>
+              <a:t>least element.</a:t>
             </a:r>
           </a:p>
         </p:txBody>
       </p:sp>
       <p:sp>
         <p:nvSpPr>
-          <p:cNvPr id="322574" name="Rectangle 14"/>
-          <p:cNvSpPr>
+          <p:cNvPr id="229381" name="Text Box 5"/>
+          <p:cNvSpPr txBox="1">
             <a:spLocks noChangeArrowheads="1"/>
           </p:cNvSpPr>
           <p:nvPr/>
         </p:nvSpPr>
         <p:spPr bwMode="auto">
           <a:xfrm>
-            <a:off x="2362200" y="4343400"/>
-            <a:ext cx="4648200" cy="1066800"/>
+            <a:off x="261938" y="4309408"/>
+            <a:ext cx="8816837" cy="1938992"/>
           </a:xfrm>
           <a:prstGeom prst="rect">
             <a:avLst/>
@@ -13171,56 +12845,185 @@
             <a:noFill/>
             <a:miter lim="800000"/>
             <a:headEnd/>
-            <a:tailEnd/>
+            <a:tailEnd type="none" w="lg" len="lg"/>
           </a:ln>
         </p:spPr>
         <p:txBody>
-          <a:bodyPr/>
+          <a:bodyPr wrap="none">
+            <a:spAutoFit/>
+          </a:bodyPr>
           <a:lstStyle/>
           <a:p>
-            <a:pPr marL="342900" indent="-342900">
-              <a:spcBef>
-                <a:spcPct val="20000"/>
-              </a:spcBef>
-            </a:pPr>
-            <a:r>
-              <a:rPr lang="en-US" sz="5400" dirty="0">
-                <a:latin typeface="Comic Sans MS" pitchFamily="66" charset="0"/>
-              </a:rPr>
-              <a:t>why</a:t>
-            </a:r>
-            <a:r>
-              <a:rPr lang="en-US" sz="5400" dirty="0">
+            <a:r>
+              <a:rPr lang="en-US" sz="4000" dirty="0">
                 <a:solidFill>
-                  <a:srgbClr val="0D05A7"/>
+                  <a:srgbClr val="FF6600"/>
                 </a:solidFill>
                 <a:latin typeface="Comic Sans MS" pitchFamily="66" charset="0"/>
               </a:rPr>
+              <a:t>Familiar?</a:t>
+            </a:r>
+            <a:r>
+              <a:rPr lang="en-US" sz="4000" dirty="0">
+                <a:latin typeface="Comic Sans MS" pitchFamily="66" charset="0"/>
+              </a:rPr>
+              <a:t>   </a:t>
+            </a:r>
+            <a:r>
+              <a:rPr lang="en-US" sz="4000" dirty="0" smtClean="0">
+                <a:latin typeface="Comic Sans MS" pitchFamily="66" charset="0"/>
+              </a:rPr>
+              <a:t>Now </a:t>
+            </a:r>
+            <a:r>
+              <a:rPr lang="en-US" sz="4000" dirty="0">
+                <a:latin typeface="Comic Sans MS" pitchFamily="66" charset="0"/>
+              </a:rPr>
+              <a:t>you mention it, </a:t>
+            </a:r>
+            <a:r>
+              <a:rPr lang="en-US" sz="4000" dirty="0">
+                <a:solidFill>
+                  <a:srgbClr val="008000"/>
+                </a:solidFill>
+                <a:latin typeface="Comic Sans MS" pitchFamily="66" charset="0"/>
+              </a:rPr>
+              <a:t>Yes.</a:t>
+            </a:r>
+            <a:endParaRPr lang="en-US" sz="4000" dirty="0">
+              <a:latin typeface="Comic Sans MS" pitchFamily="66" charset="0"/>
+            </a:endParaRPr>
+          </a:p>
+          <a:p>
+            <a:r>
+              <a:rPr lang="en-US" sz="4000" dirty="0">
+                <a:solidFill>
+                  <a:srgbClr val="FF6600"/>
+                </a:solidFill>
+                <a:latin typeface="Comic Sans MS" pitchFamily="66" charset="0"/>
+              </a:rPr>
+              <a:t>Obvious?</a:t>
+            </a:r>
+            <a:r>
+              <a:rPr lang="en-US" sz="4000" dirty="0">
+                <a:latin typeface="Comic Sans MS" pitchFamily="66" charset="0"/>
+              </a:rPr>
+              <a:t>  </a:t>
+            </a:r>
+            <a:r>
+              <a:rPr lang="en-US" sz="4000" dirty="0" smtClean="0">
+                <a:latin typeface="Comic Sans MS" pitchFamily="66" charset="0"/>
+              </a:rPr>
               <a:t> </a:t>
             </a:r>
             <a:r>
-              <a:rPr lang="en-US" sz="5400" dirty="0" smtClean="0">
+              <a:rPr lang="en-US" sz="4000" dirty="0" smtClean="0">
                 <a:solidFill>
-                  <a:srgbClr val="FF33CC"/>
+                  <a:srgbClr val="008000"/>
                 </a:solidFill>
                 <a:latin typeface="Comic Sans MS" pitchFamily="66" charset="0"/>
               </a:rPr>
-              <a:t>always</a:t>
-            </a:r>
-            <a:r>
-              <a:rPr lang="en-US" sz="5400" i="1" dirty="0" smtClean="0">
-                <a:latin typeface="Comic Sans MS" pitchFamily="66" charset="0"/>
-              </a:rPr>
-              <a:t> </a:t>
-            </a:r>
-            <a:r>
-              <a:rPr lang="en-US" sz="5400" dirty="0" smtClean="0">
-                <a:latin typeface="Comic Sans MS" pitchFamily="66" charset="0"/>
-              </a:rPr>
-              <a:t>?</a:t>
-            </a:r>
-            <a:endParaRPr lang="en-US" sz="5400" dirty="0">
+              <a:t>Yes</a:t>
+            </a:r>
+            <a:r>
+              <a:rPr lang="en-US" sz="4000" dirty="0">
+                <a:solidFill>
+                  <a:srgbClr val="008000"/>
+                </a:solidFill>
+                <a:latin typeface="Comic Sans MS" pitchFamily="66" charset="0"/>
+              </a:rPr>
+              <a:t>.</a:t>
+            </a:r>
+            <a:endParaRPr lang="en-US" sz="4000" dirty="0">
               <a:latin typeface="Comic Sans MS" pitchFamily="66" charset="0"/>
+            </a:endParaRPr>
+          </a:p>
+          <a:p>
+            <a:r>
+              <a:rPr lang="en-US" sz="4000" dirty="0">
+                <a:solidFill>
+                  <a:srgbClr val="FF6600"/>
+                </a:solidFill>
+                <a:latin typeface="Comic Sans MS" pitchFamily="66" charset="0"/>
+              </a:rPr>
+              <a:t>Trivial?   </a:t>
+            </a:r>
+            <a:r>
+              <a:rPr lang="en-US" sz="4000" dirty="0" smtClean="0">
+                <a:latin typeface="Comic Sans MS" pitchFamily="66" charset="0"/>
+              </a:rPr>
+              <a:t>  </a:t>
+            </a:r>
+            <a:r>
+              <a:rPr lang="en-US" sz="4000" dirty="0" smtClean="0">
+                <a:solidFill>
+                  <a:srgbClr val="008000"/>
+                </a:solidFill>
+                <a:latin typeface="Comic Sans MS" pitchFamily="66" charset="0"/>
+              </a:rPr>
+              <a:t>Yes</a:t>
+            </a:r>
+            <a:r>
+              <a:rPr lang="en-US" sz="4000" dirty="0">
+                <a:solidFill>
+                  <a:srgbClr val="008000"/>
+                </a:solidFill>
+                <a:latin typeface="Comic Sans MS" pitchFamily="66" charset="0"/>
+              </a:rPr>
+              <a:t>.</a:t>
+            </a:r>
+            <a:r>
+              <a:rPr lang="en-US" sz="4000" dirty="0">
+                <a:latin typeface="Comic Sans MS" pitchFamily="66" charset="0"/>
+              </a:rPr>
+              <a:t> But </a:t>
+            </a:r>
+            <a:r>
+              <a:rPr lang="en-US" sz="4000" dirty="0">
+                <a:solidFill>
+                  <a:srgbClr val="FF0000"/>
+                </a:solidFill>
+                <a:latin typeface="Comic Sans MS" pitchFamily="66" charset="0"/>
+              </a:rPr>
+              <a:t>watch out:</a:t>
+            </a:r>
+          </a:p>
+        </p:txBody>
+      </p:sp>
+      <p:sp>
+        <p:nvSpPr>
+          <p:cNvPr id="28678" name="Rectangle 6"/>
+          <p:cNvSpPr>
+            <a:spLocks noChangeArrowheads="1"/>
+          </p:cNvSpPr>
+          <p:nvPr/>
+        </p:nvSpPr>
+        <p:spPr bwMode="auto">
+          <a:xfrm>
+            <a:off x="2144713" y="2057400"/>
+            <a:ext cx="184150" cy="762000"/>
+          </a:xfrm>
+          <a:prstGeom prst="rect">
+            <a:avLst/>
+          </a:prstGeom>
+          <a:noFill/>
+          <a:ln w="9525">
+            <a:noFill/>
+            <a:miter lim="800000"/>
+            <a:headEnd/>
+            <a:tailEnd type="none" w="lg" len="lg"/>
+          </a:ln>
+        </p:spPr>
+        <p:txBody>
+          <a:bodyPr wrap="none">
+            <a:spAutoFit/>
+          </a:bodyPr>
+          <a:lstStyle/>
+          <a:p>
+            <a:endParaRPr lang="en-US" sz="4400" i="1">
+              <a:solidFill>
+                <a:srgbClr val="0066FF"/>
+              </a:solidFill>
             </a:endParaRPr>
           </a:p>
         </p:txBody>
@@ -13231,7 +13034,7 @@
     <a:masterClrMapping/>
   </p:clrMapOvr>
   <p:transition xmlns:p14="http://schemas.microsoft.com/office/powerpoint/2010/main">
-    <p:dissolve/>
+    <p:fade thruBlk="1"/>
   </p:transition>
   <p:timing>
     <p:tnLst>
@@ -13254,7 +13057,7 @@
                             </p:stCondLst>
                             <p:childTnLst>
                               <p:par>
-                                <p:cTn id="5" presetID="1" presetClass="entr" presetSubtype="0" fill="hold" nodeType="clickEffect">
+                                <p:cTn id="5" presetID="1" presetClass="entr" presetSubtype="0" fill="hold" grpId="0" nodeType="clickEffect">
                                   <p:stCondLst>
                                     <p:cond delay="0"/>
                                   </p:stCondLst>
@@ -13263,11 +13066,15 @@
                                       <p:cBhvr>
                                         <p:cTn id="6" dur="1" fill="hold">
                                           <p:stCondLst>
-                                            <p:cond delay="0"/>
+                                            <p:cond delay="499"/>
                                           </p:stCondLst>
                                         </p:cTn>
                                         <p:tgtEl>
-                                          <p:spTgt spid="9"/>
+                                          <p:spTgt spid="229381">
+                                            <p:txEl>
+                                              <p:pRg st="0" end="0"/>
+                                            </p:txEl>
+                                          </p:spTgt>
                                         </p:tgtEl>
                                         <p:attrNameLst>
                                           <p:attrName>style.visibility</p:attrName>
@@ -13308,11 +13115,15 @@
                                       <p:cBhvr>
                                         <p:cTn id="10" dur="1" fill="hold">
                                           <p:stCondLst>
-                                            <p:cond delay="0"/>
+                                            <p:cond delay="499"/>
                                           </p:stCondLst>
                                         </p:cTn>
                                         <p:tgtEl>
-                                          <p:spTgt spid="322573"/>
+                                          <p:spTgt spid="229381">
+                                            <p:txEl>
+                                              <p:pRg st="1" end="1"/>
+                                            </p:txEl>
+                                          </p:spTgt>
                                         </p:tgtEl>
                                         <p:attrNameLst>
                                           <p:attrName>style.visibility</p:attrName>
@@ -13353,13 +13164,13 @@
                                       <p:cBhvr>
                                         <p:cTn id="14" dur="1" fill="hold">
                                           <p:stCondLst>
-                                            <p:cond delay="0"/>
+                                            <p:cond delay="499"/>
                                           </p:stCondLst>
                                         </p:cTn>
                                         <p:tgtEl>
-                                          <p:spTgt spid="322574">
+                                          <p:spTgt spid="229381">
                                             <p:txEl>
-                                              <p:pRg st="0" end="0"/>
+                                              <p:pRg st="2" end="2"/>
                                             </p:txEl>
                                           </p:spTgt>
                                         </p:tgtEl>
@@ -13402,8 +13213,7 @@
       </p:par>
     </p:tnLst>
     <p:bldLst>
-      <p:bldP spid="322573" grpId="0"/>
-      <p:bldP spid="322574" grpId="0" build="p"/>
+      <p:bldP spid="229381" grpId="0" build="p" autoUpdateAnimBg="0"/>
     </p:bldLst>
   </p:timing>
 </p:sld>
@@ -13470,7 +13280,7 @@
           <a:graphicData uri="http://schemas.openxmlformats.org/presentationml/2006/ole">
             <mc:AlternateContent xmlns:mc="http://schemas.openxmlformats.org/markup-compatibility/2006">
               <mc:Choice xmlns:v="urn:schemas-microsoft-com:vml" Requires="v">
-                <p:oleObj spid="_x0000_s50181" name="Equation" r:id="rId3" imgW="2273300" imgH="469900" progId="Equation.DSMT4">
+                <p:oleObj spid="_x0000_s50184" name="Equation" r:id="rId3" imgW="2273300" imgH="469900" progId="Equation.DSMT4">
                   <p:embed/>
                 </p:oleObj>
               </mc:Choice>
@@ -13690,7 +13500,7 @@
           <a:graphicData uri="http://schemas.openxmlformats.org/presentationml/2006/ole">
             <mc:AlternateContent xmlns:mc="http://schemas.openxmlformats.org/markup-compatibility/2006">
               <mc:Choice xmlns:v="urn:schemas-microsoft-com:vml" Requires="v">
-                <p:oleObj spid="_x0000_s50182" name="Equation" r:id="rId5" imgW="2400300" imgH="469900" progId="Equation.DSMT4">
+                <p:oleObj spid="_x0000_s50185" name="Equation" r:id="rId5" imgW="2400300" imgH="469900" progId="Equation.DSMT4">
                   <p:embed/>
                 </p:oleObj>
               </mc:Choice>
@@ -14099,7 +13909,7 @@
           <a:graphicData uri="http://schemas.openxmlformats.org/presentationml/2006/ole">
             <mc:AlternateContent xmlns:mc="http://schemas.openxmlformats.org/markup-compatibility/2006">
               <mc:Choice xmlns:v="urn:schemas-microsoft-com:vml" Requires="v">
-                <p:oleObj spid="_x0000_s48195" name="Equation" r:id="rId3" imgW="2235200" imgH="469900" progId="Equation.DSMT4">
+                <p:oleObj spid="_x0000_s48201" name="Equation" r:id="rId3" imgW="2235200" imgH="469900" progId="Equation.DSMT4">
                   <p:embed/>
                 </p:oleObj>
               </mc:Choice>
@@ -14230,7 +14040,7 @@
           <a:graphicData uri="http://schemas.openxmlformats.org/presentationml/2006/ole">
             <mc:AlternateContent xmlns:mc="http://schemas.openxmlformats.org/markup-compatibility/2006">
               <mc:Choice xmlns:v="urn:schemas-microsoft-com:vml" Requires="v">
-                <p:oleObj spid="_x0000_s48196" name="Equation" r:id="rId5" imgW="2451100" imgH="228600" progId="Equation.DSMT4">
+                <p:oleObj spid="_x0000_s48202" name="Equation" r:id="rId5" imgW="2451100" imgH="228600" progId="Equation.DSMT4">
                   <p:embed/>
                 </p:oleObj>
               </mc:Choice>
@@ -14294,7 +14104,7 @@
           <a:graphicData uri="http://schemas.openxmlformats.org/presentationml/2006/ole">
             <mc:AlternateContent xmlns:mc="http://schemas.openxmlformats.org/markup-compatibility/2006">
               <mc:Choice xmlns:v="urn:schemas-microsoft-com:vml" Requires="v">
-                <p:oleObj spid="_x0000_s48197" name="Equation" r:id="rId7" imgW="1270000" imgH="469900" progId="Equation.DSMT4">
+                <p:oleObj spid="_x0000_s48203" name="Equation" r:id="rId7" imgW="1270000" imgH="469900" progId="Equation.DSMT4">
                   <p:embed/>
                 </p:oleObj>
               </mc:Choice>
@@ -14364,7 +14174,7 @@
           <a:graphicData uri="http://schemas.openxmlformats.org/presentationml/2006/ole">
             <mc:AlternateContent xmlns:mc="http://schemas.openxmlformats.org/markup-compatibility/2006">
               <mc:Choice xmlns:v="urn:schemas-microsoft-com:vml" Requires="v">
-                <p:oleObj spid="_x0000_s48198" name="Equation" r:id="rId9" imgW="711200" imgH="469900" progId="Equation.DSMT4">
+                <p:oleObj spid="_x0000_s48204" name="Equation" r:id="rId9" imgW="711200" imgH="469900" progId="Equation.DSMT4">
                   <p:embed/>
                 </p:oleObj>
               </mc:Choice>
@@ -14555,7 +14365,7 @@
           <a:graphicData uri="http://schemas.openxmlformats.org/presentationml/2006/ole">
             <mc:AlternateContent xmlns:mc="http://schemas.openxmlformats.org/markup-compatibility/2006">
               <mc:Choice xmlns:v="urn:schemas-microsoft-com:vml" Requires="v">
-                <p:oleObj spid="_x0000_s48199" name="Equation" r:id="rId11" imgW="660400" imgH="469900" progId="Equation.DSMT4">
+                <p:oleObj spid="_x0000_s48205" name="Equation" r:id="rId11" imgW="660400" imgH="469900" progId="Equation.DSMT4">
                   <p:embed/>
                 </p:oleObj>
               </mc:Choice>
@@ -15182,7 +14992,7 @@
           <a:graphicData uri="http://schemas.openxmlformats.org/presentationml/2006/ole">
             <mc:AlternateContent xmlns:mc="http://schemas.openxmlformats.org/markup-compatibility/2006">
               <mc:Choice xmlns:v="urn:schemas-microsoft-com:vml" Requires="v">
-                <p:oleObj spid="_x0000_s36926" name="Equation" r:id="rId4" imgW="838200" imgH="215900" progId="Equation.DSMT4">
+                <p:oleObj spid="_x0000_s36932" name="Equation" r:id="rId4" imgW="838200" imgH="215900" progId="Equation.DSMT4">
                   <p:embed/>
                 </p:oleObj>
               </mc:Choice>
@@ -15252,7 +15062,7 @@
           <a:graphicData uri="http://schemas.openxmlformats.org/presentationml/2006/ole">
             <mc:AlternateContent xmlns:mc="http://schemas.openxmlformats.org/markup-compatibility/2006">
               <mc:Choice xmlns:v="urn:schemas-microsoft-com:vml" Requires="v">
-                <p:oleObj spid="_x0000_s36927" name="Equation" r:id="rId6" imgW="114300" imgH="165100" progId="Equation.DSMT4">
+                <p:oleObj spid="_x0000_s36933" name="Equation" r:id="rId6" imgW="114300" imgH="165100" progId="Equation.DSMT4">
                   <p:embed/>
                 </p:oleObj>
               </mc:Choice>
@@ -15322,7 +15132,7 @@
           <a:graphicData uri="http://schemas.openxmlformats.org/presentationml/2006/ole">
             <mc:AlternateContent xmlns:mc="http://schemas.openxmlformats.org/markup-compatibility/2006">
               <mc:Choice xmlns:v="urn:schemas-microsoft-com:vml" Requires="v">
-                <p:oleObj spid="_x0000_s36928" name="Equation" r:id="rId8" imgW="1663700" imgH="342900" progId="Equation.DSMT4">
+                <p:oleObj spid="_x0000_s36934" name="Equation" r:id="rId8" imgW="1663700" imgH="342900" progId="Equation.DSMT4">
                   <p:embed/>
                 </p:oleObj>
               </mc:Choice>
@@ -15392,7 +15202,7 @@
           <a:graphicData uri="http://schemas.openxmlformats.org/presentationml/2006/ole">
             <mc:AlternateContent xmlns:mc="http://schemas.openxmlformats.org/markup-compatibility/2006">
               <mc:Choice xmlns:v="urn:schemas-microsoft-com:vml" Requires="v">
-                <p:oleObj spid="_x0000_s36929" name="Equation" r:id="rId10" imgW="419100" imgH="190500" progId="Equation.DSMT4">
+                <p:oleObj spid="_x0000_s36935" name="Equation" r:id="rId10" imgW="419100" imgH="190500" progId="Equation.DSMT4">
                   <p:embed/>
                 </p:oleObj>
               </mc:Choice>
@@ -15462,7 +15272,7 @@
           <a:graphicData uri="http://schemas.openxmlformats.org/presentationml/2006/ole">
             <mc:AlternateContent xmlns:mc="http://schemas.openxmlformats.org/markup-compatibility/2006">
               <mc:Choice xmlns:v="urn:schemas-microsoft-com:vml" Requires="v">
-                <p:oleObj spid="_x0000_s36930" name="Equation" r:id="rId12" imgW="368300" imgH="190500" progId="Equation.DSMT4">
+                <p:oleObj spid="_x0000_s36936" name="Equation" r:id="rId12" imgW="368300" imgH="190500" progId="Equation.DSMT4">
                   <p:embed/>
                 </p:oleObj>
               </mc:Choice>
@@ -16134,1826 +15944,6 @@
       </p:grpSpPr>
       <p:sp>
         <p:nvSpPr>
-          <p:cNvPr id="10245" name="Rectangle 2"/>
-          <p:cNvSpPr>
-            <a:spLocks noGrp="1" noChangeArrowheads="1"/>
-          </p:cNvSpPr>
-          <p:nvPr>
-            <p:ph type="title"/>
-          </p:nvPr>
-        </p:nvSpPr>
-        <p:spPr/>
-        <p:txBody>
-          <a:bodyPr/>
-          <a:lstStyle/>
-          <a:p>
-            <a:pPr eaLnBrk="1" hangingPunct="1"/>
-            <a:r>
-              <a:rPr lang="en-US" sz="3600" smtClean="0"/>
-              <a:t>Proof using Well Ordering</a:t>
-            </a:r>
-          </a:p>
-        </p:txBody>
-      </p:sp>
-      <p:sp>
-        <p:nvSpPr>
-          <p:cNvPr id="10246" name="Text Box 9"/>
-          <p:cNvSpPr txBox="1">
-            <a:spLocks noChangeArrowheads="1"/>
-          </p:cNvSpPr>
-          <p:nvPr/>
-        </p:nvSpPr>
-        <p:spPr bwMode="auto">
-          <a:xfrm>
-            <a:off x="685800" y="1531203"/>
-            <a:ext cx="5881838" cy="830997"/>
-          </a:xfrm>
-          <a:prstGeom prst="rect">
-            <a:avLst/>
-          </a:prstGeom>
-          <a:noFill/>
-          <a:ln w="9525">
-            <a:noFill/>
-            <a:miter lim="800000"/>
-            <a:headEnd/>
-            <a:tailEnd type="none" w="lg" len="lg"/>
-          </a:ln>
-        </p:spPr>
-        <p:txBody>
-          <a:bodyPr wrap="none">
-            <a:spAutoFit/>
-          </a:bodyPr>
-          <a:lstStyle/>
-          <a:p>
-            <a:r>
-              <a:rPr lang="en-US" sz="4800" dirty="0" smtClean="0">
-                <a:latin typeface="Comic Sans MS" pitchFamily="66" charset="0"/>
-              </a:rPr>
-              <a:t>F</a:t>
-            </a:r>
-            <a:r>
-              <a:rPr lang="en-US" sz="4800" dirty="0" smtClean="0">
-                <a:latin typeface="Comic Sans MS" pitchFamily="66" charset="0"/>
-                <a:sym typeface="Euclid Symbol" pitchFamily="18" charset="2"/>
-              </a:rPr>
-              <a:t>ind </a:t>
-            </a:r>
-            <a:r>
-              <a:rPr lang="en-US" sz="4800" i="1" dirty="0" smtClean="0">
-                <a:latin typeface="Comic Sans MS" pitchFamily="66" charset="0"/>
-                <a:sym typeface="Euclid Symbol" pitchFamily="18" charset="2"/>
-              </a:rPr>
-              <a:t>smallest </a:t>
-            </a:r>
-            <a:r>
-              <a:rPr lang="en-US" sz="4800" dirty="0" smtClean="0">
-                <a:latin typeface="Comic Sans MS" pitchFamily="66" charset="0"/>
-              </a:rPr>
-              <a:t> </a:t>
-            </a:r>
-            <a:r>
-              <a:rPr lang="en-US" sz="4800" dirty="0" smtClean="0">
-                <a:solidFill>
-                  <a:srgbClr val="0033CC"/>
-                </a:solidFill>
-                <a:latin typeface="Comic Sans MS" pitchFamily="66" charset="0"/>
-              </a:rPr>
-              <a:t>m</a:t>
-            </a:r>
-            <a:r>
-              <a:rPr lang="en-US" sz="4800" dirty="0" smtClean="0">
-                <a:latin typeface="Comic Sans MS" pitchFamily="66" charset="0"/>
-              </a:rPr>
-              <a:t> </a:t>
-            </a:r>
-            <a:r>
-              <a:rPr lang="en-US" sz="4800" dirty="0" err="1">
-                <a:latin typeface="Comic Sans MS" pitchFamily="66" charset="0"/>
-              </a:rPr>
-              <a:t>s.t.</a:t>
-            </a:r>
-            <a:endParaRPr lang="en-US" sz="4800" dirty="0">
-              <a:latin typeface="Comic Sans MS" pitchFamily="66" charset="0"/>
-            </a:endParaRPr>
-          </a:p>
-        </p:txBody>
-      </p:sp>
-      <p:graphicFrame>
-        <p:nvGraphicFramePr>
-          <p:cNvPr id="351242" name="Object 10"/>
-          <p:cNvGraphicFramePr>
-            <a:graphicFrameLocks noChangeAspect="1"/>
-          </p:cNvGraphicFramePr>
-          <p:nvPr/>
-        </p:nvGraphicFramePr>
-        <p:xfrm>
-          <a:off x="561975" y="2124075"/>
-          <a:ext cx="2686050" cy="1892300"/>
-        </p:xfrm>
-        <a:graphic>
-          <a:graphicData uri="http://schemas.openxmlformats.org/presentationml/2006/ole">
-            <mc:AlternateContent xmlns:mc="http://schemas.openxmlformats.org/markup-compatibility/2006">
-              <mc:Choice xmlns:v="urn:schemas-microsoft-com:vml" Requires="v">
-                <p:oleObj spid="_x0000_s2080" name="Equation" r:id="rId4" imgW="596880" imgH="419040" progId="Equation.DSMT4">
-                  <p:embed/>
-                </p:oleObj>
-              </mc:Choice>
-              <mc:Fallback>
-                <p:oleObj name="Equation" r:id="rId4" imgW="596880" imgH="419040" progId="Equation.DSMT4">
-                  <p:embed/>
-                  <p:pic>
-                    <p:nvPicPr>
-                      <p:cNvPr id="0" name="Object 10"/>
-                      <p:cNvPicPr>
-                        <a:picLocks noChangeAspect="1" noChangeArrowheads="1"/>
-                      </p:cNvPicPr>
-                      <p:nvPr/>
-                    </p:nvPicPr>
-                    <p:blipFill>
-                      <a:blip r:embed="rId5">
-                        <a:extLst>
-                          <a:ext uri="{28A0092B-C50C-407E-A947-70E740481C1C}">
-                            <a14:useLocalDpi xmlns:a14="http://schemas.microsoft.com/office/drawing/2010/main" val="0"/>
-                          </a:ext>
-                        </a:extLst>
-                      </a:blip>
-                      <a:srcRect/>
-                      <a:stretch>
-                        <a:fillRect/>
-                      </a:stretch>
-                    </p:blipFill>
-                    <p:spPr bwMode="auto">
-                      <a:xfrm>
-                        <a:off x="561975" y="2124075"/>
-                        <a:ext cx="2686050" cy="1892300"/>
-                      </a:xfrm>
-                      <a:prstGeom prst="rect">
-                        <a:avLst/>
-                      </a:prstGeom>
-                      <a:noFill/>
-                      <a:extLst>
-                        <a:ext uri="{909E8E84-426E-40dd-AFC4-6F175D3DCCD1}">
-                          <a14:hiddenFill xmlns:a14="http://schemas.microsoft.com/office/drawing/2010/main">
-                            <a:solidFill>
-                              <a:srgbClr val="FFFFFF"/>
-                            </a:solidFill>
-                          </a14:hiddenFill>
-                        </a:ext>
-                      </a:extLst>
-                    </p:spPr>
-                  </p:pic>
-                </p:oleObj>
-              </mc:Fallback>
-            </mc:AlternateContent>
-          </a:graphicData>
-        </a:graphic>
-      </p:graphicFrame>
-      <p:grpSp>
-        <p:nvGrpSpPr>
-          <p:cNvPr id="16" name="Group 15"/>
-          <p:cNvGrpSpPr/>
-          <p:nvPr/>
-        </p:nvGrpSpPr>
-        <p:grpSpPr>
-          <a:xfrm>
-            <a:off x="381000" y="2514600"/>
-            <a:ext cx="8001000" cy="2514600"/>
-            <a:chOff x="381000" y="2514600"/>
-            <a:chExt cx="8001000" cy="2514600"/>
-          </a:xfrm>
-        </p:grpSpPr>
-        <p:sp>
-          <p:nvSpPr>
-            <p:cNvPr id="11" name="TextBox 10"/>
-            <p:cNvSpPr txBox="1"/>
-            <p:nvPr/>
-          </p:nvSpPr>
-          <p:spPr>
-            <a:xfrm>
-              <a:off x="3581400" y="2514600"/>
-              <a:ext cx="4114800" cy="914400"/>
-            </a:xfrm>
-            <a:prstGeom prst="rect">
-              <a:avLst/>
-            </a:prstGeom>
-            <a:noFill/>
-          </p:spPr>
-          <p:txBody>
-            <a:bodyPr wrap="none" rtlCol="0">
-              <a:noAutofit/>
-            </a:bodyPr>
-            <a:lstStyle/>
-            <a:p>
-              <a:r>
-                <a:rPr lang="en-US" sz="4800" dirty="0" smtClean="0">
-                  <a:latin typeface="Comic Sans MS" pitchFamily="66" charset="0"/>
-                </a:rPr>
-                <a:t>If </a:t>
-              </a:r>
-              <a:r>
-                <a:rPr lang="en-US" sz="4800" dirty="0" smtClean="0">
-                  <a:solidFill>
-                    <a:srgbClr val="0033CC"/>
-                  </a:solidFill>
-                  <a:latin typeface="Comic Sans MS" pitchFamily="66" charset="0"/>
-                </a:rPr>
-                <a:t>m</a:t>
-              </a:r>
-              <a:r>
-                <a:rPr lang="en-US" sz="4800" dirty="0" smtClean="0">
-                  <a:latin typeface="Comic Sans MS" pitchFamily="66" charset="0"/>
-                </a:rPr>
-                <a:t>, </a:t>
-              </a:r>
-              <a:r>
-                <a:rPr lang="en-US" sz="4800" dirty="0" smtClean="0">
-                  <a:solidFill>
-                    <a:srgbClr val="0033CC"/>
-                  </a:solidFill>
-                  <a:latin typeface="Comic Sans MS" pitchFamily="66" charset="0"/>
-                </a:rPr>
-                <a:t>n</a:t>
-              </a:r>
-              <a:r>
-                <a:rPr lang="en-US" sz="4800" dirty="0" smtClean="0">
-                  <a:latin typeface="Comic Sans MS" pitchFamily="66" charset="0"/>
-                </a:rPr>
-                <a:t> had a</a:t>
-              </a:r>
-            </a:p>
-          </p:txBody>
-        </p:sp>
-        <p:sp>
-          <p:nvSpPr>
-            <p:cNvPr id="12" name="TextBox 11"/>
-            <p:cNvSpPr txBox="1"/>
-            <p:nvPr/>
-          </p:nvSpPr>
-          <p:spPr>
-            <a:xfrm>
-              <a:off x="381000" y="3962400"/>
-              <a:ext cx="8001000" cy="1066800"/>
-            </a:xfrm>
-            <a:prstGeom prst="rect">
-              <a:avLst/>
-            </a:prstGeom>
-            <a:noFill/>
-          </p:spPr>
-          <p:txBody>
-            <a:bodyPr wrap="none" rtlCol="0">
-              <a:noAutofit/>
-            </a:bodyPr>
-            <a:lstStyle/>
-            <a:p>
-              <a:r>
-                <a:rPr lang="en-US" sz="5400" dirty="0" smtClean="0">
-                  <a:latin typeface="Comic Sans MS" pitchFamily="66" charset="0"/>
-                </a:rPr>
-                <a:t> </a:t>
-              </a:r>
-              <a:r>
-                <a:rPr lang="en-US" sz="4800" dirty="0" smtClean="0">
-                  <a:latin typeface="Comic Sans MS" pitchFamily="66" charset="0"/>
-                </a:rPr>
-                <a:t>common factor, </a:t>
-              </a:r>
-              <a:r>
-                <a:rPr lang="en-US" sz="4800" dirty="0" smtClean="0">
-                  <a:solidFill>
-                    <a:srgbClr val="FF33CC"/>
-                  </a:solidFill>
-                  <a:latin typeface="Comic Sans MS" pitchFamily="66" charset="0"/>
-                </a:rPr>
-                <a:t>c</a:t>
-              </a:r>
-              <a:r>
-                <a:rPr lang="en-US" sz="4800" dirty="0" smtClean="0">
-                  <a:latin typeface="Comic Sans MS" pitchFamily="66" charset="0"/>
-                </a:rPr>
-                <a:t>, then</a:t>
-              </a:r>
-            </a:p>
-          </p:txBody>
-        </p:sp>
-      </p:grpSp>
-      <p:graphicFrame>
-        <p:nvGraphicFramePr>
-          <p:cNvPr id="353288" name="Object 8"/>
-          <p:cNvGraphicFramePr>
-            <a:graphicFrameLocks noChangeAspect="1"/>
-          </p:cNvGraphicFramePr>
-          <p:nvPr/>
-        </p:nvGraphicFramePr>
-        <p:xfrm>
-          <a:off x="396875" y="4625975"/>
-          <a:ext cx="3097213" cy="2012950"/>
-        </p:xfrm>
-        <a:graphic>
-          <a:graphicData uri="http://schemas.openxmlformats.org/presentationml/2006/ole">
-            <mc:AlternateContent xmlns:mc="http://schemas.openxmlformats.org/markup-compatibility/2006">
-              <mc:Choice xmlns:v="urn:schemas-microsoft-com:vml" Requires="v">
-                <p:oleObj spid="_x0000_s2081" name="Equation" r:id="rId6" imgW="863280" imgH="558720" progId="Equation.DSMT4">
-                  <p:embed/>
-                </p:oleObj>
-              </mc:Choice>
-              <mc:Fallback>
-                <p:oleObj name="Equation" r:id="rId6" imgW="863280" imgH="558720" progId="Equation.DSMT4">
-                  <p:embed/>
-                  <p:pic>
-                    <p:nvPicPr>
-                      <p:cNvPr id="0" name="Object 8"/>
-                      <p:cNvPicPr>
-                        <a:picLocks noChangeAspect="1" noChangeArrowheads="1"/>
-                      </p:cNvPicPr>
-                      <p:nvPr/>
-                    </p:nvPicPr>
-                    <p:blipFill>
-                      <a:blip r:embed="rId7">
-                        <a:extLst>
-                          <a:ext uri="{28A0092B-C50C-407E-A947-70E740481C1C}">
-                            <a14:useLocalDpi xmlns:a14="http://schemas.microsoft.com/office/drawing/2010/main" val="0"/>
-                          </a:ext>
-                        </a:extLst>
-                      </a:blip>
-                      <a:srcRect/>
-                      <a:stretch>
-                        <a:fillRect/>
-                      </a:stretch>
-                    </p:blipFill>
-                    <p:spPr bwMode="auto">
-                      <a:xfrm>
-                        <a:off x="396875" y="4625975"/>
-                        <a:ext cx="3097213" cy="2012950"/>
-                      </a:xfrm>
-                      <a:prstGeom prst="rect">
-                        <a:avLst/>
-                      </a:prstGeom>
-                      <a:noFill/>
-                      <a:extLst>
-                        <a:ext uri="{909E8E84-426E-40dd-AFC4-6F175D3DCCD1}">
-                          <a14:hiddenFill xmlns:a14="http://schemas.microsoft.com/office/drawing/2010/main">
-                            <a:solidFill>
-                              <a:srgbClr val="FFFFFF"/>
-                            </a:solidFill>
-                          </a14:hiddenFill>
-                        </a:ext>
-                      </a:extLst>
-                    </p:spPr>
-                  </p:pic>
-                </p:oleObj>
-              </mc:Fallback>
-            </mc:AlternateContent>
-          </a:graphicData>
-        </a:graphic>
-      </p:graphicFrame>
-      <p:sp>
-        <p:nvSpPr>
-          <p:cNvPr id="13" name="TextBox 12"/>
-          <p:cNvSpPr txBox="1"/>
-          <p:nvPr/>
-        </p:nvSpPr>
-        <p:spPr>
-          <a:xfrm>
-            <a:off x="3733800" y="5105400"/>
-            <a:ext cx="5181600" cy="1143000"/>
-          </a:xfrm>
-          <a:prstGeom prst="rect">
-            <a:avLst/>
-          </a:prstGeom>
-          <a:noFill/>
-        </p:spPr>
-        <p:txBody>
-          <a:bodyPr wrap="none" rtlCol="0">
-            <a:noAutofit/>
-          </a:bodyPr>
-          <a:lstStyle/>
-          <a:p>
-            <a:r>
-              <a:rPr lang="en-US" sz="4800" dirty="0" smtClean="0">
-                <a:latin typeface="Comic Sans MS" pitchFamily="66" charset="0"/>
-              </a:rPr>
-              <a:t>and  </a:t>
-            </a:r>
-            <a:r>
-              <a:rPr lang="en-US" sz="4800" dirty="0" smtClean="0">
-                <a:solidFill>
-                  <a:srgbClr val="0033CC"/>
-                </a:solidFill>
-                <a:latin typeface="Comic Sans MS" pitchFamily="66" charset="0"/>
-              </a:rPr>
-              <a:t>m</a:t>
-            </a:r>
-            <a:r>
-              <a:rPr lang="en-US" sz="4800" dirty="0" smtClean="0">
-                <a:latin typeface="Comic Sans MS" pitchFamily="66" charset="0"/>
-              </a:rPr>
-              <a:t>/</a:t>
-            </a:r>
-            <a:r>
-              <a:rPr lang="en-US" sz="4800" dirty="0" smtClean="0">
-                <a:solidFill>
-                  <a:srgbClr val="FF33CC"/>
-                </a:solidFill>
-                <a:latin typeface="Comic Sans MS" pitchFamily="66" charset="0"/>
-              </a:rPr>
-              <a:t>c</a:t>
-            </a:r>
-            <a:r>
-              <a:rPr lang="en-US" sz="4800" dirty="0" smtClean="0">
-                <a:latin typeface="Comic Sans MS" pitchFamily="66" charset="0"/>
-              </a:rPr>
-              <a:t> </a:t>
-            </a:r>
-            <a:r>
-              <a:rPr lang="en-US" sz="4800" b="1" dirty="0" smtClean="0">
-                <a:latin typeface="Times" pitchFamily="18" charset="0"/>
-              </a:rPr>
-              <a:t>&lt;</a:t>
-            </a:r>
-            <a:r>
-              <a:rPr lang="en-US" sz="4800" dirty="0" smtClean="0">
-                <a:latin typeface="Comic Sans MS" pitchFamily="66" charset="0"/>
-              </a:rPr>
-              <a:t> </a:t>
-            </a:r>
-            <a:r>
-              <a:rPr lang="en-US" sz="4800" dirty="0" smtClean="0">
-                <a:solidFill>
-                  <a:srgbClr val="0033CC"/>
-                </a:solidFill>
-                <a:latin typeface="Comic Sans MS" pitchFamily="66" charset="0"/>
-              </a:rPr>
-              <a:t>m</a:t>
-            </a:r>
-            <a:endParaRPr lang="en-US" sz="4800" dirty="0" smtClean="0">
-              <a:latin typeface="Comic Sans MS" pitchFamily="66" charset="0"/>
-            </a:endParaRPr>
-          </a:p>
-        </p:txBody>
-      </p:sp>
-      <p:sp>
-        <p:nvSpPr>
-          <p:cNvPr id="14" name="Oval 13"/>
-          <p:cNvSpPr/>
-          <p:nvPr/>
-        </p:nvSpPr>
-        <p:spPr>
-          <a:xfrm>
-            <a:off x="3733800" y="1143000"/>
-            <a:ext cx="3733800" cy="1676400"/>
-          </a:xfrm>
-          <a:prstGeom prst="ellipse">
-            <a:avLst/>
-          </a:prstGeom>
-          <a:noFill/>
-          <a:ln w="34925">
-            <a:solidFill>
-              <a:srgbClr val="FF0000"/>
-            </a:solidFill>
-            <a:prstDash val="sysDash"/>
-          </a:ln>
-        </p:spPr>
-        <p:style>
-          <a:lnRef idx="2">
-            <a:schemeClr val="accent1">
-              <a:shade val="50000"/>
-            </a:schemeClr>
-          </a:lnRef>
-          <a:fillRef idx="1">
-            <a:schemeClr val="accent1"/>
-          </a:fillRef>
-          <a:effectRef idx="0">
-            <a:schemeClr val="accent1"/>
-          </a:effectRef>
-          <a:fontRef idx="minor">
-            <a:schemeClr val="lt1"/>
-          </a:fontRef>
-        </p:style>
-        <p:txBody>
-          <a:bodyPr rtlCol="0" anchor="ctr"/>
-          <a:lstStyle/>
-          <a:p>
-            <a:pPr algn="ctr"/>
-            <a:endParaRPr lang="en-US"/>
-          </a:p>
-        </p:txBody>
-      </p:sp>
-      <p:sp>
-        <p:nvSpPr>
-          <p:cNvPr id="15" name="Oval 14"/>
-          <p:cNvSpPr/>
-          <p:nvPr/>
-        </p:nvSpPr>
-        <p:spPr>
-          <a:xfrm>
-            <a:off x="4800600" y="4724400"/>
-            <a:ext cx="4114800" cy="1676400"/>
-          </a:xfrm>
-          <a:prstGeom prst="ellipse">
-            <a:avLst/>
-          </a:prstGeom>
-          <a:noFill/>
-          <a:ln w="34925">
-            <a:solidFill>
-              <a:srgbClr val="FF0000"/>
-            </a:solidFill>
-            <a:prstDash val="sysDash"/>
-          </a:ln>
-        </p:spPr>
-        <p:style>
-          <a:lnRef idx="2">
-            <a:schemeClr val="accent1">
-              <a:shade val="50000"/>
-            </a:schemeClr>
-          </a:lnRef>
-          <a:fillRef idx="1">
-            <a:schemeClr val="accent1"/>
-          </a:fillRef>
-          <a:effectRef idx="0">
-            <a:schemeClr val="accent1"/>
-          </a:effectRef>
-          <a:fontRef idx="minor">
-            <a:schemeClr val="lt1"/>
-          </a:fontRef>
-        </p:style>
-        <p:txBody>
-          <a:bodyPr rtlCol="0" anchor="ctr"/>
-          <a:lstStyle/>
-          <a:p>
-            <a:pPr algn="ctr"/>
-            <a:endParaRPr lang="en-US"/>
-          </a:p>
-        </p:txBody>
-      </p:sp>
-    </p:spTree>
-  </p:cSld>
-  <p:clrMapOvr>
-    <a:masterClrMapping/>
-  </p:clrMapOvr>
-  <p:transition xmlns:p14="http://schemas.microsoft.com/office/powerpoint/2010/main"/>
-  <p:timing>
-    <p:tnLst>
-      <p:par>
-        <p:cTn xmlns:p14="http://schemas.microsoft.com/office/powerpoint/2010/main" id="1" dur="indefinite" restart="never" nodeType="tmRoot">
-          <p:childTnLst>
-            <p:seq concurrent="1" nextAc="seek">
-              <p:cTn id="2" dur="indefinite" nodeType="mainSeq">
-                <p:childTnLst>
-                  <p:par>
-                    <p:cTn id="3" fill="hold">
-                      <p:stCondLst>
-                        <p:cond delay="indefinite"/>
-                      </p:stCondLst>
-                      <p:childTnLst>
-                        <p:par>
-                          <p:cTn id="4" fill="hold">
-                            <p:stCondLst>
-                              <p:cond delay="0"/>
-                            </p:stCondLst>
-                            <p:childTnLst>
-                              <p:par>
-                                <p:cTn id="5" presetID="1" presetClass="entr" presetSubtype="0" fill="hold" nodeType="clickEffect">
-                                  <p:stCondLst>
-                                    <p:cond delay="0"/>
-                                  </p:stCondLst>
-                                  <p:childTnLst>
-                                    <p:set>
-                                      <p:cBhvr>
-                                        <p:cTn id="6" dur="1" fill="hold">
-                                          <p:stCondLst>
-                                            <p:cond delay="0"/>
-                                          </p:stCondLst>
-                                        </p:cTn>
-                                        <p:tgtEl>
-                                          <p:spTgt spid="16"/>
-                                        </p:tgtEl>
-                                        <p:attrNameLst>
-                                          <p:attrName>style.visibility</p:attrName>
-                                        </p:attrNameLst>
-                                      </p:cBhvr>
-                                      <p:to>
-                                        <p:strVal val="visible"/>
-                                      </p:to>
-                                    </p:set>
-                                  </p:childTnLst>
-                                </p:cTn>
-                              </p:par>
-                            </p:childTnLst>
-                          </p:cTn>
-                        </p:par>
-                      </p:childTnLst>
-                    </p:cTn>
-                  </p:par>
-                  <p:par>
-                    <p:cTn id="7" fill="hold">
-                      <p:stCondLst>
-                        <p:cond delay="indefinite"/>
-                      </p:stCondLst>
-                      <p:childTnLst>
-                        <p:par>
-                          <p:cTn id="8" fill="hold">
-                            <p:stCondLst>
-                              <p:cond delay="0"/>
-                            </p:stCondLst>
-                            <p:childTnLst>
-                              <p:par>
-                                <p:cTn id="9" presetID="1" presetClass="entr" presetSubtype="0" fill="hold" nodeType="clickEffect">
-                                  <p:stCondLst>
-                                    <p:cond delay="0"/>
-                                  </p:stCondLst>
-                                  <p:childTnLst>
-                                    <p:set>
-                                      <p:cBhvr>
-                                        <p:cTn id="10" dur="1" fill="hold">
-                                          <p:stCondLst>
-                                            <p:cond delay="0"/>
-                                          </p:stCondLst>
-                                        </p:cTn>
-                                        <p:tgtEl>
-                                          <p:spTgt spid="353288"/>
-                                        </p:tgtEl>
-                                        <p:attrNameLst>
-                                          <p:attrName>style.visibility</p:attrName>
-                                        </p:attrNameLst>
-                                      </p:cBhvr>
-                                      <p:to>
-                                        <p:strVal val="visible"/>
-                                      </p:to>
-                                    </p:set>
-                                  </p:childTnLst>
-                                </p:cTn>
-                              </p:par>
-                            </p:childTnLst>
-                          </p:cTn>
-                        </p:par>
-                      </p:childTnLst>
-                    </p:cTn>
-                  </p:par>
-                  <p:par>
-                    <p:cTn id="11" fill="hold">
-                      <p:stCondLst>
-                        <p:cond delay="indefinite"/>
-                      </p:stCondLst>
-                      <p:childTnLst>
-                        <p:par>
-                          <p:cTn id="12" fill="hold">
-                            <p:stCondLst>
-                              <p:cond delay="0"/>
-                            </p:stCondLst>
-                            <p:childTnLst>
-                              <p:par>
-                                <p:cTn id="13" presetID="1" presetClass="entr" presetSubtype="0" fill="hold" grpId="0" nodeType="clickEffect">
-                                  <p:stCondLst>
-                                    <p:cond delay="0"/>
-                                  </p:stCondLst>
-                                  <p:childTnLst>
-                                    <p:set>
-                                      <p:cBhvr>
-                                        <p:cTn id="14" dur="1" fill="hold">
-                                          <p:stCondLst>
-                                            <p:cond delay="0"/>
-                                          </p:stCondLst>
-                                        </p:cTn>
-                                        <p:tgtEl>
-                                          <p:spTgt spid="13"/>
-                                        </p:tgtEl>
-                                        <p:attrNameLst>
-                                          <p:attrName>style.visibility</p:attrName>
-                                        </p:attrNameLst>
-                                      </p:cBhvr>
-                                      <p:to>
-                                        <p:strVal val="visible"/>
-                                      </p:to>
-                                    </p:set>
-                                  </p:childTnLst>
-                                </p:cTn>
-                              </p:par>
-                            </p:childTnLst>
-                          </p:cTn>
-                        </p:par>
-                      </p:childTnLst>
-                    </p:cTn>
-                  </p:par>
-                  <p:par>
-                    <p:cTn id="15" fill="hold">
-                      <p:stCondLst>
-                        <p:cond delay="indefinite"/>
-                      </p:stCondLst>
-                      <p:childTnLst>
-                        <p:par>
-                          <p:cTn id="16" fill="hold">
-                            <p:stCondLst>
-                              <p:cond delay="0"/>
-                            </p:stCondLst>
-                            <p:childTnLst>
-                              <p:par>
-                                <p:cTn id="17" presetID="9" presetClass="entr" presetSubtype="0" fill="hold" grpId="0" nodeType="clickEffect">
-                                  <p:stCondLst>
-                                    <p:cond delay="0"/>
-                                  </p:stCondLst>
-                                  <p:childTnLst>
-                                    <p:set>
-                                      <p:cBhvr>
-                                        <p:cTn id="18" dur="1" fill="hold">
-                                          <p:stCondLst>
-                                            <p:cond delay="0"/>
-                                          </p:stCondLst>
-                                        </p:cTn>
-                                        <p:tgtEl>
-                                          <p:spTgt spid="14"/>
-                                        </p:tgtEl>
-                                        <p:attrNameLst>
-                                          <p:attrName>style.visibility</p:attrName>
-                                        </p:attrNameLst>
-                                      </p:cBhvr>
-                                      <p:to>
-                                        <p:strVal val="visible"/>
-                                      </p:to>
-                                    </p:set>
-                                    <p:animEffect transition="in" filter="dissolve">
-                                      <p:cBhvr>
-                                        <p:cTn id="19" dur="500"/>
-                                        <p:tgtEl>
-                                          <p:spTgt spid="14"/>
-                                        </p:tgtEl>
-                                      </p:cBhvr>
-                                    </p:animEffect>
-                                  </p:childTnLst>
-                                </p:cTn>
-                              </p:par>
-                              <p:par>
-                                <p:cTn id="20" presetID="9" presetClass="entr" presetSubtype="0" fill="hold" grpId="0" nodeType="withEffect">
-                                  <p:stCondLst>
-                                    <p:cond delay="0"/>
-                                  </p:stCondLst>
-                                  <p:childTnLst>
-                                    <p:set>
-                                      <p:cBhvr>
-                                        <p:cTn id="21" dur="1" fill="hold">
-                                          <p:stCondLst>
-                                            <p:cond delay="0"/>
-                                          </p:stCondLst>
-                                        </p:cTn>
-                                        <p:tgtEl>
-                                          <p:spTgt spid="15"/>
-                                        </p:tgtEl>
-                                        <p:attrNameLst>
-                                          <p:attrName>style.visibility</p:attrName>
-                                        </p:attrNameLst>
-                                      </p:cBhvr>
-                                      <p:to>
-                                        <p:strVal val="visible"/>
-                                      </p:to>
-                                    </p:set>
-                                    <p:animEffect transition="in" filter="dissolve">
-                                      <p:cBhvr>
-                                        <p:cTn id="22" dur="500"/>
-                                        <p:tgtEl>
-                                          <p:spTgt spid="15"/>
-                                        </p:tgtEl>
-                                      </p:cBhvr>
-                                    </p:animEffect>
-                                  </p:childTnLst>
-                                </p:cTn>
-                              </p:par>
-                            </p:childTnLst>
-                          </p:cTn>
-                        </p:par>
-                      </p:childTnLst>
-                    </p:cTn>
-                  </p:par>
-                </p:childTnLst>
-              </p:cTn>
-              <p:prevCondLst>
-                <p:cond evt="onPrev" delay="0">
-                  <p:tgtEl>
-                    <p:sldTgt/>
-                  </p:tgtEl>
-                </p:cond>
-              </p:prevCondLst>
-              <p:nextCondLst>
-                <p:cond evt="onNext" delay="0">
-                  <p:tgtEl>
-                    <p:sldTgt/>
-                  </p:tgtEl>
-                </p:cond>
-              </p:nextCondLst>
-            </p:seq>
-          </p:childTnLst>
-        </p:cTn>
-      </p:par>
-    </p:tnLst>
-    <p:bldLst>
-      <p:bldP spid="13" grpId="0"/>
-      <p:bldP spid="14" grpId="0" animBg="1"/>
-      <p:bldP spid="15" grpId="0" animBg="1"/>
-    </p:bldLst>
-  </p:timing>
-</p:sld>
-</file>
-
-<file path=ppt/slides/slide4.xml><?xml version="1.0" encoding="utf-8"?>
-<p:sld xmlns:a="http://schemas.openxmlformats.org/drawingml/2006/main" xmlns:r="http://schemas.openxmlformats.org/officeDocument/2006/relationships" xmlns:p="http://schemas.openxmlformats.org/presentationml/2006/main">
-  <p:cSld>
-    <p:spTree>
-      <p:nvGrpSpPr>
-        <p:cNvPr id="1" name=""/>
-        <p:cNvGrpSpPr/>
-        <p:nvPr/>
-      </p:nvGrpSpPr>
-      <p:grpSpPr>
-        <a:xfrm>
-          <a:off x="0" y="0"/>
-          <a:ext cx="0" cy="0"/>
-          <a:chOff x="0" y="0"/>
-          <a:chExt cx="0" cy="0"/>
-        </a:xfrm>
-      </p:grpSpPr>
-      <p:sp>
-        <p:nvSpPr>
-          <p:cNvPr id="10245" name="Rectangle 2"/>
-          <p:cNvSpPr>
-            <a:spLocks noGrp="1" noChangeArrowheads="1"/>
-          </p:cNvSpPr>
-          <p:nvPr>
-            <p:ph type="title"/>
-          </p:nvPr>
-        </p:nvSpPr>
-        <p:spPr/>
-        <p:txBody>
-          <a:bodyPr/>
-          <a:lstStyle/>
-          <a:p>
-            <a:pPr eaLnBrk="1" hangingPunct="1"/>
-            <a:r>
-              <a:rPr lang="en-US" sz="3600" smtClean="0"/>
-              <a:t>Proof using Well Ordering</a:t>
-            </a:r>
-          </a:p>
-        </p:txBody>
-      </p:sp>
-      <p:sp>
-        <p:nvSpPr>
-          <p:cNvPr id="16" name="TextBox 15"/>
-          <p:cNvSpPr txBox="1"/>
-          <p:nvPr/>
-        </p:nvSpPr>
-        <p:spPr>
-          <a:xfrm>
-            <a:off x="304800" y="4038600"/>
-            <a:ext cx="8305800" cy="1981200"/>
-          </a:xfrm>
-          <a:prstGeom prst="rect">
-            <a:avLst/>
-          </a:prstGeom>
-          <a:noFill/>
-        </p:spPr>
-        <p:txBody>
-          <a:bodyPr wrap="none" rtlCol="0">
-            <a:noAutofit/>
-          </a:bodyPr>
-          <a:lstStyle/>
-          <a:p>
-            <a:r>
-              <a:rPr lang="en-US" sz="4800" dirty="0" smtClean="0">
-                <a:latin typeface="Comic Sans MS" pitchFamily="66" charset="0"/>
-              </a:rPr>
-              <a:t>This </a:t>
-            </a:r>
-            <a:r>
-              <a:rPr lang="en-US" sz="4800" dirty="0" smtClean="0">
-                <a:solidFill>
-                  <a:srgbClr val="C00000"/>
-                </a:solidFill>
-                <a:latin typeface="Comic Sans MS" pitchFamily="66" charset="0"/>
-              </a:rPr>
-              <a:t>contradiction</a:t>
-            </a:r>
-            <a:r>
-              <a:rPr lang="en-US" sz="4800" dirty="0" smtClean="0">
-                <a:latin typeface="Comic Sans MS" pitchFamily="66" charset="0"/>
-              </a:rPr>
-              <a:t> implies</a:t>
-            </a:r>
-          </a:p>
-          <a:p>
-            <a:r>
-              <a:rPr lang="en-US" sz="4800" dirty="0" smtClean="0">
-                <a:solidFill>
-                  <a:srgbClr val="0033CC"/>
-                </a:solidFill>
-                <a:latin typeface="Comic Sans MS" pitchFamily="66" charset="0"/>
-              </a:rPr>
-              <a:t>m</a:t>
-            </a:r>
-            <a:r>
-              <a:rPr lang="en-US" sz="4800" dirty="0" smtClean="0">
-                <a:latin typeface="Comic Sans MS" pitchFamily="66" charset="0"/>
-              </a:rPr>
-              <a:t>, </a:t>
-            </a:r>
-            <a:r>
-              <a:rPr lang="en-US" sz="4800" dirty="0" smtClean="0">
-                <a:solidFill>
-                  <a:srgbClr val="0033CC"/>
-                </a:solidFill>
-                <a:latin typeface="Comic Sans MS" pitchFamily="66" charset="0"/>
-              </a:rPr>
-              <a:t>n</a:t>
-            </a:r>
-            <a:r>
-              <a:rPr lang="en-US" sz="4800" dirty="0" smtClean="0">
-                <a:latin typeface="Comic Sans MS" pitchFamily="66" charset="0"/>
-              </a:rPr>
-              <a:t> have no common factors.</a:t>
-            </a:r>
-          </a:p>
-          <a:p>
-            <a:endParaRPr lang="en-US" sz="4800" dirty="0" smtClean="0">
-              <a:latin typeface="Comic Sans MS" pitchFamily="66" charset="0"/>
-            </a:endParaRPr>
-          </a:p>
-        </p:txBody>
-      </p:sp>
-      <p:graphicFrame>
-        <p:nvGraphicFramePr>
-          <p:cNvPr id="8" name="Object 10"/>
-          <p:cNvGraphicFramePr>
-            <a:graphicFrameLocks noChangeAspect="1"/>
-          </p:cNvGraphicFramePr>
-          <p:nvPr/>
-        </p:nvGraphicFramePr>
-        <p:xfrm>
-          <a:off x="561975" y="2124075"/>
-          <a:ext cx="2686050" cy="1892300"/>
-        </p:xfrm>
-        <a:graphic>
-          <a:graphicData uri="http://schemas.openxmlformats.org/presentationml/2006/ole">
-            <mc:AlternateContent xmlns:mc="http://schemas.openxmlformats.org/markup-compatibility/2006">
-              <mc:Choice xmlns:v="urn:schemas-microsoft-com:vml" Requires="v">
-                <p:oleObj spid="_x0000_s4116" name="Equation" r:id="rId4" imgW="596880" imgH="419040" progId="Equation.DSMT4">
-                  <p:embed/>
-                </p:oleObj>
-              </mc:Choice>
-              <mc:Fallback>
-                <p:oleObj name="Equation" r:id="rId4" imgW="596880" imgH="419040" progId="Equation.DSMT4">
-                  <p:embed/>
-                  <p:pic>
-                    <p:nvPicPr>
-                      <p:cNvPr id="0" name="Object 10"/>
-                      <p:cNvPicPr>
-                        <a:picLocks noChangeAspect="1" noChangeArrowheads="1"/>
-                      </p:cNvPicPr>
-                      <p:nvPr/>
-                    </p:nvPicPr>
-                    <p:blipFill>
-                      <a:blip r:embed="rId5">
-                        <a:extLst>
-                          <a:ext uri="{28A0092B-C50C-407E-A947-70E740481C1C}">
-                            <a14:useLocalDpi xmlns:a14="http://schemas.microsoft.com/office/drawing/2010/main" val="0"/>
-                          </a:ext>
-                        </a:extLst>
-                      </a:blip>
-                      <a:srcRect/>
-                      <a:stretch>
-                        <a:fillRect/>
-                      </a:stretch>
-                    </p:blipFill>
-                    <p:spPr bwMode="auto">
-                      <a:xfrm>
-                        <a:off x="561975" y="2124075"/>
-                        <a:ext cx="2686050" cy="1892300"/>
-                      </a:xfrm>
-                      <a:prstGeom prst="rect">
-                        <a:avLst/>
-                      </a:prstGeom>
-                      <a:noFill/>
-                      <a:extLst>
-                        <a:ext uri="{909E8E84-426E-40dd-AFC4-6F175D3DCCD1}">
-                          <a14:hiddenFill xmlns:a14="http://schemas.microsoft.com/office/drawing/2010/main">
-                            <a:solidFill>
-                              <a:srgbClr val="FFFFFF"/>
-                            </a:solidFill>
-                          </a14:hiddenFill>
-                        </a:ext>
-                      </a:extLst>
-                    </p:spPr>
-                  </p:pic>
-                </p:oleObj>
-              </mc:Fallback>
-            </mc:AlternateContent>
-          </a:graphicData>
-        </a:graphic>
-      </p:graphicFrame>
-      <p:sp>
-        <p:nvSpPr>
-          <p:cNvPr id="9" name="Text Box 9"/>
-          <p:cNvSpPr txBox="1">
-            <a:spLocks noChangeArrowheads="1"/>
-          </p:cNvSpPr>
-          <p:nvPr/>
-        </p:nvSpPr>
-        <p:spPr bwMode="auto">
-          <a:xfrm>
-            <a:off x="685800" y="1531203"/>
-            <a:ext cx="5881838" cy="830997"/>
-          </a:xfrm>
-          <a:prstGeom prst="rect">
-            <a:avLst/>
-          </a:prstGeom>
-          <a:noFill/>
-          <a:ln w="9525">
-            <a:noFill/>
-            <a:miter lim="800000"/>
-            <a:headEnd/>
-            <a:tailEnd type="none" w="lg" len="lg"/>
-          </a:ln>
-        </p:spPr>
-        <p:txBody>
-          <a:bodyPr wrap="none">
-            <a:spAutoFit/>
-          </a:bodyPr>
-          <a:lstStyle/>
-          <a:p>
-            <a:r>
-              <a:rPr lang="en-US" sz="4800" dirty="0" smtClean="0">
-                <a:latin typeface="Comic Sans MS" pitchFamily="66" charset="0"/>
-              </a:rPr>
-              <a:t>F</a:t>
-            </a:r>
-            <a:r>
-              <a:rPr lang="en-US" sz="4800" dirty="0" smtClean="0">
-                <a:latin typeface="Comic Sans MS" pitchFamily="66" charset="0"/>
-                <a:sym typeface="Euclid Symbol" pitchFamily="18" charset="2"/>
-              </a:rPr>
-              <a:t>ind </a:t>
-            </a:r>
-            <a:r>
-              <a:rPr lang="en-US" sz="4800" i="1" dirty="0" smtClean="0">
-                <a:latin typeface="Comic Sans MS" pitchFamily="66" charset="0"/>
-                <a:sym typeface="Euclid Symbol" pitchFamily="18" charset="2"/>
-              </a:rPr>
-              <a:t>smallest </a:t>
-            </a:r>
-            <a:r>
-              <a:rPr lang="en-US" sz="4800" dirty="0" smtClean="0">
-                <a:latin typeface="Comic Sans MS" pitchFamily="66" charset="0"/>
-              </a:rPr>
-              <a:t> </a:t>
-            </a:r>
-            <a:r>
-              <a:rPr lang="en-US" sz="4800" dirty="0" smtClean="0">
-                <a:solidFill>
-                  <a:srgbClr val="0033CC"/>
-                </a:solidFill>
-                <a:latin typeface="Comic Sans MS" pitchFamily="66" charset="0"/>
-              </a:rPr>
-              <a:t>m</a:t>
-            </a:r>
-            <a:r>
-              <a:rPr lang="en-US" sz="4800" dirty="0" smtClean="0">
-                <a:latin typeface="Comic Sans MS" pitchFamily="66" charset="0"/>
-              </a:rPr>
-              <a:t> </a:t>
-            </a:r>
-            <a:r>
-              <a:rPr lang="en-US" sz="4800" dirty="0" err="1">
-                <a:latin typeface="Comic Sans MS" pitchFamily="66" charset="0"/>
-              </a:rPr>
-              <a:t>s.t.</a:t>
-            </a:r>
-            <a:endParaRPr lang="en-US" sz="4800" dirty="0">
-              <a:latin typeface="Comic Sans MS" pitchFamily="66" charset="0"/>
-            </a:endParaRPr>
-          </a:p>
-        </p:txBody>
-      </p:sp>
-    </p:spTree>
-  </p:cSld>
-  <p:clrMapOvr>
-    <a:masterClrMapping/>
-  </p:clrMapOvr>
-  <p:transition xmlns:p14="http://schemas.microsoft.com/office/powerpoint/2010/main" spd="med">
-    <p:fade/>
-  </p:transition>
-  <p:timing>
-    <p:tnLst>
-      <p:par>
-        <p:cTn xmlns:p14="http://schemas.microsoft.com/office/powerpoint/2010/main" id="1" dur="indefinite" restart="never" nodeType="tmRoot"/>
-      </p:par>
-    </p:tnLst>
-  </p:timing>
-</p:sld>
-</file>
-
-<file path=ppt/slides/slide5.xml><?xml version="1.0" encoding="utf-8"?>
-<p:sld xmlns:a="http://schemas.openxmlformats.org/drawingml/2006/main" xmlns:r="http://schemas.openxmlformats.org/officeDocument/2006/relationships" xmlns:p="http://schemas.openxmlformats.org/presentationml/2006/main">
-  <p:cSld>
-    <p:spTree>
-      <p:nvGrpSpPr>
-        <p:cNvPr id="1" name=""/>
-        <p:cNvGrpSpPr/>
-        <p:nvPr/>
-      </p:nvGrpSpPr>
-      <p:grpSpPr>
-        <a:xfrm>
-          <a:off x="0" y="0"/>
-          <a:ext cx="0" cy="0"/>
-          <a:chOff x="0" y="0"/>
-          <a:chExt cx="0" cy="0"/>
-        </a:xfrm>
-      </p:grpSpPr>
-      <p:sp>
-        <p:nvSpPr>
-          <p:cNvPr id="2" name="TextBox 1"/>
-          <p:cNvSpPr txBox="1"/>
-          <p:nvPr/>
-        </p:nvSpPr>
-        <p:spPr bwMode="auto">
-          <a:xfrm>
-            <a:off x="1962779" y="394494"/>
-            <a:ext cx="3807953" cy="830997"/>
-          </a:xfrm>
-          <a:prstGeom prst="rect">
-            <a:avLst/>
-          </a:prstGeom>
-          <a:noFill/>
-          <a:ln w="9525">
-            <a:noFill/>
-            <a:miter lim="800000"/>
-            <a:headEnd/>
-            <a:tailEnd type="none" w="lg" len="lg"/>
-          </a:ln>
-        </p:spPr>
-        <p:txBody>
-          <a:bodyPr wrap="none" rtlCol="0">
-            <a:spAutoFit/>
-          </a:bodyPr>
-          <a:lstStyle/>
-          <a:p>
-            <a:r>
-              <a:rPr lang="en-US" sz="4800" b="1" dirty="0" smtClean="0">
-                <a:latin typeface="Comic Sans MS" pitchFamily="66" charset="0"/>
-              </a:rPr>
-              <a:t>What is the</a:t>
-            </a:r>
-          </a:p>
-        </p:txBody>
-      </p:sp>
-      <p:sp>
-        <p:nvSpPr>
-          <p:cNvPr id="3" name="TextBox 2"/>
-          <p:cNvSpPr txBox="1"/>
-          <p:nvPr/>
-        </p:nvSpPr>
-        <p:spPr bwMode="auto">
-          <a:xfrm>
-            <a:off x="538813" y="1450692"/>
-            <a:ext cx="8072410" cy="4524315"/>
-          </a:xfrm>
-          <a:prstGeom prst="rect">
-            <a:avLst/>
-          </a:prstGeom>
-          <a:noFill/>
-          <a:ln w="9525">
-            <a:noFill/>
-            <a:miter lim="800000"/>
-            <a:headEnd/>
-            <a:tailEnd type="none" w="lg" len="lg"/>
-          </a:ln>
-        </p:spPr>
-        <p:txBody>
-          <a:bodyPr wrap="square" rtlCol="0">
-            <a:spAutoFit/>
-          </a:bodyPr>
-          <a:lstStyle/>
-          <a:p>
-            <a:pPr marL="685800" indent="-685800">
-              <a:buFont typeface="Arial"/>
-              <a:buChar char="•"/>
-            </a:pPr>
-            <a:r>
-              <a:rPr lang="en-US" sz="4800" i="1" dirty="0" smtClean="0">
-                <a:latin typeface="Comic Sans MS" pitchFamily="66" charset="0"/>
-              </a:rPr>
-              <a:t>youngest</a:t>
-            </a:r>
-            <a:r>
-              <a:rPr lang="en-US" sz="4800" dirty="0" smtClean="0">
-                <a:latin typeface="Comic Sans MS" pitchFamily="66" charset="0"/>
-              </a:rPr>
-              <a:t> age </a:t>
-            </a:r>
-            <a:r>
-              <a:rPr lang="en-US" sz="4800" dirty="0">
-                <a:latin typeface="Comic Sans MS" pitchFamily="66" charset="0"/>
-              </a:rPr>
-              <a:t>of </a:t>
-            </a:r>
-            <a:r>
-              <a:rPr lang="en-US" sz="4800" dirty="0" smtClean="0">
-                <a:latin typeface="Comic Sans MS" pitchFamily="66" charset="0"/>
-              </a:rPr>
-              <a:t>MIT graduate?</a:t>
-            </a:r>
-          </a:p>
-          <a:p>
-            <a:pPr marL="685800" indent="-685800">
-              <a:buFont typeface="Arial"/>
-              <a:buChar char="•"/>
-            </a:pPr>
-            <a:r>
-              <a:rPr lang="en-US" sz="4800" i="1" dirty="0" smtClean="0">
-                <a:latin typeface="Comic Sans MS" pitchFamily="66" charset="0"/>
-              </a:rPr>
-              <a:t>smallest</a:t>
-            </a:r>
-            <a:r>
-              <a:rPr lang="en-US" sz="4800" dirty="0" smtClean="0">
-                <a:latin typeface="Comic Sans MS" pitchFamily="66" charset="0"/>
-              </a:rPr>
-              <a:t> # neurons in any animal?</a:t>
-            </a:r>
-          </a:p>
-          <a:p>
-            <a:pPr marL="685800" indent="-685800">
-              <a:buFont typeface="Arial"/>
-              <a:buChar char="•"/>
-            </a:pPr>
-            <a:r>
-              <a:rPr lang="en-US" sz="4800" i="1" dirty="0" smtClean="0">
-                <a:latin typeface="Comic Sans MS" pitchFamily="66" charset="0"/>
-              </a:rPr>
-              <a:t>smallest</a:t>
-            </a:r>
-            <a:r>
-              <a:rPr lang="en-US" sz="4800" dirty="0" smtClean="0">
-                <a:latin typeface="Comic Sans MS" pitchFamily="66" charset="0"/>
-              </a:rPr>
-              <a:t> #coins = $1.17?</a:t>
-            </a:r>
-          </a:p>
-          <a:p>
-            <a:pPr marL="685800" indent="-685800">
-              <a:buFont typeface="Arial"/>
-              <a:buChar char="•"/>
-            </a:pPr>
-            <a:endParaRPr lang="en-US" sz="4800" dirty="0" smtClean="0">
-              <a:latin typeface="Comic Sans MS" pitchFamily="66" charset="0"/>
-            </a:endParaRPr>
-          </a:p>
-        </p:txBody>
-      </p:sp>
-    </p:spTree>
-    <p:extLst>
-      <p:ext uri="{BB962C8B-B14F-4D97-AF65-F5344CB8AC3E}">
-        <p14:creationId xmlns:p14="http://schemas.microsoft.com/office/powerpoint/2010/main" val="3475604449"/>
-      </p:ext>
-    </p:extLst>
-  </p:cSld>
-  <p:clrMapOvr>
-    <a:masterClrMapping/>
-  </p:clrMapOvr>
-  <p:timing>
-    <p:tnLst>
-      <p:par>
-        <p:cTn xmlns:p14="http://schemas.microsoft.com/office/powerpoint/2010/main" id="1" dur="indefinite" restart="never" nodeType="tmRoot"/>
-      </p:par>
-    </p:tnLst>
-  </p:timing>
-</p:sld>
-</file>
-
-<file path=ppt/slides/slide6.xml><?xml version="1.0" encoding="utf-8"?>
-<p:sld xmlns:a="http://schemas.openxmlformats.org/drawingml/2006/main" xmlns:r="http://schemas.openxmlformats.org/officeDocument/2006/relationships" xmlns:p="http://schemas.openxmlformats.org/presentationml/2006/main">
-  <p:cSld>
-    <p:spTree>
-      <p:nvGrpSpPr>
-        <p:cNvPr id="1" name=""/>
-        <p:cNvGrpSpPr/>
-        <p:nvPr/>
-      </p:nvGrpSpPr>
-      <p:grpSpPr>
-        <a:xfrm>
-          <a:off x="0" y="0"/>
-          <a:ext cx="0" cy="0"/>
-          <a:chOff x="0" y="0"/>
-          <a:chExt cx="0" cy="0"/>
-        </a:xfrm>
-      </p:grpSpPr>
-      <p:sp>
-        <p:nvSpPr>
-          <p:cNvPr id="28675" name="Rectangle 2"/>
-          <p:cNvSpPr>
-            <a:spLocks noGrp="1" noChangeArrowheads="1"/>
-          </p:cNvSpPr>
-          <p:nvPr>
-            <p:ph type="title" idx="4294967295"/>
-          </p:nvPr>
-        </p:nvSpPr>
-        <p:spPr/>
-        <p:txBody>
-          <a:bodyPr/>
-          <a:lstStyle/>
-          <a:p>
-            <a:pPr eaLnBrk="1" hangingPunct="1"/>
-            <a:r>
-              <a:rPr lang="en-US" sz="4400" dirty="0" smtClean="0"/>
-              <a:t>Well Ordering principle</a:t>
-            </a:r>
-          </a:p>
-        </p:txBody>
-      </p:sp>
-      <p:sp>
-        <p:nvSpPr>
-          <p:cNvPr id="229379" name="Text Box 3"/>
-          <p:cNvSpPr txBox="1">
-            <a:spLocks noChangeArrowheads="1"/>
-          </p:cNvSpPr>
-          <p:nvPr/>
-        </p:nvSpPr>
-        <p:spPr bwMode="auto">
-          <a:xfrm>
-            <a:off x="1143000" y="1339850"/>
-            <a:ext cx="6660799" cy="3046988"/>
-          </a:xfrm>
-          <a:prstGeom prst="rect">
-            <a:avLst/>
-          </a:prstGeom>
-          <a:noFill/>
-          <a:ln w="9525">
-            <a:noFill/>
-            <a:miter lim="800000"/>
-            <a:headEnd/>
-            <a:tailEnd type="none" w="lg" len="lg"/>
-          </a:ln>
-        </p:spPr>
-        <p:txBody>
-          <a:bodyPr wrap="none">
-            <a:spAutoFit/>
-          </a:bodyPr>
-          <a:lstStyle/>
-          <a:p>
-            <a:pPr algn="ctr"/>
-            <a:r>
-              <a:rPr lang="en-US" sz="4800" dirty="0">
-                <a:latin typeface="Comic Sans MS" pitchFamily="66" charset="0"/>
-              </a:rPr>
-              <a:t>Every nonempty set of</a:t>
-            </a:r>
-          </a:p>
-          <a:p>
-            <a:pPr algn="ctr"/>
-            <a:r>
-              <a:rPr lang="en-US" sz="4800" i="1" dirty="0">
-                <a:solidFill>
-                  <a:srgbClr val="0066FF"/>
-                </a:solidFill>
-                <a:latin typeface="Comic Sans MS" pitchFamily="66" charset="0"/>
-              </a:rPr>
-              <a:t>nonnegative integers</a:t>
-            </a:r>
-            <a:endParaRPr lang="en-US" sz="4800" dirty="0">
-              <a:latin typeface="Comic Sans MS" pitchFamily="66" charset="0"/>
-            </a:endParaRPr>
-          </a:p>
-          <a:p>
-            <a:pPr algn="ctr"/>
-            <a:r>
-              <a:rPr lang="en-US" sz="4800" dirty="0">
-                <a:latin typeface="Comic Sans MS" pitchFamily="66" charset="0"/>
-              </a:rPr>
-              <a:t>has a </a:t>
-            </a:r>
-          </a:p>
-          <a:p>
-            <a:pPr algn="ctr"/>
-            <a:r>
-              <a:rPr lang="en-US" sz="4800" i="1" dirty="0">
-                <a:solidFill>
-                  <a:srgbClr val="0066FF"/>
-                </a:solidFill>
-                <a:latin typeface="Comic Sans MS" pitchFamily="66" charset="0"/>
-              </a:rPr>
-              <a:t>least element.</a:t>
-            </a:r>
-          </a:p>
-        </p:txBody>
-      </p:sp>
-      <p:sp>
-        <p:nvSpPr>
-          <p:cNvPr id="229381" name="Text Box 5"/>
-          <p:cNvSpPr txBox="1">
-            <a:spLocks noChangeArrowheads="1"/>
-          </p:cNvSpPr>
-          <p:nvPr/>
-        </p:nvSpPr>
-        <p:spPr bwMode="auto">
-          <a:xfrm>
-            <a:off x="261938" y="4309408"/>
-            <a:ext cx="8816837" cy="1938992"/>
-          </a:xfrm>
-          <a:prstGeom prst="rect">
-            <a:avLst/>
-          </a:prstGeom>
-          <a:noFill/>
-          <a:ln w="9525">
-            <a:noFill/>
-            <a:miter lim="800000"/>
-            <a:headEnd/>
-            <a:tailEnd type="none" w="lg" len="lg"/>
-          </a:ln>
-        </p:spPr>
-        <p:txBody>
-          <a:bodyPr wrap="none">
-            <a:spAutoFit/>
-          </a:bodyPr>
-          <a:lstStyle/>
-          <a:p>
-            <a:r>
-              <a:rPr lang="en-US" sz="4000" dirty="0">
-                <a:solidFill>
-                  <a:srgbClr val="FF6600"/>
-                </a:solidFill>
-                <a:latin typeface="Comic Sans MS" pitchFamily="66" charset="0"/>
-              </a:rPr>
-              <a:t>Familiar?</a:t>
-            </a:r>
-            <a:r>
-              <a:rPr lang="en-US" sz="4000" dirty="0">
-                <a:latin typeface="Comic Sans MS" pitchFamily="66" charset="0"/>
-              </a:rPr>
-              <a:t>   </a:t>
-            </a:r>
-            <a:r>
-              <a:rPr lang="en-US" sz="4000" dirty="0" smtClean="0">
-                <a:latin typeface="Comic Sans MS" pitchFamily="66" charset="0"/>
-              </a:rPr>
-              <a:t>Now </a:t>
-            </a:r>
-            <a:r>
-              <a:rPr lang="en-US" sz="4000" dirty="0">
-                <a:latin typeface="Comic Sans MS" pitchFamily="66" charset="0"/>
-              </a:rPr>
-              <a:t>you mention it, </a:t>
-            </a:r>
-            <a:r>
-              <a:rPr lang="en-US" sz="4000" dirty="0">
-                <a:solidFill>
-                  <a:srgbClr val="008000"/>
-                </a:solidFill>
-                <a:latin typeface="Comic Sans MS" pitchFamily="66" charset="0"/>
-              </a:rPr>
-              <a:t>Yes.</a:t>
-            </a:r>
-            <a:endParaRPr lang="en-US" sz="4000" dirty="0">
-              <a:latin typeface="Comic Sans MS" pitchFamily="66" charset="0"/>
-            </a:endParaRPr>
-          </a:p>
-          <a:p>
-            <a:r>
-              <a:rPr lang="en-US" sz="4000" dirty="0">
-                <a:solidFill>
-                  <a:srgbClr val="FF6600"/>
-                </a:solidFill>
-                <a:latin typeface="Comic Sans MS" pitchFamily="66" charset="0"/>
-              </a:rPr>
-              <a:t>Obvious?</a:t>
-            </a:r>
-            <a:r>
-              <a:rPr lang="en-US" sz="4000" dirty="0">
-                <a:latin typeface="Comic Sans MS" pitchFamily="66" charset="0"/>
-              </a:rPr>
-              <a:t>  </a:t>
-            </a:r>
-            <a:r>
-              <a:rPr lang="en-US" sz="4000" dirty="0" smtClean="0">
-                <a:latin typeface="Comic Sans MS" pitchFamily="66" charset="0"/>
-              </a:rPr>
-              <a:t> </a:t>
-            </a:r>
-            <a:r>
-              <a:rPr lang="en-US" sz="4000" dirty="0" smtClean="0">
-                <a:solidFill>
-                  <a:srgbClr val="008000"/>
-                </a:solidFill>
-                <a:latin typeface="Comic Sans MS" pitchFamily="66" charset="0"/>
-              </a:rPr>
-              <a:t>Yes</a:t>
-            </a:r>
-            <a:r>
-              <a:rPr lang="en-US" sz="4000" dirty="0">
-                <a:solidFill>
-                  <a:srgbClr val="008000"/>
-                </a:solidFill>
-                <a:latin typeface="Comic Sans MS" pitchFamily="66" charset="0"/>
-              </a:rPr>
-              <a:t>.</a:t>
-            </a:r>
-            <a:endParaRPr lang="en-US" sz="4000" dirty="0">
-              <a:latin typeface="Comic Sans MS" pitchFamily="66" charset="0"/>
-            </a:endParaRPr>
-          </a:p>
-          <a:p>
-            <a:r>
-              <a:rPr lang="en-US" sz="4000" dirty="0">
-                <a:solidFill>
-                  <a:srgbClr val="FF6600"/>
-                </a:solidFill>
-                <a:latin typeface="Comic Sans MS" pitchFamily="66" charset="0"/>
-              </a:rPr>
-              <a:t>Trivial?   </a:t>
-            </a:r>
-            <a:r>
-              <a:rPr lang="en-US" sz="4000" dirty="0" smtClean="0">
-                <a:latin typeface="Comic Sans MS" pitchFamily="66" charset="0"/>
-              </a:rPr>
-              <a:t>  </a:t>
-            </a:r>
-            <a:r>
-              <a:rPr lang="en-US" sz="4000" dirty="0" smtClean="0">
-                <a:solidFill>
-                  <a:srgbClr val="008000"/>
-                </a:solidFill>
-                <a:latin typeface="Comic Sans MS" pitchFamily="66" charset="0"/>
-              </a:rPr>
-              <a:t>Yes</a:t>
-            </a:r>
-            <a:r>
-              <a:rPr lang="en-US" sz="4000" dirty="0">
-                <a:solidFill>
-                  <a:srgbClr val="008000"/>
-                </a:solidFill>
-                <a:latin typeface="Comic Sans MS" pitchFamily="66" charset="0"/>
-              </a:rPr>
-              <a:t>.</a:t>
-            </a:r>
-            <a:r>
-              <a:rPr lang="en-US" sz="4000" dirty="0">
-                <a:latin typeface="Comic Sans MS" pitchFamily="66" charset="0"/>
-              </a:rPr>
-              <a:t> But </a:t>
-            </a:r>
-            <a:r>
-              <a:rPr lang="en-US" sz="4000" dirty="0">
-                <a:solidFill>
-                  <a:srgbClr val="FF0000"/>
-                </a:solidFill>
-                <a:latin typeface="Comic Sans MS" pitchFamily="66" charset="0"/>
-              </a:rPr>
-              <a:t>watch out:</a:t>
-            </a:r>
-          </a:p>
-        </p:txBody>
-      </p:sp>
-      <p:sp>
-        <p:nvSpPr>
-          <p:cNvPr id="28678" name="Rectangle 6"/>
-          <p:cNvSpPr>
-            <a:spLocks noChangeArrowheads="1"/>
-          </p:cNvSpPr>
-          <p:nvPr/>
-        </p:nvSpPr>
-        <p:spPr bwMode="auto">
-          <a:xfrm>
-            <a:off x="2144713" y="2057400"/>
-            <a:ext cx="184150" cy="762000"/>
-          </a:xfrm>
-          <a:prstGeom prst="rect">
-            <a:avLst/>
-          </a:prstGeom>
-          <a:noFill/>
-          <a:ln w="9525">
-            <a:noFill/>
-            <a:miter lim="800000"/>
-            <a:headEnd/>
-            <a:tailEnd type="none" w="lg" len="lg"/>
-          </a:ln>
-        </p:spPr>
-        <p:txBody>
-          <a:bodyPr wrap="none">
-            <a:spAutoFit/>
-          </a:bodyPr>
-          <a:lstStyle/>
-          <a:p>
-            <a:endParaRPr lang="en-US" sz="4400" i="1">
-              <a:solidFill>
-                <a:srgbClr val="0066FF"/>
-              </a:solidFill>
-            </a:endParaRPr>
-          </a:p>
-        </p:txBody>
-      </p:sp>
-    </p:spTree>
-  </p:cSld>
-  <p:clrMapOvr>
-    <a:masterClrMapping/>
-  </p:clrMapOvr>
-  <p:transition xmlns:p14="http://schemas.microsoft.com/office/powerpoint/2010/main">
-    <p:fade thruBlk="1"/>
-  </p:transition>
-  <p:timing>
-    <p:tnLst>
-      <p:par>
-        <p:cTn xmlns:p14="http://schemas.microsoft.com/office/powerpoint/2010/main" id="1" dur="indefinite" restart="never" nodeType="tmRoot">
-          <p:childTnLst>
-            <p:seq concurrent="1" nextAc="seek">
-              <p:cTn id="2" dur="indefinite" nodeType="mainSeq">
-                <p:childTnLst>
-                  <p:par>
-                    <p:cTn id="3" fill="hold">
-                      <p:stCondLst>
-                        <p:cond delay="indefinite"/>
-                      </p:stCondLst>
-                      <p:childTnLst>
-                        <p:par>
-                          <p:cTn id="4" fill="hold">
-                            <p:stCondLst>
-                              <p:cond delay="0"/>
-                            </p:stCondLst>
-                            <p:childTnLst>
-                              <p:par>
-                                <p:cTn id="5" presetID="1" presetClass="entr" presetSubtype="0" fill="hold" grpId="0" nodeType="clickEffect">
-                                  <p:stCondLst>
-                                    <p:cond delay="0"/>
-                                  </p:stCondLst>
-                                  <p:childTnLst>
-                                    <p:set>
-                                      <p:cBhvr>
-                                        <p:cTn id="6" dur="1" fill="hold">
-                                          <p:stCondLst>
-                                            <p:cond delay="499"/>
-                                          </p:stCondLst>
-                                        </p:cTn>
-                                        <p:tgtEl>
-                                          <p:spTgt spid="229381">
-                                            <p:txEl>
-                                              <p:pRg st="0" end="0"/>
-                                            </p:txEl>
-                                          </p:spTgt>
-                                        </p:tgtEl>
-                                        <p:attrNameLst>
-                                          <p:attrName>style.visibility</p:attrName>
-                                        </p:attrNameLst>
-                                      </p:cBhvr>
-                                      <p:to>
-                                        <p:strVal val="visible"/>
-                                      </p:to>
-                                    </p:set>
-                                  </p:childTnLst>
-                                </p:cTn>
-                              </p:par>
-                            </p:childTnLst>
-                          </p:cTn>
-                        </p:par>
-                      </p:childTnLst>
-                    </p:cTn>
-                  </p:par>
-                  <p:par>
-                    <p:cTn id="7" fill="hold">
-                      <p:stCondLst>
-                        <p:cond delay="indefinite"/>
-                      </p:stCondLst>
-                      <p:childTnLst>
-                        <p:par>
-                          <p:cTn id="8" fill="hold">
-                            <p:stCondLst>
-                              <p:cond delay="0"/>
-                            </p:stCondLst>
-                            <p:childTnLst>
-                              <p:par>
-                                <p:cTn id="9" presetID="1" presetClass="entr" presetSubtype="0" fill="hold" grpId="0" nodeType="clickEffect">
-                                  <p:stCondLst>
-                                    <p:cond delay="0"/>
-                                  </p:stCondLst>
-                                  <p:childTnLst>
-                                    <p:set>
-                                      <p:cBhvr>
-                                        <p:cTn id="10" dur="1" fill="hold">
-                                          <p:stCondLst>
-                                            <p:cond delay="499"/>
-                                          </p:stCondLst>
-                                        </p:cTn>
-                                        <p:tgtEl>
-                                          <p:spTgt spid="229381">
-                                            <p:txEl>
-                                              <p:pRg st="1" end="1"/>
-                                            </p:txEl>
-                                          </p:spTgt>
-                                        </p:tgtEl>
-                                        <p:attrNameLst>
-                                          <p:attrName>style.visibility</p:attrName>
-                                        </p:attrNameLst>
-                                      </p:cBhvr>
-                                      <p:to>
-                                        <p:strVal val="visible"/>
-                                      </p:to>
-                                    </p:set>
-                                  </p:childTnLst>
-                                </p:cTn>
-                              </p:par>
-                            </p:childTnLst>
-                          </p:cTn>
-                        </p:par>
-                      </p:childTnLst>
-                    </p:cTn>
-                  </p:par>
-                  <p:par>
-                    <p:cTn id="11" fill="hold">
-                      <p:stCondLst>
-                        <p:cond delay="indefinite"/>
-                      </p:stCondLst>
-                      <p:childTnLst>
-                        <p:par>
-                          <p:cTn id="12" fill="hold">
-                            <p:stCondLst>
-                              <p:cond delay="0"/>
-                            </p:stCondLst>
-                            <p:childTnLst>
-                              <p:par>
-                                <p:cTn id="13" presetID="1" presetClass="entr" presetSubtype="0" fill="hold" grpId="0" nodeType="clickEffect">
-                                  <p:stCondLst>
-                                    <p:cond delay="0"/>
-                                  </p:stCondLst>
-                                  <p:childTnLst>
-                                    <p:set>
-                                      <p:cBhvr>
-                                        <p:cTn id="14" dur="1" fill="hold">
-                                          <p:stCondLst>
-                                            <p:cond delay="499"/>
-                                          </p:stCondLst>
-                                        </p:cTn>
-                                        <p:tgtEl>
-                                          <p:spTgt spid="229381">
-                                            <p:txEl>
-                                              <p:pRg st="2" end="2"/>
-                                            </p:txEl>
-                                          </p:spTgt>
-                                        </p:tgtEl>
-                                        <p:attrNameLst>
-                                          <p:attrName>style.visibility</p:attrName>
-                                        </p:attrNameLst>
-                                      </p:cBhvr>
-                                      <p:to>
-                                        <p:strVal val="visible"/>
-                                      </p:to>
-                                    </p:set>
-                                  </p:childTnLst>
-                                </p:cTn>
-                              </p:par>
-                            </p:childTnLst>
-                          </p:cTn>
-                        </p:par>
-                      </p:childTnLst>
-                    </p:cTn>
-                  </p:par>
-                </p:childTnLst>
-              </p:cTn>
-              <p:prevCondLst>
-                <p:cond evt="onPrev" delay="0">
-                  <p:tgtEl>
-                    <p:sldTgt/>
-                  </p:tgtEl>
-                </p:cond>
-              </p:prevCondLst>
-              <p:nextCondLst>
-                <p:cond evt="onNext" delay="0">
-                  <p:tgtEl>
-                    <p:sldTgt/>
-                  </p:tgtEl>
-                </p:cond>
-              </p:nextCondLst>
-            </p:seq>
-          </p:childTnLst>
-        </p:cTn>
-      </p:par>
-    </p:tnLst>
-    <p:bldLst>
-      <p:bldP spid="229381" grpId="0" build="p" autoUpdateAnimBg="0"/>
-    </p:bldLst>
-  </p:timing>
-</p:sld>
-</file>
-
-<file path=ppt/slides/slide7.xml><?xml version="1.0" encoding="utf-8"?>
-<p:sld xmlns:a="http://schemas.openxmlformats.org/drawingml/2006/main" xmlns:r="http://schemas.openxmlformats.org/officeDocument/2006/relationships" xmlns:p="http://schemas.openxmlformats.org/presentationml/2006/main">
-  <p:cSld>
-    <p:spTree>
-      <p:nvGrpSpPr>
-        <p:cNvPr id="1" name=""/>
-        <p:cNvGrpSpPr/>
-        <p:nvPr/>
-      </p:nvGrpSpPr>
-      <p:grpSpPr>
-        <a:xfrm>
-          <a:off x="0" y="0"/>
-          <a:ext cx="0" cy="0"/>
-          <a:chOff x="0" y="0"/>
-          <a:chExt cx="0" cy="0"/>
-        </a:xfrm>
-      </p:grpSpPr>
-      <p:sp>
-        <p:nvSpPr>
           <p:cNvPr id="9" name="Text Box 3"/>
           <p:cNvSpPr txBox="1">
             <a:spLocks noChangeArrowheads="1"/>
@@ -18438,7 +16428,7 @@
 </p:sld>
 </file>
 
-<file path=ppt/slides/slide8.xml><?xml version="1.0" encoding="utf-8"?>
+<file path=ppt/slides/slide4.xml><?xml version="1.0" encoding="utf-8"?>
 <p:sld xmlns:a="http://schemas.openxmlformats.org/drawingml/2006/main" xmlns:r="http://schemas.openxmlformats.org/officeDocument/2006/relationships" xmlns:p="http://schemas.openxmlformats.org/presentationml/2006/main">
   <p:cSld>
     <p:spTree>
@@ -18896,7 +16886,7 @@
 </p:sld>
 </file>
 
-<file path=ppt/slides/slide9.xml><?xml version="1.0" encoding="utf-8"?>
+<file path=ppt/slides/slide5.xml><?xml version="1.0" encoding="utf-8"?>
 <p:sld xmlns:a="http://schemas.openxmlformats.org/drawingml/2006/main" xmlns:r="http://schemas.openxmlformats.org/officeDocument/2006/relationships" xmlns:p="http://schemas.openxmlformats.org/presentationml/2006/main">
   <p:cSld>
     <p:spTree>
@@ -18963,9 +16953,6 @@
               </a:rPr>
               <a:t>nonnegative integer</a:t>
             </a:r>
-            <a:endParaRPr lang="en-US" sz="6600" dirty="0" smtClean="0">
-              <a:latin typeface="Comic Sans MS" pitchFamily="66" charset="0"/>
-            </a:endParaRPr>
           </a:p>
         </p:txBody>
       </p:sp>
@@ -19042,6 +17029,1944 @@
   <p:transition xmlns:p14="http://schemas.microsoft.com/office/powerpoint/2010/main" spd="slow">
     <p:fade thruBlk="1"/>
   </p:transition>
+  <p:timing>
+    <p:tnLst>
+      <p:par>
+        <p:cTn xmlns:p14="http://schemas.microsoft.com/office/powerpoint/2010/main" id="1" dur="indefinite" restart="never" nodeType="tmRoot"/>
+      </p:par>
+    </p:tnLst>
+  </p:timing>
+</p:sld>
+</file>
+
+<file path=ppt/slides/slide6.xml><?xml version="1.0" encoding="utf-8"?>
+<p:sld xmlns:a="http://schemas.openxmlformats.org/drawingml/2006/main" xmlns:r="http://schemas.openxmlformats.org/officeDocument/2006/relationships" xmlns:p="http://schemas.openxmlformats.org/presentationml/2006/main">
+  <p:cSld>
+    <p:spTree>
+      <p:nvGrpSpPr>
+        <p:cNvPr id="1" name=""/>
+        <p:cNvGrpSpPr/>
+        <p:nvPr/>
+      </p:nvGrpSpPr>
+      <p:grpSpPr>
+        <a:xfrm>
+          <a:off x="0" y="0"/>
+          <a:ext cx="0" cy="0"/>
+          <a:chOff x="0" y="0"/>
+          <a:chExt cx="0" cy="0"/>
+        </a:xfrm>
+      </p:grpSpPr>
+      <p:sp>
+        <p:nvSpPr>
+          <p:cNvPr id="9222" name="Rectangle 2"/>
+          <p:cNvSpPr>
+            <a:spLocks noGrp="1" noChangeArrowheads="1"/>
+          </p:cNvSpPr>
+          <p:nvPr>
+            <p:ph type="title"/>
+          </p:nvPr>
+        </p:nvSpPr>
+        <p:spPr>
+          <a:xfrm>
+            <a:off x="2209800" y="76200"/>
+            <a:ext cx="6629400" cy="1143000"/>
+          </a:xfrm>
+        </p:spPr>
+        <p:txBody>
+          <a:bodyPr/>
+          <a:lstStyle/>
+          <a:p>
+            <a:pPr eaLnBrk="1" hangingPunct="1"/>
+            <a:r>
+              <a:rPr lang="en-US" sz="3600" dirty="0" smtClean="0"/>
+              <a:t> proof used Well Ordering</a:t>
+            </a:r>
+          </a:p>
+        </p:txBody>
+      </p:sp>
+      <p:grpSp>
+        <p:nvGrpSpPr>
+          <p:cNvPr id="9" name="Group 8"/>
+          <p:cNvGrpSpPr/>
+          <p:nvPr/>
+        </p:nvGrpSpPr>
+        <p:grpSpPr>
+          <a:xfrm>
+            <a:off x="609600" y="1455738"/>
+            <a:ext cx="7848600" cy="1508125"/>
+            <a:chOff x="609600" y="1455738"/>
+            <a:chExt cx="7848600" cy="1508125"/>
+          </a:xfrm>
+        </p:grpSpPr>
+        <p:sp>
+          <p:nvSpPr>
+            <p:cNvPr id="9228" name="Text Box 3"/>
+            <p:cNvSpPr txBox="1">
+              <a:spLocks noChangeArrowheads="1"/>
+            </p:cNvSpPr>
+            <p:nvPr/>
+          </p:nvSpPr>
+          <p:spPr bwMode="auto">
+            <a:xfrm>
+              <a:off x="609600" y="1752601"/>
+              <a:ext cx="7848600" cy="762000"/>
+            </a:xfrm>
+            <a:prstGeom prst="rect">
+              <a:avLst/>
+            </a:prstGeom>
+            <a:noFill/>
+            <a:ln w="9525">
+              <a:noFill/>
+              <a:miter lim="800000"/>
+              <a:headEnd/>
+              <a:tailEnd type="none" w="lg" len="lg"/>
+            </a:ln>
+          </p:spPr>
+          <p:txBody>
+            <a:bodyPr>
+              <a:spAutoFit/>
+            </a:bodyPr>
+            <a:lstStyle/>
+            <a:p>
+              <a:r>
+                <a:rPr lang="en-US" sz="4400" i="1" dirty="0">
+                  <a:latin typeface="Comic Sans MS" pitchFamily="66" charset="0"/>
+                </a:rPr>
+                <a:t>Proof</a:t>
+              </a:r>
+              <a:r>
+                <a:rPr lang="en-US" sz="4400" dirty="0">
+                  <a:latin typeface="Comic Sans MS" pitchFamily="66" charset="0"/>
+                </a:rPr>
+                <a:t>: </a:t>
+              </a:r>
+              <a:r>
+                <a:rPr lang="en-US" sz="4400" dirty="0" smtClean="0">
+                  <a:latin typeface="Comic Sans MS" pitchFamily="66" charset="0"/>
+                </a:rPr>
+                <a:t>…suppose</a:t>
+              </a:r>
+              <a:endParaRPr lang="en-US" sz="4400" dirty="0">
+                <a:latin typeface="Comic Sans MS" pitchFamily="66" charset="0"/>
+              </a:endParaRPr>
+            </a:p>
+          </p:txBody>
+        </p:sp>
+        <p:graphicFrame>
+          <p:nvGraphicFramePr>
+            <p:cNvPr id="9220" name="Object 5"/>
+            <p:cNvGraphicFramePr>
+              <a:graphicFrameLocks noChangeAspect="1"/>
+            </p:cNvGraphicFramePr>
+            <p:nvPr/>
+          </p:nvGraphicFramePr>
+          <p:xfrm>
+            <a:off x="4953000" y="1455738"/>
+            <a:ext cx="2006600" cy="1508125"/>
+          </p:xfrm>
+          <a:graphic>
+            <a:graphicData uri="http://schemas.openxmlformats.org/presentationml/2006/ole">
+              <mc:AlternateContent xmlns:mc="http://schemas.openxmlformats.org/markup-compatibility/2006">
+                <mc:Choice xmlns:v="urn:schemas-microsoft-com:vml" Requires="v">
+                  <p:oleObj spid="_x0000_s1057" name="Equation" r:id="rId4" imgW="558720" imgH="419040" progId="Equation.DSMT4">
+                    <p:embed/>
+                  </p:oleObj>
+                </mc:Choice>
+                <mc:Fallback>
+                  <p:oleObj name="Equation" r:id="rId4" imgW="558720" imgH="419040" progId="Equation.DSMT4">
+                    <p:embed/>
+                    <p:pic>
+                      <p:nvPicPr>
+                        <p:cNvPr id="0" name="Object 5"/>
+                        <p:cNvPicPr>
+                          <a:picLocks noChangeAspect="1" noChangeArrowheads="1"/>
+                        </p:cNvPicPr>
+                        <p:nvPr/>
+                      </p:nvPicPr>
+                      <p:blipFill>
+                        <a:blip r:embed="rId5">
+                          <a:extLst>
+                            <a:ext uri="{28A0092B-C50C-407E-A947-70E740481C1C}">
+                              <a14:useLocalDpi xmlns:a14="http://schemas.microsoft.com/office/drawing/2010/main" val="0"/>
+                            </a:ext>
+                          </a:extLst>
+                        </a:blip>
+                        <a:srcRect/>
+                        <a:stretch>
+                          <a:fillRect/>
+                        </a:stretch>
+                      </p:blipFill>
+                      <p:spPr bwMode="auto">
+                        <a:xfrm>
+                          <a:off x="4953000" y="1455738"/>
+                          <a:ext cx="2006600" cy="1508125"/>
+                        </a:xfrm>
+                        <a:prstGeom prst="rect">
+                          <a:avLst/>
+                        </a:prstGeom>
+                        <a:noFill/>
+                        <a:extLst>
+                          <a:ext uri="{909E8E84-426E-40dd-AFC4-6F175D3DCCD1}">
+                            <a14:hiddenFill xmlns:a14="http://schemas.microsoft.com/office/drawing/2010/main">
+                              <a:solidFill>
+                                <a:srgbClr val="FFFFFF"/>
+                              </a:solidFill>
+                            </a14:hiddenFill>
+                          </a:ext>
+                        </a:extLst>
+                      </p:spPr>
+                    </p:pic>
+                  </p:oleObj>
+                </mc:Fallback>
+              </mc:AlternateContent>
+            </a:graphicData>
+          </a:graphic>
+        </p:graphicFrame>
+      </p:grpSp>
+      <p:graphicFrame>
+        <p:nvGraphicFramePr>
+          <p:cNvPr id="9218" name="Object 10"/>
+          <p:cNvGraphicFramePr>
+            <a:graphicFrameLocks noChangeAspect="1"/>
+          </p:cNvGraphicFramePr>
+          <p:nvPr/>
+        </p:nvGraphicFramePr>
+        <p:xfrm>
+          <a:off x="1676400" y="180975"/>
+          <a:ext cx="990600" cy="885825"/>
+        </p:xfrm>
+        <a:graphic>
+          <a:graphicData uri="http://schemas.openxmlformats.org/presentationml/2006/ole">
+            <mc:AlternateContent xmlns:mc="http://schemas.openxmlformats.org/markup-compatibility/2006">
+              <mc:Choice xmlns:v="urn:schemas-microsoft-com:vml" Requires="v">
+                <p:oleObj spid="_x0000_s1058" name="Equation" r:id="rId6" imgW="241200" imgH="215640" progId="Equation.DSMT4">
+                  <p:embed/>
+                </p:oleObj>
+              </mc:Choice>
+              <mc:Fallback>
+                <p:oleObj name="Equation" r:id="rId6" imgW="241200" imgH="215640" progId="Equation.DSMT4">
+                  <p:embed/>
+                  <p:pic>
+                    <p:nvPicPr>
+                      <p:cNvPr id="0" name="Object 10"/>
+                      <p:cNvPicPr>
+                        <a:picLocks noChangeAspect="1" noChangeArrowheads="1"/>
+                      </p:cNvPicPr>
+                      <p:nvPr/>
+                    </p:nvPicPr>
+                    <p:blipFill>
+                      <a:blip r:embed="rId7">
+                        <a:extLst>
+                          <a:ext uri="{28A0092B-C50C-407E-A947-70E740481C1C}">
+                            <a14:useLocalDpi xmlns:a14="http://schemas.microsoft.com/office/drawing/2010/main" val="0"/>
+                          </a:ext>
+                        </a:extLst>
+                      </a:blip>
+                      <a:srcRect/>
+                      <a:stretch>
+                        <a:fillRect/>
+                      </a:stretch>
+                    </p:blipFill>
+                    <p:spPr bwMode="auto">
+                      <a:xfrm>
+                        <a:off x="1676400" y="180975"/>
+                        <a:ext cx="990600" cy="885825"/>
+                      </a:xfrm>
+                      <a:prstGeom prst="rect">
+                        <a:avLst/>
+                      </a:prstGeom>
+                      <a:noFill/>
+                      <a:extLst>
+                        <a:ext uri="{909E8E84-426E-40dd-AFC4-6F175D3DCCD1}">
+                          <a14:hiddenFill xmlns:a14="http://schemas.microsoft.com/office/drawing/2010/main">
+                            <a:solidFill>
+                              <a:srgbClr val="FFFFFF"/>
+                            </a:solidFill>
+                          </a14:hiddenFill>
+                        </a:ext>
+                      </a:extLst>
+                    </p:spPr>
+                  </p:pic>
+                </p:oleObj>
+              </mc:Fallback>
+            </mc:AlternateContent>
+          </a:graphicData>
+        </a:graphic>
+      </p:graphicFrame>
+      <p:sp>
+        <p:nvSpPr>
+          <p:cNvPr id="322573" name="Text Box 13"/>
+          <p:cNvSpPr txBox="1">
+            <a:spLocks noChangeArrowheads="1"/>
+          </p:cNvSpPr>
+          <p:nvPr/>
+        </p:nvSpPr>
+        <p:spPr bwMode="auto">
+          <a:xfrm>
+            <a:off x="533400" y="2896850"/>
+            <a:ext cx="7856537" cy="1446550"/>
+          </a:xfrm>
+          <a:prstGeom prst="rect">
+            <a:avLst/>
+          </a:prstGeom>
+          <a:noFill/>
+          <a:ln w="9525">
+            <a:noFill/>
+            <a:miter lim="800000"/>
+            <a:headEnd/>
+            <a:tailEnd type="none" w="lg" len="lg"/>
+          </a:ln>
+        </p:spPr>
+        <p:txBody>
+          <a:bodyPr wrap="square">
+            <a:spAutoFit/>
+          </a:bodyPr>
+          <a:lstStyle/>
+          <a:p>
+            <a:r>
+              <a:rPr lang="en-US" sz="4400" dirty="0">
+                <a:latin typeface="Comic Sans MS" pitchFamily="66" charset="0"/>
+              </a:rPr>
+              <a:t>…can </a:t>
+            </a:r>
+            <a:r>
+              <a:rPr lang="en-US" sz="4400" dirty="0">
+                <a:solidFill>
+                  <a:srgbClr val="FF33CC"/>
+                </a:solidFill>
+                <a:latin typeface="Comic Sans MS" pitchFamily="66" charset="0"/>
+              </a:rPr>
+              <a:t>always</a:t>
+            </a:r>
+            <a:r>
+              <a:rPr lang="en-US" sz="4400" dirty="0">
+                <a:latin typeface="Comic Sans MS" pitchFamily="66" charset="0"/>
+              </a:rPr>
+              <a:t> find such </a:t>
+            </a:r>
+            <a:r>
+              <a:rPr lang="en-US" sz="4400" dirty="0" smtClean="0">
+                <a:solidFill>
+                  <a:srgbClr val="0033CC"/>
+                </a:solidFill>
+                <a:latin typeface="Comic Sans MS" pitchFamily="66" charset="0"/>
+              </a:rPr>
+              <a:t>m</a:t>
+            </a:r>
+            <a:r>
+              <a:rPr lang="en-US" sz="4400" dirty="0" smtClean="0">
+                <a:latin typeface="Comic Sans MS" pitchFamily="66" charset="0"/>
+              </a:rPr>
+              <a:t>, </a:t>
+            </a:r>
+            <a:r>
+              <a:rPr lang="en-US" sz="4400" dirty="0" smtClean="0">
+                <a:solidFill>
+                  <a:srgbClr val="0033CC"/>
+                </a:solidFill>
+                <a:latin typeface="Comic Sans MS" pitchFamily="66" charset="0"/>
+              </a:rPr>
+              <a:t>n</a:t>
+            </a:r>
+            <a:r>
+              <a:rPr lang="en-US" sz="4400" b="1" dirty="0" smtClean="0">
+                <a:solidFill>
+                  <a:srgbClr val="0033CC"/>
+                </a:solidFill>
+                <a:latin typeface="Times New (W1)" pitchFamily="18" charset="0"/>
+              </a:rPr>
+              <a:t>&gt;</a:t>
+            </a:r>
+            <a:r>
+              <a:rPr lang="en-US" sz="4400" dirty="0" smtClean="0">
+                <a:solidFill>
+                  <a:srgbClr val="0033CC"/>
+                </a:solidFill>
+                <a:latin typeface="Comic Sans MS" pitchFamily="66" charset="0"/>
+              </a:rPr>
+              <a:t>0</a:t>
+            </a:r>
+            <a:endParaRPr lang="en-US" sz="4400" dirty="0">
+              <a:solidFill>
+                <a:srgbClr val="0033CC"/>
+              </a:solidFill>
+              <a:latin typeface="Comic Sans MS" pitchFamily="66" charset="0"/>
+            </a:endParaRPr>
+          </a:p>
+          <a:p>
+            <a:r>
+              <a:rPr lang="en-US" sz="4400" i="1" dirty="0">
+                <a:latin typeface="Comic Sans MS" pitchFamily="66" charset="0"/>
+              </a:rPr>
+              <a:t>without common factors</a:t>
+            </a:r>
+            <a:r>
+              <a:rPr lang="en-US" sz="4400" dirty="0">
+                <a:latin typeface="Comic Sans MS" pitchFamily="66" charset="0"/>
+              </a:rPr>
+              <a:t>…</a:t>
+            </a:r>
+          </a:p>
+        </p:txBody>
+      </p:sp>
+      <p:sp>
+        <p:nvSpPr>
+          <p:cNvPr id="322574" name="Rectangle 14"/>
+          <p:cNvSpPr>
+            <a:spLocks noChangeArrowheads="1"/>
+          </p:cNvSpPr>
+          <p:nvPr/>
+        </p:nvSpPr>
+        <p:spPr bwMode="auto">
+          <a:xfrm>
+            <a:off x="2362200" y="4343400"/>
+            <a:ext cx="4648200" cy="1066800"/>
+          </a:xfrm>
+          <a:prstGeom prst="rect">
+            <a:avLst/>
+          </a:prstGeom>
+          <a:noFill/>
+          <a:ln w="9525">
+            <a:noFill/>
+            <a:miter lim="800000"/>
+            <a:headEnd/>
+            <a:tailEnd/>
+          </a:ln>
+        </p:spPr>
+        <p:txBody>
+          <a:bodyPr/>
+          <a:lstStyle/>
+          <a:p>
+            <a:pPr marL="342900" indent="-342900">
+              <a:spcBef>
+                <a:spcPct val="20000"/>
+              </a:spcBef>
+            </a:pPr>
+            <a:r>
+              <a:rPr lang="en-US" sz="5400" dirty="0">
+                <a:latin typeface="Comic Sans MS" pitchFamily="66" charset="0"/>
+              </a:rPr>
+              <a:t>why</a:t>
+            </a:r>
+            <a:r>
+              <a:rPr lang="en-US" sz="5400" dirty="0">
+                <a:solidFill>
+                  <a:srgbClr val="0D05A7"/>
+                </a:solidFill>
+                <a:latin typeface="Comic Sans MS" pitchFamily="66" charset="0"/>
+              </a:rPr>
+              <a:t> </a:t>
+            </a:r>
+            <a:r>
+              <a:rPr lang="en-US" sz="5400" dirty="0" smtClean="0">
+                <a:solidFill>
+                  <a:srgbClr val="FF33CC"/>
+                </a:solidFill>
+                <a:latin typeface="Comic Sans MS" pitchFamily="66" charset="0"/>
+              </a:rPr>
+              <a:t>always</a:t>
+            </a:r>
+            <a:r>
+              <a:rPr lang="en-US" sz="5400" i="1" dirty="0" smtClean="0">
+                <a:latin typeface="Comic Sans MS" pitchFamily="66" charset="0"/>
+              </a:rPr>
+              <a:t> </a:t>
+            </a:r>
+            <a:r>
+              <a:rPr lang="en-US" sz="5400" dirty="0" smtClean="0">
+                <a:latin typeface="Comic Sans MS" pitchFamily="66" charset="0"/>
+              </a:rPr>
+              <a:t>?</a:t>
+            </a:r>
+            <a:endParaRPr lang="en-US" sz="5400" dirty="0">
+              <a:latin typeface="Comic Sans MS" pitchFamily="66" charset="0"/>
+            </a:endParaRPr>
+          </a:p>
+        </p:txBody>
+      </p:sp>
+    </p:spTree>
+  </p:cSld>
+  <p:clrMapOvr>
+    <a:masterClrMapping/>
+  </p:clrMapOvr>
+  <p:transition xmlns:p14="http://schemas.microsoft.com/office/powerpoint/2010/main">
+    <p:dissolve/>
+  </p:transition>
+  <p:timing>
+    <p:tnLst>
+      <p:par>
+        <p:cTn xmlns:p14="http://schemas.microsoft.com/office/powerpoint/2010/main" id="1" dur="indefinite" restart="never" nodeType="tmRoot">
+          <p:childTnLst>
+            <p:seq concurrent="1" nextAc="seek">
+              <p:cTn id="2" dur="indefinite" nodeType="mainSeq">
+                <p:childTnLst>
+                  <p:par>
+                    <p:cTn id="3" fill="hold">
+                      <p:stCondLst>
+                        <p:cond delay="indefinite"/>
+                      </p:stCondLst>
+                      <p:childTnLst>
+                        <p:par>
+                          <p:cTn id="4" fill="hold">
+                            <p:stCondLst>
+                              <p:cond delay="0"/>
+                            </p:stCondLst>
+                            <p:childTnLst>
+                              <p:par>
+                                <p:cTn id="5" presetID="1" presetClass="entr" presetSubtype="0" fill="hold" nodeType="clickEffect">
+                                  <p:stCondLst>
+                                    <p:cond delay="0"/>
+                                  </p:stCondLst>
+                                  <p:childTnLst>
+                                    <p:set>
+                                      <p:cBhvr>
+                                        <p:cTn id="6" dur="1" fill="hold">
+                                          <p:stCondLst>
+                                            <p:cond delay="0"/>
+                                          </p:stCondLst>
+                                        </p:cTn>
+                                        <p:tgtEl>
+                                          <p:spTgt spid="9"/>
+                                        </p:tgtEl>
+                                        <p:attrNameLst>
+                                          <p:attrName>style.visibility</p:attrName>
+                                        </p:attrNameLst>
+                                      </p:cBhvr>
+                                      <p:to>
+                                        <p:strVal val="visible"/>
+                                      </p:to>
+                                    </p:set>
+                                  </p:childTnLst>
+                                </p:cTn>
+                              </p:par>
+                            </p:childTnLst>
+                          </p:cTn>
+                        </p:par>
+                      </p:childTnLst>
+                    </p:cTn>
+                  </p:par>
+                  <p:par>
+                    <p:cTn id="7" fill="hold">
+                      <p:stCondLst>
+                        <p:cond delay="indefinite"/>
+                      </p:stCondLst>
+                      <p:childTnLst>
+                        <p:par>
+                          <p:cTn id="8" fill="hold">
+                            <p:stCondLst>
+                              <p:cond delay="0"/>
+                            </p:stCondLst>
+                            <p:childTnLst>
+                              <p:par>
+                                <p:cTn id="9" presetID="1" presetClass="entr" presetSubtype="0" fill="hold" grpId="0" nodeType="clickEffect">
+                                  <p:stCondLst>
+                                    <p:cond delay="0"/>
+                                  </p:stCondLst>
+                                  <p:childTnLst>
+                                    <p:set>
+                                      <p:cBhvr>
+                                        <p:cTn id="10" dur="1" fill="hold">
+                                          <p:stCondLst>
+                                            <p:cond delay="0"/>
+                                          </p:stCondLst>
+                                        </p:cTn>
+                                        <p:tgtEl>
+                                          <p:spTgt spid="322573"/>
+                                        </p:tgtEl>
+                                        <p:attrNameLst>
+                                          <p:attrName>style.visibility</p:attrName>
+                                        </p:attrNameLst>
+                                      </p:cBhvr>
+                                      <p:to>
+                                        <p:strVal val="visible"/>
+                                      </p:to>
+                                    </p:set>
+                                  </p:childTnLst>
+                                </p:cTn>
+                              </p:par>
+                            </p:childTnLst>
+                          </p:cTn>
+                        </p:par>
+                      </p:childTnLst>
+                    </p:cTn>
+                  </p:par>
+                  <p:par>
+                    <p:cTn id="11" fill="hold">
+                      <p:stCondLst>
+                        <p:cond delay="indefinite"/>
+                      </p:stCondLst>
+                      <p:childTnLst>
+                        <p:par>
+                          <p:cTn id="12" fill="hold">
+                            <p:stCondLst>
+                              <p:cond delay="0"/>
+                            </p:stCondLst>
+                            <p:childTnLst>
+                              <p:par>
+                                <p:cTn id="13" presetID="1" presetClass="entr" presetSubtype="0" fill="hold" grpId="0" nodeType="clickEffect">
+                                  <p:stCondLst>
+                                    <p:cond delay="0"/>
+                                  </p:stCondLst>
+                                  <p:childTnLst>
+                                    <p:set>
+                                      <p:cBhvr>
+                                        <p:cTn id="14" dur="1" fill="hold">
+                                          <p:stCondLst>
+                                            <p:cond delay="0"/>
+                                          </p:stCondLst>
+                                        </p:cTn>
+                                        <p:tgtEl>
+                                          <p:spTgt spid="322574">
+                                            <p:txEl>
+                                              <p:pRg st="0" end="0"/>
+                                            </p:txEl>
+                                          </p:spTgt>
+                                        </p:tgtEl>
+                                        <p:attrNameLst>
+                                          <p:attrName>style.visibility</p:attrName>
+                                        </p:attrNameLst>
+                                      </p:cBhvr>
+                                      <p:to>
+                                        <p:strVal val="visible"/>
+                                      </p:to>
+                                    </p:set>
+                                  </p:childTnLst>
+                                </p:cTn>
+                              </p:par>
+                            </p:childTnLst>
+                          </p:cTn>
+                        </p:par>
+                      </p:childTnLst>
+                    </p:cTn>
+                  </p:par>
+                </p:childTnLst>
+              </p:cTn>
+              <p:prevCondLst>
+                <p:cond evt="onPrev" delay="0">
+                  <p:tgtEl>
+                    <p:sldTgt/>
+                  </p:tgtEl>
+                </p:cond>
+              </p:prevCondLst>
+              <p:nextCondLst>
+                <p:cond evt="onNext" delay="0">
+                  <p:tgtEl>
+                    <p:sldTgt/>
+                  </p:tgtEl>
+                </p:cond>
+              </p:nextCondLst>
+            </p:seq>
+          </p:childTnLst>
+        </p:cTn>
+      </p:par>
+    </p:tnLst>
+    <p:bldLst>
+      <p:bldP spid="322573" grpId="0"/>
+      <p:bldP spid="322574" grpId="0" build="p"/>
+    </p:bldLst>
+  </p:timing>
+</p:sld>
+</file>
+
+<file path=ppt/slides/slide7.xml><?xml version="1.0" encoding="utf-8"?>
+<p:sld xmlns:a="http://schemas.openxmlformats.org/drawingml/2006/main" xmlns:r="http://schemas.openxmlformats.org/officeDocument/2006/relationships" xmlns:p="http://schemas.openxmlformats.org/presentationml/2006/main">
+  <p:cSld>
+    <p:spTree>
+      <p:nvGrpSpPr>
+        <p:cNvPr id="1" name=""/>
+        <p:cNvGrpSpPr/>
+        <p:nvPr/>
+      </p:nvGrpSpPr>
+      <p:grpSpPr>
+        <a:xfrm>
+          <a:off x="0" y="0"/>
+          <a:ext cx="0" cy="0"/>
+          <a:chOff x="0" y="0"/>
+          <a:chExt cx="0" cy="0"/>
+        </a:xfrm>
+      </p:grpSpPr>
+      <p:sp>
+        <p:nvSpPr>
+          <p:cNvPr id="10245" name="Rectangle 2"/>
+          <p:cNvSpPr>
+            <a:spLocks noGrp="1" noChangeArrowheads="1"/>
+          </p:cNvSpPr>
+          <p:nvPr>
+            <p:ph type="title"/>
+          </p:nvPr>
+        </p:nvSpPr>
+        <p:spPr/>
+        <p:txBody>
+          <a:bodyPr/>
+          <a:lstStyle/>
+          <a:p>
+            <a:pPr eaLnBrk="1" hangingPunct="1"/>
+            <a:r>
+              <a:rPr lang="en-US" sz="3600" smtClean="0"/>
+              <a:t>Proof using Well Ordering</a:t>
+            </a:r>
+          </a:p>
+        </p:txBody>
+      </p:sp>
+      <p:sp>
+        <p:nvSpPr>
+          <p:cNvPr id="10246" name="Text Box 9"/>
+          <p:cNvSpPr txBox="1">
+            <a:spLocks noChangeArrowheads="1"/>
+          </p:cNvSpPr>
+          <p:nvPr/>
+        </p:nvSpPr>
+        <p:spPr bwMode="auto">
+          <a:xfrm>
+            <a:off x="685800" y="1531203"/>
+            <a:ext cx="5881838" cy="830997"/>
+          </a:xfrm>
+          <a:prstGeom prst="rect">
+            <a:avLst/>
+          </a:prstGeom>
+          <a:noFill/>
+          <a:ln w="9525">
+            <a:noFill/>
+            <a:miter lim="800000"/>
+            <a:headEnd/>
+            <a:tailEnd type="none" w="lg" len="lg"/>
+          </a:ln>
+        </p:spPr>
+        <p:txBody>
+          <a:bodyPr wrap="none">
+            <a:spAutoFit/>
+          </a:bodyPr>
+          <a:lstStyle/>
+          <a:p>
+            <a:r>
+              <a:rPr lang="en-US" sz="4800" dirty="0" smtClean="0">
+                <a:latin typeface="Comic Sans MS" pitchFamily="66" charset="0"/>
+              </a:rPr>
+              <a:t>F</a:t>
+            </a:r>
+            <a:r>
+              <a:rPr lang="en-US" sz="4800" dirty="0" smtClean="0">
+                <a:latin typeface="Comic Sans MS" pitchFamily="66" charset="0"/>
+                <a:sym typeface="Euclid Symbol" pitchFamily="18" charset="2"/>
+              </a:rPr>
+              <a:t>ind </a:t>
+            </a:r>
+            <a:r>
+              <a:rPr lang="en-US" sz="4800" i="1" dirty="0" smtClean="0">
+                <a:latin typeface="Comic Sans MS" pitchFamily="66" charset="0"/>
+                <a:sym typeface="Euclid Symbol" pitchFamily="18" charset="2"/>
+              </a:rPr>
+              <a:t>smallest </a:t>
+            </a:r>
+            <a:r>
+              <a:rPr lang="en-US" sz="4800" dirty="0" smtClean="0">
+                <a:latin typeface="Comic Sans MS" pitchFamily="66" charset="0"/>
+              </a:rPr>
+              <a:t> </a:t>
+            </a:r>
+            <a:r>
+              <a:rPr lang="en-US" sz="4800" dirty="0" smtClean="0">
+                <a:solidFill>
+                  <a:srgbClr val="0033CC"/>
+                </a:solidFill>
+                <a:latin typeface="Comic Sans MS" pitchFamily="66" charset="0"/>
+              </a:rPr>
+              <a:t>m</a:t>
+            </a:r>
+            <a:r>
+              <a:rPr lang="en-US" sz="4800" dirty="0" smtClean="0">
+                <a:latin typeface="Comic Sans MS" pitchFamily="66" charset="0"/>
+              </a:rPr>
+              <a:t> </a:t>
+            </a:r>
+            <a:r>
+              <a:rPr lang="en-US" sz="4800" dirty="0" err="1">
+                <a:latin typeface="Comic Sans MS" pitchFamily="66" charset="0"/>
+              </a:rPr>
+              <a:t>s.t.</a:t>
+            </a:r>
+            <a:endParaRPr lang="en-US" sz="4800" dirty="0">
+              <a:latin typeface="Comic Sans MS" pitchFamily="66" charset="0"/>
+            </a:endParaRPr>
+          </a:p>
+        </p:txBody>
+      </p:sp>
+      <p:graphicFrame>
+        <p:nvGraphicFramePr>
+          <p:cNvPr id="351242" name="Object 10"/>
+          <p:cNvGraphicFramePr>
+            <a:graphicFrameLocks noChangeAspect="1"/>
+          </p:cNvGraphicFramePr>
+          <p:nvPr/>
+        </p:nvGraphicFramePr>
+        <p:xfrm>
+          <a:off x="561975" y="2124075"/>
+          <a:ext cx="2686050" cy="1892300"/>
+        </p:xfrm>
+        <a:graphic>
+          <a:graphicData uri="http://schemas.openxmlformats.org/presentationml/2006/ole">
+            <mc:AlternateContent xmlns:mc="http://schemas.openxmlformats.org/markup-compatibility/2006">
+              <mc:Choice xmlns:v="urn:schemas-microsoft-com:vml" Requires="v">
+                <p:oleObj spid="_x0000_s2083" name="Equation" r:id="rId4" imgW="596880" imgH="419040" progId="Equation.DSMT4">
+                  <p:embed/>
+                </p:oleObj>
+              </mc:Choice>
+              <mc:Fallback>
+                <p:oleObj name="Equation" r:id="rId4" imgW="596880" imgH="419040" progId="Equation.DSMT4">
+                  <p:embed/>
+                  <p:pic>
+                    <p:nvPicPr>
+                      <p:cNvPr id="0" name="Object 10"/>
+                      <p:cNvPicPr>
+                        <a:picLocks noChangeAspect="1" noChangeArrowheads="1"/>
+                      </p:cNvPicPr>
+                      <p:nvPr/>
+                    </p:nvPicPr>
+                    <p:blipFill>
+                      <a:blip r:embed="rId5">
+                        <a:extLst>
+                          <a:ext uri="{28A0092B-C50C-407E-A947-70E740481C1C}">
+                            <a14:useLocalDpi xmlns:a14="http://schemas.microsoft.com/office/drawing/2010/main" val="0"/>
+                          </a:ext>
+                        </a:extLst>
+                      </a:blip>
+                      <a:srcRect/>
+                      <a:stretch>
+                        <a:fillRect/>
+                      </a:stretch>
+                    </p:blipFill>
+                    <p:spPr bwMode="auto">
+                      <a:xfrm>
+                        <a:off x="561975" y="2124075"/>
+                        <a:ext cx="2686050" cy="1892300"/>
+                      </a:xfrm>
+                      <a:prstGeom prst="rect">
+                        <a:avLst/>
+                      </a:prstGeom>
+                      <a:noFill/>
+                      <a:extLst>
+                        <a:ext uri="{909E8E84-426E-40dd-AFC4-6F175D3DCCD1}">
+                          <a14:hiddenFill xmlns:a14="http://schemas.microsoft.com/office/drawing/2010/main">
+                            <a:solidFill>
+                              <a:srgbClr val="FFFFFF"/>
+                            </a:solidFill>
+                          </a14:hiddenFill>
+                        </a:ext>
+                      </a:extLst>
+                    </p:spPr>
+                  </p:pic>
+                </p:oleObj>
+              </mc:Fallback>
+            </mc:AlternateContent>
+          </a:graphicData>
+        </a:graphic>
+      </p:graphicFrame>
+      <p:grpSp>
+        <p:nvGrpSpPr>
+          <p:cNvPr id="16" name="Group 15"/>
+          <p:cNvGrpSpPr/>
+          <p:nvPr/>
+        </p:nvGrpSpPr>
+        <p:grpSpPr>
+          <a:xfrm>
+            <a:off x="381000" y="2514600"/>
+            <a:ext cx="8001000" cy="2514600"/>
+            <a:chOff x="381000" y="2514600"/>
+            <a:chExt cx="8001000" cy="2514600"/>
+          </a:xfrm>
+        </p:grpSpPr>
+        <p:sp>
+          <p:nvSpPr>
+            <p:cNvPr id="11" name="TextBox 10"/>
+            <p:cNvSpPr txBox="1"/>
+            <p:nvPr/>
+          </p:nvSpPr>
+          <p:spPr>
+            <a:xfrm>
+              <a:off x="3581400" y="2514600"/>
+              <a:ext cx="4114800" cy="914400"/>
+            </a:xfrm>
+            <a:prstGeom prst="rect">
+              <a:avLst/>
+            </a:prstGeom>
+            <a:noFill/>
+          </p:spPr>
+          <p:txBody>
+            <a:bodyPr wrap="none" rtlCol="0">
+              <a:noAutofit/>
+            </a:bodyPr>
+            <a:lstStyle/>
+            <a:p>
+              <a:r>
+                <a:rPr lang="en-US" sz="4800" dirty="0" smtClean="0">
+                  <a:latin typeface="Comic Sans MS" pitchFamily="66" charset="0"/>
+                </a:rPr>
+                <a:t>If </a:t>
+              </a:r>
+              <a:r>
+                <a:rPr lang="en-US" sz="4800" dirty="0" smtClean="0">
+                  <a:solidFill>
+                    <a:srgbClr val="0033CC"/>
+                  </a:solidFill>
+                  <a:latin typeface="Comic Sans MS" pitchFamily="66" charset="0"/>
+                </a:rPr>
+                <a:t>m</a:t>
+              </a:r>
+              <a:r>
+                <a:rPr lang="en-US" sz="4800" dirty="0" smtClean="0">
+                  <a:latin typeface="Comic Sans MS" pitchFamily="66" charset="0"/>
+                </a:rPr>
+                <a:t>, </a:t>
+              </a:r>
+              <a:r>
+                <a:rPr lang="en-US" sz="4800" dirty="0" smtClean="0">
+                  <a:solidFill>
+                    <a:srgbClr val="0033CC"/>
+                  </a:solidFill>
+                  <a:latin typeface="Comic Sans MS" pitchFamily="66" charset="0"/>
+                </a:rPr>
+                <a:t>n</a:t>
+              </a:r>
+              <a:r>
+                <a:rPr lang="en-US" sz="4800" dirty="0" smtClean="0">
+                  <a:latin typeface="Comic Sans MS" pitchFamily="66" charset="0"/>
+                </a:rPr>
+                <a:t> had a</a:t>
+              </a:r>
+            </a:p>
+          </p:txBody>
+        </p:sp>
+        <p:sp>
+          <p:nvSpPr>
+            <p:cNvPr id="12" name="TextBox 11"/>
+            <p:cNvSpPr txBox="1"/>
+            <p:nvPr/>
+          </p:nvSpPr>
+          <p:spPr>
+            <a:xfrm>
+              <a:off x="381000" y="3962400"/>
+              <a:ext cx="8001000" cy="1066800"/>
+            </a:xfrm>
+            <a:prstGeom prst="rect">
+              <a:avLst/>
+            </a:prstGeom>
+            <a:noFill/>
+          </p:spPr>
+          <p:txBody>
+            <a:bodyPr wrap="none" rtlCol="0">
+              <a:noAutofit/>
+            </a:bodyPr>
+            <a:lstStyle/>
+            <a:p>
+              <a:r>
+                <a:rPr lang="en-US" sz="5400" dirty="0" smtClean="0">
+                  <a:latin typeface="Comic Sans MS" pitchFamily="66" charset="0"/>
+                </a:rPr>
+                <a:t> </a:t>
+              </a:r>
+              <a:r>
+                <a:rPr lang="en-US" sz="4800" dirty="0" smtClean="0">
+                  <a:latin typeface="Comic Sans MS" pitchFamily="66" charset="0"/>
+                </a:rPr>
+                <a:t>common factor, </a:t>
+              </a:r>
+              <a:r>
+                <a:rPr lang="en-US" sz="4800" dirty="0" smtClean="0">
+                  <a:solidFill>
+                    <a:srgbClr val="FF33CC"/>
+                  </a:solidFill>
+                  <a:latin typeface="Comic Sans MS" pitchFamily="66" charset="0"/>
+                </a:rPr>
+                <a:t>c</a:t>
+              </a:r>
+              <a:r>
+                <a:rPr lang="en-US" sz="4800" dirty="0" smtClean="0">
+                  <a:latin typeface="Comic Sans MS" pitchFamily="66" charset="0"/>
+                </a:rPr>
+                <a:t>, then</a:t>
+              </a:r>
+            </a:p>
+          </p:txBody>
+        </p:sp>
+      </p:grpSp>
+      <p:graphicFrame>
+        <p:nvGraphicFramePr>
+          <p:cNvPr id="353288" name="Object 8"/>
+          <p:cNvGraphicFramePr>
+            <a:graphicFrameLocks noChangeAspect="1"/>
+          </p:cNvGraphicFramePr>
+          <p:nvPr/>
+        </p:nvGraphicFramePr>
+        <p:xfrm>
+          <a:off x="396875" y="4625975"/>
+          <a:ext cx="3097213" cy="2012950"/>
+        </p:xfrm>
+        <a:graphic>
+          <a:graphicData uri="http://schemas.openxmlformats.org/presentationml/2006/ole">
+            <mc:AlternateContent xmlns:mc="http://schemas.openxmlformats.org/markup-compatibility/2006">
+              <mc:Choice xmlns:v="urn:schemas-microsoft-com:vml" Requires="v">
+                <p:oleObj spid="_x0000_s2084" name="Equation" r:id="rId6" imgW="863280" imgH="558720" progId="Equation.DSMT4">
+                  <p:embed/>
+                </p:oleObj>
+              </mc:Choice>
+              <mc:Fallback>
+                <p:oleObj name="Equation" r:id="rId6" imgW="863280" imgH="558720" progId="Equation.DSMT4">
+                  <p:embed/>
+                  <p:pic>
+                    <p:nvPicPr>
+                      <p:cNvPr id="0" name="Object 8"/>
+                      <p:cNvPicPr>
+                        <a:picLocks noChangeAspect="1" noChangeArrowheads="1"/>
+                      </p:cNvPicPr>
+                      <p:nvPr/>
+                    </p:nvPicPr>
+                    <p:blipFill>
+                      <a:blip r:embed="rId7">
+                        <a:extLst>
+                          <a:ext uri="{28A0092B-C50C-407E-A947-70E740481C1C}">
+                            <a14:useLocalDpi xmlns:a14="http://schemas.microsoft.com/office/drawing/2010/main" val="0"/>
+                          </a:ext>
+                        </a:extLst>
+                      </a:blip>
+                      <a:srcRect/>
+                      <a:stretch>
+                        <a:fillRect/>
+                      </a:stretch>
+                    </p:blipFill>
+                    <p:spPr bwMode="auto">
+                      <a:xfrm>
+                        <a:off x="396875" y="4625975"/>
+                        <a:ext cx="3097213" cy="2012950"/>
+                      </a:xfrm>
+                      <a:prstGeom prst="rect">
+                        <a:avLst/>
+                      </a:prstGeom>
+                      <a:noFill/>
+                      <a:extLst>
+                        <a:ext uri="{909E8E84-426E-40dd-AFC4-6F175D3DCCD1}">
+                          <a14:hiddenFill xmlns:a14="http://schemas.microsoft.com/office/drawing/2010/main">
+                            <a:solidFill>
+                              <a:srgbClr val="FFFFFF"/>
+                            </a:solidFill>
+                          </a14:hiddenFill>
+                        </a:ext>
+                      </a:extLst>
+                    </p:spPr>
+                  </p:pic>
+                </p:oleObj>
+              </mc:Fallback>
+            </mc:AlternateContent>
+          </a:graphicData>
+        </a:graphic>
+      </p:graphicFrame>
+      <p:sp>
+        <p:nvSpPr>
+          <p:cNvPr id="13" name="TextBox 12"/>
+          <p:cNvSpPr txBox="1"/>
+          <p:nvPr/>
+        </p:nvSpPr>
+        <p:spPr>
+          <a:xfrm>
+            <a:off x="3733800" y="5105400"/>
+            <a:ext cx="5181600" cy="1143000"/>
+          </a:xfrm>
+          <a:prstGeom prst="rect">
+            <a:avLst/>
+          </a:prstGeom>
+          <a:noFill/>
+        </p:spPr>
+        <p:txBody>
+          <a:bodyPr wrap="none" rtlCol="0">
+            <a:noAutofit/>
+          </a:bodyPr>
+          <a:lstStyle/>
+          <a:p>
+            <a:r>
+              <a:rPr lang="en-US" sz="4800" dirty="0" smtClean="0">
+                <a:latin typeface="Comic Sans MS" pitchFamily="66" charset="0"/>
+              </a:rPr>
+              <a:t>and  </a:t>
+            </a:r>
+            <a:r>
+              <a:rPr lang="en-US" sz="4800" dirty="0" smtClean="0">
+                <a:solidFill>
+                  <a:srgbClr val="0033CC"/>
+                </a:solidFill>
+                <a:latin typeface="Comic Sans MS" pitchFamily="66" charset="0"/>
+              </a:rPr>
+              <a:t>m</a:t>
+            </a:r>
+            <a:r>
+              <a:rPr lang="en-US" sz="4800" dirty="0" smtClean="0">
+                <a:latin typeface="Comic Sans MS" pitchFamily="66" charset="0"/>
+              </a:rPr>
+              <a:t>/</a:t>
+            </a:r>
+            <a:r>
+              <a:rPr lang="en-US" sz="4800" dirty="0" smtClean="0">
+                <a:solidFill>
+                  <a:srgbClr val="FF33CC"/>
+                </a:solidFill>
+                <a:latin typeface="Comic Sans MS" pitchFamily="66" charset="0"/>
+              </a:rPr>
+              <a:t>c</a:t>
+            </a:r>
+            <a:r>
+              <a:rPr lang="en-US" sz="4800" dirty="0" smtClean="0">
+                <a:latin typeface="Comic Sans MS" pitchFamily="66" charset="0"/>
+              </a:rPr>
+              <a:t> </a:t>
+            </a:r>
+            <a:r>
+              <a:rPr lang="en-US" sz="4800" b="1" dirty="0" smtClean="0">
+                <a:latin typeface="Times" pitchFamily="18" charset="0"/>
+              </a:rPr>
+              <a:t>&lt;</a:t>
+            </a:r>
+            <a:r>
+              <a:rPr lang="en-US" sz="4800" dirty="0" smtClean="0">
+                <a:latin typeface="Comic Sans MS" pitchFamily="66" charset="0"/>
+              </a:rPr>
+              <a:t> </a:t>
+            </a:r>
+            <a:r>
+              <a:rPr lang="en-US" sz="4800" dirty="0" smtClean="0">
+                <a:solidFill>
+                  <a:srgbClr val="0033CC"/>
+                </a:solidFill>
+                <a:latin typeface="Comic Sans MS" pitchFamily="66" charset="0"/>
+              </a:rPr>
+              <a:t>m</a:t>
+            </a:r>
+            <a:endParaRPr lang="en-US" sz="4800" dirty="0" smtClean="0">
+              <a:latin typeface="Comic Sans MS" pitchFamily="66" charset="0"/>
+            </a:endParaRPr>
+          </a:p>
+        </p:txBody>
+      </p:sp>
+      <p:sp>
+        <p:nvSpPr>
+          <p:cNvPr id="14" name="Oval 13"/>
+          <p:cNvSpPr/>
+          <p:nvPr/>
+        </p:nvSpPr>
+        <p:spPr>
+          <a:xfrm>
+            <a:off x="3733800" y="1143000"/>
+            <a:ext cx="3733800" cy="1676400"/>
+          </a:xfrm>
+          <a:prstGeom prst="ellipse">
+            <a:avLst/>
+          </a:prstGeom>
+          <a:noFill/>
+          <a:ln w="34925">
+            <a:solidFill>
+              <a:srgbClr val="FF0000"/>
+            </a:solidFill>
+            <a:prstDash val="sysDash"/>
+          </a:ln>
+        </p:spPr>
+        <p:style>
+          <a:lnRef idx="2">
+            <a:schemeClr val="accent1">
+              <a:shade val="50000"/>
+            </a:schemeClr>
+          </a:lnRef>
+          <a:fillRef idx="1">
+            <a:schemeClr val="accent1"/>
+          </a:fillRef>
+          <a:effectRef idx="0">
+            <a:schemeClr val="accent1"/>
+          </a:effectRef>
+          <a:fontRef idx="minor">
+            <a:schemeClr val="lt1"/>
+          </a:fontRef>
+        </p:style>
+        <p:txBody>
+          <a:bodyPr rtlCol="0" anchor="ctr"/>
+          <a:lstStyle/>
+          <a:p>
+            <a:pPr algn="ctr"/>
+            <a:endParaRPr lang="en-US"/>
+          </a:p>
+        </p:txBody>
+      </p:sp>
+      <p:sp>
+        <p:nvSpPr>
+          <p:cNvPr id="15" name="Oval 14"/>
+          <p:cNvSpPr/>
+          <p:nvPr/>
+        </p:nvSpPr>
+        <p:spPr>
+          <a:xfrm>
+            <a:off x="4800600" y="4724400"/>
+            <a:ext cx="4114800" cy="1676400"/>
+          </a:xfrm>
+          <a:prstGeom prst="ellipse">
+            <a:avLst/>
+          </a:prstGeom>
+          <a:noFill/>
+          <a:ln w="34925">
+            <a:solidFill>
+              <a:srgbClr val="FF0000"/>
+            </a:solidFill>
+            <a:prstDash val="sysDash"/>
+          </a:ln>
+        </p:spPr>
+        <p:style>
+          <a:lnRef idx="2">
+            <a:schemeClr val="accent1">
+              <a:shade val="50000"/>
+            </a:schemeClr>
+          </a:lnRef>
+          <a:fillRef idx="1">
+            <a:schemeClr val="accent1"/>
+          </a:fillRef>
+          <a:effectRef idx="0">
+            <a:schemeClr val="accent1"/>
+          </a:effectRef>
+          <a:fontRef idx="minor">
+            <a:schemeClr val="lt1"/>
+          </a:fontRef>
+        </p:style>
+        <p:txBody>
+          <a:bodyPr rtlCol="0" anchor="ctr"/>
+          <a:lstStyle/>
+          <a:p>
+            <a:pPr algn="ctr"/>
+            <a:endParaRPr lang="en-US"/>
+          </a:p>
+        </p:txBody>
+      </p:sp>
+    </p:spTree>
+  </p:cSld>
+  <p:clrMapOvr>
+    <a:masterClrMapping/>
+  </p:clrMapOvr>
+  <p:transition xmlns:p14="http://schemas.microsoft.com/office/powerpoint/2010/main"/>
+  <p:timing>
+    <p:tnLst>
+      <p:par>
+        <p:cTn xmlns:p14="http://schemas.microsoft.com/office/powerpoint/2010/main" id="1" dur="indefinite" restart="never" nodeType="tmRoot">
+          <p:childTnLst>
+            <p:seq concurrent="1" nextAc="seek">
+              <p:cTn id="2" dur="indefinite" nodeType="mainSeq">
+                <p:childTnLst>
+                  <p:par>
+                    <p:cTn id="3" fill="hold">
+                      <p:stCondLst>
+                        <p:cond delay="indefinite"/>
+                      </p:stCondLst>
+                      <p:childTnLst>
+                        <p:par>
+                          <p:cTn id="4" fill="hold">
+                            <p:stCondLst>
+                              <p:cond delay="0"/>
+                            </p:stCondLst>
+                            <p:childTnLst>
+                              <p:par>
+                                <p:cTn id="5" presetID="1" presetClass="entr" presetSubtype="0" fill="hold" nodeType="clickEffect">
+                                  <p:stCondLst>
+                                    <p:cond delay="0"/>
+                                  </p:stCondLst>
+                                  <p:childTnLst>
+                                    <p:set>
+                                      <p:cBhvr>
+                                        <p:cTn id="6" dur="1" fill="hold">
+                                          <p:stCondLst>
+                                            <p:cond delay="0"/>
+                                          </p:stCondLst>
+                                        </p:cTn>
+                                        <p:tgtEl>
+                                          <p:spTgt spid="16"/>
+                                        </p:tgtEl>
+                                        <p:attrNameLst>
+                                          <p:attrName>style.visibility</p:attrName>
+                                        </p:attrNameLst>
+                                      </p:cBhvr>
+                                      <p:to>
+                                        <p:strVal val="visible"/>
+                                      </p:to>
+                                    </p:set>
+                                  </p:childTnLst>
+                                </p:cTn>
+                              </p:par>
+                            </p:childTnLst>
+                          </p:cTn>
+                        </p:par>
+                      </p:childTnLst>
+                    </p:cTn>
+                  </p:par>
+                  <p:par>
+                    <p:cTn id="7" fill="hold">
+                      <p:stCondLst>
+                        <p:cond delay="indefinite"/>
+                      </p:stCondLst>
+                      <p:childTnLst>
+                        <p:par>
+                          <p:cTn id="8" fill="hold">
+                            <p:stCondLst>
+                              <p:cond delay="0"/>
+                            </p:stCondLst>
+                            <p:childTnLst>
+                              <p:par>
+                                <p:cTn id="9" presetID="1" presetClass="entr" presetSubtype="0" fill="hold" nodeType="clickEffect">
+                                  <p:stCondLst>
+                                    <p:cond delay="0"/>
+                                  </p:stCondLst>
+                                  <p:childTnLst>
+                                    <p:set>
+                                      <p:cBhvr>
+                                        <p:cTn id="10" dur="1" fill="hold">
+                                          <p:stCondLst>
+                                            <p:cond delay="0"/>
+                                          </p:stCondLst>
+                                        </p:cTn>
+                                        <p:tgtEl>
+                                          <p:spTgt spid="353288"/>
+                                        </p:tgtEl>
+                                        <p:attrNameLst>
+                                          <p:attrName>style.visibility</p:attrName>
+                                        </p:attrNameLst>
+                                      </p:cBhvr>
+                                      <p:to>
+                                        <p:strVal val="visible"/>
+                                      </p:to>
+                                    </p:set>
+                                  </p:childTnLst>
+                                </p:cTn>
+                              </p:par>
+                            </p:childTnLst>
+                          </p:cTn>
+                        </p:par>
+                      </p:childTnLst>
+                    </p:cTn>
+                  </p:par>
+                  <p:par>
+                    <p:cTn id="11" fill="hold">
+                      <p:stCondLst>
+                        <p:cond delay="indefinite"/>
+                      </p:stCondLst>
+                      <p:childTnLst>
+                        <p:par>
+                          <p:cTn id="12" fill="hold">
+                            <p:stCondLst>
+                              <p:cond delay="0"/>
+                            </p:stCondLst>
+                            <p:childTnLst>
+                              <p:par>
+                                <p:cTn id="13" presetID="1" presetClass="entr" presetSubtype="0" fill="hold" grpId="0" nodeType="clickEffect">
+                                  <p:stCondLst>
+                                    <p:cond delay="0"/>
+                                  </p:stCondLst>
+                                  <p:childTnLst>
+                                    <p:set>
+                                      <p:cBhvr>
+                                        <p:cTn id="14" dur="1" fill="hold">
+                                          <p:stCondLst>
+                                            <p:cond delay="0"/>
+                                          </p:stCondLst>
+                                        </p:cTn>
+                                        <p:tgtEl>
+                                          <p:spTgt spid="13"/>
+                                        </p:tgtEl>
+                                        <p:attrNameLst>
+                                          <p:attrName>style.visibility</p:attrName>
+                                        </p:attrNameLst>
+                                      </p:cBhvr>
+                                      <p:to>
+                                        <p:strVal val="visible"/>
+                                      </p:to>
+                                    </p:set>
+                                  </p:childTnLst>
+                                </p:cTn>
+                              </p:par>
+                            </p:childTnLst>
+                          </p:cTn>
+                        </p:par>
+                      </p:childTnLst>
+                    </p:cTn>
+                  </p:par>
+                  <p:par>
+                    <p:cTn id="15" fill="hold">
+                      <p:stCondLst>
+                        <p:cond delay="indefinite"/>
+                      </p:stCondLst>
+                      <p:childTnLst>
+                        <p:par>
+                          <p:cTn id="16" fill="hold">
+                            <p:stCondLst>
+                              <p:cond delay="0"/>
+                            </p:stCondLst>
+                            <p:childTnLst>
+                              <p:par>
+                                <p:cTn id="17" presetID="9" presetClass="entr" presetSubtype="0" fill="hold" grpId="0" nodeType="clickEffect">
+                                  <p:stCondLst>
+                                    <p:cond delay="0"/>
+                                  </p:stCondLst>
+                                  <p:childTnLst>
+                                    <p:set>
+                                      <p:cBhvr>
+                                        <p:cTn id="18" dur="1" fill="hold">
+                                          <p:stCondLst>
+                                            <p:cond delay="0"/>
+                                          </p:stCondLst>
+                                        </p:cTn>
+                                        <p:tgtEl>
+                                          <p:spTgt spid="14"/>
+                                        </p:tgtEl>
+                                        <p:attrNameLst>
+                                          <p:attrName>style.visibility</p:attrName>
+                                        </p:attrNameLst>
+                                      </p:cBhvr>
+                                      <p:to>
+                                        <p:strVal val="visible"/>
+                                      </p:to>
+                                    </p:set>
+                                    <p:animEffect transition="in" filter="dissolve">
+                                      <p:cBhvr>
+                                        <p:cTn id="19" dur="500"/>
+                                        <p:tgtEl>
+                                          <p:spTgt spid="14"/>
+                                        </p:tgtEl>
+                                      </p:cBhvr>
+                                    </p:animEffect>
+                                  </p:childTnLst>
+                                </p:cTn>
+                              </p:par>
+                              <p:par>
+                                <p:cTn id="20" presetID="9" presetClass="entr" presetSubtype="0" fill="hold" grpId="0" nodeType="withEffect">
+                                  <p:stCondLst>
+                                    <p:cond delay="0"/>
+                                  </p:stCondLst>
+                                  <p:childTnLst>
+                                    <p:set>
+                                      <p:cBhvr>
+                                        <p:cTn id="21" dur="1" fill="hold">
+                                          <p:stCondLst>
+                                            <p:cond delay="0"/>
+                                          </p:stCondLst>
+                                        </p:cTn>
+                                        <p:tgtEl>
+                                          <p:spTgt spid="15"/>
+                                        </p:tgtEl>
+                                        <p:attrNameLst>
+                                          <p:attrName>style.visibility</p:attrName>
+                                        </p:attrNameLst>
+                                      </p:cBhvr>
+                                      <p:to>
+                                        <p:strVal val="visible"/>
+                                      </p:to>
+                                    </p:set>
+                                    <p:animEffect transition="in" filter="dissolve">
+                                      <p:cBhvr>
+                                        <p:cTn id="22" dur="500"/>
+                                        <p:tgtEl>
+                                          <p:spTgt spid="15"/>
+                                        </p:tgtEl>
+                                      </p:cBhvr>
+                                    </p:animEffect>
+                                  </p:childTnLst>
+                                </p:cTn>
+                              </p:par>
+                            </p:childTnLst>
+                          </p:cTn>
+                        </p:par>
+                      </p:childTnLst>
+                    </p:cTn>
+                  </p:par>
+                </p:childTnLst>
+              </p:cTn>
+              <p:prevCondLst>
+                <p:cond evt="onPrev" delay="0">
+                  <p:tgtEl>
+                    <p:sldTgt/>
+                  </p:tgtEl>
+                </p:cond>
+              </p:prevCondLst>
+              <p:nextCondLst>
+                <p:cond evt="onNext" delay="0">
+                  <p:tgtEl>
+                    <p:sldTgt/>
+                  </p:tgtEl>
+                </p:cond>
+              </p:nextCondLst>
+            </p:seq>
+          </p:childTnLst>
+        </p:cTn>
+      </p:par>
+    </p:tnLst>
+    <p:bldLst>
+      <p:bldP spid="13" grpId="0"/>
+      <p:bldP spid="14" grpId="0" animBg="1"/>
+      <p:bldP spid="15" grpId="0" animBg="1"/>
+    </p:bldLst>
+  </p:timing>
+</p:sld>
+</file>
+
+<file path=ppt/slides/slide8.xml><?xml version="1.0" encoding="utf-8"?>
+<p:sld xmlns:a="http://schemas.openxmlformats.org/drawingml/2006/main" xmlns:r="http://schemas.openxmlformats.org/officeDocument/2006/relationships" xmlns:p="http://schemas.openxmlformats.org/presentationml/2006/main">
+  <p:cSld>
+    <p:spTree>
+      <p:nvGrpSpPr>
+        <p:cNvPr id="1" name=""/>
+        <p:cNvGrpSpPr/>
+        <p:nvPr/>
+      </p:nvGrpSpPr>
+      <p:grpSpPr>
+        <a:xfrm>
+          <a:off x="0" y="0"/>
+          <a:ext cx="0" cy="0"/>
+          <a:chOff x="0" y="0"/>
+          <a:chExt cx="0" cy="0"/>
+        </a:xfrm>
+      </p:grpSpPr>
+      <p:sp>
+        <p:nvSpPr>
+          <p:cNvPr id="10245" name="Rectangle 2"/>
+          <p:cNvSpPr>
+            <a:spLocks noGrp="1" noChangeArrowheads="1"/>
+          </p:cNvSpPr>
+          <p:nvPr>
+            <p:ph type="title"/>
+          </p:nvPr>
+        </p:nvSpPr>
+        <p:spPr/>
+        <p:txBody>
+          <a:bodyPr/>
+          <a:lstStyle/>
+          <a:p>
+            <a:pPr eaLnBrk="1" hangingPunct="1"/>
+            <a:r>
+              <a:rPr lang="en-US" sz="3600" smtClean="0"/>
+              <a:t>Proof using Well Ordering</a:t>
+            </a:r>
+          </a:p>
+        </p:txBody>
+      </p:sp>
+      <p:sp>
+        <p:nvSpPr>
+          <p:cNvPr id="16" name="TextBox 15"/>
+          <p:cNvSpPr txBox="1"/>
+          <p:nvPr/>
+        </p:nvSpPr>
+        <p:spPr>
+          <a:xfrm>
+            <a:off x="304800" y="4038600"/>
+            <a:ext cx="8305800" cy="1981200"/>
+          </a:xfrm>
+          <a:prstGeom prst="rect">
+            <a:avLst/>
+          </a:prstGeom>
+          <a:noFill/>
+        </p:spPr>
+        <p:txBody>
+          <a:bodyPr wrap="none" rtlCol="0">
+            <a:noAutofit/>
+          </a:bodyPr>
+          <a:lstStyle/>
+          <a:p>
+            <a:r>
+              <a:rPr lang="en-US" sz="4800" dirty="0" smtClean="0">
+                <a:latin typeface="Comic Sans MS" pitchFamily="66" charset="0"/>
+              </a:rPr>
+              <a:t>This </a:t>
+            </a:r>
+            <a:r>
+              <a:rPr lang="en-US" sz="4800" dirty="0" smtClean="0">
+                <a:solidFill>
+                  <a:srgbClr val="C00000"/>
+                </a:solidFill>
+                <a:latin typeface="Comic Sans MS" pitchFamily="66" charset="0"/>
+              </a:rPr>
+              <a:t>contradiction</a:t>
+            </a:r>
+            <a:r>
+              <a:rPr lang="en-US" sz="4800" dirty="0" smtClean="0">
+                <a:latin typeface="Comic Sans MS" pitchFamily="66" charset="0"/>
+              </a:rPr>
+              <a:t> implies</a:t>
+            </a:r>
+          </a:p>
+          <a:p>
+            <a:r>
+              <a:rPr lang="en-US" sz="4800" dirty="0" smtClean="0">
+                <a:solidFill>
+                  <a:srgbClr val="0033CC"/>
+                </a:solidFill>
+                <a:latin typeface="Comic Sans MS" pitchFamily="66" charset="0"/>
+              </a:rPr>
+              <a:t>m</a:t>
+            </a:r>
+            <a:r>
+              <a:rPr lang="en-US" sz="4800" dirty="0" smtClean="0">
+                <a:latin typeface="Comic Sans MS" pitchFamily="66" charset="0"/>
+              </a:rPr>
+              <a:t>, </a:t>
+            </a:r>
+            <a:r>
+              <a:rPr lang="en-US" sz="4800" dirty="0" smtClean="0">
+                <a:solidFill>
+                  <a:srgbClr val="0033CC"/>
+                </a:solidFill>
+                <a:latin typeface="Comic Sans MS" pitchFamily="66" charset="0"/>
+              </a:rPr>
+              <a:t>n</a:t>
+            </a:r>
+            <a:r>
+              <a:rPr lang="en-US" sz="4800" dirty="0" smtClean="0">
+                <a:latin typeface="Comic Sans MS" pitchFamily="66" charset="0"/>
+              </a:rPr>
+              <a:t> have no common factors.</a:t>
+            </a:r>
+          </a:p>
+          <a:p>
+            <a:endParaRPr lang="en-US" sz="4800" dirty="0" smtClean="0">
+              <a:latin typeface="Comic Sans MS" pitchFamily="66" charset="0"/>
+            </a:endParaRPr>
+          </a:p>
+        </p:txBody>
+      </p:sp>
+      <p:graphicFrame>
+        <p:nvGraphicFramePr>
+          <p:cNvPr id="8" name="Object 10"/>
+          <p:cNvGraphicFramePr>
+            <a:graphicFrameLocks noChangeAspect="1"/>
+          </p:cNvGraphicFramePr>
+          <p:nvPr/>
+        </p:nvGraphicFramePr>
+        <p:xfrm>
+          <a:off x="561975" y="2124075"/>
+          <a:ext cx="2686050" cy="1892300"/>
+        </p:xfrm>
+        <a:graphic>
+          <a:graphicData uri="http://schemas.openxmlformats.org/presentationml/2006/ole">
+            <mc:AlternateContent xmlns:mc="http://schemas.openxmlformats.org/markup-compatibility/2006">
+              <mc:Choice xmlns:v="urn:schemas-microsoft-com:vml" Requires="v">
+                <p:oleObj spid="_x0000_s4118" name="Equation" r:id="rId4" imgW="596880" imgH="419040" progId="Equation.DSMT4">
+                  <p:embed/>
+                </p:oleObj>
+              </mc:Choice>
+              <mc:Fallback>
+                <p:oleObj name="Equation" r:id="rId4" imgW="596880" imgH="419040" progId="Equation.DSMT4">
+                  <p:embed/>
+                  <p:pic>
+                    <p:nvPicPr>
+                      <p:cNvPr id="0" name="Object 10"/>
+                      <p:cNvPicPr>
+                        <a:picLocks noChangeAspect="1" noChangeArrowheads="1"/>
+                      </p:cNvPicPr>
+                      <p:nvPr/>
+                    </p:nvPicPr>
+                    <p:blipFill>
+                      <a:blip r:embed="rId5">
+                        <a:extLst>
+                          <a:ext uri="{28A0092B-C50C-407E-A947-70E740481C1C}">
+                            <a14:useLocalDpi xmlns:a14="http://schemas.microsoft.com/office/drawing/2010/main" val="0"/>
+                          </a:ext>
+                        </a:extLst>
+                      </a:blip>
+                      <a:srcRect/>
+                      <a:stretch>
+                        <a:fillRect/>
+                      </a:stretch>
+                    </p:blipFill>
+                    <p:spPr bwMode="auto">
+                      <a:xfrm>
+                        <a:off x="561975" y="2124075"/>
+                        <a:ext cx="2686050" cy="1892300"/>
+                      </a:xfrm>
+                      <a:prstGeom prst="rect">
+                        <a:avLst/>
+                      </a:prstGeom>
+                      <a:noFill/>
+                      <a:extLst>
+                        <a:ext uri="{909E8E84-426E-40dd-AFC4-6F175D3DCCD1}">
+                          <a14:hiddenFill xmlns:a14="http://schemas.microsoft.com/office/drawing/2010/main">
+                            <a:solidFill>
+                              <a:srgbClr val="FFFFFF"/>
+                            </a:solidFill>
+                          </a14:hiddenFill>
+                        </a:ext>
+                      </a:extLst>
+                    </p:spPr>
+                  </p:pic>
+                </p:oleObj>
+              </mc:Fallback>
+            </mc:AlternateContent>
+          </a:graphicData>
+        </a:graphic>
+      </p:graphicFrame>
+      <p:sp>
+        <p:nvSpPr>
+          <p:cNvPr id="9" name="Text Box 9"/>
+          <p:cNvSpPr txBox="1">
+            <a:spLocks noChangeArrowheads="1"/>
+          </p:cNvSpPr>
+          <p:nvPr/>
+        </p:nvSpPr>
+        <p:spPr bwMode="auto">
+          <a:xfrm>
+            <a:off x="685800" y="1531203"/>
+            <a:ext cx="5881838" cy="830997"/>
+          </a:xfrm>
+          <a:prstGeom prst="rect">
+            <a:avLst/>
+          </a:prstGeom>
+          <a:noFill/>
+          <a:ln w="9525">
+            <a:noFill/>
+            <a:miter lim="800000"/>
+            <a:headEnd/>
+            <a:tailEnd type="none" w="lg" len="lg"/>
+          </a:ln>
+        </p:spPr>
+        <p:txBody>
+          <a:bodyPr wrap="none">
+            <a:spAutoFit/>
+          </a:bodyPr>
+          <a:lstStyle/>
+          <a:p>
+            <a:r>
+              <a:rPr lang="en-US" sz="4800" dirty="0" smtClean="0">
+                <a:latin typeface="Comic Sans MS" pitchFamily="66" charset="0"/>
+              </a:rPr>
+              <a:t>F</a:t>
+            </a:r>
+            <a:r>
+              <a:rPr lang="en-US" sz="4800" dirty="0" smtClean="0">
+                <a:latin typeface="Comic Sans MS" pitchFamily="66" charset="0"/>
+                <a:sym typeface="Euclid Symbol" pitchFamily="18" charset="2"/>
+              </a:rPr>
+              <a:t>ind </a:t>
+            </a:r>
+            <a:r>
+              <a:rPr lang="en-US" sz="4800" i="1" dirty="0" smtClean="0">
+                <a:latin typeface="Comic Sans MS" pitchFamily="66" charset="0"/>
+                <a:sym typeface="Euclid Symbol" pitchFamily="18" charset="2"/>
+              </a:rPr>
+              <a:t>smallest </a:t>
+            </a:r>
+            <a:r>
+              <a:rPr lang="en-US" sz="4800" dirty="0" smtClean="0">
+                <a:latin typeface="Comic Sans MS" pitchFamily="66" charset="0"/>
+              </a:rPr>
+              <a:t> </a:t>
+            </a:r>
+            <a:r>
+              <a:rPr lang="en-US" sz="4800" dirty="0" smtClean="0">
+                <a:solidFill>
+                  <a:srgbClr val="0033CC"/>
+                </a:solidFill>
+                <a:latin typeface="Comic Sans MS" pitchFamily="66" charset="0"/>
+              </a:rPr>
+              <a:t>m</a:t>
+            </a:r>
+            <a:r>
+              <a:rPr lang="en-US" sz="4800" dirty="0" smtClean="0">
+                <a:latin typeface="Comic Sans MS" pitchFamily="66" charset="0"/>
+              </a:rPr>
+              <a:t> </a:t>
+            </a:r>
+            <a:r>
+              <a:rPr lang="en-US" sz="4800" dirty="0" err="1">
+                <a:latin typeface="Comic Sans MS" pitchFamily="66" charset="0"/>
+              </a:rPr>
+              <a:t>s.t.</a:t>
+            </a:r>
+            <a:endParaRPr lang="en-US" sz="4800" dirty="0">
+              <a:latin typeface="Comic Sans MS" pitchFamily="66" charset="0"/>
+            </a:endParaRPr>
+          </a:p>
+        </p:txBody>
+      </p:sp>
+    </p:spTree>
+  </p:cSld>
+  <p:clrMapOvr>
+    <a:masterClrMapping/>
+  </p:clrMapOvr>
+  <p:transition xmlns:p14="http://schemas.microsoft.com/office/powerpoint/2010/main" spd="med">
+    <p:fade/>
+  </p:transition>
+  <p:timing>
+    <p:tnLst>
+      <p:par>
+        <p:cTn xmlns:p14="http://schemas.microsoft.com/office/powerpoint/2010/main" id="1" dur="indefinite" restart="never" nodeType="tmRoot"/>
+      </p:par>
+    </p:tnLst>
+  </p:timing>
+</p:sld>
+</file>
+
+<file path=ppt/slides/slide9.xml><?xml version="1.0" encoding="utf-8"?>
+<p:sld xmlns:a="http://schemas.openxmlformats.org/drawingml/2006/main" xmlns:r="http://schemas.openxmlformats.org/officeDocument/2006/relationships" xmlns:p="http://schemas.openxmlformats.org/presentationml/2006/main">
+  <p:cSld>
+    <p:spTree>
+      <p:nvGrpSpPr>
+        <p:cNvPr id="1" name=""/>
+        <p:cNvGrpSpPr/>
+        <p:nvPr/>
+      </p:nvGrpSpPr>
+      <p:grpSpPr>
+        <a:xfrm>
+          <a:off x="0" y="0"/>
+          <a:ext cx="0" cy="0"/>
+          <a:chOff x="0" y="0"/>
+          <a:chExt cx="0" cy="0"/>
+        </a:xfrm>
+      </p:grpSpPr>
+      <p:sp>
+        <p:nvSpPr>
+          <p:cNvPr id="2" name="TextBox 1"/>
+          <p:cNvSpPr txBox="1"/>
+          <p:nvPr/>
+        </p:nvSpPr>
+        <p:spPr bwMode="auto">
+          <a:xfrm>
+            <a:off x="1962779" y="394494"/>
+            <a:ext cx="3807953" cy="830997"/>
+          </a:xfrm>
+          <a:prstGeom prst="rect">
+            <a:avLst/>
+          </a:prstGeom>
+          <a:noFill/>
+          <a:ln w="9525">
+            <a:noFill/>
+            <a:miter lim="800000"/>
+            <a:headEnd/>
+            <a:tailEnd type="none" w="lg" len="lg"/>
+          </a:ln>
+        </p:spPr>
+        <p:txBody>
+          <a:bodyPr wrap="none" rtlCol="0">
+            <a:spAutoFit/>
+          </a:bodyPr>
+          <a:lstStyle/>
+          <a:p>
+            <a:r>
+              <a:rPr lang="en-US" sz="4800" b="1" dirty="0" smtClean="0">
+                <a:latin typeface="Comic Sans MS" pitchFamily="66" charset="0"/>
+              </a:rPr>
+              <a:t>What is the</a:t>
+            </a:r>
+          </a:p>
+        </p:txBody>
+      </p:sp>
+      <p:sp>
+        <p:nvSpPr>
+          <p:cNvPr id="3" name="TextBox 2"/>
+          <p:cNvSpPr txBox="1"/>
+          <p:nvPr/>
+        </p:nvSpPr>
+        <p:spPr bwMode="auto">
+          <a:xfrm>
+            <a:off x="538813" y="1450692"/>
+            <a:ext cx="8072410" cy="4524315"/>
+          </a:xfrm>
+          <a:prstGeom prst="rect">
+            <a:avLst/>
+          </a:prstGeom>
+          <a:noFill/>
+          <a:ln w="9525">
+            <a:noFill/>
+            <a:miter lim="800000"/>
+            <a:headEnd/>
+            <a:tailEnd type="none" w="lg" len="lg"/>
+          </a:ln>
+        </p:spPr>
+        <p:txBody>
+          <a:bodyPr wrap="square" rtlCol="0">
+            <a:spAutoFit/>
+          </a:bodyPr>
+          <a:lstStyle/>
+          <a:p>
+            <a:pPr marL="685800" indent="-685800">
+              <a:buFont typeface="Arial"/>
+              <a:buChar char="•"/>
+            </a:pPr>
+            <a:r>
+              <a:rPr lang="en-US" sz="4800" i="1" dirty="0" smtClean="0">
+                <a:latin typeface="Comic Sans MS" pitchFamily="66" charset="0"/>
+              </a:rPr>
+              <a:t>youngest</a:t>
+            </a:r>
+            <a:r>
+              <a:rPr lang="en-US" sz="4800" dirty="0" smtClean="0">
+                <a:latin typeface="Comic Sans MS" pitchFamily="66" charset="0"/>
+              </a:rPr>
+              <a:t> age </a:t>
+            </a:r>
+            <a:r>
+              <a:rPr lang="en-US" sz="4800" dirty="0">
+                <a:latin typeface="Comic Sans MS" pitchFamily="66" charset="0"/>
+              </a:rPr>
+              <a:t>of </a:t>
+            </a:r>
+            <a:r>
+              <a:rPr lang="en-US" sz="4800" dirty="0" smtClean="0">
+                <a:latin typeface="Comic Sans MS" pitchFamily="66" charset="0"/>
+              </a:rPr>
+              <a:t>MIT graduate?</a:t>
+            </a:r>
+          </a:p>
+          <a:p>
+            <a:pPr marL="685800" indent="-685800">
+              <a:buFont typeface="Arial"/>
+              <a:buChar char="•"/>
+            </a:pPr>
+            <a:r>
+              <a:rPr lang="en-US" sz="4800" i="1" dirty="0" smtClean="0">
+                <a:latin typeface="Comic Sans MS" pitchFamily="66" charset="0"/>
+              </a:rPr>
+              <a:t>smallest</a:t>
+            </a:r>
+            <a:r>
+              <a:rPr lang="en-US" sz="4800" dirty="0" smtClean="0">
+                <a:latin typeface="Comic Sans MS" pitchFamily="66" charset="0"/>
+              </a:rPr>
+              <a:t> # neurons in any animal?</a:t>
+            </a:r>
+          </a:p>
+          <a:p>
+            <a:pPr marL="685800" indent="-685800">
+              <a:buFont typeface="Arial"/>
+              <a:buChar char="•"/>
+            </a:pPr>
+            <a:r>
+              <a:rPr lang="en-US" sz="4800" i="1" dirty="0" smtClean="0">
+                <a:latin typeface="Comic Sans MS" pitchFamily="66" charset="0"/>
+              </a:rPr>
+              <a:t>smallest</a:t>
+            </a:r>
+            <a:r>
+              <a:rPr lang="en-US" sz="4800" dirty="0" smtClean="0">
+                <a:latin typeface="Comic Sans MS" pitchFamily="66" charset="0"/>
+              </a:rPr>
+              <a:t> #coins = $1.17?</a:t>
+            </a:r>
+          </a:p>
+          <a:p>
+            <a:pPr marL="685800" indent="-685800">
+              <a:buFont typeface="Arial"/>
+              <a:buChar char="•"/>
+            </a:pPr>
+            <a:endParaRPr lang="en-US" sz="4800" dirty="0" smtClean="0">
+              <a:latin typeface="Comic Sans MS" pitchFamily="66" charset="0"/>
+            </a:endParaRPr>
+          </a:p>
+        </p:txBody>
+      </p:sp>
+    </p:spTree>
+    <p:extLst>
+      <p:ext uri="{BB962C8B-B14F-4D97-AF65-F5344CB8AC3E}">
+        <p14:creationId xmlns:p14="http://schemas.microsoft.com/office/powerpoint/2010/main" val="3475604449"/>
+      </p:ext>
+    </p:extLst>
+  </p:cSld>
+  <p:clrMapOvr>
+    <a:masterClrMapping/>
+  </p:clrMapOvr>
   <p:timing>
     <p:tnLst>
       <p:par>

--- a/fall11/slidesF11/slides2m.pptx
+++ b/fall11/slidesF11/slides2m.pptx
@@ -12151,7 +12151,7 @@
           <a:graphicData uri="http://schemas.openxmlformats.org/presentationml/2006/ole">
             <mc:AlternateContent xmlns:mc="http://schemas.openxmlformats.org/markup-compatibility/2006">
               <mc:Choice xmlns:v="urn:schemas-microsoft-com:vml" Requires="v">
-                <p:oleObj spid="_x0000_s47141" name="Equation" r:id="rId3" imgW="2273300" imgH="469900" progId="Equation.DSMT4">
+                <p:oleObj spid="_x0000_s47143" name="Equation" r:id="rId3" imgW="2273300" imgH="469900" progId="Equation.DSMT4">
                   <p:embed/>
                 </p:oleObj>
               </mc:Choice>
@@ -12371,7 +12371,7 @@
           <a:graphicData uri="http://schemas.openxmlformats.org/presentationml/2006/ole">
             <mc:AlternateContent xmlns:mc="http://schemas.openxmlformats.org/markup-compatibility/2006">
               <mc:Choice xmlns:v="urn:schemas-microsoft-com:vml" Requires="v">
-                <p:oleObj spid="_x0000_s47142" name="Equation" r:id="rId5" imgW="2501900" imgH="469900" progId="Equation.DSMT4">
+                <p:oleObj spid="_x0000_s47144" name="Equation" r:id="rId5" imgW="2501900" imgH="469900" progId="Equation.DSMT4">
                   <p:embed/>
                 </p:oleObj>
               </mc:Choice>
@@ -13280,7 +13280,7 @@
           <a:graphicData uri="http://schemas.openxmlformats.org/presentationml/2006/ole">
             <mc:AlternateContent xmlns:mc="http://schemas.openxmlformats.org/markup-compatibility/2006">
               <mc:Choice xmlns:v="urn:schemas-microsoft-com:vml" Requires="v">
-                <p:oleObj spid="_x0000_s50184" name="Equation" r:id="rId3" imgW="2273300" imgH="469900" progId="Equation.DSMT4">
+                <p:oleObj spid="_x0000_s50186" name="Equation" r:id="rId3" imgW="2273300" imgH="469900" progId="Equation.DSMT4">
                   <p:embed/>
                 </p:oleObj>
               </mc:Choice>
@@ -13500,7 +13500,7 @@
           <a:graphicData uri="http://schemas.openxmlformats.org/presentationml/2006/ole">
             <mc:AlternateContent xmlns:mc="http://schemas.openxmlformats.org/markup-compatibility/2006">
               <mc:Choice xmlns:v="urn:schemas-microsoft-com:vml" Requires="v">
-                <p:oleObj spid="_x0000_s50185" name="Equation" r:id="rId5" imgW="2400300" imgH="469900" progId="Equation.DSMT4">
+                <p:oleObj spid="_x0000_s50187" name="Equation" r:id="rId5" imgW="2400300" imgH="469900" progId="Equation.DSMT4">
                   <p:embed/>
                 </p:oleObj>
               </mc:Choice>
@@ -13909,7 +13909,7 @@
           <a:graphicData uri="http://schemas.openxmlformats.org/presentationml/2006/ole">
             <mc:AlternateContent xmlns:mc="http://schemas.openxmlformats.org/markup-compatibility/2006">
               <mc:Choice xmlns:v="urn:schemas-microsoft-com:vml" Requires="v">
-                <p:oleObj spid="_x0000_s48201" name="Equation" r:id="rId3" imgW="2235200" imgH="469900" progId="Equation.DSMT4">
+                <p:oleObj spid="_x0000_s48206" name="Equation" r:id="rId3" imgW="2235200" imgH="469900" progId="Equation.DSMT4">
                   <p:embed/>
                 </p:oleObj>
               </mc:Choice>
@@ -14040,7 +14040,7 @@
           <a:graphicData uri="http://schemas.openxmlformats.org/presentationml/2006/ole">
             <mc:AlternateContent xmlns:mc="http://schemas.openxmlformats.org/markup-compatibility/2006">
               <mc:Choice xmlns:v="urn:schemas-microsoft-com:vml" Requires="v">
-                <p:oleObj spid="_x0000_s48202" name="Equation" r:id="rId5" imgW="2451100" imgH="228600" progId="Equation.DSMT4">
+                <p:oleObj spid="_x0000_s48207" name="Equation" r:id="rId5" imgW="2451100" imgH="228600" progId="Equation.DSMT4">
                   <p:embed/>
                 </p:oleObj>
               </mc:Choice>
@@ -14104,7 +14104,7 @@
           <a:graphicData uri="http://schemas.openxmlformats.org/presentationml/2006/ole">
             <mc:AlternateContent xmlns:mc="http://schemas.openxmlformats.org/markup-compatibility/2006">
               <mc:Choice xmlns:v="urn:schemas-microsoft-com:vml" Requires="v">
-                <p:oleObj spid="_x0000_s48203" name="Equation" r:id="rId7" imgW="1270000" imgH="469900" progId="Equation.DSMT4">
+                <p:oleObj spid="_x0000_s48208" name="Equation" r:id="rId7" imgW="1270000" imgH="469900" progId="Equation.DSMT4">
                   <p:embed/>
                 </p:oleObj>
               </mc:Choice>
@@ -14174,7 +14174,7 @@
           <a:graphicData uri="http://schemas.openxmlformats.org/presentationml/2006/ole">
             <mc:AlternateContent xmlns:mc="http://schemas.openxmlformats.org/markup-compatibility/2006">
               <mc:Choice xmlns:v="urn:schemas-microsoft-com:vml" Requires="v">
-                <p:oleObj spid="_x0000_s48204" name="Equation" r:id="rId9" imgW="711200" imgH="469900" progId="Equation.DSMT4">
+                <p:oleObj spid="_x0000_s48209" name="Equation" r:id="rId9" imgW="711200" imgH="469900" progId="Equation.DSMT4">
                   <p:embed/>
                 </p:oleObj>
               </mc:Choice>
@@ -14365,7 +14365,7 @@
           <a:graphicData uri="http://schemas.openxmlformats.org/presentationml/2006/ole">
             <mc:AlternateContent xmlns:mc="http://schemas.openxmlformats.org/markup-compatibility/2006">
               <mc:Choice xmlns:v="urn:schemas-microsoft-com:vml" Requires="v">
-                <p:oleObj spid="_x0000_s48205" name="Equation" r:id="rId11" imgW="660400" imgH="469900" progId="Equation.DSMT4">
+                <p:oleObj spid="_x0000_s48210" name="Equation" r:id="rId11" imgW="660400" imgH="469900" progId="Equation.DSMT4">
                   <p:embed/>
                 </p:oleObj>
               </mc:Choice>
@@ -14992,7 +14992,7 @@
           <a:graphicData uri="http://schemas.openxmlformats.org/presentationml/2006/ole">
             <mc:AlternateContent xmlns:mc="http://schemas.openxmlformats.org/markup-compatibility/2006">
               <mc:Choice xmlns:v="urn:schemas-microsoft-com:vml" Requires="v">
-                <p:oleObj spid="_x0000_s36932" name="Equation" r:id="rId4" imgW="838200" imgH="215900" progId="Equation.DSMT4">
+                <p:oleObj spid="_x0000_s36937" name="Equation" r:id="rId4" imgW="838200" imgH="215900" progId="Equation.DSMT4">
                   <p:embed/>
                 </p:oleObj>
               </mc:Choice>
@@ -15062,7 +15062,7 @@
           <a:graphicData uri="http://schemas.openxmlformats.org/presentationml/2006/ole">
             <mc:AlternateContent xmlns:mc="http://schemas.openxmlformats.org/markup-compatibility/2006">
               <mc:Choice xmlns:v="urn:schemas-microsoft-com:vml" Requires="v">
-                <p:oleObj spid="_x0000_s36933" name="Equation" r:id="rId6" imgW="114300" imgH="165100" progId="Equation.DSMT4">
+                <p:oleObj spid="_x0000_s36938" name="Equation" r:id="rId6" imgW="114300" imgH="165100" progId="Equation.DSMT4">
                   <p:embed/>
                 </p:oleObj>
               </mc:Choice>
@@ -15132,7 +15132,7 @@
           <a:graphicData uri="http://schemas.openxmlformats.org/presentationml/2006/ole">
             <mc:AlternateContent xmlns:mc="http://schemas.openxmlformats.org/markup-compatibility/2006">
               <mc:Choice xmlns:v="urn:schemas-microsoft-com:vml" Requires="v">
-                <p:oleObj spid="_x0000_s36934" name="Equation" r:id="rId8" imgW="1663700" imgH="342900" progId="Equation.DSMT4">
+                <p:oleObj spid="_x0000_s36939" name="Equation" r:id="rId8" imgW="1663700" imgH="342900" progId="Equation.DSMT4">
                   <p:embed/>
                 </p:oleObj>
               </mc:Choice>
@@ -15202,7 +15202,7 @@
           <a:graphicData uri="http://schemas.openxmlformats.org/presentationml/2006/ole">
             <mc:AlternateContent xmlns:mc="http://schemas.openxmlformats.org/markup-compatibility/2006">
               <mc:Choice xmlns:v="urn:schemas-microsoft-com:vml" Requires="v">
-                <p:oleObj spid="_x0000_s36935" name="Equation" r:id="rId10" imgW="419100" imgH="190500" progId="Equation.DSMT4">
+                <p:oleObj spid="_x0000_s36940" name="Equation" r:id="rId10" imgW="419100" imgH="190500" progId="Equation.DSMT4">
                   <p:embed/>
                 </p:oleObj>
               </mc:Choice>
@@ -15272,7 +15272,7 @@
           <a:graphicData uri="http://schemas.openxmlformats.org/presentationml/2006/ole">
             <mc:AlternateContent xmlns:mc="http://schemas.openxmlformats.org/markup-compatibility/2006">
               <mc:Choice xmlns:v="urn:schemas-microsoft-com:vml" Requires="v">
-                <p:oleObj spid="_x0000_s36936" name="Equation" r:id="rId12" imgW="368300" imgH="190500" progId="Equation.DSMT4">
+                <p:oleObj spid="_x0000_s36941" name="Equation" r:id="rId12" imgW="368300" imgH="190500" progId="Equation.DSMT4">
                   <p:embed/>
                 </p:oleObj>
               </mc:Choice>
@@ -17168,7 +17168,7 @@
             <a:graphicData uri="http://schemas.openxmlformats.org/presentationml/2006/ole">
               <mc:AlternateContent xmlns:mc="http://schemas.openxmlformats.org/markup-compatibility/2006">
                 <mc:Choice xmlns:v="urn:schemas-microsoft-com:vml" Requires="v">
-                  <p:oleObj spid="_x0000_s1057" name="Equation" r:id="rId4" imgW="558720" imgH="419040" progId="Equation.DSMT4">
+                  <p:oleObj spid="_x0000_s1059" name="Equation" r:id="rId4" imgW="558720" imgH="419040" progId="Equation.DSMT4">
                     <p:embed/>
                   </p:oleObj>
                 </mc:Choice>
@@ -17239,7 +17239,7 @@
           <a:graphicData uri="http://schemas.openxmlformats.org/presentationml/2006/ole">
             <mc:AlternateContent xmlns:mc="http://schemas.openxmlformats.org/markup-compatibility/2006">
               <mc:Choice xmlns:v="urn:schemas-microsoft-com:vml" Requires="v">
-                <p:oleObj spid="_x0000_s1058" name="Equation" r:id="rId6" imgW="241200" imgH="215640" progId="Equation.DSMT4">
+                <p:oleObj spid="_x0000_s1060" name="Equation" r:id="rId6" imgW="241200" imgH="215640" progId="Equation.DSMT4">
                   <p:embed/>
                 </p:oleObj>
               </mc:Choice>
@@ -17719,7 +17719,7 @@
         <p:spPr bwMode="auto">
           <a:xfrm>
             <a:off x="685800" y="1531203"/>
-            <a:ext cx="5881838" cy="830997"/>
+            <a:ext cx="8000507" cy="830997"/>
           </a:xfrm>
           <a:prstGeom prst="rect">
             <a:avLst/>
@@ -17756,7 +17756,21 @@
                 <a:latin typeface="Comic Sans MS" pitchFamily="66" charset="0"/>
                 <a:sym typeface="Euclid Symbol" pitchFamily="18" charset="2"/>
               </a:rPr>
-              <a:t>smallest </a:t>
+              <a:t>smallest</a:t>
+            </a:r>
+            <a:r>
+              <a:rPr lang="en-US" sz="4800" dirty="0" smtClean="0">
+                <a:latin typeface="Comic Sans MS" pitchFamily="66" charset="0"/>
+                <a:sym typeface="Euclid Symbol" pitchFamily="18" charset="2"/>
+              </a:rPr>
+              <a:t> </a:t>
+            </a:r>
+            <a:r>
+              <a:rPr lang="en-US" sz="4800" dirty="0" smtClean="0">
+                <a:latin typeface="Comic Sans MS" pitchFamily="66" charset="0"/>
+                <a:sym typeface="Euclid Symbol" pitchFamily="18" charset="2"/>
+              </a:rPr>
+              <a:t>number</a:t>
             </a:r>
             <a:r>
               <a:rPr lang="en-US" sz="4800" dirty="0" smtClean="0">
@@ -17807,7 +17821,7 @@
           <a:graphicData uri="http://schemas.openxmlformats.org/presentationml/2006/ole">
             <mc:AlternateContent xmlns:mc="http://schemas.openxmlformats.org/markup-compatibility/2006">
               <mc:Choice xmlns:v="urn:schemas-microsoft-com:vml" Requires="v">
-                <p:oleObj spid="_x0000_s2083" name="Equation" r:id="rId4" imgW="596880" imgH="419040" progId="Equation.DSMT4">
+                <p:oleObj spid="_x0000_s2085" name="Equation" r:id="rId4" imgW="596880" imgH="419040" progId="Equation.DSMT4">
                   <p:embed/>
                 </p:oleObj>
               </mc:Choice>
@@ -18005,7 +18019,7 @@
           <a:graphicData uri="http://schemas.openxmlformats.org/presentationml/2006/ole">
             <mc:AlternateContent xmlns:mc="http://schemas.openxmlformats.org/markup-compatibility/2006">
               <mc:Choice xmlns:v="urn:schemas-microsoft-com:vml" Requires="v">
-                <p:oleObj spid="_x0000_s2084" name="Equation" r:id="rId6" imgW="863280" imgH="558720" progId="Equation.DSMT4">
+                <p:oleObj spid="_x0000_s2086" name="Equation" r:id="rId6" imgW="863280" imgH="558720" progId="Equation.DSMT4">
                   <p:embed/>
                 </p:oleObj>
               </mc:Choice>
@@ -18152,7 +18166,7 @@
         </p:nvSpPr>
         <p:spPr>
           <a:xfrm>
-            <a:off x="3733800" y="1143000"/>
+            <a:off x="1736437" y="1085273"/>
             <a:ext cx="3733800" cy="1676400"/>
           </a:xfrm>
           <a:prstGeom prst="ellipse">
@@ -18644,7 +18658,7 @@
           <a:graphicData uri="http://schemas.openxmlformats.org/presentationml/2006/ole">
             <mc:AlternateContent xmlns:mc="http://schemas.openxmlformats.org/markup-compatibility/2006">
               <mc:Choice xmlns:v="urn:schemas-microsoft-com:vml" Requires="v">
-                <p:oleObj spid="_x0000_s4118" name="Equation" r:id="rId4" imgW="596880" imgH="419040" progId="Equation.DSMT4">
+                <p:oleObj spid="_x0000_s4119" name="Equation" r:id="rId4" imgW="596880" imgH="419040" progId="Equation.DSMT4">
                   <p:embed/>
                 </p:oleObj>
               </mc:Choice>
@@ -18700,7 +18714,7 @@
       </p:graphicFrame>
       <p:sp>
         <p:nvSpPr>
-          <p:cNvPr id="9" name="Text Box 9"/>
+          <p:cNvPr id="6" name="Text Box 9"/>
           <p:cNvSpPr txBox="1">
             <a:spLocks noChangeArrowheads="1"/>
           </p:cNvSpPr>
@@ -18709,7 +18723,7 @@
         <p:spPr bwMode="auto">
           <a:xfrm>
             <a:off x="685800" y="1531203"/>
-            <a:ext cx="5881838" cy="830997"/>
+            <a:ext cx="8000507" cy="830997"/>
           </a:xfrm>
           <a:prstGeom prst="rect">
             <a:avLst/>
@@ -18746,7 +18760,21 @@
                 <a:latin typeface="Comic Sans MS" pitchFamily="66" charset="0"/>
                 <a:sym typeface="Euclid Symbol" pitchFamily="18" charset="2"/>
               </a:rPr>
-              <a:t>smallest </a:t>
+              <a:t>smallest</a:t>
+            </a:r>
+            <a:r>
+              <a:rPr lang="en-US" sz="4800" dirty="0" smtClean="0">
+                <a:latin typeface="Comic Sans MS" pitchFamily="66" charset="0"/>
+                <a:sym typeface="Euclid Symbol" pitchFamily="18" charset="2"/>
+              </a:rPr>
+              <a:t> </a:t>
+            </a:r>
+            <a:r>
+              <a:rPr lang="en-US" sz="4800" dirty="0" smtClean="0">
+                <a:latin typeface="Comic Sans MS" pitchFamily="66" charset="0"/>
+                <a:sym typeface="Euclid Symbol" pitchFamily="18" charset="2"/>
+              </a:rPr>
+              <a:t>number</a:t>
             </a:r>
             <a:r>
               <a:rPr lang="en-US" sz="4800" dirty="0" smtClean="0">

--- a/fall11/slidesF11/slides2m.pptx
+++ b/fall11/slidesF11/slides2m.pptx
@@ -8342,9 +8342,18 @@
   <p:clrMapOvr>
     <a:masterClrMapping/>
   </p:clrMapOvr>
-  <p:transition xmlns:p14="http://schemas.microsoft.com/office/powerpoint/2010/main" spd="slow">
-    <p:fade thruBlk="1"/>
-  </p:transition>
+  <mc:AlternateContent xmlns:mc="http://schemas.openxmlformats.org/markup-compatibility/2006">
+    <mc:Choice xmlns:p14="http://schemas.microsoft.com/office/powerpoint/2010/main" Requires="p14">
+      <p:transition spd="med" p14:dur="700">
+        <p:fade/>
+      </p:transition>
+    </mc:Choice>
+    <mc:Fallback>
+      <p:transition xmlns:p14="http://schemas.microsoft.com/office/powerpoint/2010/main" spd="med">
+        <p:fade/>
+      </p:transition>
+    </mc:Fallback>
+  </mc:AlternateContent>
   <p:timing>
     <p:tnLst>
       <p:par>
@@ -8366,7 +8375,7 @@
                             </p:stCondLst>
                             <p:childTnLst>
                               <p:par>
-                                <p:cTn id="5" presetID="22" presetClass="entr" presetSubtype="8" fill="hold" nodeType="clickEffect">
+                                <p:cTn id="5" presetID="9" presetClass="entr" presetSubtype="0" fill="hold" nodeType="clickEffect">
                                   <p:stCondLst>
                                     <p:cond delay="0"/>
                                   </p:stCondLst>
@@ -8379,7 +8388,11 @@
                                           </p:stCondLst>
                                         </p:cTn>
                                         <p:tgtEl>
-                                          <p:spTgt spid="11"/>
+                                          <p:spTgt spid="345099">
+                                            <p:txEl>
+                                              <p:pRg st="0" end="0"/>
+                                            </p:txEl>
+                                          </p:spTgt>
                                         </p:tgtEl>
                                         <p:attrNameLst>
                                           <p:attrName>style.visibility</p:attrName>
@@ -8389,11 +8402,15 @@
                                         <p:strVal val="visible"/>
                                       </p:to>
                                     </p:set>
-                                    <p:animEffect transition="in" filter="wipe(left)">
+                                    <p:animEffect transition="in" filter="dissolve">
                                       <p:cBhvr>
-                                        <p:cTn id="7" dur="1000"/>
+                                        <p:cTn id="7" dur="500"/>
                                         <p:tgtEl>
-                                          <p:spTgt spid="11"/>
+                                          <p:spTgt spid="345099">
+                                            <p:txEl>
+                                              <p:pRg st="0" end="0"/>
+                                            </p:txEl>
+                                          </p:spTgt>
                                         </p:tgtEl>
                                       </p:cBhvr>
                                     </p:animEffect>
@@ -8419,7 +8436,7 @@
                             </p:stCondLst>
                             <p:childTnLst>
                               <p:par>
-                                <p:cTn id="10" presetID="10" presetClass="entr" presetSubtype="0" fill="hold" grpId="0" nodeType="clickEffect">
+                                <p:cTn id="10" presetID="9" presetClass="entr" presetSubtype="0" fill="hold" nodeType="clickEffect">
                                   <p:stCondLst>
                                     <p:cond delay="0"/>
                                   </p:stCondLst>
@@ -8427,120 +8444,6 @@
                                     <p:set>
                                       <p:cBhvr>
                                         <p:cTn id="11" dur="1" fill="hold">
-                                          <p:stCondLst>
-                                            <p:cond delay="0"/>
-                                          </p:stCondLst>
-                                        </p:cTn>
-                                        <p:tgtEl>
-                                          <p:spTgt spid="22534"/>
-                                        </p:tgtEl>
-                                        <p:attrNameLst>
-                                          <p:attrName>style.visibility</p:attrName>
-                                        </p:attrNameLst>
-                                      </p:cBhvr>
-                                      <p:to>
-                                        <p:strVal val="visible"/>
-                                      </p:to>
-                                    </p:set>
-                                    <p:animEffect transition="in" filter="fade">
-                                      <p:cBhvr>
-                                        <p:cTn id="12" dur="500"/>
-                                        <p:tgtEl>
-                                          <p:spTgt spid="22534"/>
-                                        </p:tgtEl>
-                                      </p:cBhvr>
-                                    </p:animEffect>
-                                  </p:childTnLst>
-                                </p:cTn>
-                              </p:par>
-                            </p:childTnLst>
-                          </p:cTn>
-                        </p:par>
-                      </p:childTnLst>
-                    </p:cTn>
-                  </p:par>
-                  <p:par>
-                    <p:cTn id="13" fill="hold">
-                      <p:stCondLst>
-                        <p:cond delay="indefinite"/>
-                      </p:stCondLst>
-                      <p:childTnLst>
-                        <p:par>
-                          <p:cTn id="14" fill="hold">
-                            <p:stCondLst>
-                              <p:cond delay="0"/>
-                            </p:stCondLst>
-                            <p:childTnLst>
-                              <p:par>
-                                <p:cTn id="15" presetID="9" presetClass="entr" presetSubtype="0" fill="hold" nodeType="clickEffect">
-                                  <p:stCondLst>
-                                    <p:cond delay="0"/>
-                                  </p:stCondLst>
-                                  <p:childTnLst>
-                                    <p:set>
-                                      <p:cBhvr>
-                                        <p:cTn id="16" dur="1" fill="hold">
-                                          <p:stCondLst>
-                                            <p:cond delay="0"/>
-                                          </p:stCondLst>
-                                        </p:cTn>
-                                        <p:tgtEl>
-                                          <p:spTgt spid="345099">
-                                            <p:txEl>
-                                              <p:pRg st="0" end="0"/>
-                                            </p:txEl>
-                                          </p:spTgt>
-                                        </p:tgtEl>
-                                        <p:attrNameLst>
-                                          <p:attrName>style.visibility</p:attrName>
-                                        </p:attrNameLst>
-                                      </p:cBhvr>
-                                      <p:to>
-                                        <p:strVal val="visible"/>
-                                      </p:to>
-                                    </p:set>
-                                    <p:animEffect transition="in" filter="dissolve">
-                                      <p:cBhvr>
-                                        <p:cTn id="17" dur="500"/>
-                                        <p:tgtEl>
-                                          <p:spTgt spid="345099">
-                                            <p:txEl>
-                                              <p:pRg st="0" end="0"/>
-                                            </p:txEl>
-                                          </p:spTgt>
-                                        </p:tgtEl>
-                                      </p:cBhvr>
-                                    </p:animEffect>
-                                  </p:childTnLst>
-                                </p:cTn>
-                              </p:par>
-                            </p:childTnLst>
-                          </p:cTn>
-                        </p:par>
-                      </p:childTnLst>
-                    </p:cTn>
-                  </p:par>
-                  <p:par>
-                    <p:cTn id="18" fill="hold">
-                      <p:stCondLst>
-                        <p:cond delay="indefinite"/>
-                      </p:stCondLst>
-                      <p:childTnLst>
-                        <p:par>
-                          <p:cTn id="19" fill="hold">
-                            <p:stCondLst>
-                              <p:cond delay="0"/>
-                            </p:stCondLst>
-                            <p:childTnLst>
-                              <p:par>
-                                <p:cTn id="20" presetID="9" presetClass="entr" presetSubtype="0" fill="hold" nodeType="clickEffect">
-                                  <p:stCondLst>
-                                    <p:cond delay="0"/>
-                                  </p:stCondLst>
-                                  <p:childTnLst>
-                                    <p:set>
-                                      <p:cBhvr>
-                                        <p:cTn id="21" dur="1" fill="hold">
                                           <p:stCondLst>
                                             <p:cond delay="0"/>
                                           </p:stCondLst>
@@ -8562,7 +8465,7 @@
                                     </p:set>
                                     <p:animEffect transition="in" filter="dissolve">
                                       <p:cBhvr>
-                                        <p:cTn id="22" dur="500"/>
+                                        <p:cTn id="12" dur="500"/>
                                         <p:tgtEl>
                                           <p:spTgt spid="345099">
                                             <p:txEl>
@@ -8602,9 +8505,6 @@
         </p:cTn>
       </p:par>
     </p:tnLst>
-    <p:bldLst>
-      <p:bldP spid="22534" grpId="0"/>
-    </p:bldLst>
   </p:timing>
 </p:sld>
 </file>
@@ -11725,7 +11625,7 @@
                             </p:stCondLst>
                             <p:childTnLst>
                               <p:par>
-                                <p:cTn id="5" presetID="1" presetClass="entr" presetSubtype="0" fill="hold" grpId="0" nodeType="clickEffect">
+                                <p:cTn id="5" presetID="9" presetClass="entr" presetSubtype="0" fill="hold" nodeType="clickEffect">
                                   <p:stCondLst>
                                     <p:cond delay="0"/>
                                   </p:stCondLst>
@@ -11733,51 +11633,6 @@
                                     <p:set>
                                       <p:cBhvr>
                                         <p:cTn id="6" dur="1" fill="hold">
-                                          <p:stCondLst>
-                                            <p:cond delay="0"/>
-                                          </p:stCondLst>
-                                        </p:cTn>
-                                        <p:tgtEl>
-                                          <p:spTgt spid="36"/>
-                                        </p:tgtEl>
-                                        <p:attrNameLst>
-                                          <p:attrName>style.visibility</p:attrName>
-                                        </p:attrNameLst>
-                                      </p:cBhvr>
-                                      <p:to>
-                                        <p:strVal val="visible"/>
-                                      </p:to>
-                                    </p:set>
-                                  </p:childTnLst>
-                                </p:cTn>
-                              </p:par>
-                            </p:childTnLst>
-                          </p:cTn>
-                        </p:par>
-                      </p:childTnLst>
-                    </p:cTn>
-                  </p:par>
-                  <p:par>
-                    <p:cTn id="7" fill="hold">
-                      <p:stCondLst>
-                        <p:cond delay="indefinite"/>
-                      </p:stCondLst>
-                      <p:childTnLst>
-                        <p:par>
-                          <p:cTn id="8" fill="hold">
-                            <p:stCondLst>
-                              <p:cond delay="0"/>
-                            </p:stCondLst>
-                            <p:childTnLst>
-                              <p:par>
-                                <p:cTn id="9" presetID="9" presetClass="entr" presetSubtype="0" fill="hold" nodeType="clickEffect">
-                                  <p:stCondLst>
-                                    <p:cond delay="0"/>
-                                  </p:stCondLst>
-                                  <p:childTnLst>
-                                    <p:set>
-                                      <p:cBhvr>
-                                        <p:cTn id="10" dur="1" fill="hold">
                                           <p:stCondLst>
                                             <p:cond delay="0"/>
                                           </p:stCondLst>
@@ -11795,12 +11650,57 @@
                                     </p:set>
                                     <p:animEffect transition="in" filter="dissolve">
                                       <p:cBhvr>
-                                        <p:cTn id="11" dur="500"/>
+                                        <p:cTn id="7" dur="500"/>
                                         <p:tgtEl>
                                           <p:spTgt spid="38"/>
                                         </p:tgtEl>
                                       </p:cBhvr>
                                     </p:animEffect>
+                                  </p:childTnLst>
+                                </p:cTn>
+                              </p:par>
+                            </p:childTnLst>
+                          </p:cTn>
+                        </p:par>
+                      </p:childTnLst>
+                    </p:cTn>
+                  </p:par>
+                  <p:par>
+                    <p:cTn id="8" fill="hold">
+                      <p:stCondLst>
+                        <p:cond delay="indefinite"/>
+                      </p:stCondLst>
+                      <p:childTnLst>
+                        <p:par>
+                          <p:cTn id="9" fill="hold">
+                            <p:stCondLst>
+                              <p:cond delay="0"/>
+                            </p:stCondLst>
+                            <p:childTnLst>
+                              <p:par>
+                                <p:cTn id="10" presetID="1" presetClass="entr" presetSubtype="0" fill="hold" grpId="0" nodeType="clickEffect">
+                                  <p:stCondLst>
+                                    <p:cond delay="0"/>
+                                  </p:stCondLst>
+                                  <p:childTnLst>
+                                    <p:set>
+                                      <p:cBhvr>
+                                        <p:cTn id="11" dur="1" fill="hold">
+                                          <p:stCondLst>
+                                            <p:cond delay="0"/>
+                                          </p:stCondLst>
+                                        </p:cTn>
+                                        <p:tgtEl>
+                                          <p:spTgt spid="36"/>
+                                        </p:tgtEl>
+                                        <p:attrNameLst>
+                                          <p:attrName>style.visibility</p:attrName>
+                                        </p:attrNameLst>
+                                      </p:cBhvr>
+                                      <p:to>
+                                        <p:strVal val="visible"/>
+                                      </p:to>
+                                    </p:set>
                                   </p:childTnLst>
                                 </p:cTn>
                               </p:par>
@@ -12151,7 +12051,7 @@
           <a:graphicData uri="http://schemas.openxmlformats.org/presentationml/2006/ole">
             <mc:AlternateContent xmlns:mc="http://schemas.openxmlformats.org/markup-compatibility/2006">
               <mc:Choice xmlns:v="urn:schemas-microsoft-com:vml" Requires="v">
-                <p:oleObj spid="_x0000_s47143" name="Equation" r:id="rId3" imgW="2273300" imgH="469900" progId="Equation.DSMT4">
+                <p:oleObj spid="_x0000_s47150" name="Equation" r:id="rId3" imgW="2273300" imgH="469900" progId="Equation.DSMT4">
                   <p:embed/>
                 </p:oleObj>
               </mc:Choice>
@@ -12371,7 +12271,7 @@
           <a:graphicData uri="http://schemas.openxmlformats.org/presentationml/2006/ole">
             <mc:AlternateContent xmlns:mc="http://schemas.openxmlformats.org/markup-compatibility/2006">
               <mc:Choice xmlns:v="urn:schemas-microsoft-com:vml" Requires="v">
-                <p:oleObj spid="_x0000_s47144" name="Equation" r:id="rId5" imgW="2501900" imgH="469900" progId="Equation.DSMT4">
+                <p:oleObj spid="_x0000_s47151" name="Equation" r:id="rId5" imgW="2501900" imgH="469900" progId="Equation.DSMT4">
                   <p:embed/>
                 </p:oleObj>
               </mc:Choice>
@@ -13280,7 +13180,7 @@
           <a:graphicData uri="http://schemas.openxmlformats.org/presentationml/2006/ole">
             <mc:AlternateContent xmlns:mc="http://schemas.openxmlformats.org/markup-compatibility/2006">
               <mc:Choice xmlns:v="urn:schemas-microsoft-com:vml" Requires="v">
-                <p:oleObj spid="_x0000_s50186" name="Equation" r:id="rId3" imgW="2273300" imgH="469900" progId="Equation.DSMT4">
+                <p:oleObj spid="_x0000_s50195" name="Equation" r:id="rId3" imgW="2273300" imgH="469900" progId="Equation.DSMT4">
                   <p:embed/>
                 </p:oleObj>
               </mc:Choice>
@@ -13500,7 +13400,7 @@
           <a:graphicData uri="http://schemas.openxmlformats.org/presentationml/2006/ole">
             <mc:AlternateContent xmlns:mc="http://schemas.openxmlformats.org/markup-compatibility/2006">
               <mc:Choice xmlns:v="urn:schemas-microsoft-com:vml" Requires="v">
-                <p:oleObj spid="_x0000_s50187" name="Equation" r:id="rId5" imgW="2400300" imgH="469900" progId="Equation.DSMT4">
+                <p:oleObj spid="_x0000_s50196" name="Equation" r:id="rId5" imgW="2400300" imgH="469900" progId="Equation.DSMT4">
                   <p:embed/>
                 </p:oleObj>
               </mc:Choice>
@@ -13659,185 +13559,24 @@
   <p:clrMapOvr>
     <a:masterClrMapping/>
   </p:clrMapOvr>
-  <p:transition xmlns:p14="http://schemas.microsoft.com/office/powerpoint/2010/main" spd="slow">
-    <p:fade thruBlk="1"/>
-  </p:transition>
+  <mc:AlternateContent xmlns:mc="http://schemas.openxmlformats.org/markup-compatibility/2006" xmlns:p14="http://schemas.microsoft.com/office/powerpoint/2010/main">
+    <mc:Choice Requires="p14">
+      <p:transition spd="med" p14:dur="700">
+        <p:fade/>
+      </p:transition>
+    </mc:Choice>
+    <mc:Fallback xmlns="">
+      <p:transition xmlns:p14="http://schemas.microsoft.com/office/powerpoint/2010/main" spd="med">
+        <p:fade/>
+      </p:transition>
+    </mc:Fallback>
+  </mc:AlternateContent>
   <p:timing>
     <p:tnLst>
       <p:par>
-        <p:cTn xmlns:p14="http://schemas.microsoft.com/office/powerpoint/2010/main" id="1" dur="indefinite" restart="never" nodeType="tmRoot">
-          <p:childTnLst>
-            <p:seq concurrent="1" nextAc="seek">
-              <p:cTn id="2" dur="indefinite" nodeType="mainSeq">
-                <p:childTnLst>
-                  <p:par>
-                    <p:cTn id="3" fill="hold">
-                      <p:stCondLst>
-                        <p:cond delay="indefinite"/>
-                      </p:stCondLst>
-                      <p:childTnLst>
-                        <p:par>
-                          <p:cTn id="4" fill="hold">
-                            <p:stCondLst>
-                              <p:cond delay="0"/>
-                            </p:stCondLst>
-                            <p:childTnLst>
-                              <p:par>
-                                <p:cTn id="5" presetID="1" presetClass="entr" presetSubtype="0" fill="hold" grpId="0" nodeType="clickEffect">
-                                  <p:stCondLst>
-                                    <p:cond delay="0"/>
-                                  </p:stCondLst>
-                                  <p:childTnLst>
-                                    <p:set>
-                                      <p:cBhvr>
-                                        <p:cTn id="6" dur="1" fill="hold">
-                                          <p:stCondLst>
-                                            <p:cond delay="0"/>
-                                          </p:stCondLst>
-                                        </p:cTn>
-                                        <p:tgtEl>
-                                          <p:spTgt spid="6"/>
-                                        </p:tgtEl>
-                                        <p:attrNameLst>
-                                          <p:attrName>style.visibility</p:attrName>
-                                        </p:attrNameLst>
-                                      </p:cBhvr>
-                                      <p:to>
-                                        <p:strVal val="visible"/>
-                                      </p:to>
-                                    </p:set>
-                                  </p:childTnLst>
-                                </p:cTn>
-                              </p:par>
-                            </p:childTnLst>
-                          </p:cTn>
-                        </p:par>
-                      </p:childTnLst>
-                    </p:cTn>
-                  </p:par>
-                  <p:par>
-                    <p:cTn id="7" fill="hold">
-                      <p:stCondLst>
-                        <p:cond delay="indefinite"/>
-                      </p:stCondLst>
-                      <p:childTnLst>
-                        <p:par>
-                          <p:cTn id="8" fill="hold">
-                            <p:stCondLst>
-                              <p:cond delay="0"/>
-                            </p:stCondLst>
-                            <p:childTnLst>
-                              <p:par>
-                                <p:cTn id="9" presetID="1" presetClass="entr" presetSubtype="0" fill="hold" grpId="0" nodeType="clickEffect">
-                                  <p:stCondLst>
-                                    <p:cond delay="0"/>
-                                  </p:stCondLst>
-                                  <p:childTnLst>
-                                    <p:set>
-                                      <p:cBhvr>
-                                        <p:cTn id="10" dur="1" fill="hold">
-                                          <p:stCondLst>
-                                            <p:cond delay="0"/>
-                                          </p:stCondLst>
-                                        </p:cTn>
-                                        <p:tgtEl>
-                                          <p:spTgt spid="7"/>
-                                        </p:tgtEl>
-                                        <p:attrNameLst>
-                                          <p:attrName>style.visibility</p:attrName>
-                                        </p:attrNameLst>
-                                      </p:cBhvr>
-                                      <p:to>
-                                        <p:strVal val="visible"/>
-                                      </p:to>
-                                    </p:set>
-                                  </p:childTnLst>
-                                </p:cTn>
-                              </p:par>
-                            </p:childTnLst>
-                          </p:cTn>
-                        </p:par>
-                      </p:childTnLst>
-                    </p:cTn>
-                  </p:par>
-                  <p:par>
-                    <p:cTn id="11" fill="hold">
-                      <p:stCondLst>
-                        <p:cond delay="indefinite"/>
-                      </p:stCondLst>
-                      <p:childTnLst>
-                        <p:par>
-                          <p:cTn id="12" fill="hold">
-                            <p:stCondLst>
-                              <p:cond delay="0"/>
-                            </p:stCondLst>
-                            <p:childTnLst>
-                              <p:par>
-                                <p:cTn id="13" presetID="10" presetClass="entr" presetSubtype="0" fill="hold" nodeType="clickEffect">
-                                  <p:stCondLst>
-                                    <p:cond delay="0"/>
-                                  </p:stCondLst>
-                                  <p:childTnLst>
-                                    <p:set>
-                                      <p:cBhvr>
-                                        <p:cTn id="14" dur="1" fill="hold">
-                                          <p:stCondLst>
-                                            <p:cond delay="0"/>
-                                          </p:stCondLst>
-                                        </p:cTn>
-                                        <p:tgtEl>
-                                          <p:spTgt spid="47108"/>
-                                        </p:tgtEl>
-                                        <p:attrNameLst>
-                                          <p:attrName>style.visibility</p:attrName>
-                                        </p:attrNameLst>
-                                      </p:cBhvr>
-                                      <p:to>
-                                        <p:strVal val="visible"/>
-                                      </p:to>
-                                    </p:set>
-                                    <p:animEffect transition="in" filter="fade">
-                                      <p:cBhvr>
-                                        <p:cTn id="15" dur="1000"/>
-                                        <p:tgtEl>
-                                          <p:spTgt spid="47108"/>
-                                        </p:tgtEl>
-                                      </p:cBhvr>
-                                    </p:animEffect>
-                                  </p:childTnLst>
-                                </p:cTn>
-                              </p:par>
-                            </p:childTnLst>
-                          </p:cTn>
-                        </p:par>
-                      </p:childTnLst>
-                    </p:cTn>
-                  </p:par>
-                </p:childTnLst>
-              </p:cTn>
-              <p:prevCondLst>
-                <p:cond evt="onPrev" delay="0">
-                  <p:tgtEl>
-                    <p:sldTgt/>
-                  </p:tgtEl>
-                </p:cond>
-              </p:prevCondLst>
-              <p:nextCondLst>
-                <p:cond evt="onNext" delay="0">
-                  <p:tgtEl>
-                    <p:sldTgt/>
-                  </p:tgtEl>
-                </p:cond>
-              </p:nextCondLst>
-            </p:seq>
-          </p:childTnLst>
-        </p:cTn>
+        <p:cTn xmlns:p14="http://schemas.microsoft.com/office/powerpoint/2010/main" id="1" dur="indefinite" restart="never" nodeType="tmRoot"/>
       </p:par>
     </p:tnLst>
-    <p:bldLst>
-      <p:bldP spid="7" grpId="0"/>
-      <p:bldP spid="6" grpId="0"/>
-    </p:bldLst>
   </p:timing>
 </p:sld>
 </file>
@@ -13909,7 +13648,7 @@
           <a:graphicData uri="http://schemas.openxmlformats.org/presentationml/2006/ole">
             <mc:AlternateContent xmlns:mc="http://schemas.openxmlformats.org/markup-compatibility/2006">
               <mc:Choice xmlns:v="urn:schemas-microsoft-com:vml" Requires="v">
-                <p:oleObj spid="_x0000_s48206" name="Equation" r:id="rId3" imgW="2235200" imgH="469900" progId="Equation.DSMT4">
+                <p:oleObj spid="_x0000_s48222" name="Equation" r:id="rId3" imgW="2235200" imgH="469900" progId="Equation.DSMT4">
                   <p:embed/>
                 </p:oleObj>
               </mc:Choice>
@@ -14040,7 +13779,7 @@
           <a:graphicData uri="http://schemas.openxmlformats.org/presentationml/2006/ole">
             <mc:AlternateContent xmlns:mc="http://schemas.openxmlformats.org/markup-compatibility/2006">
               <mc:Choice xmlns:v="urn:schemas-microsoft-com:vml" Requires="v">
-                <p:oleObj spid="_x0000_s48207" name="Equation" r:id="rId5" imgW="2451100" imgH="228600" progId="Equation.DSMT4">
+                <p:oleObj spid="_x0000_s48223" name="Equation" r:id="rId5" imgW="2451100" imgH="228600" progId="Equation.DSMT4">
                   <p:embed/>
                 </p:oleObj>
               </mc:Choice>
@@ -14104,7 +13843,7 @@
           <a:graphicData uri="http://schemas.openxmlformats.org/presentationml/2006/ole">
             <mc:AlternateContent xmlns:mc="http://schemas.openxmlformats.org/markup-compatibility/2006">
               <mc:Choice xmlns:v="urn:schemas-microsoft-com:vml" Requires="v">
-                <p:oleObj spid="_x0000_s48208" name="Equation" r:id="rId7" imgW="1270000" imgH="469900" progId="Equation.DSMT4">
+                <p:oleObj spid="_x0000_s48224" name="Equation" r:id="rId7" imgW="1270000" imgH="469900" progId="Equation.DSMT4">
                   <p:embed/>
                 </p:oleObj>
               </mc:Choice>
@@ -14174,7 +13913,7 @@
           <a:graphicData uri="http://schemas.openxmlformats.org/presentationml/2006/ole">
             <mc:AlternateContent xmlns:mc="http://schemas.openxmlformats.org/markup-compatibility/2006">
               <mc:Choice xmlns:v="urn:schemas-microsoft-com:vml" Requires="v">
-                <p:oleObj spid="_x0000_s48209" name="Equation" r:id="rId9" imgW="711200" imgH="469900" progId="Equation.DSMT4">
+                <p:oleObj spid="_x0000_s48225" name="Equation" r:id="rId9" imgW="711200" imgH="469900" progId="Equation.DSMT4">
                   <p:embed/>
                 </p:oleObj>
               </mc:Choice>
@@ -14365,7 +14104,7 @@
           <a:graphicData uri="http://schemas.openxmlformats.org/presentationml/2006/ole">
             <mc:AlternateContent xmlns:mc="http://schemas.openxmlformats.org/markup-compatibility/2006">
               <mc:Choice xmlns:v="urn:schemas-microsoft-com:vml" Requires="v">
-                <p:oleObj spid="_x0000_s48210" name="Equation" r:id="rId11" imgW="660400" imgH="469900" progId="Equation.DSMT4">
+                <p:oleObj spid="_x0000_s48226" name="Equation" r:id="rId11" imgW="660400" imgH="469900" progId="Equation.DSMT4">
                   <p:embed/>
                 </p:oleObj>
               </mc:Choice>
@@ -14992,7 +14731,7 @@
           <a:graphicData uri="http://schemas.openxmlformats.org/presentationml/2006/ole">
             <mc:AlternateContent xmlns:mc="http://schemas.openxmlformats.org/markup-compatibility/2006">
               <mc:Choice xmlns:v="urn:schemas-microsoft-com:vml" Requires="v">
-                <p:oleObj spid="_x0000_s36937" name="Equation" r:id="rId4" imgW="838200" imgH="215900" progId="Equation.DSMT4">
+                <p:oleObj spid="_x0000_s36953" name="Equation" r:id="rId4" imgW="838200" imgH="215900" progId="Equation.DSMT4">
                   <p:embed/>
                 </p:oleObj>
               </mc:Choice>
@@ -15062,7 +14801,7 @@
           <a:graphicData uri="http://schemas.openxmlformats.org/presentationml/2006/ole">
             <mc:AlternateContent xmlns:mc="http://schemas.openxmlformats.org/markup-compatibility/2006">
               <mc:Choice xmlns:v="urn:schemas-microsoft-com:vml" Requires="v">
-                <p:oleObj spid="_x0000_s36938" name="Equation" r:id="rId6" imgW="114300" imgH="165100" progId="Equation.DSMT4">
+                <p:oleObj spid="_x0000_s36954" name="Equation" r:id="rId6" imgW="114300" imgH="165100" progId="Equation.DSMT4">
                   <p:embed/>
                 </p:oleObj>
               </mc:Choice>
@@ -15132,7 +14871,7 @@
           <a:graphicData uri="http://schemas.openxmlformats.org/presentationml/2006/ole">
             <mc:AlternateContent xmlns:mc="http://schemas.openxmlformats.org/markup-compatibility/2006">
               <mc:Choice xmlns:v="urn:schemas-microsoft-com:vml" Requires="v">
-                <p:oleObj spid="_x0000_s36939" name="Equation" r:id="rId8" imgW="1663700" imgH="342900" progId="Equation.DSMT4">
+                <p:oleObj spid="_x0000_s36955" name="Equation" r:id="rId8" imgW="1663700" imgH="342900" progId="Equation.DSMT4">
                   <p:embed/>
                 </p:oleObj>
               </mc:Choice>
@@ -15202,7 +14941,7 @@
           <a:graphicData uri="http://schemas.openxmlformats.org/presentationml/2006/ole">
             <mc:AlternateContent xmlns:mc="http://schemas.openxmlformats.org/markup-compatibility/2006">
               <mc:Choice xmlns:v="urn:schemas-microsoft-com:vml" Requires="v">
-                <p:oleObj spid="_x0000_s36940" name="Equation" r:id="rId10" imgW="419100" imgH="190500" progId="Equation.DSMT4">
+                <p:oleObj spid="_x0000_s36956" name="Equation" r:id="rId10" imgW="419100" imgH="190500" progId="Equation.DSMT4">
                   <p:embed/>
                 </p:oleObj>
               </mc:Choice>
@@ -15272,7 +15011,7 @@
           <a:graphicData uri="http://schemas.openxmlformats.org/presentationml/2006/ole">
             <mc:AlternateContent xmlns:mc="http://schemas.openxmlformats.org/markup-compatibility/2006">
               <mc:Choice xmlns:v="urn:schemas-microsoft-com:vml" Requires="v">
-                <p:oleObj spid="_x0000_s36941" name="Equation" r:id="rId12" imgW="368300" imgH="190500" progId="Equation.DSMT4">
+                <p:oleObj spid="_x0000_s36957" name="Equation" r:id="rId12" imgW="368300" imgH="190500" progId="Equation.DSMT4">
                   <p:embed/>
                 </p:oleObj>
               </mc:Choice>
@@ -17168,7 +16907,7 @@
             <a:graphicData uri="http://schemas.openxmlformats.org/presentationml/2006/ole">
               <mc:AlternateContent xmlns:mc="http://schemas.openxmlformats.org/markup-compatibility/2006">
                 <mc:Choice xmlns:v="urn:schemas-microsoft-com:vml" Requires="v">
-                  <p:oleObj spid="_x0000_s1059" name="Equation" r:id="rId4" imgW="558720" imgH="419040" progId="Equation.DSMT4">
+                  <p:oleObj spid="_x0000_s1066" name="Equation" r:id="rId4" imgW="558720" imgH="419040" progId="Equation.DSMT4">
                     <p:embed/>
                   </p:oleObj>
                 </mc:Choice>
@@ -17239,7 +16978,7 @@
           <a:graphicData uri="http://schemas.openxmlformats.org/presentationml/2006/ole">
             <mc:AlternateContent xmlns:mc="http://schemas.openxmlformats.org/markup-compatibility/2006">
               <mc:Choice xmlns:v="urn:schemas-microsoft-com:vml" Requires="v">
-                <p:oleObj spid="_x0000_s1060" name="Equation" r:id="rId6" imgW="241200" imgH="215640" progId="Equation.DSMT4">
+                <p:oleObj spid="_x0000_s1067" name="Equation" r:id="rId6" imgW="241200" imgH="215640" progId="Equation.DSMT4">
                   <p:embed/>
                 </p:oleObj>
               </mc:Choice>
@@ -17763,14 +17502,7 @@
                 <a:latin typeface="Comic Sans MS" pitchFamily="66" charset="0"/>
                 <a:sym typeface="Euclid Symbol" pitchFamily="18" charset="2"/>
               </a:rPr>
-              <a:t> </a:t>
-            </a:r>
-            <a:r>
-              <a:rPr lang="en-US" sz="4800" dirty="0" smtClean="0">
-                <a:latin typeface="Comic Sans MS" pitchFamily="66" charset="0"/>
-                <a:sym typeface="Euclid Symbol" pitchFamily="18" charset="2"/>
-              </a:rPr>
-              <a:t>number</a:t>
+              <a:t> number</a:t>
             </a:r>
             <a:r>
               <a:rPr lang="en-US" sz="4800" dirty="0" smtClean="0">
@@ -17821,7 +17553,7 @@
           <a:graphicData uri="http://schemas.openxmlformats.org/presentationml/2006/ole">
             <mc:AlternateContent xmlns:mc="http://schemas.openxmlformats.org/markup-compatibility/2006">
               <mc:Choice xmlns:v="urn:schemas-microsoft-com:vml" Requires="v">
-                <p:oleObj spid="_x0000_s2085" name="Equation" r:id="rId4" imgW="596880" imgH="419040" progId="Equation.DSMT4">
+                <p:oleObj spid="_x0000_s2092" name="Equation" r:id="rId4" imgW="596880" imgH="419040" progId="Equation.DSMT4">
                   <p:embed/>
                 </p:oleObj>
               </mc:Choice>
@@ -18019,7 +17751,7 @@
           <a:graphicData uri="http://schemas.openxmlformats.org/presentationml/2006/ole">
             <mc:AlternateContent xmlns:mc="http://schemas.openxmlformats.org/markup-compatibility/2006">
               <mc:Choice xmlns:v="urn:schemas-microsoft-com:vml" Requires="v">
-                <p:oleObj spid="_x0000_s2086" name="Equation" r:id="rId6" imgW="863280" imgH="558720" progId="Equation.DSMT4">
+                <p:oleObj spid="_x0000_s2093" name="Equation" r:id="rId6" imgW="863280" imgH="558720" progId="Equation.DSMT4">
                   <p:embed/>
                 </p:oleObj>
               </mc:Choice>
@@ -18658,7 +18390,7 @@
           <a:graphicData uri="http://schemas.openxmlformats.org/presentationml/2006/ole">
             <mc:AlternateContent xmlns:mc="http://schemas.openxmlformats.org/markup-compatibility/2006">
               <mc:Choice xmlns:v="urn:schemas-microsoft-com:vml" Requires="v">
-                <p:oleObj spid="_x0000_s4119" name="Equation" r:id="rId4" imgW="596880" imgH="419040" progId="Equation.DSMT4">
+                <p:oleObj spid="_x0000_s4123" name="Equation" r:id="rId4" imgW="596880" imgH="419040" progId="Equation.DSMT4">
                   <p:embed/>
                 </p:oleObj>
               </mc:Choice>
@@ -18767,14 +18499,7 @@
                 <a:latin typeface="Comic Sans MS" pitchFamily="66" charset="0"/>
                 <a:sym typeface="Euclid Symbol" pitchFamily="18" charset="2"/>
               </a:rPr>
-              <a:t> </a:t>
-            </a:r>
-            <a:r>
-              <a:rPr lang="en-US" sz="4800" dirty="0" smtClean="0">
-                <a:latin typeface="Comic Sans MS" pitchFamily="66" charset="0"/>
-                <a:sym typeface="Euclid Symbol" pitchFamily="18" charset="2"/>
-              </a:rPr>
-              <a:t>number</a:t>
+              <a:t> number</a:t>
             </a:r>
             <a:r>
               <a:rPr lang="en-US" sz="4800" dirty="0" smtClean="0">

--- a/fall11/slidesF11/slides2m.pptx
+++ b/fall11/slidesF11/slides2m.pptx
@@ -8342,13 +8342,13 @@
   <p:clrMapOvr>
     <a:masterClrMapping/>
   </p:clrMapOvr>
-  <mc:AlternateContent xmlns:mc="http://schemas.openxmlformats.org/markup-compatibility/2006">
-    <mc:Choice xmlns:p14="http://schemas.microsoft.com/office/powerpoint/2010/main" Requires="p14">
+  <mc:AlternateContent xmlns:mc="http://schemas.openxmlformats.org/markup-compatibility/2006" xmlns:p14="http://schemas.microsoft.com/office/powerpoint/2010/main">
+    <mc:Choice Requires="p14">
       <p:transition spd="med" p14:dur="700">
         <p:fade/>
       </p:transition>
     </mc:Choice>
-    <mc:Fallback>
+    <mc:Fallback xmlns="">
       <p:transition xmlns:p14="http://schemas.microsoft.com/office/powerpoint/2010/main" spd="med">
         <p:fade/>
       </p:transition>
@@ -9437,6 +9437,18 @@
   <p:clrMapOvr>
     <a:masterClrMapping/>
   </p:clrMapOvr>
+  <mc:AlternateContent xmlns:mc="http://schemas.openxmlformats.org/markup-compatibility/2006">
+    <mc:Choice xmlns:p14="http://schemas.microsoft.com/office/powerpoint/2010/main" Requires="p14">
+      <p:transition spd="med" p14:dur="700">
+        <p:fade/>
+      </p:transition>
+    </mc:Choice>
+    <mc:Fallback>
+      <p:transition xmlns:p14="http://schemas.microsoft.com/office/powerpoint/2010/main" spd="med">
+        <p:fade/>
+      </p:transition>
+    </mc:Fallback>
+  </mc:AlternateContent>
   <p:timing>
     <p:tnLst>
       <p:par>
@@ -10062,6 +10074,18 @@
   <p:clrMapOvr>
     <a:masterClrMapping/>
   </p:clrMapOvr>
+  <mc:AlternateContent xmlns:mc="http://schemas.openxmlformats.org/markup-compatibility/2006">
+    <mc:Choice xmlns:p14="http://schemas.microsoft.com/office/powerpoint/2010/main" Requires="p14">
+      <p:transition spd="med" p14:dur="700">
+        <p:fade/>
+      </p:transition>
+    </mc:Choice>
+    <mc:Fallback>
+      <p:transition xmlns:p14="http://schemas.microsoft.com/office/powerpoint/2010/main" spd="med">
+        <p:fade/>
+      </p:transition>
+    </mc:Fallback>
+  </mc:AlternateContent>
   <p:timing>
     <p:tnLst>
       <p:par>
@@ -12051,7 +12075,7 @@
           <a:graphicData uri="http://schemas.openxmlformats.org/presentationml/2006/ole">
             <mc:AlternateContent xmlns:mc="http://schemas.openxmlformats.org/markup-compatibility/2006">
               <mc:Choice xmlns:v="urn:schemas-microsoft-com:vml" Requires="v">
-                <p:oleObj spid="_x0000_s47150" name="Equation" r:id="rId3" imgW="2273300" imgH="469900" progId="Equation.DSMT4">
+                <p:oleObj spid="_x0000_s47153" name="Equation" r:id="rId3" imgW="2273300" imgH="469900" progId="Equation.DSMT4">
                   <p:embed/>
                 </p:oleObj>
               </mc:Choice>
@@ -12271,7 +12295,7 @@
           <a:graphicData uri="http://schemas.openxmlformats.org/presentationml/2006/ole">
             <mc:AlternateContent xmlns:mc="http://schemas.openxmlformats.org/markup-compatibility/2006">
               <mc:Choice xmlns:v="urn:schemas-microsoft-com:vml" Requires="v">
-                <p:oleObj spid="_x0000_s47151" name="Equation" r:id="rId5" imgW="2501900" imgH="469900" progId="Equation.DSMT4">
+                <p:oleObj spid="_x0000_s47154" name="Equation" r:id="rId5" imgW="2501900" imgH="469900" progId="Equation.DSMT4">
                   <p:embed/>
                 </p:oleObj>
               </mc:Choice>
@@ -13180,7 +13204,7 @@
           <a:graphicData uri="http://schemas.openxmlformats.org/presentationml/2006/ole">
             <mc:AlternateContent xmlns:mc="http://schemas.openxmlformats.org/markup-compatibility/2006">
               <mc:Choice xmlns:v="urn:schemas-microsoft-com:vml" Requires="v">
-                <p:oleObj spid="_x0000_s50195" name="Equation" r:id="rId3" imgW="2273300" imgH="469900" progId="Equation.DSMT4">
+                <p:oleObj spid="_x0000_s50198" name="Equation" r:id="rId3" imgW="2273300" imgH="469900" progId="Equation.DSMT4">
                   <p:embed/>
                 </p:oleObj>
               </mc:Choice>
@@ -13400,7 +13424,7 @@
           <a:graphicData uri="http://schemas.openxmlformats.org/presentationml/2006/ole">
             <mc:AlternateContent xmlns:mc="http://schemas.openxmlformats.org/markup-compatibility/2006">
               <mc:Choice xmlns:v="urn:schemas-microsoft-com:vml" Requires="v">
-                <p:oleObj spid="_x0000_s50196" name="Equation" r:id="rId5" imgW="2400300" imgH="469900" progId="Equation.DSMT4">
+                <p:oleObj spid="_x0000_s50199" name="Equation" r:id="rId5" imgW="2400300" imgH="469900" progId="Equation.DSMT4">
                   <p:embed/>
                 </p:oleObj>
               </mc:Choice>
@@ -13648,7 +13672,7 @@
           <a:graphicData uri="http://schemas.openxmlformats.org/presentationml/2006/ole">
             <mc:AlternateContent xmlns:mc="http://schemas.openxmlformats.org/markup-compatibility/2006">
               <mc:Choice xmlns:v="urn:schemas-microsoft-com:vml" Requires="v">
-                <p:oleObj spid="_x0000_s48222" name="Equation" r:id="rId3" imgW="2235200" imgH="469900" progId="Equation.DSMT4">
+                <p:oleObj spid="_x0000_s48228" name="Equation" r:id="rId3" imgW="2235200" imgH="469900" progId="Equation.DSMT4">
                   <p:embed/>
                 </p:oleObj>
               </mc:Choice>
@@ -13779,7 +13803,7 @@
           <a:graphicData uri="http://schemas.openxmlformats.org/presentationml/2006/ole">
             <mc:AlternateContent xmlns:mc="http://schemas.openxmlformats.org/markup-compatibility/2006">
               <mc:Choice xmlns:v="urn:schemas-microsoft-com:vml" Requires="v">
-                <p:oleObj spid="_x0000_s48223" name="Equation" r:id="rId5" imgW="2451100" imgH="228600" progId="Equation.DSMT4">
+                <p:oleObj spid="_x0000_s48229" name="Equation" r:id="rId5" imgW="2451100" imgH="228600" progId="Equation.DSMT4">
                   <p:embed/>
                 </p:oleObj>
               </mc:Choice>
@@ -13833,22 +13857,28 @@
           <p:cNvGraphicFramePr>
             <a:graphicFrameLocks noChangeAspect="1"/>
           </p:cNvGraphicFramePr>
-          <p:nvPr/>
+          <p:nvPr>
+            <p:extLst>
+              <p:ext uri="{D42A27DB-BD31-4B8C-83A1-F6EECF244321}">
+                <p14:modId xmlns:p14="http://schemas.microsoft.com/office/powerpoint/2010/main" val="343876205"/>
+              </p:ext>
+            </p:extLst>
+          </p:nvPr>
         </p:nvGraphicFramePr>
         <p:xfrm>
-          <a:off x="328613" y="3446793"/>
-          <a:ext cx="4167187" cy="1543050"/>
+          <a:off x="369888" y="3446463"/>
+          <a:ext cx="4083050" cy="1543050"/>
         </p:xfrm>
         <a:graphic>
           <a:graphicData uri="http://schemas.openxmlformats.org/presentationml/2006/ole">
             <mc:AlternateContent xmlns:mc="http://schemas.openxmlformats.org/markup-compatibility/2006">
               <mc:Choice xmlns:v="urn:schemas-microsoft-com:vml" Requires="v">
-                <p:oleObj spid="_x0000_s48224" name="Equation" r:id="rId7" imgW="1270000" imgH="469900" progId="Equation.DSMT4">
+                <p:oleObj spid="_x0000_s48230" name="Equation" r:id="rId7" imgW="1244600" imgH="469900" progId="Equation.DSMT4">
                   <p:embed/>
                 </p:oleObj>
               </mc:Choice>
               <mc:Fallback>
-                <p:oleObj name="Equation" r:id="rId7" imgW="1270000" imgH="469900" progId="Equation.DSMT4">
+                <p:oleObj name="Equation" r:id="rId7" imgW="1244600" imgH="469900" progId="Equation.DSMT4">
                   <p:embed/>
                   <p:pic>
                     <p:nvPicPr>
@@ -13859,13 +13889,7 @@
                       <p:nvPr/>
                     </p:nvPicPr>
                     <p:blipFill>
-                      <a:blip r:embed="rId8">
-                        <a:extLst>
-                          <a:ext uri="{28A0092B-C50C-407E-A947-70E740481C1C}">
-                            <a14:useLocalDpi xmlns:a14="http://schemas.microsoft.com/office/drawing/2010/main" val="0"/>
-                          </a:ext>
-                        </a:extLst>
-                      </a:blip>
+                      <a:blip r:embed="rId8"/>
                       <a:srcRect/>
                       <a:stretch>
                         <a:fillRect/>
@@ -13873,8 +13897,8 @@
                     </p:blipFill>
                     <p:spPr bwMode="auto">
                       <a:xfrm>
-                        <a:off x="328613" y="3446793"/>
-                        <a:ext cx="4167187" cy="1543050"/>
+                        <a:off x="369888" y="3446463"/>
+                        <a:ext cx="4083050" cy="1543050"/>
                       </a:xfrm>
                       <a:prstGeom prst="rect">
                         <a:avLst/>
@@ -13913,7 +13937,7 @@
           <a:graphicData uri="http://schemas.openxmlformats.org/presentationml/2006/ole">
             <mc:AlternateContent xmlns:mc="http://schemas.openxmlformats.org/markup-compatibility/2006">
               <mc:Choice xmlns:v="urn:schemas-microsoft-com:vml" Requires="v">
-                <p:oleObj spid="_x0000_s48225" name="Equation" r:id="rId9" imgW="711200" imgH="469900" progId="Equation.DSMT4">
+                <p:oleObj spid="_x0000_s48231" name="Equation" r:id="rId9" imgW="711200" imgH="469900" progId="Equation.DSMT4">
                   <p:embed/>
                 </p:oleObj>
               </mc:Choice>
@@ -14104,7 +14128,7 @@
           <a:graphicData uri="http://schemas.openxmlformats.org/presentationml/2006/ole">
             <mc:AlternateContent xmlns:mc="http://schemas.openxmlformats.org/markup-compatibility/2006">
               <mc:Choice xmlns:v="urn:schemas-microsoft-com:vml" Requires="v">
-                <p:oleObj spid="_x0000_s48226" name="Equation" r:id="rId11" imgW="660400" imgH="469900" progId="Equation.DSMT4">
+                <p:oleObj spid="_x0000_s48232" name="Equation" r:id="rId11" imgW="660400" imgH="469900" progId="Equation.DSMT4">
                   <p:embed/>
                 </p:oleObj>
               </mc:Choice>
@@ -14731,7 +14755,7 @@
           <a:graphicData uri="http://schemas.openxmlformats.org/presentationml/2006/ole">
             <mc:AlternateContent xmlns:mc="http://schemas.openxmlformats.org/markup-compatibility/2006">
               <mc:Choice xmlns:v="urn:schemas-microsoft-com:vml" Requires="v">
-                <p:oleObj spid="_x0000_s36953" name="Equation" r:id="rId4" imgW="838200" imgH="215900" progId="Equation.DSMT4">
+                <p:oleObj spid="_x0000_s36959" name="Equation" r:id="rId4" imgW="838200" imgH="215900" progId="Equation.DSMT4">
                   <p:embed/>
                 </p:oleObj>
               </mc:Choice>
@@ -14801,7 +14825,7 @@
           <a:graphicData uri="http://schemas.openxmlformats.org/presentationml/2006/ole">
             <mc:AlternateContent xmlns:mc="http://schemas.openxmlformats.org/markup-compatibility/2006">
               <mc:Choice xmlns:v="urn:schemas-microsoft-com:vml" Requires="v">
-                <p:oleObj spid="_x0000_s36954" name="Equation" r:id="rId6" imgW="114300" imgH="165100" progId="Equation.DSMT4">
+                <p:oleObj spid="_x0000_s36960" name="Equation" r:id="rId6" imgW="114300" imgH="165100" progId="Equation.DSMT4">
                   <p:embed/>
                 </p:oleObj>
               </mc:Choice>
@@ -14871,7 +14895,7 @@
           <a:graphicData uri="http://schemas.openxmlformats.org/presentationml/2006/ole">
             <mc:AlternateContent xmlns:mc="http://schemas.openxmlformats.org/markup-compatibility/2006">
               <mc:Choice xmlns:v="urn:schemas-microsoft-com:vml" Requires="v">
-                <p:oleObj spid="_x0000_s36955" name="Equation" r:id="rId8" imgW="1663700" imgH="342900" progId="Equation.DSMT4">
+                <p:oleObj spid="_x0000_s36961" name="Equation" r:id="rId8" imgW="1663700" imgH="342900" progId="Equation.DSMT4">
                   <p:embed/>
                 </p:oleObj>
               </mc:Choice>
@@ -14941,7 +14965,7 @@
           <a:graphicData uri="http://schemas.openxmlformats.org/presentationml/2006/ole">
             <mc:AlternateContent xmlns:mc="http://schemas.openxmlformats.org/markup-compatibility/2006">
               <mc:Choice xmlns:v="urn:schemas-microsoft-com:vml" Requires="v">
-                <p:oleObj spid="_x0000_s36956" name="Equation" r:id="rId10" imgW="419100" imgH="190500" progId="Equation.DSMT4">
+                <p:oleObj spid="_x0000_s36962" name="Equation" r:id="rId10" imgW="419100" imgH="190500" progId="Equation.DSMT4">
                   <p:embed/>
                 </p:oleObj>
               </mc:Choice>
@@ -15011,7 +15035,7 @@
           <a:graphicData uri="http://schemas.openxmlformats.org/presentationml/2006/ole">
             <mc:AlternateContent xmlns:mc="http://schemas.openxmlformats.org/markup-compatibility/2006">
               <mc:Choice xmlns:v="urn:schemas-microsoft-com:vml" Requires="v">
-                <p:oleObj spid="_x0000_s36957" name="Equation" r:id="rId12" imgW="368300" imgH="190500" progId="Equation.DSMT4">
+                <p:oleObj spid="_x0000_s36963" name="Equation" r:id="rId12" imgW="368300" imgH="190500" progId="Equation.DSMT4">
                   <p:embed/>
                 </p:oleObj>
               </mc:Choice>
@@ -15653,7 +15677,18 @@
   <p:clrMapOvr>
     <a:masterClrMapping/>
   </p:clrMapOvr>
-  <p:transition xmlns:p14="http://schemas.microsoft.com/office/powerpoint/2010/main"/>
+  <mc:AlternateContent xmlns:mc="http://schemas.openxmlformats.org/markup-compatibility/2006">
+    <mc:Choice xmlns:p14="http://schemas.microsoft.com/office/powerpoint/2010/main" Requires="p14">
+      <p:transition p14:dur="100">
+        <p:cut/>
+      </p:transition>
+    </mc:Choice>
+    <mc:Fallback>
+      <p:transition xmlns:p14="http://schemas.microsoft.com/office/powerpoint/2010/main">
+        <p:cut/>
+      </p:transition>
+    </mc:Fallback>
+  </mc:AlternateContent>
   <p:timing>
     <p:tnLst>
       <p:par>
@@ -16907,7 +16942,7 @@
             <a:graphicData uri="http://schemas.openxmlformats.org/presentationml/2006/ole">
               <mc:AlternateContent xmlns:mc="http://schemas.openxmlformats.org/markup-compatibility/2006">
                 <mc:Choice xmlns:v="urn:schemas-microsoft-com:vml" Requires="v">
-                  <p:oleObj spid="_x0000_s1066" name="Equation" r:id="rId4" imgW="558720" imgH="419040" progId="Equation.DSMT4">
+                  <p:oleObj spid="_x0000_s1069" name="Equation" r:id="rId4" imgW="558720" imgH="419040" progId="Equation.DSMT4">
                     <p:embed/>
                   </p:oleObj>
                 </mc:Choice>
@@ -16978,7 +17013,7 @@
           <a:graphicData uri="http://schemas.openxmlformats.org/presentationml/2006/ole">
             <mc:AlternateContent xmlns:mc="http://schemas.openxmlformats.org/markup-compatibility/2006">
               <mc:Choice xmlns:v="urn:schemas-microsoft-com:vml" Requires="v">
-                <p:oleObj spid="_x0000_s1067" name="Equation" r:id="rId6" imgW="241200" imgH="215640" progId="Equation.DSMT4">
+                <p:oleObj spid="_x0000_s1070" name="Equation" r:id="rId6" imgW="241200" imgH="215640" progId="Equation.DSMT4">
                   <p:embed/>
                 </p:oleObj>
               </mc:Choice>
@@ -17228,8 +17263,8 @@
   <p:clrMapOvr>
     <a:masterClrMapping/>
   </p:clrMapOvr>
-  <p:transition xmlns:p14="http://schemas.microsoft.com/office/powerpoint/2010/main">
-    <p:dissolve/>
+  <p:transition xmlns:p14="http://schemas.microsoft.com/office/powerpoint/2010/main" spd="slow">
+    <p:fade thruBlk="1"/>
   </p:transition>
   <p:timing>
     <p:tnLst>
@@ -17553,7 +17588,7 @@
           <a:graphicData uri="http://schemas.openxmlformats.org/presentationml/2006/ole">
             <mc:AlternateContent xmlns:mc="http://schemas.openxmlformats.org/markup-compatibility/2006">
               <mc:Choice xmlns:v="urn:schemas-microsoft-com:vml" Requires="v">
-                <p:oleObj spid="_x0000_s2092" name="Equation" r:id="rId4" imgW="596880" imgH="419040" progId="Equation.DSMT4">
+                <p:oleObj spid="_x0000_s2095" name="Equation" r:id="rId4" imgW="596880" imgH="419040" progId="Equation.DSMT4">
                   <p:embed/>
                 </p:oleObj>
               </mc:Choice>
@@ -17751,7 +17786,7 @@
           <a:graphicData uri="http://schemas.openxmlformats.org/presentationml/2006/ole">
             <mc:AlternateContent xmlns:mc="http://schemas.openxmlformats.org/markup-compatibility/2006">
               <mc:Choice xmlns:v="urn:schemas-microsoft-com:vml" Requires="v">
-                <p:oleObj spid="_x0000_s2093" name="Equation" r:id="rId6" imgW="863280" imgH="558720" progId="Equation.DSMT4">
+                <p:oleObj spid="_x0000_s2096" name="Equation" r:id="rId6" imgW="863280" imgH="558720" progId="Equation.DSMT4">
                   <p:embed/>
                 </p:oleObj>
               </mc:Choice>
@@ -17989,7 +18024,18 @@
   <p:clrMapOvr>
     <a:masterClrMapping/>
   </p:clrMapOvr>
-  <p:transition xmlns:p14="http://schemas.microsoft.com/office/powerpoint/2010/main"/>
+  <mc:AlternateContent xmlns:mc="http://schemas.openxmlformats.org/markup-compatibility/2006">
+    <mc:Choice xmlns:p14="http://schemas.microsoft.com/office/powerpoint/2010/main" Requires="p14">
+      <p:transition spd="med" p14:dur="700">
+        <p:fade/>
+      </p:transition>
+    </mc:Choice>
+    <mc:Fallback>
+      <p:transition xmlns:p14="http://schemas.microsoft.com/office/powerpoint/2010/main" spd="med">
+        <p:fade/>
+      </p:transition>
+    </mc:Fallback>
+  </mc:AlternateContent>
   <p:timing>
     <p:tnLst>
       <p:par>
@@ -18390,7 +18436,7 @@
           <a:graphicData uri="http://schemas.openxmlformats.org/presentationml/2006/ole">
             <mc:AlternateContent xmlns:mc="http://schemas.openxmlformats.org/markup-compatibility/2006">
               <mc:Choice xmlns:v="urn:schemas-microsoft-com:vml" Requires="v">
-                <p:oleObj spid="_x0000_s4123" name="Equation" r:id="rId4" imgW="596880" imgH="419040" progId="Equation.DSMT4">
+                <p:oleObj spid="_x0000_s4125" name="Equation" r:id="rId4" imgW="596880" imgH="419040" progId="Equation.DSMT4">
                   <p:embed/>
                 </p:oleObj>
               </mc:Choice>
@@ -18720,6 +18766,18 @@
   <p:clrMapOvr>
     <a:masterClrMapping/>
   </p:clrMapOvr>
+  <mc:AlternateContent xmlns:mc="http://schemas.openxmlformats.org/markup-compatibility/2006">
+    <mc:Choice xmlns:p14="http://schemas.microsoft.com/office/powerpoint/2010/main" Requires="p14">
+      <p:transition spd="med" p14:dur="700">
+        <p:fade thruBlk="1"/>
+      </p:transition>
+    </mc:Choice>
+    <mc:Fallback>
+      <p:transition xmlns:p14="http://schemas.microsoft.com/office/powerpoint/2010/main" spd="med">
+        <p:fade thruBlk="1"/>
+      </p:transition>
+    </mc:Fallback>
+  </mc:AlternateContent>
   <p:timing>
     <p:tnLst>
       <p:par>
